--- a/Präsentation/Präsentation.pptx
+++ b/Präsentation/Präsentation.pptx
@@ -4416,7 +4416,7 @@
           <a:p>
             <a:fld id="{5C20507F-F644-498B-8FD8-DF1C414025EC}" type="datetimeFigureOut">
               <a:rPr lang="de-DE" smtClean="0"/>
-              <a:t>03.11.2019</a:t>
+              <a:t>04.11.2019</a:t>
             </a:fld>
             <a:endParaRPr lang="de-DE"/>
           </a:p>
@@ -4929,7 +4929,7 @@
             </a:pPr>
             <a:r>
               <a:rPr lang="de-DE" dirty="0"/>
-              <a:t>-   Endprodukt wird für etwa 0.87€/l  verkauft</a:t>
+              <a:t>-   Endprodukt wird für etwa 0.87€/500ml  verkauft</a:t>
             </a:r>
           </a:p>
           <a:p>
@@ -4949,13 +4949,8 @@
             </a:pPr>
             <a:r>
               <a:rPr lang="de-DE" dirty="0"/>
-              <a:t>Produktionskosten von 0.675€</a:t>
-            </a:r>
-            <a:r>
-              <a:rPr lang="de-DE"/>
-              <a:t>/l</a:t>
-            </a:r>
-            <a:endParaRPr lang="de-DE" dirty="0"/>
+              <a:t>Produktionskosten von 0.675€/500ml</a:t>
+            </a:r>
           </a:p>
         </p:txBody>
       </p:sp>
@@ -5221,7 +5216,7 @@
           <a:p>
             <a:fld id="{E20E4F3F-845D-4F9B-8146-D1519830B904}" type="datetime1">
               <a:rPr lang="de-DE" smtClean="0"/>
-              <a:t>03.11.2019</a:t>
+              <a:t>04.11.2019</a:t>
             </a:fld>
             <a:endParaRPr lang="de-DE"/>
           </a:p>
@@ -5444,7 +5439,7 @@
           <a:p>
             <a:fld id="{D6AF7F36-D3CF-4CB1-A198-5DBF5AE98F98}" type="datetime1">
               <a:rPr lang="de-DE" smtClean="0"/>
-              <a:t>03.11.2019</a:t>
+              <a:t>04.11.2019</a:t>
             </a:fld>
             <a:endParaRPr lang="de-DE"/>
           </a:p>
@@ -5715,7 +5710,7 @@
           <a:p>
             <a:fld id="{D034C2E4-6ADB-4C4E-B6E6-AED16E990A6B}" type="datetime1">
               <a:rPr lang="de-DE" smtClean="0"/>
-              <a:t>03.11.2019</a:t>
+              <a:t>04.11.2019</a:t>
             </a:fld>
             <a:endParaRPr lang="de-DE"/>
           </a:p>
@@ -5900,7 +5895,7 @@
           <a:p>
             <a:fld id="{8CAE0EDF-60BD-4F7C-BA0E-CEC3494323E3}" type="datetime1">
               <a:rPr lang="de-DE" smtClean="0"/>
-              <a:t>03.11.2019</a:t>
+              <a:t>04.11.2019</a:t>
             </a:fld>
             <a:endParaRPr lang="de-DE"/>
           </a:p>
@@ -6258,7 +6253,7 @@
           <a:p>
             <a:fld id="{65E87D71-8681-4979-A5E3-070DCB1B5789}" type="datetime1">
               <a:rPr lang="de-DE" smtClean="0"/>
-              <a:t>03.11.2019</a:t>
+              <a:t>04.11.2019</a:t>
             </a:fld>
             <a:endParaRPr lang="de-DE"/>
           </a:p>
@@ -6548,7 +6543,7 @@
           <a:p>
             <a:fld id="{FA6C8370-3AD9-4037-968C-483DB437FCFE}" type="datetime1">
               <a:rPr lang="de-DE" smtClean="0"/>
-              <a:t>03.11.2019</a:t>
+              <a:t>04.11.2019</a:t>
             </a:fld>
             <a:endParaRPr lang="de-DE"/>
           </a:p>
@@ -6942,7 +6937,7 @@
           <a:p>
             <a:fld id="{A9D059DF-F17F-4E6E-B5FE-C4568F9CDDED}" type="datetime1">
               <a:rPr lang="de-DE" smtClean="0"/>
-              <a:t>03.11.2019</a:t>
+              <a:t>04.11.2019</a:t>
             </a:fld>
             <a:endParaRPr lang="de-DE"/>
           </a:p>
@@ -7075,7 +7070,7 @@
           <a:p>
             <a:fld id="{33C65DDB-696D-4624-8A56-11F23A4BD75D}" type="datetime1">
               <a:rPr lang="de-DE" smtClean="0"/>
-              <a:t>03.11.2019</a:t>
+              <a:t>04.11.2019</a:t>
             </a:fld>
             <a:endParaRPr lang="de-DE"/>
           </a:p>
@@ -7261,7 +7256,7 @@
           <a:p>
             <a:fld id="{3755A3D4-8D6E-4B3D-815E-622AEB78E06F}" type="datetime1">
               <a:rPr lang="de-DE" smtClean="0"/>
-              <a:t>03.11.2019</a:t>
+              <a:t>04.11.2019</a:t>
             </a:fld>
             <a:endParaRPr lang="de-DE"/>
           </a:p>
@@ -7630,7 +7625,7 @@
           <a:p>
             <a:fld id="{6B6C2961-9553-4839-AF75-01B62C904A1D}" type="datetime1">
               <a:rPr lang="de-DE" smtClean="0"/>
-              <a:t>03.11.2019</a:t>
+              <a:t>04.11.2019</a:t>
             </a:fld>
             <a:endParaRPr lang="de-DE"/>
           </a:p>
@@ -8022,7 +8017,7 @@
           <a:p>
             <a:fld id="{FA987991-0E6C-4CA2-9EA8-4339CDBF957C}" type="datetime1">
               <a:rPr lang="de-DE" smtClean="0"/>
-              <a:t>03.11.2019</a:t>
+              <a:t>04.11.2019</a:t>
             </a:fld>
             <a:endParaRPr lang="de-DE"/>
           </a:p>
@@ -8324,7 +8319,7 @@
           <a:p>
             <a:fld id="{D143D594-0D86-4019-A654-65D000944FED}" type="datetime1">
               <a:rPr lang="de-DE" smtClean="0"/>
-              <a:t>03.11.2019</a:t>
+              <a:t>04.11.2019</a:t>
             </a:fld>
             <a:endParaRPr lang="de-DE"/>
           </a:p>
@@ -10579,14 +10574,14 @@
             </a:br>
             <a:r>
               <a:rPr lang="de-DE" dirty="0"/>
-              <a:t>(1 – 0.10) * 10 000l * 0.0675 €/l = 607.5€ </a:t>
+              <a:t>(1 – 0.10) * 10 000l * 0.0675 €/500ml = 607.5€ /pro 5 000l</a:t>
             </a:r>
             <a:br>
               <a:rPr lang="de-DE" dirty="0"/>
             </a:br>
             <a:r>
               <a:rPr lang="de-DE" dirty="0"/>
-              <a:t>(1 – 0.01) * 10 000l * 0.0675 €/l = 668.25€  =&gt; 60.75€ mehr Gewinn pro 10 000l</a:t>
+              <a:t>(1 – 0.01) * 10 000l * 0.0675 €/500ml = 668.25€  =&gt; 60.75€ mehr Gewinn pro 5 000l</a:t>
             </a:r>
           </a:p>
           <a:p>
@@ -14228,8 +14223,8 @@
         </p:nvCxnSpPr>
         <p:spPr>
           <a:xfrm flipV="1">
-            <a:off x="4688189" y="2538248"/>
-            <a:ext cx="0" cy="591207"/>
+            <a:off x="4688189" y="3263464"/>
+            <a:ext cx="0" cy="536026"/>
           </a:xfrm>
           <a:prstGeom prst="straightConnector1">
             <a:avLst/>
@@ -14275,7 +14270,7 @@
         </p:nvCxnSpPr>
         <p:spPr>
           <a:xfrm flipH="1">
-            <a:off x="367932" y="2538248"/>
+            <a:off x="367932" y="3263462"/>
             <a:ext cx="4320257" cy="1"/>
           </a:xfrm>
           <a:prstGeom prst="straightConnector1">

--- a/Präsentation/Präsentation.pptx
+++ b/Präsentation/Präsentation.pptx
@@ -4727,7 +4727,10 @@
           <a:bodyPr/>
           <a:lstStyle/>
           <a:p>
-            <a:endParaRPr lang="de-DE" dirty="0"/>
+            <a:r>
+              <a:rPr lang="de-DE" dirty="0"/>
+              <a:t>- RFID ist noch optional</a:t>
+            </a:r>
           </a:p>
         </p:txBody>
       </p:sp>
@@ -4748,7 +4751,7 @@
           <a:p>
             <a:fld id="{2F526E87-3F77-4BDE-BD80-0F6E2B67AF76}" type="slidenum">
               <a:rPr lang="de-DE" smtClean="0"/>
-              <a:t>10</a:t>
+              <a:t>6</a:t>
             </a:fld>
             <a:endParaRPr lang="de-DE"/>
           </a:p>
@@ -4757,7 +4760,7 @@
     </p:spTree>
     <p:extLst>
       <p:ext uri="{BB962C8B-B14F-4D97-AF65-F5344CB8AC3E}">
-        <p14:creationId xmlns:p14="http://schemas.microsoft.com/office/powerpoint/2010/main" val="2559009092"/>
+        <p14:creationId xmlns:p14="http://schemas.microsoft.com/office/powerpoint/2010/main" val="410983260"/>
       </p:ext>
     </p:extLst>
   </p:cSld>
@@ -4811,16 +4814,7 @@
           <a:bodyPr/>
           <a:lstStyle/>
           <a:p>
-            <a:r>
-              <a:rPr lang="de-DE" dirty="0"/>
-              <a:t>Annahme:</a:t>
-            </a:r>
-          </a:p>
-          <a:p>
-            <a:r>
-              <a:rPr lang="de-DE" dirty="0"/>
-              <a:t>-   40 Mitarbeiter zeitgleich in der Produktion arbeiten -&gt; 40 Tablets + 40 SAP User</a:t>
-            </a:r>
+            <a:endParaRPr lang="de-DE" dirty="0"/>
           </a:p>
         </p:txBody>
       </p:sp>
@@ -4841,7 +4835,7 @@
           <a:p>
             <a:fld id="{2F526E87-3F77-4BDE-BD80-0F6E2B67AF76}" type="slidenum">
               <a:rPr lang="de-DE" smtClean="0"/>
-              <a:t>11</a:t>
+              <a:t>10</a:t>
             </a:fld>
             <a:endParaRPr lang="de-DE"/>
           </a:p>
@@ -4850,7 +4844,7 @@
     </p:spTree>
     <p:extLst>
       <p:ext uri="{BB962C8B-B14F-4D97-AF65-F5344CB8AC3E}">
-        <p14:creationId xmlns:p14="http://schemas.microsoft.com/office/powerpoint/2010/main" val="2987293007"/>
+        <p14:creationId xmlns:p14="http://schemas.microsoft.com/office/powerpoint/2010/main" val="2559009092"/>
       </p:ext>
     </p:extLst>
   </p:cSld>
@@ -4906,6 +4900,118 @@
           <a:p>
             <a:r>
               <a:rPr lang="de-DE" dirty="0"/>
+              <a:t>Annahme:</a:t>
+            </a:r>
+          </a:p>
+          <a:p>
+            <a:pPr marL="171450" indent="-171450">
+              <a:buFontTx/>
+              <a:buChar char="-"/>
+            </a:pPr>
+            <a:r>
+              <a:rPr lang="de-DE" dirty="0"/>
+              <a:t>40 Mitarbeiter zeitgleich in der Produktion arbeiten -&gt; 40 Tablets + 40 SAP User</a:t>
+            </a:r>
+          </a:p>
+          <a:p>
+            <a:pPr marL="171450" indent="-171450">
+              <a:buFontTx/>
+              <a:buChar char="-"/>
+            </a:pPr>
+            <a:r>
+              <a:rPr lang="de-DE" dirty="0"/>
+              <a:t>Ein Tablet (</a:t>
+            </a:r>
+            <a:r>
+              <a:rPr lang="de-DE"/>
+              <a:t>mobiles Anzeigegerät) kostet 80€</a:t>
+            </a:r>
+            <a:endParaRPr lang="de-DE" dirty="0"/>
+          </a:p>
+        </p:txBody>
+      </p:sp>
+      <p:sp>
+        <p:nvSpPr>
+          <p:cNvPr id="4" name="Foliennummernplatzhalter 3"/>
+          <p:cNvSpPr>
+            <a:spLocks noGrp="1"/>
+          </p:cNvSpPr>
+          <p:nvPr>
+            <p:ph type="sldNum" sz="quarter" idx="5"/>
+          </p:nvPr>
+        </p:nvSpPr>
+        <p:spPr/>
+        <p:txBody>
+          <a:bodyPr/>
+          <a:lstStyle/>
+          <a:p>
+            <a:fld id="{2F526E87-3F77-4BDE-BD80-0F6E2B67AF76}" type="slidenum">
+              <a:rPr lang="de-DE" smtClean="0"/>
+              <a:t>11</a:t>
+            </a:fld>
+            <a:endParaRPr lang="de-DE"/>
+          </a:p>
+        </p:txBody>
+      </p:sp>
+    </p:spTree>
+    <p:extLst>
+      <p:ext uri="{BB962C8B-B14F-4D97-AF65-F5344CB8AC3E}">
+        <p14:creationId xmlns:p14="http://schemas.microsoft.com/office/powerpoint/2010/main" val="2987293007"/>
+      </p:ext>
+    </p:extLst>
+  </p:cSld>
+  <p:clrMapOvr>
+    <a:masterClrMapping/>
+  </p:clrMapOvr>
+</p:notes>
+</file>
+
+<file path=ppt/notesSlides/notesSlide4.xml><?xml version="1.0" encoding="utf-8"?>
+<p:notes xmlns:a="http://schemas.openxmlformats.org/drawingml/2006/main" xmlns:r="http://schemas.openxmlformats.org/officeDocument/2006/relationships" xmlns:p="http://schemas.openxmlformats.org/presentationml/2006/main">
+  <p:cSld>
+    <p:spTree>
+      <p:nvGrpSpPr>
+        <p:cNvPr id="1" name=""/>
+        <p:cNvGrpSpPr/>
+        <p:nvPr/>
+      </p:nvGrpSpPr>
+      <p:grpSpPr>
+        <a:xfrm>
+          <a:off x="0" y="0"/>
+          <a:ext cx="0" cy="0"/>
+          <a:chOff x="0" y="0"/>
+          <a:chExt cx="0" cy="0"/>
+        </a:xfrm>
+      </p:grpSpPr>
+      <p:sp>
+        <p:nvSpPr>
+          <p:cNvPr id="2" name="Folienbildplatzhalter 1"/>
+          <p:cNvSpPr>
+            <a:spLocks noGrp="1" noRot="1" noChangeAspect="1"/>
+          </p:cNvSpPr>
+          <p:nvPr>
+            <p:ph type="sldImg"/>
+          </p:nvPr>
+        </p:nvSpPr>
+        <p:spPr/>
+      </p:sp>
+      <p:sp>
+        <p:nvSpPr>
+          <p:cNvPr id="3" name="Notizenplatzhalter 2"/>
+          <p:cNvSpPr>
+            <a:spLocks noGrp="1"/>
+          </p:cNvSpPr>
+          <p:nvPr>
+            <p:ph type="body" idx="1"/>
+          </p:nvPr>
+        </p:nvSpPr>
+        <p:spPr/>
+        <p:txBody>
+          <a:bodyPr/>
+          <a:lstStyle/>
+          <a:p>
+            <a:r>
+              <a:rPr lang="de-DE" dirty="0"/>
               <a:t>Annahme </a:t>
             </a:r>
           </a:p>
@@ -4951,6 +5057,17 @@
               <a:rPr lang="de-DE" dirty="0"/>
               <a:t>Produktionskosten von 0.675€/500ml</a:t>
             </a:r>
+          </a:p>
+          <a:p>
+            <a:pPr marL="171450" indent="-171450">
+              <a:buFontTx/>
+              <a:buChar char="-"/>
+            </a:pPr>
+            <a:r>
+              <a:rPr lang="de-DE"/>
+              <a:t>Von 11% auf 15,3%</a:t>
+            </a:r>
+            <a:endParaRPr lang="de-DE" dirty="0"/>
           </a:p>
         </p:txBody>
       </p:sp>
@@ -10784,7 +10901,12 @@
             <p:ph idx="1"/>
           </p:nvPr>
         </p:nvSpPr>
-        <p:spPr/>
+        <p:spPr>
+          <a:xfrm>
+            <a:off x="1097280" y="1845734"/>
+            <a:ext cx="10058400" cy="4023360"/>
+          </a:xfrm>
+        </p:spPr>
         <p:txBody>
           <a:bodyPr>
             <a:normAutofit fontScale="85000" lnSpcReduction="20000"/>
@@ -13637,7 +13759,7 @@
           <p:nvPr/>
         </p:nvPicPr>
         <p:blipFill>
-          <a:blip r:embed="rId2">
+          <a:blip r:embed="rId3">
             <a:extLst>
               <a:ext uri="{28A0092B-C50C-407E-A947-70E740481C1C}">
                 <a14:useLocalDpi xmlns:a14="http://schemas.microsoft.com/office/drawing/2010/main" val="0"/>

--- a/Präsentation/Präsentation.pptx
+++ b/Präsentation/Präsentation.pptx
@@ -11,14 +11,14 @@
     <p:sldId id="257" r:id="rId2"/>
     <p:sldId id="262" r:id="rId3"/>
     <p:sldId id="260" r:id="rId4"/>
-    <p:sldId id="256" r:id="rId5"/>
+    <p:sldId id="271" r:id="rId5"/>
     <p:sldId id="259" r:id="rId6"/>
     <p:sldId id="261" r:id="rId7"/>
     <p:sldId id="268" r:id="rId8"/>
     <p:sldId id="258" r:id="rId9"/>
     <p:sldId id="263" r:id="rId10"/>
     <p:sldId id="266" r:id="rId11"/>
-    <p:sldId id="264" r:id="rId12"/>
+    <p:sldId id="270" r:id="rId12"/>
     <p:sldId id="265" r:id="rId13"/>
     <p:sldId id="269" r:id="rId14"/>
   </p:sldIdLst>
@@ -4416,7 +4416,7 @@
           <a:p>
             <a:fld id="{5C20507F-F644-498B-8FD8-DF1C414025EC}" type="datetimeFigureOut">
               <a:rPr lang="de-DE" smtClean="0"/>
-              <a:t>04.11.2019</a:t>
+              <a:t>05.11.2019</a:t>
             </a:fld>
             <a:endParaRPr lang="de-DE"/>
           </a:p>
@@ -4727,10 +4727,7 @@
           <a:bodyPr/>
           <a:lstStyle/>
           <a:p>
-            <a:r>
-              <a:rPr lang="de-DE" dirty="0"/>
-              <a:t>- RFID ist noch optional</a:t>
-            </a:r>
+            <a:endParaRPr lang="de-DE" dirty="0"/>
           </a:p>
         </p:txBody>
       </p:sp>
@@ -4855,118 +4852,6 @@
 </file>
 
 <file path=ppt/notesSlides/notesSlide3.xml><?xml version="1.0" encoding="utf-8"?>
-<p:notes xmlns:a="http://schemas.openxmlformats.org/drawingml/2006/main" xmlns:r="http://schemas.openxmlformats.org/officeDocument/2006/relationships" xmlns:p="http://schemas.openxmlformats.org/presentationml/2006/main">
-  <p:cSld>
-    <p:spTree>
-      <p:nvGrpSpPr>
-        <p:cNvPr id="1" name=""/>
-        <p:cNvGrpSpPr/>
-        <p:nvPr/>
-      </p:nvGrpSpPr>
-      <p:grpSpPr>
-        <a:xfrm>
-          <a:off x="0" y="0"/>
-          <a:ext cx="0" cy="0"/>
-          <a:chOff x="0" y="0"/>
-          <a:chExt cx="0" cy="0"/>
-        </a:xfrm>
-      </p:grpSpPr>
-      <p:sp>
-        <p:nvSpPr>
-          <p:cNvPr id="2" name="Folienbildplatzhalter 1"/>
-          <p:cNvSpPr>
-            <a:spLocks noGrp="1" noRot="1" noChangeAspect="1"/>
-          </p:cNvSpPr>
-          <p:nvPr>
-            <p:ph type="sldImg"/>
-          </p:nvPr>
-        </p:nvSpPr>
-        <p:spPr/>
-      </p:sp>
-      <p:sp>
-        <p:nvSpPr>
-          <p:cNvPr id="3" name="Notizenplatzhalter 2"/>
-          <p:cNvSpPr>
-            <a:spLocks noGrp="1"/>
-          </p:cNvSpPr>
-          <p:nvPr>
-            <p:ph type="body" idx="1"/>
-          </p:nvPr>
-        </p:nvSpPr>
-        <p:spPr/>
-        <p:txBody>
-          <a:bodyPr/>
-          <a:lstStyle/>
-          <a:p>
-            <a:r>
-              <a:rPr lang="de-DE" dirty="0"/>
-              <a:t>Annahme:</a:t>
-            </a:r>
-          </a:p>
-          <a:p>
-            <a:pPr marL="171450" indent="-171450">
-              <a:buFontTx/>
-              <a:buChar char="-"/>
-            </a:pPr>
-            <a:r>
-              <a:rPr lang="de-DE" dirty="0"/>
-              <a:t>40 Mitarbeiter zeitgleich in der Produktion arbeiten -&gt; 40 Tablets + 40 SAP User</a:t>
-            </a:r>
-          </a:p>
-          <a:p>
-            <a:pPr marL="171450" indent="-171450">
-              <a:buFontTx/>
-              <a:buChar char="-"/>
-            </a:pPr>
-            <a:r>
-              <a:rPr lang="de-DE" dirty="0"/>
-              <a:t>Ein Tablet (</a:t>
-            </a:r>
-            <a:r>
-              <a:rPr lang="de-DE"/>
-              <a:t>mobiles Anzeigegerät) kostet 80€</a:t>
-            </a:r>
-            <a:endParaRPr lang="de-DE" dirty="0"/>
-          </a:p>
-        </p:txBody>
-      </p:sp>
-      <p:sp>
-        <p:nvSpPr>
-          <p:cNvPr id="4" name="Foliennummernplatzhalter 3"/>
-          <p:cNvSpPr>
-            <a:spLocks noGrp="1"/>
-          </p:cNvSpPr>
-          <p:nvPr>
-            <p:ph type="sldNum" sz="quarter" idx="5"/>
-          </p:nvPr>
-        </p:nvSpPr>
-        <p:spPr/>
-        <p:txBody>
-          <a:bodyPr/>
-          <a:lstStyle/>
-          <a:p>
-            <a:fld id="{2F526E87-3F77-4BDE-BD80-0F6E2B67AF76}" type="slidenum">
-              <a:rPr lang="de-DE" smtClean="0"/>
-              <a:t>11</a:t>
-            </a:fld>
-            <a:endParaRPr lang="de-DE"/>
-          </a:p>
-        </p:txBody>
-      </p:sp>
-    </p:spTree>
-    <p:extLst>
-      <p:ext uri="{BB962C8B-B14F-4D97-AF65-F5344CB8AC3E}">
-        <p14:creationId xmlns:p14="http://schemas.microsoft.com/office/powerpoint/2010/main" val="2987293007"/>
-      </p:ext>
-    </p:extLst>
-  </p:cSld>
-  <p:clrMapOvr>
-    <a:masterClrMapping/>
-  </p:clrMapOvr>
-</p:notes>
-</file>
-
-<file path=ppt/notesSlides/notesSlide4.xml><?xml version="1.0" encoding="utf-8"?>
 <p:notes xmlns:a="http://schemas.openxmlformats.org/drawingml/2006/main" xmlns:r="http://schemas.openxmlformats.org/officeDocument/2006/relationships" xmlns:p="http://schemas.openxmlformats.org/presentationml/2006/main">
   <p:cSld>
     <p:spTree>
@@ -5333,7 +5218,7 @@
           <a:p>
             <a:fld id="{E20E4F3F-845D-4F9B-8146-D1519830B904}" type="datetime1">
               <a:rPr lang="de-DE" smtClean="0"/>
-              <a:t>04.11.2019</a:t>
+              <a:t>05.11.2019</a:t>
             </a:fld>
             <a:endParaRPr lang="de-DE"/>
           </a:p>
@@ -5556,7 +5441,7 @@
           <a:p>
             <a:fld id="{D6AF7F36-D3CF-4CB1-A198-5DBF5AE98F98}" type="datetime1">
               <a:rPr lang="de-DE" smtClean="0"/>
-              <a:t>04.11.2019</a:t>
+              <a:t>05.11.2019</a:t>
             </a:fld>
             <a:endParaRPr lang="de-DE"/>
           </a:p>
@@ -5827,7 +5712,7 @@
           <a:p>
             <a:fld id="{D034C2E4-6ADB-4C4E-B6E6-AED16E990A6B}" type="datetime1">
               <a:rPr lang="de-DE" smtClean="0"/>
-              <a:t>04.11.2019</a:t>
+              <a:t>05.11.2019</a:t>
             </a:fld>
             <a:endParaRPr lang="de-DE"/>
           </a:p>
@@ -6012,7 +5897,7 @@
           <a:p>
             <a:fld id="{8CAE0EDF-60BD-4F7C-BA0E-CEC3494323E3}" type="datetime1">
               <a:rPr lang="de-DE" smtClean="0"/>
-              <a:t>04.11.2019</a:t>
+              <a:t>05.11.2019</a:t>
             </a:fld>
             <a:endParaRPr lang="de-DE"/>
           </a:p>
@@ -6370,7 +6255,7 @@
           <a:p>
             <a:fld id="{65E87D71-8681-4979-A5E3-070DCB1B5789}" type="datetime1">
               <a:rPr lang="de-DE" smtClean="0"/>
-              <a:t>04.11.2019</a:t>
+              <a:t>05.11.2019</a:t>
             </a:fld>
             <a:endParaRPr lang="de-DE"/>
           </a:p>
@@ -6660,7 +6545,7 @@
           <a:p>
             <a:fld id="{FA6C8370-3AD9-4037-968C-483DB437FCFE}" type="datetime1">
               <a:rPr lang="de-DE" smtClean="0"/>
-              <a:t>04.11.2019</a:t>
+              <a:t>05.11.2019</a:t>
             </a:fld>
             <a:endParaRPr lang="de-DE"/>
           </a:p>
@@ -7054,7 +6939,7 @@
           <a:p>
             <a:fld id="{A9D059DF-F17F-4E6E-B5FE-C4568F9CDDED}" type="datetime1">
               <a:rPr lang="de-DE" smtClean="0"/>
-              <a:t>04.11.2019</a:t>
+              <a:t>05.11.2019</a:t>
             </a:fld>
             <a:endParaRPr lang="de-DE"/>
           </a:p>
@@ -7187,7 +7072,7 @@
           <a:p>
             <a:fld id="{33C65DDB-696D-4624-8A56-11F23A4BD75D}" type="datetime1">
               <a:rPr lang="de-DE" smtClean="0"/>
-              <a:t>04.11.2019</a:t>
+              <a:t>05.11.2019</a:t>
             </a:fld>
             <a:endParaRPr lang="de-DE"/>
           </a:p>
@@ -7373,7 +7258,7 @@
           <a:p>
             <a:fld id="{3755A3D4-8D6E-4B3D-815E-622AEB78E06F}" type="datetime1">
               <a:rPr lang="de-DE" smtClean="0"/>
-              <a:t>04.11.2019</a:t>
+              <a:t>05.11.2019</a:t>
             </a:fld>
             <a:endParaRPr lang="de-DE"/>
           </a:p>
@@ -7742,7 +7627,7 @@
           <a:p>
             <a:fld id="{6B6C2961-9553-4839-AF75-01B62C904A1D}" type="datetime1">
               <a:rPr lang="de-DE" smtClean="0"/>
-              <a:t>04.11.2019</a:t>
+              <a:t>05.11.2019</a:t>
             </a:fld>
             <a:endParaRPr lang="de-DE"/>
           </a:p>
@@ -8134,7 +8019,7 @@
           <a:p>
             <a:fld id="{FA987991-0E6C-4CA2-9EA8-4339CDBF957C}" type="datetime1">
               <a:rPr lang="de-DE" smtClean="0"/>
-              <a:t>04.11.2019</a:t>
+              <a:t>05.11.2019</a:t>
             </a:fld>
             <a:endParaRPr lang="de-DE"/>
           </a:p>
@@ -8436,7 +8321,7 @@
           <a:p>
             <a:fld id="{D143D594-0D86-4019-A654-65D000944FED}" type="datetime1">
               <a:rPr lang="de-DE" smtClean="0"/>
-              <a:t>04.11.2019</a:t>
+              <a:t>05.11.2019</a:t>
             </a:fld>
             <a:endParaRPr lang="de-DE"/>
           </a:p>
@@ -10102,417 +9987,10 @@
       </p:grpSpPr>
       <p:sp>
         <p:nvSpPr>
-          <p:cNvPr id="2" name="Titel 1">
+          <p:cNvPr id="2" name="Fußzeilenplatzhalter 1">
             <a:extLst>
               <a:ext uri="{FF2B5EF4-FFF2-40B4-BE49-F238E27FC236}">
-                <a16:creationId xmlns:a16="http://schemas.microsoft.com/office/drawing/2014/main" id="{64782AED-C01C-4FDA-89D6-BB6C01ED6A2E}"/>
-              </a:ext>
-            </a:extLst>
-          </p:cNvPr>
-          <p:cNvSpPr>
-            <a:spLocks noGrp="1"/>
-          </p:cNvSpPr>
-          <p:nvPr>
-            <p:ph type="title"/>
-          </p:nvPr>
-        </p:nvSpPr>
-        <p:spPr>
-          <a:xfrm>
-            <a:off x="838200" y="-344017"/>
-            <a:ext cx="10058400" cy="1450757"/>
-          </a:xfrm>
-        </p:spPr>
-        <p:txBody>
-          <a:bodyPr/>
-          <a:lstStyle/>
-          <a:p>
-            <a:r>
-              <a:rPr lang="de-DE" dirty="0"/>
-              <a:t>Kostenplan</a:t>
-            </a:r>
-          </a:p>
-        </p:txBody>
-      </p:sp>
-      <p:graphicFrame>
-        <p:nvGraphicFramePr>
-          <p:cNvPr id="4" name="Tabelle 3">
-            <a:extLst>
-              <a:ext uri="{FF2B5EF4-FFF2-40B4-BE49-F238E27FC236}">
-                <a16:creationId xmlns:a16="http://schemas.microsoft.com/office/drawing/2014/main" id="{F5FC5EB3-AED7-4CFB-9AD6-1E9ED7DD8B74}"/>
-              </a:ext>
-            </a:extLst>
-          </p:cNvPr>
-          <p:cNvGraphicFramePr>
-            <a:graphicFrameLocks noGrp="1"/>
-          </p:cNvGraphicFramePr>
-          <p:nvPr>
-            <p:extLst>
-              <p:ext uri="{D42A27DB-BD31-4B8C-83A1-F6EECF244321}">
-                <p14:modId xmlns:p14="http://schemas.microsoft.com/office/powerpoint/2010/main" val="2296854328"/>
-              </p:ext>
-            </p:extLst>
-          </p:nvPr>
-        </p:nvGraphicFramePr>
-        <p:xfrm>
-          <a:off x="838200" y="1214279"/>
-          <a:ext cx="10515600" cy="4936553"/>
-        </p:xfrm>
-        <a:graphic>
-          <a:graphicData uri="http://schemas.openxmlformats.org/drawingml/2006/table">
-            <a:tbl>
-              <a:tblPr firstRow="1" bandRow="1">
-                <a:tableStyleId>{5C22544A-7EE6-4342-B048-85BDC9FD1C3A}</a:tableStyleId>
-              </a:tblPr>
-              <a:tblGrid>
-                <a:gridCol w="3505200">
-                  <a:extLst>
-                    <a:ext uri="{9D8B030D-6E8A-4147-A177-3AD203B41FA5}">
-                      <a16:colId xmlns:a16="http://schemas.microsoft.com/office/drawing/2014/main" val="2823823705"/>
-                    </a:ext>
-                  </a:extLst>
-                </a:gridCol>
-                <a:gridCol w="3735495">
-                  <a:extLst>
-                    <a:ext uri="{9D8B030D-6E8A-4147-A177-3AD203B41FA5}">
-                      <a16:colId xmlns:a16="http://schemas.microsoft.com/office/drawing/2014/main" val="2983007004"/>
-                    </a:ext>
-                  </a:extLst>
-                </a:gridCol>
-                <a:gridCol w="3274905">
-                  <a:extLst>
-                    <a:ext uri="{9D8B030D-6E8A-4147-A177-3AD203B41FA5}">
-                      <a16:colId xmlns:a16="http://schemas.microsoft.com/office/drawing/2014/main" val="285467693"/>
-                    </a:ext>
-                  </a:extLst>
-                </a:gridCol>
-              </a:tblGrid>
-              <a:tr h="507111">
-                <a:tc>
-                  <a:txBody>
-                    <a:bodyPr/>
-                    <a:lstStyle/>
-                    <a:p>
-                      <a:pPr algn="ctr"/>
-                      <a:r>
-                        <a:rPr lang="de-DE" dirty="0"/>
-                        <a:t>Beschreibung</a:t>
-                      </a:r>
-                    </a:p>
-                  </a:txBody>
-                  <a:tcPr/>
-                </a:tc>
-                <a:tc>
-                  <a:txBody>
-                    <a:bodyPr/>
-                    <a:lstStyle/>
-                    <a:p>
-                      <a:pPr algn="ctr"/>
-                      <a:r>
-                        <a:rPr lang="de-DE" dirty="0"/>
-                        <a:t>Kosten</a:t>
-                      </a:r>
-                    </a:p>
-                  </a:txBody>
-                  <a:tcPr/>
-                </a:tc>
-                <a:tc>
-                  <a:txBody>
-                    <a:bodyPr/>
-                    <a:lstStyle/>
-                    <a:p>
-                      <a:pPr algn="ctr"/>
-                      <a:r>
-                        <a:rPr lang="de-DE" dirty="0"/>
-                        <a:t>Kosten gesamt</a:t>
-                      </a:r>
-                    </a:p>
-                  </a:txBody>
-                  <a:tcPr/>
-                </a:tc>
-                <a:extLst>
-                  <a:ext uri="{0D108BD9-81ED-4DB2-BD59-A6C34878D82A}">
-                    <a16:rowId xmlns:a16="http://schemas.microsoft.com/office/drawing/2014/main" val="2430927546"/>
-                  </a:ext>
-                </a:extLst>
-              </a:tr>
-              <a:tr h="1250410">
-                <a:tc>
-                  <a:txBody>
-                    <a:bodyPr/>
-                    <a:lstStyle/>
-                    <a:p>
-                      <a:pPr algn="ctr"/>
-                      <a:r>
-                        <a:rPr lang="de-DE" dirty="0"/>
-                        <a:t>Mitarbeiter</a:t>
-                      </a:r>
-                    </a:p>
-                  </a:txBody>
-                  <a:tcPr/>
-                </a:tc>
-                <a:tc>
-                  <a:txBody>
-                    <a:bodyPr/>
-                    <a:lstStyle/>
-                    <a:p>
-                      <a:pPr algn="ctr"/>
-                      <a:r>
-                        <a:rPr lang="de-DE" dirty="0"/>
-                        <a:t>3 Monate * 4 MAs * 20 h/Woche *  5000€/pro Monat</a:t>
-                      </a:r>
-                    </a:p>
-                  </a:txBody>
-                  <a:tcPr/>
-                </a:tc>
-                <a:tc>
-                  <a:txBody>
-                    <a:bodyPr/>
-                    <a:lstStyle/>
-                    <a:p>
-                      <a:pPr algn="ctr"/>
-                      <a:r>
-                        <a:rPr lang="de-DE" dirty="0"/>
-                        <a:t>30 000€</a:t>
-                      </a:r>
-                    </a:p>
-                  </a:txBody>
-                  <a:tcPr/>
-                </a:tc>
-                <a:extLst>
-                  <a:ext uri="{0D108BD9-81ED-4DB2-BD59-A6C34878D82A}">
-                    <a16:rowId xmlns:a16="http://schemas.microsoft.com/office/drawing/2014/main" val="334275446"/>
-                  </a:ext>
-                </a:extLst>
-              </a:tr>
-              <a:tr h="875287">
-                <a:tc>
-                  <a:txBody>
-                    <a:bodyPr/>
-                    <a:lstStyle/>
-                    <a:p>
-                      <a:pPr algn="ctr"/>
-                      <a:r>
-                        <a:rPr lang="de-DE" dirty="0"/>
-                        <a:t>Hardware (SPS, Gateway, Sensoren/Aktoren, mobile Anzeigegeräte)</a:t>
-                      </a:r>
-                    </a:p>
-                  </a:txBody>
-                  <a:tcPr/>
-                </a:tc>
-                <a:tc>
-                  <a:txBody>
-                    <a:bodyPr/>
-                    <a:lstStyle/>
-                    <a:p>
-                      <a:pPr algn="ctr"/>
-                      <a:r>
-                        <a:rPr lang="de-DE" dirty="0"/>
-                        <a:t>150€ + 200€ + 50€ + 80€ * MA Anzahl</a:t>
-                      </a:r>
-                    </a:p>
-                  </a:txBody>
-                  <a:tcPr/>
-                </a:tc>
-                <a:tc>
-                  <a:txBody>
-                    <a:bodyPr/>
-                    <a:lstStyle/>
-                    <a:p>
-                      <a:pPr algn="ctr"/>
-                      <a:r>
-                        <a:rPr lang="de-DE" dirty="0"/>
-                        <a:t>3 600€ </a:t>
-                      </a:r>
-                    </a:p>
-                  </a:txBody>
-                  <a:tcPr/>
-                </a:tc>
-                <a:extLst>
-                  <a:ext uri="{0D108BD9-81ED-4DB2-BD59-A6C34878D82A}">
-                    <a16:rowId xmlns:a16="http://schemas.microsoft.com/office/drawing/2014/main" val="1184967262"/>
-                  </a:ext>
-                </a:extLst>
-              </a:tr>
-              <a:tr h="1250410">
-                <a:tc>
-                  <a:txBody>
-                    <a:bodyPr/>
-                    <a:lstStyle/>
-                    <a:p>
-                      <a:pPr algn="ctr"/>
-                      <a:r>
-                        <a:rPr lang="de-DE" dirty="0"/>
-                        <a:t>Lizenzkosten SAP</a:t>
-                      </a:r>
-                    </a:p>
-                  </a:txBody>
-                  <a:tcPr/>
-                </a:tc>
-                <a:tc>
-                  <a:txBody>
-                    <a:bodyPr/>
-                    <a:lstStyle/>
-                    <a:p>
-                      <a:pPr algn="ctr"/>
-                      <a:r>
-                        <a:rPr lang="de-DE" dirty="0"/>
-                        <a:t>Professional User  = 2700€</a:t>
-                      </a:r>
-                    </a:p>
-                    <a:p>
-                      <a:pPr algn="ctr"/>
-                      <a:r>
-                        <a:rPr lang="de-DE" dirty="0"/>
-                        <a:t>Limited User = 1400€</a:t>
-                      </a:r>
-                    </a:p>
-                    <a:p>
-                      <a:pPr algn="ctr"/>
-                      <a:r>
-                        <a:rPr lang="de-DE" dirty="0"/>
-                        <a:t>Wartung + Support = 17% + 5% </a:t>
-                      </a:r>
-                    </a:p>
-                    <a:p>
-                      <a:pPr algn="ctr"/>
-                      <a:r>
-                        <a:rPr lang="de-DE" dirty="0"/>
-                        <a:t>40 Limited + 1 Professional = 71 614€</a:t>
-                      </a:r>
-                    </a:p>
-                  </a:txBody>
-                  <a:tcPr/>
-                </a:tc>
-                <a:tc>
-                  <a:txBody>
-                    <a:bodyPr/>
-                    <a:lstStyle/>
-                    <a:p>
-                      <a:pPr algn="ctr"/>
-                      <a:r>
-                        <a:rPr lang="de-DE" dirty="0"/>
-                        <a:t> 71 614€</a:t>
-                      </a:r>
-                    </a:p>
-                  </a:txBody>
-                  <a:tcPr/>
-                </a:tc>
-                <a:extLst>
-                  <a:ext uri="{0D108BD9-81ED-4DB2-BD59-A6C34878D82A}">
-                    <a16:rowId xmlns:a16="http://schemas.microsoft.com/office/drawing/2014/main" val="4181657170"/>
-                  </a:ext>
-                </a:extLst>
-              </a:tr>
-              <a:tr h="507111">
-                <a:tc>
-                  <a:txBody>
-                    <a:bodyPr/>
-                    <a:lstStyle/>
-                    <a:p>
-                      <a:pPr algn="ctr"/>
-                      <a:r>
-                        <a:rPr lang="de-DE" dirty="0"/>
-                        <a:t>Consulting Kosten</a:t>
-                      </a:r>
-                    </a:p>
-                  </a:txBody>
-                  <a:tcPr/>
-                </a:tc>
-                <a:tc>
-                  <a:txBody>
-                    <a:bodyPr/>
-                    <a:lstStyle/>
-                    <a:p>
-                      <a:pPr algn="ctr"/>
-                      <a:r>
-                        <a:rPr lang="de-DE" dirty="0"/>
-                        <a:t>15% * 105 214€ = 15 782€</a:t>
-                      </a:r>
-                    </a:p>
-                  </a:txBody>
-                  <a:tcPr/>
-                </a:tc>
-                <a:tc>
-                  <a:txBody>
-                    <a:bodyPr/>
-                    <a:lstStyle/>
-                    <a:p>
-                      <a:pPr algn="ctr"/>
-                      <a:r>
-                        <a:rPr lang="de-DE" dirty="0"/>
-                        <a:t>15 782€</a:t>
-                      </a:r>
-                    </a:p>
-                  </a:txBody>
-                  <a:tcPr/>
-                </a:tc>
-                <a:extLst>
-                  <a:ext uri="{0D108BD9-81ED-4DB2-BD59-A6C34878D82A}">
-                    <a16:rowId xmlns:a16="http://schemas.microsoft.com/office/drawing/2014/main" val="949079146"/>
-                  </a:ext>
-                </a:extLst>
-              </a:tr>
-              <a:tr h="507111">
-                <a:tc>
-                  <a:txBody>
-                    <a:bodyPr/>
-                    <a:lstStyle/>
-                    <a:p>
-                      <a:pPr algn="ctr"/>
-                      <a:endParaRPr lang="de-DE" dirty="0"/>
-                    </a:p>
-                  </a:txBody>
-                  <a:tcPr/>
-                </a:tc>
-                <a:tc>
-                  <a:txBody>
-                    <a:bodyPr/>
-                    <a:lstStyle/>
-                    <a:p>
-                      <a:pPr algn="ctr"/>
-                      <a:endParaRPr lang="de-DE" dirty="0"/>
-                    </a:p>
-                  </a:txBody>
-                  <a:tcPr/>
-                </a:tc>
-                <a:tc>
-                  <a:txBody>
-                    <a:bodyPr/>
-                    <a:lstStyle/>
-                    <a:p>
-                      <a:pPr algn="ctr"/>
-                      <a:r>
-                        <a:rPr lang="de-DE" dirty="0"/>
-                        <a:t> </a:t>
-                      </a:r>
-                      <a:r>
-                        <a:rPr lang="de-DE" b="1" dirty="0"/>
-                        <a:t>∑  </a:t>
-                      </a:r>
-                      <a:r>
-                        <a:rPr lang="de-DE" sz="2000" b="1" dirty="0"/>
-                        <a:t>120 996€</a:t>
-                      </a:r>
-                    </a:p>
-                  </a:txBody>
-                  <a:tcPr/>
-                </a:tc>
-                <a:extLst>
-                  <a:ext uri="{0D108BD9-81ED-4DB2-BD59-A6C34878D82A}">
-                    <a16:rowId xmlns:a16="http://schemas.microsoft.com/office/drawing/2014/main" val="2058373767"/>
-                  </a:ext>
-                </a:extLst>
-              </a:tr>
-            </a:tbl>
-          </a:graphicData>
-        </a:graphic>
-      </p:graphicFrame>
-      <p:sp>
-        <p:nvSpPr>
-          <p:cNvPr id="3" name="Fußzeilenplatzhalter 2">
-            <a:extLst>
-              <a:ext uri="{FF2B5EF4-FFF2-40B4-BE49-F238E27FC236}">
-                <a16:creationId xmlns:a16="http://schemas.microsoft.com/office/drawing/2014/main" id="{C5BBD2CB-A48F-4395-89A4-A8F81E317656}"/>
+                <a16:creationId xmlns:a16="http://schemas.microsoft.com/office/drawing/2014/main" id="{C186EC6D-54CF-4B77-B897-4413FD060446}"/>
               </a:ext>
             </a:extLst>
           </p:cNvPr>
@@ -10529,36 +10007,18 @@
           <a:lstStyle/>
           <a:p>
             <a:r>
-              <a:rPr lang="de-DE" dirty="0">
-                <a:latin typeface="Aharoni" panose="02010803020104030203" pitchFamily="2" charset="-79"/>
-                <a:cs typeface="Aharoni" panose="02010803020104030203" pitchFamily="2" charset="-79"/>
-              </a:rPr>
-              <a:t>Alb-</a:t>
-            </a:r>
-            <a:r>
-              <a:rPr lang="de-DE" dirty="0" err="1">
-                <a:latin typeface="Aharoni" panose="02010803020104030203" pitchFamily="2" charset="-79"/>
-                <a:cs typeface="Aharoni" panose="02010803020104030203" pitchFamily="2" charset="-79"/>
-              </a:rPr>
-              <a:t>Brau</a:t>
-            </a:r>
-            <a:r>
-              <a:rPr lang="de-DE" dirty="0">
-                <a:latin typeface="Aharoni" panose="02010803020104030203" pitchFamily="2" charset="-79"/>
-                <a:cs typeface="Aharoni" panose="02010803020104030203" pitchFamily="2" charset="-79"/>
-              </a:rPr>
-              <a:t> Consulting AG</a:t>
-            </a:r>
-            <a:endParaRPr lang="de-DE" dirty="0"/>
+              <a:rPr lang="de-DE"/>
+              <a:t>Alb-Brau Consulting AG </a:t>
+            </a:r>
           </a:p>
         </p:txBody>
       </p:sp>
       <p:sp>
         <p:nvSpPr>
-          <p:cNvPr id="5" name="Foliennummernplatzhalter 4">
+          <p:cNvPr id="3" name="Foliennummernplatzhalter 2">
             <a:extLst>
               <a:ext uri="{FF2B5EF4-FFF2-40B4-BE49-F238E27FC236}">
-                <a16:creationId xmlns:a16="http://schemas.microsoft.com/office/drawing/2014/main" id="{853ACFAD-AE73-4C1D-A213-C853AF0C40D6}"/>
+                <a16:creationId xmlns:a16="http://schemas.microsoft.com/office/drawing/2014/main" id="{FC584970-4841-4865-8BC2-83656666AA3D}"/>
               </a:ext>
             </a:extLst>
           </p:cNvPr>
@@ -10582,10 +10042,107 @@
           </a:p>
         </p:txBody>
       </p:sp>
+      <p:sp>
+        <p:nvSpPr>
+          <p:cNvPr id="4" name="Rechteck 3">
+            <a:extLst>
+              <a:ext uri="{FF2B5EF4-FFF2-40B4-BE49-F238E27FC236}">
+                <a16:creationId xmlns:a16="http://schemas.microsoft.com/office/drawing/2014/main" id="{BF161FD7-1F86-4894-9A4E-B3797FC91DD8}"/>
+              </a:ext>
+            </a:extLst>
+          </p:cNvPr>
+          <p:cNvSpPr/>
+          <p:nvPr/>
+        </p:nvSpPr>
+        <p:spPr>
+          <a:xfrm>
+            <a:off x="1507742" y="1978738"/>
+            <a:ext cx="1595310" cy="430887"/>
+          </a:xfrm>
+          <a:prstGeom prst="rect">
+            <a:avLst/>
+          </a:prstGeom>
+        </p:spPr>
+        <p:txBody>
+          <a:bodyPr wrap="none">
+            <a:spAutoFit/>
+          </a:bodyPr>
+          <a:lstStyle/>
+          <a:p>
+            <a:pPr algn="ctr"/>
+            <a:r>
+              <a:rPr lang="de-DE" sz="2200" dirty="0"/>
+              <a:t> </a:t>
+            </a:r>
+            <a:r>
+              <a:rPr lang="de-DE" sz="2200" b="1" dirty="0"/>
+              <a:t>∑  120 996€</a:t>
+            </a:r>
+          </a:p>
+        </p:txBody>
+      </p:sp>
+      <p:sp>
+        <p:nvSpPr>
+          <p:cNvPr id="5" name="Titel 1">
+            <a:extLst>
+              <a:ext uri="{FF2B5EF4-FFF2-40B4-BE49-F238E27FC236}">
+                <a16:creationId xmlns:a16="http://schemas.microsoft.com/office/drawing/2014/main" id="{414B73E0-5FEE-4A38-B270-91E4C144F338}"/>
+              </a:ext>
+            </a:extLst>
+          </p:cNvPr>
+          <p:cNvSpPr txBox="1">
+            <a:spLocks/>
+          </p:cNvSpPr>
+          <p:nvPr/>
+        </p:nvSpPr>
+        <p:spPr>
+          <a:xfrm>
+            <a:off x="1097280" y="0"/>
+            <a:ext cx="10058400" cy="1450757"/>
+          </a:xfrm>
+          <a:prstGeom prst="rect">
+            <a:avLst/>
+          </a:prstGeom>
+        </p:spPr>
+        <p:txBody>
+          <a:bodyPr/>
+          <a:lstStyle>
+            <a:lvl1pPr algn="l" defTabSz="914400" rtl="0" eaLnBrk="1" latinLnBrk="0" hangingPunct="1">
+              <a:lnSpc>
+                <a:spcPct val="85000"/>
+              </a:lnSpc>
+              <a:spcBef>
+                <a:spcPct val="0"/>
+              </a:spcBef>
+              <a:buNone/>
+              <a:defRPr sz="4800" kern="1200" spc="-50" baseline="0">
+                <a:solidFill>
+                  <a:schemeClr val="tx1">
+                    <a:lumMod val="75000"/>
+                    <a:lumOff val="25000"/>
+                  </a:schemeClr>
+                </a:solidFill>
+                <a:latin typeface="+mj-lt"/>
+                <a:ea typeface="+mj-ea"/>
+                <a:cs typeface="+mj-cs"/>
+              </a:defRPr>
+            </a:lvl1pPr>
+          </a:lstStyle>
+          <a:p>
+            <a:endParaRPr lang="de-DE" dirty="0"/>
+          </a:p>
+          <a:p>
+            <a:r>
+              <a:rPr lang="de-DE" dirty="0"/>
+              <a:t>Kostenplan</a:t>
+            </a:r>
+          </a:p>
+        </p:txBody>
+      </p:sp>
     </p:spTree>
     <p:extLst>
       <p:ext uri="{BB962C8B-B14F-4D97-AF65-F5344CB8AC3E}">
-        <p14:creationId xmlns:p14="http://schemas.microsoft.com/office/powerpoint/2010/main" val="1586088365"/>
+        <p14:creationId xmlns:p14="http://schemas.microsoft.com/office/powerpoint/2010/main" val="1297328382"/>
       </p:ext>
     </p:extLst>
   </p:cSld>
@@ -10684,34 +10241,19 @@
             </a:br>
             <a:r>
               <a:rPr lang="de-DE" dirty="0"/>
-              <a:t>Beispielrechnung:</a:t>
-            </a:r>
-            <a:br>
+              <a:t>Beispielrechnung</a:t>
+            </a:r>
+          </a:p>
+          <a:p>
+            <a:r>
               <a:rPr lang="de-DE" dirty="0"/>
-            </a:br>
-            <a:r>
-              <a:rPr lang="de-DE" dirty="0"/>
-              <a:t>(1 – 0.10) * 10 000l * 0.0675 €/500ml = 607.5€ /pro 5 000l</a:t>
-            </a:r>
-            <a:br>
-              <a:rPr lang="de-DE" dirty="0"/>
-            </a:br>
-            <a:r>
-              <a:rPr lang="de-DE" dirty="0"/>
-              <a:t>(1 – 0.01) * 10 000l * 0.0675 €/500ml = 668.25€  =&gt; 60.75€ mehr Gewinn pro 5 000l</a:t>
-            </a:r>
-          </a:p>
-          <a:p>
-            <a:r>
-              <a:rPr lang="de-DE" dirty="0"/>
-              <a:t>Aufgrund der erhöhten Qualität und dem sehr umkämpften niedrig Preis Sektor im Biermarkt ist ein Wachstum Ihres Marktanteils um 30% annehmbar</a:t>
-            </a:r>
-          </a:p>
-          <a:p>
-            <a:r>
-              <a:rPr lang="de-DE" dirty="0"/>
-              <a:t>Durch eine langfristig gefestigte Marktposition haben Sie bei Verhandlungen mit Zulieferern eine stärkere Position und können besser verhandeln</a:t>
-            </a:r>
+              <a:t>Aufgrund der erhöhten Qualität und ist ein Wachstum Ihres Marktanteils </a:t>
+            </a:r>
+            <a:r>
+              <a:rPr lang="de-DE" dirty="0" err="1"/>
+              <a:t>anzunehmne</a:t>
+            </a:r>
+            <a:endParaRPr lang="de-DE" dirty="0"/>
           </a:p>
           <a:p>
             <a:r>
@@ -11243,7 +10785,7 @@
             </a:pPr>
             <a:r>
               <a:rPr lang="de-DE" sz="2400" dirty="0"/>
-              <a:t>Optional: Nachverfolgung der Flaschen über RFID</a:t>
+              <a:t>Nachverfolgung der Flaschen über RFID</a:t>
             </a:r>
           </a:p>
         </p:txBody>
@@ -11851,7 +11393,9 @@
         </p:nvSpPr>
         <p:spPr/>
         <p:txBody>
-          <a:bodyPr/>
+          <a:bodyPr>
+            <a:normAutofit lnSpcReduction="10000"/>
+          </a:bodyPr>
           <a:lstStyle/>
           <a:p>
             <a:pPr>
@@ -11900,15 +11444,7 @@
             </a:pPr>
             <a:r>
               <a:rPr lang="de-DE" sz="2400" dirty="0"/>
-              <a:t>Erhöhte Ausfallsicherung durch Abschaffen eines Single Point </a:t>
-            </a:r>
-            <a:r>
-              <a:rPr lang="de-DE" sz="2400" dirty="0" err="1"/>
-              <a:t>of</a:t>
-            </a:r>
-            <a:r>
-              <a:rPr lang="de-DE" sz="2400" dirty="0"/>
-              <a:t> Failure (Braumeister)</a:t>
+              <a:t>Erhöhte Ausfallsicherung, Braumeister kann sich auf Gesundwerden und Konzeption neuer Produkte konzentrieren</a:t>
             </a:r>
           </a:p>
           <a:p>
@@ -11923,6 +11459,14 @@
             <a:r>
               <a:rPr lang="de-DE" sz="2400" dirty="0" err="1"/>
               <a:t>Conditioning</a:t>
+            </a:r>
+            <a:r>
+              <a:rPr lang="de-DE" sz="2400" dirty="0"/>
+              <a:t> Monitoring, </a:t>
+            </a:r>
+            <a:r>
+              <a:rPr lang="de-DE" sz="2400" dirty="0" err="1"/>
+              <a:t>Predictive</a:t>
             </a:r>
             <a:r>
               <a:rPr lang="de-DE" sz="2400" dirty="0"/>
@@ -12524,19 +12068,78 @@
           <a:chExt cx="0" cy="0"/>
         </a:xfrm>
       </p:grpSpPr>
+      <p:sp>
+        <p:nvSpPr>
+          <p:cNvPr id="4" name="Fußzeilenplatzhalter 3">
+            <a:extLst>
+              <a:ext uri="{FF2B5EF4-FFF2-40B4-BE49-F238E27FC236}">
+                <a16:creationId xmlns:a16="http://schemas.microsoft.com/office/drawing/2014/main" id="{E83831BD-6DE6-435E-BF5E-80E4650C1CAA}"/>
+              </a:ext>
+            </a:extLst>
+          </p:cNvPr>
+          <p:cNvSpPr>
+            <a:spLocks noGrp="1"/>
+          </p:cNvSpPr>
+          <p:nvPr>
+            <p:ph type="ftr" sz="quarter" idx="11"/>
+          </p:nvPr>
+        </p:nvSpPr>
+        <p:spPr/>
+        <p:txBody>
+          <a:bodyPr/>
+          <a:lstStyle/>
+          <a:p>
+            <a:r>
+              <a:rPr lang="de-DE"/>
+              <a:t>Alb-Brau Consulting AG </a:t>
+            </a:r>
+          </a:p>
+        </p:txBody>
+      </p:sp>
+      <p:sp>
+        <p:nvSpPr>
+          <p:cNvPr id="5" name="Foliennummernplatzhalter 4">
+            <a:extLst>
+              <a:ext uri="{FF2B5EF4-FFF2-40B4-BE49-F238E27FC236}">
+                <a16:creationId xmlns:a16="http://schemas.microsoft.com/office/drawing/2014/main" id="{978EAEE8-1549-496A-BD26-6B1FACF20B6D}"/>
+              </a:ext>
+            </a:extLst>
+          </p:cNvPr>
+          <p:cNvSpPr>
+            <a:spLocks noGrp="1"/>
+          </p:cNvSpPr>
+          <p:nvPr>
+            <p:ph type="sldNum" sz="quarter" idx="12"/>
+          </p:nvPr>
+        </p:nvSpPr>
+        <p:spPr/>
+        <p:txBody>
+          <a:bodyPr/>
+          <a:lstStyle/>
+          <a:p>
+            <a:fld id="{E2B3C6FC-26FA-4D7E-AC88-A939C9C27DF5}" type="slidenum">
+              <a:rPr lang="de-DE" smtClean="0"/>
+              <a:t>4</a:t>
+            </a:fld>
+            <a:endParaRPr lang="de-DE"/>
+          </a:p>
+        </p:txBody>
+      </p:sp>
       <p:pic>
         <p:nvPicPr>
-          <p:cNvPr id="5" name="Grafik 4">
+          <p:cNvPr id="6" name="Inhaltsplatzhalter 5">
             <a:extLst>
               <a:ext uri="{FF2B5EF4-FFF2-40B4-BE49-F238E27FC236}">
-                <a16:creationId xmlns:a16="http://schemas.microsoft.com/office/drawing/2014/main" id="{845A4F59-6293-40D8-92AE-9CDD7D9BE489}"/>
+                <a16:creationId xmlns:a16="http://schemas.microsoft.com/office/drawing/2014/main" id="{0413EC1C-1F77-4B0D-88BA-20B13BE144D8}"/>
               </a:ext>
             </a:extLst>
           </p:cNvPr>
           <p:cNvPicPr>
-            <a:picLocks noChangeAspect="1"/>
+            <a:picLocks noGrp="1"/>
           </p:cNvPicPr>
-          <p:nvPr/>
+          <p:nvPr>
+            <p:ph idx="1"/>
+          </p:nvPr>
         </p:nvPicPr>
         <p:blipFill>
           <a:blip r:embed="rId2">
@@ -12552,8 +12155,8 @@
         </p:blipFill>
         <p:spPr>
           <a:xfrm>
-            <a:off x="1797269" y="577088"/>
-            <a:ext cx="8245366" cy="6280912"/>
+            <a:off x="1036320" y="648392"/>
+            <a:ext cx="9687098" cy="5811393"/>
           </a:xfrm>
           <a:prstGeom prst="rect">
             <a:avLst/>
@@ -12562,45 +12165,159 @@
       </p:pic>
       <p:sp>
         <p:nvSpPr>
-          <p:cNvPr id="6" name="Textfeld 5">
+          <p:cNvPr id="7" name="Textfeld 2">
             <a:extLst>
               <a:ext uri="{FF2B5EF4-FFF2-40B4-BE49-F238E27FC236}">
-                <a16:creationId xmlns:a16="http://schemas.microsoft.com/office/drawing/2014/main" id="{57554A9D-0590-41A4-92EF-9D70E66B3BB2}"/>
+                <a16:creationId xmlns:a16="http://schemas.microsoft.com/office/drawing/2014/main" id="{2D1442AE-2010-446C-97D8-00CEBCBC759D}"/>
               </a:ext>
             </a:extLst>
           </p:cNvPr>
-          <p:cNvSpPr txBox="1"/>
+          <p:cNvSpPr txBox="1">
+            <a:spLocks noChangeArrowheads="1"/>
+          </p:cNvSpPr>
           <p:nvPr/>
         </p:nvSpPr>
-        <p:spPr>
+        <p:spPr bwMode="auto">
           <a:xfrm>
-            <a:off x="343592" y="138082"/>
-            <a:ext cx="11401717" cy="523220"/>
+            <a:off x="1152654" y="960916"/>
+            <a:ext cx="3458094" cy="821015"/>
           </a:xfrm>
           <a:prstGeom prst="rect">
             <a:avLst/>
           </a:prstGeom>
           <a:noFill/>
+          <a:ln w="9525">
+            <a:noFill/>
+            <a:miter lim="800000"/>
+            <a:headEnd/>
+            <a:tailEnd/>
+          </a:ln>
         </p:spPr>
         <p:txBody>
-          <a:bodyPr wrap="square" rtlCol="0">
-            <a:spAutoFit/>
+          <a:bodyPr rot="0" vert="horz" wrap="square" lIns="91440" tIns="45720" rIns="91440" bIns="45720" anchor="t" anchorCtr="0">
+            <a:noAutofit/>
           </a:bodyPr>
           <a:lstStyle/>
           <a:p>
-            <a:r>
-              <a:rPr lang="de-DE" sz="2800" dirty="0"/>
-              <a:t>Business Process Canvas</a:t>
+            <a:pPr>
+              <a:lnSpc>
+                <a:spcPct val="107000"/>
+              </a:lnSpc>
+              <a:spcAft>
+                <a:spcPts val="800"/>
+              </a:spcAft>
+            </a:pPr>
+            <a:r>
+              <a:rPr lang="de-DE" sz="1400" dirty="0">
+                <a:effectLst/>
+                <a:latin typeface="Calibri" panose="020F0502020204030204" pitchFamily="34" charset="0"/>
+                <a:ea typeface="Calibri" panose="020F0502020204030204" pitchFamily="34" charset="0"/>
+                <a:cs typeface="Times New Roman" panose="02020603050405020304" pitchFamily="18" charset="0"/>
+              </a:rPr>
+              <a:t>Brauprozess digitalisieren und optimieren, weil Kunde marktfähig bleiben möchte und der Prozess nur einem MA bekannt ist</a:t>
+            </a:r>
+          </a:p>
+          <a:p>
+            <a:pPr>
+              <a:lnSpc>
+                <a:spcPct val="107000"/>
+              </a:lnSpc>
+              <a:spcAft>
+                <a:spcPts val="800"/>
+              </a:spcAft>
+            </a:pPr>
+            <a:r>
+              <a:rPr lang="de-DE" sz="1400" dirty="0">
+                <a:effectLst/>
+                <a:latin typeface="Calibri" panose="020F0502020204030204" pitchFamily="34" charset="0"/>
+                <a:ea typeface="Calibri" panose="020F0502020204030204" pitchFamily="34" charset="0"/>
+                <a:cs typeface="Times New Roman" panose="02020603050405020304" pitchFamily="18" charset="0"/>
+              </a:rPr>
+              <a:t> </a:t>
             </a:r>
           </a:p>
         </p:txBody>
       </p:sp>
       <p:sp>
         <p:nvSpPr>
-          <p:cNvPr id="7" name="Fußzeilenplatzhalter 6">
+          <p:cNvPr id="12" name="Textfeld 2">
             <a:extLst>
               <a:ext uri="{FF2B5EF4-FFF2-40B4-BE49-F238E27FC236}">
-                <a16:creationId xmlns:a16="http://schemas.microsoft.com/office/drawing/2014/main" id="{8A9A364D-AED0-445F-AB80-3106FFFA925D}"/>
+                <a16:creationId xmlns:a16="http://schemas.microsoft.com/office/drawing/2014/main" id="{F6F6B7F5-5DBF-4E8D-9403-83F900DEDAF5}"/>
+              </a:ext>
+            </a:extLst>
+          </p:cNvPr>
+          <p:cNvSpPr txBox="1">
+            <a:spLocks noChangeArrowheads="1"/>
+          </p:cNvSpPr>
+          <p:nvPr/>
+        </p:nvSpPr>
+        <p:spPr bwMode="auto">
+          <a:xfrm>
+            <a:off x="4610747" y="1057661"/>
+            <a:ext cx="3286343" cy="585126"/>
+          </a:xfrm>
+          <a:prstGeom prst="rect">
+            <a:avLst/>
+          </a:prstGeom>
+          <a:noFill/>
+          <a:ln w="9525">
+            <a:noFill/>
+            <a:miter lim="800000"/>
+            <a:headEnd/>
+            <a:tailEnd/>
+          </a:ln>
+        </p:spPr>
+        <p:txBody>
+          <a:bodyPr rot="0" vert="horz" wrap="square" lIns="91440" tIns="45720" rIns="91440" bIns="45720" anchor="t" anchorCtr="0">
+            <a:noAutofit/>
+          </a:bodyPr>
+          <a:lstStyle/>
+          <a:p>
+            <a:pPr>
+              <a:lnSpc>
+                <a:spcPct val="107000"/>
+              </a:lnSpc>
+              <a:spcAft>
+                <a:spcPts val="800"/>
+              </a:spcAft>
+            </a:pPr>
+            <a:r>
+              <a:rPr lang="de-DE" sz="1400" dirty="0">
+                <a:effectLst/>
+                <a:latin typeface="Calibri" panose="020F0502020204030204" pitchFamily="34" charset="0"/>
+                <a:ea typeface="Calibri" panose="020F0502020204030204" pitchFamily="34" charset="0"/>
+                <a:cs typeface="Times New Roman" panose="02020603050405020304" pitchFamily="18" charset="0"/>
+              </a:rPr>
+              <a:t>Auftragsausschreibung der Firma </a:t>
+            </a:r>
+            <a:r>
+              <a:rPr lang="de-DE" sz="1400" dirty="0" err="1">
+                <a:effectLst/>
+                <a:latin typeface="Calibri" panose="020F0502020204030204" pitchFamily="34" charset="0"/>
+                <a:ea typeface="Calibri" panose="020F0502020204030204" pitchFamily="34" charset="0"/>
+                <a:cs typeface="Times New Roman" panose="02020603050405020304" pitchFamily="18" charset="0"/>
+              </a:rPr>
+              <a:t>Plörr</a:t>
+            </a:r>
+            <a:r>
+              <a:rPr lang="de-DE" sz="1400" dirty="0">
+                <a:effectLst/>
+                <a:latin typeface="Calibri" panose="020F0502020204030204" pitchFamily="34" charset="0"/>
+                <a:ea typeface="Calibri" panose="020F0502020204030204" pitchFamily="34" charset="0"/>
+                <a:cs typeface="Times New Roman" panose="02020603050405020304" pitchFamily="18" charset="0"/>
+              </a:rPr>
+              <a:t>-Bräu GmbH</a:t>
+            </a:r>
+          </a:p>
+        </p:txBody>
+      </p:sp>
+      <p:sp>
+        <p:nvSpPr>
+          <p:cNvPr id="2" name="Titel 1">
+            <a:extLst>
+              <a:ext uri="{FF2B5EF4-FFF2-40B4-BE49-F238E27FC236}">
+                <a16:creationId xmlns:a16="http://schemas.microsoft.com/office/drawing/2014/main" id="{C2B72B2E-D30E-4767-99A9-DA055AF62370}"/>
               </a:ext>
             </a:extLst>
           </p:cNvPr>
@@ -12608,54 +12325,1393 @@
             <a:spLocks noGrp="1"/>
           </p:cNvSpPr>
           <p:nvPr>
-            <p:ph type="ftr" sz="quarter" idx="11"/>
+            <p:ph type="title"/>
           </p:nvPr>
         </p:nvSpPr>
-        <p:spPr/>
+        <p:spPr>
+          <a:xfrm>
+            <a:off x="271462" y="192030"/>
+            <a:ext cx="10058400" cy="1450757"/>
+          </a:xfrm>
+        </p:spPr>
         <p:txBody>
-          <a:bodyPr/>
+          <a:bodyPr anchor="t"/>
           <a:lstStyle/>
           <a:p>
             <a:r>
-              <a:rPr lang="de-DE"/>
-              <a:t>Alb-Brau Consulting AG </a:t>
+              <a:rPr lang="de-DE" dirty="0" err="1"/>
+              <a:t>Buisness</a:t>
+            </a:r>
+            <a:r>
+              <a:rPr lang="de-DE" dirty="0"/>
+              <a:t> </a:t>
+            </a:r>
+            <a:r>
+              <a:rPr lang="de-DE" dirty="0" err="1"/>
+              <a:t>Process</a:t>
+            </a:r>
+            <a:r>
+              <a:rPr lang="de-DE" dirty="0"/>
+              <a:t> Canvas</a:t>
             </a:r>
           </a:p>
         </p:txBody>
       </p:sp>
       <p:sp>
         <p:nvSpPr>
-          <p:cNvPr id="8" name="Foliennummernplatzhalter 7">
+          <p:cNvPr id="15" name="Textfeld 2">
             <a:extLst>
               <a:ext uri="{FF2B5EF4-FFF2-40B4-BE49-F238E27FC236}">
-                <a16:creationId xmlns:a16="http://schemas.microsoft.com/office/drawing/2014/main" id="{A8AFF855-988D-4C9C-AFD7-CB4A7B67CDE5}"/>
+                <a16:creationId xmlns:a16="http://schemas.microsoft.com/office/drawing/2014/main" id="{A2DAF289-83FC-4176-BE4D-4C02F115C9D9}"/>
               </a:ext>
             </a:extLst>
           </p:cNvPr>
-          <p:cNvSpPr>
-            <a:spLocks noGrp="1"/>
+          <p:cNvSpPr txBox="1">
+            <a:spLocks noChangeArrowheads="1"/>
           </p:cNvSpPr>
-          <p:nvPr>
-            <p:ph type="sldNum" sz="quarter" idx="12"/>
-          </p:nvPr>
-        </p:nvSpPr>
-        <p:spPr/>
+          <p:nvPr/>
+        </p:nvSpPr>
+        <p:spPr bwMode="auto">
+          <a:xfrm>
+            <a:off x="7908279" y="1151583"/>
+            <a:ext cx="1201420" cy="477520"/>
+          </a:xfrm>
+          <a:prstGeom prst="rect">
+            <a:avLst/>
+          </a:prstGeom>
+          <a:noFill/>
+          <a:ln w="9525">
+            <a:noFill/>
+            <a:miter lim="800000"/>
+            <a:headEnd/>
+            <a:tailEnd/>
+          </a:ln>
+        </p:spPr>
         <p:txBody>
-          <a:bodyPr/>
+          <a:bodyPr rot="0" vert="horz" wrap="square" lIns="91440" tIns="45720" rIns="91440" bIns="45720" anchor="t" anchorCtr="0">
+            <a:noAutofit/>
+          </a:bodyPr>
           <a:lstStyle/>
           <a:p>
-            <a:fld id="{E2B3C6FC-26FA-4D7E-AC88-A939C9C27DF5}" type="slidenum">
-              <a:rPr lang="de-DE" smtClean="0"/>
-              <a:t>4</a:t>
-            </a:fld>
-            <a:endParaRPr lang="de-DE"/>
+            <a:pPr>
+              <a:lnSpc>
+                <a:spcPct val="107000"/>
+              </a:lnSpc>
+              <a:spcAft>
+                <a:spcPts val="800"/>
+              </a:spcAft>
+            </a:pPr>
+            <a:r>
+              <a:rPr lang="de-DE" sz="1100">
+                <a:effectLst/>
+                <a:latin typeface="Calibri" panose="020F0502020204030204" pitchFamily="34" charset="0"/>
+                <a:ea typeface="Calibri" panose="020F0502020204030204" pitchFamily="34" charset="0"/>
+                <a:cs typeface="Times New Roman" panose="02020603050405020304" pitchFamily="18" charset="0"/>
+              </a:rPr>
+              <a:t>Überwachung des Prozesses</a:t>
+            </a:r>
+          </a:p>
+        </p:txBody>
+      </p:sp>
+      <p:sp>
+        <p:nvSpPr>
+          <p:cNvPr id="16" name="Textfeld 2">
+            <a:extLst>
+              <a:ext uri="{FF2B5EF4-FFF2-40B4-BE49-F238E27FC236}">
+                <a16:creationId xmlns:a16="http://schemas.microsoft.com/office/drawing/2014/main" id="{8C0C29DE-6493-4615-8CB1-E8E28250100E}"/>
+              </a:ext>
+            </a:extLst>
+          </p:cNvPr>
+          <p:cNvSpPr txBox="1">
+            <a:spLocks noChangeArrowheads="1"/>
+          </p:cNvSpPr>
+          <p:nvPr/>
+        </p:nvSpPr>
+        <p:spPr bwMode="auto">
+          <a:xfrm>
+            <a:off x="8038985" y="1907218"/>
+            <a:ext cx="1201420" cy="477520"/>
+          </a:xfrm>
+          <a:prstGeom prst="rect">
+            <a:avLst/>
+          </a:prstGeom>
+          <a:noFill/>
+          <a:ln w="9525">
+            <a:noFill/>
+            <a:miter lim="800000"/>
+            <a:headEnd/>
+            <a:tailEnd/>
+          </a:ln>
+        </p:spPr>
+        <p:txBody>
+          <a:bodyPr rot="0" vert="horz" wrap="square" lIns="91440" tIns="45720" rIns="91440" bIns="45720" anchor="t" anchorCtr="0">
+            <a:noAutofit/>
+          </a:bodyPr>
+          <a:lstStyle/>
+          <a:p>
+            <a:pPr>
+              <a:lnSpc>
+                <a:spcPct val="107000"/>
+              </a:lnSpc>
+              <a:spcAft>
+                <a:spcPts val="800"/>
+              </a:spcAft>
+            </a:pPr>
+            <a:r>
+              <a:rPr lang="de-DE" sz="1100">
+                <a:effectLst/>
+                <a:latin typeface="Calibri" panose="020F0502020204030204" pitchFamily="34" charset="0"/>
+                <a:ea typeface="Calibri" panose="020F0502020204030204" pitchFamily="34" charset="0"/>
+                <a:cs typeface="Times New Roman" panose="02020603050405020304" pitchFamily="18" charset="0"/>
+              </a:rPr>
+              <a:t>Pflanzenanbau</a:t>
+            </a:r>
+          </a:p>
+        </p:txBody>
+      </p:sp>
+      <p:sp>
+        <p:nvSpPr>
+          <p:cNvPr id="17" name="Textfeld 2">
+            <a:extLst>
+              <a:ext uri="{FF2B5EF4-FFF2-40B4-BE49-F238E27FC236}">
+                <a16:creationId xmlns:a16="http://schemas.microsoft.com/office/drawing/2014/main" id="{4B6F8610-192A-4FDA-BE3E-FD41F86565F7}"/>
+              </a:ext>
+            </a:extLst>
+          </p:cNvPr>
+          <p:cNvSpPr txBox="1">
+            <a:spLocks noChangeArrowheads="1"/>
+          </p:cNvSpPr>
+          <p:nvPr/>
+        </p:nvSpPr>
+        <p:spPr bwMode="auto">
+          <a:xfrm>
+            <a:off x="5907578" y="1739532"/>
+            <a:ext cx="1989512" cy="821015"/>
+          </a:xfrm>
+          <a:prstGeom prst="rect">
+            <a:avLst/>
+          </a:prstGeom>
+          <a:noFill/>
+          <a:ln w="9525">
+            <a:noFill/>
+            <a:miter lim="800000"/>
+            <a:headEnd/>
+            <a:tailEnd/>
+          </a:ln>
+        </p:spPr>
+        <p:txBody>
+          <a:bodyPr rot="0" vert="horz" wrap="square" lIns="91440" tIns="45720" rIns="91440" bIns="45720" anchor="t" anchorCtr="0">
+            <a:noAutofit/>
+          </a:bodyPr>
+          <a:lstStyle/>
+          <a:p>
+            <a:pPr>
+              <a:lnSpc>
+                <a:spcPct val="107000"/>
+              </a:lnSpc>
+              <a:spcAft>
+                <a:spcPts val="800"/>
+              </a:spcAft>
+            </a:pPr>
+            <a:br>
+              <a:rPr lang="de-DE" sz="1400" dirty="0">
+                <a:latin typeface="Calibri" panose="020F0502020204030204" pitchFamily="34" charset="0"/>
+                <a:ea typeface="Calibri" panose="020F0502020204030204" pitchFamily="34" charset="0"/>
+                <a:cs typeface="Times New Roman" panose="02020603050405020304" pitchFamily="18" charset="0"/>
+              </a:rPr>
+            </a:br>
+            <a:r>
+              <a:rPr lang="de-DE" sz="1400" dirty="0">
+                <a:effectLst/>
+                <a:latin typeface="Calibri" panose="020F0502020204030204" pitchFamily="34" charset="0"/>
+                <a:ea typeface="Calibri" panose="020F0502020204030204" pitchFamily="34" charset="0"/>
+                <a:cs typeface="Times New Roman" panose="02020603050405020304" pitchFamily="18" charset="0"/>
+              </a:rPr>
+              <a:t>Main </a:t>
+            </a:r>
+            <a:r>
+              <a:rPr lang="de-DE" sz="1400" dirty="0" err="1">
+                <a:effectLst/>
+                <a:latin typeface="Calibri" panose="020F0502020204030204" pitchFamily="34" charset="0"/>
+                <a:ea typeface="Calibri" panose="020F0502020204030204" pitchFamily="34" charset="0"/>
+                <a:cs typeface="Times New Roman" panose="02020603050405020304" pitchFamily="18" charset="0"/>
+              </a:rPr>
+              <a:t>Process</a:t>
+            </a:r>
+            <a:endParaRPr lang="de-DE" sz="1400" dirty="0">
+              <a:effectLst/>
+              <a:latin typeface="Calibri" panose="020F0502020204030204" pitchFamily="34" charset="0"/>
+              <a:ea typeface="Calibri" panose="020F0502020204030204" pitchFamily="34" charset="0"/>
+              <a:cs typeface="Times New Roman" panose="02020603050405020304" pitchFamily="18" charset="0"/>
+            </a:endParaRPr>
+          </a:p>
+        </p:txBody>
+      </p:sp>
+      <p:sp>
+        <p:nvSpPr>
+          <p:cNvPr id="18" name="Textfeld 2">
+            <a:extLst>
+              <a:ext uri="{FF2B5EF4-FFF2-40B4-BE49-F238E27FC236}">
+                <a16:creationId xmlns:a16="http://schemas.microsoft.com/office/drawing/2014/main" id="{48AAD35D-B5A5-46E2-9CA3-D08869B39F5A}"/>
+              </a:ext>
+            </a:extLst>
+          </p:cNvPr>
+          <p:cNvSpPr txBox="1">
+            <a:spLocks noChangeArrowheads="1"/>
+          </p:cNvSpPr>
+          <p:nvPr/>
+        </p:nvSpPr>
+        <p:spPr bwMode="auto">
+          <a:xfrm>
+            <a:off x="1180363" y="1764370"/>
+            <a:ext cx="4699506" cy="839470"/>
+          </a:xfrm>
+          <a:prstGeom prst="rect">
+            <a:avLst/>
+          </a:prstGeom>
+          <a:noFill/>
+          <a:ln w="9525">
+            <a:noFill/>
+            <a:miter lim="800000"/>
+            <a:headEnd/>
+            <a:tailEnd/>
+          </a:ln>
+        </p:spPr>
+        <p:txBody>
+          <a:bodyPr rot="0" vert="horz" wrap="square" lIns="91440" tIns="45720" rIns="91440" bIns="45720" anchor="t" anchorCtr="0">
+            <a:noAutofit/>
+          </a:bodyPr>
+          <a:lstStyle/>
+          <a:p>
+            <a:pPr>
+              <a:lnSpc>
+                <a:spcPct val="107000"/>
+              </a:lnSpc>
+              <a:spcAft>
+                <a:spcPts val="800"/>
+              </a:spcAft>
+            </a:pPr>
+            <a:r>
+              <a:rPr lang="de-DE" sz="1400" dirty="0">
+                <a:effectLst/>
+                <a:latin typeface="Calibri" panose="020F0502020204030204" pitchFamily="34" charset="0"/>
+                <a:ea typeface="Calibri" panose="020F0502020204030204" pitchFamily="34" charset="0"/>
+                <a:cs typeface="Times New Roman" panose="02020603050405020304" pitchFamily="18" charset="0"/>
+              </a:rPr>
+              <a:t>- Qualität sicherstellen bzw. steigern </a:t>
+            </a:r>
+            <a:br>
+              <a:rPr lang="de-DE" sz="1400" dirty="0">
+                <a:effectLst/>
+                <a:latin typeface="Calibri" panose="020F0502020204030204" pitchFamily="34" charset="0"/>
+                <a:ea typeface="Calibri" panose="020F0502020204030204" pitchFamily="34" charset="0"/>
+                <a:cs typeface="Times New Roman" panose="02020603050405020304" pitchFamily="18" charset="0"/>
+              </a:rPr>
+            </a:br>
+            <a:r>
+              <a:rPr lang="de-DE" sz="1400" dirty="0">
+                <a:effectLst/>
+                <a:latin typeface="Calibri" panose="020F0502020204030204" pitchFamily="34" charset="0"/>
+                <a:ea typeface="Calibri" panose="020F0502020204030204" pitchFamily="34" charset="0"/>
+                <a:cs typeface="Times New Roman" panose="02020603050405020304" pitchFamily="18" charset="0"/>
+              </a:rPr>
+              <a:t>- Effizienz und dadurch Gewinn steigern</a:t>
+            </a:r>
+            <a:br>
+              <a:rPr lang="de-DE" sz="1400" dirty="0">
+                <a:effectLst/>
+                <a:latin typeface="Calibri" panose="020F0502020204030204" pitchFamily="34" charset="0"/>
+                <a:ea typeface="Calibri" panose="020F0502020204030204" pitchFamily="34" charset="0"/>
+                <a:cs typeface="Times New Roman" panose="02020603050405020304" pitchFamily="18" charset="0"/>
+              </a:rPr>
+            </a:br>
+            <a:r>
+              <a:rPr lang="de-DE" sz="1400" dirty="0">
+                <a:effectLst/>
+                <a:latin typeface="Calibri" panose="020F0502020204030204" pitchFamily="34" charset="0"/>
+                <a:ea typeface="Calibri" panose="020F0502020204030204" pitchFamily="34" charset="0"/>
+                <a:cs typeface="Times New Roman" panose="02020603050405020304" pitchFamily="18" charset="0"/>
+              </a:rPr>
+              <a:t>- Fehlproduktion/Unregelmäßigkeiten vermieden</a:t>
+            </a:r>
+          </a:p>
+        </p:txBody>
+      </p:sp>
+      <p:sp>
+        <p:nvSpPr>
+          <p:cNvPr id="19" name="Textfeld 2">
+            <a:extLst>
+              <a:ext uri="{FF2B5EF4-FFF2-40B4-BE49-F238E27FC236}">
+                <a16:creationId xmlns:a16="http://schemas.microsoft.com/office/drawing/2014/main" id="{8DF91AFD-4D6C-41C7-8029-C20064A5C10C}"/>
+              </a:ext>
+            </a:extLst>
+          </p:cNvPr>
+          <p:cNvSpPr txBox="1">
+            <a:spLocks noChangeArrowheads="1"/>
+          </p:cNvSpPr>
+          <p:nvPr/>
+        </p:nvSpPr>
+        <p:spPr bwMode="auto">
+          <a:xfrm>
+            <a:off x="1152654" y="2749750"/>
+            <a:ext cx="2804204" cy="821015"/>
+          </a:xfrm>
+          <a:prstGeom prst="rect">
+            <a:avLst/>
+          </a:prstGeom>
+          <a:noFill/>
+          <a:ln w="9525">
+            <a:noFill/>
+            <a:miter lim="800000"/>
+            <a:headEnd/>
+            <a:tailEnd/>
+          </a:ln>
+        </p:spPr>
+        <p:txBody>
+          <a:bodyPr rot="0" vert="horz" wrap="square" lIns="91440" tIns="45720" rIns="91440" bIns="45720" anchor="t" anchorCtr="0">
+            <a:noAutofit/>
+          </a:bodyPr>
+          <a:lstStyle/>
+          <a:p>
+            <a:pPr>
+              <a:lnSpc>
+                <a:spcPct val="107000"/>
+              </a:lnSpc>
+              <a:spcAft>
+                <a:spcPts val="800"/>
+              </a:spcAft>
+            </a:pPr>
+            <a:r>
+              <a:rPr lang="de-DE" sz="1400" dirty="0">
+                <a:effectLst/>
+                <a:latin typeface="Calibri" panose="020F0502020204030204" pitchFamily="34" charset="0"/>
+                <a:ea typeface="Calibri" panose="020F0502020204030204" pitchFamily="34" charset="0"/>
+                <a:cs typeface="Times New Roman" panose="02020603050405020304" pitchFamily="18" charset="0"/>
+              </a:rPr>
+              <a:t>- Brauprozessablauf standardisieren</a:t>
+            </a:r>
+            <a:br>
+              <a:rPr lang="de-DE" sz="1400" dirty="0">
+                <a:effectLst/>
+                <a:latin typeface="Calibri" panose="020F0502020204030204" pitchFamily="34" charset="0"/>
+                <a:ea typeface="Calibri" panose="020F0502020204030204" pitchFamily="34" charset="0"/>
+                <a:cs typeface="Times New Roman" panose="02020603050405020304" pitchFamily="18" charset="0"/>
+              </a:rPr>
+            </a:br>
+            <a:r>
+              <a:rPr lang="de-DE" sz="1400" dirty="0">
+                <a:effectLst/>
+                <a:latin typeface="Calibri" panose="020F0502020204030204" pitchFamily="34" charset="0"/>
+                <a:ea typeface="Calibri" panose="020F0502020204030204" pitchFamily="34" charset="0"/>
+                <a:cs typeface="Times New Roman" panose="02020603050405020304" pitchFamily="18" charset="0"/>
+              </a:rPr>
+              <a:t>- technische Führung durch den Brauprozess</a:t>
+            </a:r>
+          </a:p>
+        </p:txBody>
+      </p:sp>
+      <p:sp>
+        <p:nvSpPr>
+          <p:cNvPr id="20" name="Textfeld 2">
+            <a:extLst>
+              <a:ext uri="{FF2B5EF4-FFF2-40B4-BE49-F238E27FC236}">
+                <a16:creationId xmlns:a16="http://schemas.microsoft.com/office/drawing/2014/main" id="{2E3871E8-4FF7-4316-88D7-7541E7C8D8F0}"/>
+              </a:ext>
+            </a:extLst>
+          </p:cNvPr>
+          <p:cNvSpPr txBox="1">
+            <a:spLocks noChangeArrowheads="1"/>
+          </p:cNvSpPr>
+          <p:nvPr/>
+        </p:nvSpPr>
+        <p:spPr bwMode="auto">
+          <a:xfrm>
+            <a:off x="3956857" y="2732723"/>
+            <a:ext cx="3951421" cy="1450757"/>
+          </a:xfrm>
+          <a:prstGeom prst="rect">
+            <a:avLst/>
+          </a:prstGeom>
+          <a:noFill/>
+          <a:ln w="9525">
+            <a:noFill/>
+            <a:miter lim="800000"/>
+            <a:headEnd/>
+            <a:tailEnd/>
+          </a:ln>
+        </p:spPr>
+        <p:txBody>
+          <a:bodyPr rot="0" vert="horz" wrap="square" lIns="91440" tIns="45720" rIns="91440" bIns="45720" anchor="t" anchorCtr="0">
+            <a:noAutofit/>
+          </a:bodyPr>
+          <a:lstStyle/>
+          <a:p>
+            <a:pPr marL="342900" lvl="0" indent="-342900">
+              <a:lnSpc>
+                <a:spcPct val="107000"/>
+              </a:lnSpc>
+              <a:spcAft>
+                <a:spcPts val="0"/>
+              </a:spcAft>
+              <a:buFont typeface="+mj-lt"/>
+              <a:buAutoNum type="arabicParenR"/>
+            </a:pPr>
+            <a:r>
+              <a:rPr lang="de-DE" sz="1400" dirty="0">
+                <a:effectLst/>
+                <a:latin typeface="Calibri" panose="020F0502020204030204" pitchFamily="34" charset="0"/>
+                <a:ea typeface="Calibri" panose="020F0502020204030204" pitchFamily="34" charset="0"/>
+                <a:cs typeface="Times New Roman" panose="02020603050405020304" pitchFamily="18" charset="0"/>
+              </a:rPr>
+              <a:t>Kickoff </a:t>
+            </a:r>
+          </a:p>
+          <a:p>
+            <a:pPr marL="342900" lvl="0" indent="-342900">
+              <a:lnSpc>
+                <a:spcPct val="107000"/>
+              </a:lnSpc>
+              <a:spcAft>
+                <a:spcPts val="0"/>
+              </a:spcAft>
+              <a:buFont typeface="+mj-lt"/>
+              <a:buAutoNum type="arabicParenR"/>
+            </a:pPr>
+            <a:r>
+              <a:rPr lang="de-DE" sz="1400" dirty="0">
+                <a:effectLst/>
+                <a:latin typeface="Calibri" panose="020F0502020204030204" pitchFamily="34" charset="0"/>
+                <a:ea typeface="Calibri" panose="020F0502020204030204" pitchFamily="34" charset="0"/>
+                <a:cs typeface="Times New Roman" panose="02020603050405020304" pitchFamily="18" charset="0"/>
+              </a:rPr>
+              <a:t>Prozessablauf bekannt und in SAP</a:t>
+            </a:r>
+          </a:p>
+          <a:p>
+            <a:pPr marL="342900" lvl="0" indent="-342900">
+              <a:lnSpc>
+                <a:spcPct val="107000"/>
+              </a:lnSpc>
+              <a:spcAft>
+                <a:spcPts val="0"/>
+              </a:spcAft>
+              <a:buFont typeface="+mj-lt"/>
+              <a:buAutoNum type="arabicParenR"/>
+            </a:pPr>
+            <a:r>
+              <a:rPr lang="de-DE" sz="1400" dirty="0">
+                <a:effectLst/>
+                <a:latin typeface="Calibri" panose="020F0502020204030204" pitchFamily="34" charset="0"/>
+                <a:ea typeface="Calibri" panose="020F0502020204030204" pitchFamily="34" charset="0"/>
+                <a:cs typeface="Times New Roman" panose="02020603050405020304" pitchFamily="18" charset="0"/>
+              </a:rPr>
+              <a:t>SPS fertig programmiert</a:t>
+            </a:r>
+          </a:p>
+          <a:p>
+            <a:pPr marL="342900" lvl="0" indent="-342900">
+              <a:lnSpc>
+                <a:spcPct val="107000"/>
+              </a:lnSpc>
+              <a:spcAft>
+                <a:spcPts val="0"/>
+              </a:spcAft>
+              <a:buFont typeface="+mj-lt"/>
+              <a:buAutoNum type="arabicParenR"/>
+            </a:pPr>
+            <a:r>
+              <a:rPr lang="de-DE" sz="1400" dirty="0">
+                <a:effectLst/>
+                <a:latin typeface="Calibri" panose="020F0502020204030204" pitchFamily="34" charset="0"/>
+                <a:ea typeface="Calibri" panose="020F0502020204030204" pitchFamily="34" charset="0"/>
+                <a:cs typeface="Times New Roman" panose="02020603050405020304" pitchFamily="18" charset="0"/>
+              </a:rPr>
+              <a:t>Kommunikation über MQTT erfolgreich</a:t>
+            </a:r>
+          </a:p>
+          <a:p>
+            <a:pPr marL="342900" lvl="0" indent="-342900">
+              <a:lnSpc>
+                <a:spcPct val="107000"/>
+              </a:lnSpc>
+              <a:spcAft>
+                <a:spcPts val="800"/>
+              </a:spcAft>
+              <a:buFont typeface="+mj-lt"/>
+              <a:buAutoNum type="arabicParenR"/>
+            </a:pPr>
+            <a:r>
+              <a:rPr lang="de-DE" sz="1400" dirty="0">
+                <a:effectLst/>
+                <a:latin typeface="Calibri" panose="020F0502020204030204" pitchFamily="34" charset="0"/>
+                <a:ea typeface="Calibri" panose="020F0502020204030204" pitchFamily="34" charset="0"/>
+                <a:cs typeface="Times New Roman" panose="02020603050405020304" pitchFamily="18" charset="0"/>
+              </a:rPr>
+              <a:t>Anbindung der Überwachung- und Pflanzengruppe</a:t>
+            </a:r>
+          </a:p>
+        </p:txBody>
+      </p:sp>
+      <p:sp>
+        <p:nvSpPr>
+          <p:cNvPr id="21" name="Textfeld 2">
+            <a:extLst>
+              <a:ext uri="{FF2B5EF4-FFF2-40B4-BE49-F238E27FC236}">
+                <a16:creationId xmlns:a16="http://schemas.microsoft.com/office/drawing/2014/main" id="{9245E761-1BDE-4CF3-AC11-B709B09E7215}"/>
+              </a:ext>
+            </a:extLst>
+          </p:cNvPr>
+          <p:cNvSpPr txBox="1">
+            <a:spLocks noChangeArrowheads="1"/>
+          </p:cNvSpPr>
+          <p:nvPr/>
+        </p:nvSpPr>
+        <p:spPr bwMode="auto">
+          <a:xfrm>
+            <a:off x="1180362" y="3824129"/>
+            <a:ext cx="2776495" cy="964002"/>
+          </a:xfrm>
+          <a:prstGeom prst="rect">
+            <a:avLst/>
+          </a:prstGeom>
+          <a:noFill/>
+          <a:ln w="9525">
+            <a:noFill/>
+            <a:miter lim="800000"/>
+            <a:headEnd/>
+            <a:tailEnd/>
+          </a:ln>
+        </p:spPr>
+        <p:txBody>
+          <a:bodyPr rot="0" vert="horz" wrap="square" lIns="91440" tIns="45720" rIns="91440" bIns="45720" anchor="t" anchorCtr="0">
+            <a:noAutofit/>
+          </a:bodyPr>
+          <a:lstStyle/>
+          <a:p>
+            <a:pPr>
+              <a:lnSpc>
+                <a:spcPct val="107000"/>
+              </a:lnSpc>
+              <a:spcAft>
+                <a:spcPts val="800"/>
+              </a:spcAft>
+            </a:pPr>
+            <a:r>
+              <a:rPr lang="de-DE" sz="1400" dirty="0">
+                <a:effectLst/>
+                <a:latin typeface="Calibri" panose="020F0502020204030204" pitchFamily="34" charset="0"/>
+                <a:ea typeface="Calibri" panose="020F0502020204030204" pitchFamily="34" charset="0"/>
+                <a:cs typeface="Times New Roman" panose="02020603050405020304" pitchFamily="18" charset="0"/>
+              </a:rPr>
+              <a:t>- Mitarbeiter nehmen Software nicht an</a:t>
+            </a:r>
+            <a:br>
+              <a:rPr lang="de-DE" sz="1400" dirty="0">
+                <a:effectLst/>
+                <a:latin typeface="Calibri" panose="020F0502020204030204" pitchFamily="34" charset="0"/>
+                <a:ea typeface="Calibri" panose="020F0502020204030204" pitchFamily="34" charset="0"/>
+                <a:cs typeface="Times New Roman" panose="02020603050405020304" pitchFamily="18" charset="0"/>
+              </a:rPr>
+            </a:br>
+            <a:r>
+              <a:rPr lang="de-DE" sz="1400" dirty="0">
+                <a:effectLst/>
+                <a:latin typeface="Calibri" panose="020F0502020204030204" pitchFamily="34" charset="0"/>
+                <a:ea typeface="Calibri" panose="020F0502020204030204" pitchFamily="34" charset="0"/>
+                <a:cs typeface="Times New Roman" panose="02020603050405020304" pitchFamily="18" charset="0"/>
+              </a:rPr>
+              <a:t>- nur Braumeister kennt Ablauf</a:t>
+            </a:r>
+          </a:p>
+        </p:txBody>
+      </p:sp>
+      <p:sp>
+        <p:nvSpPr>
+          <p:cNvPr id="22" name="Textfeld 2">
+            <a:extLst>
+              <a:ext uri="{FF2B5EF4-FFF2-40B4-BE49-F238E27FC236}">
+                <a16:creationId xmlns:a16="http://schemas.microsoft.com/office/drawing/2014/main" id="{D6322EB9-FE51-4446-8407-F377894C7096}"/>
+              </a:ext>
+            </a:extLst>
+          </p:cNvPr>
+          <p:cNvSpPr txBox="1">
+            <a:spLocks noChangeArrowheads="1"/>
+          </p:cNvSpPr>
+          <p:nvPr/>
+        </p:nvSpPr>
+        <p:spPr bwMode="auto">
+          <a:xfrm>
+            <a:off x="1152654" y="4914927"/>
+            <a:ext cx="2776495" cy="766241"/>
+          </a:xfrm>
+          <a:prstGeom prst="rect">
+            <a:avLst/>
+          </a:prstGeom>
+          <a:noFill/>
+          <a:ln w="9525">
+            <a:noFill/>
+            <a:miter lim="800000"/>
+            <a:headEnd/>
+            <a:tailEnd/>
+          </a:ln>
+        </p:spPr>
+        <p:txBody>
+          <a:bodyPr rot="0" vert="horz" wrap="square" lIns="91440" tIns="45720" rIns="91440" bIns="45720" anchor="t" anchorCtr="0">
+            <a:noAutofit/>
+          </a:bodyPr>
+          <a:lstStyle/>
+          <a:p>
+            <a:pPr>
+              <a:lnSpc>
+                <a:spcPct val="107000"/>
+              </a:lnSpc>
+              <a:spcAft>
+                <a:spcPts val="800"/>
+              </a:spcAft>
+            </a:pPr>
+            <a:r>
+              <a:rPr lang="de-DE" sz="1400" dirty="0">
+                <a:effectLst/>
+                <a:latin typeface="Calibri" panose="020F0502020204030204" pitchFamily="34" charset="0"/>
+                <a:ea typeface="Calibri" panose="020F0502020204030204" pitchFamily="34" charset="0"/>
+                <a:cs typeface="Times New Roman" panose="02020603050405020304" pitchFamily="18" charset="0"/>
+              </a:rPr>
+              <a:t>- Braumeister ist krank</a:t>
+            </a:r>
+            <a:br>
+              <a:rPr lang="de-DE" sz="1400" dirty="0">
+                <a:effectLst/>
+                <a:latin typeface="Calibri" panose="020F0502020204030204" pitchFamily="34" charset="0"/>
+                <a:ea typeface="Calibri" panose="020F0502020204030204" pitchFamily="34" charset="0"/>
+                <a:cs typeface="Times New Roman" panose="02020603050405020304" pitchFamily="18" charset="0"/>
+              </a:rPr>
+            </a:br>
+            <a:r>
+              <a:rPr lang="de-DE" sz="1400" dirty="0">
+                <a:effectLst/>
+                <a:latin typeface="Calibri" panose="020F0502020204030204" pitchFamily="34" charset="0"/>
+                <a:ea typeface="Calibri" panose="020F0502020204030204" pitchFamily="34" charset="0"/>
+                <a:cs typeface="Times New Roman" panose="02020603050405020304" pitchFamily="18" charset="0"/>
+              </a:rPr>
+              <a:t>- Braumeister will nicht kooperieren</a:t>
+            </a:r>
+            <a:br>
+              <a:rPr lang="de-DE" sz="1400" dirty="0">
+                <a:effectLst/>
+                <a:latin typeface="Calibri" panose="020F0502020204030204" pitchFamily="34" charset="0"/>
+                <a:ea typeface="Calibri" panose="020F0502020204030204" pitchFamily="34" charset="0"/>
+                <a:cs typeface="Times New Roman" panose="02020603050405020304" pitchFamily="18" charset="0"/>
+              </a:rPr>
+            </a:br>
+            <a:endParaRPr lang="de-DE" sz="1400" dirty="0">
+              <a:effectLst/>
+              <a:latin typeface="Calibri" panose="020F0502020204030204" pitchFamily="34" charset="0"/>
+              <a:ea typeface="Calibri" panose="020F0502020204030204" pitchFamily="34" charset="0"/>
+              <a:cs typeface="Times New Roman" panose="02020603050405020304" pitchFamily="18" charset="0"/>
+            </a:endParaRPr>
+          </a:p>
+          <a:p>
+            <a:pPr>
+              <a:lnSpc>
+                <a:spcPct val="107000"/>
+              </a:lnSpc>
+              <a:spcAft>
+                <a:spcPts val="800"/>
+              </a:spcAft>
+            </a:pPr>
+            <a:r>
+              <a:rPr lang="de-DE" sz="1400" dirty="0">
+                <a:effectLst/>
+                <a:latin typeface="Calibri" panose="020F0502020204030204" pitchFamily="34" charset="0"/>
+                <a:ea typeface="Calibri" panose="020F0502020204030204" pitchFamily="34" charset="0"/>
+                <a:cs typeface="Times New Roman" panose="02020603050405020304" pitchFamily="18" charset="0"/>
+              </a:rPr>
+              <a:t> </a:t>
+            </a:r>
+          </a:p>
+        </p:txBody>
+      </p:sp>
+      <p:sp>
+        <p:nvSpPr>
+          <p:cNvPr id="23" name="Textfeld 2">
+            <a:extLst>
+              <a:ext uri="{FF2B5EF4-FFF2-40B4-BE49-F238E27FC236}">
+                <a16:creationId xmlns:a16="http://schemas.microsoft.com/office/drawing/2014/main" id="{9F86E095-B669-496A-83BC-F8C5D5495C7B}"/>
+              </a:ext>
+            </a:extLst>
+          </p:cNvPr>
+          <p:cNvSpPr txBox="1">
+            <a:spLocks noChangeArrowheads="1"/>
+          </p:cNvSpPr>
+          <p:nvPr/>
+        </p:nvSpPr>
+        <p:spPr bwMode="auto">
+          <a:xfrm>
+            <a:off x="1152654" y="5767898"/>
+            <a:ext cx="3458093" cy="721577"/>
+          </a:xfrm>
+          <a:prstGeom prst="rect">
+            <a:avLst/>
+          </a:prstGeom>
+          <a:noFill/>
+          <a:ln w="9525">
+            <a:noFill/>
+            <a:miter lim="800000"/>
+            <a:headEnd/>
+            <a:tailEnd/>
+          </a:ln>
+        </p:spPr>
+        <p:txBody>
+          <a:bodyPr rot="0" vert="horz" wrap="square" lIns="91440" tIns="45720" rIns="91440" bIns="45720" anchor="t" anchorCtr="0">
+            <a:noAutofit/>
+          </a:bodyPr>
+          <a:lstStyle/>
+          <a:p>
+            <a:pPr>
+              <a:lnSpc>
+                <a:spcPct val="107000"/>
+              </a:lnSpc>
+              <a:spcAft>
+                <a:spcPts val="800"/>
+              </a:spcAft>
+            </a:pPr>
+            <a:r>
+              <a:rPr lang="de-DE" sz="1400" dirty="0">
+                <a:effectLst/>
+                <a:latin typeface="Calibri" panose="020F0502020204030204" pitchFamily="34" charset="0"/>
+                <a:ea typeface="Calibri" panose="020F0502020204030204" pitchFamily="34" charset="0"/>
+                <a:cs typeface="Times New Roman" panose="02020603050405020304" pitchFamily="18" charset="0"/>
+              </a:rPr>
+              <a:t>Der Brauprozess wird digital angezeigt, </a:t>
+            </a:r>
+            <a:br>
+              <a:rPr lang="de-DE" sz="1400" dirty="0">
+                <a:effectLst/>
+                <a:latin typeface="Calibri" panose="020F0502020204030204" pitchFamily="34" charset="0"/>
+                <a:ea typeface="Calibri" panose="020F0502020204030204" pitchFamily="34" charset="0"/>
+                <a:cs typeface="Times New Roman" panose="02020603050405020304" pitchFamily="18" charset="0"/>
+              </a:rPr>
+            </a:br>
+            <a:r>
+              <a:rPr lang="de-DE" sz="1400" dirty="0">
+                <a:effectLst/>
+                <a:latin typeface="Calibri" panose="020F0502020204030204" pitchFamily="34" charset="0"/>
+                <a:ea typeface="Calibri" panose="020F0502020204030204" pitchFamily="34" charset="0"/>
+                <a:cs typeface="Times New Roman" panose="02020603050405020304" pitchFamily="18" charset="0"/>
+              </a:rPr>
+              <a:t>die Qualität ist mindestens gleichgeblieben.</a:t>
+            </a:r>
+          </a:p>
+        </p:txBody>
+      </p:sp>
+      <p:sp>
+        <p:nvSpPr>
+          <p:cNvPr id="24" name="Textfeld 2">
+            <a:extLst>
+              <a:ext uri="{FF2B5EF4-FFF2-40B4-BE49-F238E27FC236}">
+                <a16:creationId xmlns:a16="http://schemas.microsoft.com/office/drawing/2014/main" id="{6CC3C457-D457-4841-9680-C929D56CAD9A}"/>
+              </a:ext>
+            </a:extLst>
+          </p:cNvPr>
+          <p:cNvSpPr txBox="1">
+            <a:spLocks noChangeArrowheads="1"/>
+          </p:cNvSpPr>
+          <p:nvPr/>
+        </p:nvSpPr>
+        <p:spPr bwMode="auto">
+          <a:xfrm>
+            <a:off x="3929149" y="4213171"/>
+            <a:ext cx="3701935" cy="1247362"/>
+          </a:xfrm>
+          <a:prstGeom prst="rect">
+            <a:avLst/>
+          </a:prstGeom>
+          <a:noFill/>
+          <a:ln w="9525">
+            <a:noFill/>
+            <a:miter lim="800000"/>
+            <a:headEnd/>
+            <a:tailEnd/>
+          </a:ln>
+        </p:spPr>
+        <p:txBody>
+          <a:bodyPr rot="0" vert="horz" wrap="square" lIns="91440" tIns="45720" rIns="91440" bIns="45720" anchor="t" anchorCtr="0">
+            <a:noAutofit/>
+          </a:bodyPr>
+          <a:lstStyle/>
+          <a:p>
+            <a:pPr marL="342900" lvl="0" indent="-342900">
+              <a:lnSpc>
+                <a:spcPct val="107000"/>
+              </a:lnSpc>
+              <a:spcAft>
+                <a:spcPts val="0"/>
+              </a:spcAft>
+              <a:buFont typeface="+mj-lt"/>
+              <a:buAutoNum type="arabicParenR"/>
+            </a:pPr>
+            <a:r>
+              <a:rPr lang="de-DE" sz="1400" dirty="0">
+                <a:effectLst/>
+                <a:latin typeface="Calibri" panose="020F0502020204030204" pitchFamily="34" charset="0"/>
+                <a:ea typeface="Calibri" panose="020F0502020204030204" pitchFamily="34" charset="0"/>
+                <a:cs typeface="Times New Roman" panose="02020603050405020304" pitchFamily="18" charset="0"/>
+              </a:rPr>
+              <a:t>Mit Braumeister Prozess besprechen</a:t>
+            </a:r>
+          </a:p>
+          <a:p>
+            <a:pPr marL="342900" lvl="0" indent="-342900">
+              <a:lnSpc>
+                <a:spcPct val="107000"/>
+              </a:lnSpc>
+              <a:spcAft>
+                <a:spcPts val="0"/>
+              </a:spcAft>
+              <a:buFont typeface="+mj-lt"/>
+              <a:buAutoNum type="arabicParenR"/>
+            </a:pPr>
+            <a:r>
+              <a:rPr lang="de-DE" sz="1400" dirty="0">
+                <a:effectLst/>
+                <a:latin typeface="Calibri" panose="020F0502020204030204" pitchFamily="34" charset="0"/>
+                <a:ea typeface="Calibri" panose="020F0502020204030204" pitchFamily="34" charset="0"/>
+                <a:cs typeface="Times New Roman" panose="02020603050405020304" pitchFamily="18" charset="0"/>
+              </a:rPr>
+              <a:t>Design des Prozesses in SAP</a:t>
+            </a:r>
+          </a:p>
+          <a:p>
+            <a:pPr marL="342900" lvl="0" indent="-342900">
+              <a:lnSpc>
+                <a:spcPct val="107000"/>
+              </a:lnSpc>
+              <a:spcAft>
+                <a:spcPts val="0"/>
+              </a:spcAft>
+              <a:buFont typeface="+mj-lt"/>
+              <a:buAutoNum type="arabicParenR"/>
+            </a:pPr>
+            <a:r>
+              <a:rPr lang="de-DE" sz="1400" dirty="0">
+                <a:effectLst/>
+                <a:latin typeface="Calibri" panose="020F0502020204030204" pitchFamily="34" charset="0"/>
+                <a:ea typeface="Calibri" panose="020F0502020204030204" pitchFamily="34" charset="0"/>
+                <a:cs typeface="Times New Roman" panose="02020603050405020304" pitchFamily="18" charset="0"/>
+              </a:rPr>
+              <a:t>MQTT Server aufsetzen</a:t>
+            </a:r>
+          </a:p>
+          <a:p>
+            <a:pPr marL="342900" lvl="0" indent="-342900">
+              <a:lnSpc>
+                <a:spcPct val="107000"/>
+              </a:lnSpc>
+              <a:spcAft>
+                <a:spcPts val="0"/>
+              </a:spcAft>
+              <a:buFont typeface="+mj-lt"/>
+              <a:buAutoNum type="arabicParenR"/>
+            </a:pPr>
+            <a:r>
+              <a:rPr lang="de-DE" sz="1400" dirty="0">
+                <a:effectLst/>
+                <a:latin typeface="Calibri" panose="020F0502020204030204" pitchFamily="34" charset="0"/>
+                <a:ea typeface="Calibri" panose="020F0502020204030204" pitchFamily="34" charset="0"/>
+                <a:cs typeface="Times New Roman" panose="02020603050405020304" pitchFamily="18" charset="0"/>
+              </a:rPr>
+              <a:t>Sensoren anschließen</a:t>
+            </a:r>
+          </a:p>
+          <a:p>
+            <a:pPr marL="342900" lvl="0" indent="-342900">
+              <a:lnSpc>
+                <a:spcPct val="107000"/>
+              </a:lnSpc>
+              <a:spcAft>
+                <a:spcPts val="0"/>
+              </a:spcAft>
+              <a:buFont typeface="+mj-lt"/>
+              <a:buAutoNum type="arabicParenR"/>
+            </a:pPr>
+            <a:r>
+              <a:rPr lang="de-DE" sz="1400" dirty="0">
+                <a:effectLst/>
+                <a:latin typeface="Calibri" panose="020F0502020204030204" pitchFamily="34" charset="0"/>
+                <a:ea typeface="Calibri" panose="020F0502020204030204" pitchFamily="34" charset="0"/>
+                <a:cs typeface="Times New Roman" panose="02020603050405020304" pitchFamily="18" charset="0"/>
+              </a:rPr>
+              <a:t>Aktoren installieren</a:t>
+            </a:r>
+          </a:p>
+          <a:p>
+            <a:pPr marL="342900" lvl="0" indent="-342900">
+              <a:lnSpc>
+                <a:spcPct val="107000"/>
+              </a:lnSpc>
+              <a:spcAft>
+                <a:spcPts val="800"/>
+              </a:spcAft>
+              <a:buFont typeface="+mj-lt"/>
+              <a:buAutoNum type="arabicParenR"/>
+            </a:pPr>
+            <a:r>
+              <a:rPr lang="de-DE" sz="1400" dirty="0">
+                <a:effectLst/>
+                <a:latin typeface="Calibri" panose="020F0502020204030204" pitchFamily="34" charset="0"/>
+                <a:ea typeface="Calibri" panose="020F0502020204030204" pitchFamily="34" charset="0"/>
+                <a:cs typeface="Times New Roman" panose="02020603050405020304" pitchFamily="18" charset="0"/>
+              </a:rPr>
+              <a:t>Testlauf</a:t>
+            </a:r>
+          </a:p>
+        </p:txBody>
+      </p:sp>
+      <p:sp>
+        <p:nvSpPr>
+          <p:cNvPr id="25" name="Textfeld 2">
+            <a:extLst>
+              <a:ext uri="{FF2B5EF4-FFF2-40B4-BE49-F238E27FC236}">
+                <a16:creationId xmlns:a16="http://schemas.microsoft.com/office/drawing/2014/main" id="{EEBE0462-5848-4EC4-ABE3-61AB4D18040E}"/>
+              </a:ext>
+            </a:extLst>
+          </p:cNvPr>
+          <p:cNvSpPr txBox="1">
+            <a:spLocks noChangeArrowheads="1"/>
+          </p:cNvSpPr>
+          <p:nvPr/>
+        </p:nvSpPr>
+        <p:spPr bwMode="auto">
+          <a:xfrm>
+            <a:off x="4555417" y="5751954"/>
+            <a:ext cx="2743158" cy="457653"/>
+          </a:xfrm>
+          <a:prstGeom prst="rect">
+            <a:avLst/>
+          </a:prstGeom>
+          <a:noFill/>
+          <a:ln w="9525">
+            <a:noFill/>
+            <a:miter lim="800000"/>
+            <a:headEnd/>
+            <a:tailEnd/>
+          </a:ln>
+        </p:spPr>
+        <p:txBody>
+          <a:bodyPr rot="0" vert="horz" wrap="square" lIns="91440" tIns="45720" rIns="91440" bIns="45720" anchor="t" anchorCtr="0">
+            <a:noAutofit/>
+          </a:bodyPr>
+          <a:lstStyle/>
+          <a:p>
+            <a:pPr>
+              <a:lnSpc>
+                <a:spcPct val="107000"/>
+              </a:lnSpc>
+              <a:spcAft>
+                <a:spcPts val="800"/>
+              </a:spcAft>
+            </a:pPr>
+            <a:r>
+              <a:rPr lang="de-DE" sz="1400" dirty="0">
+                <a:effectLst/>
+                <a:latin typeface="Calibri" panose="020F0502020204030204" pitchFamily="34" charset="0"/>
+                <a:ea typeface="Calibri" panose="020F0502020204030204" pitchFamily="34" charset="0"/>
+                <a:cs typeface="Times New Roman" panose="02020603050405020304" pitchFamily="18" charset="0"/>
+              </a:rPr>
+              <a:t>Der Brauprozess kann nicht dargestellt werden.</a:t>
+            </a:r>
+          </a:p>
+        </p:txBody>
+      </p:sp>
+      <p:sp>
+        <p:nvSpPr>
+          <p:cNvPr id="26" name="Textfeld 2">
+            <a:extLst>
+              <a:ext uri="{FF2B5EF4-FFF2-40B4-BE49-F238E27FC236}">
+                <a16:creationId xmlns:a16="http://schemas.microsoft.com/office/drawing/2014/main" id="{0E9E2175-0E1D-4244-9F7B-E10F57A7F001}"/>
+              </a:ext>
+            </a:extLst>
+          </p:cNvPr>
+          <p:cNvSpPr txBox="1">
+            <a:spLocks noChangeArrowheads="1"/>
+          </p:cNvSpPr>
+          <p:nvPr/>
+        </p:nvSpPr>
+        <p:spPr bwMode="auto">
+          <a:xfrm>
+            <a:off x="7897090" y="2955925"/>
+            <a:ext cx="1201420" cy="946150"/>
+          </a:xfrm>
+          <a:prstGeom prst="rect">
+            <a:avLst/>
+          </a:prstGeom>
+          <a:noFill/>
+          <a:ln w="9525">
+            <a:noFill/>
+            <a:miter lim="800000"/>
+            <a:headEnd/>
+            <a:tailEnd/>
+          </a:ln>
+        </p:spPr>
+        <p:txBody>
+          <a:bodyPr rot="0" vert="horz" wrap="square" lIns="91440" tIns="45720" rIns="91440" bIns="45720" anchor="t" anchorCtr="0">
+            <a:noAutofit/>
+          </a:bodyPr>
+          <a:lstStyle/>
+          <a:p>
+            <a:pPr>
+              <a:lnSpc>
+                <a:spcPct val="107000"/>
+              </a:lnSpc>
+              <a:spcAft>
+                <a:spcPts val="800"/>
+              </a:spcAft>
+            </a:pPr>
+            <a:r>
+              <a:rPr lang="de-DE" sz="1400" dirty="0">
+                <a:effectLst/>
+                <a:latin typeface="Calibri" panose="020F0502020204030204" pitchFamily="34" charset="0"/>
+                <a:ea typeface="Calibri" panose="020F0502020204030204" pitchFamily="34" charset="0"/>
+                <a:cs typeface="Times New Roman" panose="02020603050405020304" pitchFamily="18" charset="0"/>
+              </a:rPr>
+              <a:t>Kunde</a:t>
+            </a:r>
+          </a:p>
+          <a:p>
+            <a:pPr>
+              <a:lnSpc>
+                <a:spcPct val="107000"/>
+              </a:lnSpc>
+              <a:spcAft>
+                <a:spcPts val="800"/>
+              </a:spcAft>
+            </a:pPr>
+            <a:r>
+              <a:rPr lang="de-DE" sz="1400" dirty="0">
+                <a:effectLst/>
+                <a:latin typeface="Calibri" panose="020F0502020204030204" pitchFamily="34" charset="0"/>
+                <a:ea typeface="Calibri" panose="020F0502020204030204" pitchFamily="34" charset="0"/>
+                <a:cs typeface="Times New Roman" panose="02020603050405020304" pitchFamily="18" charset="0"/>
+              </a:rPr>
+              <a:t>Braumeister</a:t>
+            </a:r>
+          </a:p>
+        </p:txBody>
+      </p:sp>
+      <p:sp>
+        <p:nvSpPr>
+          <p:cNvPr id="27" name="Textfeld 2">
+            <a:extLst>
+              <a:ext uri="{FF2B5EF4-FFF2-40B4-BE49-F238E27FC236}">
+                <a16:creationId xmlns:a16="http://schemas.microsoft.com/office/drawing/2014/main" id="{B2816A41-AD92-452C-AB92-32F26D1C155B}"/>
+              </a:ext>
+            </a:extLst>
+          </p:cNvPr>
+          <p:cNvSpPr txBox="1">
+            <a:spLocks noChangeArrowheads="1"/>
+          </p:cNvSpPr>
+          <p:nvPr/>
+        </p:nvSpPr>
+        <p:spPr bwMode="auto">
+          <a:xfrm>
+            <a:off x="9833033" y="2955925"/>
+            <a:ext cx="718588" cy="1959002"/>
+          </a:xfrm>
+          <a:prstGeom prst="rect">
+            <a:avLst/>
+          </a:prstGeom>
+          <a:noFill/>
+          <a:ln w="9525">
+            <a:noFill/>
+            <a:miter lim="800000"/>
+            <a:headEnd/>
+            <a:tailEnd/>
+          </a:ln>
+        </p:spPr>
+        <p:txBody>
+          <a:bodyPr rot="0" vert="horz" wrap="square" lIns="91440" tIns="45720" rIns="91440" bIns="45720" anchor="t" anchorCtr="0">
+            <a:noAutofit/>
+          </a:bodyPr>
+          <a:lstStyle/>
+          <a:p>
+            <a:pPr>
+              <a:lnSpc>
+                <a:spcPct val="107000"/>
+              </a:lnSpc>
+              <a:spcAft>
+                <a:spcPts val="800"/>
+              </a:spcAft>
+            </a:pPr>
+            <a:r>
+              <a:rPr lang="de-DE" sz="1400" dirty="0">
+                <a:effectLst/>
+                <a:latin typeface="Calibri" panose="020F0502020204030204" pitchFamily="34" charset="0"/>
+                <a:ea typeface="Calibri" panose="020F0502020204030204" pitchFamily="34" charset="0"/>
+                <a:cs typeface="Times New Roman" panose="02020603050405020304" pitchFamily="18" charset="0"/>
+              </a:rPr>
+              <a:t>HAPB</a:t>
+            </a:r>
+            <a:br>
+              <a:rPr lang="de-DE" sz="1400" dirty="0">
+                <a:effectLst/>
+                <a:latin typeface="Calibri" panose="020F0502020204030204" pitchFamily="34" charset="0"/>
+                <a:ea typeface="Calibri" panose="020F0502020204030204" pitchFamily="34" charset="0"/>
+                <a:cs typeface="Times New Roman" panose="02020603050405020304" pitchFamily="18" charset="0"/>
+              </a:rPr>
+            </a:br>
+            <a:r>
+              <a:rPr lang="de-DE" sz="1400" dirty="0">
+                <a:effectLst/>
+                <a:latin typeface="Calibri" panose="020F0502020204030204" pitchFamily="34" charset="0"/>
+                <a:ea typeface="Calibri" panose="020F0502020204030204" pitchFamily="34" charset="0"/>
+                <a:cs typeface="Times New Roman" panose="02020603050405020304" pitchFamily="18" charset="0"/>
+              </a:rPr>
+              <a:t>HAS</a:t>
+            </a:r>
+          </a:p>
+          <a:p>
+            <a:pPr>
+              <a:lnSpc>
+                <a:spcPct val="107000"/>
+              </a:lnSpc>
+              <a:spcAft>
+                <a:spcPts val="800"/>
+              </a:spcAft>
+            </a:pPr>
+            <a:br>
+              <a:rPr lang="de-DE" sz="1400" dirty="0">
+                <a:effectLst/>
+                <a:latin typeface="Calibri" panose="020F0502020204030204" pitchFamily="34" charset="0"/>
+                <a:ea typeface="Calibri" panose="020F0502020204030204" pitchFamily="34" charset="0"/>
+                <a:cs typeface="Times New Roman" panose="02020603050405020304" pitchFamily="18" charset="0"/>
+              </a:rPr>
+            </a:br>
+            <a:br>
+              <a:rPr lang="de-DE" sz="1400" dirty="0">
+                <a:effectLst/>
+                <a:latin typeface="Calibri" panose="020F0502020204030204" pitchFamily="34" charset="0"/>
+                <a:ea typeface="Calibri" panose="020F0502020204030204" pitchFamily="34" charset="0"/>
+                <a:cs typeface="Times New Roman" panose="02020603050405020304" pitchFamily="18" charset="0"/>
+              </a:rPr>
+            </a:br>
+            <a:endParaRPr lang="de-DE" sz="1400" dirty="0">
+              <a:effectLst/>
+              <a:latin typeface="Calibri" panose="020F0502020204030204" pitchFamily="34" charset="0"/>
+              <a:ea typeface="Calibri" panose="020F0502020204030204" pitchFamily="34" charset="0"/>
+              <a:cs typeface="Times New Roman" panose="02020603050405020304" pitchFamily="18" charset="0"/>
+            </a:endParaRPr>
+          </a:p>
+          <a:p>
+            <a:pPr>
+              <a:lnSpc>
+                <a:spcPct val="107000"/>
+              </a:lnSpc>
+              <a:spcAft>
+                <a:spcPts val="800"/>
+              </a:spcAft>
+            </a:pPr>
+            <a:r>
+              <a:rPr lang="de-DE" sz="1400" dirty="0">
+                <a:effectLst/>
+                <a:latin typeface="Calibri" panose="020F0502020204030204" pitchFamily="34" charset="0"/>
+                <a:ea typeface="Calibri" panose="020F0502020204030204" pitchFamily="34" charset="0"/>
+                <a:cs typeface="Times New Roman" panose="02020603050405020304" pitchFamily="18" charset="0"/>
+              </a:rPr>
+              <a:t>HOAS</a:t>
+            </a:r>
+            <a:br>
+              <a:rPr lang="de-DE" sz="1400" dirty="0">
+                <a:effectLst/>
+                <a:latin typeface="Calibri" panose="020F0502020204030204" pitchFamily="34" charset="0"/>
+                <a:ea typeface="Calibri" panose="020F0502020204030204" pitchFamily="34" charset="0"/>
+                <a:cs typeface="Times New Roman" panose="02020603050405020304" pitchFamily="18" charset="0"/>
+              </a:rPr>
+            </a:br>
+            <a:br>
+              <a:rPr lang="de-DE" sz="1400" dirty="0">
+                <a:effectLst/>
+                <a:latin typeface="Calibri" panose="020F0502020204030204" pitchFamily="34" charset="0"/>
+                <a:ea typeface="Calibri" panose="020F0502020204030204" pitchFamily="34" charset="0"/>
+                <a:cs typeface="Times New Roman" panose="02020603050405020304" pitchFamily="18" charset="0"/>
+              </a:rPr>
+            </a:br>
+            <a:r>
+              <a:rPr lang="de-DE" sz="1400" dirty="0" err="1">
+                <a:effectLst/>
+                <a:latin typeface="Calibri" panose="020F0502020204030204" pitchFamily="34" charset="0"/>
+                <a:ea typeface="Calibri" panose="020F0502020204030204" pitchFamily="34" charset="0"/>
+                <a:cs typeface="Times New Roman" panose="02020603050405020304" pitchFamily="18" charset="0"/>
+              </a:rPr>
+              <a:t>HOAS</a:t>
+            </a:r>
+            <a:endParaRPr lang="de-DE" sz="1400" dirty="0">
+              <a:effectLst/>
+              <a:latin typeface="Calibri" panose="020F0502020204030204" pitchFamily="34" charset="0"/>
+              <a:ea typeface="Calibri" panose="020F0502020204030204" pitchFamily="34" charset="0"/>
+              <a:cs typeface="Times New Roman" panose="02020603050405020304" pitchFamily="18" charset="0"/>
+            </a:endParaRPr>
+          </a:p>
+        </p:txBody>
+      </p:sp>
+      <p:sp>
+        <p:nvSpPr>
+          <p:cNvPr id="28" name="Textfeld 2">
+            <a:extLst>
+              <a:ext uri="{FF2B5EF4-FFF2-40B4-BE49-F238E27FC236}">
+                <a16:creationId xmlns:a16="http://schemas.microsoft.com/office/drawing/2014/main" id="{81362BDF-BA2D-4132-9829-176D894CA82B}"/>
+              </a:ext>
+            </a:extLst>
+          </p:cNvPr>
+          <p:cNvSpPr txBox="1">
+            <a:spLocks noChangeArrowheads="1"/>
+          </p:cNvSpPr>
+          <p:nvPr/>
+        </p:nvSpPr>
+        <p:spPr bwMode="auto">
+          <a:xfrm>
+            <a:off x="7897090" y="4131682"/>
+            <a:ext cx="1908235" cy="924560"/>
+          </a:xfrm>
+          <a:prstGeom prst="rect">
+            <a:avLst/>
+          </a:prstGeom>
+          <a:noFill/>
+          <a:ln w="9525">
+            <a:noFill/>
+            <a:miter lim="800000"/>
+            <a:headEnd/>
+            <a:tailEnd/>
+          </a:ln>
+        </p:spPr>
+        <p:txBody>
+          <a:bodyPr rot="0" vert="horz" wrap="square" lIns="91440" tIns="45720" rIns="91440" bIns="45720" anchor="t" anchorCtr="0">
+            <a:noAutofit/>
+          </a:bodyPr>
+          <a:lstStyle/>
+          <a:p>
+            <a:pPr>
+              <a:lnSpc>
+                <a:spcPct val="107000"/>
+              </a:lnSpc>
+              <a:spcAft>
+                <a:spcPts val="800"/>
+              </a:spcAft>
+            </a:pPr>
+            <a:r>
+              <a:rPr lang="de-DE" sz="1400" dirty="0">
+                <a:effectLst/>
+                <a:latin typeface="Calibri" panose="020F0502020204030204" pitchFamily="34" charset="0"/>
+                <a:ea typeface="Calibri" panose="020F0502020204030204" pitchFamily="34" charset="0"/>
+                <a:cs typeface="Times New Roman" panose="02020603050405020304" pitchFamily="18" charset="0"/>
+              </a:rPr>
+              <a:t>Team </a:t>
+            </a:r>
+            <a:r>
+              <a:rPr lang="de-DE" sz="1400" dirty="0" err="1">
+                <a:effectLst/>
+                <a:latin typeface="Calibri" panose="020F0502020204030204" pitchFamily="34" charset="0"/>
+                <a:ea typeface="Calibri" panose="020F0502020204030204" pitchFamily="34" charset="0"/>
+                <a:cs typeface="Times New Roman" panose="02020603050405020304" pitchFamily="18" charset="0"/>
+              </a:rPr>
+              <a:t>Conditioning</a:t>
+            </a:r>
+            <a:r>
+              <a:rPr lang="de-DE" sz="1400" dirty="0">
+                <a:effectLst/>
+                <a:latin typeface="Calibri" panose="020F0502020204030204" pitchFamily="34" charset="0"/>
+                <a:ea typeface="Calibri" panose="020F0502020204030204" pitchFamily="34" charset="0"/>
+                <a:cs typeface="Times New Roman" panose="02020603050405020304" pitchFamily="18" charset="0"/>
+              </a:rPr>
+              <a:t> Monitoring</a:t>
+            </a:r>
+          </a:p>
+          <a:p>
+            <a:pPr>
+              <a:lnSpc>
+                <a:spcPct val="107000"/>
+              </a:lnSpc>
+              <a:spcAft>
+                <a:spcPts val="800"/>
+              </a:spcAft>
+            </a:pPr>
+            <a:r>
+              <a:rPr lang="de-DE" sz="1400" dirty="0">
+                <a:effectLst/>
+                <a:latin typeface="Calibri" panose="020F0502020204030204" pitchFamily="34" charset="0"/>
+                <a:ea typeface="Calibri" panose="020F0502020204030204" pitchFamily="34" charset="0"/>
+                <a:cs typeface="Times New Roman" panose="02020603050405020304" pitchFamily="18" charset="0"/>
+              </a:rPr>
+              <a:t>Team Pflanzenanbau</a:t>
+            </a:r>
+          </a:p>
+        </p:txBody>
+      </p:sp>
+      <p:sp>
+        <p:nvSpPr>
+          <p:cNvPr id="29" name="Textfeld 2">
+            <a:extLst>
+              <a:ext uri="{FF2B5EF4-FFF2-40B4-BE49-F238E27FC236}">
+                <a16:creationId xmlns:a16="http://schemas.microsoft.com/office/drawing/2014/main" id="{55BDF423-CC4D-4216-8082-0472DD90C028}"/>
+              </a:ext>
+            </a:extLst>
+          </p:cNvPr>
+          <p:cNvSpPr txBox="1">
+            <a:spLocks noChangeArrowheads="1"/>
+          </p:cNvSpPr>
+          <p:nvPr/>
+        </p:nvSpPr>
+        <p:spPr bwMode="auto">
+          <a:xfrm>
+            <a:off x="7908278" y="5748129"/>
+            <a:ext cx="1849755" cy="584200"/>
+          </a:xfrm>
+          <a:prstGeom prst="rect">
+            <a:avLst/>
+          </a:prstGeom>
+          <a:noFill/>
+          <a:ln w="9525">
+            <a:noFill/>
+            <a:miter lim="800000"/>
+            <a:headEnd/>
+            <a:tailEnd/>
+          </a:ln>
+        </p:spPr>
+        <p:txBody>
+          <a:bodyPr rot="0" vert="horz" wrap="square" lIns="91440" tIns="45720" rIns="91440" bIns="45720" anchor="t" anchorCtr="0">
+            <a:noAutofit/>
+          </a:bodyPr>
+          <a:lstStyle/>
+          <a:p>
+            <a:pPr>
+              <a:lnSpc>
+                <a:spcPct val="107000"/>
+              </a:lnSpc>
+              <a:spcAft>
+                <a:spcPts val="800"/>
+              </a:spcAft>
+            </a:pPr>
+            <a:r>
+              <a:rPr lang="en-US" sz="1400" dirty="0">
+                <a:effectLst/>
+                <a:latin typeface="Calibri" panose="020F0502020204030204" pitchFamily="34" charset="0"/>
+                <a:ea typeface="Calibri" panose="020F0502020204030204" pitchFamily="34" charset="0"/>
+                <a:cs typeface="Times New Roman" panose="02020603050405020304" pitchFamily="18" charset="0"/>
+              </a:rPr>
+              <a:t>NodeRed, Gateway, SAP, MQTT, SPS</a:t>
+            </a:r>
+            <a:endParaRPr lang="de-DE" sz="1400" dirty="0">
+              <a:effectLst/>
+              <a:latin typeface="Calibri" panose="020F0502020204030204" pitchFamily="34" charset="0"/>
+              <a:ea typeface="Calibri" panose="020F0502020204030204" pitchFamily="34" charset="0"/>
+              <a:cs typeface="Times New Roman" panose="02020603050405020304" pitchFamily="18" charset="0"/>
+            </a:endParaRPr>
           </a:p>
         </p:txBody>
       </p:sp>
     </p:spTree>
     <p:extLst>
       <p:ext uri="{BB962C8B-B14F-4D97-AF65-F5344CB8AC3E}">
-        <p14:creationId xmlns:p14="http://schemas.microsoft.com/office/powerpoint/2010/main" val="1074104814"/>
+        <p14:creationId xmlns:p14="http://schemas.microsoft.com/office/powerpoint/2010/main" val="389055394"/>
       </p:ext>
     </p:extLst>
   </p:cSld>
@@ -13619,7 +14675,7 @@
         </p:blipFill>
         <p:spPr>
           <a:xfrm>
-            <a:off x="7506335" y="5248313"/>
+            <a:off x="6159896" y="5224712"/>
             <a:ext cx="942159" cy="942159"/>
           </a:xfrm>
           <a:prstGeom prst="rect">
@@ -13699,6 +14755,156 @@
               <a:t>5</a:t>
             </a:fld>
             <a:endParaRPr lang="de-DE"/>
+          </a:p>
+        </p:txBody>
+      </p:sp>
+      <p:sp>
+        <p:nvSpPr>
+          <p:cNvPr id="25" name="Textfeld 24">
+            <a:extLst>
+              <a:ext uri="{FF2B5EF4-FFF2-40B4-BE49-F238E27FC236}">
+                <a16:creationId xmlns:a16="http://schemas.microsoft.com/office/drawing/2014/main" id="{90CA52AF-5B6C-4A5D-8662-77E54984FE6C}"/>
+              </a:ext>
+            </a:extLst>
+          </p:cNvPr>
+          <p:cNvSpPr txBox="1"/>
+          <p:nvPr/>
+        </p:nvSpPr>
+        <p:spPr>
+          <a:xfrm>
+            <a:off x="3698391" y="4843787"/>
+            <a:ext cx="1276882" cy="1200329"/>
+          </a:xfrm>
+          <a:prstGeom prst="rect">
+            <a:avLst/>
+          </a:prstGeom>
+        </p:spPr>
+        <p:style>
+          <a:lnRef idx="2">
+            <a:schemeClr val="dk1"/>
+          </a:lnRef>
+          <a:fillRef idx="1">
+            <a:schemeClr val="lt1"/>
+          </a:fillRef>
+          <a:effectRef idx="0">
+            <a:schemeClr val="dk1"/>
+          </a:effectRef>
+          <a:fontRef idx="minor">
+            <a:schemeClr val="dk1"/>
+          </a:fontRef>
+        </p:style>
+        <p:txBody>
+          <a:bodyPr wrap="square" rtlCol="0">
+            <a:spAutoFit/>
+          </a:bodyPr>
+          <a:lstStyle/>
+          <a:p>
+            <a:r>
+              <a:rPr lang="de-DE" dirty="0"/>
+              <a:t>SAP</a:t>
+            </a:r>
+          </a:p>
+          <a:p>
+            <a:endParaRPr lang="de-DE" dirty="0"/>
+          </a:p>
+          <a:p>
+            <a:endParaRPr lang="de-DE" dirty="0"/>
+          </a:p>
+          <a:p>
+            <a:endParaRPr lang="de-DE" dirty="0"/>
+          </a:p>
+        </p:txBody>
+      </p:sp>
+      <p:cxnSp>
+        <p:nvCxnSpPr>
+          <p:cNvPr id="5" name="Gerade Verbindung mit Pfeil 4">
+            <a:extLst>
+              <a:ext uri="{FF2B5EF4-FFF2-40B4-BE49-F238E27FC236}">
+                <a16:creationId xmlns:a16="http://schemas.microsoft.com/office/drawing/2014/main" id="{3EC8AFDE-9E84-449F-95A0-161A81E4346B}"/>
+              </a:ext>
+            </a:extLst>
+          </p:cNvPr>
+          <p:cNvCxnSpPr>
+            <a:cxnSpLocks/>
+            <a:stCxn id="25" idx="0"/>
+            <a:endCxn id="14" idx="2"/>
+          </p:cNvCxnSpPr>
+          <p:nvPr/>
+        </p:nvCxnSpPr>
+        <p:spPr>
+          <a:xfrm flipV="1">
+            <a:off x="4336832" y="3920738"/>
+            <a:ext cx="946368" cy="923049"/>
+          </a:xfrm>
+          <a:prstGeom prst="straightConnector1">
+            <a:avLst/>
+          </a:prstGeom>
+          <a:ln>
+            <a:headEnd type="triangle"/>
+            <a:tailEnd type="triangle"/>
+          </a:ln>
+        </p:spPr>
+        <p:style>
+          <a:lnRef idx="1">
+            <a:schemeClr val="dk1"/>
+          </a:lnRef>
+          <a:fillRef idx="0">
+            <a:schemeClr val="dk1"/>
+          </a:fillRef>
+          <a:effectRef idx="0">
+            <a:schemeClr val="dk1"/>
+          </a:effectRef>
+          <a:fontRef idx="minor">
+            <a:schemeClr val="tx1"/>
+          </a:fontRef>
+        </p:style>
+      </p:cxnSp>
+      <p:sp>
+        <p:nvSpPr>
+          <p:cNvPr id="34" name="Textfeld 33">
+            <a:extLst>
+              <a:ext uri="{FF2B5EF4-FFF2-40B4-BE49-F238E27FC236}">
+                <a16:creationId xmlns:a16="http://schemas.microsoft.com/office/drawing/2014/main" id="{98640229-AA84-4626-9F5F-F51C2932984A}"/>
+              </a:ext>
+            </a:extLst>
+          </p:cNvPr>
+          <p:cNvSpPr txBox="1"/>
+          <p:nvPr/>
+        </p:nvSpPr>
+        <p:spPr>
+          <a:xfrm>
+            <a:off x="6936012" y="5132551"/>
+            <a:ext cx="2307772" cy="646331"/>
+          </a:xfrm>
+          <a:prstGeom prst="rect">
+            <a:avLst/>
+          </a:prstGeom>
+          <a:noFill/>
+        </p:spPr>
+        <p:txBody>
+          <a:bodyPr wrap="square" rtlCol="0">
+            <a:spAutoFit/>
+          </a:bodyPr>
+          <a:lstStyle/>
+          <a:p>
+            <a:pPr marL="285750" indent="-285750">
+              <a:buFont typeface="Arial" panose="020B0604020202020204" pitchFamily="34" charset="0"/>
+              <a:buChar char="•"/>
+            </a:pPr>
+            <a:r>
+              <a:rPr lang="de-DE" dirty="0"/>
+              <a:t>Heizkessel</a:t>
+            </a:r>
+          </a:p>
+          <a:p>
+            <a:pPr marL="285750" indent="-285750">
+              <a:buFont typeface="Arial" panose="020B0604020202020204" pitchFamily="34" charset="0"/>
+              <a:buChar char="•"/>
+            </a:pPr>
+            <a:r>
+              <a:rPr lang="de-DE" dirty="0"/>
+              <a:t>Rührgerät</a:t>
+            </a:r>
           </a:p>
         </p:txBody>
       </p:sp>

--- a/Präsentation/Präsentation.pptx
+++ b/Präsentation/Präsentation.pptx
@@ -5,7 +5,7 @@
     <p:sldMasterId id="2147483725" r:id="rId1"/>
   </p:sldMasterIdLst>
   <p:notesMasterIdLst>
-    <p:notesMasterId r:id="rId15"/>
+    <p:notesMasterId r:id="rId17"/>
   </p:notesMasterIdLst>
   <p:sldIdLst>
     <p:sldId id="257" r:id="rId2"/>
@@ -15,12 +15,14 @@
     <p:sldId id="259" r:id="rId6"/>
     <p:sldId id="261" r:id="rId7"/>
     <p:sldId id="268" r:id="rId8"/>
-    <p:sldId id="258" r:id="rId9"/>
-    <p:sldId id="263" r:id="rId10"/>
-    <p:sldId id="266" r:id="rId11"/>
-    <p:sldId id="270" r:id="rId12"/>
-    <p:sldId id="265" r:id="rId13"/>
-    <p:sldId id="269" r:id="rId14"/>
+    <p:sldId id="272" r:id="rId9"/>
+    <p:sldId id="258" r:id="rId10"/>
+    <p:sldId id="263" r:id="rId11"/>
+    <p:sldId id="266" r:id="rId12"/>
+    <p:sldId id="274" r:id="rId13"/>
+    <p:sldId id="270" r:id="rId14"/>
+    <p:sldId id="265" r:id="rId15"/>
+    <p:sldId id="269" r:id="rId16"/>
   </p:sldIdLst>
   <p:sldSz cx="12192000" cy="6858000"/>
   <p:notesSz cx="6858000" cy="9144000"/>
@@ -1028,11 +1030,11 @@
           <a:avLst/>
         </a:prstGeom>
         <a:solidFill xmlns:a="http://schemas.openxmlformats.org/drawingml/2006/main">
-          <a:srgbClr val="FF0000"/>
+          <a:schemeClr val="accent1"/>
         </a:solidFill>
         <a:ln xmlns:a="http://schemas.openxmlformats.org/drawingml/2006/main">
           <a:solidFill>
-            <a:srgbClr val="FF0000"/>
+            <a:schemeClr val="accent2"/>
           </a:solidFill>
         </a:ln>
       </cdr:spPr>
@@ -1525,11 +1527,11 @@
           <a:avLst/>
         </a:prstGeom>
         <a:solidFill xmlns:a="http://schemas.openxmlformats.org/drawingml/2006/main">
-          <a:srgbClr val="FF0000"/>
+          <a:schemeClr val="accent1"/>
         </a:solidFill>
         <a:ln xmlns:a="http://schemas.openxmlformats.org/drawingml/2006/main">
           <a:solidFill>
-            <a:srgbClr val="FF0000"/>
+            <a:schemeClr val="accent2"/>
           </a:solidFill>
         </a:ln>
       </cdr:spPr>
@@ -1678,11 +1680,11 @@
           <a:avLst/>
         </a:prstGeom>
         <a:solidFill xmlns:a="http://schemas.openxmlformats.org/drawingml/2006/main">
-          <a:srgbClr val="FF0000"/>
+          <a:schemeClr val="accent1"/>
         </a:solidFill>
         <a:ln xmlns:a="http://schemas.openxmlformats.org/drawingml/2006/main">
           <a:solidFill>
-            <a:srgbClr val="FF0000"/>
+            <a:schemeClr val="accent2"/>
           </a:solidFill>
         </a:ln>
       </cdr:spPr>
@@ -2121,11 +2123,11 @@
           <a:avLst/>
         </a:prstGeom>
         <a:solidFill xmlns:a="http://schemas.openxmlformats.org/drawingml/2006/main">
-          <a:srgbClr val="FF0000"/>
+          <a:schemeClr val="accent1"/>
         </a:solidFill>
         <a:ln xmlns:a="http://schemas.openxmlformats.org/drawingml/2006/main">
           <a:solidFill>
-            <a:srgbClr val="FF0000"/>
+            <a:schemeClr val="accent2"/>
           </a:solidFill>
         </a:ln>
       </cdr:spPr>
@@ -2709,11 +2711,11 @@
           <a:avLst/>
         </a:prstGeom>
         <a:solidFill xmlns:a="http://schemas.openxmlformats.org/drawingml/2006/main">
-          <a:srgbClr val="FF0000"/>
+          <a:schemeClr val="accent1"/>
         </a:solidFill>
         <a:ln xmlns:a="http://schemas.openxmlformats.org/drawingml/2006/main">
           <a:solidFill>
-            <a:srgbClr val="FF0000"/>
+            <a:schemeClr val="accent2"/>
           </a:solidFill>
         </a:ln>
       </cdr:spPr>
@@ -2866,11 +2868,11 @@
           <a:avLst/>
         </a:prstGeom>
         <a:solidFill xmlns:a="http://schemas.openxmlformats.org/drawingml/2006/main">
-          <a:srgbClr val="FF0000"/>
+          <a:schemeClr val="accent1"/>
         </a:solidFill>
         <a:ln xmlns:a="http://schemas.openxmlformats.org/drawingml/2006/main">
           <a:solidFill>
-            <a:srgbClr val="FF0000"/>
+            <a:schemeClr val="accent2"/>
           </a:solidFill>
         </a:ln>
       </cdr:spPr>
@@ -4416,7 +4418,7 @@
           <a:p>
             <a:fld id="{5C20507F-F644-498B-8FD8-DF1C414025EC}" type="datetimeFigureOut">
               <a:rPr lang="de-DE" smtClean="0"/>
-              <a:t>05.11.2019</a:t>
+              <a:t>07.11.2019</a:t>
             </a:fld>
             <a:endParaRPr lang="de-DE"/>
           </a:p>
@@ -4727,7 +4729,10 @@
           <a:bodyPr/>
           <a:lstStyle/>
           <a:p>
-            <a:endParaRPr lang="de-DE" dirty="0"/>
+            <a:r>
+              <a:rPr lang="de-DE" dirty="0"/>
+              <a:t>Braumeister muss nicht die ganze Zeit rumschreien</a:t>
+            </a:r>
           </a:p>
         </p:txBody>
       </p:sp>
@@ -4748,7 +4753,7 @@
           <a:p>
             <a:fld id="{2F526E87-3F77-4BDE-BD80-0F6E2B67AF76}" type="slidenum">
               <a:rPr lang="de-DE" smtClean="0"/>
-              <a:t>6</a:t>
+              <a:t>3</a:t>
             </a:fld>
             <a:endParaRPr lang="de-DE"/>
           </a:p>
@@ -4757,7 +4762,7 @@
     </p:spTree>
     <p:extLst>
       <p:ext uri="{BB962C8B-B14F-4D97-AF65-F5344CB8AC3E}">
-        <p14:creationId xmlns:p14="http://schemas.microsoft.com/office/powerpoint/2010/main" val="410983260"/>
+        <p14:creationId xmlns:p14="http://schemas.microsoft.com/office/powerpoint/2010/main" val="184445958"/>
       </p:ext>
     </p:extLst>
   </p:cSld>
@@ -4832,7 +4837,7 @@
           <a:p>
             <a:fld id="{2F526E87-3F77-4BDE-BD80-0F6E2B67AF76}" type="slidenum">
               <a:rPr lang="de-DE" smtClean="0"/>
-              <a:t>10</a:t>
+              <a:t>6</a:t>
             </a:fld>
             <a:endParaRPr lang="de-DE"/>
           </a:p>
@@ -4841,7 +4846,7 @@
     </p:spTree>
     <p:extLst>
       <p:ext uri="{BB962C8B-B14F-4D97-AF65-F5344CB8AC3E}">
-        <p14:creationId xmlns:p14="http://schemas.microsoft.com/office/powerpoint/2010/main" val="2559009092"/>
+        <p14:creationId xmlns:p14="http://schemas.microsoft.com/office/powerpoint/2010/main" val="410983260"/>
       </p:ext>
     </p:extLst>
   </p:cSld>
@@ -4895,6 +4900,90 @@
           <a:bodyPr/>
           <a:lstStyle/>
           <a:p>
+            <a:endParaRPr lang="de-DE" dirty="0"/>
+          </a:p>
+        </p:txBody>
+      </p:sp>
+      <p:sp>
+        <p:nvSpPr>
+          <p:cNvPr id="4" name="Foliennummernplatzhalter 3"/>
+          <p:cNvSpPr>
+            <a:spLocks noGrp="1"/>
+          </p:cNvSpPr>
+          <p:nvPr>
+            <p:ph type="sldNum" sz="quarter" idx="5"/>
+          </p:nvPr>
+        </p:nvSpPr>
+        <p:spPr/>
+        <p:txBody>
+          <a:bodyPr/>
+          <a:lstStyle/>
+          <a:p>
+            <a:fld id="{2F526E87-3F77-4BDE-BD80-0F6E2B67AF76}" type="slidenum">
+              <a:rPr lang="de-DE" smtClean="0"/>
+              <a:t>11</a:t>
+            </a:fld>
+            <a:endParaRPr lang="de-DE"/>
+          </a:p>
+        </p:txBody>
+      </p:sp>
+    </p:spTree>
+    <p:extLst>
+      <p:ext uri="{BB962C8B-B14F-4D97-AF65-F5344CB8AC3E}">
+        <p14:creationId xmlns:p14="http://schemas.microsoft.com/office/powerpoint/2010/main" val="2559009092"/>
+      </p:ext>
+    </p:extLst>
+  </p:cSld>
+  <p:clrMapOvr>
+    <a:masterClrMapping/>
+  </p:clrMapOvr>
+</p:notes>
+</file>
+
+<file path=ppt/notesSlides/notesSlide4.xml><?xml version="1.0" encoding="utf-8"?>
+<p:notes xmlns:a="http://schemas.openxmlformats.org/drawingml/2006/main" xmlns:r="http://schemas.openxmlformats.org/officeDocument/2006/relationships" xmlns:p="http://schemas.openxmlformats.org/presentationml/2006/main">
+  <p:cSld>
+    <p:spTree>
+      <p:nvGrpSpPr>
+        <p:cNvPr id="1" name=""/>
+        <p:cNvGrpSpPr/>
+        <p:nvPr/>
+      </p:nvGrpSpPr>
+      <p:grpSpPr>
+        <a:xfrm>
+          <a:off x="0" y="0"/>
+          <a:ext cx="0" cy="0"/>
+          <a:chOff x="0" y="0"/>
+          <a:chExt cx="0" cy="0"/>
+        </a:xfrm>
+      </p:grpSpPr>
+      <p:sp>
+        <p:nvSpPr>
+          <p:cNvPr id="2" name="Folienbildplatzhalter 1"/>
+          <p:cNvSpPr>
+            <a:spLocks noGrp="1" noRot="1" noChangeAspect="1"/>
+          </p:cNvSpPr>
+          <p:nvPr>
+            <p:ph type="sldImg"/>
+          </p:nvPr>
+        </p:nvSpPr>
+        <p:spPr/>
+      </p:sp>
+      <p:sp>
+        <p:nvSpPr>
+          <p:cNvPr id="3" name="Notizenplatzhalter 2"/>
+          <p:cNvSpPr>
+            <a:spLocks noGrp="1"/>
+          </p:cNvSpPr>
+          <p:nvPr>
+            <p:ph type="body" idx="1"/>
+          </p:nvPr>
+        </p:nvSpPr>
+        <p:spPr/>
+        <p:txBody>
+          <a:bodyPr/>
+          <a:lstStyle/>
+          <a:p>
             <a:r>
               <a:rPr lang="de-DE" dirty="0"/>
               <a:t>Annahme </a:t>
@@ -4973,7 +5062,7 @@
           <a:p>
             <a:fld id="{2F526E87-3F77-4BDE-BD80-0F6E2B67AF76}" type="slidenum">
               <a:rPr lang="de-DE" smtClean="0"/>
-              <a:t>12</a:t>
+              <a:t>14</a:t>
             </a:fld>
             <a:endParaRPr lang="de-DE"/>
           </a:p>
@@ -5218,7 +5307,7 @@
           <a:p>
             <a:fld id="{E20E4F3F-845D-4F9B-8146-D1519830B904}" type="datetime1">
               <a:rPr lang="de-DE" smtClean="0"/>
-              <a:t>05.11.2019</a:t>
+              <a:t>07.11.2019</a:t>
             </a:fld>
             <a:endParaRPr lang="de-DE"/>
           </a:p>
@@ -5441,7 +5530,7 @@
           <a:p>
             <a:fld id="{D6AF7F36-D3CF-4CB1-A198-5DBF5AE98F98}" type="datetime1">
               <a:rPr lang="de-DE" smtClean="0"/>
-              <a:t>05.11.2019</a:t>
+              <a:t>07.11.2019</a:t>
             </a:fld>
             <a:endParaRPr lang="de-DE"/>
           </a:p>
@@ -5712,7 +5801,7 @@
           <a:p>
             <a:fld id="{D034C2E4-6ADB-4C4E-B6E6-AED16E990A6B}" type="datetime1">
               <a:rPr lang="de-DE" smtClean="0"/>
-              <a:t>05.11.2019</a:t>
+              <a:t>07.11.2019</a:t>
             </a:fld>
             <a:endParaRPr lang="de-DE"/>
           </a:p>
@@ -5897,7 +5986,7 @@
           <a:p>
             <a:fld id="{8CAE0EDF-60BD-4F7C-BA0E-CEC3494323E3}" type="datetime1">
               <a:rPr lang="de-DE" smtClean="0"/>
-              <a:t>05.11.2019</a:t>
+              <a:t>07.11.2019</a:t>
             </a:fld>
             <a:endParaRPr lang="de-DE"/>
           </a:p>
@@ -6255,7 +6344,7 @@
           <a:p>
             <a:fld id="{65E87D71-8681-4979-A5E3-070DCB1B5789}" type="datetime1">
               <a:rPr lang="de-DE" smtClean="0"/>
-              <a:t>05.11.2019</a:t>
+              <a:t>07.11.2019</a:t>
             </a:fld>
             <a:endParaRPr lang="de-DE"/>
           </a:p>
@@ -6545,7 +6634,7 @@
           <a:p>
             <a:fld id="{FA6C8370-3AD9-4037-968C-483DB437FCFE}" type="datetime1">
               <a:rPr lang="de-DE" smtClean="0"/>
-              <a:t>05.11.2019</a:t>
+              <a:t>07.11.2019</a:t>
             </a:fld>
             <a:endParaRPr lang="de-DE"/>
           </a:p>
@@ -6939,7 +7028,7 @@
           <a:p>
             <a:fld id="{A9D059DF-F17F-4E6E-B5FE-C4568F9CDDED}" type="datetime1">
               <a:rPr lang="de-DE" smtClean="0"/>
-              <a:t>05.11.2019</a:t>
+              <a:t>07.11.2019</a:t>
             </a:fld>
             <a:endParaRPr lang="de-DE"/>
           </a:p>
@@ -7072,7 +7161,7 @@
           <a:p>
             <a:fld id="{33C65DDB-696D-4624-8A56-11F23A4BD75D}" type="datetime1">
               <a:rPr lang="de-DE" smtClean="0"/>
-              <a:t>05.11.2019</a:t>
+              <a:t>07.11.2019</a:t>
             </a:fld>
             <a:endParaRPr lang="de-DE"/>
           </a:p>
@@ -7258,7 +7347,7 @@
           <a:p>
             <a:fld id="{3755A3D4-8D6E-4B3D-815E-622AEB78E06F}" type="datetime1">
               <a:rPr lang="de-DE" smtClean="0"/>
-              <a:t>05.11.2019</a:t>
+              <a:t>07.11.2019</a:t>
             </a:fld>
             <a:endParaRPr lang="de-DE"/>
           </a:p>
@@ -7627,7 +7716,7 @@
           <a:p>
             <a:fld id="{6B6C2961-9553-4839-AF75-01B62C904A1D}" type="datetime1">
               <a:rPr lang="de-DE" smtClean="0"/>
-              <a:t>05.11.2019</a:t>
+              <a:t>07.11.2019</a:t>
             </a:fld>
             <a:endParaRPr lang="de-DE"/>
           </a:p>
@@ -8019,7 +8108,7 @@
           <a:p>
             <a:fld id="{FA987991-0E6C-4CA2-9EA8-4339CDBF957C}" type="datetime1">
               <a:rPr lang="de-DE" smtClean="0"/>
-              <a:t>05.11.2019</a:t>
+              <a:t>07.11.2019</a:t>
             </a:fld>
             <a:endParaRPr lang="de-DE"/>
           </a:p>
@@ -8321,7 +8410,7 @@
           <a:p>
             <a:fld id="{D143D594-0D86-4019-A654-65D000944FED}" type="datetime1">
               <a:rPr lang="de-DE" smtClean="0"/>
-              <a:t>05.11.2019</a:t>
+              <a:t>07.11.2019</a:t>
             </a:fld>
             <a:endParaRPr lang="de-DE"/>
           </a:p>
@@ -9333,6 +9422,736 @@
           <p:cNvPr id="2" name="Titel 1">
             <a:extLst>
               <a:ext uri="{FF2B5EF4-FFF2-40B4-BE49-F238E27FC236}">
+                <a16:creationId xmlns:a16="http://schemas.microsoft.com/office/drawing/2014/main" id="{ECB575D1-760B-43F1-9715-77F1EA9C08A1}"/>
+              </a:ext>
+            </a:extLst>
+          </p:cNvPr>
+          <p:cNvSpPr>
+            <a:spLocks noGrp="1"/>
+          </p:cNvSpPr>
+          <p:nvPr>
+            <p:ph type="title"/>
+          </p:nvPr>
+        </p:nvSpPr>
+        <p:spPr>
+          <a:xfrm>
+            <a:off x="1097280" y="0"/>
+            <a:ext cx="10058400" cy="1450757"/>
+          </a:xfrm>
+        </p:spPr>
+        <p:txBody>
+          <a:bodyPr/>
+          <a:lstStyle/>
+          <a:p>
+            <a:r>
+              <a:rPr lang="de-DE" dirty="0"/>
+              <a:t>Zeitplan</a:t>
+            </a:r>
+          </a:p>
+        </p:txBody>
+      </p:sp>
+      <p:graphicFrame>
+        <p:nvGraphicFramePr>
+          <p:cNvPr id="4" name="Tabelle 3">
+            <a:extLst>
+              <a:ext uri="{FF2B5EF4-FFF2-40B4-BE49-F238E27FC236}">
+                <a16:creationId xmlns:a16="http://schemas.microsoft.com/office/drawing/2014/main" id="{540C6EDA-E47E-45C9-A28E-41BB2A404F3F}"/>
+              </a:ext>
+            </a:extLst>
+          </p:cNvPr>
+          <p:cNvGraphicFramePr>
+            <a:graphicFrameLocks noGrp="1"/>
+          </p:cNvGraphicFramePr>
+          <p:nvPr>
+            <p:extLst>
+              <p:ext uri="{D42A27DB-BD31-4B8C-83A1-F6EECF244321}">
+                <p14:modId xmlns:p14="http://schemas.microsoft.com/office/powerpoint/2010/main" val="3848674551"/>
+              </p:ext>
+            </p:extLst>
+          </p:nvPr>
+        </p:nvGraphicFramePr>
+        <p:xfrm>
+          <a:off x="640080" y="1314450"/>
+          <a:ext cx="10515600" cy="4914901"/>
+        </p:xfrm>
+        <a:graphic>
+          <a:graphicData uri="http://schemas.openxmlformats.org/drawingml/2006/table">
+            <a:tbl>
+              <a:tblPr firstRow="1" bandRow="1">
+                <a:tableStyleId>{5C22544A-7EE6-4342-B048-85BDC9FD1C3A}</a:tableStyleId>
+              </a:tblPr>
+              <a:tblGrid>
+                <a:gridCol w="6466882">
+                  <a:extLst>
+                    <a:ext uri="{9D8B030D-6E8A-4147-A177-3AD203B41FA5}">
+                      <a16:colId xmlns:a16="http://schemas.microsoft.com/office/drawing/2014/main" val="4114169832"/>
+                    </a:ext>
+                  </a:extLst>
+                </a:gridCol>
+                <a:gridCol w="2359415">
+                  <a:extLst>
+                    <a:ext uri="{9D8B030D-6E8A-4147-A177-3AD203B41FA5}">
+                      <a16:colId xmlns:a16="http://schemas.microsoft.com/office/drawing/2014/main" val="505643562"/>
+                    </a:ext>
+                  </a:extLst>
+                </a:gridCol>
+                <a:gridCol w="1689303">
+                  <a:extLst>
+                    <a:ext uri="{9D8B030D-6E8A-4147-A177-3AD203B41FA5}">
+                      <a16:colId xmlns:a16="http://schemas.microsoft.com/office/drawing/2014/main" val="63425046"/>
+                    </a:ext>
+                  </a:extLst>
+                </a:gridCol>
+              </a:tblGrid>
+              <a:tr h="393064">
+                <a:tc>
+                  <a:txBody>
+                    <a:bodyPr/>
+                    <a:lstStyle/>
+                    <a:p>
+                      <a:pPr algn="l"/>
+                      <a:r>
+                        <a:rPr lang="de-DE" dirty="0"/>
+                        <a:t>Beschreibung der Tätigkeit</a:t>
+                      </a:r>
+                    </a:p>
+                  </a:txBody>
+                  <a:tcPr/>
+                </a:tc>
+                <a:tc>
+                  <a:txBody>
+                    <a:bodyPr/>
+                    <a:lstStyle/>
+                    <a:p>
+                      <a:pPr algn="ctr"/>
+                      <a:r>
+                        <a:rPr lang="de-DE" dirty="0"/>
+                        <a:t>Dauer in Tagen</a:t>
+                      </a:r>
+                    </a:p>
+                  </a:txBody>
+                  <a:tcPr/>
+                </a:tc>
+                <a:tc>
+                  <a:txBody>
+                    <a:bodyPr/>
+                    <a:lstStyle/>
+                    <a:p>
+                      <a:pPr algn="ctr"/>
+                      <a:r>
+                        <a:rPr lang="de-DE" dirty="0"/>
+                        <a:t>Referenz</a:t>
+                      </a:r>
+                    </a:p>
+                  </a:txBody>
+                  <a:tcPr/>
+                </a:tc>
+                <a:extLst>
+                  <a:ext uri="{0D108BD9-81ED-4DB2-BD59-A6C34878D82A}">
+                    <a16:rowId xmlns:a16="http://schemas.microsoft.com/office/drawing/2014/main" val="514831670"/>
+                  </a:ext>
+                </a:extLst>
+              </a:tr>
+              <a:tr h="532021">
+                <a:tc>
+                  <a:txBody>
+                    <a:bodyPr/>
+                    <a:lstStyle/>
+                    <a:p>
+                      <a:r>
+                        <a:rPr lang="de-DE" dirty="0"/>
+                        <a:t>Gateway installieren und konfigurieren</a:t>
+                      </a:r>
+                    </a:p>
+                  </a:txBody>
+                  <a:tcPr/>
+                </a:tc>
+                <a:tc>
+                  <a:txBody>
+                    <a:bodyPr/>
+                    <a:lstStyle/>
+                    <a:p>
+                      <a:pPr algn="ctr"/>
+                      <a:r>
+                        <a:rPr lang="de-DE" dirty="0"/>
+                        <a:t>7</a:t>
+                      </a:r>
+                    </a:p>
+                  </a:txBody>
+                  <a:tcPr/>
+                </a:tc>
+                <a:tc>
+                  <a:txBody>
+                    <a:bodyPr/>
+                    <a:lstStyle/>
+                    <a:p>
+                      <a:pPr algn="ctr"/>
+                      <a:r>
+                        <a:rPr lang="de-DE" dirty="0"/>
+                        <a:t>Gate</a:t>
+                      </a:r>
+                    </a:p>
+                  </a:txBody>
+                  <a:tcPr/>
+                </a:tc>
+                <a:extLst>
+                  <a:ext uri="{0D108BD9-81ED-4DB2-BD59-A6C34878D82A}">
+                    <a16:rowId xmlns:a16="http://schemas.microsoft.com/office/drawing/2014/main" val="345566159"/>
+                  </a:ext>
+                </a:extLst>
+              </a:tr>
+              <a:tr h="524130">
+                <a:tc>
+                  <a:txBody>
+                    <a:bodyPr/>
+                    <a:lstStyle/>
+                    <a:p>
+                      <a:r>
+                        <a:rPr lang="de-DE" dirty="0"/>
+                        <a:t>MQTT Client-Server Architektur erstellen und installieren</a:t>
+                      </a:r>
+                    </a:p>
+                  </a:txBody>
+                  <a:tcPr/>
+                </a:tc>
+                <a:tc>
+                  <a:txBody>
+                    <a:bodyPr/>
+                    <a:lstStyle/>
+                    <a:p>
+                      <a:pPr algn="ctr"/>
+                      <a:r>
+                        <a:rPr lang="de-DE" dirty="0"/>
+                        <a:t>14</a:t>
+                      </a:r>
+                    </a:p>
+                  </a:txBody>
+                  <a:tcPr/>
+                </a:tc>
+                <a:tc>
+                  <a:txBody>
+                    <a:bodyPr/>
+                    <a:lstStyle/>
+                    <a:p>
+                      <a:pPr algn="ctr"/>
+                      <a:r>
+                        <a:rPr lang="de-DE" dirty="0"/>
+                        <a:t>MQTT</a:t>
+                      </a:r>
+                    </a:p>
+                  </a:txBody>
+                  <a:tcPr/>
+                </a:tc>
+                <a:extLst>
+                  <a:ext uri="{0D108BD9-81ED-4DB2-BD59-A6C34878D82A}">
+                    <a16:rowId xmlns:a16="http://schemas.microsoft.com/office/drawing/2014/main" val="707689269"/>
+                  </a:ext>
+                </a:extLst>
+              </a:tr>
+              <a:tr h="393064">
+                <a:tc>
+                  <a:txBody>
+                    <a:bodyPr/>
+                    <a:lstStyle/>
+                    <a:p>
+                      <a:r>
+                        <a:rPr lang="de-DE" dirty="0"/>
+                        <a:t>SAP programmieren</a:t>
+                      </a:r>
+                    </a:p>
+                  </a:txBody>
+                  <a:tcPr/>
+                </a:tc>
+                <a:tc>
+                  <a:txBody>
+                    <a:bodyPr/>
+                    <a:lstStyle/>
+                    <a:p>
+                      <a:pPr algn="ctr"/>
+                      <a:r>
+                        <a:rPr lang="de-DE" dirty="0"/>
+                        <a:t>21</a:t>
+                      </a:r>
+                    </a:p>
+                  </a:txBody>
+                  <a:tcPr/>
+                </a:tc>
+                <a:tc>
+                  <a:txBody>
+                    <a:bodyPr/>
+                    <a:lstStyle/>
+                    <a:p>
+                      <a:pPr algn="ctr"/>
+                      <a:r>
+                        <a:rPr lang="de-DE" dirty="0"/>
+                        <a:t>SAP</a:t>
+                      </a:r>
+                    </a:p>
+                  </a:txBody>
+                  <a:tcPr/>
+                </a:tc>
+                <a:extLst>
+                  <a:ext uri="{0D108BD9-81ED-4DB2-BD59-A6C34878D82A}">
+                    <a16:rowId xmlns:a16="http://schemas.microsoft.com/office/drawing/2014/main" val="2832557126"/>
+                  </a:ext>
+                </a:extLst>
+              </a:tr>
+              <a:tr h="532021">
+                <a:tc>
+                  <a:txBody>
+                    <a:bodyPr/>
+                    <a:lstStyle/>
+                    <a:p>
+                      <a:r>
+                        <a:rPr lang="de-DE" dirty="0"/>
+                        <a:t>Dashboard anfertigen und installieren</a:t>
+                      </a:r>
+                    </a:p>
+                  </a:txBody>
+                  <a:tcPr/>
+                </a:tc>
+                <a:tc>
+                  <a:txBody>
+                    <a:bodyPr/>
+                    <a:lstStyle/>
+                    <a:p>
+                      <a:pPr algn="ctr"/>
+                      <a:r>
+                        <a:rPr lang="de-DE" dirty="0"/>
+                        <a:t>14</a:t>
+                      </a:r>
+                    </a:p>
+                  </a:txBody>
+                  <a:tcPr/>
+                </a:tc>
+                <a:tc>
+                  <a:txBody>
+                    <a:bodyPr/>
+                    <a:lstStyle/>
+                    <a:p>
+                      <a:pPr algn="ctr"/>
+                      <a:r>
+                        <a:rPr lang="de-DE" dirty="0"/>
+                        <a:t>Dash</a:t>
+                      </a:r>
+                    </a:p>
+                  </a:txBody>
+                  <a:tcPr/>
+                </a:tc>
+                <a:extLst>
+                  <a:ext uri="{0D108BD9-81ED-4DB2-BD59-A6C34878D82A}">
+                    <a16:rowId xmlns:a16="http://schemas.microsoft.com/office/drawing/2014/main" val="1310350267"/>
+                  </a:ext>
+                </a:extLst>
+              </a:tr>
+              <a:tr h="551474">
+                <a:tc>
+                  <a:txBody>
+                    <a:bodyPr/>
+                    <a:lstStyle/>
+                    <a:p>
+                      <a:r>
+                        <a:rPr lang="de-DE" dirty="0"/>
+                        <a:t>OPC-UA Client-Server Architektur erstellen und installieren</a:t>
+                      </a:r>
+                    </a:p>
+                  </a:txBody>
+                  <a:tcPr/>
+                </a:tc>
+                <a:tc>
+                  <a:txBody>
+                    <a:bodyPr/>
+                    <a:lstStyle/>
+                    <a:p>
+                      <a:pPr algn="ctr"/>
+                      <a:r>
+                        <a:rPr lang="de-DE" dirty="0"/>
+                        <a:t>14</a:t>
+                      </a:r>
+                    </a:p>
+                  </a:txBody>
+                  <a:tcPr/>
+                </a:tc>
+                <a:tc>
+                  <a:txBody>
+                    <a:bodyPr/>
+                    <a:lstStyle/>
+                    <a:p>
+                      <a:pPr algn="ctr"/>
+                      <a:r>
+                        <a:rPr lang="de-DE" dirty="0"/>
+                        <a:t>OPC-UA</a:t>
+                      </a:r>
+                    </a:p>
+                  </a:txBody>
+                  <a:tcPr/>
+                </a:tc>
+                <a:extLst>
+                  <a:ext uri="{0D108BD9-81ED-4DB2-BD59-A6C34878D82A}">
+                    <a16:rowId xmlns:a16="http://schemas.microsoft.com/office/drawing/2014/main" val="3181483072"/>
+                  </a:ext>
+                </a:extLst>
+              </a:tr>
+              <a:tr h="393064">
+                <a:tc>
+                  <a:txBody>
+                    <a:bodyPr/>
+                    <a:lstStyle/>
+                    <a:p>
+                      <a:r>
+                        <a:rPr lang="de-DE" dirty="0"/>
+                        <a:t>SPS programmieren</a:t>
+                      </a:r>
+                    </a:p>
+                  </a:txBody>
+                  <a:tcPr/>
+                </a:tc>
+                <a:tc>
+                  <a:txBody>
+                    <a:bodyPr/>
+                    <a:lstStyle/>
+                    <a:p>
+                      <a:pPr algn="ctr"/>
+                      <a:r>
+                        <a:rPr lang="de-DE" dirty="0"/>
+                        <a:t>7</a:t>
+                      </a:r>
+                    </a:p>
+                  </a:txBody>
+                  <a:tcPr/>
+                </a:tc>
+                <a:tc>
+                  <a:txBody>
+                    <a:bodyPr/>
+                    <a:lstStyle/>
+                    <a:p>
+                      <a:pPr algn="ctr"/>
+                      <a:r>
+                        <a:rPr lang="de-DE" dirty="0"/>
+                        <a:t>SPS</a:t>
+                      </a:r>
+                    </a:p>
+                  </a:txBody>
+                  <a:tcPr/>
+                </a:tc>
+                <a:extLst>
+                  <a:ext uri="{0D108BD9-81ED-4DB2-BD59-A6C34878D82A}">
+                    <a16:rowId xmlns:a16="http://schemas.microsoft.com/office/drawing/2014/main" val="4001189344"/>
+                  </a:ext>
+                </a:extLst>
+              </a:tr>
+              <a:tr h="532021">
+                <a:tc>
+                  <a:txBody>
+                    <a:bodyPr/>
+                    <a:lstStyle/>
+                    <a:p>
+                      <a:r>
+                        <a:rPr lang="de-DE" dirty="0"/>
+                        <a:t>Schnittstellen für die anderen Gruppen schaffen</a:t>
+                      </a:r>
+                    </a:p>
+                  </a:txBody>
+                  <a:tcPr/>
+                </a:tc>
+                <a:tc>
+                  <a:txBody>
+                    <a:bodyPr/>
+                    <a:lstStyle/>
+                    <a:p>
+                      <a:pPr algn="ctr"/>
+                      <a:r>
+                        <a:rPr lang="de-DE" dirty="0"/>
+                        <a:t>14</a:t>
+                      </a:r>
+                    </a:p>
+                  </a:txBody>
+                  <a:tcPr/>
+                </a:tc>
+                <a:tc>
+                  <a:txBody>
+                    <a:bodyPr/>
+                    <a:lstStyle/>
+                    <a:p>
+                      <a:pPr algn="ctr"/>
+                      <a:r>
+                        <a:rPr lang="de-DE" dirty="0"/>
+                        <a:t>Schnitt</a:t>
+                      </a:r>
+                    </a:p>
+                  </a:txBody>
+                  <a:tcPr/>
+                </a:tc>
+                <a:extLst>
+                  <a:ext uri="{0D108BD9-81ED-4DB2-BD59-A6C34878D82A}">
+                    <a16:rowId xmlns:a16="http://schemas.microsoft.com/office/drawing/2014/main" val="469134997"/>
+                  </a:ext>
+                </a:extLst>
+              </a:tr>
+              <a:tr h="532021">
+                <a:tc>
+                  <a:txBody>
+                    <a:bodyPr/>
+                    <a:lstStyle/>
+                    <a:p>
+                      <a:r>
+                        <a:rPr lang="de-DE" dirty="0"/>
+                        <a:t>Testen einer Teilkomponente</a:t>
+                      </a:r>
+                    </a:p>
+                  </a:txBody>
+                  <a:tcPr/>
+                </a:tc>
+                <a:tc>
+                  <a:txBody>
+                    <a:bodyPr/>
+                    <a:lstStyle/>
+                    <a:p>
+                      <a:pPr algn="ctr"/>
+                      <a:r>
+                        <a:rPr lang="de-DE" dirty="0"/>
+                        <a:t>7-14</a:t>
+                      </a:r>
+                    </a:p>
+                  </a:txBody>
+                  <a:tcPr/>
+                </a:tc>
+                <a:tc>
+                  <a:txBody>
+                    <a:bodyPr/>
+                    <a:lstStyle/>
+                    <a:p>
+                      <a:pPr algn="ctr"/>
+                      <a:r>
+                        <a:rPr lang="de-DE" dirty="0" err="1"/>
+                        <a:t>TeilTest</a:t>
+                      </a:r>
+                      <a:endParaRPr lang="de-DE" dirty="0"/>
+                    </a:p>
+                  </a:txBody>
+                  <a:tcPr/>
+                </a:tc>
+                <a:extLst>
+                  <a:ext uri="{0D108BD9-81ED-4DB2-BD59-A6C34878D82A}">
+                    <a16:rowId xmlns:a16="http://schemas.microsoft.com/office/drawing/2014/main" val="1557987470"/>
+                  </a:ext>
+                </a:extLst>
+              </a:tr>
+              <a:tr h="532021">
+                <a:tc>
+                  <a:txBody>
+                    <a:bodyPr/>
+                    <a:lstStyle/>
+                    <a:p>
+                      <a:r>
+                        <a:rPr lang="de-DE" dirty="0"/>
+                        <a:t>Testen des Gesamtsystems/Abnahme</a:t>
+                      </a:r>
+                    </a:p>
+                  </a:txBody>
+                  <a:tcPr/>
+                </a:tc>
+                <a:tc>
+                  <a:txBody>
+                    <a:bodyPr/>
+                    <a:lstStyle/>
+                    <a:p>
+                      <a:pPr algn="ctr"/>
+                      <a:r>
+                        <a:rPr lang="de-DE" dirty="0"/>
+                        <a:t>14</a:t>
+                      </a:r>
+                    </a:p>
+                  </a:txBody>
+                  <a:tcPr/>
+                </a:tc>
+                <a:tc>
+                  <a:txBody>
+                    <a:bodyPr/>
+                    <a:lstStyle/>
+                    <a:p>
+                      <a:pPr algn="ctr"/>
+                      <a:r>
+                        <a:rPr lang="de-DE" dirty="0" err="1"/>
+                        <a:t>SysTest</a:t>
+                      </a:r>
+                      <a:endParaRPr lang="de-DE" dirty="0"/>
+                    </a:p>
+                  </a:txBody>
+                  <a:tcPr/>
+                </a:tc>
+                <a:extLst>
+                  <a:ext uri="{0D108BD9-81ED-4DB2-BD59-A6C34878D82A}">
+                    <a16:rowId xmlns:a16="http://schemas.microsoft.com/office/drawing/2014/main" val="408041960"/>
+                  </a:ext>
+                </a:extLst>
+              </a:tr>
+            </a:tbl>
+          </a:graphicData>
+        </a:graphic>
+      </p:graphicFrame>
+      <p:sp>
+        <p:nvSpPr>
+          <p:cNvPr id="7" name="Textfeld 6">
+            <a:extLst>
+              <a:ext uri="{FF2B5EF4-FFF2-40B4-BE49-F238E27FC236}">
+                <a16:creationId xmlns:a16="http://schemas.microsoft.com/office/drawing/2014/main" id="{519CE46F-2B01-492C-A4F0-A12734BCC544}"/>
+              </a:ext>
+            </a:extLst>
+          </p:cNvPr>
+          <p:cNvSpPr txBox="1"/>
+          <p:nvPr/>
+        </p:nvSpPr>
+        <p:spPr>
+          <a:xfrm>
+            <a:off x="640080" y="6398307"/>
+            <a:ext cx="7605286" cy="461665"/>
+          </a:xfrm>
+          <a:prstGeom prst="rect">
+            <a:avLst/>
+          </a:prstGeom>
+          <a:noFill/>
+        </p:spPr>
+        <p:txBody>
+          <a:bodyPr wrap="square" rtlCol="0">
+            <a:spAutoFit/>
+          </a:bodyPr>
+          <a:lstStyle/>
+          <a:p>
+            <a:r>
+              <a:rPr lang="de-DE" sz="2400" dirty="0"/>
+              <a:t>Geschätzte Gesamtdauer des Projekts: 3 Monate</a:t>
+            </a:r>
+          </a:p>
+        </p:txBody>
+      </p:sp>
+      <p:sp>
+        <p:nvSpPr>
+          <p:cNvPr id="3" name="Fußzeilenplatzhalter 2">
+            <a:extLst>
+              <a:ext uri="{FF2B5EF4-FFF2-40B4-BE49-F238E27FC236}">
+                <a16:creationId xmlns:a16="http://schemas.microsoft.com/office/drawing/2014/main" id="{C4722FF4-E05C-46EB-A19C-4697C7C60FE7}"/>
+              </a:ext>
+            </a:extLst>
+          </p:cNvPr>
+          <p:cNvSpPr>
+            <a:spLocks noGrp="1"/>
+          </p:cNvSpPr>
+          <p:nvPr>
+            <p:ph type="ftr" sz="quarter" idx="11"/>
+          </p:nvPr>
+        </p:nvSpPr>
+        <p:spPr>
+          <a:xfrm>
+            <a:off x="6096000" y="6441526"/>
+            <a:ext cx="4822804" cy="365125"/>
+          </a:xfrm>
+        </p:spPr>
+        <p:txBody>
+          <a:bodyPr/>
+          <a:lstStyle/>
+          <a:p>
+            <a:r>
+              <a:rPr lang="de-DE" dirty="0">
+                <a:latin typeface="Aharoni" panose="02010803020104030203" pitchFamily="2" charset="-79"/>
+                <a:cs typeface="Aharoni" panose="02010803020104030203" pitchFamily="2" charset="-79"/>
+              </a:rPr>
+              <a:t>Alb-</a:t>
+            </a:r>
+            <a:r>
+              <a:rPr lang="de-DE" dirty="0" err="1">
+                <a:latin typeface="Aharoni" panose="02010803020104030203" pitchFamily="2" charset="-79"/>
+                <a:cs typeface="Aharoni" panose="02010803020104030203" pitchFamily="2" charset="-79"/>
+              </a:rPr>
+              <a:t>Brau</a:t>
+            </a:r>
+            <a:r>
+              <a:rPr lang="de-DE" dirty="0">
+                <a:latin typeface="Aharoni" panose="02010803020104030203" pitchFamily="2" charset="-79"/>
+                <a:cs typeface="Aharoni" panose="02010803020104030203" pitchFamily="2" charset="-79"/>
+              </a:rPr>
+              <a:t> Consulting AG</a:t>
+            </a:r>
+            <a:endParaRPr lang="de-DE" dirty="0"/>
+          </a:p>
+        </p:txBody>
+      </p:sp>
+      <p:sp>
+        <p:nvSpPr>
+          <p:cNvPr id="5" name="Foliennummernplatzhalter 4">
+            <a:extLst>
+              <a:ext uri="{FF2B5EF4-FFF2-40B4-BE49-F238E27FC236}">
+                <a16:creationId xmlns:a16="http://schemas.microsoft.com/office/drawing/2014/main" id="{879CC423-E92D-4775-AE1C-53F8A9841C03}"/>
+              </a:ext>
+            </a:extLst>
+          </p:cNvPr>
+          <p:cNvSpPr>
+            <a:spLocks noGrp="1"/>
+          </p:cNvSpPr>
+          <p:nvPr>
+            <p:ph type="sldNum" sz="quarter" idx="12"/>
+          </p:nvPr>
+        </p:nvSpPr>
+        <p:spPr/>
+        <p:txBody>
+          <a:bodyPr/>
+          <a:lstStyle/>
+          <a:p>
+            <a:fld id="{E2B3C6FC-26FA-4D7E-AC88-A939C9C27DF5}" type="slidenum">
+              <a:rPr lang="de-DE" smtClean="0"/>
+              <a:t>10</a:t>
+            </a:fld>
+            <a:endParaRPr lang="de-DE"/>
+          </a:p>
+        </p:txBody>
+      </p:sp>
+    </p:spTree>
+    <p:extLst>
+      <p:ext uri="{BB962C8B-B14F-4D97-AF65-F5344CB8AC3E}">
+        <p14:creationId xmlns:p14="http://schemas.microsoft.com/office/powerpoint/2010/main" val="758388306"/>
+      </p:ext>
+    </p:extLst>
+  </p:cSld>
+  <p:clrMapOvr>
+    <a:masterClrMapping/>
+  </p:clrMapOvr>
+  <mc:AlternateContent xmlns:mc="http://schemas.openxmlformats.org/markup-compatibility/2006" xmlns:p14="http://schemas.microsoft.com/office/powerpoint/2010/main">
+    <mc:Choice Requires="p14">
+      <p:transition spd="med" p14:dur="700">
+        <p:fade/>
+      </p:transition>
+    </mc:Choice>
+    <mc:Fallback xmlns="">
+      <p:transition spd="med">
+        <p:fade/>
+      </p:transition>
+    </mc:Fallback>
+  </mc:AlternateContent>
+</p:sld>
+</file>
+
+<file path=ppt/slides/slide11.xml><?xml version="1.0" encoding="utf-8"?>
+<p:sld xmlns:a="http://schemas.openxmlformats.org/drawingml/2006/main" xmlns:r="http://schemas.openxmlformats.org/officeDocument/2006/relationships" xmlns:p="http://schemas.openxmlformats.org/presentationml/2006/main">
+  <p:cSld>
+    <p:spTree>
+      <p:nvGrpSpPr>
+        <p:cNvPr id="1" name=""/>
+        <p:cNvGrpSpPr/>
+        <p:nvPr/>
+      </p:nvGrpSpPr>
+      <p:grpSpPr>
+        <a:xfrm>
+          <a:off x="0" y="0"/>
+          <a:ext cx="0" cy="0"/>
+          <a:chOff x="0" y="0"/>
+          <a:chExt cx="0" cy="0"/>
+        </a:xfrm>
+      </p:grpSpPr>
+      <p:sp>
+        <p:nvSpPr>
+          <p:cNvPr id="2" name="Titel 1">
+            <a:extLst>
+              <a:ext uri="{FF2B5EF4-FFF2-40B4-BE49-F238E27FC236}">
                 <a16:creationId xmlns:a16="http://schemas.microsoft.com/office/drawing/2014/main" id="{CCCD46FC-9A01-47D6-BAC8-2D2E932072CF}"/>
               </a:ext>
             </a:extLst>
@@ -9376,7 +10195,7 @@
           <p:nvPr>
             <p:extLst>
               <p:ext uri="{D42A27DB-BD31-4B8C-83A1-F6EECF244321}">
-                <p14:modId xmlns:p14="http://schemas.microsoft.com/office/powerpoint/2010/main" val="441639898"/>
+                <p14:modId xmlns:p14="http://schemas.microsoft.com/office/powerpoint/2010/main" val="3946939343"/>
               </p:ext>
             </p:extLst>
           </p:nvPr>
@@ -9391,90 +10210,6 @@
           </a:graphicData>
         </a:graphic>
       </p:graphicFrame>
-      <p:sp>
-        <p:nvSpPr>
-          <p:cNvPr id="17" name="Rechteck 16">
-            <a:extLst>
-              <a:ext uri="{FF2B5EF4-FFF2-40B4-BE49-F238E27FC236}">
-                <a16:creationId xmlns:a16="http://schemas.microsoft.com/office/drawing/2014/main" id="{A4E23711-24C1-49AE-91F6-773849FCFD03}"/>
-              </a:ext>
-            </a:extLst>
-          </p:cNvPr>
-          <p:cNvSpPr/>
-          <p:nvPr/>
-        </p:nvSpPr>
-        <p:spPr>
-          <a:xfrm>
-            <a:off x="6373236" y="335332"/>
-            <a:ext cx="682171" cy="275771"/>
-          </a:xfrm>
-          <a:prstGeom prst="rect">
-            <a:avLst/>
-          </a:prstGeom>
-          <a:solidFill>
-            <a:srgbClr val="FF0000"/>
-          </a:solidFill>
-        </p:spPr>
-        <p:style>
-          <a:lnRef idx="2">
-            <a:schemeClr val="accent1">
-              <a:shade val="50000"/>
-            </a:schemeClr>
-          </a:lnRef>
-          <a:fillRef idx="1">
-            <a:schemeClr val="accent1"/>
-          </a:fillRef>
-          <a:effectRef idx="0">
-            <a:schemeClr val="accent1"/>
-          </a:effectRef>
-          <a:fontRef idx="minor">
-            <a:schemeClr val="lt1"/>
-          </a:fontRef>
-        </p:style>
-        <p:txBody>
-          <a:bodyPr rtlCol="0" anchor="ctr"/>
-          <a:lstStyle/>
-          <a:p>
-            <a:pPr algn="ctr"/>
-            <a:endParaRPr lang="de-DE"/>
-          </a:p>
-        </p:txBody>
-      </p:sp>
-      <p:sp>
-        <p:nvSpPr>
-          <p:cNvPr id="18" name="Textfeld 17">
-            <a:extLst>
-              <a:ext uri="{FF2B5EF4-FFF2-40B4-BE49-F238E27FC236}">
-                <a16:creationId xmlns:a16="http://schemas.microsoft.com/office/drawing/2014/main" id="{4471F37C-FA5C-4EED-9057-6D1D46B027A7}"/>
-              </a:ext>
-            </a:extLst>
-          </p:cNvPr>
-          <p:cNvSpPr txBox="1"/>
-          <p:nvPr/>
-        </p:nvSpPr>
-        <p:spPr>
-          <a:xfrm>
-            <a:off x="7055407" y="266036"/>
-            <a:ext cx="1708801" cy="369332"/>
-          </a:xfrm>
-          <a:prstGeom prst="rect">
-            <a:avLst/>
-          </a:prstGeom>
-          <a:noFill/>
-        </p:spPr>
-        <p:txBody>
-          <a:bodyPr wrap="square" rtlCol="0">
-            <a:spAutoFit/>
-          </a:bodyPr>
-          <a:lstStyle/>
-          <a:p>
-            <a:r>
-              <a:rPr lang="de-DE" dirty="0"/>
-              <a:t>= Kritischer Pfad</a:t>
-            </a:r>
-          </a:p>
-        </p:txBody>
-      </p:sp>
       <p:sp>
         <p:nvSpPr>
           <p:cNvPr id="20" name="Textfeld 19">
@@ -9532,7 +10267,7 @@
         </p:nvSpPr>
         <p:spPr>
           <a:xfrm>
-            <a:off x="9043433" y="265581"/>
+            <a:off x="7254405" y="282336"/>
             <a:ext cx="348028" cy="369332"/>
           </a:xfrm>
           <a:prstGeom prst="diamond">
@@ -9658,7 +10393,7 @@
             </a:lvl9pPr>
           </a:lstStyle>
           <a:p>
-            <a:endParaRPr lang="de-DE"/>
+            <a:endParaRPr lang="de-DE" dirty="0"/>
           </a:p>
         </p:txBody>
       </p:sp>
@@ -9676,7 +10411,7 @@
         </p:nvSpPr>
         <p:spPr>
           <a:xfrm>
-            <a:off x="9391461" y="240363"/>
+            <a:off x="7602433" y="284107"/>
             <a:ext cx="1460400" cy="369332"/>
           </a:xfrm>
           <a:prstGeom prst="rect">
@@ -9937,7 +10672,7 @@
           <a:p>
             <a:fld id="{E2B3C6FC-26FA-4D7E-AC88-A939C9C27DF5}" type="slidenum">
               <a:rPr lang="de-DE" smtClean="0"/>
-              <a:t>10</a:t>
+              <a:t>11</a:t>
             </a:fld>
             <a:endParaRPr lang="de-DE"/>
           </a:p>
@@ -9947,202 +10682,6 @@
     <p:extLst>
       <p:ext uri="{BB962C8B-B14F-4D97-AF65-F5344CB8AC3E}">
         <p14:creationId xmlns:p14="http://schemas.microsoft.com/office/powerpoint/2010/main" val="4020376945"/>
-      </p:ext>
-    </p:extLst>
-  </p:cSld>
-  <p:clrMapOvr>
-    <a:masterClrMapping/>
-  </p:clrMapOvr>
-  <mc:AlternateContent xmlns:mc="http://schemas.openxmlformats.org/markup-compatibility/2006" xmlns:p14="http://schemas.microsoft.com/office/powerpoint/2010/main">
-    <mc:Choice Requires="p14">
-      <p:transition spd="med" p14:dur="700">
-        <p:fade/>
-      </p:transition>
-    </mc:Choice>
-    <mc:Fallback xmlns="">
-      <p:transition spd="med">
-        <p:fade/>
-      </p:transition>
-    </mc:Fallback>
-  </mc:AlternateContent>
-</p:sld>
-</file>
-
-<file path=ppt/slides/slide11.xml><?xml version="1.0" encoding="utf-8"?>
-<p:sld xmlns:a="http://schemas.openxmlformats.org/drawingml/2006/main" xmlns:r="http://schemas.openxmlformats.org/officeDocument/2006/relationships" xmlns:p="http://schemas.openxmlformats.org/presentationml/2006/main">
-  <p:cSld>
-    <p:spTree>
-      <p:nvGrpSpPr>
-        <p:cNvPr id="1" name=""/>
-        <p:cNvGrpSpPr/>
-        <p:nvPr/>
-      </p:nvGrpSpPr>
-      <p:grpSpPr>
-        <a:xfrm>
-          <a:off x="0" y="0"/>
-          <a:ext cx="0" cy="0"/>
-          <a:chOff x="0" y="0"/>
-          <a:chExt cx="0" cy="0"/>
-        </a:xfrm>
-      </p:grpSpPr>
-      <p:sp>
-        <p:nvSpPr>
-          <p:cNvPr id="2" name="Fußzeilenplatzhalter 1">
-            <a:extLst>
-              <a:ext uri="{FF2B5EF4-FFF2-40B4-BE49-F238E27FC236}">
-                <a16:creationId xmlns:a16="http://schemas.microsoft.com/office/drawing/2014/main" id="{C186EC6D-54CF-4B77-B897-4413FD060446}"/>
-              </a:ext>
-            </a:extLst>
-          </p:cNvPr>
-          <p:cNvSpPr>
-            <a:spLocks noGrp="1"/>
-          </p:cNvSpPr>
-          <p:nvPr>
-            <p:ph type="ftr" sz="quarter" idx="11"/>
-          </p:nvPr>
-        </p:nvSpPr>
-        <p:spPr/>
-        <p:txBody>
-          <a:bodyPr/>
-          <a:lstStyle/>
-          <a:p>
-            <a:r>
-              <a:rPr lang="de-DE"/>
-              <a:t>Alb-Brau Consulting AG </a:t>
-            </a:r>
-          </a:p>
-        </p:txBody>
-      </p:sp>
-      <p:sp>
-        <p:nvSpPr>
-          <p:cNvPr id="3" name="Foliennummernplatzhalter 2">
-            <a:extLst>
-              <a:ext uri="{FF2B5EF4-FFF2-40B4-BE49-F238E27FC236}">
-                <a16:creationId xmlns:a16="http://schemas.microsoft.com/office/drawing/2014/main" id="{FC584970-4841-4865-8BC2-83656666AA3D}"/>
-              </a:ext>
-            </a:extLst>
-          </p:cNvPr>
-          <p:cNvSpPr>
-            <a:spLocks noGrp="1"/>
-          </p:cNvSpPr>
-          <p:nvPr>
-            <p:ph type="sldNum" sz="quarter" idx="12"/>
-          </p:nvPr>
-        </p:nvSpPr>
-        <p:spPr/>
-        <p:txBody>
-          <a:bodyPr/>
-          <a:lstStyle/>
-          <a:p>
-            <a:fld id="{E2B3C6FC-26FA-4D7E-AC88-A939C9C27DF5}" type="slidenum">
-              <a:rPr lang="de-DE" smtClean="0"/>
-              <a:t>11</a:t>
-            </a:fld>
-            <a:endParaRPr lang="de-DE"/>
-          </a:p>
-        </p:txBody>
-      </p:sp>
-      <p:sp>
-        <p:nvSpPr>
-          <p:cNvPr id="4" name="Rechteck 3">
-            <a:extLst>
-              <a:ext uri="{FF2B5EF4-FFF2-40B4-BE49-F238E27FC236}">
-                <a16:creationId xmlns:a16="http://schemas.microsoft.com/office/drawing/2014/main" id="{BF161FD7-1F86-4894-9A4E-B3797FC91DD8}"/>
-              </a:ext>
-            </a:extLst>
-          </p:cNvPr>
-          <p:cNvSpPr/>
-          <p:nvPr/>
-        </p:nvSpPr>
-        <p:spPr>
-          <a:xfrm>
-            <a:off x="1507742" y="1978738"/>
-            <a:ext cx="1595310" cy="430887"/>
-          </a:xfrm>
-          <a:prstGeom prst="rect">
-            <a:avLst/>
-          </a:prstGeom>
-        </p:spPr>
-        <p:txBody>
-          <a:bodyPr wrap="none">
-            <a:spAutoFit/>
-          </a:bodyPr>
-          <a:lstStyle/>
-          <a:p>
-            <a:pPr algn="ctr"/>
-            <a:r>
-              <a:rPr lang="de-DE" sz="2200" dirty="0"/>
-              <a:t> </a:t>
-            </a:r>
-            <a:r>
-              <a:rPr lang="de-DE" sz="2200" b="1" dirty="0"/>
-              <a:t>∑  120 996€</a:t>
-            </a:r>
-          </a:p>
-        </p:txBody>
-      </p:sp>
-      <p:sp>
-        <p:nvSpPr>
-          <p:cNvPr id="5" name="Titel 1">
-            <a:extLst>
-              <a:ext uri="{FF2B5EF4-FFF2-40B4-BE49-F238E27FC236}">
-                <a16:creationId xmlns:a16="http://schemas.microsoft.com/office/drawing/2014/main" id="{414B73E0-5FEE-4A38-B270-91E4C144F338}"/>
-              </a:ext>
-            </a:extLst>
-          </p:cNvPr>
-          <p:cNvSpPr txBox="1">
-            <a:spLocks/>
-          </p:cNvSpPr>
-          <p:nvPr/>
-        </p:nvSpPr>
-        <p:spPr>
-          <a:xfrm>
-            <a:off x="1097280" y="0"/>
-            <a:ext cx="10058400" cy="1450757"/>
-          </a:xfrm>
-          <a:prstGeom prst="rect">
-            <a:avLst/>
-          </a:prstGeom>
-        </p:spPr>
-        <p:txBody>
-          <a:bodyPr/>
-          <a:lstStyle>
-            <a:lvl1pPr algn="l" defTabSz="914400" rtl="0" eaLnBrk="1" latinLnBrk="0" hangingPunct="1">
-              <a:lnSpc>
-                <a:spcPct val="85000"/>
-              </a:lnSpc>
-              <a:spcBef>
-                <a:spcPct val="0"/>
-              </a:spcBef>
-              <a:buNone/>
-              <a:defRPr sz="4800" kern="1200" spc="-50" baseline="0">
-                <a:solidFill>
-                  <a:schemeClr val="tx1">
-                    <a:lumMod val="75000"/>
-                    <a:lumOff val="25000"/>
-                  </a:schemeClr>
-                </a:solidFill>
-                <a:latin typeface="+mj-lt"/>
-                <a:ea typeface="+mj-ea"/>
-                <a:cs typeface="+mj-cs"/>
-              </a:defRPr>
-            </a:lvl1pPr>
-          </a:lstStyle>
-          <a:p>
-            <a:endParaRPr lang="de-DE" dirty="0"/>
-          </a:p>
-          <a:p>
-            <a:r>
-              <a:rPr lang="de-DE" dirty="0"/>
-              <a:t>Kostenplan</a:t>
-            </a:r>
-          </a:p>
-        </p:txBody>
-      </p:sp>
-    </p:spTree>
-    <p:extLst>
-      <p:ext uri="{BB962C8B-B14F-4D97-AF65-F5344CB8AC3E}">
-        <p14:creationId xmlns:p14="http://schemas.microsoft.com/office/powerpoint/2010/main" val="1297328382"/>
       </p:ext>
     </p:extLst>
   </p:cSld>
@@ -10183,111 +10722,10 @@
       </p:grpSpPr>
       <p:sp>
         <p:nvSpPr>
-          <p:cNvPr id="2" name="Titel 1">
+          <p:cNvPr id="2" name="Fußzeilenplatzhalter 1">
             <a:extLst>
               <a:ext uri="{FF2B5EF4-FFF2-40B4-BE49-F238E27FC236}">
-                <a16:creationId xmlns:a16="http://schemas.microsoft.com/office/drawing/2014/main" id="{2721C069-BABD-4827-BD58-66B56371F492}"/>
-              </a:ext>
-            </a:extLst>
-          </p:cNvPr>
-          <p:cNvSpPr>
-            <a:spLocks noGrp="1"/>
-          </p:cNvSpPr>
-          <p:nvPr>
-            <p:ph type="title"/>
-          </p:nvPr>
-        </p:nvSpPr>
-        <p:spPr/>
-        <p:txBody>
-          <a:bodyPr/>
-          <a:lstStyle/>
-          <a:p>
-            <a:r>
-              <a:rPr lang="de-DE" dirty="0"/>
-              <a:t>Kosteneinsparungen/Gewinnsteigerung</a:t>
-            </a:r>
-          </a:p>
-        </p:txBody>
-      </p:sp>
-      <p:sp>
-        <p:nvSpPr>
-          <p:cNvPr id="3" name="Inhaltsplatzhalter 2">
-            <a:extLst>
-              <a:ext uri="{FF2B5EF4-FFF2-40B4-BE49-F238E27FC236}">
-                <a16:creationId xmlns:a16="http://schemas.microsoft.com/office/drawing/2014/main" id="{39500A13-64F0-48E2-920D-0DE07D2B3862}"/>
-              </a:ext>
-            </a:extLst>
-          </p:cNvPr>
-          <p:cNvSpPr>
-            <a:spLocks noGrp="1"/>
-          </p:cNvSpPr>
-          <p:nvPr>
-            <p:ph idx="1"/>
-          </p:nvPr>
-        </p:nvSpPr>
-        <p:spPr/>
-        <p:txBody>
-          <a:bodyPr>
-            <a:normAutofit/>
-          </a:bodyPr>
-          <a:lstStyle/>
-          <a:p>
-            <a:r>
-              <a:rPr lang="de-DE" dirty="0"/>
-              <a:t>Senkung des Fehlproduktionsrisikos um 90% , daraus resultiert eine Gewinnsteigerung von 10%</a:t>
-            </a:r>
-            <a:br>
-              <a:rPr lang="de-DE" dirty="0"/>
-            </a:br>
-            <a:r>
-              <a:rPr lang="de-DE" dirty="0"/>
-              <a:t>Beispielrechnung</a:t>
-            </a:r>
-          </a:p>
-          <a:p>
-            <a:r>
-              <a:rPr lang="de-DE" dirty="0"/>
-              <a:t>Aufgrund der erhöhten Qualität und ist ein Wachstum Ihres Marktanteils </a:t>
-            </a:r>
-            <a:r>
-              <a:rPr lang="de-DE" dirty="0" err="1"/>
-              <a:t>anzunehmne</a:t>
-            </a:r>
-            <a:endParaRPr lang="de-DE" dirty="0"/>
-          </a:p>
-          <a:p>
-            <a:r>
-              <a:rPr lang="de-DE" dirty="0"/>
-              <a:t>Das digitale Grundgerüst eines ERP-Systems ermöglicht Ihnen weitere Investitionen in gewinnsteigende Maßnahmen wie Prozessoptimierung, </a:t>
-            </a:r>
-            <a:r>
-              <a:rPr lang="de-DE" dirty="0" err="1"/>
-              <a:t>Conditioning</a:t>
-            </a:r>
-            <a:r>
-              <a:rPr lang="de-DE" dirty="0"/>
-              <a:t> Monitoring, </a:t>
-            </a:r>
-            <a:r>
-              <a:rPr lang="de-DE" dirty="0" err="1"/>
-              <a:t>Predictive</a:t>
-            </a:r>
-            <a:r>
-              <a:rPr lang="de-DE" dirty="0"/>
-              <a:t> Maintenance oder weitere Automatisierungsschritte</a:t>
-            </a:r>
-          </a:p>
-          <a:p>
-            <a:endParaRPr lang="de-DE" dirty="0"/>
-          </a:p>
-        </p:txBody>
-      </p:sp>
-      <p:sp>
-        <p:nvSpPr>
-          <p:cNvPr id="4" name="Fußzeilenplatzhalter 3">
-            <a:extLst>
-              <a:ext uri="{FF2B5EF4-FFF2-40B4-BE49-F238E27FC236}">
-                <a16:creationId xmlns:a16="http://schemas.microsoft.com/office/drawing/2014/main" id="{DFE915D1-B91B-49F4-89B4-954F7FC3B5CC}"/>
+                <a16:creationId xmlns:a16="http://schemas.microsoft.com/office/drawing/2014/main" id="{C186EC6D-54CF-4B77-B897-4413FD060446}"/>
               </a:ext>
             </a:extLst>
           </p:cNvPr>
@@ -10304,36 +10742,18 @@
           <a:lstStyle/>
           <a:p>
             <a:r>
-              <a:rPr lang="de-DE" dirty="0">
-                <a:latin typeface="Aharoni" panose="02010803020104030203" pitchFamily="2" charset="-79"/>
-                <a:cs typeface="Aharoni" panose="02010803020104030203" pitchFamily="2" charset="-79"/>
-              </a:rPr>
-              <a:t>Alb-</a:t>
-            </a:r>
-            <a:r>
-              <a:rPr lang="de-DE" dirty="0" err="1">
-                <a:latin typeface="Aharoni" panose="02010803020104030203" pitchFamily="2" charset="-79"/>
-                <a:cs typeface="Aharoni" panose="02010803020104030203" pitchFamily="2" charset="-79"/>
-              </a:rPr>
-              <a:t>Brau</a:t>
-            </a:r>
-            <a:r>
-              <a:rPr lang="de-DE" dirty="0">
-                <a:latin typeface="Aharoni" panose="02010803020104030203" pitchFamily="2" charset="-79"/>
-                <a:cs typeface="Aharoni" panose="02010803020104030203" pitchFamily="2" charset="-79"/>
-              </a:rPr>
-              <a:t> Consulting AG</a:t>
-            </a:r>
-            <a:endParaRPr lang="de-DE" dirty="0"/>
+              <a:rPr lang="de-DE"/>
+              <a:t>Alb-Brau Consulting AG </a:t>
+            </a:r>
           </a:p>
         </p:txBody>
       </p:sp>
       <p:sp>
         <p:nvSpPr>
-          <p:cNvPr id="5" name="Foliennummernplatzhalter 4">
+          <p:cNvPr id="3" name="Foliennummernplatzhalter 2">
             <a:extLst>
               <a:ext uri="{FF2B5EF4-FFF2-40B4-BE49-F238E27FC236}">
-                <a16:creationId xmlns:a16="http://schemas.microsoft.com/office/drawing/2014/main" id="{DBFAAE13-17AB-40A8-8D0C-CBAC7FA7B8C1}"/>
+                <a16:creationId xmlns:a16="http://schemas.microsoft.com/office/drawing/2014/main" id="{FC584970-4841-4865-8BC2-83656666AA3D}"/>
               </a:ext>
             </a:extLst>
           </p:cNvPr>
@@ -10357,10 +10777,151 @@
           </a:p>
         </p:txBody>
       </p:sp>
+      <p:sp>
+        <p:nvSpPr>
+          <p:cNvPr id="5" name="Titel 1">
+            <a:extLst>
+              <a:ext uri="{FF2B5EF4-FFF2-40B4-BE49-F238E27FC236}">
+                <a16:creationId xmlns:a16="http://schemas.microsoft.com/office/drawing/2014/main" id="{414B73E0-5FEE-4A38-B270-91E4C144F338}"/>
+              </a:ext>
+            </a:extLst>
+          </p:cNvPr>
+          <p:cNvSpPr txBox="1">
+            <a:spLocks/>
+          </p:cNvSpPr>
+          <p:nvPr/>
+        </p:nvSpPr>
+        <p:spPr>
+          <a:xfrm>
+            <a:off x="1097280" y="0"/>
+            <a:ext cx="10058400" cy="1450757"/>
+          </a:xfrm>
+          <a:prstGeom prst="rect">
+            <a:avLst/>
+          </a:prstGeom>
+        </p:spPr>
+        <p:txBody>
+          <a:bodyPr/>
+          <a:lstStyle>
+            <a:lvl1pPr algn="l" defTabSz="914400" rtl="0" eaLnBrk="1" latinLnBrk="0" hangingPunct="1">
+              <a:lnSpc>
+                <a:spcPct val="85000"/>
+              </a:lnSpc>
+              <a:spcBef>
+                <a:spcPct val="0"/>
+              </a:spcBef>
+              <a:buNone/>
+              <a:defRPr sz="4800" kern="1200" spc="-50" baseline="0">
+                <a:solidFill>
+                  <a:schemeClr val="tx1">
+                    <a:lumMod val="75000"/>
+                    <a:lumOff val="25000"/>
+                  </a:schemeClr>
+                </a:solidFill>
+                <a:latin typeface="+mj-lt"/>
+                <a:ea typeface="+mj-ea"/>
+                <a:cs typeface="+mj-cs"/>
+              </a:defRPr>
+            </a:lvl1pPr>
+          </a:lstStyle>
+          <a:p>
+            <a:endParaRPr lang="de-DE" dirty="0"/>
+          </a:p>
+          <a:p>
+            <a:r>
+              <a:rPr lang="de-DE" dirty="0"/>
+              <a:t>Risikoszenarien</a:t>
+            </a:r>
+          </a:p>
+        </p:txBody>
+      </p:sp>
+      <p:sp>
+        <p:nvSpPr>
+          <p:cNvPr id="6" name="Textfeld 5">
+            <a:extLst>
+              <a:ext uri="{FF2B5EF4-FFF2-40B4-BE49-F238E27FC236}">
+                <a16:creationId xmlns:a16="http://schemas.microsoft.com/office/drawing/2014/main" id="{E1CB8568-B63B-4119-BB97-29E60A1A5070}"/>
+              </a:ext>
+            </a:extLst>
+          </p:cNvPr>
+          <p:cNvSpPr txBox="1"/>
+          <p:nvPr/>
+        </p:nvSpPr>
+        <p:spPr>
+          <a:xfrm>
+            <a:off x="415636" y="1450756"/>
+            <a:ext cx="11521440" cy="2308324"/>
+          </a:xfrm>
+          <a:prstGeom prst="rect">
+            <a:avLst/>
+          </a:prstGeom>
+          <a:noFill/>
+        </p:spPr>
+        <p:txBody>
+          <a:bodyPr wrap="square" rtlCol="0">
+            <a:spAutoFit/>
+          </a:bodyPr>
+          <a:lstStyle/>
+          <a:p>
+            <a:pPr marL="342900" indent="-342900">
+              <a:buFont typeface="+mj-lt"/>
+              <a:buAutoNum type="arabicPeriod"/>
+            </a:pPr>
+            <a:r>
+              <a:rPr lang="de-DE" dirty="0"/>
+              <a:t>Wir können erst spät oder gar nicht die Braustelle betreten.</a:t>
+            </a:r>
+            <a:br>
+              <a:rPr lang="de-DE" dirty="0"/>
+            </a:br>
+            <a:r>
+              <a:rPr lang="de-DE" dirty="0"/>
+              <a:t>Lösungsansatz: Aufgaben wie SAP programmieren oder Dashboard/APP anfertigen werden vorgezogen. Danach  arbeiten alle Mitarbeiter an der Fertigstellung der anderen Aufgaben</a:t>
+            </a:r>
+          </a:p>
+          <a:p>
+            <a:pPr marL="342900" indent="-342900">
+              <a:buFont typeface="+mj-lt"/>
+              <a:buAutoNum type="arabicPeriod"/>
+            </a:pPr>
+            <a:r>
+              <a:rPr lang="de-DE" dirty="0"/>
+              <a:t>Verwandte Prozesse werden nicht rechtzeitig zur geplanten Anbindung bzw. geplanten Systemtest fertig.</a:t>
+            </a:r>
+            <a:br>
+              <a:rPr lang="de-DE" dirty="0"/>
+            </a:br>
+            <a:r>
+              <a:rPr lang="de-DE" dirty="0"/>
+              <a:t>Lösungsansatz:  Andere Aufgaben vorziehen bzw. beim Systemtest den Input der Prozesse simulieren</a:t>
+            </a:r>
+          </a:p>
+          <a:p>
+            <a:pPr marL="342900" indent="-342900">
+              <a:buFont typeface="+mj-lt"/>
+              <a:buAutoNum type="arabicPeriod"/>
+            </a:pPr>
+            <a:r>
+              <a:rPr lang="de-DE" dirty="0"/>
+              <a:t>Pflanzen können nicht zum geplanten Zeitpunkt verwendet werden.</a:t>
+            </a:r>
+            <a:br>
+              <a:rPr lang="de-DE" dirty="0"/>
+            </a:br>
+            <a:r>
+              <a:rPr lang="de-DE" dirty="0"/>
+              <a:t>Lösungsansatz: Kräuter aus anderer Quelle beziehen oder Test ohne Kräuter</a:t>
+            </a:r>
+          </a:p>
+          <a:p>
+            <a:endParaRPr lang="de-DE" dirty="0"/>
+          </a:p>
+        </p:txBody>
+      </p:sp>
     </p:spTree>
     <p:extLst>
       <p:ext uri="{BB962C8B-B14F-4D97-AF65-F5344CB8AC3E}">
-        <p14:creationId xmlns:p14="http://schemas.microsoft.com/office/powerpoint/2010/main" val="1886582988"/>
+        <p14:creationId xmlns:p14="http://schemas.microsoft.com/office/powerpoint/2010/main" val="1567901086"/>
       </p:ext>
     </p:extLst>
   </p:cSld>
@@ -10401,6 +10962,488 @@
       </p:grpSpPr>
       <p:sp>
         <p:nvSpPr>
+          <p:cNvPr id="2" name="Fußzeilenplatzhalter 1">
+            <a:extLst>
+              <a:ext uri="{FF2B5EF4-FFF2-40B4-BE49-F238E27FC236}">
+                <a16:creationId xmlns:a16="http://schemas.microsoft.com/office/drawing/2014/main" id="{C186EC6D-54CF-4B77-B897-4413FD060446}"/>
+              </a:ext>
+            </a:extLst>
+          </p:cNvPr>
+          <p:cNvSpPr>
+            <a:spLocks noGrp="1"/>
+          </p:cNvSpPr>
+          <p:nvPr>
+            <p:ph type="ftr" sz="quarter" idx="11"/>
+          </p:nvPr>
+        </p:nvSpPr>
+        <p:spPr/>
+        <p:txBody>
+          <a:bodyPr/>
+          <a:lstStyle/>
+          <a:p>
+            <a:r>
+              <a:rPr lang="de-DE"/>
+              <a:t>Alb-Brau Consulting AG </a:t>
+            </a:r>
+          </a:p>
+        </p:txBody>
+      </p:sp>
+      <p:sp>
+        <p:nvSpPr>
+          <p:cNvPr id="3" name="Foliennummernplatzhalter 2">
+            <a:extLst>
+              <a:ext uri="{FF2B5EF4-FFF2-40B4-BE49-F238E27FC236}">
+                <a16:creationId xmlns:a16="http://schemas.microsoft.com/office/drawing/2014/main" id="{FC584970-4841-4865-8BC2-83656666AA3D}"/>
+              </a:ext>
+            </a:extLst>
+          </p:cNvPr>
+          <p:cNvSpPr>
+            <a:spLocks noGrp="1"/>
+          </p:cNvSpPr>
+          <p:nvPr>
+            <p:ph type="sldNum" sz="quarter" idx="12"/>
+          </p:nvPr>
+        </p:nvSpPr>
+        <p:spPr/>
+        <p:txBody>
+          <a:bodyPr/>
+          <a:lstStyle/>
+          <a:p>
+            <a:fld id="{E2B3C6FC-26FA-4D7E-AC88-A939C9C27DF5}" type="slidenum">
+              <a:rPr lang="de-DE" smtClean="0"/>
+              <a:t>13</a:t>
+            </a:fld>
+            <a:endParaRPr lang="de-DE"/>
+          </a:p>
+        </p:txBody>
+      </p:sp>
+      <p:sp>
+        <p:nvSpPr>
+          <p:cNvPr id="4" name="Rechteck 3">
+            <a:extLst>
+              <a:ext uri="{FF2B5EF4-FFF2-40B4-BE49-F238E27FC236}">
+                <a16:creationId xmlns:a16="http://schemas.microsoft.com/office/drawing/2014/main" id="{BF161FD7-1F86-4894-9A4E-B3797FC91DD8}"/>
+              </a:ext>
+            </a:extLst>
+          </p:cNvPr>
+          <p:cNvSpPr/>
+          <p:nvPr/>
+        </p:nvSpPr>
+        <p:spPr>
+          <a:xfrm>
+            <a:off x="621936" y="1596352"/>
+            <a:ext cx="11210120" cy="3139321"/>
+          </a:xfrm>
+          <a:prstGeom prst="rect">
+            <a:avLst/>
+          </a:prstGeom>
+        </p:spPr>
+        <p:txBody>
+          <a:bodyPr wrap="none">
+            <a:spAutoFit/>
+          </a:bodyPr>
+          <a:lstStyle/>
+          <a:p>
+            <a:r>
+              <a:rPr lang="de-DE" sz="2200" b="1" dirty="0"/>
+              <a:t>Unsere Leistungen</a:t>
+            </a:r>
+          </a:p>
+          <a:p>
+            <a:pPr marL="342900" indent="-342900">
+              <a:buFont typeface="Arial" panose="020B0604020202020204" pitchFamily="34" charset="0"/>
+              <a:buChar char="•"/>
+            </a:pPr>
+            <a:r>
+              <a:rPr lang="de-DE" sz="2200" dirty="0"/>
+              <a:t>Integration des ERP-Systems in Ihre Geschäftsprozesse</a:t>
+            </a:r>
+          </a:p>
+          <a:p>
+            <a:pPr marL="342900" indent="-342900">
+              <a:buFont typeface="Arial" panose="020B0604020202020204" pitchFamily="34" charset="0"/>
+              <a:buChar char="•"/>
+            </a:pPr>
+            <a:r>
+              <a:rPr lang="de-DE" sz="2200" dirty="0"/>
+              <a:t>Auswahl des Lizenzmodells für SAP</a:t>
+            </a:r>
+          </a:p>
+          <a:p>
+            <a:pPr marL="342900" indent="-342900">
+              <a:buFont typeface="Arial" panose="020B0604020202020204" pitchFamily="34" charset="0"/>
+              <a:buChar char="•"/>
+            </a:pPr>
+            <a:r>
+              <a:rPr lang="de-DE" sz="2200"/>
+              <a:t>Hardware zur </a:t>
+            </a:r>
+            <a:r>
+              <a:rPr lang="de-DE" sz="2200" dirty="0"/>
+              <a:t>Automatisierung einiger Schritte</a:t>
+            </a:r>
+          </a:p>
+          <a:p>
+            <a:pPr marL="342900" indent="-342900">
+              <a:buFont typeface="Arial" panose="020B0604020202020204" pitchFamily="34" charset="0"/>
+              <a:buChar char="•"/>
+            </a:pPr>
+            <a:r>
+              <a:rPr lang="de-DE" sz="2200" dirty="0"/>
+              <a:t>Mobile Anzeigegeräte für Produktions-Mitarbeiter</a:t>
+            </a:r>
+          </a:p>
+          <a:p>
+            <a:pPr marL="342900" indent="-342900">
+              <a:buFont typeface="Arial" panose="020B0604020202020204" pitchFamily="34" charset="0"/>
+              <a:buChar char="•"/>
+            </a:pPr>
+            <a:r>
+              <a:rPr lang="de-DE" sz="2200" dirty="0"/>
+              <a:t>APP Interface mit nächsten Aufgabenschritten und Rückmeldefunktion für erledigte Aufgaben</a:t>
+            </a:r>
+          </a:p>
+          <a:p>
+            <a:pPr marL="342900" indent="-342900">
+              <a:buFont typeface="Arial" panose="020B0604020202020204" pitchFamily="34" charset="0"/>
+              <a:buChar char="•"/>
+            </a:pPr>
+            <a:r>
+              <a:rPr lang="de-DE" sz="2200" dirty="0"/>
+              <a:t>Dashboard zur Überwachung verschiedener Sensorwerten</a:t>
+            </a:r>
+          </a:p>
+          <a:p>
+            <a:pPr marL="342900" indent="-342900">
+              <a:buFont typeface="Arial" panose="020B0604020202020204" pitchFamily="34" charset="0"/>
+              <a:buChar char="•"/>
+            </a:pPr>
+            <a:endParaRPr lang="de-DE" sz="2200" dirty="0"/>
+          </a:p>
+          <a:p>
+            <a:r>
+              <a:rPr lang="de-DE" sz="2200" dirty="0"/>
+              <a:t> </a:t>
+            </a:r>
+            <a:r>
+              <a:rPr lang="de-DE" sz="2200" b="1" dirty="0"/>
+              <a:t>∑  120 996€</a:t>
+            </a:r>
+          </a:p>
+        </p:txBody>
+      </p:sp>
+      <p:sp>
+        <p:nvSpPr>
+          <p:cNvPr id="5" name="Titel 1">
+            <a:extLst>
+              <a:ext uri="{FF2B5EF4-FFF2-40B4-BE49-F238E27FC236}">
+                <a16:creationId xmlns:a16="http://schemas.microsoft.com/office/drawing/2014/main" id="{414B73E0-5FEE-4A38-B270-91E4C144F338}"/>
+              </a:ext>
+            </a:extLst>
+          </p:cNvPr>
+          <p:cNvSpPr txBox="1">
+            <a:spLocks/>
+          </p:cNvSpPr>
+          <p:nvPr/>
+        </p:nvSpPr>
+        <p:spPr>
+          <a:xfrm>
+            <a:off x="1097280" y="0"/>
+            <a:ext cx="10058400" cy="1450757"/>
+          </a:xfrm>
+          <a:prstGeom prst="rect">
+            <a:avLst/>
+          </a:prstGeom>
+        </p:spPr>
+        <p:txBody>
+          <a:bodyPr/>
+          <a:lstStyle>
+            <a:lvl1pPr algn="l" defTabSz="914400" rtl="0" eaLnBrk="1" latinLnBrk="0" hangingPunct="1">
+              <a:lnSpc>
+                <a:spcPct val="85000"/>
+              </a:lnSpc>
+              <a:spcBef>
+                <a:spcPct val="0"/>
+              </a:spcBef>
+              <a:buNone/>
+              <a:defRPr sz="4800" kern="1200" spc="-50" baseline="0">
+                <a:solidFill>
+                  <a:schemeClr val="tx1">
+                    <a:lumMod val="75000"/>
+                    <a:lumOff val="25000"/>
+                  </a:schemeClr>
+                </a:solidFill>
+                <a:latin typeface="+mj-lt"/>
+                <a:ea typeface="+mj-ea"/>
+                <a:cs typeface="+mj-cs"/>
+              </a:defRPr>
+            </a:lvl1pPr>
+          </a:lstStyle>
+          <a:p>
+            <a:endParaRPr lang="de-DE" dirty="0"/>
+          </a:p>
+          <a:p>
+            <a:r>
+              <a:rPr lang="de-DE" dirty="0"/>
+              <a:t>Kostenplan</a:t>
+            </a:r>
+          </a:p>
+        </p:txBody>
+      </p:sp>
+    </p:spTree>
+    <p:extLst>
+      <p:ext uri="{BB962C8B-B14F-4D97-AF65-F5344CB8AC3E}">
+        <p14:creationId xmlns:p14="http://schemas.microsoft.com/office/powerpoint/2010/main" val="1297328382"/>
+      </p:ext>
+    </p:extLst>
+  </p:cSld>
+  <p:clrMapOvr>
+    <a:masterClrMapping/>
+  </p:clrMapOvr>
+  <mc:AlternateContent xmlns:mc="http://schemas.openxmlformats.org/markup-compatibility/2006" xmlns:p14="http://schemas.microsoft.com/office/powerpoint/2010/main">
+    <mc:Choice Requires="p14">
+      <p:transition spd="med" p14:dur="700">
+        <p:fade/>
+      </p:transition>
+    </mc:Choice>
+    <mc:Fallback xmlns="">
+      <p:transition spd="med">
+        <p:fade/>
+      </p:transition>
+    </mc:Fallback>
+  </mc:AlternateContent>
+</p:sld>
+</file>
+
+<file path=ppt/slides/slide14.xml><?xml version="1.0" encoding="utf-8"?>
+<p:sld xmlns:a="http://schemas.openxmlformats.org/drawingml/2006/main" xmlns:r="http://schemas.openxmlformats.org/officeDocument/2006/relationships" xmlns:p="http://schemas.openxmlformats.org/presentationml/2006/main">
+  <p:cSld>
+    <p:spTree>
+      <p:nvGrpSpPr>
+        <p:cNvPr id="1" name=""/>
+        <p:cNvGrpSpPr/>
+        <p:nvPr/>
+      </p:nvGrpSpPr>
+      <p:grpSpPr>
+        <a:xfrm>
+          <a:off x="0" y="0"/>
+          <a:ext cx="0" cy="0"/>
+          <a:chOff x="0" y="0"/>
+          <a:chExt cx="0" cy="0"/>
+        </a:xfrm>
+      </p:grpSpPr>
+      <p:sp>
+        <p:nvSpPr>
+          <p:cNvPr id="2" name="Titel 1">
+            <a:extLst>
+              <a:ext uri="{FF2B5EF4-FFF2-40B4-BE49-F238E27FC236}">
+                <a16:creationId xmlns:a16="http://schemas.microsoft.com/office/drawing/2014/main" id="{2721C069-BABD-4827-BD58-66B56371F492}"/>
+              </a:ext>
+            </a:extLst>
+          </p:cNvPr>
+          <p:cNvSpPr>
+            <a:spLocks noGrp="1"/>
+          </p:cNvSpPr>
+          <p:nvPr>
+            <p:ph type="title"/>
+          </p:nvPr>
+        </p:nvSpPr>
+        <p:spPr/>
+        <p:txBody>
+          <a:bodyPr/>
+          <a:lstStyle/>
+          <a:p>
+            <a:r>
+              <a:rPr lang="de-DE" dirty="0"/>
+              <a:t>Kosteneinsparungen/Gewinnsteigerung</a:t>
+            </a:r>
+          </a:p>
+        </p:txBody>
+      </p:sp>
+      <p:sp>
+        <p:nvSpPr>
+          <p:cNvPr id="3" name="Inhaltsplatzhalter 2">
+            <a:extLst>
+              <a:ext uri="{FF2B5EF4-FFF2-40B4-BE49-F238E27FC236}">
+                <a16:creationId xmlns:a16="http://schemas.microsoft.com/office/drawing/2014/main" id="{39500A13-64F0-48E2-920D-0DE07D2B3862}"/>
+              </a:ext>
+            </a:extLst>
+          </p:cNvPr>
+          <p:cNvSpPr>
+            <a:spLocks noGrp="1"/>
+          </p:cNvSpPr>
+          <p:nvPr>
+            <p:ph idx="1"/>
+          </p:nvPr>
+        </p:nvSpPr>
+        <p:spPr/>
+        <p:txBody>
+          <a:bodyPr>
+            <a:normAutofit/>
+          </a:bodyPr>
+          <a:lstStyle/>
+          <a:p>
+            <a:r>
+              <a:rPr lang="de-DE" dirty="0"/>
+              <a:t>Senkung des Fehlproduktionsrisikos um 90% , daraus resultiert eine Gewinnsteigerung von 10%</a:t>
+            </a:r>
+            <a:br>
+              <a:rPr lang="de-DE" dirty="0"/>
+            </a:br>
+            <a:br>
+              <a:rPr lang="de-DE" dirty="0"/>
+            </a:br>
+            <a:r>
+              <a:rPr lang="de-DE" dirty="0"/>
+              <a:t>Aufgrund der erhöhten Qualität und ist ein Wachstum Ihres Marktanteils anzunehmen</a:t>
+            </a:r>
+          </a:p>
+          <a:p>
+            <a:r>
+              <a:rPr lang="de-DE" dirty="0"/>
+              <a:t>Das digitale Grundgerüst eines ERP-Systems ermöglicht Ihnen weitere Investitionen in gewinnsteigende Maßnahmen wie Prozessoptimierung, </a:t>
+            </a:r>
+            <a:r>
+              <a:rPr lang="de-DE" dirty="0" err="1"/>
+              <a:t>Conditioning</a:t>
+            </a:r>
+            <a:r>
+              <a:rPr lang="de-DE" dirty="0"/>
+              <a:t> Monitoring, </a:t>
+            </a:r>
+            <a:r>
+              <a:rPr lang="de-DE" dirty="0" err="1"/>
+              <a:t>Predictive</a:t>
+            </a:r>
+            <a:r>
+              <a:rPr lang="de-DE" dirty="0"/>
+              <a:t> Maintenance oder weitere Automatisierungsschritte</a:t>
+            </a:r>
+          </a:p>
+          <a:p>
+            <a:endParaRPr lang="de-DE" dirty="0"/>
+          </a:p>
+        </p:txBody>
+      </p:sp>
+      <p:sp>
+        <p:nvSpPr>
+          <p:cNvPr id="4" name="Fußzeilenplatzhalter 3">
+            <a:extLst>
+              <a:ext uri="{FF2B5EF4-FFF2-40B4-BE49-F238E27FC236}">
+                <a16:creationId xmlns:a16="http://schemas.microsoft.com/office/drawing/2014/main" id="{DFE915D1-B91B-49F4-89B4-954F7FC3B5CC}"/>
+              </a:ext>
+            </a:extLst>
+          </p:cNvPr>
+          <p:cNvSpPr>
+            <a:spLocks noGrp="1"/>
+          </p:cNvSpPr>
+          <p:nvPr>
+            <p:ph type="ftr" sz="quarter" idx="11"/>
+          </p:nvPr>
+        </p:nvSpPr>
+        <p:spPr/>
+        <p:txBody>
+          <a:bodyPr/>
+          <a:lstStyle/>
+          <a:p>
+            <a:r>
+              <a:rPr lang="de-DE" dirty="0">
+                <a:latin typeface="Aharoni" panose="02010803020104030203" pitchFamily="2" charset="-79"/>
+                <a:cs typeface="Aharoni" panose="02010803020104030203" pitchFamily="2" charset="-79"/>
+              </a:rPr>
+              <a:t>Alb-</a:t>
+            </a:r>
+            <a:r>
+              <a:rPr lang="de-DE" dirty="0" err="1">
+                <a:latin typeface="Aharoni" panose="02010803020104030203" pitchFamily="2" charset="-79"/>
+                <a:cs typeface="Aharoni" panose="02010803020104030203" pitchFamily="2" charset="-79"/>
+              </a:rPr>
+              <a:t>Brau</a:t>
+            </a:r>
+            <a:r>
+              <a:rPr lang="de-DE" dirty="0">
+                <a:latin typeface="Aharoni" panose="02010803020104030203" pitchFamily="2" charset="-79"/>
+                <a:cs typeface="Aharoni" panose="02010803020104030203" pitchFamily="2" charset="-79"/>
+              </a:rPr>
+              <a:t> Consulting AG</a:t>
+            </a:r>
+            <a:endParaRPr lang="de-DE" dirty="0"/>
+          </a:p>
+        </p:txBody>
+      </p:sp>
+      <p:sp>
+        <p:nvSpPr>
+          <p:cNvPr id="5" name="Foliennummernplatzhalter 4">
+            <a:extLst>
+              <a:ext uri="{FF2B5EF4-FFF2-40B4-BE49-F238E27FC236}">
+                <a16:creationId xmlns:a16="http://schemas.microsoft.com/office/drawing/2014/main" id="{DBFAAE13-17AB-40A8-8D0C-CBAC7FA7B8C1}"/>
+              </a:ext>
+            </a:extLst>
+          </p:cNvPr>
+          <p:cNvSpPr>
+            <a:spLocks noGrp="1"/>
+          </p:cNvSpPr>
+          <p:nvPr>
+            <p:ph type="sldNum" sz="quarter" idx="12"/>
+          </p:nvPr>
+        </p:nvSpPr>
+        <p:spPr/>
+        <p:txBody>
+          <a:bodyPr/>
+          <a:lstStyle/>
+          <a:p>
+            <a:fld id="{E2B3C6FC-26FA-4D7E-AC88-A939C9C27DF5}" type="slidenum">
+              <a:rPr lang="de-DE" smtClean="0"/>
+              <a:t>14</a:t>
+            </a:fld>
+            <a:endParaRPr lang="de-DE"/>
+          </a:p>
+        </p:txBody>
+      </p:sp>
+    </p:spTree>
+    <p:extLst>
+      <p:ext uri="{BB962C8B-B14F-4D97-AF65-F5344CB8AC3E}">
+        <p14:creationId xmlns:p14="http://schemas.microsoft.com/office/powerpoint/2010/main" val="1886582988"/>
+      </p:ext>
+    </p:extLst>
+  </p:cSld>
+  <p:clrMapOvr>
+    <a:masterClrMapping/>
+  </p:clrMapOvr>
+  <mc:AlternateContent xmlns:mc="http://schemas.openxmlformats.org/markup-compatibility/2006" xmlns:p14="http://schemas.microsoft.com/office/powerpoint/2010/main">
+    <mc:Choice Requires="p14">
+      <p:transition spd="med" p14:dur="700">
+        <p:fade/>
+      </p:transition>
+    </mc:Choice>
+    <mc:Fallback xmlns="">
+      <p:transition spd="med">
+        <p:fade/>
+      </p:transition>
+    </mc:Fallback>
+  </mc:AlternateContent>
+</p:sld>
+</file>
+
+<file path=ppt/slides/slide15.xml><?xml version="1.0" encoding="utf-8"?>
+<p:sld xmlns:a="http://schemas.openxmlformats.org/drawingml/2006/main" xmlns:r="http://schemas.openxmlformats.org/officeDocument/2006/relationships" xmlns:p="http://schemas.openxmlformats.org/presentationml/2006/main">
+  <p:cSld>
+    <p:spTree>
+      <p:nvGrpSpPr>
+        <p:cNvPr id="1" name=""/>
+        <p:cNvGrpSpPr/>
+        <p:nvPr/>
+      </p:nvGrpSpPr>
+      <p:grpSpPr>
+        <a:xfrm>
+          <a:off x="0" y="0"/>
+          <a:ext cx="0" cy="0"/>
+          <a:chOff x="0" y="0"/>
+          <a:chExt cx="0" cy="0"/>
+        </a:xfrm>
+      </p:grpSpPr>
+      <p:sp>
+        <p:nvSpPr>
           <p:cNvPr id="2" name="Titel 1">
             <a:extLst>
               <a:ext uri="{FF2B5EF4-FFF2-40B4-BE49-F238E27FC236}">
@@ -10630,7 +11673,7 @@
           <a:p>
             <a:fld id="{E2B3C6FC-26FA-4D7E-AC88-A939C9C27DF5}" type="slidenum">
               <a:rPr lang="de-DE" smtClean="0"/>
-              <a:t>13</a:t>
+              <a:t>15</a:t>
             </a:fld>
             <a:endParaRPr lang="de-DE"/>
           </a:p>
@@ -12289,8 +13332,16 @@
                 <a:ea typeface="Calibri" panose="020F0502020204030204" pitchFamily="34" charset="0"/>
                 <a:cs typeface="Times New Roman" panose="02020603050405020304" pitchFamily="18" charset="0"/>
               </a:rPr>
-              <a:t>Auftragsausschreibung der Firma </a:t>
-            </a:r>
+              <a:t>Auftragsausschreibung der Firma</a:t>
+            </a:r>
+            <a:br>
+              <a:rPr lang="de-DE" sz="1400" dirty="0">
+                <a:effectLst/>
+                <a:latin typeface="Calibri" panose="020F0502020204030204" pitchFamily="34" charset="0"/>
+                <a:ea typeface="Calibri" panose="020F0502020204030204" pitchFamily="34" charset="0"/>
+                <a:cs typeface="Times New Roman" panose="02020603050405020304" pitchFamily="18" charset="0"/>
+              </a:rPr>
+            </a:br>
             <a:r>
               <a:rPr lang="de-DE" sz="1400" dirty="0" err="1">
                 <a:effectLst/>
@@ -12847,7 +13898,42 @@
                 <a:ea typeface="Calibri" panose="020F0502020204030204" pitchFamily="34" charset="0"/>
                 <a:cs typeface="Times New Roman" panose="02020603050405020304" pitchFamily="18" charset="0"/>
               </a:rPr>
-              <a:t>Anbindung der Überwachung- und Pflanzengruppe</a:t>
+              <a:t>Anbindung der </a:t>
+            </a:r>
+            <a:r>
+              <a:rPr lang="de-DE" sz="1400" dirty="0" err="1">
+                <a:effectLst/>
+                <a:latin typeface="Calibri" panose="020F0502020204030204" pitchFamily="34" charset="0"/>
+                <a:ea typeface="Calibri" panose="020F0502020204030204" pitchFamily="34" charset="0"/>
+                <a:cs typeface="Times New Roman" panose="02020603050405020304" pitchFamily="18" charset="0"/>
+              </a:rPr>
+              <a:t>Conditioning</a:t>
+            </a:r>
+            <a:r>
+              <a:rPr lang="de-DE" sz="1400" dirty="0">
+                <a:effectLst/>
+                <a:latin typeface="Calibri" panose="020F0502020204030204" pitchFamily="34" charset="0"/>
+                <a:ea typeface="Calibri" panose="020F0502020204030204" pitchFamily="34" charset="0"/>
+                <a:cs typeface="Times New Roman" panose="02020603050405020304" pitchFamily="18" charset="0"/>
+              </a:rPr>
+              <a:t> Monitoring</a:t>
+            </a:r>
+            <a:br>
+              <a:rPr lang="de-DE" sz="1400" dirty="0">
+                <a:effectLst/>
+                <a:latin typeface="Calibri" panose="020F0502020204030204" pitchFamily="34" charset="0"/>
+                <a:ea typeface="Calibri" panose="020F0502020204030204" pitchFamily="34" charset="0"/>
+                <a:cs typeface="Times New Roman" panose="02020603050405020304" pitchFamily="18" charset="0"/>
+              </a:rPr>
+            </a:br>
+            <a:r>
+              <a:rPr lang="de-DE" sz="1400" dirty="0">
+                <a:effectLst/>
+                <a:latin typeface="Calibri" panose="020F0502020204030204" pitchFamily="34" charset="0"/>
+                <a:ea typeface="Calibri" panose="020F0502020204030204" pitchFamily="34" charset="0"/>
+                <a:cs typeface="Times New Roman" panose="02020603050405020304" pitchFamily="18" charset="0"/>
+              </a:rPr>
+              <a:t> und Pflanzengruppe</a:t>
             </a:r>
           </a:p>
         </p:txBody>
@@ -13318,7 +14404,24 @@
                 <a:ea typeface="Calibri" panose="020F0502020204030204" pitchFamily="34" charset="0"/>
                 <a:cs typeface="Times New Roman" panose="02020603050405020304" pitchFamily="18" charset="0"/>
               </a:rPr>
-              <a:t>Der Brauprozess kann nicht dargestellt werden.</a:t>
+              <a:t>Der Brauprozess kann nicht </a:t>
+            </a:r>
+            <a:br>
+              <a:rPr lang="de-DE" sz="1400" dirty="0">
+                <a:effectLst/>
+                <a:latin typeface="Calibri" panose="020F0502020204030204" pitchFamily="34" charset="0"/>
+                <a:ea typeface="Calibri" panose="020F0502020204030204" pitchFamily="34" charset="0"/>
+                <a:cs typeface="Times New Roman" panose="02020603050405020304" pitchFamily="18" charset="0"/>
+              </a:rPr>
+            </a:br>
+            <a:r>
+              <a:rPr lang="de-DE" sz="1400" dirty="0">
+                <a:effectLst/>
+                <a:latin typeface="Calibri" panose="020F0502020204030204" pitchFamily="34" charset="0"/>
+                <a:ea typeface="Calibri" panose="020F0502020204030204" pitchFamily="34" charset="0"/>
+                <a:cs typeface="Times New Roman" panose="02020603050405020304" pitchFamily="18" charset="0"/>
+              </a:rPr>
+              <a:t>digital dargestellt werden.</a:t>
             </a:r>
           </a:p>
         </p:txBody>
@@ -14497,7 +15600,7 @@
         </p:blipFill>
         <p:spPr>
           <a:xfrm>
-            <a:off x="4975272" y="4016249"/>
+            <a:off x="6364385" y="1941993"/>
             <a:ext cx="801414" cy="801414"/>
           </a:xfrm>
           <a:prstGeom prst="rect">
@@ -14533,7 +15636,7 @@
         </p:blipFill>
         <p:spPr>
           <a:xfrm>
-            <a:off x="10219872" y="3659967"/>
+            <a:off x="10190811" y="1654773"/>
             <a:ext cx="1027386" cy="1027386"/>
           </a:xfrm>
           <a:prstGeom prst="rect">
@@ -14629,8 +15732,8 @@
         </p:blipFill>
         <p:spPr bwMode="auto">
           <a:xfrm>
-            <a:off x="863050" y="3491261"/>
-            <a:ext cx="1228034" cy="1228034"/>
+            <a:off x="1874663" y="1833378"/>
+            <a:ext cx="923330" cy="923330"/>
           </a:xfrm>
           <a:prstGeom prst="rect">
             <a:avLst/>
@@ -14772,8 +15875,8 @@
         </p:nvSpPr>
         <p:spPr>
           <a:xfrm>
-            <a:off x="3698391" y="4843787"/>
-            <a:ext cx="1276882" cy="1200329"/>
+            <a:off x="3698391" y="4843788"/>
+            <a:ext cx="2461505" cy="923330"/>
           </a:xfrm>
           <a:prstGeom prst="rect">
             <a:avLst/>
@@ -14810,9 +15913,6 @@
           <a:p>
             <a:endParaRPr lang="de-DE" dirty="0"/>
           </a:p>
-          <a:p>
-            <a:endParaRPr lang="de-DE" dirty="0"/>
-          </a:p>
         </p:txBody>
       </p:sp>
       <p:cxnSp>
@@ -14827,14 +15927,13 @@
           <p:cNvCxnSpPr>
             <a:cxnSpLocks/>
             <a:stCxn id="25" idx="0"/>
-            <a:endCxn id="14" idx="2"/>
           </p:cNvCxnSpPr>
           <p:nvPr/>
         </p:nvCxnSpPr>
         <p:spPr>
-          <a:xfrm flipV="1">
-            <a:off x="4336832" y="3920738"/>
-            <a:ext cx="946368" cy="923049"/>
+          <a:xfrm flipH="1" flipV="1">
+            <a:off x="4929143" y="3920738"/>
+            <a:ext cx="1" cy="923050"/>
           </a:xfrm>
           <a:prstGeom prst="straightConnector1">
             <a:avLst/>
@@ -14904,6 +16003,279 @@
             <a:r>
               <a:rPr lang="de-DE" dirty="0"/>
               <a:t>Rührgerät</a:t>
+            </a:r>
+          </a:p>
+        </p:txBody>
+      </p:sp>
+      <p:sp>
+        <p:nvSpPr>
+          <p:cNvPr id="29" name="Textfeld 28">
+            <a:extLst>
+              <a:ext uri="{FF2B5EF4-FFF2-40B4-BE49-F238E27FC236}">
+                <a16:creationId xmlns:a16="http://schemas.microsoft.com/office/drawing/2014/main" id="{2CAEA7CD-492D-4352-9DC4-C01DA72B2335}"/>
+              </a:ext>
+            </a:extLst>
+          </p:cNvPr>
+          <p:cNvSpPr txBox="1"/>
+          <p:nvPr/>
+        </p:nvSpPr>
+        <p:spPr>
+          <a:xfrm>
+            <a:off x="3810195" y="5201108"/>
+            <a:ext cx="2291443" cy="369332"/>
+          </a:xfrm>
+          <a:prstGeom prst="rect">
+            <a:avLst/>
+          </a:prstGeom>
+        </p:spPr>
+        <p:style>
+          <a:lnRef idx="2">
+            <a:schemeClr val="dk1"/>
+          </a:lnRef>
+          <a:fillRef idx="1">
+            <a:schemeClr val="lt1"/>
+          </a:fillRef>
+          <a:effectRef idx="0">
+            <a:schemeClr val="dk1"/>
+          </a:effectRef>
+          <a:fontRef idx="minor">
+            <a:schemeClr val="dk1"/>
+          </a:fontRef>
+        </p:style>
+        <p:txBody>
+          <a:bodyPr wrap="square" rtlCol="0">
+            <a:spAutoFit/>
+          </a:bodyPr>
+          <a:lstStyle/>
+          <a:p>
+            <a:r>
+              <a:rPr lang="de-DE" dirty="0"/>
+              <a:t>MQTT Client</a:t>
+            </a:r>
+          </a:p>
+        </p:txBody>
+      </p:sp>
+      <p:sp>
+        <p:nvSpPr>
+          <p:cNvPr id="28" name="Textfeld 27">
+            <a:extLst>
+              <a:ext uri="{FF2B5EF4-FFF2-40B4-BE49-F238E27FC236}">
+                <a16:creationId xmlns:a16="http://schemas.microsoft.com/office/drawing/2014/main" id="{A53476C8-15AD-4E5B-8207-2E3DC43DD9FF}"/>
+              </a:ext>
+            </a:extLst>
+          </p:cNvPr>
+          <p:cNvSpPr txBox="1"/>
+          <p:nvPr/>
+        </p:nvSpPr>
+        <p:spPr>
+          <a:xfrm>
+            <a:off x="309972" y="4099846"/>
+            <a:ext cx="2786272" cy="1200329"/>
+          </a:xfrm>
+          <a:prstGeom prst="rect">
+            <a:avLst/>
+          </a:prstGeom>
+        </p:spPr>
+        <p:style>
+          <a:lnRef idx="2">
+            <a:schemeClr val="dk1"/>
+          </a:lnRef>
+          <a:fillRef idx="1">
+            <a:schemeClr val="lt1"/>
+          </a:fillRef>
+          <a:effectRef idx="0">
+            <a:schemeClr val="dk1"/>
+          </a:effectRef>
+          <a:fontRef idx="minor">
+            <a:schemeClr val="dk1"/>
+          </a:fontRef>
+        </p:style>
+        <p:txBody>
+          <a:bodyPr wrap="square" rtlCol="0">
+            <a:spAutoFit/>
+          </a:bodyPr>
+          <a:lstStyle/>
+          <a:p>
+            <a:r>
+              <a:rPr lang="de-DE" dirty="0"/>
+              <a:t>Datenbank Server </a:t>
+            </a:r>
+            <a:r>
+              <a:rPr lang="de-DE" dirty="0" err="1"/>
+              <a:t>Conditioning</a:t>
+            </a:r>
+            <a:r>
+              <a:rPr lang="de-DE" dirty="0"/>
+              <a:t> Monitoring</a:t>
+            </a:r>
+          </a:p>
+          <a:p>
+            <a:endParaRPr lang="de-DE" dirty="0"/>
+          </a:p>
+          <a:p>
+            <a:endParaRPr lang="de-DE" dirty="0"/>
+          </a:p>
+        </p:txBody>
+      </p:sp>
+      <p:cxnSp>
+        <p:nvCxnSpPr>
+          <p:cNvPr id="30" name="Gerade Verbindung mit Pfeil 29">
+            <a:extLst>
+              <a:ext uri="{FF2B5EF4-FFF2-40B4-BE49-F238E27FC236}">
+                <a16:creationId xmlns:a16="http://schemas.microsoft.com/office/drawing/2014/main" id="{6A3F74B7-7AB0-41FD-BFA0-D28377BBC24A}"/>
+              </a:ext>
+            </a:extLst>
+          </p:cNvPr>
+          <p:cNvCxnSpPr>
+            <a:cxnSpLocks/>
+            <a:stCxn id="28" idx="0"/>
+          </p:cNvCxnSpPr>
+          <p:nvPr/>
+        </p:nvCxnSpPr>
+        <p:spPr>
+          <a:xfrm flipV="1">
+            <a:off x="1703108" y="3566581"/>
+            <a:ext cx="2050378" cy="533265"/>
+          </a:xfrm>
+          <a:prstGeom prst="straightConnector1">
+            <a:avLst/>
+          </a:prstGeom>
+          <a:ln>
+            <a:headEnd type="triangle"/>
+            <a:tailEnd type="triangle"/>
+          </a:ln>
+        </p:spPr>
+        <p:style>
+          <a:lnRef idx="1">
+            <a:schemeClr val="dk1"/>
+          </a:lnRef>
+          <a:fillRef idx="0">
+            <a:schemeClr val="dk1"/>
+          </a:fillRef>
+          <a:effectRef idx="0">
+            <a:schemeClr val="dk1"/>
+          </a:effectRef>
+          <a:fontRef idx="minor">
+            <a:schemeClr val="tx1"/>
+          </a:fontRef>
+        </p:style>
+      </p:cxnSp>
+      <p:pic>
+        <p:nvPicPr>
+          <p:cNvPr id="36" name="Grafik 35">
+            <a:extLst>
+              <a:ext uri="{FF2B5EF4-FFF2-40B4-BE49-F238E27FC236}">
+                <a16:creationId xmlns:a16="http://schemas.microsoft.com/office/drawing/2014/main" id="{49332093-DB0B-4077-B221-233E6E45D147}"/>
+              </a:ext>
+            </a:extLst>
+          </p:cNvPr>
+          <p:cNvPicPr>
+            <a:picLocks noChangeAspect="1"/>
+          </p:cNvPicPr>
+          <p:nvPr/>
+        </p:nvPicPr>
+        <p:blipFill>
+          <a:blip r:embed="rId2">
+            <a:extLst>
+              <a:ext uri="{28A0092B-C50C-407E-A947-70E740481C1C}">
+                <a14:useLocalDpi xmlns:a14="http://schemas.microsoft.com/office/drawing/2010/main" val="0"/>
+              </a:ext>
+            </a:extLst>
+          </a:blip>
+          <a:stretch>
+            <a:fillRect/>
+          </a:stretch>
+        </p:blipFill>
+        <p:spPr>
+          <a:xfrm>
+            <a:off x="2687741" y="3957722"/>
+            <a:ext cx="556201" cy="594544"/>
+          </a:xfrm>
+          <a:prstGeom prst="rect">
+            <a:avLst/>
+          </a:prstGeom>
+        </p:spPr>
+      </p:pic>
+      <p:pic>
+        <p:nvPicPr>
+          <p:cNvPr id="37" name="Grafik 36">
+            <a:extLst>
+              <a:ext uri="{FF2B5EF4-FFF2-40B4-BE49-F238E27FC236}">
+                <a16:creationId xmlns:a16="http://schemas.microsoft.com/office/drawing/2014/main" id="{4C299C3B-78B9-4D97-8757-AB99907CD0C6}"/>
+              </a:ext>
+            </a:extLst>
+          </p:cNvPr>
+          <p:cNvPicPr>
+            <a:picLocks noChangeAspect="1"/>
+          </p:cNvPicPr>
+          <p:nvPr/>
+        </p:nvPicPr>
+        <p:blipFill>
+          <a:blip r:embed="rId2">
+            <a:extLst>
+              <a:ext uri="{28A0092B-C50C-407E-A947-70E740481C1C}">
+                <a14:useLocalDpi xmlns:a14="http://schemas.microsoft.com/office/drawing/2010/main" val="0"/>
+              </a:ext>
+            </a:extLst>
+          </a:blip>
+          <a:stretch>
+            <a:fillRect/>
+          </a:stretch>
+        </p:blipFill>
+        <p:spPr>
+          <a:xfrm>
+            <a:off x="5572642" y="4513099"/>
+            <a:ext cx="609127" cy="609127"/>
+          </a:xfrm>
+          <a:prstGeom prst="rect">
+            <a:avLst/>
+          </a:prstGeom>
+        </p:spPr>
+      </p:pic>
+      <p:sp>
+        <p:nvSpPr>
+          <p:cNvPr id="39" name="Textfeld 38">
+            <a:extLst>
+              <a:ext uri="{FF2B5EF4-FFF2-40B4-BE49-F238E27FC236}">
+                <a16:creationId xmlns:a16="http://schemas.microsoft.com/office/drawing/2014/main" id="{9054F3DD-2D64-446D-A8DC-AD3E3CADC149}"/>
+              </a:ext>
+            </a:extLst>
+          </p:cNvPr>
+          <p:cNvSpPr txBox="1"/>
+          <p:nvPr/>
+        </p:nvSpPr>
+        <p:spPr>
+          <a:xfrm>
+            <a:off x="518886" y="4817662"/>
+            <a:ext cx="2291443" cy="369332"/>
+          </a:xfrm>
+          <a:prstGeom prst="rect">
+            <a:avLst/>
+          </a:prstGeom>
+        </p:spPr>
+        <p:style>
+          <a:lnRef idx="2">
+            <a:schemeClr val="dk1"/>
+          </a:lnRef>
+          <a:fillRef idx="1">
+            <a:schemeClr val="lt1"/>
+          </a:fillRef>
+          <a:effectRef idx="0">
+            <a:schemeClr val="dk1"/>
+          </a:effectRef>
+          <a:fontRef idx="minor">
+            <a:schemeClr val="dk1"/>
+          </a:fontRef>
+        </p:style>
+        <p:txBody>
+          <a:bodyPr wrap="square" rtlCol="0">
+            <a:spAutoFit/>
+          </a:bodyPr>
+          <a:lstStyle/>
+          <a:p>
+            <a:r>
+              <a:rPr lang="de-DE" dirty="0"/>
+              <a:t>MQTT Client</a:t>
             </a:r>
           </a:p>
         </p:txBody>
@@ -14950,42 +16322,6 @@
           <a:chExt cx="0" cy="0"/>
         </a:xfrm>
       </p:grpSpPr>
-      <p:pic>
-        <p:nvPicPr>
-          <p:cNvPr id="6" name="Grafik 5">
-            <a:extLst>
-              <a:ext uri="{FF2B5EF4-FFF2-40B4-BE49-F238E27FC236}">
-                <a16:creationId xmlns:a16="http://schemas.microsoft.com/office/drawing/2014/main" id="{C673B625-4496-41D1-A36B-18EBE7E90F15}"/>
-              </a:ext>
-            </a:extLst>
-          </p:cNvPr>
-          <p:cNvPicPr>
-            <a:picLocks noChangeAspect="1"/>
-          </p:cNvPicPr>
-          <p:nvPr/>
-        </p:nvPicPr>
-        <p:blipFill>
-          <a:blip r:embed="rId3">
-            <a:extLst>
-              <a:ext uri="{28A0092B-C50C-407E-A947-70E740481C1C}">
-                <a14:useLocalDpi xmlns:a14="http://schemas.microsoft.com/office/drawing/2010/main" val="0"/>
-              </a:ext>
-            </a:extLst>
-          </a:blip>
-          <a:stretch>
-            <a:fillRect/>
-          </a:stretch>
-        </p:blipFill>
-        <p:spPr>
-          <a:xfrm>
-            <a:off x="117833" y="1303050"/>
-            <a:ext cx="11674832" cy="5221356"/>
-          </a:xfrm>
-          <a:prstGeom prst="rect">
-            <a:avLst/>
-          </a:prstGeom>
-        </p:spPr>
-      </p:pic>
       <p:sp>
         <p:nvSpPr>
           <p:cNvPr id="2" name="Titel 1">
@@ -15071,290 +16407,6 @@
           </a:p>
         </p:txBody>
       </p:sp>
-      <p:cxnSp>
-        <p:nvCxnSpPr>
-          <p:cNvPr id="11" name="Gerade Verbindung mit Pfeil 10">
-            <a:extLst>
-              <a:ext uri="{FF2B5EF4-FFF2-40B4-BE49-F238E27FC236}">
-                <a16:creationId xmlns:a16="http://schemas.microsoft.com/office/drawing/2014/main" id="{9A93224C-2E2C-4E7E-A034-1B14E5BE22E6}"/>
-              </a:ext>
-            </a:extLst>
-          </p:cNvPr>
-          <p:cNvCxnSpPr>
-            <a:stCxn id="3" idx="2"/>
-            <a:endCxn id="3" idx="0"/>
-          </p:cNvCxnSpPr>
-          <p:nvPr/>
-        </p:nvCxnSpPr>
-        <p:spPr>
-          <a:xfrm flipV="1">
-            <a:off x="8503444" y="1895475"/>
-            <a:ext cx="0" cy="1157288"/>
-          </a:xfrm>
-          <a:prstGeom prst="straightConnector1">
-            <a:avLst/>
-          </a:prstGeom>
-          <a:ln w="9525" cap="rnd" cmpd="sng" algn="ctr">
-            <a:solidFill>
-              <a:schemeClr val="dk1"/>
-            </a:solidFill>
-            <a:prstDash val="dash"/>
-            <a:round/>
-            <a:headEnd type="none" w="med" len="med"/>
-            <a:tailEnd type="arrow" w="med" len="med"/>
-          </a:ln>
-        </p:spPr>
-        <p:style>
-          <a:lnRef idx="0">
-            <a:scrgbClr r="0" g="0" b="0"/>
-          </a:lnRef>
-          <a:fillRef idx="0">
-            <a:scrgbClr r="0" g="0" b="0"/>
-          </a:fillRef>
-          <a:effectRef idx="0">
-            <a:scrgbClr r="0" g="0" b="0"/>
-          </a:effectRef>
-          <a:fontRef idx="minor">
-            <a:schemeClr val="tx1"/>
-          </a:fontRef>
-        </p:style>
-      </p:cxnSp>
-      <p:cxnSp>
-        <p:nvCxnSpPr>
-          <p:cNvPr id="7" name="Gerade Verbindung mit Pfeil 6">
-            <a:extLst>
-              <a:ext uri="{FF2B5EF4-FFF2-40B4-BE49-F238E27FC236}">
-                <a16:creationId xmlns:a16="http://schemas.microsoft.com/office/drawing/2014/main" id="{A96D4E76-2689-46B7-A6AB-8525918E8A66}"/>
-              </a:ext>
-            </a:extLst>
-          </p:cNvPr>
-          <p:cNvCxnSpPr>
-            <a:cxnSpLocks/>
-          </p:cNvCxnSpPr>
-          <p:nvPr/>
-        </p:nvCxnSpPr>
-        <p:spPr>
-          <a:xfrm flipV="1">
-            <a:off x="10595003" y="2601310"/>
-            <a:ext cx="0" cy="451453"/>
-          </a:xfrm>
-          <a:prstGeom prst="straightConnector1">
-            <a:avLst/>
-          </a:prstGeom>
-          <a:ln w="9525" cap="rnd" cmpd="sng" algn="ctr">
-            <a:solidFill>
-              <a:schemeClr val="dk1"/>
-            </a:solidFill>
-            <a:prstDash val="dash"/>
-            <a:round/>
-            <a:headEnd type="none" w="med" len="med"/>
-            <a:tailEnd type="none" w="med" len="med"/>
-          </a:ln>
-        </p:spPr>
-        <p:style>
-          <a:lnRef idx="0">
-            <a:scrgbClr r="0" g="0" b="0"/>
-          </a:lnRef>
-          <a:fillRef idx="0">
-            <a:scrgbClr r="0" g="0" b="0"/>
-          </a:fillRef>
-          <a:effectRef idx="0">
-            <a:scrgbClr r="0" g="0" b="0"/>
-          </a:effectRef>
-          <a:fontRef idx="minor">
-            <a:schemeClr val="tx1"/>
-          </a:fontRef>
-        </p:style>
-      </p:cxnSp>
-      <p:cxnSp>
-        <p:nvCxnSpPr>
-          <p:cNvPr id="8" name="Gerade Verbindung mit Pfeil 7">
-            <a:extLst>
-              <a:ext uri="{FF2B5EF4-FFF2-40B4-BE49-F238E27FC236}">
-                <a16:creationId xmlns:a16="http://schemas.microsoft.com/office/drawing/2014/main" id="{2E4E40B2-3B7F-44BD-9422-51F913CD4804}"/>
-              </a:ext>
-            </a:extLst>
-          </p:cNvPr>
-          <p:cNvCxnSpPr>
-            <a:cxnSpLocks/>
-          </p:cNvCxnSpPr>
-          <p:nvPr/>
-        </p:nvCxnSpPr>
-        <p:spPr>
-          <a:xfrm flipH="1" flipV="1">
-            <a:off x="8812924" y="2601310"/>
-            <a:ext cx="1782082" cy="3"/>
-          </a:xfrm>
-          <a:prstGeom prst="straightConnector1">
-            <a:avLst/>
-          </a:prstGeom>
-          <a:ln w="9525" cap="rnd" cmpd="sng" algn="ctr">
-            <a:solidFill>
-              <a:schemeClr val="dk1"/>
-            </a:solidFill>
-            <a:prstDash val="dash"/>
-            <a:round/>
-            <a:headEnd type="none" w="med" len="med"/>
-            <a:tailEnd type="none" w="med" len="med"/>
-          </a:ln>
-        </p:spPr>
-        <p:style>
-          <a:lnRef idx="0">
-            <a:scrgbClr r="0" g="0" b="0"/>
-          </a:lnRef>
-          <a:fillRef idx="0">
-            <a:scrgbClr r="0" g="0" b="0"/>
-          </a:fillRef>
-          <a:effectRef idx="0">
-            <a:scrgbClr r="0" g="0" b="0"/>
-          </a:effectRef>
-          <a:fontRef idx="minor">
-            <a:schemeClr val="tx1"/>
-          </a:fontRef>
-        </p:style>
-      </p:cxnSp>
-      <p:cxnSp>
-        <p:nvCxnSpPr>
-          <p:cNvPr id="13" name="Gerade Verbindung mit Pfeil 12">
-            <a:extLst>
-              <a:ext uri="{FF2B5EF4-FFF2-40B4-BE49-F238E27FC236}">
-                <a16:creationId xmlns:a16="http://schemas.microsoft.com/office/drawing/2014/main" id="{C494E480-806B-4840-B537-2CABB27E1B44}"/>
-              </a:ext>
-            </a:extLst>
-          </p:cNvPr>
-          <p:cNvCxnSpPr>
-            <a:cxnSpLocks/>
-            <a:endCxn id="3" idx="0"/>
-          </p:cNvCxnSpPr>
-          <p:nvPr/>
-        </p:nvCxnSpPr>
-        <p:spPr>
-          <a:xfrm flipH="1" flipV="1">
-            <a:off x="8503444" y="1895475"/>
-            <a:ext cx="309480" cy="705835"/>
-          </a:xfrm>
-          <a:prstGeom prst="straightConnector1">
-            <a:avLst/>
-          </a:prstGeom>
-          <a:ln w="9525" cap="rnd" cmpd="sng" algn="ctr">
-            <a:solidFill>
-              <a:schemeClr val="dk1"/>
-            </a:solidFill>
-            <a:prstDash val="dash"/>
-            <a:round/>
-            <a:headEnd type="none" w="med" len="med"/>
-            <a:tailEnd type="arrow" w="med" len="med"/>
-          </a:ln>
-        </p:spPr>
-        <p:style>
-          <a:lnRef idx="0">
-            <a:scrgbClr r="0" g="0" b="0"/>
-          </a:lnRef>
-          <a:fillRef idx="0">
-            <a:scrgbClr r="0" g="0" b="0"/>
-          </a:fillRef>
-          <a:effectRef idx="0">
-            <a:scrgbClr r="0" g="0" b="0"/>
-          </a:effectRef>
-          <a:fontRef idx="minor">
-            <a:schemeClr val="tx1"/>
-          </a:fontRef>
-        </p:style>
-      </p:cxnSp>
-      <p:cxnSp>
-        <p:nvCxnSpPr>
-          <p:cNvPr id="16" name="Gerade Verbindung mit Pfeil 15">
-            <a:extLst>
-              <a:ext uri="{FF2B5EF4-FFF2-40B4-BE49-F238E27FC236}">
-                <a16:creationId xmlns:a16="http://schemas.microsoft.com/office/drawing/2014/main" id="{57BFBCD0-F6E6-476D-8093-B613206FFC58}"/>
-              </a:ext>
-            </a:extLst>
-          </p:cNvPr>
-          <p:cNvCxnSpPr>
-            <a:cxnSpLocks/>
-          </p:cNvCxnSpPr>
-          <p:nvPr/>
-        </p:nvCxnSpPr>
-        <p:spPr>
-          <a:xfrm flipH="1" flipV="1">
-            <a:off x="8574554" y="1895475"/>
-            <a:ext cx="2477074" cy="705835"/>
-          </a:xfrm>
-          <a:prstGeom prst="straightConnector1">
-            <a:avLst/>
-          </a:prstGeom>
-          <a:ln w="9525" cap="rnd" cmpd="sng" algn="ctr">
-            <a:solidFill>
-              <a:schemeClr val="dk1"/>
-            </a:solidFill>
-            <a:prstDash val="dash"/>
-            <a:round/>
-            <a:headEnd type="none" w="med" len="med"/>
-            <a:tailEnd type="arrow" w="med" len="med"/>
-          </a:ln>
-        </p:spPr>
-        <p:style>
-          <a:lnRef idx="0">
-            <a:scrgbClr r="0" g="0" b="0"/>
-          </a:lnRef>
-          <a:fillRef idx="0">
-            <a:scrgbClr r="0" g="0" b="0"/>
-          </a:fillRef>
-          <a:effectRef idx="0">
-            <a:scrgbClr r="0" g="0" b="0"/>
-          </a:effectRef>
-          <a:fontRef idx="minor">
-            <a:schemeClr val="tx1"/>
-          </a:fontRef>
-        </p:style>
-      </p:cxnSp>
-      <p:cxnSp>
-        <p:nvCxnSpPr>
-          <p:cNvPr id="18" name="Gerade Verbindung mit Pfeil 17">
-            <a:extLst>
-              <a:ext uri="{FF2B5EF4-FFF2-40B4-BE49-F238E27FC236}">
-                <a16:creationId xmlns:a16="http://schemas.microsoft.com/office/drawing/2014/main" id="{FCB91439-15BC-4EAC-9A11-88851AA99612}"/>
-              </a:ext>
-            </a:extLst>
-          </p:cNvPr>
-          <p:cNvCxnSpPr>
-            <a:cxnSpLocks/>
-          </p:cNvCxnSpPr>
-          <p:nvPr/>
-        </p:nvCxnSpPr>
-        <p:spPr>
-          <a:xfrm flipH="1">
-            <a:off x="11067969" y="2601310"/>
-            <a:ext cx="724696" cy="0"/>
-          </a:xfrm>
-          <a:prstGeom prst="straightConnector1">
-            <a:avLst/>
-          </a:prstGeom>
-          <a:ln w="9525" cap="rnd" cmpd="sng" algn="ctr">
-            <a:solidFill>
-              <a:schemeClr val="dk1"/>
-            </a:solidFill>
-            <a:prstDash val="dash"/>
-            <a:round/>
-            <a:headEnd type="none" w="med" len="med"/>
-            <a:tailEnd type="none" w="med" len="med"/>
-          </a:ln>
-        </p:spPr>
-        <p:style>
-          <a:lnRef idx="0">
-            <a:scrgbClr r="0" g="0" b="0"/>
-          </a:lnRef>
-          <a:fillRef idx="0">
-            <a:scrgbClr r="0" g="0" b="0"/>
-          </a:fillRef>
-          <a:effectRef idx="0">
-            <a:scrgbClr r="0" g="0" b="0"/>
-          </a:effectRef>
-          <a:fontRef idx="minor">
-            <a:schemeClr val="tx1"/>
-          </a:fontRef>
-        </p:style>
-      </p:cxnSp>
       <p:sp>
         <p:nvSpPr>
           <p:cNvPr id="4" name="Fußzeilenplatzhalter 3">
@@ -15430,6 +16482,42 @@
           </a:p>
         </p:txBody>
       </p:sp>
+      <p:pic>
+        <p:nvPicPr>
+          <p:cNvPr id="10" name="Grafik 9">
+            <a:extLst>
+              <a:ext uri="{FF2B5EF4-FFF2-40B4-BE49-F238E27FC236}">
+                <a16:creationId xmlns:a16="http://schemas.microsoft.com/office/drawing/2014/main" id="{35D6BBD8-B051-466B-9D1B-9C0021BE7126}"/>
+              </a:ext>
+            </a:extLst>
+          </p:cNvPr>
+          <p:cNvPicPr>
+            <a:picLocks noChangeAspect="1"/>
+          </p:cNvPicPr>
+          <p:nvPr/>
+        </p:nvPicPr>
+        <p:blipFill>
+          <a:blip r:embed="rId3">
+            <a:extLst>
+              <a:ext uri="{28A0092B-C50C-407E-A947-70E740481C1C}">
+                <a14:useLocalDpi xmlns:a14="http://schemas.microsoft.com/office/drawing/2010/main" val="0"/>
+              </a:ext>
+            </a:extLst>
+          </a:blip>
+          <a:stretch>
+            <a:fillRect/>
+          </a:stretch>
+        </p:blipFill>
+        <p:spPr>
+          <a:xfrm>
+            <a:off x="29943" y="1429789"/>
+            <a:ext cx="12165685" cy="4172989"/>
+          </a:xfrm>
+          <a:prstGeom prst="rect">
+            <a:avLst/>
+          </a:prstGeom>
+        </p:spPr>
+      </p:pic>
     </p:spTree>
     <p:extLst>
       <p:ext uri="{BB962C8B-B14F-4D97-AF65-F5344CB8AC3E}">
@@ -15472,12 +16560,87 @@
           <a:chExt cx="0" cy="0"/>
         </a:xfrm>
       </p:grpSpPr>
+      <p:sp>
+        <p:nvSpPr>
+          <p:cNvPr id="3" name="Fußzeilenplatzhalter 2">
+            <a:extLst>
+              <a:ext uri="{FF2B5EF4-FFF2-40B4-BE49-F238E27FC236}">
+                <a16:creationId xmlns:a16="http://schemas.microsoft.com/office/drawing/2014/main" id="{ECC8C876-7675-44C6-8F15-A96B0FA26B44}"/>
+              </a:ext>
+            </a:extLst>
+          </p:cNvPr>
+          <p:cNvSpPr>
+            <a:spLocks noGrp="1"/>
+          </p:cNvSpPr>
+          <p:nvPr>
+            <p:ph type="ftr" sz="quarter" idx="11"/>
+          </p:nvPr>
+        </p:nvSpPr>
+        <p:spPr/>
+        <p:txBody>
+          <a:bodyPr/>
+          <a:lstStyle/>
+          <a:p>
+            <a:r>
+              <a:rPr lang="de-DE" dirty="0">
+                <a:latin typeface="Aharoni" panose="02010803020104030203" pitchFamily="2" charset="-79"/>
+                <a:cs typeface="Aharoni" panose="02010803020104030203" pitchFamily="2" charset="-79"/>
+              </a:rPr>
+              <a:t>Alb-</a:t>
+            </a:r>
+            <a:r>
+              <a:rPr lang="de-DE" dirty="0" err="1">
+                <a:latin typeface="Aharoni" panose="02010803020104030203" pitchFamily="2" charset="-79"/>
+                <a:cs typeface="Aharoni" panose="02010803020104030203" pitchFamily="2" charset="-79"/>
+              </a:rPr>
+              <a:t>Brau</a:t>
+            </a:r>
+            <a:r>
+              <a:rPr lang="de-DE" dirty="0">
+                <a:latin typeface="Aharoni" panose="02010803020104030203" pitchFamily="2" charset="-79"/>
+                <a:cs typeface="Aharoni" panose="02010803020104030203" pitchFamily="2" charset="-79"/>
+              </a:rPr>
+              <a:t> Consulting AG</a:t>
+            </a:r>
+            <a:endParaRPr lang="de-DE" dirty="0"/>
+          </a:p>
+        </p:txBody>
+      </p:sp>
+      <p:sp>
+        <p:nvSpPr>
+          <p:cNvPr id="4" name="Foliennummernplatzhalter 3">
+            <a:extLst>
+              <a:ext uri="{FF2B5EF4-FFF2-40B4-BE49-F238E27FC236}">
+                <a16:creationId xmlns:a16="http://schemas.microsoft.com/office/drawing/2014/main" id="{E377D0C8-CA03-4C05-A568-C309D7F222C6}"/>
+              </a:ext>
+            </a:extLst>
+          </p:cNvPr>
+          <p:cNvSpPr>
+            <a:spLocks noGrp="1"/>
+          </p:cNvSpPr>
+          <p:nvPr>
+            <p:ph type="sldNum" sz="quarter" idx="12"/>
+          </p:nvPr>
+        </p:nvSpPr>
+        <p:spPr/>
+        <p:txBody>
+          <a:bodyPr/>
+          <a:lstStyle/>
+          <a:p>
+            <a:fld id="{E2B3C6FC-26FA-4D7E-AC88-A939C9C27DF5}" type="slidenum">
+              <a:rPr lang="de-DE" smtClean="0"/>
+              <a:t>7</a:t>
+            </a:fld>
+            <a:endParaRPr lang="de-DE"/>
+          </a:p>
+        </p:txBody>
+      </p:sp>
       <p:pic>
         <p:nvPicPr>
-          <p:cNvPr id="5" name="Grafik 4">
+          <p:cNvPr id="7" name="Grafik 6">
             <a:extLst>
               <a:ext uri="{FF2B5EF4-FFF2-40B4-BE49-F238E27FC236}">
-                <a16:creationId xmlns:a16="http://schemas.microsoft.com/office/drawing/2014/main" id="{101BC3BC-A272-42FD-83C7-24339DAC4235}"/>
+                <a16:creationId xmlns:a16="http://schemas.microsoft.com/office/drawing/2014/main" id="{B611E64C-3DEF-46CA-B0FE-5F32C5CE7244}"/>
               </a:ext>
             </a:extLst>
           </p:cNvPr>
@@ -15486,7 +16649,7 @@
           </p:cNvPicPr>
           <p:nvPr/>
         </p:nvPicPr>
-        <p:blipFill rotWithShape="1">
+        <p:blipFill>
           <a:blip r:embed="rId2">
             <a:extLst>
               <a:ext uri="{28A0092B-C50C-407E-A947-70E740481C1C}">
@@ -15494,13 +16657,14 @@
               </a:ext>
             </a:extLst>
           </a:blip>
-          <a:srcRect l="-990" t="-21750" r="990" b="40213"/>
-          <a:stretch/>
+          <a:stretch>
+            <a:fillRect/>
+          </a:stretch>
         </p:blipFill>
         <p:spPr>
           <a:xfrm>
-            <a:off x="198783" y="747045"/>
-            <a:ext cx="11625285" cy="4373596"/>
+            <a:off x="946136" y="847898"/>
+            <a:ext cx="10299727" cy="5463979"/>
           </a:xfrm>
           <a:prstGeom prst="rect">
             <a:avLst/>
@@ -15525,182 +16689,13 @@
         </p:nvSpPr>
         <p:spPr/>
         <p:txBody>
-          <a:bodyPr/>
+          <a:bodyPr anchor="t"/>
           <a:lstStyle/>
           <a:p>
             <a:r>
               <a:rPr lang="de-DE" dirty="0"/>
               <a:t>BPMN Diagramm</a:t>
             </a:r>
-          </a:p>
-        </p:txBody>
-      </p:sp>
-      <p:cxnSp>
-        <p:nvCxnSpPr>
-          <p:cNvPr id="11" name="Gerade Verbindung mit Pfeil 10">
-            <a:extLst>
-              <a:ext uri="{FF2B5EF4-FFF2-40B4-BE49-F238E27FC236}">
-                <a16:creationId xmlns:a16="http://schemas.microsoft.com/office/drawing/2014/main" id="{029E55C0-3341-44A4-B1F0-855160B93B7A}"/>
-              </a:ext>
-            </a:extLst>
-          </p:cNvPr>
-          <p:cNvCxnSpPr>
-            <a:cxnSpLocks/>
-          </p:cNvCxnSpPr>
-          <p:nvPr/>
-        </p:nvCxnSpPr>
-        <p:spPr>
-          <a:xfrm flipV="1">
-            <a:off x="4688189" y="3263464"/>
-            <a:ext cx="0" cy="536026"/>
-          </a:xfrm>
-          <a:prstGeom prst="straightConnector1">
-            <a:avLst/>
-          </a:prstGeom>
-          <a:ln w="9525" cap="rnd" cmpd="sng" algn="ctr">
-            <a:solidFill>
-              <a:schemeClr val="dk1"/>
-            </a:solidFill>
-            <a:prstDash val="dash"/>
-            <a:round/>
-            <a:headEnd type="none" w="med" len="med"/>
-            <a:tailEnd type="none" w="med" len="med"/>
-          </a:ln>
-        </p:spPr>
-        <p:style>
-          <a:lnRef idx="0">
-            <a:scrgbClr r="0" g="0" b="0"/>
-          </a:lnRef>
-          <a:fillRef idx="0">
-            <a:scrgbClr r="0" g="0" b="0"/>
-          </a:fillRef>
-          <a:effectRef idx="0">
-            <a:scrgbClr r="0" g="0" b="0"/>
-          </a:effectRef>
-          <a:fontRef idx="minor">
-            <a:schemeClr val="tx1"/>
-          </a:fontRef>
-        </p:style>
-      </p:cxnSp>
-      <p:cxnSp>
-        <p:nvCxnSpPr>
-          <p:cNvPr id="15" name="Gerade Verbindung mit Pfeil 14">
-            <a:extLst>
-              <a:ext uri="{FF2B5EF4-FFF2-40B4-BE49-F238E27FC236}">
-                <a16:creationId xmlns:a16="http://schemas.microsoft.com/office/drawing/2014/main" id="{51EB9300-C011-45A8-B043-2DC60294433A}"/>
-              </a:ext>
-            </a:extLst>
-          </p:cNvPr>
-          <p:cNvCxnSpPr>
-            <a:cxnSpLocks/>
-          </p:cNvCxnSpPr>
-          <p:nvPr/>
-        </p:nvCxnSpPr>
-        <p:spPr>
-          <a:xfrm flipH="1">
-            <a:off x="367932" y="3263462"/>
-            <a:ext cx="4320257" cy="1"/>
-          </a:xfrm>
-          <a:prstGeom prst="straightConnector1">
-            <a:avLst/>
-          </a:prstGeom>
-          <a:ln w="9525" cap="flat" cmpd="sng" algn="ctr">
-            <a:solidFill>
-              <a:schemeClr val="dk1"/>
-            </a:solidFill>
-            <a:prstDash val="dash"/>
-            <a:round/>
-            <a:headEnd type="none" w="med" len="med"/>
-            <a:tailEnd type="none" w="med" len="med"/>
-          </a:ln>
-        </p:spPr>
-        <p:style>
-          <a:lnRef idx="0">
-            <a:scrgbClr r="0" g="0" b="0"/>
-          </a:lnRef>
-          <a:fillRef idx="0">
-            <a:scrgbClr r="0" g="0" b="0"/>
-          </a:fillRef>
-          <a:effectRef idx="0">
-            <a:scrgbClr r="0" g="0" b="0"/>
-          </a:effectRef>
-          <a:fontRef idx="minor">
-            <a:schemeClr val="tx1"/>
-          </a:fontRef>
-        </p:style>
-      </p:cxnSp>
-      <p:sp>
-        <p:nvSpPr>
-          <p:cNvPr id="3" name="Fußzeilenplatzhalter 2">
-            <a:extLst>
-              <a:ext uri="{FF2B5EF4-FFF2-40B4-BE49-F238E27FC236}">
-                <a16:creationId xmlns:a16="http://schemas.microsoft.com/office/drawing/2014/main" id="{ECC8C876-7675-44C6-8F15-A96B0FA26B44}"/>
-              </a:ext>
-            </a:extLst>
-          </p:cNvPr>
-          <p:cNvSpPr>
-            <a:spLocks noGrp="1"/>
-          </p:cNvSpPr>
-          <p:nvPr>
-            <p:ph type="ftr" sz="quarter" idx="11"/>
-          </p:nvPr>
-        </p:nvSpPr>
-        <p:spPr/>
-        <p:txBody>
-          <a:bodyPr/>
-          <a:lstStyle/>
-          <a:p>
-            <a:r>
-              <a:rPr lang="de-DE" dirty="0">
-                <a:latin typeface="Aharoni" panose="02010803020104030203" pitchFamily="2" charset="-79"/>
-                <a:cs typeface="Aharoni" panose="02010803020104030203" pitchFamily="2" charset="-79"/>
-              </a:rPr>
-              <a:t>Alb-</a:t>
-            </a:r>
-            <a:r>
-              <a:rPr lang="de-DE" dirty="0" err="1">
-                <a:latin typeface="Aharoni" panose="02010803020104030203" pitchFamily="2" charset="-79"/>
-                <a:cs typeface="Aharoni" panose="02010803020104030203" pitchFamily="2" charset="-79"/>
-              </a:rPr>
-              <a:t>Brau</a:t>
-            </a:r>
-            <a:r>
-              <a:rPr lang="de-DE" dirty="0">
-                <a:latin typeface="Aharoni" panose="02010803020104030203" pitchFamily="2" charset="-79"/>
-                <a:cs typeface="Aharoni" panose="02010803020104030203" pitchFamily="2" charset="-79"/>
-              </a:rPr>
-              <a:t> Consulting AG</a:t>
-            </a:r>
-            <a:endParaRPr lang="de-DE" dirty="0"/>
-          </a:p>
-        </p:txBody>
-      </p:sp>
-      <p:sp>
-        <p:nvSpPr>
-          <p:cNvPr id="4" name="Foliennummernplatzhalter 3">
-            <a:extLst>
-              <a:ext uri="{FF2B5EF4-FFF2-40B4-BE49-F238E27FC236}">
-                <a16:creationId xmlns:a16="http://schemas.microsoft.com/office/drawing/2014/main" id="{E377D0C8-CA03-4C05-A568-C309D7F222C6}"/>
-              </a:ext>
-            </a:extLst>
-          </p:cNvPr>
-          <p:cNvSpPr>
-            <a:spLocks noGrp="1"/>
-          </p:cNvSpPr>
-          <p:nvPr>
-            <p:ph type="sldNum" sz="quarter" idx="12"/>
-          </p:nvPr>
-        </p:nvSpPr>
-        <p:spPr/>
-        <p:txBody>
-          <a:bodyPr/>
-          <a:lstStyle/>
-          <a:p>
-            <a:fld id="{E2B3C6FC-26FA-4D7E-AC88-A939C9C27DF5}" type="slidenum">
-              <a:rPr lang="de-DE" smtClean="0"/>
-              <a:t>7</a:t>
-            </a:fld>
-            <a:endParaRPr lang="de-DE"/>
           </a:p>
         </p:txBody>
       </p:sp>
@@ -15751,7 +16746,7 @@
           <p:cNvPr id="2" name="Titel 1">
             <a:extLst>
               <a:ext uri="{FF2B5EF4-FFF2-40B4-BE49-F238E27FC236}">
-                <a16:creationId xmlns:a16="http://schemas.microsoft.com/office/drawing/2014/main" id="{EBA85F54-63E7-42CF-B18F-7EE29DE838DE}"/>
+                <a16:creationId xmlns:a16="http://schemas.microsoft.com/office/drawing/2014/main" id="{757E532A-AA56-4528-80D1-FFE571B09F00}"/>
               </a:ext>
             </a:extLst>
           </p:cNvPr>
@@ -15764,776 +16759,22 @@
         </p:nvSpPr>
         <p:spPr/>
         <p:txBody>
-          <a:bodyPr>
-            <a:normAutofit/>
-          </a:bodyPr>
+          <a:bodyPr anchor="t"/>
           <a:lstStyle/>
           <a:p>
-            <a:pPr algn="ctr"/>
             <a:r>
               <a:rPr lang="de-DE" dirty="0"/>
-              <a:t>Work Breakdown Structure</a:t>
+              <a:t>BPMN Diagramm</a:t>
             </a:r>
           </a:p>
         </p:txBody>
       </p:sp>
       <p:sp>
         <p:nvSpPr>
-          <p:cNvPr id="5" name="Rechteck: abgerundete Ecken 4">
+          <p:cNvPr id="4" name="Fußzeilenplatzhalter 3">
             <a:extLst>
               <a:ext uri="{FF2B5EF4-FFF2-40B4-BE49-F238E27FC236}">
-                <a16:creationId xmlns:a16="http://schemas.microsoft.com/office/drawing/2014/main" id="{D05F816A-C7C1-49BE-ADE5-3D33CBD35610}"/>
-              </a:ext>
-            </a:extLst>
-          </p:cNvPr>
-          <p:cNvSpPr/>
-          <p:nvPr/>
-        </p:nvSpPr>
-        <p:spPr>
-          <a:xfrm>
-            <a:off x="7154107" y="1849884"/>
-            <a:ext cx="1275475" cy="570381"/>
-          </a:xfrm>
-          <a:prstGeom prst="roundRect">
-            <a:avLst/>
-          </a:prstGeom>
-          <a:ln>
-            <a:noFill/>
-          </a:ln>
-        </p:spPr>
-        <p:style>
-          <a:lnRef idx="1">
-            <a:schemeClr val="accent1"/>
-          </a:lnRef>
-          <a:fillRef idx="2">
-            <a:schemeClr val="accent1"/>
-          </a:fillRef>
-          <a:effectRef idx="1">
-            <a:schemeClr val="accent1"/>
-          </a:effectRef>
-          <a:fontRef idx="minor">
-            <a:schemeClr val="dk1"/>
-          </a:fontRef>
-        </p:style>
-        <p:txBody>
-          <a:bodyPr rtlCol="0" anchor="ctr"/>
-          <a:lstStyle/>
-          <a:p>
-            <a:pPr algn="ctr"/>
-            <a:r>
-              <a:rPr lang="de-DE" b="1" dirty="0" err="1">
-                <a:solidFill>
-                  <a:schemeClr val="bg1"/>
-                </a:solidFill>
-              </a:rPr>
-              <a:t>Testing</a:t>
-            </a:r>
-            <a:endParaRPr lang="de-DE" b="1" dirty="0">
-              <a:solidFill>
-                <a:schemeClr val="bg1"/>
-              </a:solidFill>
-            </a:endParaRPr>
-          </a:p>
-        </p:txBody>
-      </p:sp>
-      <p:sp>
-        <p:nvSpPr>
-          <p:cNvPr id="6" name="Rechteck: abgerundete Ecken 5">
-            <a:extLst>
-              <a:ext uri="{FF2B5EF4-FFF2-40B4-BE49-F238E27FC236}">
-                <a16:creationId xmlns:a16="http://schemas.microsoft.com/office/drawing/2014/main" id="{2748357F-DA3C-4365-B39A-A2797DCE49EB}"/>
-              </a:ext>
-            </a:extLst>
-          </p:cNvPr>
-          <p:cNvSpPr/>
-          <p:nvPr/>
-        </p:nvSpPr>
-        <p:spPr>
-          <a:xfrm>
-            <a:off x="994281" y="1849882"/>
-            <a:ext cx="1405616" cy="614525"/>
-          </a:xfrm>
-          <a:prstGeom prst="roundRect">
-            <a:avLst/>
-          </a:prstGeom>
-          <a:ln>
-            <a:noFill/>
-          </a:ln>
-        </p:spPr>
-        <p:style>
-          <a:lnRef idx="1">
-            <a:schemeClr val="accent1"/>
-          </a:lnRef>
-          <a:fillRef idx="2">
-            <a:schemeClr val="accent1"/>
-          </a:fillRef>
-          <a:effectRef idx="1">
-            <a:schemeClr val="accent1"/>
-          </a:effectRef>
-          <a:fontRef idx="minor">
-            <a:schemeClr val="dk1"/>
-          </a:fontRef>
-        </p:style>
-        <p:txBody>
-          <a:bodyPr rtlCol="0" anchor="ctr"/>
-          <a:lstStyle/>
-          <a:p>
-            <a:pPr algn="ctr"/>
-            <a:r>
-              <a:rPr lang="de-DE" sz="1400" b="1" dirty="0" err="1">
-                <a:solidFill>
-                  <a:schemeClr val="bg1"/>
-                </a:solidFill>
-              </a:rPr>
-              <a:t>Developement</a:t>
-            </a:r>
-            <a:endParaRPr lang="de-DE" sz="1400" b="1" dirty="0">
-              <a:solidFill>
-                <a:schemeClr val="bg1"/>
-              </a:solidFill>
-            </a:endParaRPr>
-          </a:p>
-        </p:txBody>
-      </p:sp>
-      <p:sp>
-        <p:nvSpPr>
-          <p:cNvPr id="8" name="Rechteck: abgerundete Ecken 7">
-            <a:extLst>
-              <a:ext uri="{FF2B5EF4-FFF2-40B4-BE49-F238E27FC236}">
-                <a16:creationId xmlns:a16="http://schemas.microsoft.com/office/drawing/2014/main" id="{25C6A291-E902-4178-AD51-613DEEC5CEC3}"/>
-              </a:ext>
-            </a:extLst>
-          </p:cNvPr>
-          <p:cNvSpPr/>
-          <p:nvPr/>
-        </p:nvSpPr>
-        <p:spPr>
-          <a:xfrm>
-            <a:off x="9777716" y="1871954"/>
-            <a:ext cx="1155895" cy="570381"/>
-          </a:xfrm>
-          <a:prstGeom prst="roundRect">
-            <a:avLst/>
-          </a:prstGeom>
-          <a:ln>
-            <a:noFill/>
-          </a:ln>
-        </p:spPr>
-        <p:style>
-          <a:lnRef idx="1">
-            <a:schemeClr val="accent1"/>
-          </a:lnRef>
-          <a:fillRef idx="2">
-            <a:schemeClr val="accent1"/>
-          </a:fillRef>
-          <a:effectRef idx="1">
-            <a:schemeClr val="accent1"/>
-          </a:effectRef>
-          <a:fontRef idx="minor">
-            <a:schemeClr val="dk1"/>
-          </a:fontRef>
-        </p:style>
-        <p:txBody>
-          <a:bodyPr rtlCol="0" anchor="ctr"/>
-          <a:lstStyle/>
-          <a:p>
-            <a:pPr algn="ctr"/>
-            <a:r>
-              <a:rPr lang="de-DE" b="1" dirty="0">
-                <a:solidFill>
-                  <a:schemeClr val="bg1"/>
-                </a:solidFill>
-              </a:rPr>
-              <a:t>Support</a:t>
-            </a:r>
-          </a:p>
-        </p:txBody>
-      </p:sp>
-      <p:sp>
-        <p:nvSpPr>
-          <p:cNvPr id="9" name="Rechteck 8">
-            <a:extLst>
-              <a:ext uri="{FF2B5EF4-FFF2-40B4-BE49-F238E27FC236}">
-                <a16:creationId xmlns:a16="http://schemas.microsoft.com/office/drawing/2014/main" id="{6E6E176E-2C0C-4FEF-AFBC-F5E07926AEFE}"/>
-              </a:ext>
-            </a:extLst>
-          </p:cNvPr>
-          <p:cNvSpPr/>
-          <p:nvPr/>
-        </p:nvSpPr>
-        <p:spPr>
-          <a:xfrm>
-            <a:off x="410437" y="2464409"/>
-            <a:ext cx="3091126" cy="4197677"/>
-          </a:xfrm>
-          <a:prstGeom prst="rect">
-            <a:avLst/>
-          </a:prstGeom>
-          <a:noFill/>
-          <a:ln>
-            <a:noFill/>
-          </a:ln>
-        </p:spPr>
-        <p:style>
-          <a:lnRef idx="2">
-            <a:schemeClr val="accent1">
-              <a:shade val="50000"/>
-            </a:schemeClr>
-          </a:lnRef>
-          <a:fillRef idx="1">
-            <a:schemeClr val="accent1"/>
-          </a:fillRef>
-          <a:effectRef idx="0">
-            <a:schemeClr val="accent1"/>
-          </a:effectRef>
-          <a:fontRef idx="minor">
-            <a:schemeClr val="lt1"/>
-          </a:fontRef>
-        </p:style>
-        <p:txBody>
-          <a:bodyPr rtlCol="0" anchor="t"/>
-          <a:lstStyle/>
-          <a:p>
-            <a:pPr marL="285750" indent="-285750">
-              <a:buFont typeface="Arial" panose="020B0604020202020204" pitchFamily="34" charset="0"/>
-              <a:buChar char="•"/>
-            </a:pPr>
-            <a:r>
-              <a:rPr lang="de-DE" sz="1400" dirty="0">
-                <a:solidFill>
-                  <a:schemeClr val="tx1"/>
-                </a:solidFill>
-              </a:rPr>
-              <a:t>MQTT Server programmieren</a:t>
-            </a:r>
-          </a:p>
-          <a:p>
-            <a:pPr marL="285750" indent="-285750">
-              <a:buFont typeface="Arial" panose="020B0604020202020204" pitchFamily="34" charset="0"/>
-              <a:buChar char="•"/>
-            </a:pPr>
-            <a:r>
-              <a:rPr lang="de-DE" sz="1400" dirty="0">
-                <a:solidFill>
-                  <a:schemeClr val="tx1"/>
-                </a:solidFill>
-              </a:rPr>
-              <a:t>Rezepte in SAP einpflegen </a:t>
-            </a:r>
-          </a:p>
-          <a:p>
-            <a:pPr marL="285750" indent="-285750">
-              <a:buFont typeface="Arial" panose="020B0604020202020204" pitchFamily="34" charset="0"/>
-              <a:buChar char="•"/>
-            </a:pPr>
-            <a:r>
-              <a:rPr lang="de-DE" sz="1400" dirty="0">
-                <a:solidFill>
-                  <a:schemeClr val="tx1"/>
-                </a:solidFill>
-              </a:rPr>
-              <a:t>Schnittstelle für Pflanzenanbau schaffen</a:t>
-            </a:r>
-          </a:p>
-          <a:p>
-            <a:pPr marL="285750" indent="-285750">
-              <a:buFont typeface="Arial" panose="020B0604020202020204" pitchFamily="34" charset="0"/>
-              <a:buChar char="•"/>
-            </a:pPr>
-            <a:r>
-              <a:rPr lang="de-DE" sz="1400" dirty="0">
-                <a:solidFill>
-                  <a:schemeClr val="tx1"/>
-                </a:solidFill>
-              </a:rPr>
-              <a:t>Schnittstelle für </a:t>
-            </a:r>
-            <a:r>
-              <a:rPr lang="de-DE" sz="1400" dirty="0" err="1">
-                <a:solidFill>
-                  <a:schemeClr val="tx1"/>
-                </a:solidFill>
-              </a:rPr>
-              <a:t>Conditioning</a:t>
-            </a:r>
-            <a:r>
-              <a:rPr lang="de-DE" sz="1400" dirty="0">
-                <a:solidFill>
-                  <a:schemeClr val="tx1"/>
-                </a:solidFill>
-              </a:rPr>
-              <a:t> Monitoring</a:t>
-            </a:r>
-          </a:p>
-          <a:p>
-            <a:pPr marL="285750" indent="-285750">
-              <a:buFont typeface="Arial" panose="020B0604020202020204" pitchFamily="34" charset="0"/>
-              <a:buChar char="•"/>
-            </a:pPr>
-            <a:r>
-              <a:rPr lang="de-DE" sz="1400" dirty="0">
-                <a:solidFill>
-                  <a:schemeClr val="tx1"/>
-                </a:solidFill>
-              </a:rPr>
-              <a:t>SAP programmieren</a:t>
-            </a:r>
-          </a:p>
-          <a:p>
-            <a:pPr marL="285750" indent="-285750">
-              <a:buFont typeface="Arial" panose="020B0604020202020204" pitchFamily="34" charset="0"/>
-              <a:buChar char="•"/>
-            </a:pPr>
-            <a:r>
-              <a:rPr lang="de-DE" sz="1400" dirty="0">
-                <a:solidFill>
-                  <a:schemeClr val="tx1"/>
-                </a:solidFill>
-              </a:rPr>
-              <a:t>SAP Schnittstelle für die Sensoren </a:t>
-            </a:r>
-          </a:p>
-          <a:p>
-            <a:pPr marL="285750" indent="-285750">
-              <a:buFont typeface="Arial" panose="020B0604020202020204" pitchFamily="34" charset="0"/>
-              <a:buChar char="•"/>
-            </a:pPr>
-            <a:r>
-              <a:rPr lang="de-DE" sz="1400" dirty="0">
-                <a:solidFill>
-                  <a:schemeClr val="tx1"/>
-                </a:solidFill>
-              </a:rPr>
-              <a:t>RFID Kennzeichnung (pro Auftrag) erzeugen</a:t>
-            </a:r>
-          </a:p>
-          <a:p>
-            <a:pPr marL="285750" indent="-285750">
-              <a:buFont typeface="Arial" panose="020B0604020202020204" pitchFamily="34" charset="0"/>
-              <a:buChar char="•"/>
-            </a:pPr>
-            <a:r>
-              <a:rPr lang="de-DE" sz="1400" dirty="0">
-                <a:solidFill>
-                  <a:schemeClr val="tx1"/>
-                </a:solidFill>
-              </a:rPr>
-              <a:t>Sensoren anbinden und konfigurieren</a:t>
-            </a:r>
-          </a:p>
-          <a:p>
-            <a:pPr marL="285750" indent="-285750">
-              <a:buFont typeface="Arial" panose="020B0604020202020204" pitchFamily="34" charset="0"/>
-              <a:buChar char="•"/>
-            </a:pPr>
-            <a:r>
-              <a:rPr lang="de-DE" sz="1400" dirty="0">
-                <a:solidFill>
-                  <a:schemeClr val="tx1"/>
-                </a:solidFill>
-              </a:rPr>
-              <a:t>Aktoren anbinden und konfigurieren</a:t>
-            </a:r>
-          </a:p>
-          <a:p>
-            <a:pPr marL="285750" indent="-285750">
-              <a:buFont typeface="Arial" panose="020B0604020202020204" pitchFamily="34" charset="0"/>
-              <a:buChar char="•"/>
-            </a:pPr>
-            <a:r>
-              <a:rPr lang="de-DE" sz="1400" dirty="0">
-                <a:solidFill>
-                  <a:schemeClr val="tx1"/>
-                </a:solidFill>
-              </a:rPr>
-              <a:t>SPS programmieren und anbinden</a:t>
-            </a:r>
-          </a:p>
-          <a:p>
-            <a:pPr marL="285750" indent="-285750">
-              <a:buFont typeface="Arial" panose="020B0604020202020204" pitchFamily="34" charset="0"/>
-              <a:buChar char="•"/>
-            </a:pPr>
-            <a:r>
-              <a:rPr lang="de-DE" sz="1400" dirty="0">
-                <a:solidFill>
-                  <a:schemeClr val="tx1"/>
-                </a:solidFill>
-              </a:rPr>
-              <a:t>Gateway aufsetzen </a:t>
-            </a:r>
-          </a:p>
-        </p:txBody>
-      </p:sp>
-      <p:sp>
-        <p:nvSpPr>
-          <p:cNvPr id="31" name="Rechteck: abgerundete Ecken 30">
-            <a:extLst>
-              <a:ext uri="{FF2B5EF4-FFF2-40B4-BE49-F238E27FC236}">
-                <a16:creationId xmlns:a16="http://schemas.microsoft.com/office/drawing/2014/main" id="{0C03E21E-2FD8-44A6-AE66-1AFAE12DD2D5}"/>
-              </a:ext>
-            </a:extLst>
-          </p:cNvPr>
-          <p:cNvSpPr/>
-          <p:nvPr/>
-        </p:nvSpPr>
-        <p:spPr>
-          <a:xfrm>
-            <a:off x="4465455" y="1849883"/>
-            <a:ext cx="1275475" cy="570382"/>
-          </a:xfrm>
-          <a:prstGeom prst="roundRect">
-            <a:avLst/>
-          </a:prstGeom>
-          <a:ln>
-            <a:noFill/>
-          </a:ln>
-        </p:spPr>
-        <p:style>
-          <a:lnRef idx="1">
-            <a:schemeClr val="accent1"/>
-          </a:lnRef>
-          <a:fillRef idx="2">
-            <a:schemeClr val="accent1"/>
-          </a:fillRef>
-          <a:effectRef idx="1">
-            <a:schemeClr val="accent1"/>
-          </a:effectRef>
-          <a:fontRef idx="minor">
-            <a:schemeClr val="dk1"/>
-          </a:fontRef>
-        </p:style>
-        <p:txBody>
-          <a:bodyPr rtlCol="0" anchor="ctr"/>
-          <a:lstStyle/>
-          <a:p>
-            <a:pPr algn="ctr"/>
-            <a:r>
-              <a:rPr lang="de-DE" sz="1400" b="1" dirty="0">
-                <a:solidFill>
-                  <a:schemeClr val="bg1"/>
-                </a:solidFill>
-              </a:rPr>
-              <a:t>Projekt-</a:t>
-            </a:r>
-          </a:p>
-          <a:p>
-            <a:pPr algn="ctr"/>
-            <a:r>
-              <a:rPr lang="de-DE" sz="1400" b="1" dirty="0" err="1">
-                <a:solidFill>
-                  <a:schemeClr val="bg1"/>
-                </a:solidFill>
-              </a:rPr>
-              <a:t>management</a:t>
-            </a:r>
-            <a:endParaRPr lang="de-DE" sz="1400" b="1" dirty="0">
-              <a:solidFill>
-                <a:schemeClr val="bg1"/>
-              </a:solidFill>
-            </a:endParaRPr>
-          </a:p>
-        </p:txBody>
-      </p:sp>
-      <p:sp>
-        <p:nvSpPr>
-          <p:cNvPr id="26" name="Rechteck 25">
-            <a:extLst>
-              <a:ext uri="{FF2B5EF4-FFF2-40B4-BE49-F238E27FC236}">
-                <a16:creationId xmlns:a16="http://schemas.microsoft.com/office/drawing/2014/main" id="{CA1B537E-5B48-4DFB-9BEA-6D3128E34427}"/>
-              </a:ext>
-            </a:extLst>
-          </p:cNvPr>
-          <p:cNvSpPr/>
-          <p:nvPr/>
-        </p:nvSpPr>
-        <p:spPr>
-          <a:xfrm>
-            <a:off x="3813074" y="2464409"/>
-            <a:ext cx="3091126" cy="4197677"/>
-          </a:xfrm>
-          <a:prstGeom prst="rect">
-            <a:avLst/>
-          </a:prstGeom>
-          <a:noFill/>
-          <a:ln>
-            <a:noFill/>
-          </a:ln>
-        </p:spPr>
-        <p:style>
-          <a:lnRef idx="2">
-            <a:schemeClr val="accent1">
-              <a:shade val="50000"/>
-            </a:schemeClr>
-          </a:lnRef>
-          <a:fillRef idx="1">
-            <a:schemeClr val="accent1"/>
-          </a:fillRef>
-          <a:effectRef idx="0">
-            <a:schemeClr val="accent1"/>
-          </a:effectRef>
-          <a:fontRef idx="minor">
-            <a:schemeClr val="lt1"/>
-          </a:fontRef>
-        </p:style>
-        <p:txBody>
-          <a:bodyPr rtlCol="0" anchor="t"/>
-          <a:lstStyle/>
-          <a:p>
-            <a:pPr marL="285750" indent="-285750">
-              <a:buFont typeface="Arial" panose="020B0604020202020204" pitchFamily="34" charset="0"/>
-              <a:buChar char="•"/>
-            </a:pPr>
-            <a:r>
-              <a:rPr lang="de-DE" sz="1400" dirty="0">
-                <a:solidFill>
-                  <a:schemeClr val="tx1"/>
-                </a:solidFill>
-              </a:rPr>
-              <a:t>Kommunikationsplan des </a:t>
-            </a:r>
-            <a:br>
-              <a:rPr lang="de-DE" sz="1400" dirty="0">
-                <a:solidFill>
-                  <a:schemeClr val="tx1"/>
-                </a:solidFill>
-              </a:rPr>
-            </a:br>
-            <a:r>
-              <a:rPr lang="de-DE" sz="1400" dirty="0">
-                <a:solidFill>
-                  <a:schemeClr val="tx1"/>
-                </a:solidFill>
-              </a:rPr>
-              <a:t>Systems erstellen</a:t>
-            </a:r>
-          </a:p>
-          <a:p>
-            <a:pPr marL="285750" indent="-285750">
-              <a:buFont typeface="Arial" panose="020B0604020202020204" pitchFamily="34" charset="0"/>
-              <a:buChar char="•"/>
-            </a:pPr>
-            <a:r>
-              <a:rPr lang="de-DE" sz="1400" dirty="0">
-                <a:solidFill>
-                  <a:schemeClr val="tx1"/>
-                </a:solidFill>
-              </a:rPr>
-              <a:t>Aktivitätsplan und Verteilung </a:t>
-            </a:r>
-          </a:p>
-          <a:p>
-            <a:pPr marL="285750" indent="-285750">
-              <a:buFont typeface="Arial" panose="020B0604020202020204" pitchFamily="34" charset="0"/>
-              <a:buChar char="•"/>
-            </a:pPr>
-            <a:r>
-              <a:rPr lang="de-DE" sz="1400" dirty="0">
-                <a:solidFill>
-                  <a:schemeClr val="tx1"/>
-                </a:solidFill>
-              </a:rPr>
-              <a:t>Kommunikation mit Braumeister</a:t>
-            </a:r>
-          </a:p>
-          <a:p>
-            <a:pPr marL="285750" indent="-285750">
-              <a:buFont typeface="Arial" panose="020B0604020202020204" pitchFamily="34" charset="0"/>
-              <a:buChar char="•"/>
-            </a:pPr>
-            <a:r>
-              <a:rPr lang="de-DE" sz="1400" dirty="0">
-                <a:solidFill>
-                  <a:schemeClr val="tx1"/>
-                </a:solidFill>
-              </a:rPr>
-              <a:t>Kommunikation mit anderen Gruppen</a:t>
-            </a:r>
-          </a:p>
-          <a:p>
-            <a:pPr marL="285750" indent="-285750">
-              <a:buFont typeface="Arial" panose="020B0604020202020204" pitchFamily="34" charset="0"/>
-              <a:buChar char="•"/>
-            </a:pPr>
-            <a:r>
-              <a:rPr lang="de-DE" sz="1400" dirty="0">
-                <a:solidFill>
-                  <a:schemeClr val="tx1"/>
-                </a:solidFill>
-              </a:rPr>
-              <a:t>Überprüfung der Ziele und mögliche Anpassung des Projektplans</a:t>
-            </a:r>
-          </a:p>
-        </p:txBody>
-      </p:sp>
-      <p:sp>
-        <p:nvSpPr>
-          <p:cNvPr id="30" name="Rechteck 29">
-            <a:extLst>
-              <a:ext uri="{FF2B5EF4-FFF2-40B4-BE49-F238E27FC236}">
-                <a16:creationId xmlns:a16="http://schemas.microsoft.com/office/drawing/2014/main" id="{C80BE056-2216-419E-A5EA-0CCEEE7AC3B1}"/>
-              </a:ext>
-            </a:extLst>
-          </p:cNvPr>
-          <p:cNvSpPr/>
-          <p:nvPr/>
-        </p:nvSpPr>
-        <p:spPr>
-          <a:xfrm>
-            <a:off x="6686590" y="2464410"/>
-            <a:ext cx="3091126" cy="4197677"/>
-          </a:xfrm>
-          <a:prstGeom prst="rect">
-            <a:avLst/>
-          </a:prstGeom>
-          <a:noFill/>
-          <a:ln>
-            <a:noFill/>
-          </a:ln>
-        </p:spPr>
-        <p:style>
-          <a:lnRef idx="2">
-            <a:schemeClr val="accent1">
-              <a:shade val="50000"/>
-            </a:schemeClr>
-          </a:lnRef>
-          <a:fillRef idx="1">
-            <a:schemeClr val="accent1"/>
-          </a:fillRef>
-          <a:effectRef idx="0">
-            <a:schemeClr val="accent1"/>
-          </a:effectRef>
-          <a:fontRef idx="minor">
-            <a:schemeClr val="lt1"/>
-          </a:fontRef>
-        </p:style>
-        <p:txBody>
-          <a:bodyPr rtlCol="0" anchor="t"/>
-          <a:lstStyle/>
-          <a:p>
-            <a:pPr marL="285750" indent="-285750">
-              <a:buFont typeface="Arial" panose="020B0604020202020204" pitchFamily="34" charset="0"/>
-              <a:buChar char="•"/>
-            </a:pPr>
-            <a:r>
-              <a:rPr lang="de-DE" sz="1400" dirty="0">
-                <a:solidFill>
-                  <a:schemeClr val="tx1"/>
-                </a:solidFill>
-              </a:rPr>
-              <a:t>Stresstest/Integrationstest</a:t>
-            </a:r>
-          </a:p>
-          <a:p>
-            <a:pPr marL="285750" indent="-285750">
-              <a:buFont typeface="Arial" panose="020B0604020202020204" pitchFamily="34" charset="0"/>
-              <a:buChar char="•"/>
-            </a:pPr>
-            <a:r>
-              <a:rPr lang="de-DE" sz="1400" dirty="0">
-                <a:solidFill>
-                  <a:schemeClr val="tx1"/>
-                </a:solidFill>
-              </a:rPr>
-              <a:t>Produktionstest/Abnahme</a:t>
-            </a:r>
-          </a:p>
-          <a:p>
-            <a:pPr marL="285750" indent="-285750">
-              <a:buFont typeface="Arial" panose="020B0604020202020204" pitchFamily="34" charset="0"/>
-              <a:buChar char="•"/>
-            </a:pPr>
-            <a:r>
-              <a:rPr lang="de-DE" sz="1400" dirty="0">
-                <a:solidFill>
-                  <a:schemeClr val="tx1"/>
-                </a:solidFill>
-              </a:rPr>
-              <a:t>Test der Teilkomponenten</a:t>
-            </a:r>
-          </a:p>
-        </p:txBody>
-      </p:sp>
-      <p:sp>
-        <p:nvSpPr>
-          <p:cNvPr id="35" name="Rechteck 34">
-            <a:extLst>
-              <a:ext uri="{FF2B5EF4-FFF2-40B4-BE49-F238E27FC236}">
-                <a16:creationId xmlns:a16="http://schemas.microsoft.com/office/drawing/2014/main" id="{B3E8A12B-59CA-41CA-8416-C45E34EE49E2}"/>
-              </a:ext>
-            </a:extLst>
-          </p:cNvPr>
-          <p:cNvSpPr/>
-          <p:nvPr/>
-        </p:nvSpPr>
-        <p:spPr>
-          <a:xfrm>
-            <a:off x="9170498" y="2464408"/>
-            <a:ext cx="3091126" cy="4197677"/>
-          </a:xfrm>
-          <a:prstGeom prst="rect">
-            <a:avLst/>
-          </a:prstGeom>
-          <a:noFill/>
-          <a:ln>
-            <a:noFill/>
-          </a:ln>
-        </p:spPr>
-        <p:style>
-          <a:lnRef idx="2">
-            <a:schemeClr val="accent1">
-              <a:shade val="50000"/>
-            </a:schemeClr>
-          </a:lnRef>
-          <a:fillRef idx="1">
-            <a:schemeClr val="accent1"/>
-          </a:fillRef>
-          <a:effectRef idx="0">
-            <a:schemeClr val="accent1"/>
-          </a:effectRef>
-          <a:fontRef idx="minor">
-            <a:schemeClr val="lt1"/>
-          </a:fontRef>
-        </p:style>
-        <p:txBody>
-          <a:bodyPr rtlCol="0" anchor="t"/>
-          <a:lstStyle/>
-          <a:p>
-            <a:pPr marL="285750" indent="-285750">
-              <a:buFont typeface="Arial" panose="020B0604020202020204" pitchFamily="34" charset="0"/>
-              <a:buChar char="•"/>
-            </a:pPr>
-            <a:r>
-              <a:rPr lang="de-DE" sz="1400" dirty="0">
-                <a:solidFill>
-                  <a:schemeClr val="tx1"/>
-                </a:solidFill>
-              </a:rPr>
-              <a:t>Mitarbeiter Schulung </a:t>
-            </a:r>
-          </a:p>
-          <a:p>
-            <a:pPr marL="285750" indent="-285750">
-              <a:buFont typeface="Arial" panose="020B0604020202020204" pitchFamily="34" charset="0"/>
-              <a:buChar char="•"/>
-            </a:pPr>
-            <a:r>
-              <a:rPr lang="de-DE" sz="1400" dirty="0">
-                <a:solidFill>
-                  <a:schemeClr val="tx1"/>
-                </a:solidFill>
-              </a:rPr>
-              <a:t>Kommunikation mit Kunde</a:t>
-            </a:r>
-          </a:p>
-        </p:txBody>
-      </p:sp>
-      <p:sp>
-        <p:nvSpPr>
-          <p:cNvPr id="3" name="Fußzeilenplatzhalter 2">
-            <a:extLst>
-              <a:ext uri="{FF2B5EF4-FFF2-40B4-BE49-F238E27FC236}">
-                <a16:creationId xmlns:a16="http://schemas.microsoft.com/office/drawing/2014/main" id="{8CC179E7-4409-4C99-93B9-4BFA40F46995}"/>
+                <a16:creationId xmlns:a16="http://schemas.microsoft.com/office/drawing/2014/main" id="{6C90DE98-DF22-4C9E-9A96-D9366834FB7C}"/>
               </a:ext>
             </a:extLst>
           </p:cNvPr>
@@ -16550,36 +16791,18 @@
           <a:lstStyle/>
           <a:p>
             <a:r>
-              <a:rPr lang="de-DE" dirty="0">
-                <a:latin typeface="Aharoni" panose="02010803020104030203" pitchFamily="2" charset="-79"/>
-                <a:cs typeface="Aharoni" panose="02010803020104030203" pitchFamily="2" charset="-79"/>
-              </a:rPr>
-              <a:t>Alb-</a:t>
-            </a:r>
-            <a:r>
-              <a:rPr lang="de-DE" dirty="0" err="1">
-                <a:latin typeface="Aharoni" panose="02010803020104030203" pitchFamily="2" charset="-79"/>
-                <a:cs typeface="Aharoni" panose="02010803020104030203" pitchFamily="2" charset="-79"/>
-              </a:rPr>
-              <a:t>Brau</a:t>
-            </a:r>
-            <a:r>
-              <a:rPr lang="de-DE" dirty="0">
-                <a:latin typeface="Aharoni" panose="02010803020104030203" pitchFamily="2" charset="-79"/>
-                <a:cs typeface="Aharoni" panose="02010803020104030203" pitchFamily="2" charset="-79"/>
-              </a:rPr>
-              <a:t> Consulting AG</a:t>
-            </a:r>
-            <a:endParaRPr lang="de-DE" dirty="0"/>
+              <a:rPr lang="de-DE"/>
+              <a:t>Alb-Brau Consulting AG </a:t>
+            </a:r>
           </a:p>
         </p:txBody>
       </p:sp>
       <p:sp>
         <p:nvSpPr>
-          <p:cNvPr id="4" name="Foliennummernplatzhalter 3">
+          <p:cNvPr id="5" name="Foliennummernplatzhalter 4">
             <a:extLst>
               <a:ext uri="{FF2B5EF4-FFF2-40B4-BE49-F238E27FC236}">
-                <a16:creationId xmlns:a16="http://schemas.microsoft.com/office/drawing/2014/main" id="{EE861B97-CE42-4A82-B31C-C2CA0973844B}"/>
+                <a16:creationId xmlns:a16="http://schemas.microsoft.com/office/drawing/2014/main" id="{048D60BD-C646-410C-B2C8-E2F49A762970}"/>
               </a:ext>
             </a:extLst>
           </p:cNvPr>
@@ -16603,10 +16826,46 @@
           </a:p>
         </p:txBody>
       </p:sp>
+      <p:pic>
+        <p:nvPicPr>
+          <p:cNvPr id="7" name="Grafik 6">
+            <a:extLst>
+              <a:ext uri="{FF2B5EF4-FFF2-40B4-BE49-F238E27FC236}">
+                <a16:creationId xmlns:a16="http://schemas.microsoft.com/office/drawing/2014/main" id="{DFE0037B-699C-4055-87CD-324DF42A71FE}"/>
+              </a:ext>
+            </a:extLst>
+          </p:cNvPr>
+          <p:cNvPicPr>
+            <a:picLocks noChangeAspect="1"/>
+          </p:cNvPicPr>
+          <p:nvPr/>
+        </p:nvPicPr>
+        <p:blipFill>
+          <a:blip r:embed="rId2">
+            <a:extLst>
+              <a:ext uri="{28A0092B-C50C-407E-A947-70E740481C1C}">
+                <a14:useLocalDpi xmlns:a14="http://schemas.microsoft.com/office/drawing/2010/main" val="0"/>
+              </a:ext>
+            </a:extLst>
+          </a:blip>
+          <a:stretch>
+            <a:fillRect/>
+          </a:stretch>
+        </p:blipFill>
+        <p:spPr>
+          <a:xfrm>
+            <a:off x="160993" y="1163146"/>
+            <a:ext cx="12031007" cy="5137265"/>
+          </a:xfrm>
+          <a:prstGeom prst="rect">
+            <a:avLst/>
+          </a:prstGeom>
+        </p:spPr>
+      </p:pic>
     </p:spTree>
     <p:extLst>
       <p:ext uri="{BB962C8B-B14F-4D97-AF65-F5344CB8AC3E}">
-        <p14:creationId xmlns:p14="http://schemas.microsoft.com/office/powerpoint/2010/main" val="128592377"/>
+        <p14:creationId xmlns:p14="http://schemas.microsoft.com/office/powerpoint/2010/main" val="486981666"/>
       </p:ext>
     </p:extLst>
   </p:cSld>
@@ -16650,7 +16909,7 @@
           <p:cNvPr id="2" name="Titel 1">
             <a:extLst>
               <a:ext uri="{FF2B5EF4-FFF2-40B4-BE49-F238E27FC236}">
-                <a16:creationId xmlns:a16="http://schemas.microsoft.com/office/drawing/2014/main" id="{ECB575D1-760B-43F1-9715-77F1EA9C08A1}"/>
+                <a16:creationId xmlns:a16="http://schemas.microsoft.com/office/drawing/2014/main" id="{EBA85F54-63E7-42CF-B18F-7EE29DE838DE}"/>
               </a:ext>
             </a:extLst>
           </p:cNvPr>
@@ -16661,594 +16920,768 @@
             <p:ph type="title"/>
           </p:nvPr>
         </p:nvSpPr>
-        <p:spPr>
-          <a:xfrm>
-            <a:off x="1097280" y="0"/>
-            <a:ext cx="10058400" cy="1450757"/>
-          </a:xfrm>
-        </p:spPr>
+        <p:spPr/>
         <p:txBody>
-          <a:bodyPr/>
+          <a:bodyPr>
+            <a:normAutofit/>
+          </a:bodyPr>
           <a:lstStyle/>
           <a:p>
+            <a:pPr algn="ctr"/>
             <a:r>
               <a:rPr lang="de-DE" dirty="0"/>
-              <a:t>Zeitplan</a:t>
+              <a:t>Work Breakdown Structure</a:t>
             </a:r>
           </a:p>
         </p:txBody>
       </p:sp>
-      <p:graphicFrame>
-        <p:nvGraphicFramePr>
-          <p:cNvPr id="4" name="Tabelle 3">
+      <p:sp>
+        <p:nvSpPr>
+          <p:cNvPr id="5" name="Rechteck: abgerundete Ecken 4">
             <a:extLst>
               <a:ext uri="{FF2B5EF4-FFF2-40B4-BE49-F238E27FC236}">
-                <a16:creationId xmlns:a16="http://schemas.microsoft.com/office/drawing/2014/main" id="{540C6EDA-E47E-45C9-A28E-41BB2A404F3F}"/>
+                <a16:creationId xmlns:a16="http://schemas.microsoft.com/office/drawing/2014/main" id="{D05F816A-C7C1-49BE-ADE5-3D33CBD35610}"/>
               </a:ext>
             </a:extLst>
           </p:cNvPr>
-          <p:cNvGraphicFramePr>
-            <a:graphicFrameLocks noGrp="1"/>
-          </p:cNvGraphicFramePr>
-          <p:nvPr>
-            <p:extLst>
-              <p:ext uri="{D42A27DB-BD31-4B8C-83A1-F6EECF244321}">
-                <p14:modId xmlns:p14="http://schemas.microsoft.com/office/powerpoint/2010/main" val="1638657311"/>
-              </p:ext>
-            </p:extLst>
-          </p:nvPr>
-        </p:nvGraphicFramePr>
-        <p:xfrm>
-          <a:off x="640080" y="1314450"/>
-          <a:ext cx="10515600" cy="4914901"/>
-        </p:xfrm>
-        <a:graphic>
-          <a:graphicData uri="http://schemas.openxmlformats.org/drawingml/2006/table">
-            <a:tbl>
-              <a:tblPr firstRow="1" bandRow="1">
-                <a:tableStyleId>{5C22544A-7EE6-4342-B048-85BDC9FD1C3A}</a:tableStyleId>
-              </a:tblPr>
-              <a:tblGrid>
-                <a:gridCol w="6466882">
-                  <a:extLst>
-                    <a:ext uri="{9D8B030D-6E8A-4147-A177-3AD203B41FA5}">
-                      <a16:colId xmlns:a16="http://schemas.microsoft.com/office/drawing/2014/main" val="4114169832"/>
-                    </a:ext>
-                  </a:extLst>
-                </a:gridCol>
-                <a:gridCol w="2359415">
-                  <a:extLst>
-                    <a:ext uri="{9D8B030D-6E8A-4147-A177-3AD203B41FA5}">
-                      <a16:colId xmlns:a16="http://schemas.microsoft.com/office/drawing/2014/main" val="505643562"/>
-                    </a:ext>
-                  </a:extLst>
-                </a:gridCol>
-                <a:gridCol w="1689303">
-                  <a:extLst>
-                    <a:ext uri="{9D8B030D-6E8A-4147-A177-3AD203B41FA5}">
-                      <a16:colId xmlns:a16="http://schemas.microsoft.com/office/drawing/2014/main" val="63425046"/>
-                    </a:ext>
-                  </a:extLst>
-                </a:gridCol>
-              </a:tblGrid>
-              <a:tr h="393064">
-                <a:tc>
-                  <a:txBody>
-                    <a:bodyPr/>
-                    <a:lstStyle/>
-                    <a:p>
-                      <a:pPr algn="l"/>
-                      <a:r>
-                        <a:rPr lang="de-DE" dirty="0"/>
-                        <a:t>Beschreibung der Tätigkeit</a:t>
-                      </a:r>
-                    </a:p>
-                  </a:txBody>
-                  <a:tcPr/>
-                </a:tc>
-                <a:tc>
-                  <a:txBody>
-                    <a:bodyPr/>
-                    <a:lstStyle/>
-                    <a:p>
-                      <a:pPr algn="ctr"/>
-                      <a:r>
-                        <a:rPr lang="de-DE" dirty="0"/>
-                        <a:t>Dauer in Wochen</a:t>
-                      </a:r>
-                    </a:p>
-                  </a:txBody>
-                  <a:tcPr/>
-                </a:tc>
-                <a:tc>
-                  <a:txBody>
-                    <a:bodyPr/>
-                    <a:lstStyle/>
-                    <a:p>
-                      <a:pPr algn="ctr"/>
-                      <a:r>
-                        <a:rPr lang="de-DE" dirty="0"/>
-                        <a:t>Referenz</a:t>
-                      </a:r>
-                    </a:p>
-                  </a:txBody>
-                  <a:tcPr/>
-                </a:tc>
-                <a:extLst>
-                  <a:ext uri="{0D108BD9-81ED-4DB2-BD59-A6C34878D82A}">
-                    <a16:rowId xmlns:a16="http://schemas.microsoft.com/office/drawing/2014/main" val="514831670"/>
-                  </a:ext>
-                </a:extLst>
-              </a:tr>
-              <a:tr h="532021">
-                <a:tc>
-                  <a:txBody>
-                    <a:bodyPr/>
-                    <a:lstStyle/>
-                    <a:p>
-                      <a:r>
-                        <a:rPr lang="de-DE" dirty="0"/>
-                        <a:t>Gateway installieren und konfigurieren</a:t>
-                      </a:r>
-                    </a:p>
-                  </a:txBody>
-                  <a:tcPr/>
-                </a:tc>
-                <a:tc>
-                  <a:txBody>
-                    <a:bodyPr/>
-                    <a:lstStyle/>
-                    <a:p>
-                      <a:pPr algn="ctr"/>
-                      <a:r>
-                        <a:rPr lang="de-DE" dirty="0"/>
-                        <a:t>1</a:t>
-                      </a:r>
-                    </a:p>
-                  </a:txBody>
-                  <a:tcPr/>
-                </a:tc>
-                <a:tc>
-                  <a:txBody>
-                    <a:bodyPr/>
-                    <a:lstStyle/>
-                    <a:p>
-                      <a:pPr algn="ctr"/>
-                      <a:r>
-                        <a:rPr lang="de-DE" dirty="0"/>
-                        <a:t>Gate</a:t>
-                      </a:r>
-                    </a:p>
-                  </a:txBody>
-                  <a:tcPr/>
-                </a:tc>
-                <a:extLst>
-                  <a:ext uri="{0D108BD9-81ED-4DB2-BD59-A6C34878D82A}">
-                    <a16:rowId xmlns:a16="http://schemas.microsoft.com/office/drawing/2014/main" val="345566159"/>
-                  </a:ext>
-                </a:extLst>
-              </a:tr>
-              <a:tr h="524130">
-                <a:tc>
-                  <a:txBody>
-                    <a:bodyPr/>
-                    <a:lstStyle/>
-                    <a:p>
-                      <a:r>
-                        <a:rPr lang="de-DE" dirty="0"/>
-                        <a:t>MQTT Client-Server Architektur erstellen und installieren</a:t>
-                      </a:r>
-                    </a:p>
-                  </a:txBody>
-                  <a:tcPr/>
-                </a:tc>
-                <a:tc>
-                  <a:txBody>
-                    <a:bodyPr/>
-                    <a:lstStyle/>
-                    <a:p>
-                      <a:pPr algn="ctr"/>
-                      <a:r>
-                        <a:rPr lang="de-DE" dirty="0"/>
-                        <a:t>2</a:t>
-                      </a:r>
-                    </a:p>
-                  </a:txBody>
-                  <a:tcPr/>
-                </a:tc>
-                <a:tc>
-                  <a:txBody>
-                    <a:bodyPr/>
-                    <a:lstStyle/>
-                    <a:p>
-                      <a:pPr algn="ctr"/>
-                      <a:r>
-                        <a:rPr lang="de-DE" dirty="0"/>
-                        <a:t>MQTT</a:t>
-                      </a:r>
-                    </a:p>
-                  </a:txBody>
-                  <a:tcPr/>
-                </a:tc>
-                <a:extLst>
-                  <a:ext uri="{0D108BD9-81ED-4DB2-BD59-A6C34878D82A}">
-                    <a16:rowId xmlns:a16="http://schemas.microsoft.com/office/drawing/2014/main" val="707689269"/>
-                  </a:ext>
-                </a:extLst>
-              </a:tr>
-              <a:tr h="393064">
-                <a:tc>
-                  <a:txBody>
-                    <a:bodyPr/>
-                    <a:lstStyle/>
-                    <a:p>
-                      <a:r>
-                        <a:rPr lang="de-DE" dirty="0"/>
-                        <a:t>SAP programmieren</a:t>
-                      </a:r>
-                    </a:p>
-                  </a:txBody>
-                  <a:tcPr/>
-                </a:tc>
-                <a:tc>
-                  <a:txBody>
-                    <a:bodyPr/>
-                    <a:lstStyle/>
-                    <a:p>
-                      <a:pPr algn="ctr"/>
-                      <a:r>
-                        <a:rPr lang="de-DE" dirty="0"/>
-                        <a:t>3</a:t>
-                      </a:r>
-                    </a:p>
-                  </a:txBody>
-                  <a:tcPr/>
-                </a:tc>
-                <a:tc>
-                  <a:txBody>
-                    <a:bodyPr/>
-                    <a:lstStyle/>
-                    <a:p>
-                      <a:pPr algn="ctr"/>
-                      <a:r>
-                        <a:rPr lang="de-DE" dirty="0"/>
-                        <a:t>SAP</a:t>
-                      </a:r>
-                    </a:p>
-                  </a:txBody>
-                  <a:tcPr/>
-                </a:tc>
-                <a:extLst>
-                  <a:ext uri="{0D108BD9-81ED-4DB2-BD59-A6C34878D82A}">
-                    <a16:rowId xmlns:a16="http://schemas.microsoft.com/office/drawing/2014/main" val="2832557126"/>
-                  </a:ext>
-                </a:extLst>
-              </a:tr>
-              <a:tr h="532021">
-                <a:tc>
-                  <a:txBody>
-                    <a:bodyPr/>
-                    <a:lstStyle/>
-                    <a:p>
-                      <a:r>
-                        <a:rPr lang="de-DE" dirty="0"/>
-                        <a:t>Dashboard anfertigen und installieren</a:t>
-                      </a:r>
-                    </a:p>
-                  </a:txBody>
-                  <a:tcPr/>
-                </a:tc>
-                <a:tc>
-                  <a:txBody>
-                    <a:bodyPr/>
-                    <a:lstStyle/>
-                    <a:p>
-                      <a:pPr algn="ctr"/>
-                      <a:r>
-                        <a:rPr lang="de-DE" dirty="0"/>
-                        <a:t>2</a:t>
-                      </a:r>
-                    </a:p>
-                  </a:txBody>
-                  <a:tcPr/>
-                </a:tc>
-                <a:tc>
-                  <a:txBody>
-                    <a:bodyPr/>
-                    <a:lstStyle/>
-                    <a:p>
-                      <a:pPr algn="ctr"/>
-                      <a:r>
-                        <a:rPr lang="de-DE" dirty="0"/>
-                        <a:t>Dash</a:t>
-                      </a:r>
-                    </a:p>
-                  </a:txBody>
-                  <a:tcPr/>
-                </a:tc>
-                <a:extLst>
-                  <a:ext uri="{0D108BD9-81ED-4DB2-BD59-A6C34878D82A}">
-                    <a16:rowId xmlns:a16="http://schemas.microsoft.com/office/drawing/2014/main" val="1310350267"/>
-                  </a:ext>
-                </a:extLst>
-              </a:tr>
-              <a:tr h="551474">
-                <a:tc>
-                  <a:txBody>
-                    <a:bodyPr/>
-                    <a:lstStyle/>
-                    <a:p>
-                      <a:r>
-                        <a:rPr lang="de-DE" dirty="0"/>
-                        <a:t>OPC-UA Client-Server Architektur erstellen und installieren</a:t>
-                      </a:r>
-                    </a:p>
-                  </a:txBody>
-                  <a:tcPr/>
-                </a:tc>
-                <a:tc>
-                  <a:txBody>
-                    <a:bodyPr/>
-                    <a:lstStyle/>
-                    <a:p>
-                      <a:pPr algn="ctr"/>
-                      <a:r>
-                        <a:rPr lang="de-DE" dirty="0"/>
-                        <a:t>2</a:t>
-                      </a:r>
-                    </a:p>
-                  </a:txBody>
-                  <a:tcPr/>
-                </a:tc>
-                <a:tc>
-                  <a:txBody>
-                    <a:bodyPr/>
-                    <a:lstStyle/>
-                    <a:p>
-                      <a:pPr algn="ctr"/>
-                      <a:r>
-                        <a:rPr lang="de-DE" dirty="0"/>
-                        <a:t>OPC-UA</a:t>
-                      </a:r>
-                    </a:p>
-                  </a:txBody>
-                  <a:tcPr/>
-                </a:tc>
-                <a:extLst>
-                  <a:ext uri="{0D108BD9-81ED-4DB2-BD59-A6C34878D82A}">
-                    <a16:rowId xmlns:a16="http://schemas.microsoft.com/office/drawing/2014/main" val="3181483072"/>
-                  </a:ext>
-                </a:extLst>
-              </a:tr>
-              <a:tr h="393064">
-                <a:tc>
-                  <a:txBody>
-                    <a:bodyPr/>
-                    <a:lstStyle/>
-                    <a:p>
-                      <a:r>
-                        <a:rPr lang="de-DE" dirty="0"/>
-                        <a:t>SPS programmieren</a:t>
-                      </a:r>
-                    </a:p>
-                  </a:txBody>
-                  <a:tcPr/>
-                </a:tc>
-                <a:tc>
-                  <a:txBody>
-                    <a:bodyPr/>
-                    <a:lstStyle/>
-                    <a:p>
-                      <a:pPr algn="ctr"/>
-                      <a:r>
-                        <a:rPr lang="de-DE" dirty="0"/>
-                        <a:t>1</a:t>
-                      </a:r>
-                    </a:p>
-                  </a:txBody>
-                  <a:tcPr/>
-                </a:tc>
-                <a:tc>
-                  <a:txBody>
-                    <a:bodyPr/>
-                    <a:lstStyle/>
-                    <a:p>
-                      <a:pPr algn="ctr"/>
-                      <a:r>
-                        <a:rPr lang="de-DE" dirty="0"/>
-                        <a:t>SPS</a:t>
-                      </a:r>
-                    </a:p>
-                  </a:txBody>
-                  <a:tcPr/>
-                </a:tc>
-                <a:extLst>
-                  <a:ext uri="{0D108BD9-81ED-4DB2-BD59-A6C34878D82A}">
-                    <a16:rowId xmlns:a16="http://schemas.microsoft.com/office/drawing/2014/main" val="4001189344"/>
-                  </a:ext>
-                </a:extLst>
-              </a:tr>
-              <a:tr h="532021">
-                <a:tc>
-                  <a:txBody>
-                    <a:bodyPr/>
-                    <a:lstStyle/>
-                    <a:p>
-                      <a:r>
-                        <a:rPr lang="de-DE" dirty="0"/>
-                        <a:t>Schnittstellen für die anderen Gruppen schaffen</a:t>
-                      </a:r>
-                    </a:p>
-                  </a:txBody>
-                  <a:tcPr/>
-                </a:tc>
-                <a:tc>
-                  <a:txBody>
-                    <a:bodyPr/>
-                    <a:lstStyle/>
-                    <a:p>
-                      <a:pPr algn="ctr"/>
-                      <a:r>
-                        <a:rPr lang="de-DE" dirty="0"/>
-                        <a:t>2.5</a:t>
-                      </a:r>
-                    </a:p>
-                  </a:txBody>
-                  <a:tcPr/>
-                </a:tc>
-                <a:tc>
-                  <a:txBody>
-                    <a:bodyPr/>
-                    <a:lstStyle/>
-                    <a:p>
-                      <a:pPr algn="ctr"/>
-                      <a:r>
-                        <a:rPr lang="de-DE" dirty="0"/>
-                        <a:t>Schnitt</a:t>
-                      </a:r>
-                    </a:p>
-                  </a:txBody>
-                  <a:tcPr/>
-                </a:tc>
-                <a:extLst>
-                  <a:ext uri="{0D108BD9-81ED-4DB2-BD59-A6C34878D82A}">
-                    <a16:rowId xmlns:a16="http://schemas.microsoft.com/office/drawing/2014/main" val="469134997"/>
-                  </a:ext>
-                </a:extLst>
-              </a:tr>
-              <a:tr h="532021">
-                <a:tc>
-                  <a:txBody>
-                    <a:bodyPr/>
-                    <a:lstStyle/>
-                    <a:p>
-                      <a:r>
-                        <a:rPr lang="de-DE" dirty="0"/>
-                        <a:t>Testen einer Teilkomponente</a:t>
-                      </a:r>
-                    </a:p>
-                  </a:txBody>
-                  <a:tcPr/>
-                </a:tc>
-                <a:tc>
-                  <a:txBody>
-                    <a:bodyPr/>
-                    <a:lstStyle/>
-                    <a:p>
-                      <a:pPr algn="ctr"/>
-                      <a:r>
-                        <a:rPr lang="de-DE" dirty="0"/>
-                        <a:t>2</a:t>
-                      </a:r>
-                    </a:p>
-                  </a:txBody>
-                  <a:tcPr/>
-                </a:tc>
-                <a:tc>
-                  <a:txBody>
-                    <a:bodyPr/>
-                    <a:lstStyle/>
-                    <a:p>
-                      <a:pPr algn="ctr"/>
-                      <a:r>
-                        <a:rPr lang="de-DE" dirty="0" err="1"/>
-                        <a:t>TeilTest</a:t>
-                      </a:r>
-                      <a:endParaRPr lang="de-DE" dirty="0"/>
-                    </a:p>
-                  </a:txBody>
-                  <a:tcPr/>
-                </a:tc>
-                <a:extLst>
-                  <a:ext uri="{0D108BD9-81ED-4DB2-BD59-A6C34878D82A}">
-                    <a16:rowId xmlns:a16="http://schemas.microsoft.com/office/drawing/2014/main" val="1557987470"/>
-                  </a:ext>
-                </a:extLst>
-              </a:tr>
-              <a:tr h="532021">
-                <a:tc>
-                  <a:txBody>
-                    <a:bodyPr/>
-                    <a:lstStyle/>
-                    <a:p>
-                      <a:r>
-                        <a:rPr lang="de-DE" dirty="0"/>
-                        <a:t>Testen des Gesamtsystems/Abnahme</a:t>
-                      </a:r>
-                    </a:p>
-                  </a:txBody>
-                  <a:tcPr/>
-                </a:tc>
-                <a:tc>
-                  <a:txBody>
-                    <a:bodyPr/>
-                    <a:lstStyle/>
-                    <a:p>
-                      <a:pPr algn="ctr"/>
-                      <a:r>
-                        <a:rPr lang="de-DE" dirty="0"/>
-                        <a:t>2</a:t>
-                      </a:r>
-                    </a:p>
-                  </a:txBody>
-                  <a:tcPr/>
-                </a:tc>
-                <a:tc>
-                  <a:txBody>
-                    <a:bodyPr/>
-                    <a:lstStyle/>
-                    <a:p>
-                      <a:pPr algn="ctr"/>
-                      <a:r>
-                        <a:rPr lang="de-DE" dirty="0" err="1"/>
-                        <a:t>SysTest</a:t>
-                      </a:r>
-                      <a:endParaRPr lang="de-DE" dirty="0"/>
-                    </a:p>
-                  </a:txBody>
-                  <a:tcPr/>
-                </a:tc>
-                <a:extLst>
-                  <a:ext uri="{0D108BD9-81ED-4DB2-BD59-A6C34878D82A}">
-                    <a16:rowId xmlns:a16="http://schemas.microsoft.com/office/drawing/2014/main" val="408041960"/>
-                  </a:ext>
-                </a:extLst>
-              </a:tr>
-            </a:tbl>
-          </a:graphicData>
-        </a:graphic>
-      </p:graphicFrame>
-      <p:sp>
-        <p:nvSpPr>
-          <p:cNvPr id="7" name="Textfeld 6">
+          <p:cNvSpPr/>
+          <p:nvPr/>
+        </p:nvSpPr>
+        <p:spPr>
+          <a:xfrm>
+            <a:off x="7154107" y="1849884"/>
+            <a:ext cx="1275475" cy="570381"/>
+          </a:xfrm>
+          <a:prstGeom prst="roundRect">
+            <a:avLst/>
+          </a:prstGeom>
+          <a:ln>
+            <a:noFill/>
+          </a:ln>
+        </p:spPr>
+        <p:style>
+          <a:lnRef idx="1">
+            <a:schemeClr val="accent1"/>
+          </a:lnRef>
+          <a:fillRef idx="2">
+            <a:schemeClr val="accent1"/>
+          </a:fillRef>
+          <a:effectRef idx="1">
+            <a:schemeClr val="accent1"/>
+          </a:effectRef>
+          <a:fontRef idx="minor">
+            <a:schemeClr val="dk1"/>
+          </a:fontRef>
+        </p:style>
+        <p:txBody>
+          <a:bodyPr rtlCol="0" anchor="ctr"/>
+          <a:lstStyle/>
+          <a:p>
+            <a:pPr algn="ctr"/>
+            <a:r>
+              <a:rPr lang="de-DE" b="1" dirty="0" err="1">
+                <a:solidFill>
+                  <a:schemeClr val="bg1"/>
+                </a:solidFill>
+              </a:rPr>
+              <a:t>Testing</a:t>
+            </a:r>
+            <a:endParaRPr lang="de-DE" b="1" dirty="0">
+              <a:solidFill>
+                <a:schemeClr val="bg1"/>
+              </a:solidFill>
+            </a:endParaRPr>
+          </a:p>
+        </p:txBody>
+      </p:sp>
+      <p:sp>
+        <p:nvSpPr>
+          <p:cNvPr id="6" name="Rechteck: abgerundete Ecken 5">
             <a:extLst>
               <a:ext uri="{FF2B5EF4-FFF2-40B4-BE49-F238E27FC236}">
-                <a16:creationId xmlns:a16="http://schemas.microsoft.com/office/drawing/2014/main" id="{519CE46F-2B01-492C-A4F0-A12734BCC544}"/>
+                <a16:creationId xmlns:a16="http://schemas.microsoft.com/office/drawing/2014/main" id="{2748357F-DA3C-4365-B39A-A2797DCE49EB}"/>
               </a:ext>
             </a:extLst>
           </p:cNvPr>
-          <p:cNvSpPr txBox="1"/>
+          <p:cNvSpPr/>
           <p:nvPr/>
         </p:nvSpPr>
         <p:spPr>
           <a:xfrm>
-            <a:off x="640080" y="6398307"/>
-            <a:ext cx="7605286" cy="461665"/>
+            <a:off x="994281" y="1849882"/>
+            <a:ext cx="1405616" cy="614525"/>
+          </a:xfrm>
+          <a:prstGeom prst="roundRect">
+            <a:avLst/>
+          </a:prstGeom>
+          <a:ln>
+            <a:noFill/>
+          </a:ln>
+        </p:spPr>
+        <p:style>
+          <a:lnRef idx="1">
+            <a:schemeClr val="accent1"/>
+          </a:lnRef>
+          <a:fillRef idx="2">
+            <a:schemeClr val="accent1"/>
+          </a:fillRef>
+          <a:effectRef idx="1">
+            <a:schemeClr val="accent1"/>
+          </a:effectRef>
+          <a:fontRef idx="minor">
+            <a:schemeClr val="dk1"/>
+          </a:fontRef>
+        </p:style>
+        <p:txBody>
+          <a:bodyPr rtlCol="0" anchor="ctr"/>
+          <a:lstStyle/>
+          <a:p>
+            <a:pPr algn="ctr"/>
+            <a:r>
+              <a:rPr lang="de-DE" sz="1400" b="1" dirty="0" err="1">
+                <a:solidFill>
+                  <a:schemeClr val="bg1"/>
+                </a:solidFill>
+              </a:rPr>
+              <a:t>Developement</a:t>
+            </a:r>
+            <a:endParaRPr lang="de-DE" sz="1400" b="1" dirty="0">
+              <a:solidFill>
+                <a:schemeClr val="bg1"/>
+              </a:solidFill>
+            </a:endParaRPr>
+          </a:p>
+        </p:txBody>
+      </p:sp>
+      <p:sp>
+        <p:nvSpPr>
+          <p:cNvPr id="8" name="Rechteck: abgerundete Ecken 7">
+            <a:extLst>
+              <a:ext uri="{FF2B5EF4-FFF2-40B4-BE49-F238E27FC236}">
+                <a16:creationId xmlns:a16="http://schemas.microsoft.com/office/drawing/2014/main" id="{25C6A291-E902-4178-AD51-613DEEC5CEC3}"/>
+              </a:ext>
+            </a:extLst>
+          </p:cNvPr>
+          <p:cNvSpPr/>
+          <p:nvPr/>
+        </p:nvSpPr>
+        <p:spPr>
+          <a:xfrm>
+            <a:off x="9777716" y="1871954"/>
+            <a:ext cx="1155895" cy="570381"/>
+          </a:xfrm>
+          <a:prstGeom prst="roundRect">
+            <a:avLst/>
+          </a:prstGeom>
+          <a:ln>
+            <a:noFill/>
+          </a:ln>
+        </p:spPr>
+        <p:style>
+          <a:lnRef idx="1">
+            <a:schemeClr val="accent1"/>
+          </a:lnRef>
+          <a:fillRef idx="2">
+            <a:schemeClr val="accent1"/>
+          </a:fillRef>
+          <a:effectRef idx="1">
+            <a:schemeClr val="accent1"/>
+          </a:effectRef>
+          <a:fontRef idx="minor">
+            <a:schemeClr val="dk1"/>
+          </a:fontRef>
+        </p:style>
+        <p:txBody>
+          <a:bodyPr rtlCol="0" anchor="ctr"/>
+          <a:lstStyle/>
+          <a:p>
+            <a:pPr algn="ctr"/>
+            <a:r>
+              <a:rPr lang="de-DE" b="1" dirty="0">
+                <a:solidFill>
+                  <a:schemeClr val="bg1"/>
+                </a:solidFill>
+              </a:rPr>
+              <a:t>Support</a:t>
+            </a:r>
+          </a:p>
+        </p:txBody>
+      </p:sp>
+      <p:sp>
+        <p:nvSpPr>
+          <p:cNvPr id="9" name="Rechteck 8">
+            <a:extLst>
+              <a:ext uri="{FF2B5EF4-FFF2-40B4-BE49-F238E27FC236}">
+                <a16:creationId xmlns:a16="http://schemas.microsoft.com/office/drawing/2014/main" id="{6E6E176E-2C0C-4FEF-AFBC-F5E07926AEFE}"/>
+              </a:ext>
+            </a:extLst>
+          </p:cNvPr>
+          <p:cNvSpPr/>
+          <p:nvPr/>
+        </p:nvSpPr>
+        <p:spPr>
+          <a:xfrm>
+            <a:off x="410437" y="2464409"/>
+            <a:ext cx="3091126" cy="4197677"/>
           </a:xfrm>
           <a:prstGeom prst="rect">
             <a:avLst/>
           </a:prstGeom>
           <a:noFill/>
+          <a:ln>
+            <a:noFill/>
+          </a:ln>
         </p:spPr>
+        <p:style>
+          <a:lnRef idx="2">
+            <a:schemeClr val="accent1">
+              <a:shade val="50000"/>
+            </a:schemeClr>
+          </a:lnRef>
+          <a:fillRef idx="1">
+            <a:schemeClr val="accent1"/>
+          </a:fillRef>
+          <a:effectRef idx="0">
+            <a:schemeClr val="accent1"/>
+          </a:effectRef>
+          <a:fontRef idx="minor">
+            <a:schemeClr val="lt1"/>
+          </a:fontRef>
+        </p:style>
         <p:txBody>
-          <a:bodyPr wrap="square" rtlCol="0">
-            <a:spAutoFit/>
-          </a:bodyPr>
+          <a:bodyPr rtlCol="0" anchor="t"/>
           <a:lstStyle/>
           <a:p>
-            <a:r>
-              <a:rPr lang="de-DE" sz="2400" dirty="0"/>
-              <a:t>Geschätzte Gesamtdauer des Projekts: 3 Monate</a:t>
+            <a:pPr marL="285750" indent="-285750">
+              <a:buFont typeface="Arial" panose="020B0604020202020204" pitchFamily="34" charset="0"/>
+              <a:buChar char="•"/>
+            </a:pPr>
+            <a:r>
+              <a:rPr lang="de-DE" sz="1400" dirty="0">
+                <a:solidFill>
+                  <a:schemeClr val="tx1"/>
+                </a:solidFill>
+              </a:rPr>
+              <a:t>MQTT Server programmieren</a:t>
+            </a:r>
+          </a:p>
+          <a:p>
+            <a:pPr marL="285750" indent="-285750">
+              <a:buFont typeface="Arial" panose="020B0604020202020204" pitchFamily="34" charset="0"/>
+              <a:buChar char="•"/>
+            </a:pPr>
+            <a:r>
+              <a:rPr lang="de-DE" sz="1400" dirty="0">
+                <a:solidFill>
+                  <a:schemeClr val="tx1"/>
+                </a:solidFill>
+              </a:rPr>
+              <a:t>Rezepte in SAP einpflegen </a:t>
+            </a:r>
+          </a:p>
+          <a:p>
+            <a:pPr marL="285750" indent="-285750">
+              <a:buFont typeface="Arial" panose="020B0604020202020204" pitchFamily="34" charset="0"/>
+              <a:buChar char="•"/>
+            </a:pPr>
+            <a:r>
+              <a:rPr lang="de-DE" sz="1400" dirty="0">
+                <a:solidFill>
+                  <a:schemeClr val="tx1"/>
+                </a:solidFill>
+              </a:rPr>
+              <a:t>Schnittstelle für Pflanzenanbau schaffen</a:t>
+            </a:r>
+          </a:p>
+          <a:p>
+            <a:pPr marL="285750" indent="-285750">
+              <a:buFont typeface="Arial" panose="020B0604020202020204" pitchFamily="34" charset="0"/>
+              <a:buChar char="•"/>
+            </a:pPr>
+            <a:r>
+              <a:rPr lang="de-DE" sz="1400" dirty="0">
+                <a:solidFill>
+                  <a:schemeClr val="tx1"/>
+                </a:solidFill>
+              </a:rPr>
+              <a:t>Schnittstelle für </a:t>
+            </a:r>
+            <a:r>
+              <a:rPr lang="de-DE" sz="1400" dirty="0" err="1">
+                <a:solidFill>
+                  <a:schemeClr val="tx1"/>
+                </a:solidFill>
+              </a:rPr>
+              <a:t>Conditioning</a:t>
+            </a:r>
+            <a:r>
+              <a:rPr lang="de-DE" sz="1400" dirty="0">
+                <a:solidFill>
+                  <a:schemeClr val="tx1"/>
+                </a:solidFill>
+              </a:rPr>
+              <a:t> Monitoring</a:t>
+            </a:r>
+          </a:p>
+          <a:p>
+            <a:pPr marL="285750" indent="-285750">
+              <a:buFont typeface="Arial" panose="020B0604020202020204" pitchFamily="34" charset="0"/>
+              <a:buChar char="•"/>
+            </a:pPr>
+            <a:r>
+              <a:rPr lang="de-DE" sz="1400" dirty="0">
+                <a:solidFill>
+                  <a:schemeClr val="tx1"/>
+                </a:solidFill>
+              </a:rPr>
+              <a:t>SAP programmieren</a:t>
+            </a:r>
+          </a:p>
+          <a:p>
+            <a:pPr marL="285750" indent="-285750">
+              <a:buFont typeface="Arial" panose="020B0604020202020204" pitchFamily="34" charset="0"/>
+              <a:buChar char="•"/>
+            </a:pPr>
+            <a:r>
+              <a:rPr lang="de-DE" sz="1400" dirty="0">
+                <a:solidFill>
+                  <a:schemeClr val="tx1"/>
+                </a:solidFill>
+              </a:rPr>
+              <a:t>SAP Schnittstelle für die Sensoren </a:t>
+            </a:r>
+          </a:p>
+          <a:p>
+            <a:pPr marL="285750" indent="-285750">
+              <a:buFont typeface="Arial" panose="020B0604020202020204" pitchFamily="34" charset="0"/>
+              <a:buChar char="•"/>
+            </a:pPr>
+            <a:r>
+              <a:rPr lang="de-DE" sz="1400" dirty="0">
+                <a:solidFill>
+                  <a:schemeClr val="tx1"/>
+                </a:solidFill>
+              </a:rPr>
+              <a:t>RFID Kennzeichnung (pro Auftrag) erzeugen</a:t>
+            </a:r>
+          </a:p>
+          <a:p>
+            <a:pPr marL="285750" indent="-285750">
+              <a:buFont typeface="Arial" panose="020B0604020202020204" pitchFamily="34" charset="0"/>
+              <a:buChar char="•"/>
+            </a:pPr>
+            <a:r>
+              <a:rPr lang="de-DE" sz="1400" dirty="0">
+                <a:solidFill>
+                  <a:schemeClr val="tx1"/>
+                </a:solidFill>
+              </a:rPr>
+              <a:t>Sensoren anbinden und konfigurieren</a:t>
+            </a:r>
+          </a:p>
+          <a:p>
+            <a:pPr marL="285750" indent="-285750">
+              <a:buFont typeface="Arial" panose="020B0604020202020204" pitchFamily="34" charset="0"/>
+              <a:buChar char="•"/>
+            </a:pPr>
+            <a:r>
+              <a:rPr lang="de-DE" sz="1400" dirty="0">
+                <a:solidFill>
+                  <a:schemeClr val="tx1"/>
+                </a:solidFill>
+              </a:rPr>
+              <a:t>Aktoren anbinden und konfigurieren</a:t>
+            </a:r>
+          </a:p>
+          <a:p>
+            <a:pPr marL="285750" indent="-285750">
+              <a:buFont typeface="Arial" panose="020B0604020202020204" pitchFamily="34" charset="0"/>
+              <a:buChar char="•"/>
+            </a:pPr>
+            <a:r>
+              <a:rPr lang="de-DE" sz="1400" dirty="0">
+                <a:solidFill>
+                  <a:schemeClr val="tx1"/>
+                </a:solidFill>
+              </a:rPr>
+              <a:t>SPS programmieren und anbinden</a:t>
+            </a:r>
+          </a:p>
+          <a:p>
+            <a:pPr marL="285750" indent="-285750">
+              <a:buFont typeface="Arial" panose="020B0604020202020204" pitchFamily="34" charset="0"/>
+              <a:buChar char="•"/>
+            </a:pPr>
+            <a:r>
+              <a:rPr lang="de-DE" sz="1400" dirty="0">
+                <a:solidFill>
+                  <a:schemeClr val="tx1"/>
+                </a:solidFill>
+              </a:rPr>
+              <a:t>Gateway aufsetzen </a:t>
+            </a:r>
+          </a:p>
+        </p:txBody>
+      </p:sp>
+      <p:sp>
+        <p:nvSpPr>
+          <p:cNvPr id="31" name="Rechteck: abgerundete Ecken 30">
+            <a:extLst>
+              <a:ext uri="{FF2B5EF4-FFF2-40B4-BE49-F238E27FC236}">
+                <a16:creationId xmlns:a16="http://schemas.microsoft.com/office/drawing/2014/main" id="{0C03E21E-2FD8-44A6-AE66-1AFAE12DD2D5}"/>
+              </a:ext>
+            </a:extLst>
+          </p:cNvPr>
+          <p:cNvSpPr/>
+          <p:nvPr/>
+        </p:nvSpPr>
+        <p:spPr>
+          <a:xfrm>
+            <a:off x="4465455" y="1849883"/>
+            <a:ext cx="1275475" cy="570382"/>
+          </a:xfrm>
+          <a:prstGeom prst="roundRect">
+            <a:avLst/>
+          </a:prstGeom>
+          <a:ln>
+            <a:noFill/>
+          </a:ln>
+        </p:spPr>
+        <p:style>
+          <a:lnRef idx="1">
+            <a:schemeClr val="accent1"/>
+          </a:lnRef>
+          <a:fillRef idx="2">
+            <a:schemeClr val="accent1"/>
+          </a:fillRef>
+          <a:effectRef idx="1">
+            <a:schemeClr val="accent1"/>
+          </a:effectRef>
+          <a:fontRef idx="minor">
+            <a:schemeClr val="dk1"/>
+          </a:fontRef>
+        </p:style>
+        <p:txBody>
+          <a:bodyPr rtlCol="0" anchor="ctr"/>
+          <a:lstStyle/>
+          <a:p>
+            <a:pPr algn="ctr"/>
+            <a:r>
+              <a:rPr lang="de-DE" sz="1400" b="1" dirty="0">
+                <a:solidFill>
+                  <a:schemeClr val="bg1"/>
+                </a:solidFill>
+              </a:rPr>
+              <a:t>Projekt-</a:t>
+            </a:r>
+          </a:p>
+          <a:p>
+            <a:pPr algn="ctr"/>
+            <a:r>
+              <a:rPr lang="de-DE" sz="1400" b="1" dirty="0" err="1">
+                <a:solidFill>
+                  <a:schemeClr val="bg1"/>
+                </a:solidFill>
+              </a:rPr>
+              <a:t>management</a:t>
+            </a:r>
+            <a:endParaRPr lang="de-DE" sz="1400" b="1" dirty="0">
+              <a:solidFill>
+                <a:schemeClr val="bg1"/>
+              </a:solidFill>
+            </a:endParaRPr>
+          </a:p>
+        </p:txBody>
+      </p:sp>
+      <p:sp>
+        <p:nvSpPr>
+          <p:cNvPr id="26" name="Rechteck 25">
+            <a:extLst>
+              <a:ext uri="{FF2B5EF4-FFF2-40B4-BE49-F238E27FC236}">
+                <a16:creationId xmlns:a16="http://schemas.microsoft.com/office/drawing/2014/main" id="{CA1B537E-5B48-4DFB-9BEA-6D3128E34427}"/>
+              </a:ext>
+            </a:extLst>
+          </p:cNvPr>
+          <p:cNvSpPr/>
+          <p:nvPr/>
+        </p:nvSpPr>
+        <p:spPr>
+          <a:xfrm>
+            <a:off x="3813074" y="2464409"/>
+            <a:ext cx="3091126" cy="4197677"/>
+          </a:xfrm>
+          <a:prstGeom prst="rect">
+            <a:avLst/>
+          </a:prstGeom>
+          <a:noFill/>
+          <a:ln>
+            <a:noFill/>
+          </a:ln>
+        </p:spPr>
+        <p:style>
+          <a:lnRef idx="2">
+            <a:schemeClr val="accent1">
+              <a:shade val="50000"/>
+            </a:schemeClr>
+          </a:lnRef>
+          <a:fillRef idx="1">
+            <a:schemeClr val="accent1"/>
+          </a:fillRef>
+          <a:effectRef idx="0">
+            <a:schemeClr val="accent1"/>
+          </a:effectRef>
+          <a:fontRef idx="minor">
+            <a:schemeClr val="lt1"/>
+          </a:fontRef>
+        </p:style>
+        <p:txBody>
+          <a:bodyPr rtlCol="0" anchor="t"/>
+          <a:lstStyle/>
+          <a:p>
+            <a:pPr marL="285750" indent="-285750">
+              <a:buFont typeface="Arial" panose="020B0604020202020204" pitchFamily="34" charset="0"/>
+              <a:buChar char="•"/>
+            </a:pPr>
+            <a:r>
+              <a:rPr lang="de-DE" sz="1400" dirty="0">
+                <a:solidFill>
+                  <a:schemeClr val="tx1"/>
+                </a:solidFill>
+              </a:rPr>
+              <a:t>Kommunikationsplan des </a:t>
+            </a:r>
+            <a:br>
+              <a:rPr lang="de-DE" sz="1400" dirty="0">
+                <a:solidFill>
+                  <a:schemeClr val="tx1"/>
+                </a:solidFill>
+              </a:rPr>
+            </a:br>
+            <a:r>
+              <a:rPr lang="de-DE" sz="1400" dirty="0">
+                <a:solidFill>
+                  <a:schemeClr val="tx1"/>
+                </a:solidFill>
+              </a:rPr>
+              <a:t>Systems erstellen</a:t>
+            </a:r>
+          </a:p>
+          <a:p>
+            <a:pPr marL="285750" indent="-285750">
+              <a:buFont typeface="Arial" panose="020B0604020202020204" pitchFamily="34" charset="0"/>
+              <a:buChar char="•"/>
+            </a:pPr>
+            <a:r>
+              <a:rPr lang="de-DE" sz="1400" dirty="0">
+                <a:solidFill>
+                  <a:schemeClr val="tx1"/>
+                </a:solidFill>
+              </a:rPr>
+              <a:t>Aktivitätsplan und Verteilung </a:t>
+            </a:r>
+          </a:p>
+          <a:p>
+            <a:pPr marL="285750" indent="-285750">
+              <a:buFont typeface="Arial" panose="020B0604020202020204" pitchFamily="34" charset="0"/>
+              <a:buChar char="•"/>
+            </a:pPr>
+            <a:r>
+              <a:rPr lang="de-DE" sz="1400" dirty="0">
+                <a:solidFill>
+                  <a:schemeClr val="tx1"/>
+                </a:solidFill>
+              </a:rPr>
+              <a:t>Kommunikation mit Braumeister</a:t>
+            </a:r>
+          </a:p>
+          <a:p>
+            <a:pPr marL="285750" indent="-285750">
+              <a:buFont typeface="Arial" panose="020B0604020202020204" pitchFamily="34" charset="0"/>
+              <a:buChar char="•"/>
+            </a:pPr>
+            <a:r>
+              <a:rPr lang="de-DE" sz="1400" dirty="0">
+                <a:solidFill>
+                  <a:schemeClr val="tx1"/>
+                </a:solidFill>
+              </a:rPr>
+              <a:t>Kommunikation mit anderen Gruppen</a:t>
+            </a:r>
+          </a:p>
+          <a:p>
+            <a:pPr marL="285750" indent="-285750">
+              <a:buFont typeface="Arial" panose="020B0604020202020204" pitchFamily="34" charset="0"/>
+              <a:buChar char="•"/>
+            </a:pPr>
+            <a:r>
+              <a:rPr lang="de-DE" sz="1400" dirty="0">
+                <a:solidFill>
+                  <a:schemeClr val="tx1"/>
+                </a:solidFill>
+              </a:rPr>
+              <a:t>Überprüfung der Ziele und mögliche Anpassung des Projektplans</a:t>
+            </a:r>
+          </a:p>
+        </p:txBody>
+      </p:sp>
+      <p:sp>
+        <p:nvSpPr>
+          <p:cNvPr id="30" name="Rechteck 29">
+            <a:extLst>
+              <a:ext uri="{FF2B5EF4-FFF2-40B4-BE49-F238E27FC236}">
+                <a16:creationId xmlns:a16="http://schemas.microsoft.com/office/drawing/2014/main" id="{C80BE056-2216-419E-A5EA-0CCEEE7AC3B1}"/>
+              </a:ext>
+            </a:extLst>
+          </p:cNvPr>
+          <p:cNvSpPr/>
+          <p:nvPr/>
+        </p:nvSpPr>
+        <p:spPr>
+          <a:xfrm>
+            <a:off x="6686590" y="2464410"/>
+            <a:ext cx="3091126" cy="4197677"/>
+          </a:xfrm>
+          <a:prstGeom prst="rect">
+            <a:avLst/>
+          </a:prstGeom>
+          <a:noFill/>
+          <a:ln>
+            <a:noFill/>
+          </a:ln>
+        </p:spPr>
+        <p:style>
+          <a:lnRef idx="2">
+            <a:schemeClr val="accent1">
+              <a:shade val="50000"/>
+            </a:schemeClr>
+          </a:lnRef>
+          <a:fillRef idx="1">
+            <a:schemeClr val="accent1"/>
+          </a:fillRef>
+          <a:effectRef idx="0">
+            <a:schemeClr val="accent1"/>
+          </a:effectRef>
+          <a:fontRef idx="minor">
+            <a:schemeClr val="lt1"/>
+          </a:fontRef>
+        </p:style>
+        <p:txBody>
+          <a:bodyPr rtlCol="0" anchor="t"/>
+          <a:lstStyle/>
+          <a:p>
+            <a:pPr marL="285750" indent="-285750">
+              <a:buFont typeface="Arial" panose="020B0604020202020204" pitchFamily="34" charset="0"/>
+              <a:buChar char="•"/>
+            </a:pPr>
+            <a:r>
+              <a:rPr lang="de-DE" sz="1400" dirty="0">
+                <a:solidFill>
+                  <a:schemeClr val="tx1"/>
+                </a:solidFill>
+              </a:rPr>
+              <a:t>Stresstest/Integrationstest</a:t>
+            </a:r>
+          </a:p>
+          <a:p>
+            <a:pPr marL="285750" indent="-285750">
+              <a:buFont typeface="Arial" panose="020B0604020202020204" pitchFamily="34" charset="0"/>
+              <a:buChar char="•"/>
+            </a:pPr>
+            <a:r>
+              <a:rPr lang="de-DE" sz="1400" dirty="0">
+                <a:solidFill>
+                  <a:schemeClr val="tx1"/>
+                </a:solidFill>
+              </a:rPr>
+              <a:t>Produktionstest/Abnahme</a:t>
+            </a:r>
+          </a:p>
+          <a:p>
+            <a:pPr marL="285750" indent="-285750">
+              <a:buFont typeface="Arial" panose="020B0604020202020204" pitchFamily="34" charset="0"/>
+              <a:buChar char="•"/>
+            </a:pPr>
+            <a:r>
+              <a:rPr lang="de-DE" sz="1400" dirty="0">
+                <a:solidFill>
+                  <a:schemeClr val="tx1"/>
+                </a:solidFill>
+              </a:rPr>
+              <a:t>Test der Teilkomponenten</a:t>
+            </a:r>
+          </a:p>
+        </p:txBody>
+      </p:sp>
+      <p:sp>
+        <p:nvSpPr>
+          <p:cNvPr id="35" name="Rechteck 34">
+            <a:extLst>
+              <a:ext uri="{FF2B5EF4-FFF2-40B4-BE49-F238E27FC236}">
+                <a16:creationId xmlns:a16="http://schemas.microsoft.com/office/drawing/2014/main" id="{B3E8A12B-59CA-41CA-8416-C45E34EE49E2}"/>
+              </a:ext>
+            </a:extLst>
+          </p:cNvPr>
+          <p:cNvSpPr/>
+          <p:nvPr/>
+        </p:nvSpPr>
+        <p:spPr>
+          <a:xfrm>
+            <a:off x="9170498" y="2464408"/>
+            <a:ext cx="3091126" cy="4197677"/>
+          </a:xfrm>
+          <a:prstGeom prst="rect">
+            <a:avLst/>
+          </a:prstGeom>
+          <a:noFill/>
+          <a:ln>
+            <a:noFill/>
+          </a:ln>
+        </p:spPr>
+        <p:style>
+          <a:lnRef idx="2">
+            <a:schemeClr val="accent1">
+              <a:shade val="50000"/>
+            </a:schemeClr>
+          </a:lnRef>
+          <a:fillRef idx="1">
+            <a:schemeClr val="accent1"/>
+          </a:fillRef>
+          <a:effectRef idx="0">
+            <a:schemeClr val="accent1"/>
+          </a:effectRef>
+          <a:fontRef idx="minor">
+            <a:schemeClr val="lt1"/>
+          </a:fontRef>
+        </p:style>
+        <p:txBody>
+          <a:bodyPr rtlCol="0" anchor="t"/>
+          <a:lstStyle/>
+          <a:p>
+            <a:pPr marL="285750" indent="-285750">
+              <a:buFont typeface="Arial" panose="020B0604020202020204" pitchFamily="34" charset="0"/>
+              <a:buChar char="•"/>
+            </a:pPr>
+            <a:r>
+              <a:rPr lang="de-DE" sz="1400" dirty="0">
+                <a:solidFill>
+                  <a:schemeClr val="tx1"/>
+                </a:solidFill>
+              </a:rPr>
+              <a:t>Mitarbeiter Schulung </a:t>
+            </a:r>
+          </a:p>
+          <a:p>
+            <a:pPr marL="285750" indent="-285750">
+              <a:buFont typeface="Arial" panose="020B0604020202020204" pitchFamily="34" charset="0"/>
+              <a:buChar char="•"/>
+            </a:pPr>
+            <a:r>
+              <a:rPr lang="de-DE" sz="1400" dirty="0">
+                <a:solidFill>
+                  <a:schemeClr val="tx1"/>
+                </a:solidFill>
+              </a:rPr>
+              <a:t>Kommunikation mit Kunde</a:t>
             </a:r>
           </a:p>
         </p:txBody>
@@ -17258,7 +17691,7 @@
           <p:cNvPr id="3" name="Fußzeilenplatzhalter 2">
             <a:extLst>
               <a:ext uri="{FF2B5EF4-FFF2-40B4-BE49-F238E27FC236}">
-                <a16:creationId xmlns:a16="http://schemas.microsoft.com/office/drawing/2014/main" id="{C4722FF4-E05C-46EB-A19C-4697C7C60FE7}"/>
+                <a16:creationId xmlns:a16="http://schemas.microsoft.com/office/drawing/2014/main" id="{8CC179E7-4409-4C99-93B9-4BFA40F46995}"/>
               </a:ext>
             </a:extLst>
           </p:cNvPr>
@@ -17269,12 +17702,7 @@
             <p:ph type="ftr" sz="quarter" idx="11"/>
           </p:nvPr>
         </p:nvSpPr>
-        <p:spPr>
-          <a:xfrm>
-            <a:off x="6096000" y="6441526"/>
-            <a:ext cx="4822804" cy="365125"/>
-          </a:xfrm>
-        </p:spPr>
+        <p:spPr/>
         <p:txBody>
           <a:bodyPr/>
           <a:lstStyle/>
@@ -17306,10 +17734,10 @@
       </p:sp>
       <p:sp>
         <p:nvSpPr>
-          <p:cNvPr id="5" name="Foliennummernplatzhalter 4">
+          <p:cNvPr id="4" name="Foliennummernplatzhalter 3">
             <a:extLst>
               <a:ext uri="{FF2B5EF4-FFF2-40B4-BE49-F238E27FC236}">
-                <a16:creationId xmlns:a16="http://schemas.microsoft.com/office/drawing/2014/main" id="{879CC423-E92D-4775-AE1C-53F8A9841C03}"/>
+                <a16:creationId xmlns:a16="http://schemas.microsoft.com/office/drawing/2014/main" id="{EE861B97-CE42-4A82-B31C-C2CA0973844B}"/>
               </a:ext>
             </a:extLst>
           </p:cNvPr>
@@ -17336,7 +17764,7 @@
     </p:spTree>
     <p:extLst>
       <p:ext uri="{BB962C8B-B14F-4D97-AF65-F5344CB8AC3E}">
-        <p14:creationId xmlns:p14="http://schemas.microsoft.com/office/powerpoint/2010/main" val="758388306"/>
+        <p14:creationId xmlns:p14="http://schemas.microsoft.com/office/powerpoint/2010/main" val="128592377"/>
       </p:ext>
     </p:extLst>
   </p:cSld>

--- a/Präsentation/Präsentation.pptx
+++ b/Präsentation/Präsentation.pptx
@@ -4418,7 +4418,7 @@
           <a:p>
             <a:fld id="{5C20507F-F644-498B-8FD8-DF1C414025EC}" type="datetimeFigureOut">
               <a:rPr lang="de-DE" smtClean="0"/>
-              <a:t>07.11.2019</a:t>
+              <a:t>11.11.2019</a:t>
             </a:fld>
             <a:endParaRPr lang="de-DE"/>
           </a:p>
@@ -4921,6 +4921,90 @@
           <a:p>
             <a:fld id="{2F526E87-3F77-4BDE-BD80-0F6E2B67AF76}" type="slidenum">
               <a:rPr lang="de-DE" smtClean="0"/>
+              <a:t>10</a:t>
+            </a:fld>
+            <a:endParaRPr lang="de-DE"/>
+          </a:p>
+        </p:txBody>
+      </p:sp>
+    </p:spTree>
+    <p:extLst>
+      <p:ext uri="{BB962C8B-B14F-4D97-AF65-F5344CB8AC3E}">
+        <p14:creationId xmlns:p14="http://schemas.microsoft.com/office/powerpoint/2010/main" val="3692864337"/>
+      </p:ext>
+    </p:extLst>
+  </p:cSld>
+  <p:clrMapOvr>
+    <a:masterClrMapping/>
+  </p:clrMapOvr>
+</p:notes>
+</file>
+
+<file path=ppt/notesSlides/notesSlide4.xml><?xml version="1.0" encoding="utf-8"?>
+<p:notes xmlns:a="http://schemas.openxmlformats.org/drawingml/2006/main" xmlns:r="http://schemas.openxmlformats.org/officeDocument/2006/relationships" xmlns:p="http://schemas.openxmlformats.org/presentationml/2006/main">
+  <p:cSld>
+    <p:spTree>
+      <p:nvGrpSpPr>
+        <p:cNvPr id="1" name=""/>
+        <p:cNvGrpSpPr/>
+        <p:nvPr/>
+      </p:nvGrpSpPr>
+      <p:grpSpPr>
+        <a:xfrm>
+          <a:off x="0" y="0"/>
+          <a:ext cx="0" cy="0"/>
+          <a:chOff x="0" y="0"/>
+          <a:chExt cx="0" cy="0"/>
+        </a:xfrm>
+      </p:grpSpPr>
+      <p:sp>
+        <p:nvSpPr>
+          <p:cNvPr id="2" name="Folienbildplatzhalter 1"/>
+          <p:cNvSpPr>
+            <a:spLocks noGrp="1" noRot="1" noChangeAspect="1"/>
+          </p:cNvSpPr>
+          <p:nvPr>
+            <p:ph type="sldImg"/>
+          </p:nvPr>
+        </p:nvSpPr>
+        <p:spPr/>
+      </p:sp>
+      <p:sp>
+        <p:nvSpPr>
+          <p:cNvPr id="3" name="Notizenplatzhalter 2"/>
+          <p:cNvSpPr>
+            <a:spLocks noGrp="1"/>
+          </p:cNvSpPr>
+          <p:nvPr>
+            <p:ph type="body" idx="1"/>
+          </p:nvPr>
+        </p:nvSpPr>
+        <p:spPr/>
+        <p:txBody>
+          <a:bodyPr/>
+          <a:lstStyle/>
+          <a:p>
+            <a:endParaRPr lang="de-DE" dirty="0"/>
+          </a:p>
+        </p:txBody>
+      </p:sp>
+      <p:sp>
+        <p:nvSpPr>
+          <p:cNvPr id="4" name="Foliennummernplatzhalter 3"/>
+          <p:cNvSpPr>
+            <a:spLocks noGrp="1"/>
+          </p:cNvSpPr>
+          <p:nvPr>
+            <p:ph type="sldNum" sz="quarter" idx="5"/>
+          </p:nvPr>
+        </p:nvSpPr>
+        <p:spPr/>
+        <p:txBody>
+          <a:bodyPr/>
+          <a:lstStyle/>
+          <a:p>
+            <a:fld id="{2F526E87-3F77-4BDE-BD80-0F6E2B67AF76}" type="slidenum">
+              <a:rPr lang="de-DE" smtClean="0"/>
               <a:t>11</a:t>
             </a:fld>
             <a:endParaRPr lang="de-DE"/>
@@ -4940,7 +5024,7 @@
 </p:notes>
 </file>
 
-<file path=ppt/notesSlides/notesSlide4.xml><?xml version="1.0" encoding="utf-8"?>
+<file path=ppt/notesSlides/notesSlide5.xml><?xml version="1.0" encoding="utf-8"?>
 <p:notes xmlns:a="http://schemas.openxmlformats.org/drawingml/2006/main" xmlns:r="http://schemas.openxmlformats.org/officeDocument/2006/relationships" xmlns:p="http://schemas.openxmlformats.org/presentationml/2006/main">
   <p:cSld>
     <p:spTree>
@@ -5307,7 +5391,7 @@
           <a:p>
             <a:fld id="{E20E4F3F-845D-4F9B-8146-D1519830B904}" type="datetime1">
               <a:rPr lang="de-DE" smtClean="0"/>
-              <a:t>07.11.2019</a:t>
+              <a:t>11.11.2019</a:t>
             </a:fld>
             <a:endParaRPr lang="de-DE"/>
           </a:p>
@@ -5530,7 +5614,7 @@
           <a:p>
             <a:fld id="{D6AF7F36-D3CF-4CB1-A198-5DBF5AE98F98}" type="datetime1">
               <a:rPr lang="de-DE" smtClean="0"/>
-              <a:t>07.11.2019</a:t>
+              <a:t>11.11.2019</a:t>
             </a:fld>
             <a:endParaRPr lang="de-DE"/>
           </a:p>
@@ -5801,7 +5885,7 @@
           <a:p>
             <a:fld id="{D034C2E4-6ADB-4C4E-B6E6-AED16E990A6B}" type="datetime1">
               <a:rPr lang="de-DE" smtClean="0"/>
-              <a:t>07.11.2019</a:t>
+              <a:t>11.11.2019</a:t>
             </a:fld>
             <a:endParaRPr lang="de-DE"/>
           </a:p>
@@ -5986,7 +6070,7 @@
           <a:p>
             <a:fld id="{8CAE0EDF-60BD-4F7C-BA0E-CEC3494323E3}" type="datetime1">
               <a:rPr lang="de-DE" smtClean="0"/>
-              <a:t>07.11.2019</a:t>
+              <a:t>11.11.2019</a:t>
             </a:fld>
             <a:endParaRPr lang="de-DE"/>
           </a:p>
@@ -6344,7 +6428,7 @@
           <a:p>
             <a:fld id="{65E87D71-8681-4979-A5E3-070DCB1B5789}" type="datetime1">
               <a:rPr lang="de-DE" smtClean="0"/>
-              <a:t>07.11.2019</a:t>
+              <a:t>11.11.2019</a:t>
             </a:fld>
             <a:endParaRPr lang="de-DE"/>
           </a:p>
@@ -6634,7 +6718,7 @@
           <a:p>
             <a:fld id="{FA6C8370-3AD9-4037-968C-483DB437FCFE}" type="datetime1">
               <a:rPr lang="de-DE" smtClean="0"/>
-              <a:t>07.11.2019</a:t>
+              <a:t>11.11.2019</a:t>
             </a:fld>
             <a:endParaRPr lang="de-DE"/>
           </a:p>
@@ -7028,7 +7112,7 @@
           <a:p>
             <a:fld id="{A9D059DF-F17F-4E6E-B5FE-C4568F9CDDED}" type="datetime1">
               <a:rPr lang="de-DE" smtClean="0"/>
-              <a:t>07.11.2019</a:t>
+              <a:t>11.11.2019</a:t>
             </a:fld>
             <a:endParaRPr lang="de-DE"/>
           </a:p>
@@ -7161,7 +7245,7 @@
           <a:p>
             <a:fld id="{33C65DDB-696D-4624-8A56-11F23A4BD75D}" type="datetime1">
               <a:rPr lang="de-DE" smtClean="0"/>
-              <a:t>07.11.2019</a:t>
+              <a:t>11.11.2019</a:t>
             </a:fld>
             <a:endParaRPr lang="de-DE"/>
           </a:p>
@@ -7347,7 +7431,7 @@
           <a:p>
             <a:fld id="{3755A3D4-8D6E-4B3D-815E-622AEB78E06F}" type="datetime1">
               <a:rPr lang="de-DE" smtClean="0"/>
-              <a:t>07.11.2019</a:t>
+              <a:t>11.11.2019</a:t>
             </a:fld>
             <a:endParaRPr lang="de-DE"/>
           </a:p>
@@ -7716,7 +7800,7 @@
           <a:p>
             <a:fld id="{6B6C2961-9553-4839-AF75-01B62C904A1D}" type="datetime1">
               <a:rPr lang="de-DE" smtClean="0"/>
-              <a:t>07.11.2019</a:t>
+              <a:t>11.11.2019</a:t>
             </a:fld>
             <a:endParaRPr lang="de-DE"/>
           </a:p>
@@ -8108,7 +8192,7 @@
           <a:p>
             <a:fld id="{FA987991-0E6C-4CA2-9EA8-4339CDBF957C}" type="datetime1">
               <a:rPr lang="de-DE" smtClean="0"/>
-              <a:t>07.11.2019</a:t>
+              <a:t>11.11.2019</a:t>
             </a:fld>
             <a:endParaRPr lang="de-DE"/>
           </a:p>
@@ -8410,7 +8494,7 @@
           <a:p>
             <a:fld id="{D143D594-0D86-4019-A654-65D000944FED}" type="datetime1">
               <a:rPr lang="de-DE" smtClean="0"/>
-              <a:t>07.11.2019</a:t>
+              <a:t>11.11.2019</a:t>
             </a:fld>
             <a:endParaRPr lang="de-DE"/>
           </a:p>
@@ -10850,7 +10934,7 @@
         <p:spPr>
           <a:xfrm>
             <a:off x="415636" y="1450756"/>
-            <a:ext cx="11521440" cy="2308324"/>
+            <a:ext cx="11521440" cy="3477875"/>
           </a:xfrm>
           <a:prstGeom prst="rect">
             <a:avLst/>
@@ -10868,14 +10952,14 @@
               <a:buAutoNum type="arabicPeriod"/>
             </a:pPr>
             <a:r>
-              <a:rPr lang="de-DE" dirty="0"/>
+              <a:rPr lang="de-DE" sz="2200" dirty="0"/>
               <a:t>Wir können erst spät oder gar nicht die Braustelle betreten.</a:t>
             </a:r>
             <a:br>
-              <a:rPr lang="de-DE" dirty="0"/>
+              <a:rPr lang="de-DE" sz="2200" dirty="0"/>
             </a:br>
             <a:r>
-              <a:rPr lang="de-DE" dirty="0"/>
+              <a:rPr lang="de-DE" sz="2200" dirty="0"/>
               <a:t>Lösungsansatz: Aufgaben wie SAP programmieren oder Dashboard/APP anfertigen werden vorgezogen. Danach  arbeiten alle Mitarbeiter an der Fertigstellung der anderen Aufgaben</a:t>
             </a:r>
           </a:p>
@@ -10885,14 +10969,14 @@
               <a:buAutoNum type="arabicPeriod"/>
             </a:pPr>
             <a:r>
-              <a:rPr lang="de-DE" dirty="0"/>
+              <a:rPr lang="de-DE" sz="2200" dirty="0"/>
               <a:t>Verwandte Prozesse werden nicht rechtzeitig zur geplanten Anbindung bzw. geplanten Systemtest fertig.</a:t>
             </a:r>
             <a:br>
-              <a:rPr lang="de-DE" dirty="0"/>
+              <a:rPr lang="de-DE" sz="2200" dirty="0"/>
             </a:br>
             <a:r>
-              <a:rPr lang="de-DE" dirty="0"/>
+              <a:rPr lang="de-DE" sz="2200" dirty="0"/>
               <a:t>Lösungsansatz:  Andere Aufgaben vorziehen bzw. beim Systemtest den Input der Prozesse simulieren</a:t>
             </a:r>
           </a:p>
@@ -10902,19 +10986,19 @@
               <a:buAutoNum type="arabicPeriod"/>
             </a:pPr>
             <a:r>
-              <a:rPr lang="de-DE" dirty="0"/>
+              <a:rPr lang="de-DE" sz="2200" dirty="0"/>
               <a:t>Pflanzen können nicht zum geplanten Zeitpunkt verwendet werden.</a:t>
             </a:r>
             <a:br>
-              <a:rPr lang="de-DE" dirty="0"/>
+              <a:rPr lang="de-DE" sz="2200" dirty="0"/>
             </a:br>
             <a:r>
-              <a:rPr lang="de-DE" dirty="0"/>
+              <a:rPr lang="de-DE" sz="2200" dirty="0"/>
               <a:t>Lösungsansatz: Kräuter aus anderer Quelle beziehen oder Test ohne Kräuter</a:t>
             </a:r>
           </a:p>
           <a:p>
-            <a:endParaRPr lang="de-DE" dirty="0"/>
+            <a:endParaRPr lang="de-DE" sz="2200" dirty="0"/>
           </a:p>
         </p:txBody>
       </p:sp>
@@ -11075,12 +11159,8 @@
               <a:buChar char="•"/>
             </a:pPr>
             <a:r>
-              <a:rPr lang="de-DE" sz="2200"/>
-              <a:t>Hardware zur </a:t>
-            </a:r>
-            <a:r>
               <a:rPr lang="de-DE" sz="2200" dirty="0"/>
-              <a:t>Automatisierung einiger Schritte</a:t>
+              <a:t>Hardware zur Automatisierung einiger Schritte</a:t>
             </a:r>
           </a:p>
           <a:p>
@@ -11284,44 +11364,44 @@
           <a:lstStyle/>
           <a:p>
             <a:r>
-              <a:rPr lang="de-DE" dirty="0"/>
+              <a:rPr lang="de-DE" sz="2200" dirty="0"/>
               <a:t>Senkung des Fehlproduktionsrisikos um 90% , daraus resultiert eine Gewinnsteigerung von 10%</a:t>
             </a:r>
             <a:br>
-              <a:rPr lang="de-DE" dirty="0"/>
+              <a:rPr lang="de-DE" sz="2200" dirty="0"/>
             </a:br>
             <a:br>
-              <a:rPr lang="de-DE" dirty="0"/>
+              <a:rPr lang="de-DE" sz="2200" dirty="0"/>
             </a:br>
             <a:r>
-              <a:rPr lang="de-DE" dirty="0"/>
+              <a:rPr lang="de-DE" sz="2200" dirty="0"/>
               <a:t>Aufgrund der erhöhten Qualität und ist ein Wachstum Ihres Marktanteils anzunehmen</a:t>
             </a:r>
           </a:p>
           <a:p>
             <a:r>
-              <a:rPr lang="de-DE" dirty="0"/>
+              <a:rPr lang="de-DE" sz="2200" dirty="0"/>
               <a:t>Das digitale Grundgerüst eines ERP-Systems ermöglicht Ihnen weitere Investitionen in gewinnsteigende Maßnahmen wie Prozessoptimierung, </a:t>
             </a:r>
             <a:r>
-              <a:rPr lang="de-DE" dirty="0" err="1"/>
+              <a:rPr lang="de-DE" sz="2200" dirty="0" err="1"/>
               <a:t>Conditioning</a:t>
             </a:r>
             <a:r>
-              <a:rPr lang="de-DE" dirty="0"/>
+              <a:rPr lang="de-DE" sz="2200" dirty="0"/>
               <a:t> Monitoring, </a:t>
             </a:r>
             <a:r>
-              <a:rPr lang="de-DE" dirty="0" err="1"/>
+              <a:rPr lang="de-DE" sz="2200" dirty="0" err="1"/>
               <a:t>Predictive</a:t>
             </a:r>
             <a:r>
-              <a:rPr lang="de-DE" dirty="0"/>
+              <a:rPr lang="de-DE" sz="2200" dirty="0"/>
               <a:t> Maintenance oder weitere Automatisierungsschritte</a:t>
             </a:r>
           </a:p>
           <a:p>
-            <a:endParaRPr lang="de-DE" dirty="0"/>
+            <a:endParaRPr lang="de-DE" sz="2200" dirty="0"/>
           </a:p>
         </p:txBody>
       </p:sp>
@@ -15875,8 +15955,8 @@
         </p:nvSpPr>
         <p:spPr>
           <a:xfrm>
-            <a:off x="3698391" y="4843788"/>
-            <a:ext cx="2461505" cy="923330"/>
+            <a:off x="3644703" y="4843787"/>
+            <a:ext cx="2515193" cy="1200329"/>
           </a:xfrm>
           <a:prstGeom prst="rect">
             <a:avLst/>
@@ -15913,6 +15993,9 @@
           <a:p>
             <a:endParaRPr lang="de-DE" dirty="0"/>
           </a:p>
+          <a:p>
+            <a:endParaRPr lang="de-DE" dirty="0"/>
+          </a:p>
         </p:txBody>
       </p:sp>
       <p:cxnSp>
@@ -15931,9 +16014,9 @@
           <p:nvPr/>
         </p:nvCxnSpPr>
         <p:spPr>
-          <a:xfrm flipH="1" flipV="1">
-            <a:off x="4929143" y="3920738"/>
-            <a:ext cx="1" cy="923050"/>
+          <a:xfrm flipV="1">
+            <a:off x="4902300" y="3920739"/>
+            <a:ext cx="26844" cy="923048"/>
           </a:xfrm>
           <a:prstGeom prst="straightConnector1">
             <a:avLst/>
@@ -16021,7 +16104,7 @@
         </p:nvSpPr>
         <p:spPr>
           <a:xfrm>
-            <a:off x="3810195" y="5201108"/>
+            <a:off x="3808270" y="5186129"/>
             <a:ext cx="2291443" cy="369332"/>
           </a:xfrm>
           <a:prstGeom prst="rect">
@@ -16276,6 +16359,54 @@
             <a:r>
               <a:rPr lang="de-DE" dirty="0"/>
               <a:t>MQTT Client</a:t>
+            </a:r>
+          </a:p>
+        </p:txBody>
+      </p:sp>
+      <p:sp>
+        <p:nvSpPr>
+          <p:cNvPr id="3" name="Textfeld 2">
+            <a:extLst>
+              <a:ext uri="{FF2B5EF4-FFF2-40B4-BE49-F238E27FC236}">
+                <a16:creationId xmlns:a16="http://schemas.microsoft.com/office/drawing/2014/main" id="{7F121E55-2D2A-40D2-9554-D0C324416DC0}"/>
+              </a:ext>
+            </a:extLst>
+          </p:cNvPr>
+          <p:cNvSpPr txBox="1"/>
+          <p:nvPr/>
+        </p:nvSpPr>
+        <p:spPr>
+          <a:xfrm>
+            <a:off x="3808270" y="5629188"/>
+            <a:ext cx="2287730" cy="369332"/>
+          </a:xfrm>
+          <a:prstGeom prst="rect">
+            <a:avLst/>
+          </a:prstGeom>
+        </p:spPr>
+        <p:style>
+          <a:lnRef idx="2">
+            <a:schemeClr val="dk1"/>
+          </a:lnRef>
+          <a:fillRef idx="1">
+            <a:schemeClr val="lt1"/>
+          </a:fillRef>
+          <a:effectRef idx="0">
+            <a:schemeClr val="dk1"/>
+          </a:effectRef>
+          <a:fontRef idx="minor">
+            <a:schemeClr val="dk1"/>
+          </a:fontRef>
+        </p:style>
+        <p:txBody>
+          <a:bodyPr wrap="square" rtlCol="0">
+            <a:spAutoFit/>
+          </a:bodyPr>
+          <a:lstStyle/>
+          <a:p>
+            <a:r>
+              <a:rPr lang="de-DE" dirty="0"/>
+              <a:t>Schnittstelle Pflanzen</a:t>
             </a:r>
           </a:p>
         </p:txBody>

--- a/Präsentation/Präsentation.pptx
+++ b/Präsentation/Präsentation.pptx
@@ -18,7 +18,7 @@
     <p:sldId id="272" r:id="rId9"/>
     <p:sldId id="258" r:id="rId10"/>
     <p:sldId id="263" r:id="rId11"/>
-    <p:sldId id="266" r:id="rId12"/>
+    <p:sldId id="275" r:id="rId12"/>
     <p:sldId id="274" r:id="rId13"/>
     <p:sldId id="270" r:id="rId14"/>
     <p:sldId id="265" r:id="rId15"/>
@@ -129,4213 +129,6 @@
 </p:presentation>
 </file>
 
-<file path=ppt/charts/chart1.xml><?xml version="1.0" encoding="utf-8"?>
-<c:chartSpace xmlns:c="http://schemas.openxmlformats.org/drawingml/2006/chart" xmlns:a="http://schemas.openxmlformats.org/drawingml/2006/main" xmlns:r="http://schemas.openxmlformats.org/officeDocument/2006/relationships" xmlns:c16r2="http://schemas.microsoft.com/office/drawing/2015/06/chart">
-  <c:date1904 val="0"/>
-  <c:lang val="de-DE"/>
-  <c:roundedCorners val="0"/>
-  <mc:AlternateContent xmlns:mc="http://schemas.openxmlformats.org/markup-compatibility/2006">
-    <mc:Choice xmlns:c14="http://schemas.microsoft.com/office/drawing/2007/8/2/chart" Requires="c14">
-      <c14:style val="102"/>
-    </mc:Choice>
-    <mc:Fallback>
-      <c:style val="2"/>
-    </mc:Fallback>
-  </mc:AlternateContent>
-  <c:chart>
-    <c:autoTitleDeleted val="1"/>
-    <c:plotArea>
-      <c:layout>
-        <c:manualLayout>
-          <c:layoutTarget val="inner"/>
-          <c:xMode val="edge"/>
-          <c:yMode val="edge"/>
-          <c:x val="0.12901109893932067"/>
-          <c:y val="2.3757554715332116E-3"/>
-          <c:w val="0.83717768582132623"/>
-          <c:h val="0.90876987056067127"/>
-        </c:manualLayout>
-      </c:layout>
-      <c:barChart>
-        <c:barDir val="bar"/>
-        <c:grouping val="stacked"/>
-        <c:varyColors val="0"/>
-        <c:ser>
-          <c:idx val="0"/>
-          <c:order val="0"/>
-          <c:spPr>
-            <a:solidFill>
-              <a:schemeClr val="accent1"/>
-            </a:solidFill>
-            <a:ln>
-              <a:noFill/>
-            </a:ln>
-            <a:effectLst/>
-          </c:spPr>
-          <c:invertIfNegative val="0"/>
-          <c:cat>
-            <c:strRef>
-              <c:f>Tabelle1!$G$3:$G$17</c:f>
-              <c:strCache>
-                <c:ptCount val="15"/>
-                <c:pt idx="0">
-                  <c:v>Gate</c:v>
-                </c:pt>
-                <c:pt idx="1">
-                  <c:v>MQTT</c:v>
-                </c:pt>
-                <c:pt idx="2">
-                  <c:v>SAP</c:v>
-                </c:pt>
-                <c:pt idx="3">
-                  <c:v>Dash</c:v>
-                </c:pt>
-                <c:pt idx="4">
-                  <c:v>OPC-UA</c:v>
-                </c:pt>
-                <c:pt idx="5">
-                  <c:v>SPS</c:v>
-                </c:pt>
-                <c:pt idx="6">
-                  <c:v>Schnitt-Pflanzen</c:v>
-                </c:pt>
-                <c:pt idx="7">
-                  <c:v>Schnitt-Monitoring</c:v>
-                </c:pt>
-                <c:pt idx="8">
-                  <c:v>TeilTest-SPS</c:v>
-                </c:pt>
-                <c:pt idx="9">
-                  <c:v>TeilTest-Dash</c:v>
-                </c:pt>
-                <c:pt idx="10">
-                  <c:v>TeilTest-MQTT</c:v>
-                </c:pt>
-                <c:pt idx="11">
-                  <c:v>TeilTest-Schnitt-Pflanzen</c:v>
-                </c:pt>
-                <c:pt idx="12">
-                  <c:v>TeilTest-Schnitt-Monitoring</c:v>
-                </c:pt>
-                <c:pt idx="13">
-                  <c:v>SysTest/Abnahme</c:v>
-                </c:pt>
-                <c:pt idx="14">
-                  <c:v>Meilensteine</c:v>
-                </c:pt>
-              </c:strCache>
-            </c:strRef>
-          </c:cat>
-          <c:val>
-            <c:numRef>
-              <c:f>Tabelle1!$G$3:$G$17</c:f>
-              <c:numCache>
-                <c:formatCode>General</c:formatCode>
-                <c:ptCount val="15"/>
-                <c:pt idx="0">
-                  <c:v>0</c:v>
-                </c:pt>
-                <c:pt idx="1">
-                  <c:v>0</c:v>
-                </c:pt>
-                <c:pt idx="2">
-                  <c:v>0</c:v>
-                </c:pt>
-                <c:pt idx="3">
-                  <c:v>0</c:v>
-                </c:pt>
-                <c:pt idx="4">
-                  <c:v>0</c:v>
-                </c:pt>
-                <c:pt idx="5">
-                  <c:v>0</c:v>
-                </c:pt>
-                <c:pt idx="6">
-                  <c:v>0</c:v>
-                </c:pt>
-                <c:pt idx="7">
-                  <c:v>0</c:v>
-                </c:pt>
-                <c:pt idx="8">
-                  <c:v>0</c:v>
-                </c:pt>
-                <c:pt idx="9">
-                  <c:v>0</c:v>
-                </c:pt>
-                <c:pt idx="10">
-                  <c:v>0</c:v>
-                </c:pt>
-                <c:pt idx="11">
-                  <c:v>0</c:v>
-                </c:pt>
-                <c:pt idx="12">
-                  <c:v>0</c:v>
-                </c:pt>
-                <c:pt idx="13">
-                  <c:v>0</c:v>
-                </c:pt>
-                <c:pt idx="14">
-                  <c:v>0</c:v>
-                </c:pt>
-              </c:numCache>
-            </c:numRef>
-          </c:val>
-          <c:extLst>
-            <c:ext xmlns:c16="http://schemas.microsoft.com/office/drawing/2014/chart" uri="{C3380CC4-5D6E-409C-BE32-E72D297353CC}">
-              <c16:uniqueId val="{00000000-6699-486B-88E0-0B106DA34BF0}"/>
-            </c:ext>
-          </c:extLst>
-        </c:ser>
-        <c:dLbls>
-          <c:showLegendKey val="0"/>
-          <c:showVal val="0"/>
-          <c:showCatName val="0"/>
-          <c:showSerName val="0"/>
-          <c:showPercent val="0"/>
-          <c:showBubbleSize val="0"/>
-        </c:dLbls>
-        <c:gapWidth val="150"/>
-        <c:overlap val="100"/>
-        <c:axId val="209795920"/>
-        <c:axId val="209799856"/>
-      </c:barChart>
-      <c:catAx>
-        <c:axId val="209795920"/>
-        <c:scaling>
-          <c:orientation val="maxMin"/>
-        </c:scaling>
-        <c:delete val="0"/>
-        <c:axPos val="l"/>
-        <c:numFmt formatCode="General" sourceLinked="1"/>
-        <c:majorTickMark val="none"/>
-        <c:minorTickMark val="none"/>
-        <c:tickLblPos val="nextTo"/>
-        <c:spPr>
-          <a:noFill/>
-          <a:ln w="9525" cap="flat" cmpd="sng" algn="ctr">
-            <a:solidFill>
-              <a:schemeClr val="tx1">
-                <a:lumMod val="15000"/>
-                <a:lumOff val="85000"/>
-              </a:schemeClr>
-            </a:solidFill>
-            <a:round/>
-          </a:ln>
-          <a:effectLst/>
-        </c:spPr>
-        <c:txPr>
-          <a:bodyPr rot="-60000000" spcFirstLastPara="1" vertOverflow="ellipsis" vert="horz" wrap="square" anchor="ctr" anchorCtr="1"/>
-          <a:lstStyle/>
-          <a:p>
-            <a:pPr>
-              <a:defRPr sz="900" b="0" i="0" u="none" strike="noStrike" kern="1200" baseline="0">
-                <a:solidFill>
-                  <a:schemeClr val="tx1">
-                    <a:lumMod val="65000"/>
-                    <a:lumOff val="35000"/>
-                  </a:schemeClr>
-                </a:solidFill>
-                <a:latin typeface="+mn-lt"/>
-                <a:ea typeface="+mn-ea"/>
-                <a:cs typeface="+mn-cs"/>
-              </a:defRPr>
-            </a:pPr>
-            <a:endParaRPr lang="de-DE"/>
-          </a:p>
-        </c:txPr>
-        <c:crossAx val="209799856"/>
-        <c:crosses val="autoZero"/>
-        <c:auto val="0"/>
-        <c:lblAlgn val="ctr"/>
-        <c:lblOffset val="100"/>
-        <c:noMultiLvlLbl val="0"/>
-      </c:catAx>
-      <c:valAx>
-        <c:axId val="209799856"/>
-        <c:scaling>
-          <c:orientation val="minMax"/>
-          <c:max val="43854"/>
-          <c:min val="43774"/>
-        </c:scaling>
-        <c:delete val="0"/>
-        <c:axPos val="t"/>
-        <c:majorGridlines>
-          <c:spPr>
-            <a:ln w="9525" cap="flat" cmpd="sng" algn="ctr">
-              <a:solidFill>
-                <a:schemeClr val="tx1">
-                  <a:lumMod val="15000"/>
-                  <a:lumOff val="85000"/>
-                </a:schemeClr>
-              </a:solidFill>
-              <a:round/>
-            </a:ln>
-            <a:effectLst/>
-          </c:spPr>
-        </c:majorGridlines>
-        <c:numFmt formatCode="m/d/yyyy" sourceLinked="0"/>
-        <c:majorTickMark val="none"/>
-        <c:minorTickMark val="none"/>
-        <c:tickLblPos val="high"/>
-        <c:spPr>
-          <a:noFill/>
-          <a:ln>
-            <a:solidFill>
-              <a:schemeClr val="accent1"/>
-            </a:solidFill>
-          </a:ln>
-          <a:effectLst/>
-        </c:spPr>
-        <c:txPr>
-          <a:bodyPr rot="-60000000" spcFirstLastPara="1" vertOverflow="ellipsis" vert="horz" wrap="square" anchor="ctr" anchorCtr="1"/>
-          <a:lstStyle/>
-          <a:p>
-            <a:pPr>
-              <a:defRPr sz="900" b="0" i="0" u="none" strike="noStrike" kern="1200" baseline="0">
-                <a:solidFill>
-                  <a:schemeClr val="tx1">
-                    <a:lumMod val="65000"/>
-                    <a:lumOff val="35000"/>
-                  </a:schemeClr>
-                </a:solidFill>
-                <a:latin typeface="+mn-lt"/>
-                <a:ea typeface="+mn-ea"/>
-                <a:cs typeface="+mn-cs"/>
-              </a:defRPr>
-            </a:pPr>
-            <a:endParaRPr lang="de-DE"/>
-          </a:p>
-        </c:txPr>
-        <c:crossAx val="209795920"/>
-        <c:crosses val="autoZero"/>
-        <c:crossBetween val="between"/>
-        <c:majorUnit val="7"/>
-      </c:valAx>
-      <c:spPr>
-        <a:noFill/>
-        <a:ln>
-          <a:noFill/>
-        </a:ln>
-        <a:effectLst/>
-      </c:spPr>
-    </c:plotArea>
-    <c:plotVisOnly val="1"/>
-    <c:dispBlanksAs val="gap"/>
-    <c:extLst>
-      <c:ext xmlns:c16r3="http://schemas.microsoft.com/office/drawing/2017/03/chart" uri="{56B9EC1D-385E-4148-901F-78D8002777C0}">
-        <c16r3:dataDisplayOptions16>
-          <c16r3:dispNaAsBlank val="1"/>
-        </c16r3:dataDisplayOptions16>
-      </c:ext>
-    </c:extLst>
-    <c:showDLblsOverMax val="0"/>
-  </c:chart>
-  <c:spPr>
-    <a:noFill/>
-    <a:ln>
-      <a:noFill/>
-    </a:ln>
-    <a:effectLst/>
-  </c:spPr>
-  <c:txPr>
-    <a:bodyPr/>
-    <a:lstStyle/>
-    <a:p>
-      <a:pPr>
-        <a:defRPr/>
-      </a:pPr>
-      <a:endParaRPr lang="de-DE"/>
-    </a:p>
-  </c:txPr>
-  <c:externalData r:id="rId3">
-    <c:autoUpdate val="0"/>
-  </c:externalData>
-  <c:userShapes r:id="rId4"/>
-</c:chartSpace>
-</file>
-
-<file path=ppt/charts/colors1.xml><?xml version="1.0" encoding="utf-8"?>
-<cs:colorStyle xmlns:cs="http://schemas.microsoft.com/office/drawing/2012/chartStyle" xmlns:a="http://schemas.openxmlformats.org/drawingml/2006/main" meth="cycle" id="10">
-  <a:schemeClr val="accent1"/>
-  <a:schemeClr val="accent2"/>
-  <a:schemeClr val="accent3"/>
-  <a:schemeClr val="accent4"/>
-  <a:schemeClr val="accent5"/>
-  <a:schemeClr val="accent6"/>
-  <cs:variation/>
-  <cs:variation>
-    <a:lumMod val="60000"/>
-  </cs:variation>
-  <cs:variation>
-    <a:lumMod val="80000"/>
-    <a:lumOff val="20000"/>
-  </cs:variation>
-  <cs:variation>
-    <a:lumMod val="80000"/>
-  </cs:variation>
-  <cs:variation>
-    <a:lumMod val="60000"/>
-    <a:lumOff val="40000"/>
-  </cs:variation>
-  <cs:variation>
-    <a:lumMod val="50000"/>
-  </cs:variation>
-  <cs:variation>
-    <a:lumMod val="70000"/>
-    <a:lumOff val="30000"/>
-  </cs:variation>
-  <cs:variation>
-    <a:lumMod val="70000"/>
-  </cs:variation>
-  <cs:variation>
-    <a:lumMod val="50000"/>
-    <a:lumOff val="50000"/>
-  </cs:variation>
-</cs:colorStyle>
-</file>
-
-<file path=ppt/charts/style1.xml><?xml version="1.0" encoding="utf-8"?>
-<cs:chartStyle xmlns:cs="http://schemas.microsoft.com/office/drawing/2012/chartStyle" xmlns:a="http://schemas.openxmlformats.org/drawingml/2006/main" id="297">
-  <cs:axisTitle>
-    <cs:lnRef idx="0"/>
-    <cs:fillRef idx="0"/>
-    <cs:effectRef idx="0"/>
-    <cs:fontRef idx="minor">
-      <a:schemeClr val="tx1">
-        <a:lumMod val="65000"/>
-        <a:lumOff val="35000"/>
-      </a:schemeClr>
-    </cs:fontRef>
-    <cs:defRPr sz="1000" kern="1200"/>
-  </cs:axisTitle>
-  <cs:categoryAxis>
-    <cs:lnRef idx="0"/>
-    <cs:fillRef idx="0"/>
-    <cs:effectRef idx="0"/>
-    <cs:fontRef idx="minor">
-      <a:schemeClr val="tx1">
-        <a:lumMod val="65000"/>
-        <a:lumOff val="35000"/>
-      </a:schemeClr>
-    </cs:fontRef>
-    <cs:spPr>
-      <a:ln w="9525" cap="flat" cmpd="sng" algn="ctr">
-        <a:solidFill>
-          <a:schemeClr val="tx1">
-            <a:lumMod val="15000"/>
-            <a:lumOff val="85000"/>
-          </a:schemeClr>
-        </a:solidFill>
-        <a:round/>
-      </a:ln>
-    </cs:spPr>
-    <cs:defRPr sz="900" kern="1200"/>
-  </cs:categoryAxis>
-  <cs:chartArea mods="allowNoFillOverride allowNoLineOverride">
-    <cs:lnRef idx="0"/>
-    <cs:fillRef idx="0"/>
-    <cs:effectRef idx="0"/>
-    <cs:fontRef idx="minor">
-      <a:schemeClr val="tx1"/>
-    </cs:fontRef>
-    <cs:spPr>
-      <a:solidFill>
-        <a:schemeClr val="bg1"/>
-      </a:solidFill>
-      <a:ln w="9525" cap="flat" cmpd="sng" algn="ctr">
-        <a:solidFill>
-          <a:schemeClr val="tx1">
-            <a:lumMod val="15000"/>
-            <a:lumOff val="85000"/>
-          </a:schemeClr>
-        </a:solidFill>
-        <a:round/>
-      </a:ln>
-    </cs:spPr>
-    <cs:defRPr sz="1000" kern="1200"/>
-  </cs:chartArea>
-  <cs:dataLabel>
-    <cs:lnRef idx="0"/>
-    <cs:fillRef idx="0"/>
-    <cs:effectRef idx="0"/>
-    <cs:fontRef idx="minor">
-      <a:schemeClr val="tx1">
-        <a:lumMod val="75000"/>
-        <a:lumOff val="25000"/>
-      </a:schemeClr>
-    </cs:fontRef>
-    <cs:defRPr sz="900" kern="1200"/>
-  </cs:dataLabel>
-  <cs:dataLabelCallout>
-    <cs:lnRef idx="0"/>
-    <cs:fillRef idx="0"/>
-    <cs:effectRef idx="0"/>
-    <cs:fontRef idx="minor">
-      <a:schemeClr val="dk1">
-        <a:lumMod val="65000"/>
-        <a:lumOff val="35000"/>
-      </a:schemeClr>
-    </cs:fontRef>
-    <cs:spPr>
-      <a:solidFill>
-        <a:schemeClr val="lt1"/>
-      </a:solidFill>
-      <a:ln>
-        <a:solidFill>
-          <a:schemeClr val="dk1">
-            <a:lumMod val="25000"/>
-            <a:lumOff val="75000"/>
-          </a:schemeClr>
-        </a:solidFill>
-      </a:ln>
-    </cs:spPr>
-    <cs:defRPr sz="900" kern="1200"/>
-    <cs:bodyPr rot="0" spcFirstLastPara="1" vertOverflow="clip" horzOverflow="clip" vert="horz" wrap="square" lIns="36576" tIns="18288" rIns="36576" bIns="18288" anchor="ctr" anchorCtr="1">
-      <a:spAutoFit/>
-    </cs:bodyPr>
-  </cs:dataLabelCallout>
-  <cs:dataPoint>
-    <cs:lnRef idx="0"/>
-    <cs:fillRef idx="1">
-      <cs:styleClr val="auto"/>
-    </cs:fillRef>
-    <cs:effectRef idx="0"/>
-    <cs:fontRef idx="minor">
-      <a:schemeClr val="tx1"/>
-    </cs:fontRef>
-  </cs:dataPoint>
-  <cs:dataPoint3D>
-    <cs:lnRef idx="0"/>
-    <cs:fillRef idx="1">
-      <cs:styleClr val="auto"/>
-    </cs:fillRef>
-    <cs:effectRef idx="0"/>
-    <cs:fontRef idx="minor">
-      <a:schemeClr val="tx1"/>
-    </cs:fontRef>
-  </cs:dataPoint3D>
-  <cs:dataPointLine>
-    <cs:lnRef idx="0">
-      <cs:styleClr val="auto"/>
-    </cs:lnRef>
-    <cs:fillRef idx="1"/>
-    <cs:effectRef idx="0"/>
-    <cs:fontRef idx="minor">
-      <a:schemeClr val="tx1"/>
-    </cs:fontRef>
-    <cs:spPr>
-      <a:ln w="28575" cap="rnd">
-        <a:solidFill>
-          <a:schemeClr val="phClr"/>
-        </a:solidFill>
-        <a:round/>
-      </a:ln>
-    </cs:spPr>
-  </cs:dataPointLine>
-  <cs:dataPointMarker>
-    <cs:lnRef idx="0">
-      <cs:styleClr val="auto"/>
-    </cs:lnRef>
-    <cs:fillRef idx="1">
-      <cs:styleClr val="auto"/>
-    </cs:fillRef>
-    <cs:effectRef idx="0"/>
-    <cs:fontRef idx="minor">
-      <a:schemeClr val="tx1"/>
-    </cs:fontRef>
-    <cs:spPr>
-      <a:ln w="9525">
-        <a:solidFill>
-          <a:schemeClr val="phClr"/>
-        </a:solidFill>
-      </a:ln>
-    </cs:spPr>
-  </cs:dataPointMarker>
-  <cs:dataPointMarkerLayout symbol="circle" size="5"/>
-  <cs:dataPointWireframe>
-    <cs:lnRef idx="0">
-      <cs:styleClr val="auto"/>
-    </cs:lnRef>
-    <cs:fillRef idx="1"/>
-    <cs:effectRef idx="0"/>
-    <cs:fontRef idx="minor">
-      <a:schemeClr val="tx1"/>
-    </cs:fontRef>
-    <cs:spPr>
-      <a:ln w="9525" cap="rnd">
-        <a:solidFill>
-          <a:schemeClr val="phClr"/>
-        </a:solidFill>
-        <a:round/>
-      </a:ln>
-    </cs:spPr>
-  </cs:dataPointWireframe>
-  <cs:dataTable>
-    <cs:lnRef idx="0"/>
-    <cs:fillRef idx="0"/>
-    <cs:effectRef idx="0"/>
-    <cs:fontRef idx="minor">
-      <a:schemeClr val="tx1">
-        <a:lumMod val="65000"/>
-        <a:lumOff val="35000"/>
-      </a:schemeClr>
-    </cs:fontRef>
-    <cs:spPr>
-      <a:noFill/>
-      <a:ln w="9525" cap="flat" cmpd="sng" algn="ctr">
-        <a:solidFill>
-          <a:schemeClr val="tx1">
-            <a:lumMod val="15000"/>
-            <a:lumOff val="85000"/>
-          </a:schemeClr>
-        </a:solidFill>
-        <a:round/>
-      </a:ln>
-    </cs:spPr>
-    <cs:defRPr sz="900" kern="1200"/>
-  </cs:dataTable>
-  <cs:downBar>
-    <cs:lnRef idx="0"/>
-    <cs:fillRef idx="0"/>
-    <cs:effectRef idx="0"/>
-    <cs:fontRef idx="minor">
-      <a:schemeClr val="tx1"/>
-    </cs:fontRef>
-    <cs:spPr>
-      <a:solidFill>
-        <a:schemeClr val="dk1">
-          <a:lumMod val="75000"/>
-          <a:lumOff val="25000"/>
-        </a:schemeClr>
-      </a:solidFill>
-      <a:ln w="9525" cap="flat" cmpd="sng" algn="ctr">
-        <a:solidFill>
-          <a:schemeClr val="tx1">
-            <a:lumMod val="65000"/>
-            <a:lumOff val="35000"/>
-          </a:schemeClr>
-        </a:solidFill>
-        <a:round/>
-      </a:ln>
-    </cs:spPr>
-  </cs:downBar>
-  <cs:dropLine>
-    <cs:lnRef idx="0"/>
-    <cs:fillRef idx="0"/>
-    <cs:effectRef idx="0"/>
-    <cs:fontRef idx="minor">
-      <a:schemeClr val="tx1"/>
-    </cs:fontRef>
-    <cs:spPr>
-      <a:ln w="9525" cap="flat" cmpd="sng" algn="ctr">
-        <a:solidFill>
-          <a:schemeClr val="tx1">
-            <a:lumMod val="35000"/>
-            <a:lumOff val="65000"/>
-          </a:schemeClr>
-        </a:solidFill>
-        <a:round/>
-      </a:ln>
-    </cs:spPr>
-  </cs:dropLine>
-  <cs:errorBar>
-    <cs:lnRef idx="0"/>
-    <cs:fillRef idx="0"/>
-    <cs:effectRef idx="0"/>
-    <cs:fontRef idx="minor">
-      <a:schemeClr val="tx1"/>
-    </cs:fontRef>
-    <cs:spPr>
-      <a:ln w="9525" cap="flat" cmpd="sng" algn="ctr">
-        <a:solidFill>
-          <a:schemeClr val="tx1">
-            <a:lumMod val="65000"/>
-            <a:lumOff val="35000"/>
-          </a:schemeClr>
-        </a:solidFill>
-        <a:round/>
-      </a:ln>
-    </cs:spPr>
-  </cs:errorBar>
-  <cs:floor>
-    <cs:lnRef idx="0"/>
-    <cs:fillRef idx="0"/>
-    <cs:effectRef idx="0"/>
-    <cs:fontRef idx="minor">
-      <a:schemeClr val="tx1"/>
-    </cs:fontRef>
-    <cs:spPr>
-      <a:noFill/>
-      <a:ln>
-        <a:noFill/>
-      </a:ln>
-    </cs:spPr>
-  </cs:floor>
-  <cs:gridlineMajor>
-    <cs:lnRef idx="0"/>
-    <cs:fillRef idx="0"/>
-    <cs:effectRef idx="0"/>
-    <cs:fontRef idx="minor">
-      <a:schemeClr val="tx1"/>
-    </cs:fontRef>
-    <cs:spPr>
-      <a:ln w="9525" cap="flat" cmpd="sng" algn="ctr">
-        <a:solidFill>
-          <a:schemeClr val="tx1">
-            <a:lumMod val="15000"/>
-            <a:lumOff val="85000"/>
-          </a:schemeClr>
-        </a:solidFill>
-        <a:round/>
-      </a:ln>
-    </cs:spPr>
-  </cs:gridlineMajor>
-  <cs:gridlineMinor>
-    <cs:lnRef idx="0"/>
-    <cs:fillRef idx="0"/>
-    <cs:effectRef idx="0"/>
-    <cs:fontRef idx="minor">
-      <a:schemeClr val="tx1"/>
-    </cs:fontRef>
-    <cs:spPr>
-      <a:ln w="9525" cap="flat" cmpd="sng" algn="ctr">
-        <a:solidFill>
-          <a:schemeClr val="tx1">
-            <a:lumMod val="5000"/>
-            <a:lumOff val="95000"/>
-          </a:schemeClr>
-        </a:solidFill>
-        <a:round/>
-      </a:ln>
-    </cs:spPr>
-  </cs:gridlineMinor>
-  <cs:hiLoLine>
-    <cs:lnRef idx="0"/>
-    <cs:fillRef idx="0"/>
-    <cs:effectRef idx="0"/>
-    <cs:fontRef idx="minor">
-      <a:schemeClr val="tx1"/>
-    </cs:fontRef>
-    <cs:spPr>
-      <a:ln w="9525" cap="flat" cmpd="sng" algn="ctr">
-        <a:solidFill>
-          <a:schemeClr val="tx1">
-            <a:lumMod val="50000"/>
-            <a:lumOff val="50000"/>
-          </a:schemeClr>
-        </a:solidFill>
-        <a:round/>
-      </a:ln>
-    </cs:spPr>
-  </cs:hiLoLine>
-  <cs:leaderLine>
-    <cs:lnRef idx="0"/>
-    <cs:fillRef idx="0"/>
-    <cs:effectRef idx="0"/>
-    <cs:fontRef idx="minor">
-      <a:schemeClr val="tx1"/>
-    </cs:fontRef>
-    <cs:spPr>
-      <a:ln w="9525" cap="flat" cmpd="sng" algn="ctr">
-        <a:solidFill>
-          <a:schemeClr val="tx1">
-            <a:lumMod val="35000"/>
-            <a:lumOff val="65000"/>
-          </a:schemeClr>
-        </a:solidFill>
-        <a:round/>
-      </a:ln>
-    </cs:spPr>
-  </cs:leaderLine>
-  <cs:legend>
-    <cs:lnRef idx="0"/>
-    <cs:fillRef idx="0"/>
-    <cs:effectRef idx="0"/>
-    <cs:fontRef idx="minor">
-      <a:schemeClr val="tx1">
-        <a:lumMod val="65000"/>
-        <a:lumOff val="35000"/>
-      </a:schemeClr>
-    </cs:fontRef>
-    <cs:defRPr sz="900" kern="1200"/>
-  </cs:legend>
-  <cs:plotArea mods="allowNoFillOverride allowNoLineOverride">
-    <cs:lnRef idx="0"/>
-    <cs:fillRef idx="0"/>
-    <cs:effectRef idx="0"/>
-    <cs:fontRef idx="minor">
-      <a:schemeClr val="tx1"/>
-    </cs:fontRef>
-  </cs:plotArea>
-  <cs:plotArea3D mods="allowNoFillOverride allowNoLineOverride">
-    <cs:lnRef idx="0"/>
-    <cs:fillRef idx="0"/>
-    <cs:effectRef idx="0"/>
-    <cs:fontRef idx="minor">
-      <a:schemeClr val="tx1"/>
-    </cs:fontRef>
-  </cs:plotArea3D>
-  <cs:seriesAxis>
-    <cs:lnRef idx="0"/>
-    <cs:fillRef idx="0"/>
-    <cs:effectRef idx="0"/>
-    <cs:fontRef idx="minor">
-      <a:schemeClr val="tx1">
-        <a:lumMod val="65000"/>
-        <a:lumOff val="35000"/>
-      </a:schemeClr>
-    </cs:fontRef>
-    <cs:defRPr sz="900" kern="1200"/>
-  </cs:seriesAxis>
-  <cs:seriesLine>
-    <cs:lnRef idx="0"/>
-    <cs:fillRef idx="0"/>
-    <cs:effectRef idx="0"/>
-    <cs:fontRef idx="minor">
-      <a:schemeClr val="tx1"/>
-    </cs:fontRef>
-    <cs:spPr>
-      <a:ln w="9525" cap="flat" cmpd="sng" algn="ctr">
-        <a:solidFill>
-          <a:schemeClr val="tx1">
-            <a:lumMod val="35000"/>
-            <a:lumOff val="65000"/>
-          </a:schemeClr>
-        </a:solidFill>
-        <a:round/>
-      </a:ln>
-    </cs:spPr>
-  </cs:seriesLine>
-  <cs:title>
-    <cs:lnRef idx="0"/>
-    <cs:fillRef idx="0"/>
-    <cs:effectRef idx="0"/>
-    <cs:fontRef idx="minor">
-      <a:schemeClr val="tx1">
-        <a:lumMod val="65000"/>
-        <a:lumOff val="35000"/>
-      </a:schemeClr>
-    </cs:fontRef>
-    <cs:defRPr sz="1400" b="0" kern="1200" spc="0" baseline="0"/>
-  </cs:title>
-  <cs:trendline>
-    <cs:lnRef idx="0">
-      <cs:styleClr val="auto"/>
-    </cs:lnRef>
-    <cs:fillRef idx="0"/>
-    <cs:effectRef idx="0"/>
-    <cs:fontRef idx="minor">
-      <a:schemeClr val="tx1"/>
-    </cs:fontRef>
-    <cs:spPr>
-      <a:ln w="19050" cap="rnd">
-        <a:solidFill>
-          <a:schemeClr val="phClr"/>
-        </a:solidFill>
-        <a:prstDash val="sysDot"/>
-      </a:ln>
-    </cs:spPr>
-  </cs:trendline>
-  <cs:trendlineLabel>
-    <cs:lnRef idx="0"/>
-    <cs:fillRef idx="0"/>
-    <cs:effectRef idx="0"/>
-    <cs:fontRef idx="minor">
-      <a:schemeClr val="tx1">
-        <a:lumMod val="65000"/>
-        <a:lumOff val="35000"/>
-      </a:schemeClr>
-    </cs:fontRef>
-    <cs:defRPr sz="900" kern="1200"/>
-  </cs:trendlineLabel>
-  <cs:upBar>
-    <cs:lnRef idx="0"/>
-    <cs:fillRef idx="0"/>
-    <cs:effectRef idx="0"/>
-    <cs:fontRef idx="minor">
-      <a:schemeClr val="tx1"/>
-    </cs:fontRef>
-    <cs:spPr>
-      <a:solidFill>
-        <a:schemeClr val="lt1"/>
-      </a:solidFill>
-      <a:ln w="9525" cap="flat" cmpd="sng" algn="ctr">
-        <a:solidFill>
-          <a:schemeClr val="tx1">
-            <a:lumMod val="65000"/>
-            <a:lumOff val="35000"/>
-          </a:schemeClr>
-        </a:solidFill>
-        <a:round/>
-      </a:ln>
-    </cs:spPr>
-  </cs:upBar>
-  <cs:valueAxis>
-    <cs:lnRef idx="0"/>
-    <cs:fillRef idx="0"/>
-    <cs:effectRef idx="0"/>
-    <cs:fontRef idx="minor">
-      <a:schemeClr val="tx1">
-        <a:lumMod val="65000"/>
-        <a:lumOff val="35000"/>
-      </a:schemeClr>
-    </cs:fontRef>
-    <cs:defRPr sz="900" kern="1200"/>
-  </cs:valueAxis>
-  <cs:wall>
-    <cs:lnRef idx="0"/>
-    <cs:fillRef idx="0"/>
-    <cs:effectRef idx="0"/>
-    <cs:fontRef idx="minor">
-      <a:schemeClr val="tx1"/>
-    </cs:fontRef>
-    <cs:spPr>
-      <a:noFill/>
-      <a:ln>
-        <a:noFill/>
-      </a:ln>
-    </cs:spPr>
-  </cs:wall>
-</cs:chartStyle>
-</file>
-
-<file path=ppt/drawings/drawing1.xml><?xml version="1.0" encoding="utf-8"?>
-<c:userShapes xmlns:c="http://schemas.openxmlformats.org/drawingml/2006/chart">
-  <cdr:relSizeAnchor xmlns:cdr="http://schemas.openxmlformats.org/drawingml/2006/chartDrawing">
-    <cdr:from>
-      <cdr:x>0.12931</cdr:x>
-      <cdr:y>0.00606</cdr:y>
-    </cdr:from>
-    <cdr:to>
-      <cdr:x>0.20166</cdr:x>
-      <cdr:y>0.05508</cdr:y>
-    </cdr:to>
-    <cdr:sp macro="" textlink="">
-      <cdr:nvSpPr>
-        <cdr:cNvPr id="2" name="Rechteck 1">
-          <a:extLst xmlns:a="http://schemas.openxmlformats.org/drawingml/2006/main">
-            <a:ext uri="{FF2B5EF4-FFF2-40B4-BE49-F238E27FC236}">
-              <a16:creationId xmlns:a16="http://schemas.microsoft.com/office/drawing/2014/main" id="{80194C98-7E66-4570-B820-F7E786C198AF}"/>
-            </a:ext>
-          </a:extLst>
-        </cdr:cNvPr>
-        <cdr:cNvSpPr/>
-      </cdr:nvSpPr>
-      <cdr:spPr>
-        <a:xfrm xmlns:a="http://schemas.openxmlformats.org/drawingml/2006/main">
-          <a:off x="1481927" y="32396"/>
-          <a:ext cx="829132" cy="262044"/>
-        </a:xfrm>
-        <a:prstGeom xmlns:a="http://schemas.openxmlformats.org/drawingml/2006/main" prst="rect">
-          <a:avLst/>
-        </a:prstGeom>
-        <a:solidFill xmlns:a="http://schemas.openxmlformats.org/drawingml/2006/main">
-          <a:schemeClr val="accent1"/>
-        </a:solidFill>
-        <a:ln xmlns:a="http://schemas.openxmlformats.org/drawingml/2006/main">
-          <a:solidFill>
-            <a:schemeClr val="accent2"/>
-          </a:solidFill>
-        </a:ln>
-      </cdr:spPr>
-      <cdr:style>
-        <a:lnRef xmlns:a="http://schemas.openxmlformats.org/drawingml/2006/main" idx="2">
-          <a:schemeClr val="accent1">
-            <a:shade val="50000"/>
-          </a:schemeClr>
-        </a:lnRef>
-        <a:fillRef xmlns:a="http://schemas.openxmlformats.org/drawingml/2006/main" idx="1">
-          <a:schemeClr val="accent1"/>
-        </a:fillRef>
-        <a:effectRef xmlns:a="http://schemas.openxmlformats.org/drawingml/2006/main" idx="0">
-          <a:schemeClr val="accent1"/>
-        </a:effectRef>
-        <a:fontRef xmlns:a="http://schemas.openxmlformats.org/drawingml/2006/main" idx="minor">
-          <a:schemeClr val="lt1"/>
-        </a:fontRef>
-      </cdr:style>
-      <cdr:txBody>
-        <a:bodyPr xmlns:a="http://schemas.openxmlformats.org/drawingml/2006/main" vertOverflow="clip"/>
-        <a:lstStyle xmlns:a="http://schemas.openxmlformats.org/drawingml/2006/main"/>
-        <a:p xmlns:a="http://schemas.openxmlformats.org/drawingml/2006/main">
-          <a:endParaRPr lang="de-DE"/>
-        </a:p>
-      </cdr:txBody>
-    </cdr:sp>
-  </cdr:relSizeAnchor>
-  <cdr:relSizeAnchor xmlns:cdr="http://schemas.openxmlformats.org/drawingml/2006/chartDrawing">
-    <cdr:from>
-      <cdr:x>0.20189</cdr:x>
-      <cdr:y>0.06512</cdr:y>
-    </cdr:from>
-    <cdr:to>
-      <cdr:x>0.34822</cdr:x>
-      <cdr:y>0.11414</cdr:y>
-    </cdr:to>
-    <cdr:sp macro="" textlink="">
-      <cdr:nvSpPr>
-        <cdr:cNvPr id="3" name="Rechteck 2">
-          <a:extLst xmlns:a="http://schemas.openxmlformats.org/drawingml/2006/main">
-            <a:ext uri="{FF2B5EF4-FFF2-40B4-BE49-F238E27FC236}">
-              <a16:creationId xmlns:a16="http://schemas.microsoft.com/office/drawing/2014/main" id="{D7B4D109-1CE2-41A6-9C61-6B89479AD7DD}"/>
-            </a:ext>
-          </a:extLst>
-        </cdr:cNvPr>
-        <cdr:cNvSpPr/>
-      </cdr:nvSpPr>
-      <cdr:spPr>
-        <a:xfrm xmlns:a="http://schemas.openxmlformats.org/drawingml/2006/main">
-          <a:off x="2313694" y="348115"/>
-          <a:ext cx="1676944" cy="262045"/>
-        </a:xfrm>
-        <a:prstGeom xmlns:a="http://schemas.openxmlformats.org/drawingml/2006/main" prst="rect">
-          <a:avLst/>
-        </a:prstGeom>
-      </cdr:spPr>
-      <cdr:style>
-        <a:lnRef xmlns:a="http://schemas.openxmlformats.org/drawingml/2006/main" idx="2">
-          <a:schemeClr val="accent1">
-            <a:shade val="50000"/>
-          </a:schemeClr>
-        </a:lnRef>
-        <a:fillRef xmlns:a="http://schemas.openxmlformats.org/drawingml/2006/main" idx="1">
-          <a:schemeClr val="accent1"/>
-        </a:fillRef>
-        <a:effectRef xmlns:a="http://schemas.openxmlformats.org/drawingml/2006/main" idx="0">
-          <a:schemeClr val="accent1"/>
-        </a:effectRef>
-        <a:fontRef xmlns:a="http://schemas.openxmlformats.org/drawingml/2006/main" idx="minor">
-          <a:schemeClr val="lt1"/>
-        </a:fontRef>
-      </cdr:style>
-      <cdr:txBody>
-        <a:bodyPr xmlns:a="http://schemas.openxmlformats.org/drawingml/2006/main"/>
-        <a:lstStyle xmlns:a="http://schemas.openxmlformats.org/drawingml/2006/main">
-          <a:lvl1pPr marL="0" indent="0">
-            <a:defRPr sz="1100">
-              <a:solidFill>
-                <a:schemeClr val="lt1"/>
-              </a:solidFill>
-              <a:latin typeface="+mn-lt"/>
-              <a:ea typeface="+mn-ea"/>
-              <a:cs typeface="+mn-cs"/>
-            </a:defRPr>
-          </a:lvl1pPr>
-          <a:lvl2pPr marL="457200" indent="0">
-            <a:defRPr sz="1100">
-              <a:solidFill>
-                <a:schemeClr val="lt1"/>
-              </a:solidFill>
-              <a:latin typeface="+mn-lt"/>
-              <a:ea typeface="+mn-ea"/>
-              <a:cs typeface="+mn-cs"/>
-            </a:defRPr>
-          </a:lvl2pPr>
-          <a:lvl3pPr marL="914400" indent="0">
-            <a:defRPr sz="1100">
-              <a:solidFill>
-                <a:schemeClr val="lt1"/>
-              </a:solidFill>
-              <a:latin typeface="+mn-lt"/>
-              <a:ea typeface="+mn-ea"/>
-              <a:cs typeface="+mn-cs"/>
-            </a:defRPr>
-          </a:lvl3pPr>
-          <a:lvl4pPr marL="1371600" indent="0">
-            <a:defRPr sz="1100">
-              <a:solidFill>
-                <a:schemeClr val="lt1"/>
-              </a:solidFill>
-              <a:latin typeface="+mn-lt"/>
-              <a:ea typeface="+mn-ea"/>
-              <a:cs typeface="+mn-cs"/>
-            </a:defRPr>
-          </a:lvl4pPr>
-          <a:lvl5pPr marL="1828800" indent="0">
-            <a:defRPr sz="1100">
-              <a:solidFill>
-                <a:schemeClr val="lt1"/>
-              </a:solidFill>
-              <a:latin typeface="+mn-lt"/>
-              <a:ea typeface="+mn-ea"/>
-              <a:cs typeface="+mn-cs"/>
-            </a:defRPr>
-          </a:lvl5pPr>
-          <a:lvl6pPr marL="2286000" indent="0">
-            <a:defRPr sz="1100">
-              <a:solidFill>
-                <a:schemeClr val="lt1"/>
-              </a:solidFill>
-              <a:latin typeface="+mn-lt"/>
-              <a:ea typeface="+mn-ea"/>
-              <a:cs typeface="+mn-cs"/>
-            </a:defRPr>
-          </a:lvl6pPr>
-          <a:lvl7pPr marL="2743200" indent="0">
-            <a:defRPr sz="1100">
-              <a:solidFill>
-                <a:schemeClr val="lt1"/>
-              </a:solidFill>
-              <a:latin typeface="+mn-lt"/>
-              <a:ea typeface="+mn-ea"/>
-              <a:cs typeface="+mn-cs"/>
-            </a:defRPr>
-          </a:lvl7pPr>
-          <a:lvl8pPr marL="3200400" indent="0">
-            <a:defRPr sz="1100">
-              <a:solidFill>
-                <a:schemeClr val="lt1"/>
-              </a:solidFill>
-              <a:latin typeface="+mn-lt"/>
-              <a:ea typeface="+mn-ea"/>
-              <a:cs typeface="+mn-cs"/>
-            </a:defRPr>
-          </a:lvl8pPr>
-          <a:lvl9pPr marL="3657600" indent="0">
-            <a:defRPr sz="1100">
-              <a:solidFill>
-                <a:schemeClr val="lt1"/>
-              </a:solidFill>
-              <a:latin typeface="+mn-lt"/>
-              <a:ea typeface="+mn-ea"/>
-              <a:cs typeface="+mn-cs"/>
-            </a:defRPr>
-          </a:lvl9pPr>
-        </a:lstStyle>
-        <a:p xmlns:a="http://schemas.openxmlformats.org/drawingml/2006/main">
-          <a:endParaRPr lang="de-DE"/>
-        </a:p>
-      </cdr:txBody>
-    </cdr:sp>
-  </cdr:relSizeAnchor>
-  <cdr:relSizeAnchor xmlns:cdr="http://schemas.openxmlformats.org/drawingml/2006/chartDrawing">
-    <cdr:from>
-      <cdr:x>0.12931</cdr:x>
-      <cdr:y>0.13236</cdr:y>
-    </cdr:from>
-    <cdr:to>
-      <cdr:x>0.34822</cdr:x>
-      <cdr:y>0.18138</cdr:y>
-    </cdr:to>
-    <cdr:sp macro="" textlink="">
-      <cdr:nvSpPr>
-        <cdr:cNvPr id="4" name="Rechteck 3">
-          <a:extLst xmlns:a="http://schemas.openxmlformats.org/drawingml/2006/main">
-            <a:ext uri="{FF2B5EF4-FFF2-40B4-BE49-F238E27FC236}">
-              <a16:creationId xmlns:a16="http://schemas.microsoft.com/office/drawing/2014/main" id="{D7B4D109-1CE2-41A6-9C61-6B89479AD7DD}"/>
-            </a:ext>
-          </a:extLst>
-        </cdr:cNvPr>
-        <cdr:cNvSpPr/>
-      </cdr:nvSpPr>
-      <cdr:spPr>
-        <a:xfrm xmlns:a="http://schemas.openxmlformats.org/drawingml/2006/main">
-          <a:off x="1481927" y="707543"/>
-          <a:ext cx="2508711" cy="262045"/>
-        </a:xfrm>
-        <a:prstGeom xmlns:a="http://schemas.openxmlformats.org/drawingml/2006/main" prst="rect">
-          <a:avLst/>
-        </a:prstGeom>
-      </cdr:spPr>
-      <cdr:style>
-        <a:lnRef xmlns:a="http://schemas.openxmlformats.org/drawingml/2006/main" idx="2">
-          <a:schemeClr val="accent1">
-            <a:shade val="50000"/>
-          </a:schemeClr>
-        </a:lnRef>
-        <a:fillRef xmlns:a="http://schemas.openxmlformats.org/drawingml/2006/main" idx="1">
-          <a:schemeClr val="accent1"/>
-        </a:fillRef>
-        <a:effectRef xmlns:a="http://schemas.openxmlformats.org/drawingml/2006/main" idx="0">
-          <a:schemeClr val="accent1"/>
-        </a:effectRef>
-        <a:fontRef xmlns:a="http://schemas.openxmlformats.org/drawingml/2006/main" idx="minor">
-          <a:schemeClr val="lt1"/>
-        </a:fontRef>
-      </cdr:style>
-      <cdr:txBody>
-        <a:bodyPr xmlns:a="http://schemas.openxmlformats.org/drawingml/2006/main"/>
-        <a:lstStyle xmlns:a="http://schemas.openxmlformats.org/drawingml/2006/main">
-          <a:lvl1pPr marL="0" indent="0">
-            <a:defRPr sz="1100">
-              <a:solidFill>
-                <a:schemeClr val="lt1"/>
-              </a:solidFill>
-              <a:latin typeface="+mn-lt"/>
-              <a:ea typeface="+mn-ea"/>
-              <a:cs typeface="+mn-cs"/>
-            </a:defRPr>
-          </a:lvl1pPr>
-          <a:lvl2pPr marL="457200" indent="0">
-            <a:defRPr sz="1100">
-              <a:solidFill>
-                <a:schemeClr val="lt1"/>
-              </a:solidFill>
-              <a:latin typeface="+mn-lt"/>
-              <a:ea typeface="+mn-ea"/>
-              <a:cs typeface="+mn-cs"/>
-            </a:defRPr>
-          </a:lvl2pPr>
-          <a:lvl3pPr marL="914400" indent="0">
-            <a:defRPr sz="1100">
-              <a:solidFill>
-                <a:schemeClr val="lt1"/>
-              </a:solidFill>
-              <a:latin typeface="+mn-lt"/>
-              <a:ea typeface="+mn-ea"/>
-              <a:cs typeface="+mn-cs"/>
-            </a:defRPr>
-          </a:lvl3pPr>
-          <a:lvl4pPr marL="1371600" indent="0">
-            <a:defRPr sz="1100">
-              <a:solidFill>
-                <a:schemeClr val="lt1"/>
-              </a:solidFill>
-              <a:latin typeface="+mn-lt"/>
-              <a:ea typeface="+mn-ea"/>
-              <a:cs typeface="+mn-cs"/>
-            </a:defRPr>
-          </a:lvl4pPr>
-          <a:lvl5pPr marL="1828800" indent="0">
-            <a:defRPr sz="1100">
-              <a:solidFill>
-                <a:schemeClr val="lt1"/>
-              </a:solidFill>
-              <a:latin typeface="+mn-lt"/>
-              <a:ea typeface="+mn-ea"/>
-              <a:cs typeface="+mn-cs"/>
-            </a:defRPr>
-          </a:lvl5pPr>
-          <a:lvl6pPr marL="2286000" indent="0">
-            <a:defRPr sz="1100">
-              <a:solidFill>
-                <a:schemeClr val="lt1"/>
-              </a:solidFill>
-              <a:latin typeface="+mn-lt"/>
-              <a:ea typeface="+mn-ea"/>
-              <a:cs typeface="+mn-cs"/>
-            </a:defRPr>
-          </a:lvl6pPr>
-          <a:lvl7pPr marL="2743200" indent="0">
-            <a:defRPr sz="1100">
-              <a:solidFill>
-                <a:schemeClr val="lt1"/>
-              </a:solidFill>
-              <a:latin typeface="+mn-lt"/>
-              <a:ea typeface="+mn-ea"/>
-              <a:cs typeface="+mn-cs"/>
-            </a:defRPr>
-          </a:lvl7pPr>
-          <a:lvl8pPr marL="3200400" indent="0">
-            <a:defRPr sz="1100">
-              <a:solidFill>
-                <a:schemeClr val="lt1"/>
-              </a:solidFill>
-              <a:latin typeface="+mn-lt"/>
-              <a:ea typeface="+mn-ea"/>
-              <a:cs typeface="+mn-cs"/>
-            </a:defRPr>
-          </a:lvl8pPr>
-          <a:lvl9pPr marL="3657600" indent="0">
-            <a:defRPr sz="1100">
-              <a:solidFill>
-                <a:schemeClr val="lt1"/>
-              </a:solidFill>
-              <a:latin typeface="+mn-lt"/>
-              <a:ea typeface="+mn-ea"/>
-              <a:cs typeface="+mn-cs"/>
-            </a:defRPr>
-          </a:lvl9pPr>
-        </a:lstStyle>
-        <a:p xmlns:a="http://schemas.openxmlformats.org/drawingml/2006/main">
-          <a:endParaRPr lang="de-DE"/>
-        </a:p>
-      </cdr:txBody>
-    </cdr:sp>
-  </cdr:relSizeAnchor>
-  <cdr:relSizeAnchor xmlns:cdr="http://schemas.openxmlformats.org/drawingml/2006/chartDrawing">
-    <cdr:from>
-      <cdr:x>0.34892</cdr:x>
-      <cdr:y>0.1857</cdr:y>
-    </cdr:from>
-    <cdr:to>
-      <cdr:x>0.4952</cdr:x>
-      <cdr:y>0.23472</cdr:y>
-    </cdr:to>
-    <cdr:sp macro="" textlink="">
-      <cdr:nvSpPr>
-        <cdr:cNvPr id="5" name="Rechteck 4">
-          <a:extLst xmlns:a="http://schemas.openxmlformats.org/drawingml/2006/main">
-            <a:ext uri="{FF2B5EF4-FFF2-40B4-BE49-F238E27FC236}">
-              <a16:creationId xmlns:a16="http://schemas.microsoft.com/office/drawing/2014/main" id="{D7B4D109-1CE2-41A6-9C61-6B89479AD7DD}"/>
-            </a:ext>
-          </a:extLst>
-        </cdr:cNvPr>
-        <cdr:cNvSpPr/>
-      </cdr:nvSpPr>
-      <cdr:spPr>
-        <a:xfrm xmlns:a="http://schemas.openxmlformats.org/drawingml/2006/main">
-          <a:off x="3998646" y="992694"/>
-          <a:ext cx="1676400" cy="262045"/>
-        </a:xfrm>
-        <a:prstGeom xmlns:a="http://schemas.openxmlformats.org/drawingml/2006/main" prst="rect">
-          <a:avLst/>
-        </a:prstGeom>
-      </cdr:spPr>
-      <cdr:style>
-        <a:lnRef xmlns:a="http://schemas.openxmlformats.org/drawingml/2006/main" idx="2">
-          <a:schemeClr val="accent1">
-            <a:shade val="50000"/>
-          </a:schemeClr>
-        </a:lnRef>
-        <a:fillRef xmlns:a="http://schemas.openxmlformats.org/drawingml/2006/main" idx="1">
-          <a:schemeClr val="accent1"/>
-        </a:fillRef>
-        <a:effectRef xmlns:a="http://schemas.openxmlformats.org/drawingml/2006/main" idx="0">
-          <a:schemeClr val="accent1"/>
-        </a:effectRef>
-        <a:fontRef xmlns:a="http://schemas.openxmlformats.org/drawingml/2006/main" idx="minor">
-          <a:schemeClr val="lt1"/>
-        </a:fontRef>
-      </cdr:style>
-      <cdr:txBody>
-        <a:bodyPr xmlns:a="http://schemas.openxmlformats.org/drawingml/2006/main"/>
-        <a:lstStyle xmlns:a="http://schemas.openxmlformats.org/drawingml/2006/main">
-          <a:lvl1pPr marL="0" indent="0">
-            <a:defRPr sz="1100">
-              <a:solidFill>
-                <a:schemeClr val="lt1"/>
-              </a:solidFill>
-              <a:latin typeface="+mn-lt"/>
-              <a:ea typeface="+mn-ea"/>
-              <a:cs typeface="+mn-cs"/>
-            </a:defRPr>
-          </a:lvl1pPr>
-          <a:lvl2pPr marL="457200" indent="0">
-            <a:defRPr sz="1100">
-              <a:solidFill>
-                <a:schemeClr val="lt1"/>
-              </a:solidFill>
-              <a:latin typeface="+mn-lt"/>
-              <a:ea typeface="+mn-ea"/>
-              <a:cs typeface="+mn-cs"/>
-            </a:defRPr>
-          </a:lvl2pPr>
-          <a:lvl3pPr marL="914400" indent="0">
-            <a:defRPr sz="1100">
-              <a:solidFill>
-                <a:schemeClr val="lt1"/>
-              </a:solidFill>
-              <a:latin typeface="+mn-lt"/>
-              <a:ea typeface="+mn-ea"/>
-              <a:cs typeface="+mn-cs"/>
-            </a:defRPr>
-          </a:lvl3pPr>
-          <a:lvl4pPr marL="1371600" indent="0">
-            <a:defRPr sz="1100">
-              <a:solidFill>
-                <a:schemeClr val="lt1"/>
-              </a:solidFill>
-              <a:latin typeface="+mn-lt"/>
-              <a:ea typeface="+mn-ea"/>
-              <a:cs typeface="+mn-cs"/>
-            </a:defRPr>
-          </a:lvl4pPr>
-          <a:lvl5pPr marL="1828800" indent="0">
-            <a:defRPr sz="1100">
-              <a:solidFill>
-                <a:schemeClr val="lt1"/>
-              </a:solidFill>
-              <a:latin typeface="+mn-lt"/>
-              <a:ea typeface="+mn-ea"/>
-              <a:cs typeface="+mn-cs"/>
-            </a:defRPr>
-          </a:lvl5pPr>
-          <a:lvl6pPr marL="2286000" indent="0">
-            <a:defRPr sz="1100">
-              <a:solidFill>
-                <a:schemeClr val="lt1"/>
-              </a:solidFill>
-              <a:latin typeface="+mn-lt"/>
-              <a:ea typeface="+mn-ea"/>
-              <a:cs typeface="+mn-cs"/>
-            </a:defRPr>
-          </a:lvl6pPr>
-          <a:lvl7pPr marL="2743200" indent="0">
-            <a:defRPr sz="1100">
-              <a:solidFill>
-                <a:schemeClr val="lt1"/>
-              </a:solidFill>
-              <a:latin typeface="+mn-lt"/>
-              <a:ea typeface="+mn-ea"/>
-              <a:cs typeface="+mn-cs"/>
-            </a:defRPr>
-          </a:lvl7pPr>
-          <a:lvl8pPr marL="3200400" indent="0">
-            <a:defRPr sz="1100">
-              <a:solidFill>
-                <a:schemeClr val="lt1"/>
-              </a:solidFill>
-              <a:latin typeface="+mn-lt"/>
-              <a:ea typeface="+mn-ea"/>
-              <a:cs typeface="+mn-cs"/>
-            </a:defRPr>
-          </a:lvl8pPr>
-          <a:lvl9pPr marL="3657600" indent="0">
-            <a:defRPr sz="1100">
-              <a:solidFill>
-                <a:schemeClr val="lt1"/>
-              </a:solidFill>
-              <a:latin typeface="+mn-lt"/>
-              <a:ea typeface="+mn-ea"/>
-              <a:cs typeface="+mn-cs"/>
-            </a:defRPr>
-          </a:lvl9pPr>
-        </a:lstStyle>
-        <a:p xmlns:a="http://schemas.openxmlformats.org/drawingml/2006/main">
-          <a:endParaRPr lang="de-DE"/>
-        </a:p>
-      </cdr:txBody>
-    </cdr:sp>
-  </cdr:relSizeAnchor>
-  <cdr:relSizeAnchor xmlns:cdr="http://schemas.openxmlformats.org/drawingml/2006/chartDrawing">
-    <cdr:from>
-      <cdr:x>0.20218</cdr:x>
-      <cdr:y>0.25276</cdr:y>
-    </cdr:from>
-    <cdr:to>
-      <cdr:x>0.34872</cdr:x>
-      <cdr:y>0.30177</cdr:y>
-    </cdr:to>
-    <cdr:sp macro="" textlink="">
-      <cdr:nvSpPr>
-        <cdr:cNvPr id="6" name="Rechteck 5">
-          <a:extLst xmlns:a="http://schemas.openxmlformats.org/drawingml/2006/main">
-            <a:ext uri="{FF2B5EF4-FFF2-40B4-BE49-F238E27FC236}">
-              <a16:creationId xmlns:a16="http://schemas.microsoft.com/office/drawing/2014/main" id="{D7B4D109-1CE2-41A6-9C61-6B89479AD7DD}"/>
-            </a:ext>
-          </a:extLst>
-        </cdr:cNvPr>
-        <cdr:cNvSpPr/>
-      </cdr:nvSpPr>
-      <cdr:spPr>
-        <a:xfrm xmlns:a="http://schemas.openxmlformats.org/drawingml/2006/main">
-          <a:off x="2316937" y="1351152"/>
-          <a:ext cx="1679350" cy="261991"/>
-        </a:xfrm>
-        <a:prstGeom xmlns:a="http://schemas.openxmlformats.org/drawingml/2006/main" prst="rect">
-          <a:avLst/>
-        </a:prstGeom>
-        <a:solidFill xmlns:a="http://schemas.openxmlformats.org/drawingml/2006/main">
-          <a:schemeClr val="accent1"/>
-        </a:solidFill>
-        <a:ln xmlns:a="http://schemas.openxmlformats.org/drawingml/2006/main">
-          <a:solidFill>
-            <a:schemeClr val="accent2"/>
-          </a:solidFill>
-        </a:ln>
-      </cdr:spPr>
-      <cdr:style>
-        <a:lnRef xmlns:a="http://schemas.openxmlformats.org/drawingml/2006/main" idx="2">
-          <a:schemeClr val="accent1">
-            <a:shade val="50000"/>
-          </a:schemeClr>
-        </a:lnRef>
-        <a:fillRef xmlns:a="http://schemas.openxmlformats.org/drawingml/2006/main" idx="1">
-          <a:schemeClr val="accent1"/>
-        </a:fillRef>
-        <a:effectRef xmlns:a="http://schemas.openxmlformats.org/drawingml/2006/main" idx="0">
-          <a:schemeClr val="accent1"/>
-        </a:effectRef>
-        <a:fontRef xmlns:a="http://schemas.openxmlformats.org/drawingml/2006/main" idx="minor">
-          <a:schemeClr val="lt1"/>
-        </a:fontRef>
-      </cdr:style>
-      <cdr:txBody>
-        <a:bodyPr xmlns:a="http://schemas.openxmlformats.org/drawingml/2006/main"/>
-        <a:lstStyle xmlns:a="http://schemas.openxmlformats.org/drawingml/2006/main">
-          <a:lvl1pPr marL="0" indent="0">
-            <a:defRPr sz="1100">
-              <a:solidFill>
-                <a:schemeClr val="lt1"/>
-              </a:solidFill>
-              <a:latin typeface="+mn-lt"/>
-              <a:ea typeface="+mn-ea"/>
-              <a:cs typeface="+mn-cs"/>
-            </a:defRPr>
-          </a:lvl1pPr>
-          <a:lvl2pPr marL="457200" indent="0">
-            <a:defRPr sz="1100">
-              <a:solidFill>
-                <a:schemeClr val="lt1"/>
-              </a:solidFill>
-              <a:latin typeface="+mn-lt"/>
-              <a:ea typeface="+mn-ea"/>
-              <a:cs typeface="+mn-cs"/>
-            </a:defRPr>
-          </a:lvl2pPr>
-          <a:lvl3pPr marL="914400" indent="0">
-            <a:defRPr sz="1100">
-              <a:solidFill>
-                <a:schemeClr val="lt1"/>
-              </a:solidFill>
-              <a:latin typeface="+mn-lt"/>
-              <a:ea typeface="+mn-ea"/>
-              <a:cs typeface="+mn-cs"/>
-            </a:defRPr>
-          </a:lvl3pPr>
-          <a:lvl4pPr marL="1371600" indent="0">
-            <a:defRPr sz="1100">
-              <a:solidFill>
-                <a:schemeClr val="lt1"/>
-              </a:solidFill>
-              <a:latin typeface="+mn-lt"/>
-              <a:ea typeface="+mn-ea"/>
-              <a:cs typeface="+mn-cs"/>
-            </a:defRPr>
-          </a:lvl4pPr>
-          <a:lvl5pPr marL="1828800" indent="0">
-            <a:defRPr sz="1100">
-              <a:solidFill>
-                <a:schemeClr val="lt1"/>
-              </a:solidFill>
-              <a:latin typeface="+mn-lt"/>
-              <a:ea typeface="+mn-ea"/>
-              <a:cs typeface="+mn-cs"/>
-            </a:defRPr>
-          </a:lvl5pPr>
-          <a:lvl6pPr marL="2286000" indent="0">
-            <a:defRPr sz="1100">
-              <a:solidFill>
-                <a:schemeClr val="lt1"/>
-              </a:solidFill>
-              <a:latin typeface="+mn-lt"/>
-              <a:ea typeface="+mn-ea"/>
-              <a:cs typeface="+mn-cs"/>
-            </a:defRPr>
-          </a:lvl6pPr>
-          <a:lvl7pPr marL="2743200" indent="0">
-            <a:defRPr sz="1100">
-              <a:solidFill>
-                <a:schemeClr val="lt1"/>
-              </a:solidFill>
-              <a:latin typeface="+mn-lt"/>
-              <a:ea typeface="+mn-ea"/>
-              <a:cs typeface="+mn-cs"/>
-            </a:defRPr>
-          </a:lvl7pPr>
-          <a:lvl8pPr marL="3200400" indent="0">
-            <a:defRPr sz="1100">
-              <a:solidFill>
-                <a:schemeClr val="lt1"/>
-              </a:solidFill>
-              <a:latin typeface="+mn-lt"/>
-              <a:ea typeface="+mn-ea"/>
-              <a:cs typeface="+mn-cs"/>
-            </a:defRPr>
-          </a:lvl8pPr>
-          <a:lvl9pPr marL="3657600" indent="0">
-            <a:defRPr sz="1100">
-              <a:solidFill>
-                <a:schemeClr val="lt1"/>
-              </a:solidFill>
-              <a:latin typeface="+mn-lt"/>
-              <a:ea typeface="+mn-ea"/>
-              <a:cs typeface="+mn-cs"/>
-            </a:defRPr>
-          </a:lvl9pPr>
-        </a:lstStyle>
-        <a:p xmlns:a="http://schemas.openxmlformats.org/drawingml/2006/main">
-          <a:endParaRPr lang="de-DE"/>
-        </a:p>
-      </cdr:txBody>
-    </cdr:sp>
-  </cdr:relSizeAnchor>
-  <cdr:relSizeAnchor xmlns:cdr="http://schemas.openxmlformats.org/drawingml/2006/chartDrawing">
-    <cdr:from>
-      <cdr:x>0.34869</cdr:x>
-      <cdr:y>0.30202</cdr:y>
-    </cdr:from>
-    <cdr:to>
-      <cdr:x>0.4222</cdr:x>
-      <cdr:y>0.35104</cdr:y>
-    </cdr:to>
-    <cdr:sp macro="" textlink="">
-      <cdr:nvSpPr>
-        <cdr:cNvPr id="7" name="Rechteck 6">
-          <a:extLst xmlns:a="http://schemas.openxmlformats.org/drawingml/2006/main">
-            <a:ext uri="{FF2B5EF4-FFF2-40B4-BE49-F238E27FC236}">
-              <a16:creationId xmlns:a16="http://schemas.microsoft.com/office/drawing/2014/main" id="{D7B4D109-1CE2-41A6-9C61-6B89479AD7DD}"/>
-            </a:ext>
-          </a:extLst>
-        </cdr:cNvPr>
-        <cdr:cNvSpPr/>
-      </cdr:nvSpPr>
-      <cdr:spPr>
-        <a:xfrm xmlns:a="http://schemas.openxmlformats.org/drawingml/2006/main">
-          <a:off x="3996009" y="1614494"/>
-          <a:ext cx="842425" cy="262045"/>
-        </a:xfrm>
-        <a:prstGeom xmlns:a="http://schemas.openxmlformats.org/drawingml/2006/main" prst="rect">
-          <a:avLst/>
-        </a:prstGeom>
-        <a:solidFill xmlns:a="http://schemas.openxmlformats.org/drawingml/2006/main">
-          <a:schemeClr val="accent1"/>
-        </a:solidFill>
-        <a:ln xmlns:a="http://schemas.openxmlformats.org/drawingml/2006/main">
-          <a:solidFill>
-            <a:schemeClr val="accent2"/>
-          </a:solidFill>
-        </a:ln>
-      </cdr:spPr>
-      <cdr:style>
-        <a:lnRef xmlns:a="http://schemas.openxmlformats.org/drawingml/2006/main" idx="2">
-          <a:schemeClr val="accent1">
-            <a:shade val="50000"/>
-          </a:schemeClr>
-        </a:lnRef>
-        <a:fillRef xmlns:a="http://schemas.openxmlformats.org/drawingml/2006/main" idx="1">
-          <a:schemeClr val="accent1"/>
-        </a:fillRef>
-        <a:effectRef xmlns:a="http://schemas.openxmlformats.org/drawingml/2006/main" idx="0">
-          <a:schemeClr val="accent1"/>
-        </a:effectRef>
-        <a:fontRef xmlns:a="http://schemas.openxmlformats.org/drawingml/2006/main" idx="minor">
-          <a:schemeClr val="lt1"/>
-        </a:fontRef>
-      </cdr:style>
-      <cdr:txBody>
-        <a:bodyPr xmlns:a="http://schemas.openxmlformats.org/drawingml/2006/main"/>
-        <a:lstStyle xmlns:a="http://schemas.openxmlformats.org/drawingml/2006/main">
-          <a:lvl1pPr marL="0" indent="0">
-            <a:defRPr sz="1100">
-              <a:solidFill>
-                <a:schemeClr val="lt1"/>
-              </a:solidFill>
-              <a:latin typeface="+mn-lt"/>
-              <a:ea typeface="+mn-ea"/>
-              <a:cs typeface="+mn-cs"/>
-            </a:defRPr>
-          </a:lvl1pPr>
-          <a:lvl2pPr marL="457200" indent="0">
-            <a:defRPr sz="1100">
-              <a:solidFill>
-                <a:schemeClr val="lt1"/>
-              </a:solidFill>
-              <a:latin typeface="+mn-lt"/>
-              <a:ea typeface="+mn-ea"/>
-              <a:cs typeface="+mn-cs"/>
-            </a:defRPr>
-          </a:lvl2pPr>
-          <a:lvl3pPr marL="914400" indent="0">
-            <a:defRPr sz="1100">
-              <a:solidFill>
-                <a:schemeClr val="lt1"/>
-              </a:solidFill>
-              <a:latin typeface="+mn-lt"/>
-              <a:ea typeface="+mn-ea"/>
-              <a:cs typeface="+mn-cs"/>
-            </a:defRPr>
-          </a:lvl3pPr>
-          <a:lvl4pPr marL="1371600" indent="0">
-            <a:defRPr sz="1100">
-              <a:solidFill>
-                <a:schemeClr val="lt1"/>
-              </a:solidFill>
-              <a:latin typeface="+mn-lt"/>
-              <a:ea typeface="+mn-ea"/>
-              <a:cs typeface="+mn-cs"/>
-            </a:defRPr>
-          </a:lvl4pPr>
-          <a:lvl5pPr marL="1828800" indent="0">
-            <a:defRPr sz="1100">
-              <a:solidFill>
-                <a:schemeClr val="lt1"/>
-              </a:solidFill>
-              <a:latin typeface="+mn-lt"/>
-              <a:ea typeface="+mn-ea"/>
-              <a:cs typeface="+mn-cs"/>
-            </a:defRPr>
-          </a:lvl5pPr>
-          <a:lvl6pPr marL="2286000" indent="0">
-            <a:defRPr sz="1100">
-              <a:solidFill>
-                <a:schemeClr val="lt1"/>
-              </a:solidFill>
-              <a:latin typeface="+mn-lt"/>
-              <a:ea typeface="+mn-ea"/>
-              <a:cs typeface="+mn-cs"/>
-            </a:defRPr>
-          </a:lvl6pPr>
-          <a:lvl7pPr marL="2743200" indent="0">
-            <a:defRPr sz="1100">
-              <a:solidFill>
-                <a:schemeClr val="lt1"/>
-              </a:solidFill>
-              <a:latin typeface="+mn-lt"/>
-              <a:ea typeface="+mn-ea"/>
-              <a:cs typeface="+mn-cs"/>
-            </a:defRPr>
-          </a:lvl7pPr>
-          <a:lvl8pPr marL="3200400" indent="0">
-            <a:defRPr sz="1100">
-              <a:solidFill>
-                <a:schemeClr val="lt1"/>
-              </a:solidFill>
-              <a:latin typeface="+mn-lt"/>
-              <a:ea typeface="+mn-ea"/>
-              <a:cs typeface="+mn-cs"/>
-            </a:defRPr>
-          </a:lvl8pPr>
-          <a:lvl9pPr marL="3657600" indent="0">
-            <a:defRPr sz="1100">
-              <a:solidFill>
-                <a:schemeClr val="lt1"/>
-              </a:solidFill>
-              <a:latin typeface="+mn-lt"/>
-              <a:ea typeface="+mn-ea"/>
-              <a:cs typeface="+mn-cs"/>
-            </a:defRPr>
-          </a:lvl9pPr>
-        </a:lstStyle>
-        <a:p xmlns:a="http://schemas.openxmlformats.org/drawingml/2006/main">
-          <a:endParaRPr lang="de-DE"/>
-        </a:p>
-      </cdr:txBody>
-    </cdr:sp>
-  </cdr:relSizeAnchor>
-  <cdr:relSizeAnchor xmlns:cdr="http://schemas.openxmlformats.org/drawingml/2006/chartDrawing">
-    <cdr:from>
-      <cdr:x>0.34918</cdr:x>
-      <cdr:y>0.36063</cdr:y>
-    </cdr:from>
-    <cdr:to>
-      <cdr:x>0.49493</cdr:x>
-      <cdr:y>0.40964</cdr:y>
-    </cdr:to>
-    <cdr:sp macro="" textlink="">
-      <cdr:nvSpPr>
-        <cdr:cNvPr id="8" name="Rechteck 7">
-          <a:extLst xmlns:a="http://schemas.openxmlformats.org/drawingml/2006/main">
-            <a:ext uri="{FF2B5EF4-FFF2-40B4-BE49-F238E27FC236}">
-              <a16:creationId xmlns:a16="http://schemas.microsoft.com/office/drawing/2014/main" id="{D7B4D109-1CE2-41A6-9C61-6B89479AD7DD}"/>
-            </a:ext>
-          </a:extLst>
-        </cdr:cNvPr>
-        <cdr:cNvSpPr/>
-      </cdr:nvSpPr>
-      <cdr:spPr>
-        <a:xfrm xmlns:a="http://schemas.openxmlformats.org/drawingml/2006/main">
-          <a:off x="4001572" y="1927798"/>
-          <a:ext cx="1670299" cy="261991"/>
-        </a:xfrm>
-        <a:prstGeom xmlns:a="http://schemas.openxmlformats.org/drawingml/2006/main" prst="rect">
-          <a:avLst/>
-        </a:prstGeom>
-      </cdr:spPr>
-      <cdr:style>
-        <a:lnRef xmlns:a="http://schemas.openxmlformats.org/drawingml/2006/main" idx="2">
-          <a:schemeClr val="accent1">
-            <a:shade val="50000"/>
-          </a:schemeClr>
-        </a:lnRef>
-        <a:fillRef xmlns:a="http://schemas.openxmlformats.org/drawingml/2006/main" idx="1">
-          <a:schemeClr val="accent1"/>
-        </a:fillRef>
-        <a:effectRef xmlns:a="http://schemas.openxmlformats.org/drawingml/2006/main" idx="0">
-          <a:schemeClr val="accent1"/>
-        </a:effectRef>
-        <a:fontRef xmlns:a="http://schemas.openxmlformats.org/drawingml/2006/main" idx="minor">
-          <a:schemeClr val="lt1"/>
-        </a:fontRef>
-      </cdr:style>
-      <cdr:txBody>
-        <a:bodyPr xmlns:a="http://schemas.openxmlformats.org/drawingml/2006/main"/>
-        <a:lstStyle xmlns:a="http://schemas.openxmlformats.org/drawingml/2006/main">
-          <a:lvl1pPr marL="0" indent="0">
-            <a:defRPr sz="1100">
-              <a:solidFill>
-                <a:schemeClr val="lt1"/>
-              </a:solidFill>
-              <a:latin typeface="+mn-lt"/>
-              <a:ea typeface="+mn-ea"/>
-              <a:cs typeface="+mn-cs"/>
-            </a:defRPr>
-          </a:lvl1pPr>
-          <a:lvl2pPr marL="457200" indent="0">
-            <a:defRPr sz="1100">
-              <a:solidFill>
-                <a:schemeClr val="lt1"/>
-              </a:solidFill>
-              <a:latin typeface="+mn-lt"/>
-              <a:ea typeface="+mn-ea"/>
-              <a:cs typeface="+mn-cs"/>
-            </a:defRPr>
-          </a:lvl2pPr>
-          <a:lvl3pPr marL="914400" indent="0">
-            <a:defRPr sz="1100">
-              <a:solidFill>
-                <a:schemeClr val="lt1"/>
-              </a:solidFill>
-              <a:latin typeface="+mn-lt"/>
-              <a:ea typeface="+mn-ea"/>
-              <a:cs typeface="+mn-cs"/>
-            </a:defRPr>
-          </a:lvl3pPr>
-          <a:lvl4pPr marL="1371600" indent="0">
-            <a:defRPr sz="1100">
-              <a:solidFill>
-                <a:schemeClr val="lt1"/>
-              </a:solidFill>
-              <a:latin typeface="+mn-lt"/>
-              <a:ea typeface="+mn-ea"/>
-              <a:cs typeface="+mn-cs"/>
-            </a:defRPr>
-          </a:lvl4pPr>
-          <a:lvl5pPr marL="1828800" indent="0">
-            <a:defRPr sz="1100">
-              <a:solidFill>
-                <a:schemeClr val="lt1"/>
-              </a:solidFill>
-              <a:latin typeface="+mn-lt"/>
-              <a:ea typeface="+mn-ea"/>
-              <a:cs typeface="+mn-cs"/>
-            </a:defRPr>
-          </a:lvl5pPr>
-          <a:lvl6pPr marL="2286000" indent="0">
-            <a:defRPr sz="1100">
-              <a:solidFill>
-                <a:schemeClr val="lt1"/>
-              </a:solidFill>
-              <a:latin typeface="+mn-lt"/>
-              <a:ea typeface="+mn-ea"/>
-              <a:cs typeface="+mn-cs"/>
-            </a:defRPr>
-          </a:lvl6pPr>
-          <a:lvl7pPr marL="2743200" indent="0">
-            <a:defRPr sz="1100">
-              <a:solidFill>
-                <a:schemeClr val="lt1"/>
-              </a:solidFill>
-              <a:latin typeface="+mn-lt"/>
-              <a:ea typeface="+mn-ea"/>
-              <a:cs typeface="+mn-cs"/>
-            </a:defRPr>
-          </a:lvl7pPr>
-          <a:lvl8pPr marL="3200400" indent="0">
-            <a:defRPr sz="1100">
-              <a:solidFill>
-                <a:schemeClr val="lt1"/>
-              </a:solidFill>
-              <a:latin typeface="+mn-lt"/>
-              <a:ea typeface="+mn-ea"/>
-              <a:cs typeface="+mn-cs"/>
-            </a:defRPr>
-          </a:lvl8pPr>
-          <a:lvl9pPr marL="3657600" indent="0">
-            <a:defRPr sz="1100">
-              <a:solidFill>
-                <a:schemeClr val="lt1"/>
-              </a:solidFill>
-              <a:latin typeface="+mn-lt"/>
-              <a:ea typeface="+mn-ea"/>
-              <a:cs typeface="+mn-cs"/>
-            </a:defRPr>
-          </a:lvl9pPr>
-        </a:lstStyle>
-        <a:p xmlns:a="http://schemas.openxmlformats.org/drawingml/2006/main">
-          <a:endParaRPr lang="de-DE"/>
-        </a:p>
-      </cdr:txBody>
-    </cdr:sp>
-  </cdr:relSizeAnchor>
-  <cdr:relSizeAnchor xmlns:cdr="http://schemas.openxmlformats.org/drawingml/2006/chartDrawing">
-    <cdr:from>
-      <cdr:x>0.42262</cdr:x>
-      <cdr:y>0.41927</cdr:y>
-    </cdr:from>
-    <cdr:to>
-      <cdr:x>0.56807</cdr:x>
-      <cdr:y>0.46829</cdr:y>
-    </cdr:to>
-    <cdr:sp macro="" textlink="">
-      <cdr:nvSpPr>
-        <cdr:cNvPr id="9" name="Rechteck 8">
-          <a:extLst xmlns:a="http://schemas.openxmlformats.org/drawingml/2006/main">
-            <a:ext uri="{FF2B5EF4-FFF2-40B4-BE49-F238E27FC236}">
-              <a16:creationId xmlns:a16="http://schemas.microsoft.com/office/drawing/2014/main" id="{D7B4D109-1CE2-41A6-9C61-6B89479AD7DD}"/>
-            </a:ext>
-          </a:extLst>
-        </cdr:cNvPr>
-        <cdr:cNvSpPr/>
-      </cdr:nvSpPr>
-      <cdr:spPr>
-        <a:xfrm xmlns:a="http://schemas.openxmlformats.org/drawingml/2006/main">
-          <a:off x="4843196" y="2241264"/>
-          <a:ext cx="1666875" cy="262045"/>
-        </a:xfrm>
-        <a:prstGeom xmlns:a="http://schemas.openxmlformats.org/drawingml/2006/main" prst="rect">
-          <a:avLst/>
-        </a:prstGeom>
-      </cdr:spPr>
-      <cdr:style>
-        <a:lnRef xmlns:a="http://schemas.openxmlformats.org/drawingml/2006/main" idx="2">
-          <a:schemeClr val="accent1">
-            <a:shade val="50000"/>
-          </a:schemeClr>
-        </a:lnRef>
-        <a:fillRef xmlns:a="http://schemas.openxmlformats.org/drawingml/2006/main" idx="1">
-          <a:schemeClr val="accent1"/>
-        </a:fillRef>
-        <a:effectRef xmlns:a="http://schemas.openxmlformats.org/drawingml/2006/main" idx="0">
-          <a:schemeClr val="accent1"/>
-        </a:effectRef>
-        <a:fontRef xmlns:a="http://schemas.openxmlformats.org/drawingml/2006/main" idx="minor">
-          <a:schemeClr val="lt1"/>
-        </a:fontRef>
-      </cdr:style>
-      <cdr:txBody>
-        <a:bodyPr xmlns:a="http://schemas.openxmlformats.org/drawingml/2006/main"/>
-        <a:lstStyle xmlns:a="http://schemas.openxmlformats.org/drawingml/2006/main">
-          <a:lvl1pPr marL="0" indent="0">
-            <a:defRPr sz="1100">
-              <a:solidFill>
-                <a:schemeClr val="lt1"/>
-              </a:solidFill>
-              <a:latin typeface="+mn-lt"/>
-              <a:ea typeface="+mn-ea"/>
-              <a:cs typeface="+mn-cs"/>
-            </a:defRPr>
-          </a:lvl1pPr>
-          <a:lvl2pPr marL="457200" indent="0">
-            <a:defRPr sz="1100">
-              <a:solidFill>
-                <a:schemeClr val="lt1"/>
-              </a:solidFill>
-              <a:latin typeface="+mn-lt"/>
-              <a:ea typeface="+mn-ea"/>
-              <a:cs typeface="+mn-cs"/>
-            </a:defRPr>
-          </a:lvl2pPr>
-          <a:lvl3pPr marL="914400" indent="0">
-            <a:defRPr sz="1100">
-              <a:solidFill>
-                <a:schemeClr val="lt1"/>
-              </a:solidFill>
-              <a:latin typeface="+mn-lt"/>
-              <a:ea typeface="+mn-ea"/>
-              <a:cs typeface="+mn-cs"/>
-            </a:defRPr>
-          </a:lvl3pPr>
-          <a:lvl4pPr marL="1371600" indent="0">
-            <a:defRPr sz="1100">
-              <a:solidFill>
-                <a:schemeClr val="lt1"/>
-              </a:solidFill>
-              <a:latin typeface="+mn-lt"/>
-              <a:ea typeface="+mn-ea"/>
-              <a:cs typeface="+mn-cs"/>
-            </a:defRPr>
-          </a:lvl4pPr>
-          <a:lvl5pPr marL="1828800" indent="0">
-            <a:defRPr sz="1100">
-              <a:solidFill>
-                <a:schemeClr val="lt1"/>
-              </a:solidFill>
-              <a:latin typeface="+mn-lt"/>
-              <a:ea typeface="+mn-ea"/>
-              <a:cs typeface="+mn-cs"/>
-            </a:defRPr>
-          </a:lvl5pPr>
-          <a:lvl6pPr marL="2286000" indent="0">
-            <a:defRPr sz="1100">
-              <a:solidFill>
-                <a:schemeClr val="lt1"/>
-              </a:solidFill>
-              <a:latin typeface="+mn-lt"/>
-              <a:ea typeface="+mn-ea"/>
-              <a:cs typeface="+mn-cs"/>
-            </a:defRPr>
-          </a:lvl6pPr>
-          <a:lvl7pPr marL="2743200" indent="0">
-            <a:defRPr sz="1100">
-              <a:solidFill>
-                <a:schemeClr val="lt1"/>
-              </a:solidFill>
-              <a:latin typeface="+mn-lt"/>
-              <a:ea typeface="+mn-ea"/>
-              <a:cs typeface="+mn-cs"/>
-            </a:defRPr>
-          </a:lvl7pPr>
-          <a:lvl8pPr marL="3200400" indent="0">
-            <a:defRPr sz="1100">
-              <a:solidFill>
-                <a:schemeClr val="lt1"/>
-              </a:solidFill>
-              <a:latin typeface="+mn-lt"/>
-              <a:ea typeface="+mn-ea"/>
-              <a:cs typeface="+mn-cs"/>
-            </a:defRPr>
-          </a:lvl8pPr>
-          <a:lvl9pPr marL="3657600" indent="0">
-            <a:defRPr sz="1100">
-              <a:solidFill>
-                <a:schemeClr val="lt1"/>
-              </a:solidFill>
-              <a:latin typeface="+mn-lt"/>
-              <a:ea typeface="+mn-ea"/>
-              <a:cs typeface="+mn-cs"/>
-            </a:defRPr>
-          </a:lvl9pPr>
-        </a:lstStyle>
-        <a:p xmlns:a="http://schemas.openxmlformats.org/drawingml/2006/main">
-          <a:endParaRPr lang="de-DE"/>
-        </a:p>
-      </cdr:txBody>
-    </cdr:sp>
-  </cdr:relSizeAnchor>
-  <cdr:relSizeAnchor xmlns:cdr="http://schemas.openxmlformats.org/drawingml/2006/chartDrawing">
-    <cdr:from>
-      <cdr:x>0.42262</cdr:x>
-      <cdr:y>0.47549</cdr:y>
-    </cdr:from>
-    <cdr:to>
-      <cdr:x>0.56807</cdr:x>
-      <cdr:y>0.52451</cdr:y>
-    </cdr:to>
-    <cdr:sp macro="" textlink="">
-      <cdr:nvSpPr>
-        <cdr:cNvPr id="10" name="Rechteck 9">
-          <a:extLst xmlns:a="http://schemas.openxmlformats.org/drawingml/2006/main">
-            <a:ext uri="{FF2B5EF4-FFF2-40B4-BE49-F238E27FC236}">
-              <a16:creationId xmlns:a16="http://schemas.microsoft.com/office/drawing/2014/main" id="{51C75FFC-C40F-4A42-A359-4736960BAD0B}"/>
-            </a:ext>
-          </a:extLst>
-        </cdr:cNvPr>
-        <cdr:cNvSpPr/>
-      </cdr:nvSpPr>
-      <cdr:spPr>
-        <a:xfrm xmlns:a="http://schemas.openxmlformats.org/drawingml/2006/main">
-          <a:off x="4843196" y="2541812"/>
-          <a:ext cx="1666875" cy="262044"/>
-        </a:xfrm>
-        <a:prstGeom xmlns:a="http://schemas.openxmlformats.org/drawingml/2006/main" prst="rect">
-          <a:avLst/>
-        </a:prstGeom>
-        <a:solidFill xmlns:a="http://schemas.openxmlformats.org/drawingml/2006/main">
-          <a:schemeClr val="accent1"/>
-        </a:solidFill>
-        <a:ln xmlns:a="http://schemas.openxmlformats.org/drawingml/2006/main">
-          <a:solidFill>
-            <a:schemeClr val="accent2"/>
-          </a:solidFill>
-        </a:ln>
-      </cdr:spPr>
-      <cdr:style>
-        <a:lnRef xmlns:a="http://schemas.openxmlformats.org/drawingml/2006/main" idx="2">
-          <a:schemeClr val="accent1">
-            <a:shade val="50000"/>
-          </a:schemeClr>
-        </a:lnRef>
-        <a:fillRef xmlns:a="http://schemas.openxmlformats.org/drawingml/2006/main" idx="1">
-          <a:schemeClr val="accent1"/>
-        </a:fillRef>
-        <a:effectRef xmlns:a="http://schemas.openxmlformats.org/drawingml/2006/main" idx="0">
-          <a:schemeClr val="accent1"/>
-        </a:effectRef>
-        <a:fontRef xmlns:a="http://schemas.openxmlformats.org/drawingml/2006/main" idx="minor">
-          <a:schemeClr val="lt1"/>
-        </a:fontRef>
-      </cdr:style>
-      <cdr:txBody>
-        <a:bodyPr xmlns:a="http://schemas.openxmlformats.org/drawingml/2006/main"/>
-        <a:lstStyle xmlns:a="http://schemas.openxmlformats.org/drawingml/2006/main">
-          <a:lvl1pPr marL="0" indent="0">
-            <a:defRPr sz="1100">
-              <a:solidFill>
-                <a:schemeClr val="lt1"/>
-              </a:solidFill>
-              <a:latin typeface="+mn-lt"/>
-              <a:ea typeface="+mn-ea"/>
-              <a:cs typeface="+mn-cs"/>
-            </a:defRPr>
-          </a:lvl1pPr>
-          <a:lvl2pPr marL="457200" indent="0">
-            <a:defRPr sz="1100">
-              <a:solidFill>
-                <a:schemeClr val="lt1"/>
-              </a:solidFill>
-              <a:latin typeface="+mn-lt"/>
-              <a:ea typeface="+mn-ea"/>
-              <a:cs typeface="+mn-cs"/>
-            </a:defRPr>
-          </a:lvl2pPr>
-          <a:lvl3pPr marL="914400" indent="0">
-            <a:defRPr sz="1100">
-              <a:solidFill>
-                <a:schemeClr val="lt1"/>
-              </a:solidFill>
-              <a:latin typeface="+mn-lt"/>
-              <a:ea typeface="+mn-ea"/>
-              <a:cs typeface="+mn-cs"/>
-            </a:defRPr>
-          </a:lvl3pPr>
-          <a:lvl4pPr marL="1371600" indent="0">
-            <a:defRPr sz="1100">
-              <a:solidFill>
-                <a:schemeClr val="lt1"/>
-              </a:solidFill>
-              <a:latin typeface="+mn-lt"/>
-              <a:ea typeface="+mn-ea"/>
-              <a:cs typeface="+mn-cs"/>
-            </a:defRPr>
-          </a:lvl4pPr>
-          <a:lvl5pPr marL="1828800" indent="0">
-            <a:defRPr sz="1100">
-              <a:solidFill>
-                <a:schemeClr val="lt1"/>
-              </a:solidFill>
-              <a:latin typeface="+mn-lt"/>
-              <a:ea typeface="+mn-ea"/>
-              <a:cs typeface="+mn-cs"/>
-            </a:defRPr>
-          </a:lvl5pPr>
-          <a:lvl6pPr marL="2286000" indent="0">
-            <a:defRPr sz="1100">
-              <a:solidFill>
-                <a:schemeClr val="lt1"/>
-              </a:solidFill>
-              <a:latin typeface="+mn-lt"/>
-              <a:ea typeface="+mn-ea"/>
-              <a:cs typeface="+mn-cs"/>
-            </a:defRPr>
-          </a:lvl6pPr>
-          <a:lvl7pPr marL="2743200" indent="0">
-            <a:defRPr sz="1100">
-              <a:solidFill>
-                <a:schemeClr val="lt1"/>
-              </a:solidFill>
-              <a:latin typeface="+mn-lt"/>
-              <a:ea typeface="+mn-ea"/>
-              <a:cs typeface="+mn-cs"/>
-            </a:defRPr>
-          </a:lvl7pPr>
-          <a:lvl8pPr marL="3200400" indent="0">
-            <a:defRPr sz="1100">
-              <a:solidFill>
-                <a:schemeClr val="lt1"/>
-              </a:solidFill>
-              <a:latin typeface="+mn-lt"/>
-              <a:ea typeface="+mn-ea"/>
-              <a:cs typeface="+mn-cs"/>
-            </a:defRPr>
-          </a:lvl8pPr>
-          <a:lvl9pPr marL="3657600" indent="0">
-            <a:defRPr sz="1100">
-              <a:solidFill>
-                <a:schemeClr val="lt1"/>
-              </a:solidFill>
-              <a:latin typeface="+mn-lt"/>
-              <a:ea typeface="+mn-ea"/>
-              <a:cs typeface="+mn-cs"/>
-            </a:defRPr>
-          </a:lvl9pPr>
-        </a:lstStyle>
-        <a:p xmlns:a="http://schemas.openxmlformats.org/drawingml/2006/main">
-          <a:endParaRPr lang="de-DE"/>
-        </a:p>
-      </cdr:txBody>
-    </cdr:sp>
-  </cdr:relSizeAnchor>
-  <cdr:relSizeAnchor xmlns:cdr="http://schemas.openxmlformats.org/drawingml/2006/chartDrawing">
-    <cdr:from>
-      <cdr:x>0.49576</cdr:x>
-      <cdr:y>0.54387</cdr:y>
-    </cdr:from>
-    <cdr:to>
-      <cdr:x>0.56807</cdr:x>
-      <cdr:y>0.59289</cdr:y>
-    </cdr:to>
-    <cdr:sp macro="" textlink="">
-      <cdr:nvSpPr>
-        <cdr:cNvPr id="11" name="Rechteck 10">
-          <a:extLst xmlns:a="http://schemas.openxmlformats.org/drawingml/2006/main">
-            <a:ext uri="{FF2B5EF4-FFF2-40B4-BE49-F238E27FC236}">
-              <a16:creationId xmlns:a16="http://schemas.microsoft.com/office/drawing/2014/main" id="{51C75FFC-C40F-4A42-A359-4736960BAD0B}"/>
-            </a:ext>
-          </a:extLst>
-        </cdr:cNvPr>
-        <cdr:cNvSpPr/>
-      </cdr:nvSpPr>
-      <cdr:spPr>
-        <a:xfrm xmlns:a="http://schemas.openxmlformats.org/drawingml/2006/main">
-          <a:off x="5681396" y="2907368"/>
-          <a:ext cx="828675" cy="262045"/>
-        </a:xfrm>
-        <a:prstGeom xmlns:a="http://schemas.openxmlformats.org/drawingml/2006/main" prst="rect">
-          <a:avLst/>
-        </a:prstGeom>
-      </cdr:spPr>
-      <cdr:style>
-        <a:lnRef xmlns:a="http://schemas.openxmlformats.org/drawingml/2006/main" idx="2">
-          <a:schemeClr val="accent1">
-            <a:shade val="50000"/>
-          </a:schemeClr>
-        </a:lnRef>
-        <a:fillRef xmlns:a="http://schemas.openxmlformats.org/drawingml/2006/main" idx="1">
-          <a:schemeClr val="accent1"/>
-        </a:fillRef>
-        <a:effectRef xmlns:a="http://schemas.openxmlformats.org/drawingml/2006/main" idx="0">
-          <a:schemeClr val="accent1"/>
-        </a:effectRef>
-        <a:fontRef xmlns:a="http://schemas.openxmlformats.org/drawingml/2006/main" idx="minor">
-          <a:schemeClr val="lt1"/>
-        </a:fontRef>
-      </cdr:style>
-      <cdr:txBody>
-        <a:bodyPr xmlns:a="http://schemas.openxmlformats.org/drawingml/2006/main"/>
-        <a:lstStyle xmlns:a="http://schemas.openxmlformats.org/drawingml/2006/main">
-          <a:lvl1pPr marL="0" indent="0">
-            <a:defRPr sz="1100">
-              <a:solidFill>
-                <a:schemeClr val="lt1"/>
-              </a:solidFill>
-              <a:latin typeface="+mn-lt"/>
-              <a:ea typeface="+mn-ea"/>
-              <a:cs typeface="+mn-cs"/>
-            </a:defRPr>
-          </a:lvl1pPr>
-          <a:lvl2pPr marL="457200" indent="0">
-            <a:defRPr sz="1100">
-              <a:solidFill>
-                <a:schemeClr val="lt1"/>
-              </a:solidFill>
-              <a:latin typeface="+mn-lt"/>
-              <a:ea typeface="+mn-ea"/>
-              <a:cs typeface="+mn-cs"/>
-            </a:defRPr>
-          </a:lvl2pPr>
-          <a:lvl3pPr marL="914400" indent="0">
-            <a:defRPr sz="1100">
-              <a:solidFill>
-                <a:schemeClr val="lt1"/>
-              </a:solidFill>
-              <a:latin typeface="+mn-lt"/>
-              <a:ea typeface="+mn-ea"/>
-              <a:cs typeface="+mn-cs"/>
-            </a:defRPr>
-          </a:lvl3pPr>
-          <a:lvl4pPr marL="1371600" indent="0">
-            <a:defRPr sz="1100">
-              <a:solidFill>
-                <a:schemeClr val="lt1"/>
-              </a:solidFill>
-              <a:latin typeface="+mn-lt"/>
-              <a:ea typeface="+mn-ea"/>
-              <a:cs typeface="+mn-cs"/>
-            </a:defRPr>
-          </a:lvl4pPr>
-          <a:lvl5pPr marL="1828800" indent="0">
-            <a:defRPr sz="1100">
-              <a:solidFill>
-                <a:schemeClr val="lt1"/>
-              </a:solidFill>
-              <a:latin typeface="+mn-lt"/>
-              <a:ea typeface="+mn-ea"/>
-              <a:cs typeface="+mn-cs"/>
-            </a:defRPr>
-          </a:lvl5pPr>
-          <a:lvl6pPr marL="2286000" indent="0">
-            <a:defRPr sz="1100">
-              <a:solidFill>
-                <a:schemeClr val="lt1"/>
-              </a:solidFill>
-              <a:latin typeface="+mn-lt"/>
-              <a:ea typeface="+mn-ea"/>
-              <a:cs typeface="+mn-cs"/>
-            </a:defRPr>
-          </a:lvl6pPr>
-          <a:lvl7pPr marL="2743200" indent="0">
-            <a:defRPr sz="1100">
-              <a:solidFill>
-                <a:schemeClr val="lt1"/>
-              </a:solidFill>
-              <a:latin typeface="+mn-lt"/>
-              <a:ea typeface="+mn-ea"/>
-              <a:cs typeface="+mn-cs"/>
-            </a:defRPr>
-          </a:lvl7pPr>
-          <a:lvl8pPr marL="3200400" indent="0">
-            <a:defRPr sz="1100">
-              <a:solidFill>
-                <a:schemeClr val="lt1"/>
-              </a:solidFill>
-              <a:latin typeface="+mn-lt"/>
-              <a:ea typeface="+mn-ea"/>
-              <a:cs typeface="+mn-cs"/>
-            </a:defRPr>
-          </a:lvl8pPr>
-          <a:lvl9pPr marL="3657600" indent="0">
-            <a:defRPr sz="1100">
-              <a:solidFill>
-                <a:schemeClr val="lt1"/>
-              </a:solidFill>
-              <a:latin typeface="+mn-lt"/>
-              <a:ea typeface="+mn-ea"/>
-              <a:cs typeface="+mn-cs"/>
-            </a:defRPr>
-          </a:lvl9pPr>
-        </a:lstStyle>
-        <a:p xmlns:a="http://schemas.openxmlformats.org/drawingml/2006/main">
-          <a:endParaRPr lang="de-DE"/>
-        </a:p>
-      </cdr:txBody>
-    </cdr:sp>
-  </cdr:relSizeAnchor>
-  <cdr:relSizeAnchor xmlns:cdr="http://schemas.openxmlformats.org/drawingml/2006/chartDrawing">
-    <cdr:from>
-      <cdr:x>0.35031</cdr:x>
-      <cdr:y>0.61205</cdr:y>
-    </cdr:from>
-    <cdr:to>
-      <cdr:x>0.49576</cdr:x>
-      <cdr:y>0.66107</cdr:y>
-    </cdr:to>
-    <cdr:sp macro="" textlink="">
-      <cdr:nvSpPr>
-        <cdr:cNvPr id="12" name="Rechteck 11">
-          <a:extLst xmlns:a="http://schemas.openxmlformats.org/drawingml/2006/main">
-            <a:ext uri="{FF2B5EF4-FFF2-40B4-BE49-F238E27FC236}">
-              <a16:creationId xmlns:a16="http://schemas.microsoft.com/office/drawing/2014/main" id="{51C75FFC-C40F-4A42-A359-4736960BAD0B}"/>
-            </a:ext>
-          </a:extLst>
-        </cdr:cNvPr>
-        <cdr:cNvSpPr/>
-      </cdr:nvSpPr>
-      <cdr:spPr>
-        <a:xfrm xmlns:a="http://schemas.openxmlformats.org/drawingml/2006/main">
-          <a:off x="4014520" y="3271831"/>
-          <a:ext cx="1666875" cy="262044"/>
-        </a:xfrm>
-        <a:prstGeom xmlns:a="http://schemas.openxmlformats.org/drawingml/2006/main" prst="rect">
-          <a:avLst/>
-        </a:prstGeom>
-      </cdr:spPr>
-      <cdr:style>
-        <a:lnRef xmlns:a="http://schemas.openxmlformats.org/drawingml/2006/main" idx="2">
-          <a:schemeClr val="accent1">
-            <a:shade val="50000"/>
-          </a:schemeClr>
-        </a:lnRef>
-        <a:fillRef xmlns:a="http://schemas.openxmlformats.org/drawingml/2006/main" idx="1">
-          <a:schemeClr val="accent1"/>
-        </a:fillRef>
-        <a:effectRef xmlns:a="http://schemas.openxmlformats.org/drawingml/2006/main" idx="0">
-          <a:schemeClr val="accent1"/>
-        </a:effectRef>
-        <a:fontRef xmlns:a="http://schemas.openxmlformats.org/drawingml/2006/main" idx="minor">
-          <a:schemeClr val="lt1"/>
-        </a:fontRef>
-      </cdr:style>
-      <cdr:txBody>
-        <a:bodyPr xmlns:a="http://schemas.openxmlformats.org/drawingml/2006/main"/>
-        <a:lstStyle xmlns:a="http://schemas.openxmlformats.org/drawingml/2006/main">
-          <a:lvl1pPr marL="0" indent="0">
-            <a:defRPr sz="1100">
-              <a:solidFill>
-                <a:schemeClr val="lt1"/>
-              </a:solidFill>
-              <a:latin typeface="+mn-lt"/>
-              <a:ea typeface="+mn-ea"/>
-              <a:cs typeface="+mn-cs"/>
-            </a:defRPr>
-          </a:lvl1pPr>
-          <a:lvl2pPr marL="457200" indent="0">
-            <a:defRPr sz="1100">
-              <a:solidFill>
-                <a:schemeClr val="lt1"/>
-              </a:solidFill>
-              <a:latin typeface="+mn-lt"/>
-              <a:ea typeface="+mn-ea"/>
-              <a:cs typeface="+mn-cs"/>
-            </a:defRPr>
-          </a:lvl2pPr>
-          <a:lvl3pPr marL="914400" indent="0">
-            <a:defRPr sz="1100">
-              <a:solidFill>
-                <a:schemeClr val="lt1"/>
-              </a:solidFill>
-              <a:latin typeface="+mn-lt"/>
-              <a:ea typeface="+mn-ea"/>
-              <a:cs typeface="+mn-cs"/>
-            </a:defRPr>
-          </a:lvl3pPr>
-          <a:lvl4pPr marL="1371600" indent="0">
-            <a:defRPr sz="1100">
-              <a:solidFill>
-                <a:schemeClr val="lt1"/>
-              </a:solidFill>
-              <a:latin typeface="+mn-lt"/>
-              <a:ea typeface="+mn-ea"/>
-              <a:cs typeface="+mn-cs"/>
-            </a:defRPr>
-          </a:lvl4pPr>
-          <a:lvl5pPr marL="1828800" indent="0">
-            <a:defRPr sz="1100">
-              <a:solidFill>
-                <a:schemeClr val="lt1"/>
-              </a:solidFill>
-              <a:latin typeface="+mn-lt"/>
-              <a:ea typeface="+mn-ea"/>
-              <a:cs typeface="+mn-cs"/>
-            </a:defRPr>
-          </a:lvl5pPr>
-          <a:lvl6pPr marL="2286000" indent="0">
-            <a:defRPr sz="1100">
-              <a:solidFill>
-                <a:schemeClr val="lt1"/>
-              </a:solidFill>
-              <a:latin typeface="+mn-lt"/>
-              <a:ea typeface="+mn-ea"/>
-              <a:cs typeface="+mn-cs"/>
-            </a:defRPr>
-          </a:lvl6pPr>
-          <a:lvl7pPr marL="2743200" indent="0">
-            <a:defRPr sz="1100">
-              <a:solidFill>
-                <a:schemeClr val="lt1"/>
-              </a:solidFill>
-              <a:latin typeface="+mn-lt"/>
-              <a:ea typeface="+mn-ea"/>
-              <a:cs typeface="+mn-cs"/>
-            </a:defRPr>
-          </a:lvl7pPr>
-          <a:lvl8pPr marL="3200400" indent="0">
-            <a:defRPr sz="1100">
-              <a:solidFill>
-                <a:schemeClr val="lt1"/>
-              </a:solidFill>
-              <a:latin typeface="+mn-lt"/>
-              <a:ea typeface="+mn-ea"/>
-              <a:cs typeface="+mn-cs"/>
-            </a:defRPr>
-          </a:lvl8pPr>
-          <a:lvl9pPr marL="3657600" indent="0">
-            <a:defRPr sz="1100">
-              <a:solidFill>
-                <a:schemeClr val="lt1"/>
-              </a:solidFill>
-              <a:latin typeface="+mn-lt"/>
-              <a:ea typeface="+mn-ea"/>
-              <a:cs typeface="+mn-cs"/>
-            </a:defRPr>
-          </a:lvl9pPr>
-        </a:lstStyle>
-        <a:p xmlns:a="http://schemas.openxmlformats.org/drawingml/2006/main">
-          <a:endParaRPr lang="de-DE"/>
-        </a:p>
-      </cdr:txBody>
-    </cdr:sp>
-  </cdr:relSizeAnchor>
-  <cdr:relSizeAnchor xmlns:cdr="http://schemas.openxmlformats.org/drawingml/2006/chartDrawing">
-    <cdr:from>
-      <cdr:x>0.49576</cdr:x>
-      <cdr:y>0.67252</cdr:y>
-    </cdr:from>
-    <cdr:to>
-      <cdr:x>0.56807</cdr:x>
-      <cdr:y>0.72154</cdr:y>
-    </cdr:to>
-    <cdr:sp macro="" textlink="">
-      <cdr:nvSpPr>
-        <cdr:cNvPr id="13" name="Rechteck 12">
-          <a:extLst xmlns:a="http://schemas.openxmlformats.org/drawingml/2006/main">
-            <a:ext uri="{FF2B5EF4-FFF2-40B4-BE49-F238E27FC236}">
-              <a16:creationId xmlns:a16="http://schemas.microsoft.com/office/drawing/2014/main" id="{68417D8D-B75C-46C6-A4D2-1134C1368DF5}"/>
-            </a:ext>
-          </a:extLst>
-        </cdr:cNvPr>
-        <cdr:cNvSpPr/>
-      </cdr:nvSpPr>
-      <cdr:spPr>
-        <a:xfrm xmlns:a="http://schemas.openxmlformats.org/drawingml/2006/main">
-          <a:off x="5681396" y="3595049"/>
-          <a:ext cx="828675" cy="262045"/>
-        </a:xfrm>
-        <a:prstGeom xmlns:a="http://schemas.openxmlformats.org/drawingml/2006/main" prst="rect">
-          <a:avLst/>
-        </a:prstGeom>
-      </cdr:spPr>
-      <cdr:style>
-        <a:lnRef xmlns:a="http://schemas.openxmlformats.org/drawingml/2006/main" idx="2">
-          <a:schemeClr val="accent1">
-            <a:shade val="50000"/>
-          </a:schemeClr>
-        </a:lnRef>
-        <a:fillRef xmlns:a="http://schemas.openxmlformats.org/drawingml/2006/main" idx="1">
-          <a:schemeClr val="accent1"/>
-        </a:fillRef>
-        <a:effectRef xmlns:a="http://schemas.openxmlformats.org/drawingml/2006/main" idx="0">
-          <a:schemeClr val="accent1"/>
-        </a:effectRef>
-        <a:fontRef xmlns:a="http://schemas.openxmlformats.org/drawingml/2006/main" idx="minor">
-          <a:schemeClr val="lt1"/>
-        </a:fontRef>
-      </cdr:style>
-      <cdr:txBody>
-        <a:bodyPr xmlns:a="http://schemas.openxmlformats.org/drawingml/2006/main"/>
-        <a:lstStyle xmlns:a="http://schemas.openxmlformats.org/drawingml/2006/main">
-          <a:lvl1pPr marL="0" indent="0">
-            <a:defRPr sz="1100">
-              <a:solidFill>
-                <a:schemeClr val="lt1"/>
-              </a:solidFill>
-              <a:latin typeface="+mn-lt"/>
-              <a:ea typeface="+mn-ea"/>
-              <a:cs typeface="+mn-cs"/>
-            </a:defRPr>
-          </a:lvl1pPr>
-          <a:lvl2pPr marL="457200" indent="0">
-            <a:defRPr sz="1100">
-              <a:solidFill>
-                <a:schemeClr val="lt1"/>
-              </a:solidFill>
-              <a:latin typeface="+mn-lt"/>
-              <a:ea typeface="+mn-ea"/>
-              <a:cs typeface="+mn-cs"/>
-            </a:defRPr>
-          </a:lvl2pPr>
-          <a:lvl3pPr marL="914400" indent="0">
-            <a:defRPr sz="1100">
-              <a:solidFill>
-                <a:schemeClr val="lt1"/>
-              </a:solidFill>
-              <a:latin typeface="+mn-lt"/>
-              <a:ea typeface="+mn-ea"/>
-              <a:cs typeface="+mn-cs"/>
-            </a:defRPr>
-          </a:lvl3pPr>
-          <a:lvl4pPr marL="1371600" indent="0">
-            <a:defRPr sz="1100">
-              <a:solidFill>
-                <a:schemeClr val="lt1"/>
-              </a:solidFill>
-              <a:latin typeface="+mn-lt"/>
-              <a:ea typeface="+mn-ea"/>
-              <a:cs typeface="+mn-cs"/>
-            </a:defRPr>
-          </a:lvl4pPr>
-          <a:lvl5pPr marL="1828800" indent="0">
-            <a:defRPr sz="1100">
-              <a:solidFill>
-                <a:schemeClr val="lt1"/>
-              </a:solidFill>
-              <a:latin typeface="+mn-lt"/>
-              <a:ea typeface="+mn-ea"/>
-              <a:cs typeface="+mn-cs"/>
-            </a:defRPr>
-          </a:lvl5pPr>
-          <a:lvl6pPr marL="2286000" indent="0">
-            <a:defRPr sz="1100">
-              <a:solidFill>
-                <a:schemeClr val="lt1"/>
-              </a:solidFill>
-              <a:latin typeface="+mn-lt"/>
-              <a:ea typeface="+mn-ea"/>
-              <a:cs typeface="+mn-cs"/>
-            </a:defRPr>
-          </a:lvl6pPr>
-          <a:lvl7pPr marL="2743200" indent="0">
-            <a:defRPr sz="1100">
-              <a:solidFill>
-                <a:schemeClr val="lt1"/>
-              </a:solidFill>
-              <a:latin typeface="+mn-lt"/>
-              <a:ea typeface="+mn-ea"/>
-              <a:cs typeface="+mn-cs"/>
-            </a:defRPr>
-          </a:lvl7pPr>
-          <a:lvl8pPr marL="3200400" indent="0">
-            <a:defRPr sz="1100">
-              <a:solidFill>
-                <a:schemeClr val="lt1"/>
-              </a:solidFill>
-              <a:latin typeface="+mn-lt"/>
-              <a:ea typeface="+mn-ea"/>
-              <a:cs typeface="+mn-cs"/>
-            </a:defRPr>
-          </a:lvl8pPr>
-          <a:lvl9pPr marL="3657600" indent="0">
-            <a:defRPr sz="1100">
-              <a:solidFill>
-                <a:schemeClr val="lt1"/>
-              </a:solidFill>
-              <a:latin typeface="+mn-lt"/>
-              <a:ea typeface="+mn-ea"/>
-              <a:cs typeface="+mn-cs"/>
-            </a:defRPr>
-          </a:lvl9pPr>
-        </a:lstStyle>
-        <a:p xmlns:a="http://schemas.openxmlformats.org/drawingml/2006/main">
-          <a:endParaRPr lang="de-DE"/>
-        </a:p>
-      </cdr:txBody>
-    </cdr:sp>
-  </cdr:relSizeAnchor>
-  <cdr:relSizeAnchor xmlns:cdr="http://schemas.openxmlformats.org/drawingml/2006/chartDrawing">
-    <cdr:from>
-      <cdr:x>0.56973</cdr:x>
-      <cdr:y>0.72858</cdr:y>
-    </cdr:from>
-    <cdr:to>
-      <cdr:x>0.78749</cdr:x>
-      <cdr:y>0.7776</cdr:y>
-    </cdr:to>
-    <cdr:sp macro="" textlink="">
-      <cdr:nvSpPr>
-        <cdr:cNvPr id="14" name="Rechteck 13">
-          <a:extLst xmlns:a="http://schemas.openxmlformats.org/drawingml/2006/main">
-            <a:ext uri="{FF2B5EF4-FFF2-40B4-BE49-F238E27FC236}">
-              <a16:creationId xmlns:a16="http://schemas.microsoft.com/office/drawing/2014/main" id="{68417D8D-B75C-46C6-A4D2-1134C1368DF5}"/>
-            </a:ext>
-          </a:extLst>
-        </cdr:cNvPr>
-        <cdr:cNvSpPr/>
-      </cdr:nvSpPr>
-      <cdr:spPr>
-        <a:xfrm xmlns:a="http://schemas.openxmlformats.org/drawingml/2006/main">
-          <a:off x="6529121" y="3894723"/>
-          <a:ext cx="2495550" cy="262044"/>
-        </a:xfrm>
-        <a:prstGeom xmlns:a="http://schemas.openxmlformats.org/drawingml/2006/main" prst="rect">
-          <a:avLst/>
-        </a:prstGeom>
-        <a:solidFill xmlns:a="http://schemas.openxmlformats.org/drawingml/2006/main">
-          <a:schemeClr val="accent1"/>
-        </a:solidFill>
-        <a:ln xmlns:a="http://schemas.openxmlformats.org/drawingml/2006/main">
-          <a:solidFill>
-            <a:schemeClr val="accent2"/>
-          </a:solidFill>
-        </a:ln>
-      </cdr:spPr>
-      <cdr:style>
-        <a:lnRef xmlns:a="http://schemas.openxmlformats.org/drawingml/2006/main" idx="2">
-          <a:schemeClr val="accent1">
-            <a:shade val="50000"/>
-          </a:schemeClr>
-        </a:lnRef>
-        <a:fillRef xmlns:a="http://schemas.openxmlformats.org/drawingml/2006/main" idx="1">
-          <a:schemeClr val="accent1"/>
-        </a:fillRef>
-        <a:effectRef xmlns:a="http://schemas.openxmlformats.org/drawingml/2006/main" idx="0">
-          <a:schemeClr val="accent1"/>
-        </a:effectRef>
-        <a:fontRef xmlns:a="http://schemas.openxmlformats.org/drawingml/2006/main" idx="minor">
-          <a:schemeClr val="lt1"/>
-        </a:fontRef>
-      </cdr:style>
-      <cdr:txBody>
-        <a:bodyPr xmlns:a="http://schemas.openxmlformats.org/drawingml/2006/main"/>
-        <a:lstStyle xmlns:a="http://schemas.openxmlformats.org/drawingml/2006/main">
-          <a:lvl1pPr marL="0" indent="0">
-            <a:defRPr sz="1100">
-              <a:solidFill>
-                <a:schemeClr val="lt1"/>
-              </a:solidFill>
-              <a:latin typeface="+mn-lt"/>
-              <a:ea typeface="+mn-ea"/>
-              <a:cs typeface="+mn-cs"/>
-            </a:defRPr>
-          </a:lvl1pPr>
-          <a:lvl2pPr marL="457200" indent="0">
-            <a:defRPr sz="1100">
-              <a:solidFill>
-                <a:schemeClr val="lt1"/>
-              </a:solidFill>
-              <a:latin typeface="+mn-lt"/>
-              <a:ea typeface="+mn-ea"/>
-              <a:cs typeface="+mn-cs"/>
-            </a:defRPr>
-          </a:lvl2pPr>
-          <a:lvl3pPr marL="914400" indent="0">
-            <a:defRPr sz="1100">
-              <a:solidFill>
-                <a:schemeClr val="lt1"/>
-              </a:solidFill>
-              <a:latin typeface="+mn-lt"/>
-              <a:ea typeface="+mn-ea"/>
-              <a:cs typeface="+mn-cs"/>
-            </a:defRPr>
-          </a:lvl3pPr>
-          <a:lvl4pPr marL="1371600" indent="0">
-            <a:defRPr sz="1100">
-              <a:solidFill>
-                <a:schemeClr val="lt1"/>
-              </a:solidFill>
-              <a:latin typeface="+mn-lt"/>
-              <a:ea typeface="+mn-ea"/>
-              <a:cs typeface="+mn-cs"/>
-            </a:defRPr>
-          </a:lvl4pPr>
-          <a:lvl5pPr marL="1828800" indent="0">
-            <a:defRPr sz="1100">
-              <a:solidFill>
-                <a:schemeClr val="lt1"/>
-              </a:solidFill>
-              <a:latin typeface="+mn-lt"/>
-              <a:ea typeface="+mn-ea"/>
-              <a:cs typeface="+mn-cs"/>
-            </a:defRPr>
-          </a:lvl5pPr>
-          <a:lvl6pPr marL="2286000" indent="0">
-            <a:defRPr sz="1100">
-              <a:solidFill>
-                <a:schemeClr val="lt1"/>
-              </a:solidFill>
-              <a:latin typeface="+mn-lt"/>
-              <a:ea typeface="+mn-ea"/>
-              <a:cs typeface="+mn-cs"/>
-            </a:defRPr>
-          </a:lvl6pPr>
-          <a:lvl7pPr marL="2743200" indent="0">
-            <a:defRPr sz="1100">
-              <a:solidFill>
-                <a:schemeClr val="lt1"/>
-              </a:solidFill>
-              <a:latin typeface="+mn-lt"/>
-              <a:ea typeface="+mn-ea"/>
-              <a:cs typeface="+mn-cs"/>
-            </a:defRPr>
-          </a:lvl7pPr>
-          <a:lvl8pPr marL="3200400" indent="0">
-            <a:defRPr sz="1100">
-              <a:solidFill>
-                <a:schemeClr val="lt1"/>
-              </a:solidFill>
-              <a:latin typeface="+mn-lt"/>
-              <a:ea typeface="+mn-ea"/>
-              <a:cs typeface="+mn-cs"/>
-            </a:defRPr>
-          </a:lvl8pPr>
-          <a:lvl9pPr marL="3657600" indent="0">
-            <a:defRPr sz="1100">
-              <a:solidFill>
-                <a:schemeClr val="lt1"/>
-              </a:solidFill>
-              <a:latin typeface="+mn-lt"/>
-              <a:ea typeface="+mn-ea"/>
-              <a:cs typeface="+mn-cs"/>
-            </a:defRPr>
-          </a:lvl9pPr>
-        </a:lstStyle>
-        <a:p xmlns:a="http://schemas.openxmlformats.org/drawingml/2006/main">
-          <a:endParaRPr lang="de-DE" dirty="0">
-            <a:solidFill>
-              <a:srgbClr val="FF0000"/>
-            </a:solidFill>
-          </a:endParaRPr>
-        </a:p>
-      </cdr:txBody>
-    </cdr:sp>
-  </cdr:relSizeAnchor>
-  <cdr:relSizeAnchor xmlns:cdr="http://schemas.openxmlformats.org/drawingml/2006/chartDrawing">
-    <cdr:from>
-      <cdr:x>0.7876</cdr:x>
-      <cdr:y>0.78376</cdr:y>
-    </cdr:from>
-    <cdr:to>
-      <cdr:x>0.93403</cdr:x>
-      <cdr:y>0.83277</cdr:y>
-    </cdr:to>
-    <cdr:sp macro="" textlink="">
-      <cdr:nvSpPr>
-        <cdr:cNvPr id="15" name="Rechteck 14">
-          <a:extLst xmlns:a="http://schemas.openxmlformats.org/drawingml/2006/main">
-            <a:ext uri="{FF2B5EF4-FFF2-40B4-BE49-F238E27FC236}">
-              <a16:creationId xmlns:a16="http://schemas.microsoft.com/office/drawing/2014/main" id="{68417D8D-B75C-46C6-A4D2-1134C1368DF5}"/>
-            </a:ext>
-          </a:extLst>
-        </cdr:cNvPr>
-        <cdr:cNvSpPr/>
-      </cdr:nvSpPr>
-      <cdr:spPr>
-        <a:xfrm xmlns:a="http://schemas.openxmlformats.org/drawingml/2006/main">
-          <a:off x="9025901" y="4189740"/>
-          <a:ext cx="1678090" cy="261992"/>
-        </a:xfrm>
-        <a:prstGeom xmlns:a="http://schemas.openxmlformats.org/drawingml/2006/main" prst="rect">
-          <a:avLst/>
-        </a:prstGeom>
-        <a:solidFill xmlns:a="http://schemas.openxmlformats.org/drawingml/2006/main">
-          <a:schemeClr val="accent1"/>
-        </a:solidFill>
-        <a:ln xmlns:a="http://schemas.openxmlformats.org/drawingml/2006/main">
-          <a:solidFill>
-            <a:schemeClr val="accent2"/>
-          </a:solidFill>
-        </a:ln>
-      </cdr:spPr>
-      <cdr:style>
-        <a:lnRef xmlns:a="http://schemas.openxmlformats.org/drawingml/2006/main" idx="2">
-          <a:schemeClr val="accent1">
-            <a:shade val="50000"/>
-          </a:schemeClr>
-        </a:lnRef>
-        <a:fillRef xmlns:a="http://schemas.openxmlformats.org/drawingml/2006/main" idx="1">
-          <a:schemeClr val="accent1"/>
-        </a:fillRef>
-        <a:effectRef xmlns:a="http://schemas.openxmlformats.org/drawingml/2006/main" idx="0">
-          <a:schemeClr val="accent1"/>
-        </a:effectRef>
-        <a:fontRef xmlns:a="http://schemas.openxmlformats.org/drawingml/2006/main" idx="minor">
-          <a:schemeClr val="lt1"/>
-        </a:fontRef>
-      </cdr:style>
-      <cdr:txBody>
-        <a:bodyPr xmlns:a="http://schemas.openxmlformats.org/drawingml/2006/main"/>
-        <a:lstStyle xmlns:a="http://schemas.openxmlformats.org/drawingml/2006/main">
-          <a:lvl1pPr marL="0" indent="0">
-            <a:defRPr sz="1100">
-              <a:solidFill>
-                <a:schemeClr val="lt1"/>
-              </a:solidFill>
-              <a:latin typeface="+mn-lt"/>
-              <a:ea typeface="+mn-ea"/>
-              <a:cs typeface="+mn-cs"/>
-            </a:defRPr>
-          </a:lvl1pPr>
-          <a:lvl2pPr marL="457200" indent="0">
-            <a:defRPr sz="1100">
-              <a:solidFill>
-                <a:schemeClr val="lt1"/>
-              </a:solidFill>
-              <a:latin typeface="+mn-lt"/>
-              <a:ea typeface="+mn-ea"/>
-              <a:cs typeface="+mn-cs"/>
-            </a:defRPr>
-          </a:lvl2pPr>
-          <a:lvl3pPr marL="914400" indent="0">
-            <a:defRPr sz="1100">
-              <a:solidFill>
-                <a:schemeClr val="lt1"/>
-              </a:solidFill>
-              <a:latin typeface="+mn-lt"/>
-              <a:ea typeface="+mn-ea"/>
-              <a:cs typeface="+mn-cs"/>
-            </a:defRPr>
-          </a:lvl3pPr>
-          <a:lvl4pPr marL="1371600" indent="0">
-            <a:defRPr sz="1100">
-              <a:solidFill>
-                <a:schemeClr val="lt1"/>
-              </a:solidFill>
-              <a:latin typeface="+mn-lt"/>
-              <a:ea typeface="+mn-ea"/>
-              <a:cs typeface="+mn-cs"/>
-            </a:defRPr>
-          </a:lvl4pPr>
-          <a:lvl5pPr marL="1828800" indent="0">
-            <a:defRPr sz="1100">
-              <a:solidFill>
-                <a:schemeClr val="lt1"/>
-              </a:solidFill>
-              <a:latin typeface="+mn-lt"/>
-              <a:ea typeface="+mn-ea"/>
-              <a:cs typeface="+mn-cs"/>
-            </a:defRPr>
-          </a:lvl5pPr>
-          <a:lvl6pPr marL="2286000" indent="0">
-            <a:defRPr sz="1100">
-              <a:solidFill>
-                <a:schemeClr val="lt1"/>
-              </a:solidFill>
-              <a:latin typeface="+mn-lt"/>
-              <a:ea typeface="+mn-ea"/>
-              <a:cs typeface="+mn-cs"/>
-            </a:defRPr>
-          </a:lvl6pPr>
-          <a:lvl7pPr marL="2743200" indent="0">
-            <a:defRPr sz="1100">
-              <a:solidFill>
-                <a:schemeClr val="lt1"/>
-              </a:solidFill>
-              <a:latin typeface="+mn-lt"/>
-              <a:ea typeface="+mn-ea"/>
-              <a:cs typeface="+mn-cs"/>
-            </a:defRPr>
-          </a:lvl7pPr>
-          <a:lvl8pPr marL="3200400" indent="0">
-            <a:defRPr sz="1100">
-              <a:solidFill>
-                <a:schemeClr val="lt1"/>
-              </a:solidFill>
-              <a:latin typeface="+mn-lt"/>
-              <a:ea typeface="+mn-ea"/>
-              <a:cs typeface="+mn-cs"/>
-            </a:defRPr>
-          </a:lvl8pPr>
-          <a:lvl9pPr marL="3657600" indent="0">
-            <a:defRPr sz="1100">
-              <a:solidFill>
-                <a:schemeClr val="lt1"/>
-              </a:solidFill>
-              <a:latin typeface="+mn-lt"/>
-              <a:ea typeface="+mn-ea"/>
-              <a:cs typeface="+mn-cs"/>
-            </a:defRPr>
-          </a:lvl9pPr>
-        </a:lstStyle>
-        <a:p xmlns:a="http://schemas.openxmlformats.org/drawingml/2006/main">
-          <a:endParaRPr lang="de-DE"/>
-        </a:p>
-      </cdr:txBody>
-    </cdr:sp>
-  </cdr:relSizeAnchor>
-  <cdr:relSizeAnchor xmlns:cdr="http://schemas.openxmlformats.org/drawingml/2006/chartDrawing">
-    <cdr:from>
-      <cdr:x>0.12077</cdr:x>
-      <cdr:y>0.85805</cdr:y>
-    </cdr:from>
-    <cdr:to>
-      <cdr:x>0.14404</cdr:x>
-      <cdr:y>0.90794</cdr:y>
-    </cdr:to>
-    <cdr:sp macro="" textlink="">
-      <cdr:nvSpPr>
-        <cdr:cNvPr id="17" name="Raute 16">
-          <a:extLst xmlns:a="http://schemas.openxmlformats.org/drawingml/2006/main">
-            <a:ext uri="{FF2B5EF4-FFF2-40B4-BE49-F238E27FC236}">
-              <a16:creationId xmlns:a16="http://schemas.microsoft.com/office/drawing/2014/main" id="{A57634B5-41DE-4030-8829-FB83BEE55B57}"/>
-            </a:ext>
-          </a:extLst>
-        </cdr:cNvPr>
-        <cdr:cNvSpPr/>
-      </cdr:nvSpPr>
-      <cdr:spPr>
-        <a:xfrm xmlns:a="http://schemas.openxmlformats.org/drawingml/2006/main">
-          <a:off x="1383977" y="4586831"/>
-          <a:ext cx="266675" cy="266695"/>
-        </a:xfrm>
-        <a:prstGeom xmlns:a="http://schemas.openxmlformats.org/drawingml/2006/main" prst="diamond">
-          <a:avLst/>
-        </a:prstGeom>
-        <a:solidFill xmlns:a="http://schemas.openxmlformats.org/drawingml/2006/main">
-          <a:schemeClr val="accent6"/>
-        </a:solidFill>
-        <a:ln xmlns:a="http://schemas.openxmlformats.org/drawingml/2006/main">
-          <a:solidFill>
-            <a:schemeClr val="accent6"/>
-          </a:solidFill>
-        </a:ln>
-      </cdr:spPr>
-      <cdr:style>
-        <a:lnRef xmlns:a="http://schemas.openxmlformats.org/drawingml/2006/main" idx="2">
-          <a:schemeClr val="accent1">
-            <a:shade val="50000"/>
-          </a:schemeClr>
-        </a:lnRef>
-        <a:fillRef xmlns:a="http://schemas.openxmlformats.org/drawingml/2006/main" idx="1">
-          <a:schemeClr val="accent1"/>
-        </a:fillRef>
-        <a:effectRef xmlns:a="http://schemas.openxmlformats.org/drawingml/2006/main" idx="0">
-          <a:schemeClr val="accent1"/>
-        </a:effectRef>
-        <a:fontRef xmlns:a="http://schemas.openxmlformats.org/drawingml/2006/main" idx="minor">
-          <a:schemeClr val="lt1"/>
-        </a:fontRef>
-      </cdr:style>
-      <cdr:txBody>
-        <a:bodyPr xmlns:a="http://schemas.openxmlformats.org/drawingml/2006/main" vertOverflow="clip"/>
-        <a:lstStyle xmlns:a="http://schemas.openxmlformats.org/drawingml/2006/main"/>
-        <a:p xmlns:a="http://schemas.openxmlformats.org/drawingml/2006/main">
-          <a:endParaRPr lang="de-DE" dirty="0"/>
-        </a:p>
-      </cdr:txBody>
-    </cdr:sp>
-  </cdr:relSizeAnchor>
-  <cdr:relSizeAnchor xmlns:cdr="http://schemas.openxmlformats.org/drawingml/2006/chartDrawing">
-    <cdr:from>
-      <cdr:x>0.18974</cdr:x>
-      <cdr:y>0.85805</cdr:y>
-    </cdr:from>
-    <cdr:to>
-      <cdr:x>0.21301</cdr:x>
-      <cdr:y>0.90794</cdr:y>
-    </cdr:to>
-    <cdr:sp macro="" textlink="">
-      <cdr:nvSpPr>
-        <cdr:cNvPr id="18" name="Raute 17">
-          <a:extLst xmlns:a="http://schemas.openxmlformats.org/drawingml/2006/main">
-            <a:ext uri="{FF2B5EF4-FFF2-40B4-BE49-F238E27FC236}">
-              <a16:creationId xmlns:a16="http://schemas.microsoft.com/office/drawing/2014/main" id="{5D70ECBF-502F-4119-B049-775F17FAE4A1}"/>
-            </a:ext>
-          </a:extLst>
-        </cdr:cNvPr>
-        <cdr:cNvSpPr/>
-      </cdr:nvSpPr>
-      <cdr:spPr>
-        <a:xfrm xmlns:a="http://schemas.openxmlformats.org/drawingml/2006/main">
-          <a:off x="2174476" y="4586831"/>
-          <a:ext cx="266674" cy="266695"/>
-        </a:xfrm>
-        <a:prstGeom xmlns:a="http://schemas.openxmlformats.org/drawingml/2006/main" prst="diamond">
-          <a:avLst/>
-        </a:prstGeom>
-        <a:solidFill xmlns:a="http://schemas.openxmlformats.org/drawingml/2006/main">
-          <a:schemeClr val="accent6"/>
-        </a:solidFill>
-        <a:ln xmlns:a="http://schemas.openxmlformats.org/drawingml/2006/main">
-          <a:solidFill>
-            <a:schemeClr val="accent6"/>
-          </a:solidFill>
-        </a:ln>
-      </cdr:spPr>
-      <cdr:style>
-        <a:lnRef xmlns:a="http://schemas.openxmlformats.org/drawingml/2006/main" idx="2">
-          <a:schemeClr val="accent1">
-            <a:shade val="50000"/>
-          </a:schemeClr>
-        </a:lnRef>
-        <a:fillRef xmlns:a="http://schemas.openxmlformats.org/drawingml/2006/main" idx="1">
-          <a:schemeClr val="accent1"/>
-        </a:fillRef>
-        <a:effectRef xmlns:a="http://schemas.openxmlformats.org/drawingml/2006/main" idx="0">
-          <a:schemeClr val="accent1"/>
-        </a:effectRef>
-        <a:fontRef xmlns:a="http://schemas.openxmlformats.org/drawingml/2006/main" idx="minor">
-          <a:schemeClr val="lt1"/>
-        </a:fontRef>
-      </cdr:style>
-      <cdr:txBody>
-        <a:bodyPr xmlns:a="http://schemas.openxmlformats.org/drawingml/2006/main"/>
-        <a:lstStyle xmlns:a="http://schemas.openxmlformats.org/drawingml/2006/main">
-          <a:lvl1pPr marL="0" indent="0">
-            <a:defRPr sz="1100">
-              <a:solidFill>
-                <a:schemeClr val="lt1"/>
-              </a:solidFill>
-              <a:latin typeface="+mn-lt"/>
-              <a:ea typeface="+mn-ea"/>
-              <a:cs typeface="+mn-cs"/>
-            </a:defRPr>
-          </a:lvl1pPr>
-          <a:lvl2pPr marL="457200" indent="0">
-            <a:defRPr sz="1100">
-              <a:solidFill>
-                <a:schemeClr val="lt1"/>
-              </a:solidFill>
-              <a:latin typeface="+mn-lt"/>
-              <a:ea typeface="+mn-ea"/>
-              <a:cs typeface="+mn-cs"/>
-            </a:defRPr>
-          </a:lvl2pPr>
-          <a:lvl3pPr marL="914400" indent="0">
-            <a:defRPr sz="1100">
-              <a:solidFill>
-                <a:schemeClr val="lt1"/>
-              </a:solidFill>
-              <a:latin typeface="+mn-lt"/>
-              <a:ea typeface="+mn-ea"/>
-              <a:cs typeface="+mn-cs"/>
-            </a:defRPr>
-          </a:lvl3pPr>
-          <a:lvl4pPr marL="1371600" indent="0">
-            <a:defRPr sz="1100">
-              <a:solidFill>
-                <a:schemeClr val="lt1"/>
-              </a:solidFill>
-              <a:latin typeface="+mn-lt"/>
-              <a:ea typeface="+mn-ea"/>
-              <a:cs typeface="+mn-cs"/>
-            </a:defRPr>
-          </a:lvl4pPr>
-          <a:lvl5pPr marL="1828800" indent="0">
-            <a:defRPr sz="1100">
-              <a:solidFill>
-                <a:schemeClr val="lt1"/>
-              </a:solidFill>
-              <a:latin typeface="+mn-lt"/>
-              <a:ea typeface="+mn-ea"/>
-              <a:cs typeface="+mn-cs"/>
-            </a:defRPr>
-          </a:lvl5pPr>
-          <a:lvl6pPr marL="2286000" indent="0">
-            <a:defRPr sz="1100">
-              <a:solidFill>
-                <a:schemeClr val="lt1"/>
-              </a:solidFill>
-              <a:latin typeface="+mn-lt"/>
-              <a:ea typeface="+mn-ea"/>
-              <a:cs typeface="+mn-cs"/>
-            </a:defRPr>
-          </a:lvl6pPr>
-          <a:lvl7pPr marL="2743200" indent="0">
-            <a:defRPr sz="1100">
-              <a:solidFill>
-                <a:schemeClr val="lt1"/>
-              </a:solidFill>
-              <a:latin typeface="+mn-lt"/>
-              <a:ea typeface="+mn-ea"/>
-              <a:cs typeface="+mn-cs"/>
-            </a:defRPr>
-          </a:lvl7pPr>
-          <a:lvl8pPr marL="3200400" indent="0">
-            <a:defRPr sz="1100">
-              <a:solidFill>
-                <a:schemeClr val="lt1"/>
-              </a:solidFill>
-              <a:latin typeface="+mn-lt"/>
-              <a:ea typeface="+mn-ea"/>
-              <a:cs typeface="+mn-cs"/>
-            </a:defRPr>
-          </a:lvl8pPr>
-          <a:lvl9pPr marL="3657600" indent="0">
-            <a:defRPr sz="1100">
-              <a:solidFill>
-                <a:schemeClr val="lt1"/>
-              </a:solidFill>
-              <a:latin typeface="+mn-lt"/>
-              <a:ea typeface="+mn-ea"/>
-              <a:cs typeface="+mn-cs"/>
-            </a:defRPr>
-          </a:lvl9pPr>
-        </a:lstStyle>
-        <a:p xmlns:a="http://schemas.openxmlformats.org/drawingml/2006/main">
-          <a:endParaRPr lang="de-DE"/>
-        </a:p>
-      </cdr:txBody>
-    </cdr:sp>
-  </cdr:relSizeAnchor>
-  <cdr:relSizeAnchor xmlns:cdr="http://schemas.openxmlformats.org/drawingml/2006/chartDrawing">
-    <cdr:from>
-      <cdr:x>0.92514</cdr:x>
-      <cdr:y>0.85513</cdr:y>
-    </cdr:from>
-    <cdr:to>
-      <cdr:x>0.94842</cdr:x>
-      <cdr:y>0.90502</cdr:y>
-    </cdr:to>
-    <cdr:sp macro="" textlink="">
-      <cdr:nvSpPr>
-        <cdr:cNvPr id="19" name="Raute 18">
-          <a:extLst xmlns:a="http://schemas.openxmlformats.org/drawingml/2006/main">
-            <a:ext uri="{FF2B5EF4-FFF2-40B4-BE49-F238E27FC236}">
-              <a16:creationId xmlns:a16="http://schemas.microsoft.com/office/drawing/2014/main" id="{5D70ECBF-502F-4119-B049-775F17FAE4A1}"/>
-            </a:ext>
-          </a:extLst>
-        </cdr:cNvPr>
-        <cdr:cNvSpPr/>
-      </cdr:nvSpPr>
-      <cdr:spPr>
-        <a:xfrm xmlns:a="http://schemas.openxmlformats.org/drawingml/2006/main">
-          <a:off x="10602068" y="4571238"/>
-          <a:ext cx="266789" cy="266695"/>
-        </a:xfrm>
-        <a:prstGeom xmlns:a="http://schemas.openxmlformats.org/drawingml/2006/main" prst="diamond">
-          <a:avLst/>
-        </a:prstGeom>
-        <a:solidFill xmlns:a="http://schemas.openxmlformats.org/drawingml/2006/main">
-          <a:schemeClr val="accent6"/>
-        </a:solidFill>
-        <a:ln xmlns:a="http://schemas.openxmlformats.org/drawingml/2006/main">
-          <a:solidFill>
-            <a:schemeClr val="accent6"/>
-          </a:solidFill>
-        </a:ln>
-      </cdr:spPr>
-      <cdr:style>
-        <a:lnRef xmlns:a="http://schemas.openxmlformats.org/drawingml/2006/main" idx="2">
-          <a:schemeClr val="accent1">
-            <a:shade val="50000"/>
-          </a:schemeClr>
-        </a:lnRef>
-        <a:fillRef xmlns:a="http://schemas.openxmlformats.org/drawingml/2006/main" idx="1">
-          <a:schemeClr val="accent1"/>
-        </a:fillRef>
-        <a:effectRef xmlns:a="http://schemas.openxmlformats.org/drawingml/2006/main" idx="0">
-          <a:schemeClr val="accent1"/>
-        </a:effectRef>
-        <a:fontRef xmlns:a="http://schemas.openxmlformats.org/drawingml/2006/main" idx="minor">
-          <a:schemeClr val="lt1"/>
-        </a:fontRef>
-      </cdr:style>
-      <cdr:txBody>
-        <a:bodyPr xmlns:a="http://schemas.openxmlformats.org/drawingml/2006/main"/>
-        <a:lstStyle xmlns:a="http://schemas.openxmlformats.org/drawingml/2006/main">
-          <a:lvl1pPr marL="0" indent="0">
-            <a:defRPr sz="1100">
-              <a:solidFill>
-                <a:schemeClr val="lt1"/>
-              </a:solidFill>
-              <a:latin typeface="+mn-lt"/>
-              <a:ea typeface="+mn-ea"/>
-              <a:cs typeface="+mn-cs"/>
-            </a:defRPr>
-          </a:lvl1pPr>
-          <a:lvl2pPr marL="457200" indent="0">
-            <a:defRPr sz="1100">
-              <a:solidFill>
-                <a:schemeClr val="lt1"/>
-              </a:solidFill>
-              <a:latin typeface="+mn-lt"/>
-              <a:ea typeface="+mn-ea"/>
-              <a:cs typeface="+mn-cs"/>
-            </a:defRPr>
-          </a:lvl2pPr>
-          <a:lvl3pPr marL="914400" indent="0">
-            <a:defRPr sz="1100">
-              <a:solidFill>
-                <a:schemeClr val="lt1"/>
-              </a:solidFill>
-              <a:latin typeface="+mn-lt"/>
-              <a:ea typeface="+mn-ea"/>
-              <a:cs typeface="+mn-cs"/>
-            </a:defRPr>
-          </a:lvl3pPr>
-          <a:lvl4pPr marL="1371600" indent="0">
-            <a:defRPr sz="1100">
-              <a:solidFill>
-                <a:schemeClr val="lt1"/>
-              </a:solidFill>
-              <a:latin typeface="+mn-lt"/>
-              <a:ea typeface="+mn-ea"/>
-              <a:cs typeface="+mn-cs"/>
-            </a:defRPr>
-          </a:lvl4pPr>
-          <a:lvl5pPr marL="1828800" indent="0">
-            <a:defRPr sz="1100">
-              <a:solidFill>
-                <a:schemeClr val="lt1"/>
-              </a:solidFill>
-              <a:latin typeface="+mn-lt"/>
-              <a:ea typeface="+mn-ea"/>
-              <a:cs typeface="+mn-cs"/>
-            </a:defRPr>
-          </a:lvl5pPr>
-          <a:lvl6pPr marL="2286000" indent="0">
-            <a:defRPr sz="1100">
-              <a:solidFill>
-                <a:schemeClr val="lt1"/>
-              </a:solidFill>
-              <a:latin typeface="+mn-lt"/>
-              <a:ea typeface="+mn-ea"/>
-              <a:cs typeface="+mn-cs"/>
-            </a:defRPr>
-          </a:lvl6pPr>
-          <a:lvl7pPr marL="2743200" indent="0">
-            <a:defRPr sz="1100">
-              <a:solidFill>
-                <a:schemeClr val="lt1"/>
-              </a:solidFill>
-              <a:latin typeface="+mn-lt"/>
-              <a:ea typeface="+mn-ea"/>
-              <a:cs typeface="+mn-cs"/>
-            </a:defRPr>
-          </a:lvl7pPr>
-          <a:lvl8pPr marL="3200400" indent="0">
-            <a:defRPr sz="1100">
-              <a:solidFill>
-                <a:schemeClr val="lt1"/>
-              </a:solidFill>
-              <a:latin typeface="+mn-lt"/>
-              <a:ea typeface="+mn-ea"/>
-              <a:cs typeface="+mn-cs"/>
-            </a:defRPr>
-          </a:lvl8pPr>
-          <a:lvl9pPr marL="3657600" indent="0">
-            <a:defRPr sz="1100">
-              <a:solidFill>
-                <a:schemeClr val="lt1"/>
-              </a:solidFill>
-              <a:latin typeface="+mn-lt"/>
-              <a:ea typeface="+mn-ea"/>
-              <a:cs typeface="+mn-cs"/>
-            </a:defRPr>
-          </a:lvl9pPr>
-        </a:lstStyle>
-        <a:p xmlns:a="http://schemas.openxmlformats.org/drawingml/2006/main">
-          <a:endParaRPr lang="de-DE"/>
-        </a:p>
-      </cdr:txBody>
-    </cdr:sp>
-  </cdr:relSizeAnchor>
-  <cdr:relSizeAnchor xmlns:cdr="http://schemas.openxmlformats.org/drawingml/2006/chartDrawing">
-    <cdr:from>
-      <cdr:x>0.77643</cdr:x>
-      <cdr:y>0.85949</cdr:y>
-    </cdr:from>
-    <cdr:to>
-      <cdr:x>0.7997</cdr:x>
-      <cdr:y>0.90938</cdr:y>
-    </cdr:to>
-    <cdr:sp macro="" textlink="">
-      <cdr:nvSpPr>
-        <cdr:cNvPr id="21" name="Raute 20">
-          <a:extLst xmlns:a="http://schemas.openxmlformats.org/drawingml/2006/main">
-            <a:ext uri="{FF2B5EF4-FFF2-40B4-BE49-F238E27FC236}">
-              <a16:creationId xmlns:a16="http://schemas.microsoft.com/office/drawing/2014/main" id="{5D70ECBF-502F-4119-B049-775F17FAE4A1}"/>
-            </a:ext>
-          </a:extLst>
-        </cdr:cNvPr>
-        <cdr:cNvSpPr/>
-      </cdr:nvSpPr>
-      <cdr:spPr>
-        <a:xfrm xmlns:a="http://schemas.openxmlformats.org/drawingml/2006/main">
-          <a:off x="8897929" y="4594537"/>
-          <a:ext cx="266675" cy="266696"/>
-        </a:xfrm>
-        <a:prstGeom xmlns:a="http://schemas.openxmlformats.org/drawingml/2006/main" prst="diamond">
-          <a:avLst/>
-        </a:prstGeom>
-        <a:solidFill xmlns:a="http://schemas.openxmlformats.org/drawingml/2006/main">
-          <a:schemeClr val="accent6"/>
-        </a:solidFill>
-        <a:ln xmlns:a="http://schemas.openxmlformats.org/drawingml/2006/main">
-          <a:solidFill>
-            <a:schemeClr val="accent6"/>
-          </a:solidFill>
-        </a:ln>
-      </cdr:spPr>
-      <cdr:style>
-        <a:lnRef xmlns:a="http://schemas.openxmlformats.org/drawingml/2006/main" idx="2">
-          <a:schemeClr val="accent1">
-            <a:shade val="50000"/>
-          </a:schemeClr>
-        </a:lnRef>
-        <a:fillRef xmlns:a="http://schemas.openxmlformats.org/drawingml/2006/main" idx="1">
-          <a:schemeClr val="accent1"/>
-        </a:fillRef>
-        <a:effectRef xmlns:a="http://schemas.openxmlformats.org/drawingml/2006/main" idx="0">
-          <a:schemeClr val="accent1"/>
-        </a:effectRef>
-        <a:fontRef xmlns:a="http://schemas.openxmlformats.org/drawingml/2006/main" idx="minor">
-          <a:schemeClr val="lt1"/>
-        </a:fontRef>
-      </cdr:style>
-      <cdr:txBody>
-        <a:bodyPr xmlns:a="http://schemas.openxmlformats.org/drawingml/2006/main"/>
-        <a:lstStyle xmlns:a="http://schemas.openxmlformats.org/drawingml/2006/main">
-          <a:lvl1pPr marL="0" indent="0">
-            <a:defRPr sz="1100">
-              <a:solidFill>
-                <a:schemeClr val="lt1"/>
-              </a:solidFill>
-              <a:latin typeface="+mn-lt"/>
-              <a:ea typeface="+mn-ea"/>
-              <a:cs typeface="+mn-cs"/>
-            </a:defRPr>
-          </a:lvl1pPr>
-          <a:lvl2pPr marL="457200" indent="0">
-            <a:defRPr sz="1100">
-              <a:solidFill>
-                <a:schemeClr val="lt1"/>
-              </a:solidFill>
-              <a:latin typeface="+mn-lt"/>
-              <a:ea typeface="+mn-ea"/>
-              <a:cs typeface="+mn-cs"/>
-            </a:defRPr>
-          </a:lvl2pPr>
-          <a:lvl3pPr marL="914400" indent="0">
-            <a:defRPr sz="1100">
-              <a:solidFill>
-                <a:schemeClr val="lt1"/>
-              </a:solidFill>
-              <a:latin typeface="+mn-lt"/>
-              <a:ea typeface="+mn-ea"/>
-              <a:cs typeface="+mn-cs"/>
-            </a:defRPr>
-          </a:lvl3pPr>
-          <a:lvl4pPr marL="1371600" indent="0">
-            <a:defRPr sz="1100">
-              <a:solidFill>
-                <a:schemeClr val="lt1"/>
-              </a:solidFill>
-              <a:latin typeface="+mn-lt"/>
-              <a:ea typeface="+mn-ea"/>
-              <a:cs typeface="+mn-cs"/>
-            </a:defRPr>
-          </a:lvl4pPr>
-          <a:lvl5pPr marL="1828800" indent="0">
-            <a:defRPr sz="1100">
-              <a:solidFill>
-                <a:schemeClr val="lt1"/>
-              </a:solidFill>
-              <a:latin typeface="+mn-lt"/>
-              <a:ea typeface="+mn-ea"/>
-              <a:cs typeface="+mn-cs"/>
-            </a:defRPr>
-          </a:lvl5pPr>
-          <a:lvl6pPr marL="2286000" indent="0">
-            <a:defRPr sz="1100">
-              <a:solidFill>
-                <a:schemeClr val="lt1"/>
-              </a:solidFill>
-              <a:latin typeface="+mn-lt"/>
-              <a:ea typeface="+mn-ea"/>
-              <a:cs typeface="+mn-cs"/>
-            </a:defRPr>
-          </a:lvl6pPr>
-          <a:lvl7pPr marL="2743200" indent="0">
-            <a:defRPr sz="1100">
-              <a:solidFill>
-                <a:schemeClr val="lt1"/>
-              </a:solidFill>
-              <a:latin typeface="+mn-lt"/>
-              <a:ea typeface="+mn-ea"/>
-              <a:cs typeface="+mn-cs"/>
-            </a:defRPr>
-          </a:lvl7pPr>
-          <a:lvl8pPr marL="3200400" indent="0">
-            <a:defRPr sz="1100">
-              <a:solidFill>
-                <a:schemeClr val="lt1"/>
-              </a:solidFill>
-              <a:latin typeface="+mn-lt"/>
-              <a:ea typeface="+mn-ea"/>
-              <a:cs typeface="+mn-cs"/>
-            </a:defRPr>
-          </a:lvl8pPr>
-          <a:lvl9pPr marL="3657600" indent="0">
-            <a:defRPr sz="1100">
-              <a:solidFill>
-                <a:schemeClr val="lt1"/>
-              </a:solidFill>
-              <a:latin typeface="+mn-lt"/>
-              <a:ea typeface="+mn-ea"/>
-              <a:cs typeface="+mn-cs"/>
-            </a:defRPr>
-          </a:lvl9pPr>
-        </a:lstStyle>
-        <a:p xmlns:a="http://schemas.openxmlformats.org/drawingml/2006/main">
-          <a:endParaRPr lang="de-DE"/>
-        </a:p>
-      </cdr:txBody>
-    </cdr:sp>
-  </cdr:relSizeAnchor>
-  <cdr:relSizeAnchor xmlns:cdr="http://schemas.openxmlformats.org/drawingml/2006/chartDrawing">
-    <cdr:from>
-      <cdr:x>0.40766</cdr:x>
-      <cdr:y>0.86201</cdr:y>
-    </cdr:from>
-    <cdr:to>
-      <cdr:x>0.43093</cdr:x>
-      <cdr:y>0.9119</cdr:y>
-    </cdr:to>
-    <cdr:sp macro="" textlink="">
-      <cdr:nvSpPr>
-        <cdr:cNvPr id="22" name="Raute 21">
-          <a:extLst xmlns:a="http://schemas.openxmlformats.org/drawingml/2006/main">
-            <a:ext uri="{FF2B5EF4-FFF2-40B4-BE49-F238E27FC236}">
-              <a16:creationId xmlns:a16="http://schemas.microsoft.com/office/drawing/2014/main" id="{5D70ECBF-502F-4119-B049-775F17FAE4A1}"/>
-            </a:ext>
-          </a:extLst>
-        </cdr:cNvPr>
-        <cdr:cNvSpPr/>
-      </cdr:nvSpPr>
-      <cdr:spPr>
-        <a:xfrm xmlns:a="http://schemas.openxmlformats.org/drawingml/2006/main">
-          <a:off x="4671759" y="4608044"/>
-          <a:ext cx="266674" cy="266695"/>
-        </a:xfrm>
-        <a:prstGeom xmlns:a="http://schemas.openxmlformats.org/drawingml/2006/main" prst="diamond">
-          <a:avLst/>
-        </a:prstGeom>
-        <a:solidFill xmlns:a="http://schemas.openxmlformats.org/drawingml/2006/main">
-          <a:schemeClr val="accent6"/>
-        </a:solidFill>
-        <a:ln xmlns:a="http://schemas.openxmlformats.org/drawingml/2006/main">
-          <a:solidFill>
-            <a:schemeClr val="accent6"/>
-          </a:solidFill>
-        </a:ln>
-      </cdr:spPr>
-      <cdr:style>
-        <a:lnRef xmlns:a="http://schemas.openxmlformats.org/drawingml/2006/main" idx="2">
-          <a:schemeClr val="accent1">
-            <a:shade val="50000"/>
-          </a:schemeClr>
-        </a:lnRef>
-        <a:fillRef xmlns:a="http://schemas.openxmlformats.org/drawingml/2006/main" idx="1">
-          <a:schemeClr val="accent1"/>
-        </a:fillRef>
-        <a:effectRef xmlns:a="http://schemas.openxmlformats.org/drawingml/2006/main" idx="0">
-          <a:schemeClr val="accent1"/>
-        </a:effectRef>
-        <a:fontRef xmlns:a="http://schemas.openxmlformats.org/drawingml/2006/main" idx="minor">
-          <a:schemeClr val="lt1"/>
-        </a:fontRef>
-      </cdr:style>
-      <cdr:txBody>
-        <a:bodyPr xmlns:a="http://schemas.openxmlformats.org/drawingml/2006/main"/>
-        <a:lstStyle xmlns:a="http://schemas.openxmlformats.org/drawingml/2006/main">
-          <a:lvl1pPr marL="0" indent="0">
-            <a:defRPr sz="1100">
-              <a:solidFill>
-                <a:schemeClr val="lt1"/>
-              </a:solidFill>
-              <a:latin typeface="+mn-lt"/>
-              <a:ea typeface="+mn-ea"/>
-              <a:cs typeface="+mn-cs"/>
-            </a:defRPr>
-          </a:lvl1pPr>
-          <a:lvl2pPr marL="457200" indent="0">
-            <a:defRPr sz="1100">
-              <a:solidFill>
-                <a:schemeClr val="lt1"/>
-              </a:solidFill>
-              <a:latin typeface="+mn-lt"/>
-              <a:ea typeface="+mn-ea"/>
-              <a:cs typeface="+mn-cs"/>
-            </a:defRPr>
-          </a:lvl2pPr>
-          <a:lvl3pPr marL="914400" indent="0">
-            <a:defRPr sz="1100">
-              <a:solidFill>
-                <a:schemeClr val="lt1"/>
-              </a:solidFill>
-              <a:latin typeface="+mn-lt"/>
-              <a:ea typeface="+mn-ea"/>
-              <a:cs typeface="+mn-cs"/>
-            </a:defRPr>
-          </a:lvl3pPr>
-          <a:lvl4pPr marL="1371600" indent="0">
-            <a:defRPr sz="1100">
-              <a:solidFill>
-                <a:schemeClr val="lt1"/>
-              </a:solidFill>
-              <a:latin typeface="+mn-lt"/>
-              <a:ea typeface="+mn-ea"/>
-              <a:cs typeface="+mn-cs"/>
-            </a:defRPr>
-          </a:lvl4pPr>
-          <a:lvl5pPr marL="1828800" indent="0">
-            <a:defRPr sz="1100">
-              <a:solidFill>
-                <a:schemeClr val="lt1"/>
-              </a:solidFill>
-              <a:latin typeface="+mn-lt"/>
-              <a:ea typeface="+mn-ea"/>
-              <a:cs typeface="+mn-cs"/>
-            </a:defRPr>
-          </a:lvl5pPr>
-          <a:lvl6pPr marL="2286000" indent="0">
-            <a:defRPr sz="1100">
-              <a:solidFill>
-                <a:schemeClr val="lt1"/>
-              </a:solidFill>
-              <a:latin typeface="+mn-lt"/>
-              <a:ea typeface="+mn-ea"/>
-              <a:cs typeface="+mn-cs"/>
-            </a:defRPr>
-          </a:lvl6pPr>
-          <a:lvl7pPr marL="2743200" indent="0">
-            <a:defRPr sz="1100">
-              <a:solidFill>
-                <a:schemeClr val="lt1"/>
-              </a:solidFill>
-              <a:latin typeface="+mn-lt"/>
-              <a:ea typeface="+mn-ea"/>
-              <a:cs typeface="+mn-cs"/>
-            </a:defRPr>
-          </a:lvl7pPr>
-          <a:lvl8pPr marL="3200400" indent="0">
-            <a:defRPr sz="1100">
-              <a:solidFill>
-                <a:schemeClr val="lt1"/>
-              </a:solidFill>
-              <a:latin typeface="+mn-lt"/>
-              <a:ea typeface="+mn-ea"/>
-              <a:cs typeface="+mn-cs"/>
-            </a:defRPr>
-          </a:lvl8pPr>
-          <a:lvl9pPr marL="3657600" indent="0">
-            <a:defRPr sz="1100">
-              <a:solidFill>
-                <a:schemeClr val="lt1"/>
-              </a:solidFill>
-              <a:latin typeface="+mn-lt"/>
-              <a:ea typeface="+mn-ea"/>
-              <a:cs typeface="+mn-cs"/>
-            </a:defRPr>
-          </a:lvl9pPr>
-        </a:lstStyle>
-        <a:p xmlns:a="http://schemas.openxmlformats.org/drawingml/2006/main">
-          <a:endParaRPr lang="de-DE"/>
-        </a:p>
-      </cdr:txBody>
-    </cdr:sp>
-  </cdr:relSizeAnchor>
-  <cdr:relSizeAnchor xmlns:cdr="http://schemas.openxmlformats.org/drawingml/2006/chartDrawing">
-    <cdr:from>
-      <cdr:x>0.33649</cdr:x>
-      <cdr:y>0.86023</cdr:y>
-    </cdr:from>
-    <cdr:to>
-      <cdr:x>0.35977</cdr:x>
-      <cdr:y>0.91013</cdr:y>
-    </cdr:to>
-    <cdr:sp macro="" textlink="">
-      <cdr:nvSpPr>
-        <cdr:cNvPr id="23" name="Raute 22">
-          <a:extLst xmlns:a="http://schemas.openxmlformats.org/drawingml/2006/main">
-            <a:ext uri="{FF2B5EF4-FFF2-40B4-BE49-F238E27FC236}">
-              <a16:creationId xmlns:a16="http://schemas.microsoft.com/office/drawing/2014/main" id="{5D70ECBF-502F-4119-B049-775F17FAE4A1}"/>
-            </a:ext>
-          </a:extLst>
-        </cdr:cNvPr>
-        <cdr:cNvSpPr/>
-      </cdr:nvSpPr>
-      <cdr:spPr>
-        <a:xfrm xmlns:a="http://schemas.openxmlformats.org/drawingml/2006/main">
-          <a:off x="3856137" y="4598485"/>
-          <a:ext cx="266789" cy="266748"/>
-        </a:xfrm>
-        <a:prstGeom xmlns:a="http://schemas.openxmlformats.org/drawingml/2006/main" prst="diamond">
-          <a:avLst/>
-        </a:prstGeom>
-        <a:solidFill xmlns:a="http://schemas.openxmlformats.org/drawingml/2006/main">
-          <a:schemeClr val="accent6"/>
-        </a:solidFill>
-        <a:ln xmlns:a="http://schemas.openxmlformats.org/drawingml/2006/main">
-          <a:solidFill>
-            <a:schemeClr val="accent6"/>
-          </a:solidFill>
-        </a:ln>
-      </cdr:spPr>
-      <cdr:style>
-        <a:lnRef xmlns:a="http://schemas.openxmlformats.org/drawingml/2006/main" idx="2">
-          <a:schemeClr val="accent1">
-            <a:shade val="50000"/>
-          </a:schemeClr>
-        </a:lnRef>
-        <a:fillRef xmlns:a="http://schemas.openxmlformats.org/drawingml/2006/main" idx="1">
-          <a:schemeClr val="accent1"/>
-        </a:fillRef>
-        <a:effectRef xmlns:a="http://schemas.openxmlformats.org/drawingml/2006/main" idx="0">
-          <a:schemeClr val="accent1"/>
-        </a:effectRef>
-        <a:fontRef xmlns:a="http://schemas.openxmlformats.org/drawingml/2006/main" idx="minor">
-          <a:schemeClr val="lt1"/>
-        </a:fontRef>
-      </cdr:style>
-      <cdr:txBody>
-        <a:bodyPr xmlns:a="http://schemas.openxmlformats.org/drawingml/2006/main"/>
-        <a:lstStyle xmlns:a="http://schemas.openxmlformats.org/drawingml/2006/main">
-          <a:lvl1pPr marL="0" indent="0">
-            <a:defRPr sz="1100">
-              <a:solidFill>
-                <a:schemeClr val="lt1"/>
-              </a:solidFill>
-              <a:latin typeface="+mn-lt"/>
-              <a:ea typeface="+mn-ea"/>
-              <a:cs typeface="+mn-cs"/>
-            </a:defRPr>
-          </a:lvl1pPr>
-          <a:lvl2pPr marL="457200" indent="0">
-            <a:defRPr sz="1100">
-              <a:solidFill>
-                <a:schemeClr val="lt1"/>
-              </a:solidFill>
-              <a:latin typeface="+mn-lt"/>
-              <a:ea typeface="+mn-ea"/>
-              <a:cs typeface="+mn-cs"/>
-            </a:defRPr>
-          </a:lvl2pPr>
-          <a:lvl3pPr marL="914400" indent="0">
-            <a:defRPr sz="1100">
-              <a:solidFill>
-                <a:schemeClr val="lt1"/>
-              </a:solidFill>
-              <a:latin typeface="+mn-lt"/>
-              <a:ea typeface="+mn-ea"/>
-              <a:cs typeface="+mn-cs"/>
-            </a:defRPr>
-          </a:lvl3pPr>
-          <a:lvl4pPr marL="1371600" indent="0">
-            <a:defRPr sz="1100">
-              <a:solidFill>
-                <a:schemeClr val="lt1"/>
-              </a:solidFill>
-              <a:latin typeface="+mn-lt"/>
-              <a:ea typeface="+mn-ea"/>
-              <a:cs typeface="+mn-cs"/>
-            </a:defRPr>
-          </a:lvl4pPr>
-          <a:lvl5pPr marL="1828800" indent="0">
-            <a:defRPr sz="1100">
-              <a:solidFill>
-                <a:schemeClr val="lt1"/>
-              </a:solidFill>
-              <a:latin typeface="+mn-lt"/>
-              <a:ea typeface="+mn-ea"/>
-              <a:cs typeface="+mn-cs"/>
-            </a:defRPr>
-          </a:lvl5pPr>
-          <a:lvl6pPr marL="2286000" indent="0">
-            <a:defRPr sz="1100">
-              <a:solidFill>
-                <a:schemeClr val="lt1"/>
-              </a:solidFill>
-              <a:latin typeface="+mn-lt"/>
-              <a:ea typeface="+mn-ea"/>
-              <a:cs typeface="+mn-cs"/>
-            </a:defRPr>
-          </a:lvl6pPr>
-          <a:lvl7pPr marL="2743200" indent="0">
-            <a:defRPr sz="1100">
-              <a:solidFill>
-                <a:schemeClr val="lt1"/>
-              </a:solidFill>
-              <a:latin typeface="+mn-lt"/>
-              <a:ea typeface="+mn-ea"/>
-              <a:cs typeface="+mn-cs"/>
-            </a:defRPr>
-          </a:lvl7pPr>
-          <a:lvl8pPr marL="3200400" indent="0">
-            <a:defRPr sz="1100">
-              <a:solidFill>
-                <a:schemeClr val="lt1"/>
-              </a:solidFill>
-              <a:latin typeface="+mn-lt"/>
-              <a:ea typeface="+mn-ea"/>
-              <a:cs typeface="+mn-cs"/>
-            </a:defRPr>
-          </a:lvl8pPr>
-          <a:lvl9pPr marL="3657600" indent="0">
-            <a:defRPr sz="1100">
-              <a:solidFill>
-                <a:schemeClr val="lt1"/>
-              </a:solidFill>
-              <a:latin typeface="+mn-lt"/>
-              <a:ea typeface="+mn-ea"/>
-              <a:cs typeface="+mn-cs"/>
-            </a:defRPr>
-          </a:lvl9pPr>
-        </a:lstStyle>
-        <a:p xmlns:a="http://schemas.openxmlformats.org/drawingml/2006/main">
-          <a:endParaRPr lang="de-DE"/>
-        </a:p>
-      </cdr:txBody>
-    </cdr:sp>
-  </cdr:relSizeAnchor>
-  <cdr:relSizeAnchor xmlns:cdr="http://schemas.openxmlformats.org/drawingml/2006/chartDrawing">
-    <cdr:from>
-      <cdr:x>0.11273</cdr:x>
-      <cdr:y>0.86239</cdr:y>
-    </cdr:from>
-    <cdr:to>
-      <cdr:x>0.15595</cdr:x>
-      <cdr:y>0.90634</cdr:y>
-    </cdr:to>
-    <cdr:sp macro="" textlink="">
-      <cdr:nvSpPr>
-        <cdr:cNvPr id="24" name="Textfeld 23">
-          <a:extLst xmlns:a="http://schemas.openxmlformats.org/drawingml/2006/main">
-            <a:ext uri="{FF2B5EF4-FFF2-40B4-BE49-F238E27FC236}">
-              <a16:creationId xmlns:a16="http://schemas.microsoft.com/office/drawing/2014/main" id="{2FD31299-A0CE-44BA-8BA6-E88C41241707}"/>
-            </a:ext>
-          </a:extLst>
-        </cdr:cNvPr>
-        <cdr:cNvSpPr txBox="1"/>
-      </cdr:nvSpPr>
-      <cdr:spPr>
-        <a:xfrm xmlns:a="http://schemas.openxmlformats.org/drawingml/2006/main">
-          <a:off x="1291852" y="4610075"/>
-          <a:ext cx="495302" cy="234942"/>
-        </a:xfrm>
-        <a:prstGeom xmlns:a="http://schemas.openxmlformats.org/drawingml/2006/main" prst="rect">
-          <a:avLst/>
-        </a:prstGeom>
-        <a:noFill xmlns:a="http://schemas.openxmlformats.org/drawingml/2006/main"/>
-        <a:ln xmlns:a="http://schemas.openxmlformats.org/drawingml/2006/main">
-          <a:noFill/>
-        </a:ln>
-      </cdr:spPr>
-      <cdr:txBody>
-        <a:bodyPr xmlns:a="http://schemas.openxmlformats.org/drawingml/2006/main" vertOverflow="clip" wrap="none" rtlCol="0"/>
-        <a:lstStyle xmlns:a="http://schemas.openxmlformats.org/drawingml/2006/main"/>
-        <a:p xmlns:a="http://schemas.openxmlformats.org/drawingml/2006/main">
-          <a:pPr algn="ctr"/>
-          <a:r>
-            <a:rPr lang="de-DE" sz="800" dirty="0"/>
-            <a:t>Kickoff</a:t>
-          </a:r>
-        </a:p>
-      </cdr:txBody>
-    </cdr:sp>
-  </cdr:relSizeAnchor>
-  <cdr:relSizeAnchor xmlns:cdr="http://schemas.openxmlformats.org/drawingml/2006/chartDrawing">
-    <cdr:from>
-      <cdr:x>0.32704</cdr:x>
-      <cdr:y>0.85805</cdr:y>
-    </cdr:from>
-    <cdr:to>
-      <cdr:x>0.37026</cdr:x>
-      <cdr:y>0.902</cdr:y>
-    </cdr:to>
-    <cdr:sp macro="" textlink="">
-      <cdr:nvSpPr>
-        <cdr:cNvPr id="25" name="Textfeld 1">
-          <a:extLst xmlns:a="http://schemas.openxmlformats.org/drawingml/2006/main">
-            <a:ext uri="{FF2B5EF4-FFF2-40B4-BE49-F238E27FC236}">
-              <a16:creationId xmlns:a16="http://schemas.microsoft.com/office/drawing/2014/main" id="{32668CF9-83C0-4D17-BA1F-B906E27A8176}"/>
-            </a:ext>
-          </a:extLst>
-        </cdr:cNvPr>
-        <cdr:cNvSpPr txBox="1"/>
-      </cdr:nvSpPr>
-      <cdr:spPr>
-        <a:xfrm xmlns:a="http://schemas.openxmlformats.org/drawingml/2006/main">
-          <a:off x="3747830" y="4586851"/>
-          <a:ext cx="495302" cy="234942"/>
-        </a:xfrm>
-        <a:prstGeom xmlns:a="http://schemas.openxmlformats.org/drawingml/2006/main" prst="rect">
-          <a:avLst/>
-        </a:prstGeom>
-        <a:noFill xmlns:a="http://schemas.openxmlformats.org/drawingml/2006/main"/>
-        <a:ln xmlns:a="http://schemas.openxmlformats.org/drawingml/2006/main">
-          <a:noFill/>
-        </a:ln>
-      </cdr:spPr>
-      <cdr:txBody>
-        <a:bodyPr xmlns:a="http://schemas.openxmlformats.org/drawingml/2006/main" wrap="none" rtlCol="0"/>
-        <a:lstStyle xmlns:a="http://schemas.openxmlformats.org/drawingml/2006/main">
-          <a:lvl1pPr marL="0" indent="0">
-            <a:defRPr sz="1100">
-              <a:latin typeface="+mn-lt"/>
-              <a:ea typeface="+mn-ea"/>
-              <a:cs typeface="+mn-cs"/>
-            </a:defRPr>
-          </a:lvl1pPr>
-          <a:lvl2pPr marL="457200" indent="0">
-            <a:defRPr sz="1100">
-              <a:latin typeface="+mn-lt"/>
-              <a:ea typeface="+mn-ea"/>
-              <a:cs typeface="+mn-cs"/>
-            </a:defRPr>
-          </a:lvl2pPr>
-          <a:lvl3pPr marL="914400" indent="0">
-            <a:defRPr sz="1100">
-              <a:latin typeface="+mn-lt"/>
-              <a:ea typeface="+mn-ea"/>
-              <a:cs typeface="+mn-cs"/>
-            </a:defRPr>
-          </a:lvl3pPr>
-          <a:lvl4pPr marL="1371600" indent="0">
-            <a:defRPr sz="1100">
-              <a:latin typeface="+mn-lt"/>
-              <a:ea typeface="+mn-ea"/>
-              <a:cs typeface="+mn-cs"/>
-            </a:defRPr>
-          </a:lvl4pPr>
-          <a:lvl5pPr marL="1828800" indent="0">
-            <a:defRPr sz="1100">
-              <a:latin typeface="+mn-lt"/>
-              <a:ea typeface="+mn-ea"/>
-              <a:cs typeface="+mn-cs"/>
-            </a:defRPr>
-          </a:lvl5pPr>
-          <a:lvl6pPr marL="2286000" indent="0">
-            <a:defRPr sz="1100">
-              <a:latin typeface="+mn-lt"/>
-              <a:ea typeface="+mn-ea"/>
-              <a:cs typeface="+mn-cs"/>
-            </a:defRPr>
-          </a:lvl6pPr>
-          <a:lvl7pPr marL="2743200" indent="0">
-            <a:defRPr sz="1100">
-              <a:latin typeface="+mn-lt"/>
-              <a:ea typeface="+mn-ea"/>
-              <a:cs typeface="+mn-cs"/>
-            </a:defRPr>
-          </a:lvl7pPr>
-          <a:lvl8pPr marL="3200400" indent="0">
-            <a:defRPr sz="1100">
-              <a:latin typeface="+mn-lt"/>
-              <a:ea typeface="+mn-ea"/>
-              <a:cs typeface="+mn-cs"/>
-            </a:defRPr>
-          </a:lvl8pPr>
-          <a:lvl9pPr marL="3657600" indent="0">
-            <a:defRPr sz="1100">
-              <a:latin typeface="+mn-lt"/>
-              <a:ea typeface="+mn-ea"/>
-              <a:cs typeface="+mn-cs"/>
-            </a:defRPr>
-          </a:lvl9pPr>
-        </a:lstStyle>
-        <a:p xmlns:a="http://schemas.openxmlformats.org/drawingml/2006/main">
-          <a:pPr algn="ctr"/>
-          <a:r>
-            <a:rPr lang="de-DE" sz="800" dirty="0"/>
-            <a:t>SAP </a:t>
-          </a:r>
-        </a:p>
-        <a:p xmlns:a="http://schemas.openxmlformats.org/drawingml/2006/main">
-          <a:pPr algn="ctr"/>
-          <a:r>
-            <a:rPr lang="de-DE" sz="800" dirty="0"/>
-            <a:t>fertig</a:t>
-          </a:r>
-        </a:p>
-      </cdr:txBody>
-    </cdr:sp>
-  </cdr:relSizeAnchor>
-  <cdr:relSizeAnchor xmlns:cdr="http://schemas.openxmlformats.org/drawingml/2006/chartDrawing">
-    <cdr:from>
-      <cdr:x>0.39768</cdr:x>
-      <cdr:y>0.85419</cdr:y>
-    </cdr:from>
-    <cdr:to>
-      <cdr:x>0.4409</cdr:x>
-      <cdr:y>0.89814</cdr:y>
-    </cdr:to>
-    <cdr:sp macro="" textlink="">
-      <cdr:nvSpPr>
-        <cdr:cNvPr id="27" name="Textfeld 1">
-          <a:extLst xmlns:a="http://schemas.openxmlformats.org/drawingml/2006/main">
-            <a:ext uri="{FF2B5EF4-FFF2-40B4-BE49-F238E27FC236}">
-              <a16:creationId xmlns:a16="http://schemas.microsoft.com/office/drawing/2014/main" id="{32668CF9-83C0-4D17-BA1F-B906E27A8176}"/>
-            </a:ext>
-          </a:extLst>
-        </cdr:cNvPr>
-        <cdr:cNvSpPr txBox="1"/>
-      </cdr:nvSpPr>
-      <cdr:spPr>
-        <a:xfrm xmlns:a="http://schemas.openxmlformats.org/drawingml/2006/main">
-          <a:off x="4557445" y="4566231"/>
-          <a:ext cx="495302" cy="234942"/>
-        </a:xfrm>
-        <a:prstGeom xmlns:a="http://schemas.openxmlformats.org/drawingml/2006/main" prst="rect">
-          <a:avLst/>
-        </a:prstGeom>
-        <a:noFill xmlns:a="http://schemas.openxmlformats.org/drawingml/2006/main"/>
-        <a:ln xmlns:a="http://schemas.openxmlformats.org/drawingml/2006/main">
-          <a:noFill/>
-        </a:ln>
-      </cdr:spPr>
-      <cdr:txBody>
-        <a:bodyPr xmlns:a="http://schemas.openxmlformats.org/drawingml/2006/main" wrap="none" rtlCol="0"/>
-        <a:lstStyle xmlns:a="http://schemas.openxmlformats.org/drawingml/2006/main">
-          <a:lvl1pPr marL="0" indent="0">
-            <a:defRPr sz="1100">
-              <a:latin typeface="+mn-lt"/>
-              <a:ea typeface="+mn-ea"/>
-              <a:cs typeface="+mn-cs"/>
-            </a:defRPr>
-          </a:lvl1pPr>
-          <a:lvl2pPr marL="457200" indent="0">
-            <a:defRPr sz="1100">
-              <a:latin typeface="+mn-lt"/>
-              <a:ea typeface="+mn-ea"/>
-              <a:cs typeface="+mn-cs"/>
-            </a:defRPr>
-          </a:lvl2pPr>
-          <a:lvl3pPr marL="914400" indent="0">
-            <a:defRPr sz="1100">
-              <a:latin typeface="+mn-lt"/>
-              <a:ea typeface="+mn-ea"/>
-              <a:cs typeface="+mn-cs"/>
-            </a:defRPr>
-          </a:lvl3pPr>
-          <a:lvl4pPr marL="1371600" indent="0">
-            <a:defRPr sz="1100">
-              <a:latin typeface="+mn-lt"/>
-              <a:ea typeface="+mn-ea"/>
-              <a:cs typeface="+mn-cs"/>
-            </a:defRPr>
-          </a:lvl4pPr>
-          <a:lvl5pPr marL="1828800" indent="0">
-            <a:defRPr sz="1100">
-              <a:latin typeface="+mn-lt"/>
-              <a:ea typeface="+mn-ea"/>
-              <a:cs typeface="+mn-cs"/>
-            </a:defRPr>
-          </a:lvl5pPr>
-          <a:lvl6pPr marL="2286000" indent="0">
-            <a:defRPr sz="1100">
-              <a:latin typeface="+mn-lt"/>
-              <a:ea typeface="+mn-ea"/>
-              <a:cs typeface="+mn-cs"/>
-            </a:defRPr>
-          </a:lvl6pPr>
-          <a:lvl7pPr marL="2743200" indent="0">
-            <a:defRPr sz="1100">
-              <a:latin typeface="+mn-lt"/>
-              <a:ea typeface="+mn-ea"/>
-              <a:cs typeface="+mn-cs"/>
-            </a:defRPr>
-          </a:lvl7pPr>
-          <a:lvl8pPr marL="3200400" indent="0">
-            <a:defRPr sz="1100">
-              <a:latin typeface="+mn-lt"/>
-              <a:ea typeface="+mn-ea"/>
-              <a:cs typeface="+mn-cs"/>
-            </a:defRPr>
-          </a:lvl8pPr>
-          <a:lvl9pPr marL="3657600" indent="0">
-            <a:defRPr sz="1100">
-              <a:latin typeface="+mn-lt"/>
-              <a:ea typeface="+mn-ea"/>
-              <a:cs typeface="+mn-cs"/>
-            </a:defRPr>
-          </a:lvl9pPr>
-        </a:lstStyle>
-        <a:p xmlns:a="http://schemas.openxmlformats.org/drawingml/2006/main">
-          <a:pPr algn="ctr"/>
-          <a:r>
-            <a:rPr lang="de-DE" sz="800" dirty="0"/>
-            <a:t>SPS</a:t>
-          </a:r>
-        </a:p>
-        <a:p xmlns:a="http://schemas.openxmlformats.org/drawingml/2006/main">
-          <a:pPr algn="ctr"/>
-          <a:r>
-            <a:rPr lang="de-DE" sz="800" dirty="0"/>
-            <a:t>fertig</a:t>
-          </a:r>
-        </a:p>
-      </cdr:txBody>
-    </cdr:sp>
-  </cdr:relSizeAnchor>
-  <cdr:relSizeAnchor xmlns:cdr="http://schemas.openxmlformats.org/drawingml/2006/chartDrawing">
-    <cdr:from>
-      <cdr:x>0.91563</cdr:x>
-      <cdr:y>0.84841</cdr:y>
-    </cdr:from>
-    <cdr:to>
-      <cdr:x>0.95885</cdr:x>
-      <cdr:y>0.89236</cdr:y>
-    </cdr:to>
-    <cdr:sp macro="" textlink="">
-      <cdr:nvSpPr>
-        <cdr:cNvPr id="29" name="Textfeld 1">
-          <a:extLst xmlns:a="http://schemas.openxmlformats.org/drawingml/2006/main">
-            <a:ext uri="{FF2B5EF4-FFF2-40B4-BE49-F238E27FC236}">
-              <a16:creationId xmlns:a16="http://schemas.microsoft.com/office/drawing/2014/main" id="{32668CF9-83C0-4D17-BA1F-B906E27A8176}"/>
-            </a:ext>
-          </a:extLst>
-        </cdr:cNvPr>
-        <cdr:cNvSpPr txBox="1"/>
-      </cdr:nvSpPr>
-      <cdr:spPr>
-        <a:xfrm xmlns:a="http://schemas.openxmlformats.org/drawingml/2006/main">
-          <a:off x="10493078" y="4535309"/>
-          <a:ext cx="495301" cy="234942"/>
-        </a:xfrm>
-        <a:prstGeom xmlns:a="http://schemas.openxmlformats.org/drawingml/2006/main" prst="rect">
-          <a:avLst/>
-        </a:prstGeom>
-        <a:noFill xmlns:a="http://schemas.openxmlformats.org/drawingml/2006/main"/>
-        <a:ln xmlns:a="http://schemas.openxmlformats.org/drawingml/2006/main">
-          <a:noFill/>
-        </a:ln>
-      </cdr:spPr>
-      <cdr:txBody>
-        <a:bodyPr xmlns:a="http://schemas.openxmlformats.org/drawingml/2006/main" wrap="none" rtlCol="0"/>
-        <a:lstStyle xmlns:a="http://schemas.openxmlformats.org/drawingml/2006/main">
-          <a:lvl1pPr marL="0" indent="0">
-            <a:defRPr sz="1100">
-              <a:latin typeface="+mn-lt"/>
-              <a:ea typeface="+mn-ea"/>
-              <a:cs typeface="+mn-cs"/>
-            </a:defRPr>
-          </a:lvl1pPr>
-          <a:lvl2pPr marL="457200" indent="0">
-            <a:defRPr sz="1100">
-              <a:latin typeface="+mn-lt"/>
-              <a:ea typeface="+mn-ea"/>
-              <a:cs typeface="+mn-cs"/>
-            </a:defRPr>
-          </a:lvl2pPr>
-          <a:lvl3pPr marL="914400" indent="0">
-            <a:defRPr sz="1100">
-              <a:latin typeface="+mn-lt"/>
-              <a:ea typeface="+mn-ea"/>
-              <a:cs typeface="+mn-cs"/>
-            </a:defRPr>
-          </a:lvl3pPr>
-          <a:lvl4pPr marL="1371600" indent="0">
-            <a:defRPr sz="1100">
-              <a:latin typeface="+mn-lt"/>
-              <a:ea typeface="+mn-ea"/>
-              <a:cs typeface="+mn-cs"/>
-            </a:defRPr>
-          </a:lvl4pPr>
-          <a:lvl5pPr marL="1828800" indent="0">
-            <a:defRPr sz="1100">
-              <a:latin typeface="+mn-lt"/>
-              <a:ea typeface="+mn-ea"/>
-              <a:cs typeface="+mn-cs"/>
-            </a:defRPr>
-          </a:lvl5pPr>
-          <a:lvl6pPr marL="2286000" indent="0">
-            <a:defRPr sz="1100">
-              <a:latin typeface="+mn-lt"/>
-              <a:ea typeface="+mn-ea"/>
-              <a:cs typeface="+mn-cs"/>
-            </a:defRPr>
-          </a:lvl6pPr>
-          <a:lvl7pPr marL="2743200" indent="0">
-            <a:defRPr sz="1100">
-              <a:latin typeface="+mn-lt"/>
-              <a:ea typeface="+mn-ea"/>
-              <a:cs typeface="+mn-cs"/>
-            </a:defRPr>
-          </a:lvl7pPr>
-          <a:lvl8pPr marL="3200400" indent="0">
-            <a:defRPr sz="1100">
-              <a:latin typeface="+mn-lt"/>
-              <a:ea typeface="+mn-ea"/>
-              <a:cs typeface="+mn-cs"/>
-            </a:defRPr>
-          </a:lvl8pPr>
-          <a:lvl9pPr marL="3657600" indent="0">
-            <a:defRPr sz="1100">
-              <a:latin typeface="+mn-lt"/>
-              <a:ea typeface="+mn-ea"/>
-              <a:cs typeface="+mn-cs"/>
-            </a:defRPr>
-          </a:lvl9pPr>
-        </a:lstStyle>
-        <a:p xmlns:a="http://schemas.openxmlformats.org/drawingml/2006/main">
-          <a:pPr algn="ctr"/>
-          <a:r>
-            <a:rPr lang="de-DE" sz="800" dirty="0"/>
-            <a:t>Abnahme</a:t>
-          </a:r>
-        </a:p>
-        <a:p xmlns:a="http://schemas.openxmlformats.org/drawingml/2006/main">
-          <a:pPr algn="ctr"/>
-          <a:r>
-            <a:rPr lang="de-DE" sz="800" dirty="0"/>
-            <a:t>erfolgreich</a:t>
-          </a:r>
-        </a:p>
-      </cdr:txBody>
-    </cdr:sp>
-  </cdr:relSizeAnchor>
-  <cdr:relSizeAnchor xmlns:cdr="http://schemas.openxmlformats.org/drawingml/2006/chartDrawing">
-    <cdr:from>
-      <cdr:x>0.18019</cdr:x>
-      <cdr:y>0.8527</cdr:y>
-    </cdr:from>
-    <cdr:to>
-      <cdr:x>0.2234</cdr:x>
-      <cdr:y>0.89665</cdr:y>
-    </cdr:to>
-    <cdr:sp macro="" textlink="">
-      <cdr:nvSpPr>
-        <cdr:cNvPr id="30" name="Textfeld 1">
-          <a:extLst xmlns:a="http://schemas.openxmlformats.org/drawingml/2006/main">
-            <a:ext uri="{FF2B5EF4-FFF2-40B4-BE49-F238E27FC236}">
-              <a16:creationId xmlns:a16="http://schemas.microsoft.com/office/drawing/2014/main" id="{32668CF9-83C0-4D17-BA1F-B906E27A8176}"/>
-            </a:ext>
-          </a:extLst>
-        </cdr:cNvPr>
-        <cdr:cNvSpPr txBox="1"/>
-      </cdr:nvSpPr>
-      <cdr:spPr>
-        <a:xfrm xmlns:a="http://schemas.openxmlformats.org/drawingml/2006/main">
-          <a:off x="2065019" y="4558276"/>
-          <a:ext cx="495188" cy="234942"/>
-        </a:xfrm>
-        <a:prstGeom xmlns:a="http://schemas.openxmlformats.org/drawingml/2006/main" prst="rect">
-          <a:avLst/>
-        </a:prstGeom>
-        <a:noFill xmlns:a="http://schemas.openxmlformats.org/drawingml/2006/main"/>
-        <a:ln xmlns:a="http://schemas.openxmlformats.org/drawingml/2006/main">
-          <a:noFill/>
-        </a:ln>
-      </cdr:spPr>
-      <cdr:txBody>
-        <a:bodyPr xmlns:a="http://schemas.openxmlformats.org/drawingml/2006/main" wrap="none" rtlCol="0"/>
-        <a:lstStyle xmlns:a="http://schemas.openxmlformats.org/drawingml/2006/main">
-          <a:lvl1pPr marL="0" indent="0">
-            <a:defRPr sz="1100">
-              <a:latin typeface="+mn-lt"/>
-              <a:ea typeface="+mn-ea"/>
-              <a:cs typeface="+mn-cs"/>
-            </a:defRPr>
-          </a:lvl1pPr>
-          <a:lvl2pPr marL="457200" indent="0">
-            <a:defRPr sz="1100">
-              <a:latin typeface="+mn-lt"/>
-              <a:ea typeface="+mn-ea"/>
-              <a:cs typeface="+mn-cs"/>
-            </a:defRPr>
-          </a:lvl2pPr>
-          <a:lvl3pPr marL="914400" indent="0">
-            <a:defRPr sz="1100">
-              <a:latin typeface="+mn-lt"/>
-              <a:ea typeface="+mn-ea"/>
-              <a:cs typeface="+mn-cs"/>
-            </a:defRPr>
-          </a:lvl3pPr>
-          <a:lvl4pPr marL="1371600" indent="0">
-            <a:defRPr sz="1100">
-              <a:latin typeface="+mn-lt"/>
-              <a:ea typeface="+mn-ea"/>
-              <a:cs typeface="+mn-cs"/>
-            </a:defRPr>
-          </a:lvl4pPr>
-          <a:lvl5pPr marL="1828800" indent="0">
-            <a:defRPr sz="1100">
-              <a:latin typeface="+mn-lt"/>
-              <a:ea typeface="+mn-ea"/>
-              <a:cs typeface="+mn-cs"/>
-            </a:defRPr>
-          </a:lvl5pPr>
-          <a:lvl6pPr marL="2286000" indent="0">
-            <a:defRPr sz="1100">
-              <a:latin typeface="+mn-lt"/>
-              <a:ea typeface="+mn-ea"/>
-              <a:cs typeface="+mn-cs"/>
-            </a:defRPr>
-          </a:lvl6pPr>
-          <a:lvl7pPr marL="2743200" indent="0">
-            <a:defRPr sz="1100">
-              <a:latin typeface="+mn-lt"/>
-              <a:ea typeface="+mn-ea"/>
-              <a:cs typeface="+mn-cs"/>
-            </a:defRPr>
-          </a:lvl7pPr>
-          <a:lvl8pPr marL="3200400" indent="0">
-            <a:defRPr sz="1100">
-              <a:latin typeface="+mn-lt"/>
-              <a:ea typeface="+mn-ea"/>
-              <a:cs typeface="+mn-cs"/>
-            </a:defRPr>
-          </a:lvl8pPr>
-          <a:lvl9pPr marL="3657600" indent="0">
-            <a:defRPr sz="1100">
-              <a:latin typeface="+mn-lt"/>
-              <a:ea typeface="+mn-ea"/>
-              <a:cs typeface="+mn-cs"/>
-            </a:defRPr>
-          </a:lvl9pPr>
-        </a:lstStyle>
-        <a:p xmlns:a="http://schemas.openxmlformats.org/drawingml/2006/main">
-          <a:pPr algn="ctr"/>
-          <a:r>
-            <a:rPr lang="de-DE" sz="800" dirty="0"/>
-            <a:t>Gateway</a:t>
-          </a:r>
-        </a:p>
-        <a:p xmlns:a="http://schemas.openxmlformats.org/drawingml/2006/main">
-          <a:pPr algn="ctr"/>
-          <a:r>
-            <a:rPr lang="de-DE" sz="800" dirty="0"/>
-            <a:t>fertig</a:t>
-          </a:r>
-        </a:p>
-      </cdr:txBody>
-    </cdr:sp>
-  </cdr:relSizeAnchor>
-</c:userShapes>
-</file>
-
 <file path=ppt/notesMasters/notesMaster1.xml><?xml version="1.0" encoding="utf-8"?>
 <p:notesMaster xmlns:a="http://schemas.openxmlformats.org/drawingml/2006/main" xmlns:r="http://schemas.openxmlformats.org/officeDocument/2006/relationships" xmlns:p="http://schemas.openxmlformats.org/presentationml/2006/main">
   <p:cSld>
@@ -4418,7 +211,7 @@
           <a:p>
             <a:fld id="{5C20507F-F644-498B-8FD8-DF1C414025EC}" type="datetimeFigureOut">
               <a:rPr lang="de-DE" smtClean="0"/>
-              <a:t>11.11.2019</a:t>
+              <a:t>18.11.2019</a:t>
             </a:fld>
             <a:endParaRPr lang="de-DE"/>
           </a:p>
@@ -4984,90 +777,6 @@
           <a:bodyPr/>
           <a:lstStyle/>
           <a:p>
-            <a:endParaRPr lang="de-DE" dirty="0"/>
-          </a:p>
-        </p:txBody>
-      </p:sp>
-      <p:sp>
-        <p:nvSpPr>
-          <p:cNvPr id="4" name="Foliennummernplatzhalter 3"/>
-          <p:cNvSpPr>
-            <a:spLocks noGrp="1"/>
-          </p:cNvSpPr>
-          <p:nvPr>
-            <p:ph type="sldNum" sz="quarter" idx="5"/>
-          </p:nvPr>
-        </p:nvSpPr>
-        <p:spPr/>
-        <p:txBody>
-          <a:bodyPr/>
-          <a:lstStyle/>
-          <a:p>
-            <a:fld id="{2F526E87-3F77-4BDE-BD80-0F6E2B67AF76}" type="slidenum">
-              <a:rPr lang="de-DE" smtClean="0"/>
-              <a:t>11</a:t>
-            </a:fld>
-            <a:endParaRPr lang="de-DE"/>
-          </a:p>
-        </p:txBody>
-      </p:sp>
-    </p:spTree>
-    <p:extLst>
-      <p:ext uri="{BB962C8B-B14F-4D97-AF65-F5344CB8AC3E}">
-        <p14:creationId xmlns:p14="http://schemas.microsoft.com/office/powerpoint/2010/main" val="2559009092"/>
-      </p:ext>
-    </p:extLst>
-  </p:cSld>
-  <p:clrMapOvr>
-    <a:masterClrMapping/>
-  </p:clrMapOvr>
-</p:notes>
-</file>
-
-<file path=ppt/notesSlides/notesSlide5.xml><?xml version="1.0" encoding="utf-8"?>
-<p:notes xmlns:a="http://schemas.openxmlformats.org/drawingml/2006/main" xmlns:r="http://schemas.openxmlformats.org/officeDocument/2006/relationships" xmlns:p="http://schemas.openxmlformats.org/presentationml/2006/main">
-  <p:cSld>
-    <p:spTree>
-      <p:nvGrpSpPr>
-        <p:cNvPr id="1" name=""/>
-        <p:cNvGrpSpPr/>
-        <p:nvPr/>
-      </p:nvGrpSpPr>
-      <p:grpSpPr>
-        <a:xfrm>
-          <a:off x="0" y="0"/>
-          <a:ext cx="0" cy="0"/>
-          <a:chOff x="0" y="0"/>
-          <a:chExt cx="0" cy="0"/>
-        </a:xfrm>
-      </p:grpSpPr>
-      <p:sp>
-        <p:nvSpPr>
-          <p:cNvPr id="2" name="Folienbildplatzhalter 1"/>
-          <p:cNvSpPr>
-            <a:spLocks noGrp="1" noRot="1" noChangeAspect="1"/>
-          </p:cNvSpPr>
-          <p:nvPr>
-            <p:ph type="sldImg"/>
-          </p:nvPr>
-        </p:nvSpPr>
-        <p:spPr/>
-      </p:sp>
-      <p:sp>
-        <p:nvSpPr>
-          <p:cNvPr id="3" name="Notizenplatzhalter 2"/>
-          <p:cNvSpPr>
-            <a:spLocks noGrp="1"/>
-          </p:cNvSpPr>
-          <p:nvPr>
-            <p:ph type="body" idx="1"/>
-          </p:nvPr>
-        </p:nvSpPr>
-        <p:spPr/>
-        <p:txBody>
-          <a:bodyPr/>
-          <a:lstStyle/>
-          <a:p>
             <a:r>
               <a:rPr lang="de-DE" dirty="0"/>
               <a:t>Annahme </a:t>
@@ -5391,7 +1100,7 @@
           <a:p>
             <a:fld id="{E20E4F3F-845D-4F9B-8146-D1519830B904}" type="datetime1">
               <a:rPr lang="de-DE" smtClean="0"/>
-              <a:t>11.11.2019</a:t>
+              <a:t>18.11.2019</a:t>
             </a:fld>
             <a:endParaRPr lang="de-DE"/>
           </a:p>
@@ -5614,7 +1323,7 @@
           <a:p>
             <a:fld id="{D6AF7F36-D3CF-4CB1-A198-5DBF5AE98F98}" type="datetime1">
               <a:rPr lang="de-DE" smtClean="0"/>
-              <a:t>11.11.2019</a:t>
+              <a:t>18.11.2019</a:t>
             </a:fld>
             <a:endParaRPr lang="de-DE"/>
           </a:p>
@@ -5885,7 +1594,7 @@
           <a:p>
             <a:fld id="{D034C2E4-6ADB-4C4E-B6E6-AED16E990A6B}" type="datetime1">
               <a:rPr lang="de-DE" smtClean="0"/>
-              <a:t>11.11.2019</a:t>
+              <a:t>18.11.2019</a:t>
             </a:fld>
             <a:endParaRPr lang="de-DE"/>
           </a:p>
@@ -6070,7 +1779,7 @@
           <a:p>
             <a:fld id="{8CAE0EDF-60BD-4F7C-BA0E-CEC3494323E3}" type="datetime1">
               <a:rPr lang="de-DE" smtClean="0"/>
-              <a:t>11.11.2019</a:t>
+              <a:t>18.11.2019</a:t>
             </a:fld>
             <a:endParaRPr lang="de-DE"/>
           </a:p>
@@ -6428,7 +2137,7 @@
           <a:p>
             <a:fld id="{65E87D71-8681-4979-A5E3-070DCB1B5789}" type="datetime1">
               <a:rPr lang="de-DE" smtClean="0"/>
-              <a:t>11.11.2019</a:t>
+              <a:t>18.11.2019</a:t>
             </a:fld>
             <a:endParaRPr lang="de-DE"/>
           </a:p>
@@ -6718,7 +2427,7 @@
           <a:p>
             <a:fld id="{FA6C8370-3AD9-4037-968C-483DB437FCFE}" type="datetime1">
               <a:rPr lang="de-DE" smtClean="0"/>
-              <a:t>11.11.2019</a:t>
+              <a:t>18.11.2019</a:t>
             </a:fld>
             <a:endParaRPr lang="de-DE"/>
           </a:p>
@@ -7112,7 +2821,7 @@
           <a:p>
             <a:fld id="{A9D059DF-F17F-4E6E-B5FE-C4568F9CDDED}" type="datetime1">
               <a:rPr lang="de-DE" smtClean="0"/>
-              <a:t>11.11.2019</a:t>
+              <a:t>18.11.2019</a:t>
             </a:fld>
             <a:endParaRPr lang="de-DE"/>
           </a:p>
@@ -7245,7 +2954,7 @@
           <a:p>
             <a:fld id="{33C65DDB-696D-4624-8A56-11F23A4BD75D}" type="datetime1">
               <a:rPr lang="de-DE" smtClean="0"/>
-              <a:t>11.11.2019</a:t>
+              <a:t>18.11.2019</a:t>
             </a:fld>
             <a:endParaRPr lang="de-DE"/>
           </a:p>
@@ -7431,7 +3140,7 @@
           <a:p>
             <a:fld id="{3755A3D4-8D6E-4B3D-815E-622AEB78E06F}" type="datetime1">
               <a:rPr lang="de-DE" smtClean="0"/>
-              <a:t>11.11.2019</a:t>
+              <a:t>18.11.2019</a:t>
             </a:fld>
             <a:endParaRPr lang="de-DE"/>
           </a:p>
@@ -7800,7 +3509,7 @@
           <a:p>
             <a:fld id="{6B6C2961-9553-4839-AF75-01B62C904A1D}" type="datetime1">
               <a:rPr lang="de-DE" smtClean="0"/>
-              <a:t>11.11.2019</a:t>
+              <a:t>18.11.2019</a:t>
             </a:fld>
             <a:endParaRPr lang="de-DE"/>
           </a:p>
@@ -8192,7 +3901,7 @@
           <a:p>
             <a:fld id="{FA987991-0E6C-4CA2-9EA8-4339CDBF957C}" type="datetime1">
               <a:rPr lang="de-DE" smtClean="0"/>
-              <a:t>11.11.2019</a:t>
+              <a:t>18.11.2019</a:t>
             </a:fld>
             <a:endParaRPr lang="de-DE"/>
           </a:p>
@@ -8494,7 +4203,7 @@
           <a:p>
             <a:fld id="{D143D594-0D86-4019-A654-65D000944FED}" type="datetime1">
               <a:rPr lang="de-DE" smtClean="0"/>
-              <a:t>11.11.2019</a:t>
+              <a:t>18.11.2019</a:t>
             </a:fld>
             <a:endParaRPr lang="de-DE"/>
           </a:p>
@@ -10233,10 +5942,10 @@
       </p:grpSpPr>
       <p:sp>
         <p:nvSpPr>
-          <p:cNvPr id="2" name="Titel 1">
+          <p:cNvPr id="4" name="Fußzeilenplatzhalter 3">
             <a:extLst>
               <a:ext uri="{FF2B5EF4-FFF2-40B4-BE49-F238E27FC236}">
-                <a16:creationId xmlns:a16="http://schemas.microsoft.com/office/drawing/2014/main" id="{CCCD46FC-9A01-47D6-BAC8-2D2E932072CF}"/>
+                <a16:creationId xmlns:a16="http://schemas.microsoft.com/office/drawing/2014/main" id="{052C30A4-99AA-4A61-BC73-205806C8A74A}"/>
               </a:ext>
             </a:extLst>
           </p:cNvPr>
@@ -10244,528 +5953,148 @@
             <a:spLocks noGrp="1"/>
           </p:cNvSpPr>
           <p:nvPr>
-            <p:ph type="title" idx="4294967295"/>
+            <p:ph type="ftr" sz="quarter" idx="11"/>
           </p:nvPr>
+        </p:nvSpPr>
+        <p:spPr/>
+        <p:txBody>
+          <a:bodyPr/>
+          <a:lstStyle/>
+          <a:p>
+            <a:r>
+              <a:rPr lang="de-DE"/>
+              <a:t>Alb-Brau Consulting AG </a:t>
+            </a:r>
+          </a:p>
+        </p:txBody>
+      </p:sp>
+      <p:sp>
+        <p:nvSpPr>
+          <p:cNvPr id="5" name="Foliennummernplatzhalter 4">
+            <a:extLst>
+              <a:ext uri="{FF2B5EF4-FFF2-40B4-BE49-F238E27FC236}">
+                <a16:creationId xmlns:a16="http://schemas.microsoft.com/office/drawing/2014/main" id="{C327C5C2-0FDC-44C4-849F-969B1A55A979}"/>
+              </a:ext>
+            </a:extLst>
+          </p:cNvPr>
+          <p:cNvSpPr>
+            <a:spLocks noGrp="1"/>
+          </p:cNvSpPr>
+          <p:nvPr>
+            <p:ph type="sldNum" sz="quarter" idx="12"/>
+          </p:nvPr>
+        </p:nvSpPr>
+        <p:spPr/>
+        <p:txBody>
+          <a:bodyPr/>
+          <a:lstStyle/>
+          <a:p>
+            <a:fld id="{E2B3C6FC-26FA-4D7E-AC88-A939C9C27DF5}" type="slidenum">
+              <a:rPr lang="de-DE" smtClean="0"/>
+              <a:t>11</a:t>
+            </a:fld>
+            <a:endParaRPr lang="de-DE"/>
+          </a:p>
+        </p:txBody>
+      </p:sp>
+      <p:sp>
+        <p:nvSpPr>
+          <p:cNvPr id="6" name="Titel 1">
+            <a:extLst>
+              <a:ext uri="{FF2B5EF4-FFF2-40B4-BE49-F238E27FC236}">
+                <a16:creationId xmlns:a16="http://schemas.microsoft.com/office/drawing/2014/main" id="{29DEA200-DE37-4BD6-9C03-ABBB68E03CAD}"/>
+              </a:ext>
+            </a:extLst>
+          </p:cNvPr>
+          <p:cNvSpPr txBox="1">
+            <a:spLocks/>
+          </p:cNvSpPr>
+          <p:nvPr/>
         </p:nvSpPr>
         <p:spPr>
           <a:xfrm>
             <a:off x="0" y="-677863"/>
             <a:ext cx="10058400" cy="1450976"/>
           </a:xfrm>
+          <a:prstGeom prst="rect">
+            <a:avLst/>
+          </a:prstGeom>
         </p:spPr>
         <p:txBody>
-          <a:bodyPr/>
-          <a:lstStyle/>
-          <a:p>
-            <a:r>
-              <a:rPr lang="de-DE" dirty="0"/>
+          <a:bodyPr vert="horz" lIns="91440" tIns="45720" rIns="91440" bIns="45720" rtlCol="0" anchor="b">
+            <a:normAutofit/>
+          </a:bodyPr>
+          <a:lstStyle>
+            <a:lvl1pPr algn="l" defTabSz="914400" rtl="0" eaLnBrk="1" latinLnBrk="0" hangingPunct="1">
+              <a:lnSpc>
+                <a:spcPct val="85000"/>
+              </a:lnSpc>
+              <a:spcBef>
+                <a:spcPct val="0"/>
+              </a:spcBef>
+              <a:buNone/>
+              <a:defRPr sz="4800" kern="1200" spc="-50" baseline="0">
+                <a:solidFill>
+                  <a:schemeClr val="tx1">
+                    <a:lumMod val="75000"/>
+                    <a:lumOff val="25000"/>
+                  </a:schemeClr>
+                </a:solidFill>
+                <a:latin typeface="+mj-lt"/>
+                <a:ea typeface="+mj-ea"/>
+                <a:cs typeface="+mj-cs"/>
+              </a:defRPr>
+            </a:lvl1pPr>
+          </a:lstStyle>
+          <a:p>
+            <a:r>
+              <a:rPr lang="de-DE"/>
               <a:t>Gantt-Chart</a:t>
             </a:r>
-          </a:p>
-        </p:txBody>
-      </p:sp>
-      <p:graphicFrame>
-        <p:nvGraphicFramePr>
-          <p:cNvPr id="16" name="Diagramm 15">
+            <a:endParaRPr lang="de-DE" dirty="0"/>
+          </a:p>
+        </p:txBody>
+      </p:sp>
+      <p:pic>
+        <p:nvPicPr>
+          <p:cNvPr id="8" name="Grafik 7">
             <a:extLst>
               <a:ext uri="{FF2B5EF4-FFF2-40B4-BE49-F238E27FC236}">
-                <a16:creationId xmlns:a16="http://schemas.microsoft.com/office/drawing/2014/main" id="{7D7251F5-26C6-465C-A0BA-785DCE8D12CC}"/>
+                <a16:creationId xmlns:a16="http://schemas.microsoft.com/office/drawing/2014/main" id="{505A0B46-14BF-4CE6-AB6A-710B68F8B2C9}"/>
               </a:ext>
             </a:extLst>
           </p:cNvPr>
-          <p:cNvGraphicFramePr>
-            <a:graphicFrameLocks/>
-          </p:cNvGraphicFramePr>
-          <p:nvPr>
-            <p:extLst>
-              <p:ext uri="{D42A27DB-BD31-4B8C-83A1-F6EECF244321}">
-                <p14:modId xmlns:p14="http://schemas.microsoft.com/office/powerpoint/2010/main" val="3946939343"/>
-              </p:ext>
-            </p:extLst>
-          </p:nvPr>
-        </p:nvGraphicFramePr>
-        <p:xfrm>
-          <a:off x="224104" y="925691"/>
-          <a:ext cx="11460014" cy="5345668"/>
-        </p:xfrm>
-        <a:graphic>
-          <a:graphicData uri="http://schemas.openxmlformats.org/drawingml/2006/chart">
-            <c:chart xmlns:c="http://schemas.openxmlformats.org/drawingml/2006/chart" xmlns:r="http://schemas.openxmlformats.org/officeDocument/2006/relationships" r:id="rId3"/>
-          </a:graphicData>
-        </a:graphic>
-      </p:graphicFrame>
-      <p:sp>
-        <p:nvSpPr>
-          <p:cNvPr id="20" name="Textfeld 19">
+          <p:cNvPicPr>
+            <a:picLocks noChangeAspect="1"/>
+          </p:cNvPicPr>
+          <p:nvPr/>
+        </p:nvPicPr>
+        <p:blipFill>
+          <a:blip r:embed="rId2">
             <a:extLst>
-              <a:ext uri="{FF2B5EF4-FFF2-40B4-BE49-F238E27FC236}">
-                <a16:creationId xmlns:a16="http://schemas.microsoft.com/office/drawing/2014/main" id="{E1158F50-2F9C-4002-B33D-F2BABAA7D222}"/>
+              <a:ext uri="{28A0092B-C50C-407E-A947-70E740481C1C}">
+                <a14:useLocalDpi xmlns:a14="http://schemas.microsoft.com/office/drawing/2010/main" val="0"/>
               </a:ext>
             </a:extLst>
-          </p:cNvPr>
-          <p:cNvSpPr txBox="1"/>
-          <p:nvPr/>
-        </p:nvSpPr>
+          </a:blip>
+          <a:stretch>
+            <a:fillRect/>
+          </a:stretch>
+        </p:blipFill>
         <p:spPr>
           <a:xfrm>
-            <a:off x="8828130" y="5461000"/>
-            <a:ext cx="930275" cy="338554"/>
-          </a:xfrm>
-          <a:prstGeom prst="rect">
-            <a:avLst/>
-          </a:prstGeom>
-          <a:noFill/>
-        </p:spPr>
-        <p:txBody>
-          <a:bodyPr wrap="square" rtlCol="0">
-            <a:spAutoFit/>
-          </a:bodyPr>
-          <a:lstStyle/>
-          <a:p>
-            <a:pPr algn="ctr"/>
-            <a:r>
-              <a:rPr lang="de-DE" sz="800" dirty="0"/>
-              <a:t>Anbindung beider</a:t>
-            </a:r>
-          </a:p>
-          <a:p>
-            <a:pPr algn="ctr"/>
-            <a:r>
-              <a:rPr lang="de-DE" sz="800" dirty="0"/>
-              <a:t>Gruppen fertig</a:t>
-            </a:r>
-          </a:p>
-        </p:txBody>
-      </p:sp>
-      <p:sp>
-        <p:nvSpPr>
-          <p:cNvPr id="21" name="Raute 20">
-            <a:extLst>
-              <a:ext uri="{FF2B5EF4-FFF2-40B4-BE49-F238E27FC236}">
-                <a16:creationId xmlns:a16="http://schemas.microsoft.com/office/drawing/2014/main" id="{E7CA2BDA-87E0-448D-BA70-24FCFAFCD24E}"/>
-              </a:ext>
-            </a:extLst>
-          </p:cNvPr>
-          <p:cNvSpPr/>
-          <p:nvPr/>
-        </p:nvSpPr>
-        <p:spPr>
-          <a:xfrm>
-            <a:off x="7254405" y="282336"/>
-            <a:ext cx="348028" cy="369332"/>
-          </a:xfrm>
-          <a:prstGeom prst="diamond">
-            <a:avLst/>
-          </a:prstGeom>
-          <a:solidFill>
-            <a:schemeClr val="accent6"/>
-          </a:solidFill>
-          <a:ln>
-            <a:solidFill>
-              <a:schemeClr val="accent6"/>
-            </a:solidFill>
-          </a:ln>
-        </p:spPr>
-        <p:style>
-          <a:lnRef idx="2">
-            <a:schemeClr val="accent1">
-              <a:shade val="50000"/>
-            </a:schemeClr>
-          </a:lnRef>
-          <a:fillRef idx="1">
-            <a:schemeClr val="accent1"/>
-          </a:fillRef>
-          <a:effectRef idx="0">
-            <a:schemeClr val="accent1"/>
-          </a:effectRef>
-          <a:fontRef idx="minor">
-            <a:schemeClr val="lt1"/>
-          </a:fontRef>
-        </p:style>
-        <p:txBody>
-          <a:bodyPr/>
-          <a:lstStyle>
-            <a:lvl1pPr marL="0" indent="0">
-              <a:defRPr sz="1100">
-                <a:solidFill>
-                  <a:schemeClr val="lt1"/>
-                </a:solidFill>
-                <a:latin typeface="+mn-lt"/>
-                <a:ea typeface="+mn-ea"/>
-                <a:cs typeface="+mn-cs"/>
-              </a:defRPr>
-            </a:lvl1pPr>
-            <a:lvl2pPr marL="457200" indent="0">
-              <a:defRPr sz="1100">
-                <a:solidFill>
-                  <a:schemeClr val="lt1"/>
-                </a:solidFill>
-                <a:latin typeface="+mn-lt"/>
-                <a:ea typeface="+mn-ea"/>
-                <a:cs typeface="+mn-cs"/>
-              </a:defRPr>
-            </a:lvl2pPr>
-            <a:lvl3pPr marL="914400" indent="0">
-              <a:defRPr sz="1100">
-                <a:solidFill>
-                  <a:schemeClr val="lt1"/>
-                </a:solidFill>
-                <a:latin typeface="+mn-lt"/>
-                <a:ea typeface="+mn-ea"/>
-                <a:cs typeface="+mn-cs"/>
-              </a:defRPr>
-            </a:lvl3pPr>
-            <a:lvl4pPr marL="1371600" indent="0">
-              <a:defRPr sz="1100">
-                <a:solidFill>
-                  <a:schemeClr val="lt1"/>
-                </a:solidFill>
-                <a:latin typeface="+mn-lt"/>
-                <a:ea typeface="+mn-ea"/>
-                <a:cs typeface="+mn-cs"/>
-              </a:defRPr>
-            </a:lvl4pPr>
-            <a:lvl5pPr marL="1828800" indent="0">
-              <a:defRPr sz="1100">
-                <a:solidFill>
-                  <a:schemeClr val="lt1"/>
-                </a:solidFill>
-                <a:latin typeface="+mn-lt"/>
-                <a:ea typeface="+mn-ea"/>
-                <a:cs typeface="+mn-cs"/>
-              </a:defRPr>
-            </a:lvl5pPr>
-            <a:lvl6pPr marL="2286000" indent="0">
-              <a:defRPr sz="1100">
-                <a:solidFill>
-                  <a:schemeClr val="lt1"/>
-                </a:solidFill>
-                <a:latin typeface="+mn-lt"/>
-                <a:ea typeface="+mn-ea"/>
-                <a:cs typeface="+mn-cs"/>
-              </a:defRPr>
-            </a:lvl6pPr>
-            <a:lvl7pPr marL="2743200" indent="0">
-              <a:defRPr sz="1100">
-                <a:solidFill>
-                  <a:schemeClr val="lt1"/>
-                </a:solidFill>
-                <a:latin typeface="+mn-lt"/>
-                <a:ea typeface="+mn-ea"/>
-                <a:cs typeface="+mn-cs"/>
-              </a:defRPr>
-            </a:lvl7pPr>
-            <a:lvl8pPr marL="3200400" indent="0">
-              <a:defRPr sz="1100">
-                <a:solidFill>
-                  <a:schemeClr val="lt1"/>
-                </a:solidFill>
-                <a:latin typeface="+mn-lt"/>
-                <a:ea typeface="+mn-ea"/>
-                <a:cs typeface="+mn-cs"/>
-              </a:defRPr>
-            </a:lvl8pPr>
-            <a:lvl9pPr marL="3657600" indent="0">
-              <a:defRPr sz="1100">
-                <a:solidFill>
-                  <a:schemeClr val="lt1"/>
-                </a:solidFill>
-                <a:latin typeface="+mn-lt"/>
-                <a:ea typeface="+mn-ea"/>
-                <a:cs typeface="+mn-cs"/>
-              </a:defRPr>
-            </a:lvl9pPr>
-          </a:lstStyle>
-          <a:p>
-            <a:endParaRPr lang="de-DE" dirty="0"/>
-          </a:p>
-        </p:txBody>
-      </p:sp>
-      <p:sp>
-        <p:nvSpPr>
-          <p:cNvPr id="22" name="Textfeld 21">
-            <a:extLst>
-              <a:ext uri="{FF2B5EF4-FFF2-40B4-BE49-F238E27FC236}">
-                <a16:creationId xmlns:a16="http://schemas.microsoft.com/office/drawing/2014/main" id="{B51C4A65-492A-4AF7-9D33-E9531A5E3B3E}"/>
-              </a:ext>
-            </a:extLst>
-          </p:cNvPr>
-          <p:cNvSpPr txBox="1"/>
-          <p:nvPr/>
-        </p:nvSpPr>
-        <p:spPr>
-          <a:xfrm>
-            <a:off x="7602433" y="284107"/>
-            <a:ext cx="1460400" cy="369332"/>
-          </a:xfrm>
-          <a:prstGeom prst="rect">
-            <a:avLst/>
-          </a:prstGeom>
-          <a:noFill/>
-        </p:spPr>
-        <p:txBody>
-          <a:bodyPr wrap="none" rtlCol="0">
-            <a:spAutoFit/>
-          </a:bodyPr>
-          <a:lstStyle/>
-          <a:p>
-            <a:r>
-              <a:rPr lang="de-DE" dirty="0"/>
-              <a:t>= Meilenstein</a:t>
-            </a:r>
-          </a:p>
-        </p:txBody>
-      </p:sp>
-      <p:sp>
-        <p:nvSpPr>
-          <p:cNvPr id="23" name="Rechteck 22">
-            <a:extLst>
-              <a:ext uri="{FF2B5EF4-FFF2-40B4-BE49-F238E27FC236}">
-                <a16:creationId xmlns:a16="http://schemas.microsoft.com/office/drawing/2014/main" id="{6BA12A09-8B96-4160-B9FB-70C3AB0A095E}"/>
-              </a:ext>
-            </a:extLst>
-          </p:cNvPr>
-          <p:cNvSpPr/>
-          <p:nvPr/>
-        </p:nvSpPr>
-        <p:spPr>
-          <a:xfrm>
-            <a:off x="4347030" y="344715"/>
-            <a:ext cx="682170" cy="275770"/>
+            <a:off x="137514" y="971550"/>
+            <a:ext cx="11916971" cy="4286537"/>
           </a:xfrm>
           <a:prstGeom prst="rect">
             <a:avLst/>
           </a:prstGeom>
         </p:spPr>
-        <p:style>
-          <a:lnRef idx="2">
-            <a:schemeClr val="accent1">
-              <a:shade val="50000"/>
-            </a:schemeClr>
-          </a:lnRef>
-          <a:fillRef idx="1">
-            <a:schemeClr val="accent1"/>
-          </a:fillRef>
-          <a:effectRef idx="0">
-            <a:schemeClr val="accent1"/>
-          </a:effectRef>
-          <a:fontRef idx="minor">
-            <a:schemeClr val="lt1"/>
-          </a:fontRef>
-        </p:style>
-        <p:txBody>
-          <a:bodyPr/>
-          <a:lstStyle>
-            <a:lvl1pPr marL="0" indent="0">
-              <a:defRPr sz="1100">
-                <a:solidFill>
-                  <a:schemeClr val="lt1"/>
-                </a:solidFill>
-                <a:latin typeface="+mn-lt"/>
-                <a:ea typeface="+mn-ea"/>
-                <a:cs typeface="+mn-cs"/>
-              </a:defRPr>
-            </a:lvl1pPr>
-            <a:lvl2pPr marL="457200" indent="0">
-              <a:defRPr sz="1100">
-                <a:solidFill>
-                  <a:schemeClr val="lt1"/>
-                </a:solidFill>
-                <a:latin typeface="+mn-lt"/>
-                <a:ea typeface="+mn-ea"/>
-                <a:cs typeface="+mn-cs"/>
-              </a:defRPr>
-            </a:lvl2pPr>
-            <a:lvl3pPr marL="914400" indent="0">
-              <a:defRPr sz="1100">
-                <a:solidFill>
-                  <a:schemeClr val="lt1"/>
-                </a:solidFill>
-                <a:latin typeface="+mn-lt"/>
-                <a:ea typeface="+mn-ea"/>
-                <a:cs typeface="+mn-cs"/>
-              </a:defRPr>
-            </a:lvl3pPr>
-            <a:lvl4pPr marL="1371600" indent="0">
-              <a:defRPr sz="1100">
-                <a:solidFill>
-                  <a:schemeClr val="lt1"/>
-                </a:solidFill>
-                <a:latin typeface="+mn-lt"/>
-                <a:ea typeface="+mn-ea"/>
-                <a:cs typeface="+mn-cs"/>
-              </a:defRPr>
-            </a:lvl4pPr>
-            <a:lvl5pPr marL="1828800" indent="0">
-              <a:defRPr sz="1100">
-                <a:solidFill>
-                  <a:schemeClr val="lt1"/>
-                </a:solidFill>
-                <a:latin typeface="+mn-lt"/>
-                <a:ea typeface="+mn-ea"/>
-                <a:cs typeface="+mn-cs"/>
-              </a:defRPr>
-            </a:lvl5pPr>
-            <a:lvl6pPr marL="2286000" indent="0">
-              <a:defRPr sz="1100">
-                <a:solidFill>
-                  <a:schemeClr val="lt1"/>
-                </a:solidFill>
-                <a:latin typeface="+mn-lt"/>
-                <a:ea typeface="+mn-ea"/>
-                <a:cs typeface="+mn-cs"/>
-              </a:defRPr>
-            </a:lvl6pPr>
-            <a:lvl7pPr marL="2743200" indent="0">
-              <a:defRPr sz="1100">
-                <a:solidFill>
-                  <a:schemeClr val="lt1"/>
-                </a:solidFill>
-                <a:latin typeface="+mn-lt"/>
-                <a:ea typeface="+mn-ea"/>
-                <a:cs typeface="+mn-cs"/>
-              </a:defRPr>
-            </a:lvl7pPr>
-            <a:lvl8pPr marL="3200400" indent="0">
-              <a:defRPr sz="1100">
-                <a:solidFill>
-                  <a:schemeClr val="lt1"/>
-                </a:solidFill>
-                <a:latin typeface="+mn-lt"/>
-                <a:ea typeface="+mn-ea"/>
-                <a:cs typeface="+mn-cs"/>
-              </a:defRPr>
-            </a:lvl8pPr>
-            <a:lvl9pPr marL="3657600" indent="0">
-              <a:defRPr sz="1100">
-                <a:solidFill>
-                  <a:schemeClr val="lt1"/>
-                </a:solidFill>
-                <a:latin typeface="+mn-lt"/>
-                <a:ea typeface="+mn-ea"/>
-                <a:cs typeface="+mn-cs"/>
-              </a:defRPr>
-            </a:lvl9pPr>
-          </a:lstStyle>
-          <a:p>
-            <a:endParaRPr lang="de-DE"/>
-          </a:p>
-        </p:txBody>
-      </p:sp>
-      <p:sp>
-        <p:nvSpPr>
-          <p:cNvPr id="24" name="Textfeld 23">
-            <a:extLst>
-              <a:ext uri="{FF2B5EF4-FFF2-40B4-BE49-F238E27FC236}">
-                <a16:creationId xmlns:a16="http://schemas.microsoft.com/office/drawing/2014/main" id="{F1FCEC28-CC29-46E8-8DBD-0B12E1F1E55A}"/>
-              </a:ext>
-            </a:extLst>
-          </p:cNvPr>
-          <p:cNvSpPr txBox="1"/>
-          <p:nvPr/>
-        </p:nvSpPr>
-        <p:spPr>
-          <a:xfrm>
-            <a:off x="5029200" y="314840"/>
-            <a:ext cx="1135567" cy="369332"/>
-          </a:xfrm>
-          <a:prstGeom prst="rect">
-            <a:avLst/>
-          </a:prstGeom>
-          <a:noFill/>
-        </p:spPr>
-        <p:txBody>
-          <a:bodyPr wrap="none" rtlCol="0">
-            <a:spAutoFit/>
-          </a:bodyPr>
-          <a:lstStyle/>
-          <a:p>
-            <a:r>
-              <a:rPr lang="de-DE" dirty="0"/>
-              <a:t>= Aktivität</a:t>
-            </a:r>
-          </a:p>
-        </p:txBody>
-      </p:sp>
-      <p:sp>
-        <p:nvSpPr>
-          <p:cNvPr id="3" name="Fußzeilenplatzhalter 2">
-            <a:extLst>
-              <a:ext uri="{FF2B5EF4-FFF2-40B4-BE49-F238E27FC236}">
-                <a16:creationId xmlns:a16="http://schemas.microsoft.com/office/drawing/2014/main" id="{833EE9A7-5661-4599-9F58-E0C5905F479A}"/>
-              </a:ext>
-            </a:extLst>
-          </p:cNvPr>
-          <p:cNvSpPr>
-            <a:spLocks noGrp="1"/>
-          </p:cNvSpPr>
-          <p:nvPr>
-            <p:ph type="ftr" sz="quarter" idx="11"/>
-          </p:nvPr>
-        </p:nvSpPr>
-        <p:spPr/>
-        <p:txBody>
-          <a:bodyPr/>
-          <a:lstStyle/>
-          <a:p>
-            <a:r>
-              <a:rPr lang="de-DE" dirty="0">
-                <a:latin typeface="Aharoni" panose="02010803020104030203" pitchFamily="2" charset="-79"/>
-                <a:cs typeface="Aharoni" panose="02010803020104030203" pitchFamily="2" charset="-79"/>
-              </a:rPr>
-              <a:t>Alb-</a:t>
-            </a:r>
-            <a:r>
-              <a:rPr lang="de-DE" dirty="0" err="1">
-                <a:latin typeface="Aharoni" panose="02010803020104030203" pitchFamily="2" charset="-79"/>
-                <a:cs typeface="Aharoni" panose="02010803020104030203" pitchFamily="2" charset="-79"/>
-              </a:rPr>
-              <a:t>Brau</a:t>
-            </a:r>
-            <a:r>
-              <a:rPr lang="de-DE" dirty="0">
-                <a:latin typeface="Aharoni" panose="02010803020104030203" pitchFamily="2" charset="-79"/>
-                <a:cs typeface="Aharoni" panose="02010803020104030203" pitchFamily="2" charset="-79"/>
-              </a:rPr>
-              <a:t> Consulting AG</a:t>
-            </a:r>
-            <a:endParaRPr lang="de-DE" dirty="0"/>
-          </a:p>
-        </p:txBody>
-      </p:sp>
-      <p:sp>
-        <p:nvSpPr>
-          <p:cNvPr id="4" name="Foliennummernplatzhalter 3">
-            <a:extLst>
-              <a:ext uri="{FF2B5EF4-FFF2-40B4-BE49-F238E27FC236}">
-                <a16:creationId xmlns:a16="http://schemas.microsoft.com/office/drawing/2014/main" id="{0F586ED1-B304-439A-A6C6-35DE687A312E}"/>
-              </a:ext>
-            </a:extLst>
-          </p:cNvPr>
-          <p:cNvSpPr>
-            <a:spLocks noGrp="1"/>
-          </p:cNvSpPr>
-          <p:nvPr>
-            <p:ph type="sldNum" sz="quarter" idx="12"/>
-          </p:nvPr>
-        </p:nvSpPr>
-        <p:spPr/>
-        <p:txBody>
-          <a:bodyPr/>
-          <a:lstStyle/>
-          <a:p>
-            <a:fld id="{E2B3C6FC-26FA-4D7E-AC88-A939C9C27DF5}" type="slidenum">
-              <a:rPr lang="de-DE" smtClean="0"/>
-              <a:t>11</a:t>
-            </a:fld>
-            <a:endParaRPr lang="de-DE"/>
-          </a:p>
-        </p:txBody>
-      </p:sp>
+      </p:pic>
     </p:spTree>
     <p:extLst>
       <p:ext uri="{BB962C8B-B14F-4D97-AF65-F5344CB8AC3E}">
-        <p14:creationId xmlns:p14="http://schemas.microsoft.com/office/powerpoint/2010/main" val="4020376945"/>
+        <p14:creationId xmlns:p14="http://schemas.microsoft.com/office/powerpoint/2010/main" val="833387828"/>
       </p:ext>
     </p:extLst>
   </p:cSld>

--- a/Präsentation/Präsentation.pptx
+++ b/Präsentation/Präsentation.pptx
@@ -5,7 +5,7 @@
     <p:sldMasterId id="2147483725" r:id="rId1"/>
   </p:sldMasterIdLst>
   <p:notesMasterIdLst>
-    <p:notesMasterId r:id="rId17"/>
+    <p:notesMasterId r:id="rId19"/>
   </p:notesMasterIdLst>
   <p:sldIdLst>
     <p:sldId id="257" r:id="rId2"/>
@@ -16,13 +16,15 @@
     <p:sldId id="261" r:id="rId7"/>
     <p:sldId id="268" r:id="rId8"/>
     <p:sldId id="272" r:id="rId9"/>
-    <p:sldId id="258" r:id="rId10"/>
-    <p:sldId id="263" r:id="rId11"/>
-    <p:sldId id="275" r:id="rId12"/>
-    <p:sldId id="274" r:id="rId13"/>
-    <p:sldId id="270" r:id="rId14"/>
-    <p:sldId id="265" r:id="rId15"/>
-    <p:sldId id="269" r:id="rId16"/>
+    <p:sldId id="276" r:id="rId10"/>
+    <p:sldId id="277" r:id="rId11"/>
+    <p:sldId id="258" r:id="rId12"/>
+    <p:sldId id="263" r:id="rId13"/>
+    <p:sldId id="275" r:id="rId14"/>
+    <p:sldId id="274" r:id="rId15"/>
+    <p:sldId id="270" r:id="rId16"/>
+    <p:sldId id="265" r:id="rId17"/>
+    <p:sldId id="269" r:id="rId18"/>
   </p:sldIdLst>
   <p:sldSz cx="12192000" cy="6858000"/>
   <p:notesSz cx="6858000" cy="9144000"/>
@@ -211,7 +213,7 @@
           <a:p>
             <a:fld id="{5C20507F-F644-498B-8FD8-DF1C414025EC}" type="datetimeFigureOut">
               <a:rPr lang="de-DE" smtClean="0"/>
-              <a:t>18.11.2019</a:t>
+              <a:t>20.11.2019</a:t>
             </a:fld>
             <a:endParaRPr lang="de-DE"/>
           </a:p>
@@ -714,7 +716,7 @@
           <a:p>
             <a:fld id="{2F526E87-3F77-4BDE-BD80-0F6E2B67AF76}" type="slidenum">
               <a:rPr lang="de-DE" smtClean="0"/>
-              <a:t>10</a:t>
+              <a:t>12</a:t>
             </a:fld>
             <a:endParaRPr lang="de-DE"/>
           </a:p>
@@ -855,7 +857,7 @@
           <a:p>
             <a:fld id="{2F526E87-3F77-4BDE-BD80-0F6E2B67AF76}" type="slidenum">
               <a:rPr lang="de-DE" smtClean="0"/>
-              <a:t>14</a:t>
+              <a:t>16</a:t>
             </a:fld>
             <a:endParaRPr lang="de-DE"/>
           </a:p>
@@ -1100,7 +1102,7 @@
           <a:p>
             <a:fld id="{E20E4F3F-845D-4F9B-8146-D1519830B904}" type="datetime1">
               <a:rPr lang="de-DE" smtClean="0"/>
-              <a:t>18.11.2019</a:t>
+              <a:t>20.11.2019</a:t>
             </a:fld>
             <a:endParaRPr lang="de-DE"/>
           </a:p>
@@ -1323,7 +1325,7 @@
           <a:p>
             <a:fld id="{D6AF7F36-D3CF-4CB1-A198-5DBF5AE98F98}" type="datetime1">
               <a:rPr lang="de-DE" smtClean="0"/>
-              <a:t>18.11.2019</a:t>
+              <a:t>20.11.2019</a:t>
             </a:fld>
             <a:endParaRPr lang="de-DE"/>
           </a:p>
@@ -1594,7 +1596,7 @@
           <a:p>
             <a:fld id="{D034C2E4-6ADB-4C4E-B6E6-AED16E990A6B}" type="datetime1">
               <a:rPr lang="de-DE" smtClean="0"/>
-              <a:t>18.11.2019</a:t>
+              <a:t>20.11.2019</a:t>
             </a:fld>
             <a:endParaRPr lang="de-DE"/>
           </a:p>
@@ -1779,7 +1781,7 @@
           <a:p>
             <a:fld id="{8CAE0EDF-60BD-4F7C-BA0E-CEC3494323E3}" type="datetime1">
               <a:rPr lang="de-DE" smtClean="0"/>
-              <a:t>18.11.2019</a:t>
+              <a:t>20.11.2019</a:t>
             </a:fld>
             <a:endParaRPr lang="de-DE"/>
           </a:p>
@@ -2137,7 +2139,7 @@
           <a:p>
             <a:fld id="{65E87D71-8681-4979-A5E3-070DCB1B5789}" type="datetime1">
               <a:rPr lang="de-DE" smtClean="0"/>
-              <a:t>18.11.2019</a:t>
+              <a:t>20.11.2019</a:t>
             </a:fld>
             <a:endParaRPr lang="de-DE"/>
           </a:p>
@@ -2427,7 +2429,7 @@
           <a:p>
             <a:fld id="{FA6C8370-3AD9-4037-968C-483DB437FCFE}" type="datetime1">
               <a:rPr lang="de-DE" smtClean="0"/>
-              <a:t>18.11.2019</a:t>
+              <a:t>20.11.2019</a:t>
             </a:fld>
             <a:endParaRPr lang="de-DE"/>
           </a:p>
@@ -2821,7 +2823,7 @@
           <a:p>
             <a:fld id="{A9D059DF-F17F-4E6E-B5FE-C4568F9CDDED}" type="datetime1">
               <a:rPr lang="de-DE" smtClean="0"/>
-              <a:t>18.11.2019</a:t>
+              <a:t>20.11.2019</a:t>
             </a:fld>
             <a:endParaRPr lang="de-DE"/>
           </a:p>
@@ -2954,7 +2956,7 @@
           <a:p>
             <a:fld id="{33C65DDB-696D-4624-8A56-11F23A4BD75D}" type="datetime1">
               <a:rPr lang="de-DE" smtClean="0"/>
-              <a:t>18.11.2019</a:t>
+              <a:t>20.11.2019</a:t>
             </a:fld>
             <a:endParaRPr lang="de-DE"/>
           </a:p>
@@ -3140,7 +3142,7 @@
           <a:p>
             <a:fld id="{3755A3D4-8D6E-4B3D-815E-622AEB78E06F}" type="datetime1">
               <a:rPr lang="de-DE" smtClean="0"/>
-              <a:t>18.11.2019</a:t>
+              <a:t>20.11.2019</a:t>
             </a:fld>
             <a:endParaRPr lang="de-DE"/>
           </a:p>
@@ -3509,7 +3511,7 @@
           <a:p>
             <a:fld id="{6B6C2961-9553-4839-AF75-01B62C904A1D}" type="datetime1">
               <a:rPr lang="de-DE" smtClean="0"/>
-              <a:t>18.11.2019</a:t>
+              <a:t>20.11.2019</a:t>
             </a:fld>
             <a:endParaRPr lang="de-DE"/>
           </a:p>
@@ -3901,7 +3903,7 @@
           <a:p>
             <a:fld id="{FA987991-0E6C-4CA2-9EA8-4339CDBF957C}" type="datetime1">
               <a:rPr lang="de-DE" smtClean="0"/>
-              <a:t>18.11.2019</a:t>
+              <a:t>20.11.2019</a:t>
             </a:fld>
             <a:endParaRPr lang="de-DE"/>
           </a:p>
@@ -4203,7 +4205,7 @@
           <a:p>
             <a:fld id="{D143D594-0D86-4019-A654-65D000944FED}" type="datetime1">
               <a:rPr lang="de-DE" smtClean="0"/>
-              <a:t>18.11.2019</a:t>
+              <a:t>20.11.2019</a:t>
             </a:fld>
             <a:endParaRPr lang="de-DE"/>
           </a:p>
@@ -5194,6 +5196,1068 @@
 </file>
 
 <file path=ppt/slides/slide10.xml><?xml version="1.0" encoding="utf-8"?>
+<p:sld xmlns:a="http://schemas.openxmlformats.org/drawingml/2006/main" xmlns:r="http://schemas.openxmlformats.org/officeDocument/2006/relationships" xmlns:p="http://schemas.openxmlformats.org/presentationml/2006/main">
+  <p:cSld>
+    <p:spTree>
+      <p:nvGrpSpPr>
+        <p:cNvPr id="1" name=""/>
+        <p:cNvGrpSpPr/>
+        <p:nvPr/>
+      </p:nvGrpSpPr>
+      <p:grpSpPr>
+        <a:xfrm>
+          <a:off x="0" y="0"/>
+          <a:ext cx="0" cy="0"/>
+          <a:chOff x="0" y="0"/>
+          <a:chExt cx="0" cy="0"/>
+        </a:xfrm>
+      </p:grpSpPr>
+      <p:sp>
+        <p:nvSpPr>
+          <p:cNvPr id="2" name="Titel 1">
+            <a:extLst>
+              <a:ext uri="{FF2B5EF4-FFF2-40B4-BE49-F238E27FC236}">
+                <a16:creationId xmlns:a16="http://schemas.microsoft.com/office/drawing/2014/main" id="{757E532A-AA56-4528-80D1-FFE571B09F00}"/>
+              </a:ext>
+            </a:extLst>
+          </p:cNvPr>
+          <p:cNvSpPr>
+            <a:spLocks noGrp="1"/>
+          </p:cNvSpPr>
+          <p:nvPr>
+            <p:ph type="title"/>
+          </p:nvPr>
+        </p:nvSpPr>
+        <p:spPr/>
+        <p:txBody>
+          <a:bodyPr anchor="t"/>
+          <a:lstStyle/>
+          <a:p>
+            <a:r>
+              <a:rPr lang="de-DE" dirty="0"/>
+              <a:t>BPMN Diagramm-Fehlerbehandlung</a:t>
+            </a:r>
+          </a:p>
+        </p:txBody>
+      </p:sp>
+      <p:sp>
+        <p:nvSpPr>
+          <p:cNvPr id="4" name="Fußzeilenplatzhalter 3">
+            <a:extLst>
+              <a:ext uri="{FF2B5EF4-FFF2-40B4-BE49-F238E27FC236}">
+                <a16:creationId xmlns:a16="http://schemas.microsoft.com/office/drawing/2014/main" id="{6C90DE98-DF22-4C9E-9A96-D9366834FB7C}"/>
+              </a:ext>
+            </a:extLst>
+          </p:cNvPr>
+          <p:cNvSpPr>
+            <a:spLocks noGrp="1"/>
+          </p:cNvSpPr>
+          <p:nvPr>
+            <p:ph type="ftr" sz="quarter" idx="11"/>
+          </p:nvPr>
+        </p:nvSpPr>
+        <p:spPr/>
+        <p:txBody>
+          <a:bodyPr/>
+          <a:lstStyle/>
+          <a:p>
+            <a:r>
+              <a:rPr lang="de-DE"/>
+              <a:t>Alb-Brau Consulting AG </a:t>
+            </a:r>
+          </a:p>
+        </p:txBody>
+      </p:sp>
+      <p:sp>
+        <p:nvSpPr>
+          <p:cNvPr id="5" name="Foliennummernplatzhalter 4">
+            <a:extLst>
+              <a:ext uri="{FF2B5EF4-FFF2-40B4-BE49-F238E27FC236}">
+                <a16:creationId xmlns:a16="http://schemas.microsoft.com/office/drawing/2014/main" id="{048D60BD-C646-410C-B2C8-E2F49A762970}"/>
+              </a:ext>
+            </a:extLst>
+          </p:cNvPr>
+          <p:cNvSpPr>
+            <a:spLocks noGrp="1"/>
+          </p:cNvSpPr>
+          <p:nvPr>
+            <p:ph type="sldNum" sz="quarter" idx="12"/>
+          </p:nvPr>
+        </p:nvSpPr>
+        <p:spPr/>
+        <p:txBody>
+          <a:bodyPr/>
+          <a:lstStyle/>
+          <a:p>
+            <a:fld id="{E2B3C6FC-26FA-4D7E-AC88-A939C9C27DF5}" type="slidenum">
+              <a:rPr lang="de-DE" smtClean="0"/>
+              <a:t>10</a:t>
+            </a:fld>
+            <a:endParaRPr lang="de-DE"/>
+          </a:p>
+        </p:txBody>
+      </p:sp>
+      <p:pic>
+        <p:nvPicPr>
+          <p:cNvPr id="7" name="Grafik 6">
+            <a:extLst>
+              <a:ext uri="{FF2B5EF4-FFF2-40B4-BE49-F238E27FC236}">
+                <a16:creationId xmlns:a16="http://schemas.microsoft.com/office/drawing/2014/main" id="{8D60B03D-1B0B-476B-B1BB-EE852C21DD71}"/>
+              </a:ext>
+            </a:extLst>
+          </p:cNvPr>
+          <p:cNvPicPr>
+            <a:picLocks noChangeAspect="1"/>
+          </p:cNvPicPr>
+          <p:nvPr/>
+        </p:nvPicPr>
+        <p:blipFill>
+          <a:blip r:embed="rId2">
+            <a:extLst>
+              <a:ext uri="{28A0092B-C50C-407E-A947-70E740481C1C}">
+                <a14:useLocalDpi xmlns:a14="http://schemas.microsoft.com/office/drawing/2010/main" val="0"/>
+              </a:ext>
+            </a:extLst>
+          </a:blip>
+          <a:stretch>
+            <a:fillRect/>
+          </a:stretch>
+        </p:blipFill>
+        <p:spPr>
+          <a:xfrm>
+            <a:off x="1097281" y="1186398"/>
+            <a:ext cx="10407534" cy="4640889"/>
+          </a:xfrm>
+          <a:prstGeom prst="rect">
+            <a:avLst/>
+          </a:prstGeom>
+        </p:spPr>
+      </p:pic>
+    </p:spTree>
+    <p:extLst>
+      <p:ext uri="{BB962C8B-B14F-4D97-AF65-F5344CB8AC3E}">
+        <p14:creationId xmlns:p14="http://schemas.microsoft.com/office/powerpoint/2010/main" val="2336314585"/>
+      </p:ext>
+    </p:extLst>
+  </p:cSld>
+  <p:clrMapOvr>
+    <a:masterClrMapping/>
+  </p:clrMapOvr>
+  <mc:AlternateContent xmlns:mc="http://schemas.openxmlformats.org/markup-compatibility/2006" xmlns:p14="http://schemas.microsoft.com/office/powerpoint/2010/main">
+    <mc:Choice Requires="p14">
+      <p:transition spd="med" p14:dur="700">
+        <p:fade/>
+      </p:transition>
+    </mc:Choice>
+    <mc:Fallback xmlns="">
+      <p:transition spd="med">
+        <p:fade/>
+      </p:transition>
+    </mc:Fallback>
+  </mc:AlternateContent>
+</p:sld>
+</file>
+
+<file path=ppt/slides/slide11.xml><?xml version="1.0" encoding="utf-8"?>
+<p:sld xmlns:a="http://schemas.openxmlformats.org/drawingml/2006/main" xmlns:r="http://schemas.openxmlformats.org/officeDocument/2006/relationships" xmlns:p="http://schemas.openxmlformats.org/presentationml/2006/main">
+  <p:cSld>
+    <p:spTree>
+      <p:nvGrpSpPr>
+        <p:cNvPr id="1" name=""/>
+        <p:cNvGrpSpPr/>
+        <p:nvPr/>
+      </p:nvGrpSpPr>
+      <p:grpSpPr>
+        <a:xfrm>
+          <a:off x="0" y="0"/>
+          <a:ext cx="0" cy="0"/>
+          <a:chOff x="0" y="0"/>
+          <a:chExt cx="0" cy="0"/>
+        </a:xfrm>
+      </p:grpSpPr>
+      <p:sp>
+        <p:nvSpPr>
+          <p:cNvPr id="2" name="Titel 1">
+            <a:extLst>
+              <a:ext uri="{FF2B5EF4-FFF2-40B4-BE49-F238E27FC236}">
+                <a16:creationId xmlns:a16="http://schemas.microsoft.com/office/drawing/2014/main" id="{EBA85F54-63E7-42CF-B18F-7EE29DE838DE}"/>
+              </a:ext>
+            </a:extLst>
+          </p:cNvPr>
+          <p:cNvSpPr>
+            <a:spLocks noGrp="1"/>
+          </p:cNvSpPr>
+          <p:nvPr>
+            <p:ph type="title"/>
+          </p:nvPr>
+        </p:nvSpPr>
+        <p:spPr/>
+        <p:txBody>
+          <a:bodyPr>
+            <a:normAutofit/>
+          </a:bodyPr>
+          <a:lstStyle/>
+          <a:p>
+            <a:pPr algn="ctr"/>
+            <a:r>
+              <a:rPr lang="de-DE" dirty="0"/>
+              <a:t>Work Breakdown Structure</a:t>
+            </a:r>
+          </a:p>
+        </p:txBody>
+      </p:sp>
+      <p:sp>
+        <p:nvSpPr>
+          <p:cNvPr id="5" name="Rechteck: abgerundete Ecken 4">
+            <a:extLst>
+              <a:ext uri="{FF2B5EF4-FFF2-40B4-BE49-F238E27FC236}">
+                <a16:creationId xmlns:a16="http://schemas.microsoft.com/office/drawing/2014/main" id="{D05F816A-C7C1-49BE-ADE5-3D33CBD35610}"/>
+              </a:ext>
+            </a:extLst>
+          </p:cNvPr>
+          <p:cNvSpPr/>
+          <p:nvPr/>
+        </p:nvSpPr>
+        <p:spPr>
+          <a:xfrm>
+            <a:off x="7154107" y="1849884"/>
+            <a:ext cx="1275475" cy="570381"/>
+          </a:xfrm>
+          <a:prstGeom prst="roundRect">
+            <a:avLst/>
+          </a:prstGeom>
+          <a:ln>
+            <a:noFill/>
+          </a:ln>
+        </p:spPr>
+        <p:style>
+          <a:lnRef idx="1">
+            <a:schemeClr val="accent1"/>
+          </a:lnRef>
+          <a:fillRef idx="2">
+            <a:schemeClr val="accent1"/>
+          </a:fillRef>
+          <a:effectRef idx="1">
+            <a:schemeClr val="accent1"/>
+          </a:effectRef>
+          <a:fontRef idx="minor">
+            <a:schemeClr val="dk1"/>
+          </a:fontRef>
+        </p:style>
+        <p:txBody>
+          <a:bodyPr rtlCol="0" anchor="ctr"/>
+          <a:lstStyle/>
+          <a:p>
+            <a:pPr algn="ctr"/>
+            <a:r>
+              <a:rPr lang="de-DE" b="1" dirty="0" err="1">
+                <a:solidFill>
+                  <a:schemeClr val="bg1"/>
+                </a:solidFill>
+              </a:rPr>
+              <a:t>Testing</a:t>
+            </a:r>
+            <a:endParaRPr lang="de-DE" b="1" dirty="0">
+              <a:solidFill>
+                <a:schemeClr val="bg1"/>
+              </a:solidFill>
+            </a:endParaRPr>
+          </a:p>
+        </p:txBody>
+      </p:sp>
+      <p:sp>
+        <p:nvSpPr>
+          <p:cNvPr id="6" name="Rechteck: abgerundete Ecken 5">
+            <a:extLst>
+              <a:ext uri="{FF2B5EF4-FFF2-40B4-BE49-F238E27FC236}">
+                <a16:creationId xmlns:a16="http://schemas.microsoft.com/office/drawing/2014/main" id="{2748357F-DA3C-4365-B39A-A2797DCE49EB}"/>
+              </a:ext>
+            </a:extLst>
+          </p:cNvPr>
+          <p:cNvSpPr/>
+          <p:nvPr/>
+        </p:nvSpPr>
+        <p:spPr>
+          <a:xfrm>
+            <a:off x="994281" y="1849882"/>
+            <a:ext cx="1405616" cy="614525"/>
+          </a:xfrm>
+          <a:prstGeom prst="roundRect">
+            <a:avLst/>
+          </a:prstGeom>
+          <a:ln>
+            <a:noFill/>
+          </a:ln>
+        </p:spPr>
+        <p:style>
+          <a:lnRef idx="1">
+            <a:schemeClr val="accent1"/>
+          </a:lnRef>
+          <a:fillRef idx="2">
+            <a:schemeClr val="accent1"/>
+          </a:fillRef>
+          <a:effectRef idx="1">
+            <a:schemeClr val="accent1"/>
+          </a:effectRef>
+          <a:fontRef idx="minor">
+            <a:schemeClr val="dk1"/>
+          </a:fontRef>
+        </p:style>
+        <p:txBody>
+          <a:bodyPr rtlCol="0" anchor="ctr"/>
+          <a:lstStyle/>
+          <a:p>
+            <a:pPr algn="ctr"/>
+            <a:r>
+              <a:rPr lang="de-DE" sz="1400" b="1" dirty="0" err="1">
+                <a:solidFill>
+                  <a:schemeClr val="bg1"/>
+                </a:solidFill>
+              </a:rPr>
+              <a:t>Developement</a:t>
+            </a:r>
+            <a:endParaRPr lang="de-DE" sz="1400" b="1" dirty="0">
+              <a:solidFill>
+                <a:schemeClr val="bg1"/>
+              </a:solidFill>
+            </a:endParaRPr>
+          </a:p>
+        </p:txBody>
+      </p:sp>
+      <p:sp>
+        <p:nvSpPr>
+          <p:cNvPr id="8" name="Rechteck: abgerundete Ecken 7">
+            <a:extLst>
+              <a:ext uri="{FF2B5EF4-FFF2-40B4-BE49-F238E27FC236}">
+                <a16:creationId xmlns:a16="http://schemas.microsoft.com/office/drawing/2014/main" id="{25C6A291-E902-4178-AD51-613DEEC5CEC3}"/>
+              </a:ext>
+            </a:extLst>
+          </p:cNvPr>
+          <p:cNvSpPr/>
+          <p:nvPr/>
+        </p:nvSpPr>
+        <p:spPr>
+          <a:xfrm>
+            <a:off x="9777716" y="1871954"/>
+            <a:ext cx="1155895" cy="570381"/>
+          </a:xfrm>
+          <a:prstGeom prst="roundRect">
+            <a:avLst/>
+          </a:prstGeom>
+          <a:ln>
+            <a:noFill/>
+          </a:ln>
+        </p:spPr>
+        <p:style>
+          <a:lnRef idx="1">
+            <a:schemeClr val="accent1"/>
+          </a:lnRef>
+          <a:fillRef idx="2">
+            <a:schemeClr val="accent1"/>
+          </a:fillRef>
+          <a:effectRef idx="1">
+            <a:schemeClr val="accent1"/>
+          </a:effectRef>
+          <a:fontRef idx="minor">
+            <a:schemeClr val="dk1"/>
+          </a:fontRef>
+        </p:style>
+        <p:txBody>
+          <a:bodyPr rtlCol="0" anchor="ctr"/>
+          <a:lstStyle/>
+          <a:p>
+            <a:pPr algn="ctr"/>
+            <a:r>
+              <a:rPr lang="de-DE" b="1" dirty="0">
+                <a:solidFill>
+                  <a:schemeClr val="bg1"/>
+                </a:solidFill>
+              </a:rPr>
+              <a:t>Support</a:t>
+            </a:r>
+          </a:p>
+        </p:txBody>
+      </p:sp>
+      <p:sp>
+        <p:nvSpPr>
+          <p:cNvPr id="9" name="Rechteck 8">
+            <a:extLst>
+              <a:ext uri="{FF2B5EF4-FFF2-40B4-BE49-F238E27FC236}">
+                <a16:creationId xmlns:a16="http://schemas.microsoft.com/office/drawing/2014/main" id="{6E6E176E-2C0C-4FEF-AFBC-F5E07926AEFE}"/>
+              </a:ext>
+            </a:extLst>
+          </p:cNvPr>
+          <p:cNvSpPr/>
+          <p:nvPr/>
+        </p:nvSpPr>
+        <p:spPr>
+          <a:xfrm>
+            <a:off x="410437" y="2464409"/>
+            <a:ext cx="3091126" cy="4197677"/>
+          </a:xfrm>
+          <a:prstGeom prst="rect">
+            <a:avLst/>
+          </a:prstGeom>
+          <a:noFill/>
+          <a:ln>
+            <a:noFill/>
+          </a:ln>
+        </p:spPr>
+        <p:style>
+          <a:lnRef idx="2">
+            <a:schemeClr val="accent1">
+              <a:shade val="50000"/>
+            </a:schemeClr>
+          </a:lnRef>
+          <a:fillRef idx="1">
+            <a:schemeClr val="accent1"/>
+          </a:fillRef>
+          <a:effectRef idx="0">
+            <a:schemeClr val="accent1"/>
+          </a:effectRef>
+          <a:fontRef idx="minor">
+            <a:schemeClr val="lt1"/>
+          </a:fontRef>
+        </p:style>
+        <p:txBody>
+          <a:bodyPr rtlCol="0" anchor="t"/>
+          <a:lstStyle/>
+          <a:p>
+            <a:pPr marL="285750" indent="-285750">
+              <a:buFont typeface="Arial" panose="020B0604020202020204" pitchFamily="34" charset="0"/>
+              <a:buChar char="•"/>
+            </a:pPr>
+            <a:r>
+              <a:rPr lang="de-DE" sz="1400" dirty="0">
+                <a:solidFill>
+                  <a:schemeClr val="tx1"/>
+                </a:solidFill>
+              </a:rPr>
+              <a:t>MQTT Server programmieren</a:t>
+            </a:r>
+          </a:p>
+          <a:p>
+            <a:pPr marL="285750" indent="-285750">
+              <a:buFont typeface="Arial" panose="020B0604020202020204" pitchFamily="34" charset="0"/>
+              <a:buChar char="•"/>
+            </a:pPr>
+            <a:r>
+              <a:rPr lang="de-DE" sz="1400" dirty="0">
+                <a:solidFill>
+                  <a:schemeClr val="tx1"/>
+                </a:solidFill>
+              </a:rPr>
+              <a:t>Rezepte in SAP einpflegen </a:t>
+            </a:r>
+          </a:p>
+          <a:p>
+            <a:pPr marL="285750" indent="-285750">
+              <a:buFont typeface="Arial" panose="020B0604020202020204" pitchFamily="34" charset="0"/>
+              <a:buChar char="•"/>
+            </a:pPr>
+            <a:r>
+              <a:rPr lang="de-DE" sz="1400" dirty="0">
+                <a:solidFill>
+                  <a:schemeClr val="tx1"/>
+                </a:solidFill>
+              </a:rPr>
+              <a:t>Schnittstelle für Pflanzenanbau schaffen</a:t>
+            </a:r>
+          </a:p>
+          <a:p>
+            <a:pPr marL="285750" indent="-285750">
+              <a:buFont typeface="Arial" panose="020B0604020202020204" pitchFamily="34" charset="0"/>
+              <a:buChar char="•"/>
+            </a:pPr>
+            <a:r>
+              <a:rPr lang="de-DE" sz="1400" dirty="0">
+                <a:solidFill>
+                  <a:schemeClr val="tx1"/>
+                </a:solidFill>
+              </a:rPr>
+              <a:t>Schnittstelle für </a:t>
+            </a:r>
+            <a:r>
+              <a:rPr lang="de-DE" sz="1400" dirty="0" err="1">
+                <a:solidFill>
+                  <a:schemeClr val="tx1"/>
+                </a:solidFill>
+              </a:rPr>
+              <a:t>Conditioning</a:t>
+            </a:r>
+            <a:r>
+              <a:rPr lang="de-DE" sz="1400" dirty="0">
+                <a:solidFill>
+                  <a:schemeClr val="tx1"/>
+                </a:solidFill>
+              </a:rPr>
+              <a:t> Monitoring</a:t>
+            </a:r>
+          </a:p>
+          <a:p>
+            <a:pPr marL="285750" indent="-285750">
+              <a:buFont typeface="Arial" panose="020B0604020202020204" pitchFamily="34" charset="0"/>
+              <a:buChar char="•"/>
+            </a:pPr>
+            <a:r>
+              <a:rPr lang="de-DE" sz="1400" dirty="0">
+                <a:solidFill>
+                  <a:schemeClr val="tx1"/>
+                </a:solidFill>
+              </a:rPr>
+              <a:t>SAP programmieren</a:t>
+            </a:r>
+          </a:p>
+          <a:p>
+            <a:pPr marL="285750" indent="-285750">
+              <a:buFont typeface="Arial" panose="020B0604020202020204" pitchFamily="34" charset="0"/>
+              <a:buChar char="•"/>
+            </a:pPr>
+            <a:r>
+              <a:rPr lang="de-DE" sz="1400" dirty="0">
+                <a:solidFill>
+                  <a:schemeClr val="tx1"/>
+                </a:solidFill>
+              </a:rPr>
+              <a:t>SAP Schnittstelle für die Sensoren </a:t>
+            </a:r>
+          </a:p>
+          <a:p>
+            <a:pPr marL="285750" indent="-285750">
+              <a:buFont typeface="Arial" panose="020B0604020202020204" pitchFamily="34" charset="0"/>
+              <a:buChar char="•"/>
+            </a:pPr>
+            <a:r>
+              <a:rPr lang="de-DE" sz="1400" dirty="0">
+                <a:solidFill>
+                  <a:schemeClr val="tx1"/>
+                </a:solidFill>
+              </a:rPr>
+              <a:t>RFID Kennzeichnung (pro Auftrag) erzeugen</a:t>
+            </a:r>
+          </a:p>
+          <a:p>
+            <a:pPr marL="285750" indent="-285750">
+              <a:buFont typeface="Arial" panose="020B0604020202020204" pitchFamily="34" charset="0"/>
+              <a:buChar char="•"/>
+            </a:pPr>
+            <a:r>
+              <a:rPr lang="de-DE" sz="1400" dirty="0">
+                <a:solidFill>
+                  <a:schemeClr val="tx1"/>
+                </a:solidFill>
+              </a:rPr>
+              <a:t>Sensoren anbinden und konfigurieren</a:t>
+            </a:r>
+          </a:p>
+          <a:p>
+            <a:pPr marL="285750" indent="-285750">
+              <a:buFont typeface="Arial" panose="020B0604020202020204" pitchFamily="34" charset="0"/>
+              <a:buChar char="•"/>
+            </a:pPr>
+            <a:r>
+              <a:rPr lang="de-DE" sz="1400" dirty="0">
+                <a:solidFill>
+                  <a:schemeClr val="tx1"/>
+                </a:solidFill>
+              </a:rPr>
+              <a:t>Aktoren anbinden und konfigurieren</a:t>
+            </a:r>
+          </a:p>
+          <a:p>
+            <a:pPr marL="285750" indent="-285750">
+              <a:buFont typeface="Arial" panose="020B0604020202020204" pitchFamily="34" charset="0"/>
+              <a:buChar char="•"/>
+            </a:pPr>
+            <a:r>
+              <a:rPr lang="de-DE" sz="1400" dirty="0">
+                <a:solidFill>
+                  <a:schemeClr val="tx1"/>
+                </a:solidFill>
+              </a:rPr>
+              <a:t>SPS programmieren und anbinden</a:t>
+            </a:r>
+          </a:p>
+          <a:p>
+            <a:pPr marL="285750" indent="-285750">
+              <a:buFont typeface="Arial" panose="020B0604020202020204" pitchFamily="34" charset="0"/>
+              <a:buChar char="•"/>
+            </a:pPr>
+            <a:r>
+              <a:rPr lang="de-DE" sz="1400" dirty="0">
+                <a:solidFill>
+                  <a:schemeClr val="tx1"/>
+                </a:solidFill>
+              </a:rPr>
+              <a:t>Gateway aufsetzen </a:t>
+            </a:r>
+          </a:p>
+        </p:txBody>
+      </p:sp>
+      <p:sp>
+        <p:nvSpPr>
+          <p:cNvPr id="31" name="Rechteck: abgerundete Ecken 30">
+            <a:extLst>
+              <a:ext uri="{FF2B5EF4-FFF2-40B4-BE49-F238E27FC236}">
+                <a16:creationId xmlns:a16="http://schemas.microsoft.com/office/drawing/2014/main" id="{0C03E21E-2FD8-44A6-AE66-1AFAE12DD2D5}"/>
+              </a:ext>
+            </a:extLst>
+          </p:cNvPr>
+          <p:cNvSpPr/>
+          <p:nvPr/>
+        </p:nvSpPr>
+        <p:spPr>
+          <a:xfrm>
+            <a:off x="4465455" y="1849883"/>
+            <a:ext cx="1275475" cy="570382"/>
+          </a:xfrm>
+          <a:prstGeom prst="roundRect">
+            <a:avLst/>
+          </a:prstGeom>
+          <a:ln>
+            <a:noFill/>
+          </a:ln>
+        </p:spPr>
+        <p:style>
+          <a:lnRef idx="1">
+            <a:schemeClr val="accent1"/>
+          </a:lnRef>
+          <a:fillRef idx="2">
+            <a:schemeClr val="accent1"/>
+          </a:fillRef>
+          <a:effectRef idx="1">
+            <a:schemeClr val="accent1"/>
+          </a:effectRef>
+          <a:fontRef idx="minor">
+            <a:schemeClr val="dk1"/>
+          </a:fontRef>
+        </p:style>
+        <p:txBody>
+          <a:bodyPr rtlCol="0" anchor="ctr"/>
+          <a:lstStyle/>
+          <a:p>
+            <a:pPr algn="ctr"/>
+            <a:r>
+              <a:rPr lang="de-DE" sz="1400" b="1" dirty="0">
+                <a:solidFill>
+                  <a:schemeClr val="bg1"/>
+                </a:solidFill>
+              </a:rPr>
+              <a:t>Projekt-</a:t>
+            </a:r>
+          </a:p>
+          <a:p>
+            <a:pPr algn="ctr"/>
+            <a:r>
+              <a:rPr lang="de-DE" sz="1400" b="1" dirty="0" err="1">
+                <a:solidFill>
+                  <a:schemeClr val="bg1"/>
+                </a:solidFill>
+              </a:rPr>
+              <a:t>management</a:t>
+            </a:r>
+            <a:endParaRPr lang="de-DE" sz="1400" b="1" dirty="0">
+              <a:solidFill>
+                <a:schemeClr val="bg1"/>
+              </a:solidFill>
+            </a:endParaRPr>
+          </a:p>
+        </p:txBody>
+      </p:sp>
+      <p:sp>
+        <p:nvSpPr>
+          <p:cNvPr id="26" name="Rechteck 25">
+            <a:extLst>
+              <a:ext uri="{FF2B5EF4-FFF2-40B4-BE49-F238E27FC236}">
+                <a16:creationId xmlns:a16="http://schemas.microsoft.com/office/drawing/2014/main" id="{CA1B537E-5B48-4DFB-9BEA-6D3128E34427}"/>
+              </a:ext>
+            </a:extLst>
+          </p:cNvPr>
+          <p:cNvSpPr/>
+          <p:nvPr/>
+        </p:nvSpPr>
+        <p:spPr>
+          <a:xfrm>
+            <a:off x="3813074" y="2464409"/>
+            <a:ext cx="3091126" cy="4197677"/>
+          </a:xfrm>
+          <a:prstGeom prst="rect">
+            <a:avLst/>
+          </a:prstGeom>
+          <a:noFill/>
+          <a:ln>
+            <a:noFill/>
+          </a:ln>
+        </p:spPr>
+        <p:style>
+          <a:lnRef idx="2">
+            <a:schemeClr val="accent1">
+              <a:shade val="50000"/>
+            </a:schemeClr>
+          </a:lnRef>
+          <a:fillRef idx="1">
+            <a:schemeClr val="accent1"/>
+          </a:fillRef>
+          <a:effectRef idx="0">
+            <a:schemeClr val="accent1"/>
+          </a:effectRef>
+          <a:fontRef idx="minor">
+            <a:schemeClr val="lt1"/>
+          </a:fontRef>
+        </p:style>
+        <p:txBody>
+          <a:bodyPr rtlCol="0" anchor="t"/>
+          <a:lstStyle/>
+          <a:p>
+            <a:pPr marL="285750" indent="-285750">
+              <a:buFont typeface="Arial" panose="020B0604020202020204" pitchFamily="34" charset="0"/>
+              <a:buChar char="•"/>
+            </a:pPr>
+            <a:r>
+              <a:rPr lang="de-DE" sz="1400" dirty="0">
+                <a:solidFill>
+                  <a:schemeClr val="tx1"/>
+                </a:solidFill>
+              </a:rPr>
+              <a:t>Kommunikationsplan des </a:t>
+            </a:r>
+            <a:br>
+              <a:rPr lang="de-DE" sz="1400" dirty="0">
+                <a:solidFill>
+                  <a:schemeClr val="tx1"/>
+                </a:solidFill>
+              </a:rPr>
+            </a:br>
+            <a:r>
+              <a:rPr lang="de-DE" sz="1400" dirty="0">
+                <a:solidFill>
+                  <a:schemeClr val="tx1"/>
+                </a:solidFill>
+              </a:rPr>
+              <a:t>Systems erstellen</a:t>
+            </a:r>
+          </a:p>
+          <a:p>
+            <a:pPr marL="285750" indent="-285750">
+              <a:buFont typeface="Arial" panose="020B0604020202020204" pitchFamily="34" charset="0"/>
+              <a:buChar char="•"/>
+            </a:pPr>
+            <a:r>
+              <a:rPr lang="de-DE" sz="1400" dirty="0">
+                <a:solidFill>
+                  <a:schemeClr val="tx1"/>
+                </a:solidFill>
+              </a:rPr>
+              <a:t>Aktivitätsplan und Verteilung </a:t>
+            </a:r>
+          </a:p>
+          <a:p>
+            <a:pPr marL="285750" indent="-285750">
+              <a:buFont typeface="Arial" panose="020B0604020202020204" pitchFamily="34" charset="0"/>
+              <a:buChar char="•"/>
+            </a:pPr>
+            <a:r>
+              <a:rPr lang="de-DE" sz="1400" dirty="0">
+                <a:solidFill>
+                  <a:schemeClr val="tx1"/>
+                </a:solidFill>
+              </a:rPr>
+              <a:t>Kommunikation mit Braumeister</a:t>
+            </a:r>
+          </a:p>
+          <a:p>
+            <a:pPr marL="285750" indent="-285750">
+              <a:buFont typeface="Arial" panose="020B0604020202020204" pitchFamily="34" charset="0"/>
+              <a:buChar char="•"/>
+            </a:pPr>
+            <a:r>
+              <a:rPr lang="de-DE" sz="1400" dirty="0">
+                <a:solidFill>
+                  <a:schemeClr val="tx1"/>
+                </a:solidFill>
+              </a:rPr>
+              <a:t>Kommunikation mit anderen Gruppen</a:t>
+            </a:r>
+          </a:p>
+          <a:p>
+            <a:pPr marL="285750" indent="-285750">
+              <a:buFont typeface="Arial" panose="020B0604020202020204" pitchFamily="34" charset="0"/>
+              <a:buChar char="•"/>
+            </a:pPr>
+            <a:r>
+              <a:rPr lang="de-DE" sz="1400" dirty="0">
+                <a:solidFill>
+                  <a:schemeClr val="tx1"/>
+                </a:solidFill>
+              </a:rPr>
+              <a:t>Überprüfung der Ziele und mögliche Anpassung des Projektplans</a:t>
+            </a:r>
+          </a:p>
+        </p:txBody>
+      </p:sp>
+      <p:sp>
+        <p:nvSpPr>
+          <p:cNvPr id="30" name="Rechteck 29">
+            <a:extLst>
+              <a:ext uri="{FF2B5EF4-FFF2-40B4-BE49-F238E27FC236}">
+                <a16:creationId xmlns:a16="http://schemas.microsoft.com/office/drawing/2014/main" id="{C80BE056-2216-419E-A5EA-0CCEEE7AC3B1}"/>
+              </a:ext>
+            </a:extLst>
+          </p:cNvPr>
+          <p:cNvSpPr/>
+          <p:nvPr/>
+        </p:nvSpPr>
+        <p:spPr>
+          <a:xfrm>
+            <a:off x="6686590" y="2464410"/>
+            <a:ext cx="3091126" cy="4197677"/>
+          </a:xfrm>
+          <a:prstGeom prst="rect">
+            <a:avLst/>
+          </a:prstGeom>
+          <a:noFill/>
+          <a:ln>
+            <a:noFill/>
+          </a:ln>
+        </p:spPr>
+        <p:style>
+          <a:lnRef idx="2">
+            <a:schemeClr val="accent1">
+              <a:shade val="50000"/>
+            </a:schemeClr>
+          </a:lnRef>
+          <a:fillRef idx="1">
+            <a:schemeClr val="accent1"/>
+          </a:fillRef>
+          <a:effectRef idx="0">
+            <a:schemeClr val="accent1"/>
+          </a:effectRef>
+          <a:fontRef idx="minor">
+            <a:schemeClr val="lt1"/>
+          </a:fontRef>
+        </p:style>
+        <p:txBody>
+          <a:bodyPr rtlCol="0" anchor="t"/>
+          <a:lstStyle/>
+          <a:p>
+            <a:pPr marL="285750" indent="-285750">
+              <a:buFont typeface="Arial" panose="020B0604020202020204" pitchFamily="34" charset="0"/>
+              <a:buChar char="•"/>
+            </a:pPr>
+            <a:r>
+              <a:rPr lang="de-DE" sz="1400" dirty="0">
+                <a:solidFill>
+                  <a:schemeClr val="tx1"/>
+                </a:solidFill>
+              </a:rPr>
+              <a:t>Stresstest/Integrationstest</a:t>
+            </a:r>
+          </a:p>
+          <a:p>
+            <a:pPr marL="285750" indent="-285750">
+              <a:buFont typeface="Arial" panose="020B0604020202020204" pitchFamily="34" charset="0"/>
+              <a:buChar char="•"/>
+            </a:pPr>
+            <a:r>
+              <a:rPr lang="de-DE" sz="1400" dirty="0">
+                <a:solidFill>
+                  <a:schemeClr val="tx1"/>
+                </a:solidFill>
+              </a:rPr>
+              <a:t>Produktionstest/Abnahme</a:t>
+            </a:r>
+          </a:p>
+          <a:p>
+            <a:pPr marL="285750" indent="-285750">
+              <a:buFont typeface="Arial" panose="020B0604020202020204" pitchFamily="34" charset="0"/>
+              <a:buChar char="•"/>
+            </a:pPr>
+            <a:r>
+              <a:rPr lang="de-DE" sz="1400" dirty="0">
+                <a:solidFill>
+                  <a:schemeClr val="tx1"/>
+                </a:solidFill>
+              </a:rPr>
+              <a:t>Test der Teilkomponenten</a:t>
+            </a:r>
+          </a:p>
+        </p:txBody>
+      </p:sp>
+      <p:sp>
+        <p:nvSpPr>
+          <p:cNvPr id="35" name="Rechteck 34">
+            <a:extLst>
+              <a:ext uri="{FF2B5EF4-FFF2-40B4-BE49-F238E27FC236}">
+                <a16:creationId xmlns:a16="http://schemas.microsoft.com/office/drawing/2014/main" id="{B3E8A12B-59CA-41CA-8416-C45E34EE49E2}"/>
+              </a:ext>
+            </a:extLst>
+          </p:cNvPr>
+          <p:cNvSpPr/>
+          <p:nvPr/>
+        </p:nvSpPr>
+        <p:spPr>
+          <a:xfrm>
+            <a:off x="9170498" y="2464408"/>
+            <a:ext cx="3091126" cy="4197677"/>
+          </a:xfrm>
+          <a:prstGeom prst="rect">
+            <a:avLst/>
+          </a:prstGeom>
+          <a:noFill/>
+          <a:ln>
+            <a:noFill/>
+          </a:ln>
+        </p:spPr>
+        <p:style>
+          <a:lnRef idx="2">
+            <a:schemeClr val="accent1">
+              <a:shade val="50000"/>
+            </a:schemeClr>
+          </a:lnRef>
+          <a:fillRef idx="1">
+            <a:schemeClr val="accent1"/>
+          </a:fillRef>
+          <a:effectRef idx="0">
+            <a:schemeClr val="accent1"/>
+          </a:effectRef>
+          <a:fontRef idx="minor">
+            <a:schemeClr val="lt1"/>
+          </a:fontRef>
+        </p:style>
+        <p:txBody>
+          <a:bodyPr rtlCol="0" anchor="t"/>
+          <a:lstStyle/>
+          <a:p>
+            <a:pPr marL="285750" indent="-285750">
+              <a:buFont typeface="Arial" panose="020B0604020202020204" pitchFamily="34" charset="0"/>
+              <a:buChar char="•"/>
+            </a:pPr>
+            <a:r>
+              <a:rPr lang="de-DE" sz="1400" dirty="0">
+                <a:solidFill>
+                  <a:schemeClr val="tx1"/>
+                </a:solidFill>
+              </a:rPr>
+              <a:t>Mitarbeiter Schulung </a:t>
+            </a:r>
+          </a:p>
+          <a:p>
+            <a:pPr marL="285750" indent="-285750">
+              <a:buFont typeface="Arial" panose="020B0604020202020204" pitchFamily="34" charset="0"/>
+              <a:buChar char="•"/>
+            </a:pPr>
+            <a:r>
+              <a:rPr lang="de-DE" sz="1400" dirty="0">
+                <a:solidFill>
+                  <a:schemeClr val="tx1"/>
+                </a:solidFill>
+              </a:rPr>
+              <a:t>Kommunikation mit Kunde</a:t>
+            </a:r>
+          </a:p>
+        </p:txBody>
+      </p:sp>
+      <p:sp>
+        <p:nvSpPr>
+          <p:cNvPr id="3" name="Fußzeilenplatzhalter 2">
+            <a:extLst>
+              <a:ext uri="{FF2B5EF4-FFF2-40B4-BE49-F238E27FC236}">
+                <a16:creationId xmlns:a16="http://schemas.microsoft.com/office/drawing/2014/main" id="{8CC179E7-4409-4C99-93B9-4BFA40F46995}"/>
+              </a:ext>
+            </a:extLst>
+          </p:cNvPr>
+          <p:cNvSpPr>
+            <a:spLocks noGrp="1"/>
+          </p:cNvSpPr>
+          <p:nvPr>
+            <p:ph type="ftr" sz="quarter" idx="11"/>
+          </p:nvPr>
+        </p:nvSpPr>
+        <p:spPr/>
+        <p:txBody>
+          <a:bodyPr/>
+          <a:lstStyle/>
+          <a:p>
+            <a:r>
+              <a:rPr lang="de-DE" dirty="0">
+                <a:latin typeface="Aharoni" panose="02010803020104030203" pitchFamily="2" charset="-79"/>
+                <a:cs typeface="Aharoni" panose="02010803020104030203" pitchFamily="2" charset="-79"/>
+              </a:rPr>
+              <a:t>Alb-</a:t>
+            </a:r>
+            <a:r>
+              <a:rPr lang="de-DE" dirty="0" err="1">
+                <a:latin typeface="Aharoni" panose="02010803020104030203" pitchFamily="2" charset="-79"/>
+                <a:cs typeface="Aharoni" panose="02010803020104030203" pitchFamily="2" charset="-79"/>
+              </a:rPr>
+              <a:t>Brau</a:t>
+            </a:r>
+            <a:r>
+              <a:rPr lang="de-DE" dirty="0">
+                <a:latin typeface="Aharoni" panose="02010803020104030203" pitchFamily="2" charset="-79"/>
+                <a:cs typeface="Aharoni" panose="02010803020104030203" pitchFamily="2" charset="-79"/>
+              </a:rPr>
+              <a:t> Consulting AG</a:t>
+            </a:r>
+            <a:endParaRPr lang="de-DE" dirty="0"/>
+          </a:p>
+        </p:txBody>
+      </p:sp>
+      <p:sp>
+        <p:nvSpPr>
+          <p:cNvPr id="4" name="Foliennummernplatzhalter 3">
+            <a:extLst>
+              <a:ext uri="{FF2B5EF4-FFF2-40B4-BE49-F238E27FC236}">
+                <a16:creationId xmlns:a16="http://schemas.microsoft.com/office/drawing/2014/main" id="{EE861B97-CE42-4A82-B31C-C2CA0973844B}"/>
+              </a:ext>
+            </a:extLst>
+          </p:cNvPr>
+          <p:cNvSpPr>
+            <a:spLocks noGrp="1"/>
+          </p:cNvSpPr>
+          <p:nvPr>
+            <p:ph type="sldNum" sz="quarter" idx="12"/>
+          </p:nvPr>
+        </p:nvSpPr>
+        <p:spPr/>
+        <p:txBody>
+          <a:bodyPr/>
+          <a:lstStyle/>
+          <a:p>
+            <a:fld id="{E2B3C6FC-26FA-4D7E-AC88-A939C9C27DF5}" type="slidenum">
+              <a:rPr lang="de-DE" smtClean="0"/>
+              <a:t>11</a:t>
+            </a:fld>
+            <a:endParaRPr lang="de-DE"/>
+          </a:p>
+        </p:txBody>
+      </p:sp>
+    </p:spTree>
+    <p:extLst>
+      <p:ext uri="{BB962C8B-B14F-4D97-AF65-F5344CB8AC3E}">
+        <p14:creationId xmlns:p14="http://schemas.microsoft.com/office/powerpoint/2010/main" val="128592377"/>
+      </p:ext>
+    </p:extLst>
+  </p:cSld>
+  <p:clrMapOvr>
+    <a:masterClrMapping/>
+  </p:clrMapOvr>
+  <mc:AlternateContent xmlns:mc="http://schemas.openxmlformats.org/markup-compatibility/2006" xmlns:p14="http://schemas.microsoft.com/office/powerpoint/2010/main">
+    <mc:Choice Requires="p14">
+      <p:transition spd="med" p14:dur="700">
+        <p:fade/>
+      </p:transition>
+    </mc:Choice>
+    <mc:Fallback xmlns="">
+      <p:transition spd="med">
+        <p:fade/>
+      </p:transition>
+    </mc:Fallback>
+  </mc:AlternateContent>
+</p:sld>
+</file>
+
+<file path=ppt/slides/slide12.xml><?xml version="1.0" encoding="utf-8"?>
 <p:sld xmlns:a="http://schemas.openxmlformats.org/drawingml/2006/main" xmlns:r="http://schemas.openxmlformats.org/officeDocument/2006/relationships" xmlns:p="http://schemas.openxmlformats.org/presentationml/2006/main">
   <p:cSld>
     <p:spTree>
@@ -5892,7 +6956,7 @@
           <a:p>
             <a:fld id="{E2B3C6FC-26FA-4D7E-AC88-A939C9C27DF5}" type="slidenum">
               <a:rPr lang="de-DE" smtClean="0"/>
-              <a:t>10</a:t>
+              <a:t>12</a:t>
             </a:fld>
             <a:endParaRPr lang="de-DE"/>
           </a:p>
@@ -5923,7 +6987,7 @@
 </p:sld>
 </file>
 
-<file path=ppt/slides/slide11.xml><?xml version="1.0" encoding="utf-8"?>
+<file path=ppt/slides/slide13.xml><?xml version="1.0" encoding="utf-8"?>
 <p:sld xmlns:a="http://schemas.openxmlformats.org/drawingml/2006/main" xmlns:r="http://schemas.openxmlformats.org/officeDocument/2006/relationships" xmlns:p="http://schemas.openxmlformats.org/presentationml/2006/main">
   <p:cSld>
     <p:spTree>
@@ -5991,7 +7055,7 @@
           <a:p>
             <a:fld id="{E2B3C6FC-26FA-4D7E-AC88-A939C9C27DF5}" type="slidenum">
               <a:rPr lang="de-DE" smtClean="0"/>
-              <a:t>11</a:t>
+              <a:t>13</a:t>
             </a:fld>
             <a:endParaRPr lang="de-DE"/>
           </a:p>
@@ -6116,7 +7180,7 @@
 </p:sld>
 </file>
 
-<file path=ppt/slides/slide12.xml><?xml version="1.0" encoding="utf-8"?>
+<file path=ppt/slides/slide14.xml><?xml version="1.0" encoding="utf-8"?>
 <p:sld xmlns:a="http://schemas.openxmlformats.org/drawingml/2006/main" xmlns:r="http://schemas.openxmlformats.org/officeDocument/2006/relationships" xmlns:p="http://schemas.openxmlformats.org/presentationml/2006/main">
   <p:cSld>
     <p:spTree>
@@ -6184,7 +7248,7 @@
           <a:p>
             <a:fld id="{E2B3C6FC-26FA-4D7E-AC88-A939C9C27DF5}" type="slidenum">
               <a:rPr lang="de-DE" smtClean="0"/>
-              <a:t>12</a:t>
+              <a:t>14</a:t>
             </a:fld>
             <a:endParaRPr lang="de-DE"/>
           </a:p>
@@ -6335,484 +7399,6 @@
     <p:extLst>
       <p:ext uri="{BB962C8B-B14F-4D97-AF65-F5344CB8AC3E}">
         <p14:creationId xmlns:p14="http://schemas.microsoft.com/office/powerpoint/2010/main" val="1567901086"/>
-      </p:ext>
-    </p:extLst>
-  </p:cSld>
-  <p:clrMapOvr>
-    <a:masterClrMapping/>
-  </p:clrMapOvr>
-  <mc:AlternateContent xmlns:mc="http://schemas.openxmlformats.org/markup-compatibility/2006" xmlns:p14="http://schemas.microsoft.com/office/powerpoint/2010/main">
-    <mc:Choice Requires="p14">
-      <p:transition spd="med" p14:dur="700">
-        <p:fade/>
-      </p:transition>
-    </mc:Choice>
-    <mc:Fallback xmlns="">
-      <p:transition spd="med">
-        <p:fade/>
-      </p:transition>
-    </mc:Fallback>
-  </mc:AlternateContent>
-</p:sld>
-</file>
-
-<file path=ppt/slides/slide13.xml><?xml version="1.0" encoding="utf-8"?>
-<p:sld xmlns:a="http://schemas.openxmlformats.org/drawingml/2006/main" xmlns:r="http://schemas.openxmlformats.org/officeDocument/2006/relationships" xmlns:p="http://schemas.openxmlformats.org/presentationml/2006/main">
-  <p:cSld>
-    <p:spTree>
-      <p:nvGrpSpPr>
-        <p:cNvPr id="1" name=""/>
-        <p:cNvGrpSpPr/>
-        <p:nvPr/>
-      </p:nvGrpSpPr>
-      <p:grpSpPr>
-        <a:xfrm>
-          <a:off x="0" y="0"/>
-          <a:ext cx="0" cy="0"/>
-          <a:chOff x="0" y="0"/>
-          <a:chExt cx="0" cy="0"/>
-        </a:xfrm>
-      </p:grpSpPr>
-      <p:sp>
-        <p:nvSpPr>
-          <p:cNvPr id="2" name="Fußzeilenplatzhalter 1">
-            <a:extLst>
-              <a:ext uri="{FF2B5EF4-FFF2-40B4-BE49-F238E27FC236}">
-                <a16:creationId xmlns:a16="http://schemas.microsoft.com/office/drawing/2014/main" id="{C186EC6D-54CF-4B77-B897-4413FD060446}"/>
-              </a:ext>
-            </a:extLst>
-          </p:cNvPr>
-          <p:cNvSpPr>
-            <a:spLocks noGrp="1"/>
-          </p:cNvSpPr>
-          <p:nvPr>
-            <p:ph type="ftr" sz="quarter" idx="11"/>
-          </p:nvPr>
-        </p:nvSpPr>
-        <p:spPr/>
-        <p:txBody>
-          <a:bodyPr/>
-          <a:lstStyle/>
-          <a:p>
-            <a:r>
-              <a:rPr lang="de-DE"/>
-              <a:t>Alb-Brau Consulting AG </a:t>
-            </a:r>
-          </a:p>
-        </p:txBody>
-      </p:sp>
-      <p:sp>
-        <p:nvSpPr>
-          <p:cNvPr id="3" name="Foliennummernplatzhalter 2">
-            <a:extLst>
-              <a:ext uri="{FF2B5EF4-FFF2-40B4-BE49-F238E27FC236}">
-                <a16:creationId xmlns:a16="http://schemas.microsoft.com/office/drawing/2014/main" id="{FC584970-4841-4865-8BC2-83656666AA3D}"/>
-              </a:ext>
-            </a:extLst>
-          </p:cNvPr>
-          <p:cNvSpPr>
-            <a:spLocks noGrp="1"/>
-          </p:cNvSpPr>
-          <p:nvPr>
-            <p:ph type="sldNum" sz="quarter" idx="12"/>
-          </p:nvPr>
-        </p:nvSpPr>
-        <p:spPr/>
-        <p:txBody>
-          <a:bodyPr/>
-          <a:lstStyle/>
-          <a:p>
-            <a:fld id="{E2B3C6FC-26FA-4D7E-AC88-A939C9C27DF5}" type="slidenum">
-              <a:rPr lang="de-DE" smtClean="0"/>
-              <a:t>13</a:t>
-            </a:fld>
-            <a:endParaRPr lang="de-DE"/>
-          </a:p>
-        </p:txBody>
-      </p:sp>
-      <p:sp>
-        <p:nvSpPr>
-          <p:cNvPr id="4" name="Rechteck 3">
-            <a:extLst>
-              <a:ext uri="{FF2B5EF4-FFF2-40B4-BE49-F238E27FC236}">
-                <a16:creationId xmlns:a16="http://schemas.microsoft.com/office/drawing/2014/main" id="{BF161FD7-1F86-4894-9A4E-B3797FC91DD8}"/>
-              </a:ext>
-            </a:extLst>
-          </p:cNvPr>
-          <p:cNvSpPr/>
-          <p:nvPr/>
-        </p:nvSpPr>
-        <p:spPr>
-          <a:xfrm>
-            <a:off x="621936" y="1596352"/>
-            <a:ext cx="11210120" cy="3139321"/>
-          </a:xfrm>
-          <a:prstGeom prst="rect">
-            <a:avLst/>
-          </a:prstGeom>
-        </p:spPr>
-        <p:txBody>
-          <a:bodyPr wrap="none">
-            <a:spAutoFit/>
-          </a:bodyPr>
-          <a:lstStyle/>
-          <a:p>
-            <a:r>
-              <a:rPr lang="de-DE" sz="2200" b="1" dirty="0"/>
-              <a:t>Unsere Leistungen</a:t>
-            </a:r>
-          </a:p>
-          <a:p>
-            <a:pPr marL="342900" indent="-342900">
-              <a:buFont typeface="Arial" panose="020B0604020202020204" pitchFamily="34" charset="0"/>
-              <a:buChar char="•"/>
-            </a:pPr>
-            <a:r>
-              <a:rPr lang="de-DE" sz="2200" dirty="0"/>
-              <a:t>Integration des ERP-Systems in Ihre Geschäftsprozesse</a:t>
-            </a:r>
-          </a:p>
-          <a:p>
-            <a:pPr marL="342900" indent="-342900">
-              <a:buFont typeface="Arial" panose="020B0604020202020204" pitchFamily="34" charset="0"/>
-              <a:buChar char="•"/>
-            </a:pPr>
-            <a:r>
-              <a:rPr lang="de-DE" sz="2200" dirty="0"/>
-              <a:t>Auswahl des Lizenzmodells für SAP</a:t>
-            </a:r>
-          </a:p>
-          <a:p>
-            <a:pPr marL="342900" indent="-342900">
-              <a:buFont typeface="Arial" panose="020B0604020202020204" pitchFamily="34" charset="0"/>
-              <a:buChar char="•"/>
-            </a:pPr>
-            <a:r>
-              <a:rPr lang="de-DE" sz="2200" dirty="0"/>
-              <a:t>Hardware zur Automatisierung einiger Schritte</a:t>
-            </a:r>
-          </a:p>
-          <a:p>
-            <a:pPr marL="342900" indent="-342900">
-              <a:buFont typeface="Arial" panose="020B0604020202020204" pitchFamily="34" charset="0"/>
-              <a:buChar char="•"/>
-            </a:pPr>
-            <a:r>
-              <a:rPr lang="de-DE" sz="2200" dirty="0"/>
-              <a:t>Mobile Anzeigegeräte für Produktions-Mitarbeiter</a:t>
-            </a:r>
-          </a:p>
-          <a:p>
-            <a:pPr marL="342900" indent="-342900">
-              <a:buFont typeface="Arial" panose="020B0604020202020204" pitchFamily="34" charset="0"/>
-              <a:buChar char="•"/>
-            </a:pPr>
-            <a:r>
-              <a:rPr lang="de-DE" sz="2200" dirty="0"/>
-              <a:t>APP Interface mit nächsten Aufgabenschritten und Rückmeldefunktion für erledigte Aufgaben</a:t>
-            </a:r>
-          </a:p>
-          <a:p>
-            <a:pPr marL="342900" indent="-342900">
-              <a:buFont typeface="Arial" panose="020B0604020202020204" pitchFamily="34" charset="0"/>
-              <a:buChar char="•"/>
-            </a:pPr>
-            <a:r>
-              <a:rPr lang="de-DE" sz="2200" dirty="0"/>
-              <a:t>Dashboard zur Überwachung verschiedener Sensorwerten</a:t>
-            </a:r>
-          </a:p>
-          <a:p>
-            <a:pPr marL="342900" indent="-342900">
-              <a:buFont typeface="Arial" panose="020B0604020202020204" pitchFamily="34" charset="0"/>
-              <a:buChar char="•"/>
-            </a:pPr>
-            <a:endParaRPr lang="de-DE" sz="2200" dirty="0"/>
-          </a:p>
-          <a:p>
-            <a:r>
-              <a:rPr lang="de-DE" sz="2200" dirty="0"/>
-              <a:t> </a:t>
-            </a:r>
-            <a:r>
-              <a:rPr lang="de-DE" sz="2200" b="1" dirty="0"/>
-              <a:t>∑  120 996€</a:t>
-            </a:r>
-          </a:p>
-        </p:txBody>
-      </p:sp>
-      <p:sp>
-        <p:nvSpPr>
-          <p:cNvPr id="5" name="Titel 1">
-            <a:extLst>
-              <a:ext uri="{FF2B5EF4-FFF2-40B4-BE49-F238E27FC236}">
-                <a16:creationId xmlns:a16="http://schemas.microsoft.com/office/drawing/2014/main" id="{414B73E0-5FEE-4A38-B270-91E4C144F338}"/>
-              </a:ext>
-            </a:extLst>
-          </p:cNvPr>
-          <p:cNvSpPr txBox="1">
-            <a:spLocks/>
-          </p:cNvSpPr>
-          <p:nvPr/>
-        </p:nvSpPr>
-        <p:spPr>
-          <a:xfrm>
-            <a:off x="1097280" y="0"/>
-            <a:ext cx="10058400" cy="1450757"/>
-          </a:xfrm>
-          <a:prstGeom prst="rect">
-            <a:avLst/>
-          </a:prstGeom>
-        </p:spPr>
-        <p:txBody>
-          <a:bodyPr/>
-          <a:lstStyle>
-            <a:lvl1pPr algn="l" defTabSz="914400" rtl="0" eaLnBrk="1" latinLnBrk="0" hangingPunct="1">
-              <a:lnSpc>
-                <a:spcPct val="85000"/>
-              </a:lnSpc>
-              <a:spcBef>
-                <a:spcPct val="0"/>
-              </a:spcBef>
-              <a:buNone/>
-              <a:defRPr sz="4800" kern="1200" spc="-50" baseline="0">
-                <a:solidFill>
-                  <a:schemeClr val="tx1">
-                    <a:lumMod val="75000"/>
-                    <a:lumOff val="25000"/>
-                  </a:schemeClr>
-                </a:solidFill>
-                <a:latin typeface="+mj-lt"/>
-                <a:ea typeface="+mj-ea"/>
-                <a:cs typeface="+mj-cs"/>
-              </a:defRPr>
-            </a:lvl1pPr>
-          </a:lstStyle>
-          <a:p>
-            <a:endParaRPr lang="de-DE" dirty="0"/>
-          </a:p>
-          <a:p>
-            <a:r>
-              <a:rPr lang="de-DE" dirty="0"/>
-              <a:t>Kostenplan</a:t>
-            </a:r>
-          </a:p>
-        </p:txBody>
-      </p:sp>
-    </p:spTree>
-    <p:extLst>
-      <p:ext uri="{BB962C8B-B14F-4D97-AF65-F5344CB8AC3E}">
-        <p14:creationId xmlns:p14="http://schemas.microsoft.com/office/powerpoint/2010/main" val="1297328382"/>
-      </p:ext>
-    </p:extLst>
-  </p:cSld>
-  <p:clrMapOvr>
-    <a:masterClrMapping/>
-  </p:clrMapOvr>
-  <mc:AlternateContent xmlns:mc="http://schemas.openxmlformats.org/markup-compatibility/2006" xmlns:p14="http://schemas.microsoft.com/office/powerpoint/2010/main">
-    <mc:Choice Requires="p14">
-      <p:transition spd="med" p14:dur="700">
-        <p:fade/>
-      </p:transition>
-    </mc:Choice>
-    <mc:Fallback xmlns="">
-      <p:transition spd="med">
-        <p:fade/>
-      </p:transition>
-    </mc:Fallback>
-  </mc:AlternateContent>
-</p:sld>
-</file>
-
-<file path=ppt/slides/slide14.xml><?xml version="1.0" encoding="utf-8"?>
-<p:sld xmlns:a="http://schemas.openxmlformats.org/drawingml/2006/main" xmlns:r="http://schemas.openxmlformats.org/officeDocument/2006/relationships" xmlns:p="http://schemas.openxmlformats.org/presentationml/2006/main">
-  <p:cSld>
-    <p:spTree>
-      <p:nvGrpSpPr>
-        <p:cNvPr id="1" name=""/>
-        <p:cNvGrpSpPr/>
-        <p:nvPr/>
-      </p:nvGrpSpPr>
-      <p:grpSpPr>
-        <a:xfrm>
-          <a:off x="0" y="0"/>
-          <a:ext cx="0" cy="0"/>
-          <a:chOff x="0" y="0"/>
-          <a:chExt cx="0" cy="0"/>
-        </a:xfrm>
-      </p:grpSpPr>
-      <p:sp>
-        <p:nvSpPr>
-          <p:cNvPr id="2" name="Titel 1">
-            <a:extLst>
-              <a:ext uri="{FF2B5EF4-FFF2-40B4-BE49-F238E27FC236}">
-                <a16:creationId xmlns:a16="http://schemas.microsoft.com/office/drawing/2014/main" id="{2721C069-BABD-4827-BD58-66B56371F492}"/>
-              </a:ext>
-            </a:extLst>
-          </p:cNvPr>
-          <p:cNvSpPr>
-            <a:spLocks noGrp="1"/>
-          </p:cNvSpPr>
-          <p:nvPr>
-            <p:ph type="title"/>
-          </p:nvPr>
-        </p:nvSpPr>
-        <p:spPr/>
-        <p:txBody>
-          <a:bodyPr/>
-          <a:lstStyle/>
-          <a:p>
-            <a:r>
-              <a:rPr lang="de-DE" dirty="0"/>
-              <a:t>Kosteneinsparungen/Gewinnsteigerung</a:t>
-            </a:r>
-          </a:p>
-        </p:txBody>
-      </p:sp>
-      <p:sp>
-        <p:nvSpPr>
-          <p:cNvPr id="3" name="Inhaltsplatzhalter 2">
-            <a:extLst>
-              <a:ext uri="{FF2B5EF4-FFF2-40B4-BE49-F238E27FC236}">
-                <a16:creationId xmlns:a16="http://schemas.microsoft.com/office/drawing/2014/main" id="{39500A13-64F0-48E2-920D-0DE07D2B3862}"/>
-              </a:ext>
-            </a:extLst>
-          </p:cNvPr>
-          <p:cNvSpPr>
-            <a:spLocks noGrp="1"/>
-          </p:cNvSpPr>
-          <p:nvPr>
-            <p:ph idx="1"/>
-          </p:nvPr>
-        </p:nvSpPr>
-        <p:spPr/>
-        <p:txBody>
-          <a:bodyPr>
-            <a:normAutofit/>
-          </a:bodyPr>
-          <a:lstStyle/>
-          <a:p>
-            <a:r>
-              <a:rPr lang="de-DE" sz="2200" dirty="0"/>
-              <a:t>Senkung des Fehlproduktionsrisikos um 90% , daraus resultiert eine Gewinnsteigerung von 10%</a:t>
-            </a:r>
-            <a:br>
-              <a:rPr lang="de-DE" sz="2200" dirty="0"/>
-            </a:br>
-            <a:br>
-              <a:rPr lang="de-DE" sz="2200" dirty="0"/>
-            </a:br>
-            <a:r>
-              <a:rPr lang="de-DE" sz="2200" dirty="0"/>
-              <a:t>Aufgrund der erhöhten Qualität und ist ein Wachstum Ihres Marktanteils anzunehmen</a:t>
-            </a:r>
-          </a:p>
-          <a:p>
-            <a:r>
-              <a:rPr lang="de-DE" sz="2200" dirty="0"/>
-              <a:t>Das digitale Grundgerüst eines ERP-Systems ermöglicht Ihnen weitere Investitionen in gewinnsteigende Maßnahmen wie Prozessoptimierung, </a:t>
-            </a:r>
-            <a:r>
-              <a:rPr lang="de-DE" sz="2200" dirty="0" err="1"/>
-              <a:t>Conditioning</a:t>
-            </a:r>
-            <a:r>
-              <a:rPr lang="de-DE" sz="2200" dirty="0"/>
-              <a:t> Monitoring, </a:t>
-            </a:r>
-            <a:r>
-              <a:rPr lang="de-DE" sz="2200" dirty="0" err="1"/>
-              <a:t>Predictive</a:t>
-            </a:r>
-            <a:r>
-              <a:rPr lang="de-DE" sz="2200" dirty="0"/>
-              <a:t> Maintenance oder weitere Automatisierungsschritte</a:t>
-            </a:r>
-          </a:p>
-          <a:p>
-            <a:endParaRPr lang="de-DE" sz="2200" dirty="0"/>
-          </a:p>
-        </p:txBody>
-      </p:sp>
-      <p:sp>
-        <p:nvSpPr>
-          <p:cNvPr id="4" name="Fußzeilenplatzhalter 3">
-            <a:extLst>
-              <a:ext uri="{FF2B5EF4-FFF2-40B4-BE49-F238E27FC236}">
-                <a16:creationId xmlns:a16="http://schemas.microsoft.com/office/drawing/2014/main" id="{DFE915D1-B91B-49F4-89B4-954F7FC3B5CC}"/>
-              </a:ext>
-            </a:extLst>
-          </p:cNvPr>
-          <p:cNvSpPr>
-            <a:spLocks noGrp="1"/>
-          </p:cNvSpPr>
-          <p:nvPr>
-            <p:ph type="ftr" sz="quarter" idx="11"/>
-          </p:nvPr>
-        </p:nvSpPr>
-        <p:spPr/>
-        <p:txBody>
-          <a:bodyPr/>
-          <a:lstStyle/>
-          <a:p>
-            <a:r>
-              <a:rPr lang="de-DE" dirty="0">
-                <a:latin typeface="Aharoni" panose="02010803020104030203" pitchFamily="2" charset="-79"/>
-                <a:cs typeface="Aharoni" panose="02010803020104030203" pitchFamily="2" charset="-79"/>
-              </a:rPr>
-              <a:t>Alb-</a:t>
-            </a:r>
-            <a:r>
-              <a:rPr lang="de-DE" dirty="0" err="1">
-                <a:latin typeface="Aharoni" panose="02010803020104030203" pitchFamily="2" charset="-79"/>
-                <a:cs typeface="Aharoni" panose="02010803020104030203" pitchFamily="2" charset="-79"/>
-              </a:rPr>
-              <a:t>Brau</a:t>
-            </a:r>
-            <a:r>
-              <a:rPr lang="de-DE" dirty="0">
-                <a:latin typeface="Aharoni" panose="02010803020104030203" pitchFamily="2" charset="-79"/>
-                <a:cs typeface="Aharoni" panose="02010803020104030203" pitchFamily="2" charset="-79"/>
-              </a:rPr>
-              <a:t> Consulting AG</a:t>
-            </a:r>
-            <a:endParaRPr lang="de-DE" dirty="0"/>
-          </a:p>
-        </p:txBody>
-      </p:sp>
-      <p:sp>
-        <p:nvSpPr>
-          <p:cNvPr id="5" name="Foliennummernplatzhalter 4">
-            <a:extLst>
-              <a:ext uri="{FF2B5EF4-FFF2-40B4-BE49-F238E27FC236}">
-                <a16:creationId xmlns:a16="http://schemas.microsoft.com/office/drawing/2014/main" id="{DBFAAE13-17AB-40A8-8D0C-CBAC7FA7B8C1}"/>
-              </a:ext>
-            </a:extLst>
-          </p:cNvPr>
-          <p:cNvSpPr>
-            <a:spLocks noGrp="1"/>
-          </p:cNvSpPr>
-          <p:nvPr>
-            <p:ph type="sldNum" sz="quarter" idx="12"/>
-          </p:nvPr>
-        </p:nvSpPr>
-        <p:spPr/>
-        <p:txBody>
-          <a:bodyPr/>
-          <a:lstStyle/>
-          <a:p>
-            <a:fld id="{E2B3C6FC-26FA-4D7E-AC88-A939C9C27DF5}" type="slidenum">
-              <a:rPr lang="de-DE" smtClean="0"/>
-              <a:t>14</a:t>
-            </a:fld>
-            <a:endParaRPr lang="de-DE"/>
-          </a:p>
-        </p:txBody>
-      </p:sp>
-    </p:spTree>
-    <p:extLst>
-      <p:ext uri="{BB962C8B-B14F-4D97-AF65-F5344CB8AC3E}">
-        <p14:creationId xmlns:p14="http://schemas.microsoft.com/office/powerpoint/2010/main" val="1886582988"/>
       </p:ext>
     </p:extLst>
   </p:cSld>
@@ -6853,6 +7439,502 @@
       </p:grpSpPr>
       <p:sp>
         <p:nvSpPr>
+          <p:cNvPr id="2" name="Fußzeilenplatzhalter 1">
+            <a:extLst>
+              <a:ext uri="{FF2B5EF4-FFF2-40B4-BE49-F238E27FC236}">
+                <a16:creationId xmlns:a16="http://schemas.microsoft.com/office/drawing/2014/main" id="{C186EC6D-54CF-4B77-B897-4413FD060446}"/>
+              </a:ext>
+            </a:extLst>
+          </p:cNvPr>
+          <p:cNvSpPr>
+            <a:spLocks noGrp="1"/>
+          </p:cNvSpPr>
+          <p:nvPr>
+            <p:ph type="ftr" sz="quarter" idx="11"/>
+          </p:nvPr>
+        </p:nvSpPr>
+        <p:spPr/>
+        <p:txBody>
+          <a:bodyPr/>
+          <a:lstStyle/>
+          <a:p>
+            <a:r>
+              <a:rPr lang="de-DE"/>
+              <a:t>Alb-Brau Consulting AG </a:t>
+            </a:r>
+          </a:p>
+        </p:txBody>
+      </p:sp>
+      <p:sp>
+        <p:nvSpPr>
+          <p:cNvPr id="3" name="Foliennummernplatzhalter 2">
+            <a:extLst>
+              <a:ext uri="{FF2B5EF4-FFF2-40B4-BE49-F238E27FC236}">
+                <a16:creationId xmlns:a16="http://schemas.microsoft.com/office/drawing/2014/main" id="{FC584970-4841-4865-8BC2-83656666AA3D}"/>
+              </a:ext>
+            </a:extLst>
+          </p:cNvPr>
+          <p:cNvSpPr>
+            <a:spLocks noGrp="1"/>
+          </p:cNvSpPr>
+          <p:nvPr>
+            <p:ph type="sldNum" sz="quarter" idx="12"/>
+          </p:nvPr>
+        </p:nvSpPr>
+        <p:spPr/>
+        <p:txBody>
+          <a:bodyPr/>
+          <a:lstStyle/>
+          <a:p>
+            <a:fld id="{E2B3C6FC-26FA-4D7E-AC88-A939C9C27DF5}" type="slidenum">
+              <a:rPr lang="de-DE" smtClean="0"/>
+              <a:t>15</a:t>
+            </a:fld>
+            <a:endParaRPr lang="de-DE"/>
+          </a:p>
+        </p:txBody>
+      </p:sp>
+      <p:sp>
+        <p:nvSpPr>
+          <p:cNvPr id="4" name="Rechteck 3">
+            <a:extLst>
+              <a:ext uri="{FF2B5EF4-FFF2-40B4-BE49-F238E27FC236}">
+                <a16:creationId xmlns:a16="http://schemas.microsoft.com/office/drawing/2014/main" id="{BF161FD7-1F86-4894-9A4E-B3797FC91DD8}"/>
+              </a:ext>
+            </a:extLst>
+          </p:cNvPr>
+          <p:cNvSpPr/>
+          <p:nvPr/>
+        </p:nvSpPr>
+        <p:spPr>
+          <a:xfrm>
+            <a:off x="621936" y="1596352"/>
+            <a:ext cx="11210120" cy="3477875"/>
+          </a:xfrm>
+          <a:prstGeom prst="rect">
+            <a:avLst/>
+          </a:prstGeom>
+        </p:spPr>
+        <p:txBody>
+          <a:bodyPr wrap="none">
+            <a:spAutoFit/>
+          </a:bodyPr>
+          <a:lstStyle/>
+          <a:p>
+            <a:r>
+              <a:rPr lang="de-DE" sz="2200" b="1" dirty="0"/>
+              <a:t>Unsere Leistungen</a:t>
+            </a:r>
+          </a:p>
+          <a:p>
+            <a:pPr marL="342900" indent="-342900">
+              <a:buFont typeface="Arial" panose="020B0604020202020204" pitchFamily="34" charset="0"/>
+              <a:buChar char="•"/>
+            </a:pPr>
+            <a:r>
+              <a:rPr lang="de-DE" sz="2200" dirty="0"/>
+              <a:t>Integration des ERP-Systems in Ihre Geschäftsprozesse</a:t>
+            </a:r>
+          </a:p>
+          <a:p>
+            <a:pPr marL="342900" indent="-342900">
+              <a:buFont typeface="Arial" panose="020B0604020202020204" pitchFamily="34" charset="0"/>
+              <a:buChar char="•"/>
+            </a:pPr>
+            <a:r>
+              <a:rPr lang="de-DE" sz="2200" dirty="0"/>
+              <a:t>Auswahl des Lizenzmodells für SAP</a:t>
+            </a:r>
+          </a:p>
+          <a:p>
+            <a:pPr marL="342900" indent="-342900">
+              <a:buFont typeface="Arial" panose="020B0604020202020204" pitchFamily="34" charset="0"/>
+              <a:buChar char="•"/>
+            </a:pPr>
+            <a:r>
+              <a:rPr lang="de-DE" sz="2200" dirty="0"/>
+              <a:t>Hardware zur Automatisierung einiger Schritte</a:t>
+            </a:r>
+          </a:p>
+          <a:p>
+            <a:pPr marL="342900" indent="-342900">
+              <a:buFont typeface="Arial" panose="020B0604020202020204" pitchFamily="34" charset="0"/>
+              <a:buChar char="•"/>
+            </a:pPr>
+            <a:r>
+              <a:rPr lang="de-DE" sz="2200" dirty="0"/>
+              <a:t>Mobile Anzeigegeräte für Produktions-Mitarbeiter</a:t>
+            </a:r>
+          </a:p>
+          <a:p>
+            <a:pPr marL="342900" indent="-342900">
+              <a:buFont typeface="Arial" panose="020B0604020202020204" pitchFamily="34" charset="0"/>
+              <a:buChar char="•"/>
+            </a:pPr>
+            <a:r>
+              <a:rPr lang="de-DE" sz="2200" dirty="0"/>
+              <a:t>APP Interface mit nächsten Aufgabenschritten und Rückmeldefunktion für erledigte Aufgaben</a:t>
+            </a:r>
+          </a:p>
+          <a:p>
+            <a:pPr marL="342900" indent="-342900">
+              <a:buFont typeface="Arial" panose="020B0604020202020204" pitchFamily="34" charset="0"/>
+              <a:buChar char="•"/>
+            </a:pPr>
+            <a:r>
+              <a:rPr lang="de-DE" sz="2200" dirty="0"/>
+              <a:t>Dashboard zur Überwachung verschiedener Sensorwerten</a:t>
+            </a:r>
+          </a:p>
+          <a:p>
+            <a:pPr marL="342900" indent="-342900">
+              <a:buFont typeface="Arial" panose="020B0604020202020204" pitchFamily="34" charset="0"/>
+              <a:buChar char="•"/>
+            </a:pPr>
+            <a:r>
+              <a:rPr lang="de-DE" sz="2200" dirty="0"/>
+              <a:t>Schulung für Mitarbeiter</a:t>
+            </a:r>
+          </a:p>
+          <a:p>
+            <a:pPr marL="342900" indent="-342900">
+              <a:buFont typeface="Arial" panose="020B0604020202020204" pitchFamily="34" charset="0"/>
+              <a:buChar char="•"/>
+            </a:pPr>
+            <a:endParaRPr lang="de-DE" sz="2200" dirty="0"/>
+          </a:p>
+          <a:p>
+            <a:r>
+              <a:rPr lang="de-DE" sz="2200" dirty="0"/>
+              <a:t> </a:t>
+            </a:r>
+            <a:r>
+              <a:rPr lang="de-DE" sz="2200" b="1" dirty="0"/>
+              <a:t>∑  120 996€</a:t>
+            </a:r>
+          </a:p>
+        </p:txBody>
+      </p:sp>
+      <p:sp>
+        <p:nvSpPr>
+          <p:cNvPr id="5" name="Titel 1">
+            <a:extLst>
+              <a:ext uri="{FF2B5EF4-FFF2-40B4-BE49-F238E27FC236}">
+                <a16:creationId xmlns:a16="http://schemas.microsoft.com/office/drawing/2014/main" id="{414B73E0-5FEE-4A38-B270-91E4C144F338}"/>
+              </a:ext>
+            </a:extLst>
+          </p:cNvPr>
+          <p:cNvSpPr txBox="1">
+            <a:spLocks/>
+          </p:cNvSpPr>
+          <p:nvPr/>
+        </p:nvSpPr>
+        <p:spPr>
+          <a:xfrm>
+            <a:off x="1097280" y="0"/>
+            <a:ext cx="10058400" cy="1450757"/>
+          </a:xfrm>
+          <a:prstGeom prst="rect">
+            <a:avLst/>
+          </a:prstGeom>
+        </p:spPr>
+        <p:txBody>
+          <a:bodyPr/>
+          <a:lstStyle>
+            <a:lvl1pPr algn="l" defTabSz="914400" rtl="0" eaLnBrk="1" latinLnBrk="0" hangingPunct="1">
+              <a:lnSpc>
+                <a:spcPct val="85000"/>
+              </a:lnSpc>
+              <a:spcBef>
+                <a:spcPct val="0"/>
+              </a:spcBef>
+              <a:buNone/>
+              <a:defRPr sz="4800" kern="1200" spc="-50" baseline="0">
+                <a:solidFill>
+                  <a:schemeClr val="tx1">
+                    <a:lumMod val="75000"/>
+                    <a:lumOff val="25000"/>
+                  </a:schemeClr>
+                </a:solidFill>
+                <a:latin typeface="+mj-lt"/>
+                <a:ea typeface="+mj-ea"/>
+                <a:cs typeface="+mj-cs"/>
+              </a:defRPr>
+            </a:lvl1pPr>
+          </a:lstStyle>
+          <a:p>
+            <a:endParaRPr lang="de-DE" dirty="0"/>
+          </a:p>
+          <a:p>
+            <a:r>
+              <a:rPr lang="de-DE" dirty="0"/>
+              <a:t>Kostenplan</a:t>
+            </a:r>
+          </a:p>
+        </p:txBody>
+      </p:sp>
+    </p:spTree>
+    <p:extLst>
+      <p:ext uri="{BB962C8B-B14F-4D97-AF65-F5344CB8AC3E}">
+        <p14:creationId xmlns:p14="http://schemas.microsoft.com/office/powerpoint/2010/main" val="1297328382"/>
+      </p:ext>
+    </p:extLst>
+  </p:cSld>
+  <p:clrMapOvr>
+    <a:masterClrMapping/>
+  </p:clrMapOvr>
+  <mc:AlternateContent xmlns:mc="http://schemas.openxmlformats.org/markup-compatibility/2006" xmlns:p14="http://schemas.microsoft.com/office/powerpoint/2010/main">
+    <mc:Choice Requires="p14">
+      <p:transition spd="med" p14:dur="700">
+        <p:fade/>
+      </p:transition>
+    </mc:Choice>
+    <mc:Fallback xmlns="">
+      <p:transition spd="med">
+        <p:fade/>
+      </p:transition>
+    </mc:Fallback>
+  </mc:AlternateContent>
+</p:sld>
+</file>
+
+<file path=ppt/slides/slide16.xml><?xml version="1.0" encoding="utf-8"?>
+<p:sld xmlns:a="http://schemas.openxmlformats.org/drawingml/2006/main" xmlns:r="http://schemas.openxmlformats.org/officeDocument/2006/relationships" xmlns:p="http://schemas.openxmlformats.org/presentationml/2006/main">
+  <p:cSld>
+    <p:spTree>
+      <p:nvGrpSpPr>
+        <p:cNvPr id="1" name=""/>
+        <p:cNvGrpSpPr/>
+        <p:nvPr/>
+      </p:nvGrpSpPr>
+      <p:grpSpPr>
+        <a:xfrm>
+          <a:off x="0" y="0"/>
+          <a:ext cx="0" cy="0"/>
+          <a:chOff x="0" y="0"/>
+          <a:chExt cx="0" cy="0"/>
+        </a:xfrm>
+      </p:grpSpPr>
+      <p:sp>
+        <p:nvSpPr>
+          <p:cNvPr id="2" name="Titel 1">
+            <a:extLst>
+              <a:ext uri="{FF2B5EF4-FFF2-40B4-BE49-F238E27FC236}">
+                <a16:creationId xmlns:a16="http://schemas.microsoft.com/office/drawing/2014/main" id="{2721C069-BABD-4827-BD58-66B56371F492}"/>
+              </a:ext>
+            </a:extLst>
+          </p:cNvPr>
+          <p:cNvSpPr>
+            <a:spLocks noGrp="1"/>
+          </p:cNvSpPr>
+          <p:nvPr>
+            <p:ph type="title"/>
+          </p:nvPr>
+        </p:nvSpPr>
+        <p:spPr/>
+        <p:txBody>
+          <a:bodyPr/>
+          <a:lstStyle/>
+          <a:p>
+            <a:r>
+              <a:rPr lang="de-DE" dirty="0"/>
+              <a:t>Kosteneinsparungen/Gewinnsteigerung</a:t>
+            </a:r>
+          </a:p>
+        </p:txBody>
+      </p:sp>
+      <p:sp>
+        <p:nvSpPr>
+          <p:cNvPr id="3" name="Inhaltsplatzhalter 2">
+            <a:extLst>
+              <a:ext uri="{FF2B5EF4-FFF2-40B4-BE49-F238E27FC236}">
+                <a16:creationId xmlns:a16="http://schemas.microsoft.com/office/drawing/2014/main" id="{39500A13-64F0-48E2-920D-0DE07D2B3862}"/>
+              </a:ext>
+            </a:extLst>
+          </p:cNvPr>
+          <p:cNvSpPr>
+            <a:spLocks noGrp="1"/>
+          </p:cNvSpPr>
+          <p:nvPr>
+            <p:ph idx="1"/>
+          </p:nvPr>
+        </p:nvSpPr>
+        <p:spPr/>
+        <p:txBody>
+          <a:bodyPr>
+            <a:normAutofit/>
+          </a:bodyPr>
+          <a:lstStyle/>
+          <a:p>
+            <a:pPr marL="0" indent="0">
+              <a:buClrTx/>
+              <a:buNone/>
+            </a:pPr>
+            <a:r>
+              <a:rPr lang="de-DE" sz="2200" dirty="0"/>
+              <a:t>Senkung des Fehlproduktionsrisikos um 90% , daraus resultiert eine Gewinnsteigerung von 10%</a:t>
+            </a:r>
+          </a:p>
+          <a:p>
+            <a:pPr marL="0" indent="0">
+              <a:buClrTx/>
+              <a:buNone/>
+            </a:pPr>
+            <a:r>
+              <a:rPr lang="de-DE" sz="2200" dirty="0"/>
+              <a:t>Aufgrund der erhöhten Qualität ist ein Wachstum Ihres Marktanteils anzunehmen</a:t>
+            </a:r>
+          </a:p>
+          <a:p>
+            <a:pPr marL="0" indent="0">
+              <a:buClrTx/>
+              <a:buNone/>
+            </a:pPr>
+            <a:r>
+              <a:rPr lang="de-DE" sz="2200" dirty="0"/>
+              <a:t>Das digitale Grundgerüst eines ERP-Systems ermöglicht Ihnen weitere Investitionen in gewinnsteigende Maßnahmen wie Prozessoptimierung, </a:t>
+            </a:r>
+            <a:r>
+              <a:rPr lang="de-DE" sz="2200" dirty="0" err="1"/>
+              <a:t>Conditioning</a:t>
+            </a:r>
+            <a:r>
+              <a:rPr lang="de-DE" sz="2200" dirty="0"/>
+              <a:t> Monitoring, </a:t>
+            </a:r>
+            <a:r>
+              <a:rPr lang="de-DE" sz="2200" dirty="0" err="1"/>
+              <a:t>Predictive</a:t>
+            </a:r>
+            <a:r>
+              <a:rPr lang="de-DE" sz="2200" dirty="0"/>
+              <a:t> Maintenance oder weitere Automatisierungsschritte</a:t>
+            </a:r>
+          </a:p>
+          <a:p>
+            <a:endParaRPr lang="de-DE" sz="2200" dirty="0"/>
+          </a:p>
+        </p:txBody>
+      </p:sp>
+      <p:sp>
+        <p:nvSpPr>
+          <p:cNvPr id="4" name="Fußzeilenplatzhalter 3">
+            <a:extLst>
+              <a:ext uri="{FF2B5EF4-FFF2-40B4-BE49-F238E27FC236}">
+                <a16:creationId xmlns:a16="http://schemas.microsoft.com/office/drawing/2014/main" id="{DFE915D1-B91B-49F4-89B4-954F7FC3B5CC}"/>
+              </a:ext>
+            </a:extLst>
+          </p:cNvPr>
+          <p:cNvSpPr>
+            <a:spLocks noGrp="1"/>
+          </p:cNvSpPr>
+          <p:nvPr>
+            <p:ph type="ftr" sz="quarter" idx="11"/>
+          </p:nvPr>
+        </p:nvSpPr>
+        <p:spPr/>
+        <p:txBody>
+          <a:bodyPr/>
+          <a:lstStyle/>
+          <a:p>
+            <a:r>
+              <a:rPr lang="de-DE" dirty="0">
+                <a:latin typeface="Aharoni" panose="02010803020104030203" pitchFamily="2" charset="-79"/>
+                <a:cs typeface="Aharoni" panose="02010803020104030203" pitchFamily="2" charset="-79"/>
+              </a:rPr>
+              <a:t>Alb-</a:t>
+            </a:r>
+            <a:r>
+              <a:rPr lang="de-DE" dirty="0" err="1">
+                <a:latin typeface="Aharoni" panose="02010803020104030203" pitchFamily="2" charset="-79"/>
+                <a:cs typeface="Aharoni" panose="02010803020104030203" pitchFamily="2" charset="-79"/>
+              </a:rPr>
+              <a:t>Brau</a:t>
+            </a:r>
+            <a:r>
+              <a:rPr lang="de-DE" dirty="0">
+                <a:latin typeface="Aharoni" panose="02010803020104030203" pitchFamily="2" charset="-79"/>
+                <a:cs typeface="Aharoni" panose="02010803020104030203" pitchFamily="2" charset="-79"/>
+              </a:rPr>
+              <a:t> Consulting AG</a:t>
+            </a:r>
+            <a:endParaRPr lang="de-DE" dirty="0"/>
+          </a:p>
+        </p:txBody>
+      </p:sp>
+      <p:sp>
+        <p:nvSpPr>
+          <p:cNvPr id="5" name="Foliennummernplatzhalter 4">
+            <a:extLst>
+              <a:ext uri="{FF2B5EF4-FFF2-40B4-BE49-F238E27FC236}">
+                <a16:creationId xmlns:a16="http://schemas.microsoft.com/office/drawing/2014/main" id="{DBFAAE13-17AB-40A8-8D0C-CBAC7FA7B8C1}"/>
+              </a:ext>
+            </a:extLst>
+          </p:cNvPr>
+          <p:cNvSpPr>
+            <a:spLocks noGrp="1"/>
+          </p:cNvSpPr>
+          <p:nvPr>
+            <p:ph type="sldNum" sz="quarter" idx="12"/>
+          </p:nvPr>
+        </p:nvSpPr>
+        <p:spPr/>
+        <p:txBody>
+          <a:bodyPr/>
+          <a:lstStyle/>
+          <a:p>
+            <a:fld id="{E2B3C6FC-26FA-4D7E-AC88-A939C9C27DF5}" type="slidenum">
+              <a:rPr lang="de-DE" smtClean="0"/>
+              <a:t>16</a:t>
+            </a:fld>
+            <a:endParaRPr lang="de-DE"/>
+          </a:p>
+        </p:txBody>
+      </p:sp>
+    </p:spTree>
+    <p:extLst>
+      <p:ext uri="{BB962C8B-B14F-4D97-AF65-F5344CB8AC3E}">
+        <p14:creationId xmlns:p14="http://schemas.microsoft.com/office/powerpoint/2010/main" val="1886582988"/>
+      </p:ext>
+    </p:extLst>
+  </p:cSld>
+  <p:clrMapOvr>
+    <a:masterClrMapping/>
+  </p:clrMapOvr>
+  <mc:AlternateContent xmlns:mc="http://schemas.openxmlformats.org/markup-compatibility/2006" xmlns:p14="http://schemas.microsoft.com/office/powerpoint/2010/main">
+    <mc:Choice Requires="p14">
+      <p:transition spd="med" p14:dur="700">
+        <p:fade/>
+      </p:transition>
+    </mc:Choice>
+    <mc:Fallback xmlns="">
+      <p:transition spd="med">
+        <p:fade/>
+      </p:transition>
+    </mc:Fallback>
+  </mc:AlternateContent>
+</p:sld>
+</file>
+
+<file path=ppt/slides/slide17.xml><?xml version="1.0" encoding="utf-8"?>
+<p:sld xmlns:a="http://schemas.openxmlformats.org/drawingml/2006/main" xmlns:r="http://schemas.openxmlformats.org/officeDocument/2006/relationships" xmlns:p="http://schemas.openxmlformats.org/presentationml/2006/main">
+  <p:cSld>
+    <p:spTree>
+      <p:nvGrpSpPr>
+        <p:cNvPr id="1" name=""/>
+        <p:cNvGrpSpPr/>
+        <p:nvPr/>
+      </p:nvGrpSpPr>
+      <p:grpSpPr>
+        <a:xfrm>
+          <a:off x="0" y="0"/>
+          <a:ext cx="0" cy="0"/>
+          <a:chOff x="0" y="0"/>
+          <a:chExt cx="0" cy="0"/>
+        </a:xfrm>
+      </p:grpSpPr>
+      <p:sp>
+        <p:nvSpPr>
           <p:cNvPr id="2" name="Titel 1">
             <a:extLst>
               <a:ext uri="{FF2B5EF4-FFF2-40B4-BE49-F238E27FC236}">
@@ -7082,7 +8164,7 @@
           <a:p>
             <a:fld id="{E2B3C6FC-26FA-4D7E-AC88-A939C9C27DF5}" type="slidenum">
               <a:rPr lang="de-DE" smtClean="0"/>
-              <a:t>15</a:t>
+              <a:t>17</a:t>
             </a:fld>
             <a:endParaRPr lang="de-DE"/>
           </a:p>
@@ -11944,10 +13026,10 @@
       </p:sp>
       <p:pic>
         <p:nvPicPr>
-          <p:cNvPr id="10" name="Grafik 9">
+          <p:cNvPr id="7" name="Grafik 6">
             <a:extLst>
               <a:ext uri="{FF2B5EF4-FFF2-40B4-BE49-F238E27FC236}">
-                <a16:creationId xmlns:a16="http://schemas.microsoft.com/office/drawing/2014/main" id="{35D6BBD8-B051-466B-9D1B-9C0021BE7126}"/>
+                <a16:creationId xmlns:a16="http://schemas.microsoft.com/office/drawing/2014/main" id="{805298CA-B5A3-43C3-BA53-6C7C978A92B3}"/>
               </a:ext>
             </a:extLst>
           </p:cNvPr>
@@ -11970,8 +13052,8 @@
         </p:blipFill>
         <p:spPr>
           <a:xfrm>
-            <a:off x="29943" y="1429789"/>
-            <a:ext cx="12165685" cy="4172989"/>
+            <a:off x="171142" y="1396538"/>
+            <a:ext cx="12020857" cy="4256117"/>
           </a:xfrm>
           <a:prstGeom prst="rect">
             <a:avLst/>
@@ -12097,10 +13179,10 @@
       </p:sp>
       <p:pic>
         <p:nvPicPr>
-          <p:cNvPr id="7" name="Grafik 6">
+          <p:cNvPr id="6" name="Grafik 5">
             <a:extLst>
               <a:ext uri="{FF2B5EF4-FFF2-40B4-BE49-F238E27FC236}">
-                <a16:creationId xmlns:a16="http://schemas.microsoft.com/office/drawing/2014/main" id="{B611E64C-3DEF-46CA-B0FE-5F32C5CE7244}"/>
+                <a16:creationId xmlns:a16="http://schemas.microsoft.com/office/drawing/2014/main" id="{60715F3E-AD8E-4F61-ACE8-76C875EC6B7B}"/>
               </a:ext>
             </a:extLst>
           </p:cNvPr>
@@ -12123,8 +13205,8 @@
         </p:blipFill>
         <p:spPr>
           <a:xfrm>
-            <a:off x="946136" y="847898"/>
-            <a:ext cx="10299727" cy="5463979"/>
+            <a:off x="0" y="844572"/>
+            <a:ext cx="12003577" cy="5468113"/>
           </a:xfrm>
           <a:prstGeom prst="rect">
             <a:avLst/>
@@ -12288,10 +13370,10 @@
       </p:sp>
       <p:pic>
         <p:nvPicPr>
-          <p:cNvPr id="7" name="Grafik 6">
+          <p:cNvPr id="6" name="Grafik 5">
             <a:extLst>
               <a:ext uri="{FF2B5EF4-FFF2-40B4-BE49-F238E27FC236}">
-                <a16:creationId xmlns:a16="http://schemas.microsoft.com/office/drawing/2014/main" id="{DFE0037B-699C-4055-87CD-324DF42A71FE}"/>
+                <a16:creationId xmlns:a16="http://schemas.microsoft.com/office/drawing/2014/main" id="{807E409C-0907-48F8-A732-F11B2D83F0D3}"/>
               </a:ext>
             </a:extLst>
           </p:cNvPr>
@@ -12314,8 +13396,8 @@
         </p:blipFill>
         <p:spPr>
           <a:xfrm>
-            <a:off x="160993" y="1163146"/>
-            <a:ext cx="12031007" cy="5137265"/>
+            <a:off x="1036320" y="1031902"/>
+            <a:ext cx="10464338" cy="4908909"/>
           </a:xfrm>
           <a:prstGeom prst="rect">
             <a:avLst/>
@@ -12369,7 +13451,7 @@
           <p:cNvPr id="2" name="Titel 1">
             <a:extLst>
               <a:ext uri="{FF2B5EF4-FFF2-40B4-BE49-F238E27FC236}">
-                <a16:creationId xmlns:a16="http://schemas.microsoft.com/office/drawing/2014/main" id="{EBA85F54-63E7-42CF-B18F-7EE29DE838DE}"/>
+                <a16:creationId xmlns:a16="http://schemas.microsoft.com/office/drawing/2014/main" id="{757E532A-AA56-4528-80D1-FFE571B09F00}"/>
               </a:ext>
             </a:extLst>
           </p:cNvPr>
@@ -12382,776 +13464,22 @@
         </p:nvSpPr>
         <p:spPr/>
         <p:txBody>
-          <a:bodyPr>
-            <a:normAutofit/>
-          </a:bodyPr>
-          <a:lstStyle/>
-          <a:p>
-            <a:pPr algn="ctr"/>
+          <a:bodyPr anchor="t"/>
+          <a:lstStyle/>
+          <a:p>
             <a:r>
               <a:rPr lang="de-DE" dirty="0"/>
-              <a:t>Work Breakdown Structure</a:t>
-            </a:r>
-          </a:p>
-        </p:txBody>
-      </p:sp>
-      <p:sp>
-        <p:nvSpPr>
-          <p:cNvPr id="5" name="Rechteck: abgerundete Ecken 4">
+              <a:t>BPMN Diagramm-Maischen Pale Ale</a:t>
+            </a:r>
+          </a:p>
+        </p:txBody>
+      </p:sp>
+      <p:sp>
+        <p:nvSpPr>
+          <p:cNvPr id="4" name="Fußzeilenplatzhalter 3">
             <a:extLst>
               <a:ext uri="{FF2B5EF4-FFF2-40B4-BE49-F238E27FC236}">
-                <a16:creationId xmlns:a16="http://schemas.microsoft.com/office/drawing/2014/main" id="{D05F816A-C7C1-49BE-ADE5-3D33CBD35610}"/>
-              </a:ext>
-            </a:extLst>
-          </p:cNvPr>
-          <p:cNvSpPr/>
-          <p:nvPr/>
-        </p:nvSpPr>
-        <p:spPr>
-          <a:xfrm>
-            <a:off x="7154107" y="1849884"/>
-            <a:ext cx="1275475" cy="570381"/>
-          </a:xfrm>
-          <a:prstGeom prst="roundRect">
-            <a:avLst/>
-          </a:prstGeom>
-          <a:ln>
-            <a:noFill/>
-          </a:ln>
-        </p:spPr>
-        <p:style>
-          <a:lnRef idx="1">
-            <a:schemeClr val="accent1"/>
-          </a:lnRef>
-          <a:fillRef idx="2">
-            <a:schemeClr val="accent1"/>
-          </a:fillRef>
-          <a:effectRef idx="1">
-            <a:schemeClr val="accent1"/>
-          </a:effectRef>
-          <a:fontRef idx="minor">
-            <a:schemeClr val="dk1"/>
-          </a:fontRef>
-        </p:style>
-        <p:txBody>
-          <a:bodyPr rtlCol="0" anchor="ctr"/>
-          <a:lstStyle/>
-          <a:p>
-            <a:pPr algn="ctr"/>
-            <a:r>
-              <a:rPr lang="de-DE" b="1" dirty="0" err="1">
-                <a:solidFill>
-                  <a:schemeClr val="bg1"/>
-                </a:solidFill>
-              </a:rPr>
-              <a:t>Testing</a:t>
-            </a:r>
-            <a:endParaRPr lang="de-DE" b="1" dirty="0">
-              <a:solidFill>
-                <a:schemeClr val="bg1"/>
-              </a:solidFill>
-            </a:endParaRPr>
-          </a:p>
-        </p:txBody>
-      </p:sp>
-      <p:sp>
-        <p:nvSpPr>
-          <p:cNvPr id="6" name="Rechteck: abgerundete Ecken 5">
-            <a:extLst>
-              <a:ext uri="{FF2B5EF4-FFF2-40B4-BE49-F238E27FC236}">
-                <a16:creationId xmlns:a16="http://schemas.microsoft.com/office/drawing/2014/main" id="{2748357F-DA3C-4365-B39A-A2797DCE49EB}"/>
-              </a:ext>
-            </a:extLst>
-          </p:cNvPr>
-          <p:cNvSpPr/>
-          <p:nvPr/>
-        </p:nvSpPr>
-        <p:spPr>
-          <a:xfrm>
-            <a:off x="994281" y="1849882"/>
-            <a:ext cx="1405616" cy="614525"/>
-          </a:xfrm>
-          <a:prstGeom prst="roundRect">
-            <a:avLst/>
-          </a:prstGeom>
-          <a:ln>
-            <a:noFill/>
-          </a:ln>
-        </p:spPr>
-        <p:style>
-          <a:lnRef idx="1">
-            <a:schemeClr val="accent1"/>
-          </a:lnRef>
-          <a:fillRef idx="2">
-            <a:schemeClr val="accent1"/>
-          </a:fillRef>
-          <a:effectRef idx="1">
-            <a:schemeClr val="accent1"/>
-          </a:effectRef>
-          <a:fontRef idx="minor">
-            <a:schemeClr val="dk1"/>
-          </a:fontRef>
-        </p:style>
-        <p:txBody>
-          <a:bodyPr rtlCol="0" anchor="ctr"/>
-          <a:lstStyle/>
-          <a:p>
-            <a:pPr algn="ctr"/>
-            <a:r>
-              <a:rPr lang="de-DE" sz="1400" b="1" dirty="0" err="1">
-                <a:solidFill>
-                  <a:schemeClr val="bg1"/>
-                </a:solidFill>
-              </a:rPr>
-              <a:t>Developement</a:t>
-            </a:r>
-            <a:endParaRPr lang="de-DE" sz="1400" b="1" dirty="0">
-              <a:solidFill>
-                <a:schemeClr val="bg1"/>
-              </a:solidFill>
-            </a:endParaRPr>
-          </a:p>
-        </p:txBody>
-      </p:sp>
-      <p:sp>
-        <p:nvSpPr>
-          <p:cNvPr id="8" name="Rechteck: abgerundete Ecken 7">
-            <a:extLst>
-              <a:ext uri="{FF2B5EF4-FFF2-40B4-BE49-F238E27FC236}">
-                <a16:creationId xmlns:a16="http://schemas.microsoft.com/office/drawing/2014/main" id="{25C6A291-E902-4178-AD51-613DEEC5CEC3}"/>
-              </a:ext>
-            </a:extLst>
-          </p:cNvPr>
-          <p:cNvSpPr/>
-          <p:nvPr/>
-        </p:nvSpPr>
-        <p:spPr>
-          <a:xfrm>
-            <a:off x="9777716" y="1871954"/>
-            <a:ext cx="1155895" cy="570381"/>
-          </a:xfrm>
-          <a:prstGeom prst="roundRect">
-            <a:avLst/>
-          </a:prstGeom>
-          <a:ln>
-            <a:noFill/>
-          </a:ln>
-        </p:spPr>
-        <p:style>
-          <a:lnRef idx="1">
-            <a:schemeClr val="accent1"/>
-          </a:lnRef>
-          <a:fillRef idx="2">
-            <a:schemeClr val="accent1"/>
-          </a:fillRef>
-          <a:effectRef idx="1">
-            <a:schemeClr val="accent1"/>
-          </a:effectRef>
-          <a:fontRef idx="minor">
-            <a:schemeClr val="dk1"/>
-          </a:fontRef>
-        </p:style>
-        <p:txBody>
-          <a:bodyPr rtlCol="0" anchor="ctr"/>
-          <a:lstStyle/>
-          <a:p>
-            <a:pPr algn="ctr"/>
-            <a:r>
-              <a:rPr lang="de-DE" b="1" dirty="0">
-                <a:solidFill>
-                  <a:schemeClr val="bg1"/>
-                </a:solidFill>
-              </a:rPr>
-              <a:t>Support</a:t>
-            </a:r>
-          </a:p>
-        </p:txBody>
-      </p:sp>
-      <p:sp>
-        <p:nvSpPr>
-          <p:cNvPr id="9" name="Rechteck 8">
-            <a:extLst>
-              <a:ext uri="{FF2B5EF4-FFF2-40B4-BE49-F238E27FC236}">
-                <a16:creationId xmlns:a16="http://schemas.microsoft.com/office/drawing/2014/main" id="{6E6E176E-2C0C-4FEF-AFBC-F5E07926AEFE}"/>
-              </a:ext>
-            </a:extLst>
-          </p:cNvPr>
-          <p:cNvSpPr/>
-          <p:nvPr/>
-        </p:nvSpPr>
-        <p:spPr>
-          <a:xfrm>
-            <a:off x="410437" y="2464409"/>
-            <a:ext cx="3091126" cy="4197677"/>
-          </a:xfrm>
-          <a:prstGeom prst="rect">
-            <a:avLst/>
-          </a:prstGeom>
-          <a:noFill/>
-          <a:ln>
-            <a:noFill/>
-          </a:ln>
-        </p:spPr>
-        <p:style>
-          <a:lnRef idx="2">
-            <a:schemeClr val="accent1">
-              <a:shade val="50000"/>
-            </a:schemeClr>
-          </a:lnRef>
-          <a:fillRef idx="1">
-            <a:schemeClr val="accent1"/>
-          </a:fillRef>
-          <a:effectRef idx="0">
-            <a:schemeClr val="accent1"/>
-          </a:effectRef>
-          <a:fontRef idx="minor">
-            <a:schemeClr val="lt1"/>
-          </a:fontRef>
-        </p:style>
-        <p:txBody>
-          <a:bodyPr rtlCol="0" anchor="t"/>
-          <a:lstStyle/>
-          <a:p>
-            <a:pPr marL="285750" indent="-285750">
-              <a:buFont typeface="Arial" panose="020B0604020202020204" pitchFamily="34" charset="0"/>
-              <a:buChar char="•"/>
-            </a:pPr>
-            <a:r>
-              <a:rPr lang="de-DE" sz="1400" dirty="0">
-                <a:solidFill>
-                  <a:schemeClr val="tx1"/>
-                </a:solidFill>
-              </a:rPr>
-              <a:t>MQTT Server programmieren</a:t>
-            </a:r>
-          </a:p>
-          <a:p>
-            <a:pPr marL="285750" indent="-285750">
-              <a:buFont typeface="Arial" panose="020B0604020202020204" pitchFamily="34" charset="0"/>
-              <a:buChar char="•"/>
-            </a:pPr>
-            <a:r>
-              <a:rPr lang="de-DE" sz="1400" dirty="0">
-                <a:solidFill>
-                  <a:schemeClr val="tx1"/>
-                </a:solidFill>
-              </a:rPr>
-              <a:t>Rezepte in SAP einpflegen </a:t>
-            </a:r>
-          </a:p>
-          <a:p>
-            <a:pPr marL="285750" indent="-285750">
-              <a:buFont typeface="Arial" panose="020B0604020202020204" pitchFamily="34" charset="0"/>
-              <a:buChar char="•"/>
-            </a:pPr>
-            <a:r>
-              <a:rPr lang="de-DE" sz="1400" dirty="0">
-                <a:solidFill>
-                  <a:schemeClr val="tx1"/>
-                </a:solidFill>
-              </a:rPr>
-              <a:t>Schnittstelle für Pflanzenanbau schaffen</a:t>
-            </a:r>
-          </a:p>
-          <a:p>
-            <a:pPr marL="285750" indent="-285750">
-              <a:buFont typeface="Arial" panose="020B0604020202020204" pitchFamily="34" charset="0"/>
-              <a:buChar char="•"/>
-            </a:pPr>
-            <a:r>
-              <a:rPr lang="de-DE" sz="1400" dirty="0">
-                <a:solidFill>
-                  <a:schemeClr val="tx1"/>
-                </a:solidFill>
-              </a:rPr>
-              <a:t>Schnittstelle für </a:t>
-            </a:r>
-            <a:r>
-              <a:rPr lang="de-DE" sz="1400" dirty="0" err="1">
-                <a:solidFill>
-                  <a:schemeClr val="tx1"/>
-                </a:solidFill>
-              </a:rPr>
-              <a:t>Conditioning</a:t>
-            </a:r>
-            <a:r>
-              <a:rPr lang="de-DE" sz="1400" dirty="0">
-                <a:solidFill>
-                  <a:schemeClr val="tx1"/>
-                </a:solidFill>
-              </a:rPr>
-              <a:t> Monitoring</a:t>
-            </a:r>
-          </a:p>
-          <a:p>
-            <a:pPr marL="285750" indent="-285750">
-              <a:buFont typeface="Arial" panose="020B0604020202020204" pitchFamily="34" charset="0"/>
-              <a:buChar char="•"/>
-            </a:pPr>
-            <a:r>
-              <a:rPr lang="de-DE" sz="1400" dirty="0">
-                <a:solidFill>
-                  <a:schemeClr val="tx1"/>
-                </a:solidFill>
-              </a:rPr>
-              <a:t>SAP programmieren</a:t>
-            </a:r>
-          </a:p>
-          <a:p>
-            <a:pPr marL="285750" indent="-285750">
-              <a:buFont typeface="Arial" panose="020B0604020202020204" pitchFamily="34" charset="0"/>
-              <a:buChar char="•"/>
-            </a:pPr>
-            <a:r>
-              <a:rPr lang="de-DE" sz="1400" dirty="0">
-                <a:solidFill>
-                  <a:schemeClr val="tx1"/>
-                </a:solidFill>
-              </a:rPr>
-              <a:t>SAP Schnittstelle für die Sensoren </a:t>
-            </a:r>
-          </a:p>
-          <a:p>
-            <a:pPr marL="285750" indent="-285750">
-              <a:buFont typeface="Arial" panose="020B0604020202020204" pitchFamily="34" charset="0"/>
-              <a:buChar char="•"/>
-            </a:pPr>
-            <a:r>
-              <a:rPr lang="de-DE" sz="1400" dirty="0">
-                <a:solidFill>
-                  <a:schemeClr val="tx1"/>
-                </a:solidFill>
-              </a:rPr>
-              <a:t>RFID Kennzeichnung (pro Auftrag) erzeugen</a:t>
-            </a:r>
-          </a:p>
-          <a:p>
-            <a:pPr marL="285750" indent="-285750">
-              <a:buFont typeface="Arial" panose="020B0604020202020204" pitchFamily="34" charset="0"/>
-              <a:buChar char="•"/>
-            </a:pPr>
-            <a:r>
-              <a:rPr lang="de-DE" sz="1400" dirty="0">
-                <a:solidFill>
-                  <a:schemeClr val="tx1"/>
-                </a:solidFill>
-              </a:rPr>
-              <a:t>Sensoren anbinden und konfigurieren</a:t>
-            </a:r>
-          </a:p>
-          <a:p>
-            <a:pPr marL="285750" indent="-285750">
-              <a:buFont typeface="Arial" panose="020B0604020202020204" pitchFamily="34" charset="0"/>
-              <a:buChar char="•"/>
-            </a:pPr>
-            <a:r>
-              <a:rPr lang="de-DE" sz="1400" dirty="0">
-                <a:solidFill>
-                  <a:schemeClr val="tx1"/>
-                </a:solidFill>
-              </a:rPr>
-              <a:t>Aktoren anbinden und konfigurieren</a:t>
-            </a:r>
-          </a:p>
-          <a:p>
-            <a:pPr marL="285750" indent="-285750">
-              <a:buFont typeface="Arial" panose="020B0604020202020204" pitchFamily="34" charset="0"/>
-              <a:buChar char="•"/>
-            </a:pPr>
-            <a:r>
-              <a:rPr lang="de-DE" sz="1400" dirty="0">
-                <a:solidFill>
-                  <a:schemeClr val="tx1"/>
-                </a:solidFill>
-              </a:rPr>
-              <a:t>SPS programmieren und anbinden</a:t>
-            </a:r>
-          </a:p>
-          <a:p>
-            <a:pPr marL="285750" indent="-285750">
-              <a:buFont typeface="Arial" panose="020B0604020202020204" pitchFamily="34" charset="0"/>
-              <a:buChar char="•"/>
-            </a:pPr>
-            <a:r>
-              <a:rPr lang="de-DE" sz="1400" dirty="0">
-                <a:solidFill>
-                  <a:schemeClr val="tx1"/>
-                </a:solidFill>
-              </a:rPr>
-              <a:t>Gateway aufsetzen </a:t>
-            </a:r>
-          </a:p>
-        </p:txBody>
-      </p:sp>
-      <p:sp>
-        <p:nvSpPr>
-          <p:cNvPr id="31" name="Rechteck: abgerundete Ecken 30">
-            <a:extLst>
-              <a:ext uri="{FF2B5EF4-FFF2-40B4-BE49-F238E27FC236}">
-                <a16:creationId xmlns:a16="http://schemas.microsoft.com/office/drawing/2014/main" id="{0C03E21E-2FD8-44A6-AE66-1AFAE12DD2D5}"/>
-              </a:ext>
-            </a:extLst>
-          </p:cNvPr>
-          <p:cNvSpPr/>
-          <p:nvPr/>
-        </p:nvSpPr>
-        <p:spPr>
-          <a:xfrm>
-            <a:off x="4465455" y="1849883"/>
-            <a:ext cx="1275475" cy="570382"/>
-          </a:xfrm>
-          <a:prstGeom prst="roundRect">
-            <a:avLst/>
-          </a:prstGeom>
-          <a:ln>
-            <a:noFill/>
-          </a:ln>
-        </p:spPr>
-        <p:style>
-          <a:lnRef idx="1">
-            <a:schemeClr val="accent1"/>
-          </a:lnRef>
-          <a:fillRef idx="2">
-            <a:schemeClr val="accent1"/>
-          </a:fillRef>
-          <a:effectRef idx="1">
-            <a:schemeClr val="accent1"/>
-          </a:effectRef>
-          <a:fontRef idx="minor">
-            <a:schemeClr val="dk1"/>
-          </a:fontRef>
-        </p:style>
-        <p:txBody>
-          <a:bodyPr rtlCol="0" anchor="ctr"/>
-          <a:lstStyle/>
-          <a:p>
-            <a:pPr algn="ctr"/>
-            <a:r>
-              <a:rPr lang="de-DE" sz="1400" b="1" dirty="0">
-                <a:solidFill>
-                  <a:schemeClr val="bg1"/>
-                </a:solidFill>
-              </a:rPr>
-              <a:t>Projekt-</a:t>
-            </a:r>
-          </a:p>
-          <a:p>
-            <a:pPr algn="ctr"/>
-            <a:r>
-              <a:rPr lang="de-DE" sz="1400" b="1" dirty="0" err="1">
-                <a:solidFill>
-                  <a:schemeClr val="bg1"/>
-                </a:solidFill>
-              </a:rPr>
-              <a:t>management</a:t>
-            </a:r>
-            <a:endParaRPr lang="de-DE" sz="1400" b="1" dirty="0">
-              <a:solidFill>
-                <a:schemeClr val="bg1"/>
-              </a:solidFill>
-            </a:endParaRPr>
-          </a:p>
-        </p:txBody>
-      </p:sp>
-      <p:sp>
-        <p:nvSpPr>
-          <p:cNvPr id="26" name="Rechteck 25">
-            <a:extLst>
-              <a:ext uri="{FF2B5EF4-FFF2-40B4-BE49-F238E27FC236}">
-                <a16:creationId xmlns:a16="http://schemas.microsoft.com/office/drawing/2014/main" id="{CA1B537E-5B48-4DFB-9BEA-6D3128E34427}"/>
-              </a:ext>
-            </a:extLst>
-          </p:cNvPr>
-          <p:cNvSpPr/>
-          <p:nvPr/>
-        </p:nvSpPr>
-        <p:spPr>
-          <a:xfrm>
-            <a:off x="3813074" y="2464409"/>
-            <a:ext cx="3091126" cy="4197677"/>
-          </a:xfrm>
-          <a:prstGeom prst="rect">
-            <a:avLst/>
-          </a:prstGeom>
-          <a:noFill/>
-          <a:ln>
-            <a:noFill/>
-          </a:ln>
-        </p:spPr>
-        <p:style>
-          <a:lnRef idx="2">
-            <a:schemeClr val="accent1">
-              <a:shade val="50000"/>
-            </a:schemeClr>
-          </a:lnRef>
-          <a:fillRef idx="1">
-            <a:schemeClr val="accent1"/>
-          </a:fillRef>
-          <a:effectRef idx="0">
-            <a:schemeClr val="accent1"/>
-          </a:effectRef>
-          <a:fontRef idx="minor">
-            <a:schemeClr val="lt1"/>
-          </a:fontRef>
-        </p:style>
-        <p:txBody>
-          <a:bodyPr rtlCol="0" anchor="t"/>
-          <a:lstStyle/>
-          <a:p>
-            <a:pPr marL="285750" indent="-285750">
-              <a:buFont typeface="Arial" panose="020B0604020202020204" pitchFamily="34" charset="0"/>
-              <a:buChar char="•"/>
-            </a:pPr>
-            <a:r>
-              <a:rPr lang="de-DE" sz="1400" dirty="0">
-                <a:solidFill>
-                  <a:schemeClr val="tx1"/>
-                </a:solidFill>
-              </a:rPr>
-              <a:t>Kommunikationsplan des </a:t>
-            </a:r>
-            <a:br>
-              <a:rPr lang="de-DE" sz="1400" dirty="0">
-                <a:solidFill>
-                  <a:schemeClr val="tx1"/>
-                </a:solidFill>
-              </a:rPr>
-            </a:br>
-            <a:r>
-              <a:rPr lang="de-DE" sz="1400" dirty="0">
-                <a:solidFill>
-                  <a:schemeClr val="tx1"/>
-                </a:solidFill>
-              </a:rPr>
-              <a:t>Systems erstellen</a:t>
-            </a:r>
-          </a:p>
-          <a:p>
-            <a:pPr marL="285750" indent="-285750">
-              <a:buFont typeface="Arial" panose="020B0604020202020204" pitchFamily="34" charset="0"/>
-              <a:buChar char="•"/>
-            </a:pPr>
-            <a:r>
-              <a:rPr lang="de-DE" sz="1400" dirty="0">
-                <a:solidFill>
-                  <a:schemeClr val="tx1"/>
-                </a:solidFill>
-              </a:rPr>
-              <a:t>Aktivitätsplan und Verteilung </a:t>
-            </a:r>
-          </a:p>
-          <a:p>
-            <a:pPr marL="285750" indent="-285750">
-              <a:buFont typeface="Arial" panose="020B0604020202020204" pitchFamily="34" charset="0"/>
-              <a:buChar char="•"/>
-            </a:pPr>
-            <a:r>
-              <a:rPr lang="de-DE" sz="1400" dirty="0">
-                <a:solidFill>
-                  <a:schemeClr val="tx1"/>
-                </a:solidFill>
-              </a:rPr>
-              <a:t>Kommunikation mit Braumeister</a:t>
-            </a:r>
-          </a:p>
-          <a:p>
-            <a:pPr marL="285750" indent="-285750">
-              <a:buFont typeface="Arial" panose="020B0604020202020204" pitchFamily="34" charset="0"/>
-              <a:buChar char="•"/>
-            </a:pPr>
-            <a:r>
-              <a:rPr lang="de-DE" sz="1400" dirty="0">
-                <a:solidFill>
-                  <a:schemeClr val="tx1"/>
-                </a:solidFill>
-              </a:rPr>
-              <a:t>Kommunikation mit anderen Gruppen</a:t>
-            </a:r>
-          </a:p>
-          <a:p>
-            <a:pPr marL="285750" indent="-285750">
-              <a:buFont typeface="Arial" panose="020B0604020202020204" pitchFamily="34" charset="0"/>
-              <a:buChar char="•"/>
-            </a:pPr>
-            <a:r>
-              <a:rPr lang="de-DE" sz="1400" dirty="0">
-                <a:solidFill>
-                  <a:schemeClr val="tx1"/>
-                </a:solidFill>
-              </a:rPr>
-              <a:t>Überprüfung der Ziele und mögliche Anpassung des Projektplans</a:t>
-            </a:r>
-          </a:p>
-        </p:txBody>
-      </p:sp>
-      <p:sp>
-        <p:nvSpPr>
-          <p:cNvPr id="30" name="Rechteck 29">
-            <a:extLst>
-              <a:ext uri="{FF2B5EF4-FFF2-40B4-BE49-F238E27FC236}">
-                <a16:creationId xmlns:a16="http://schemas.microsoft.com/office/drawing/2014/main" id="{C80BE056-2216-419E-A5EA-0CCEEE7AC3B1}"/>
-              </a:ext>
-            </a:extLst>
-          </p:cNvPr>
-          <p:cNvSpPr/>
-          <p:nvPr/>
-        </p:nvSpPr>
-        <p:spPr>
-          <a:xfrm>
-            <a:off x="6686590" y="2464410"/>
-            <a:ext cx="3091126" cy="4197677"/>
-          </a:xfrm>
-          <a:prstGeom prst="rect">
-            <a:avLst/>
-          </a:prstGeom>
-          <a:noFill/>
-          <a:ln>
-            <a:noFill/>
-          </a:ln>
-        </p:spPr>
-        <p:style>
-          <a:lnRef idx="2">
-            <a:schemeClr val="accent1">
-              <a:shade val="50000"/>
-            </a:schemeClr>
-          </a:lnRef>
-          <a:fillRef idx="1">
-            <a:schemeClr val="accent1"/>
-          </a:fillRef>
-          <a:effectRef idx="0">
-            <a:schemeClr val="accent1"/>
-          </a:effectRef>
-          <a:fontRef idx="minor">
-            <a:schemeClr val="lt1"/>
-          </a:fontRef>
-        </p:style>
-        <p:txBody>
-          <a:bodyPr rtlCol="0" anchor="t"/>
-          <a:lstStyle/>
-          <a:p>
-            <a:pPr marL="285750" indent="-285750">
-              <a:buFont typeface="Arial" panose="020B0604020202020204" pitchFamily="34" charset="0"/>
-              <a:buChar char="•"/>
-            </a:pPr>
-            <a:r>
-              <a:rPr lang="de-DE" sz="1400" dirty="0">
-                <a:solidFill>
-                  <a:schemeClr val="tx1"/>
-                </a:solidFill>
-              </a:rPr>
-              <a:t>Stresstest/Integrationstest</a:t>
-            </a:r>
-          </a:p>
-          <a:p>
-            <a:pPr marL="285750" indent="-285750">
-              <a:buFont typeface="Arial" panose="020B0604020202020204" pitchFamily="34" charset="0"/>
-              <a:buChar char="•"/>
-            </a:pPr>
-            <a:r>
-              <a:rPr lang="de-DE" sz="1400" dirty="0">
-                <a:solidFill>
-                  <a:schemeClr val="tx1"/>
-                </a:solidFill>
-              </a:rPr>
-              <a:t>Produktionstest/Abnahme</a:t>
-            </a:r>
-          </a:p>
-          <a:p>
-            <a:pPr marL="285750" indent="-285750">
-              <a:buFont typeface="Arial" panose="020B0604020202020204" pitchFamily="34" charset="0"/>
-              <a:buChar char="•"/>
-            </a:pPr>
-            <a:r>
-              <a:rPr lang="de-DE" sz="1400" dirty="0">
-                <a:solidFill>
-                  <a:schemeClr val="tx1"/>
-                </a:solidFill>
-              </a:rPr>
-              <a:t>Test der Teilkomponenten</a:t>
-            </a:r>
-          </a:p>
-        </p:txBody>
-      </p:sp>
-      <p:sp>
-        <p:nvSpPr>
-          <p:cNvPr id="35" name="Rechteck 34">
-            <a:extLst>
-              <a:ext uri="{FF2B5EF4-FFF2-40B4-BE49-F238E27FC236}">
-                <a16:creationId xmlns:a16="http://schemas.microsoft.com/office/drawing/2014/main" id="{B3E8A12B-59CA-41CA-8416-C45E34EE49E2}"/>
-              </a:ext>
-            </a:extLst>
-          </p:cNvPr>
-          <p:cNvSpPr/>
-          <p:nvPr/>
-        </p:nvSpPr>
-        <p:spPr>
-          <a:xfrm>
-            <a:off x="9170498" y="2464408"/>
-            <a:ext cx="3091126" cy="4197677"/>
-          </a:xfrm>
-          <a:prstGeom prst="rect">
-            <a:avLst/>
-          </a:prstGeom>
-          <a:noFill/>
-          <a:ln>
-            <a:noFill/>
-          </a:ln>
-        </p:spPr>
-        <p:style>
-          <a:lnRef idx="2">
-            <a:schemeClr val="accent1">
-              <a:shade val="50000"/>
-            </a:schemeClr>
-          </a:lnRef>
-          <a:fillRef idx="1">
-            <a:schemeClr val="accent1"/>
-          </a:fillRef>
-          <a:effectRef idx="0">
-            <a:schemeClr val="accent1"/>
-          </a:effectRef>
-          <a:fontRef idx="minor">
-            <a:schemeClr val="lt1"/>
-          </a:fontRef>
-        </p:style>
-        <p:txBody>
-          <a:bodyPr rtlCol="0" anchor="t"/>
-          <a:lstStyle/>
-          <a:p>
-            <a:pPr marL="285750" indent="-285750">
-              <a:buFont typeface="Arial" panose="020B0604020202020204" pitchFamily="34" charset="0"/>
-              <a:buChar char="•"/>
-            </a:pPr>
-            <a:r>
-              <a:rPr lang="de-DE" sz="1400" dirty="0">
-                <a:solidFill>
-                  <a:schemeClr val="tx1"/>
-                </a:solidFill>
-              </a:rPr>
-              <a:t>Mitarbeiter Schulung </a:t>
-            </a:r>
-          </a:p>
-          <a:p>
-            <a:pPr marL="285750" indent="-285750">
-              <a:buFont typeface="Arial" panose="020B0604020202020204" pitchFamily="34" charset="0"/>
-              <a:buChar char="•"/>
-            </a:pPr>
-            <a:r>
-              <a:rPr lang="de-DE" sz="1400" dirty="0">
-                <a:solidFill>
-                  <a:schemeClr val="tx1"/>
-                </a:solidFill>
-              </a:rPr>
-              <a:t>Kommunikation mit Kunde</a:t>
-            </a:r>
-          </a:p>
-        </p:txBody>
-      </p:sp>
-      <p:sp>
-        <p:nvSpPr>
-          <p:cNvPr id="3" name="Fußzeilenplatzhalter 2">
-            <a:extLst>
-              <a:ext uri="{FF2B5EF4-FFF2-40B4-BE49-F238E27FC236}">
-                <a16:creationId xmlns:a16="http://schemas.microsoft.com/office/drawing/2014/main" id="{8CC179E7-4409-4C99-93B9-4BFA40F46995}"/>
+                <a16:creationId xmlns:a16="http://schemas.microsoft.com/office/drawing/2014/main" id="{6C90DE98-DF22-4C9E-9A96-D9366834FB7C}"/>
               </a:ext>
             </a:extLst>
           </p:cNvPr>
@@ -13168,36 +13496,18 @@
           <a:lstStyle/>
           <a:p>
             <a:r>
-              <a:rPr lang="de-DE" dirty="0">
-                <a:latin typeface="Aharoni" panose="02010803020104030203" pitchFamily="2" charset="-79"/>
-                <a:cs typeface="Aharoni" panose="02010803020104030203" pitchFamily="2" charset="-79"/>
-              </a:rPr>
-              <a:t>Alb-</a:t>
-            </a:r>
-            <a:r>
-              <a:rPr lang="de-DE" dirty="0" err="1">
-                <a:latin typeface="Aharoni" panose="02010803020104030203" pitchFamily="2" charset="-79"/>
-                <a:cs typeface="Aharoni" panose="02010803020104030203" pitchFamily="2" charset="-79"/>
-              </a:rPr>
-              <a:t>Brau</a:t>
-            </a:r>
-            <a:r>
-              <a:rPr lang="de-DE" dirty="0">
-                <a:latin typeface="Aharoni" panose="02010803020104030203" pitchFamily="2" charset="-79"/>
-                <a:cs typeface="Aharoni" panose="02010803020104030203" pitchFamily="2" charset="-79"/>
-              </a:rPr>
-              <a:t> Consulting AG</a:t>
-            </a:r>
-            <a:endParaRPr lang="de-DE" dirty="0"/>
-          </a:p>
-        </p:txBody>
-      </p:sp>
-      <p:sp>
-        <p:nvSpPr>
-          <p:cNvPr id="4" name="Foliennummernplatzhalter 3">
+              <a:rPr lang="de-DE"/>
+              <a:t>Alb-Brau Consulting AG </a:t>
+            </a:r>
+          </a:p>
+        </p:txBody>
+      </p:sp>
+      <p:sp>
+        <p:nvSpPr>
+          <p:cNvPr id="5" name="Foliennummernplatzhalter 4">
             <a:extLst>
               <a:ext uri="{FF2B5EF4-FFF2-40B4-BE49-F238E27FC236}">
-                <a16:creationId xmlns:a16="http://schemas.microsoft.com/office/drawing/2014/main" id="{EE861B97-CE42-4A82-B31C-C2CA0973844B}"/>
+                <a16:creationId xmlns:a16="http://schemas.microsoft.com/office/drawing/2014/main" id="{048D60BD-C646-410C-B2C8-E2F49A762970}"/>
               </a:ext>
             </a:extLst>
           </p:cNvPr>
@@ -13221,10 +13531,46 @@
           </a:p>
         </p:txBody>
       </p:sp>
+      <p:pic>
+        <p:nvPicPr>
+          <p:cNvPr id="7" name="Grafik 6">
+            <a:extLst>
+              <a:ext uri="{FF2B5EF4-FFF2-40B4-BE49-F238E27FC236}">
+                <a16:creationId xmlns:a16="http://schemas.microsoft.com/office/drawing/2014/main" id="{003F66C7-9A88-4574-9B9C-4F70757A50D9}"/>
+              </a:ext>
+            </a:extLst>
+          </p:cNvPr>
+          <p:cNvPicPr>
+            <a:picLocks noChangeAspect="1"/>
+          </p:cNvPicPr>
+          <p:nvPr/>
+        </p:nvPicPr>
+        <p:blipFill>
+          <a:blip r:embed="rId2">
+            <a:extLst>
+              <a:ext uri="{28A0092B-C50C-407E-A947-70E740481C1C}">
+                <a14:useLocalDpi xmlns:a14="http://schemas.microsoft.com/office/drawing/2010/main" val="0"/>
+              </a:ext>
+            </a:extLst>
+          </a:blip>
+          <a:stretch>
+            <a:fillRect/>
+          </a:stretch>
+        </p:blipFill>
+        <p:spPr>
+          <a:xfrm>
+            <a:off x="196535" y="1562793"/>
+            <a:ext cx="11437269" cy="3557848"/>
+          </a:xfrm>
+          <a:prstGeom prst="rect">
+            <a:avLst/>
+          </a:prstGeom>
+        </p:spPr>
+      </p:pic>
     </p:spTree>
     <p:extLst>
       <p:ext uri="{BB962C8B-B14F-4D97-AF65-F5344CB8AC3E}">
-        <p14:creationId xmlns:p14="http://schemas.microsoft.com/office/powerpoint/2010/main" val="128592377"/>
+        <p14:creationId xmlns:p14="http://schemas.microsoft.com/office/powerpoint/2010/main" val="2716527088"/>
       </p:ext>
     </p:extLst>
   </p:cSld>

--- a/Präsentation/Präsentation.pptx
+++ b/Präsentation/Präsentation.pptx
@@ -5,7 +5,7 @@
     <p:sldMasterId id="2147483725" r:id="rId1"/>
   </p:sldMasterIdLst>
   <p:notesMasterIdLst>
-    <p:notesMasterId r:id="rId17"/>
+    <p:notesMasterId r:id="rId19"/>
   </p:notesMasterIdLst>
   <p:sldIdLst>
     <p:sldId id="257" r:id="rId2"/>
@@ -16,13 +16,15 @@
     <p:sldId id="261" r:id="rId7"/>
     <p:sldId id="268" r:id="rId8"/>
     <p:sldId id="272" r:id="rId9"/>
-    <p:sldId id="258" r:id="rId10"/>
-    <p:sldId id="263" r:id="rId11"/>
-    <p:sldId id="275" r:id="rId12"/>
-    <p:sldId id="274" r:id="rId13"/>
-    <p:sldId id="270" r:id="rId14"/>
-    <p:sldId id="265" r:id="rId15"/>
-    <p:sldId id="269" r:id="rId16"/>
+    <p:sldId id="277" r:id="rId10"/>
+    <p:sldId id="276" r:id="rId11"/>
+    <p:sldId id="258" r:id="rId12"/>
+    <p:sldId id="263" r:id="rId13"/>
+    <p:sldId id="275" r:id="rId14"/>
+    <p:sldId id="274" r:id="rId15"/>
+    <p:sldId id="270" r:id="rId16"/>
+    <p:sldId id="265" r:id="rId17"/>
+    <p:sldId id="269" r:id="rId18"/>
   </p:sldIdLst>
   <p:sldSz cx="12192000" cy="6858000"/>
   <p:notesSz cx="6858000" cy="9144000"/>
@@ -211,7 +213,7 @@
           <a:p>
             <a:fld id="{5C20507F-F644-498B-8FD8-DF1C414025EC}" type="datetimeFigureOut">
               <a:rPr lang="de-DE" smtClean="0"/>
-              <a:t>18.11.2019</a:t>
+              <a:t>27.11.2019</a:t>
             </a:fld>
             <a:endParaRPr lang="de-DE"/>
           </a:p>
@@ -714,7 +716,7 @@
           <a:p>
             <a:fld id="{2F526E87-3F77-4BDE-BD80-0F6E2B67AF76}" type="slidenum">
               <a:rPr lang="de-DE" smtClean="0"/>
-              <a:t>10</a:t>
+              <a:t>12</a:t>
             </a:fld>
             <a:endParaRPr lang="de-DE"/>
           </a:p>
@@ -855,7 +857,7 @@
           <a:p>
             <a:fld id="{2F526E87-3F77-4BDE-BD80-0F6E2B67AF76}" type="slidenum">
               <a:rPr lang="de-DE" smtClean="0"/>
-              <a:t>14</a:t>
+              <a:t>16</a:t>
             </a:fld>
             <a:endParaRPr lang="de-DE"/>
           </a:p>
@@ -1100,7 +1102,7 @@
           <a:p>
             <a:fld id="{E20E4F3F-845D-4F9B-8146-D1519830B904}" type="datetime1">
               <a:rPr lang="de-DE" smtClean="0"/>
-              <a:t>18.11.2019</a:t>
+              <a:t>27.11.2019</a:t>
             </a:fld>
             <a:endParaRPr lang="de-DE"/>
           </a:p>
@@ -1323,7 +1325,7 @@
           <a:p>
             <a:fld id="{D6AF7F36-D3CF-4CB1-A198-5DBF5AE98F98}" type="datetime1">
               <a:rPr lang="de-DE" smtClean="0"/>
-              <a:t>18.11.2019</a:t>
+              <a:t>27.11.2019</a:t>
             </a:fld>
             <a:endParaRPr lang="de-DE"/>
           </a:p>
@@ -1594,7 +1596,7 @@
           <a:p>
             <a:fld id="{D034C2E4-6ADB-4C4E-B6E6-AED16E990A6B}" type="datetime1">
               <a:rPr lang="de-DE" smtClean="0"/>
-              <a:t>18.11.2019</a:t>
+              <a:t>27.11.2019</a:t>
             </a:fld>
             <a:endParaRPr lang="de-DE"/>
           </a:p>
@@ -1779,7 +1781,7 @@
           <a:p>
             <a:fld id="{8CAE0EDF-60BD-4F7C-BA0E-CEC3494323E3}" type="datetime1">
               <a:rPr lang="de-DE" smtClean="0"/>
-              <a:t>18.11.2019</a:t>
+              <a:t>27.11.2019</a:t>
             </a:fld>
             <a:endParaRPr lang="de-DE"/>
           </a:p>
@@ -2137,7 +2139,7 @@
           <a:p>
             <a:fld id="{65E87D71-8681-4979-A5E3-070DCB1B5789}" type="datetime1">
               <a:rPr lang="de-DE" smtClean="0"/>
-              <a:t>18.11.2019</a:t>
+              <a:t>27.11.2019</a:t>
             </a:fld>
             <a:endParaRPr lang="de-DE"/>
           </a:p>
@@ -2427,7 +2429,7 @@
           <a:p>
             <a:fld id="{FA6C8370-3AD9-4037-968C-483DB437FCFE}" type="datetime1">
               <a:rPr lang="de-DE" smtClean="0"/>
-              <a:t>18.11.2019</a:t>
+              <a:t>27.11.2019</a:t>
             </a:fld>
             <a:endParaRPr lang="de-DE"/>
           </a:p>
@@ -2821,7 +2823,7 @@
           <a:p>
             <a:fld id="{A9D059DF-F17F-4E6E-B5FE-C4568F9CDDED}" type="datetime1">
               <a:rPr lang="de-DE" smtClean="0"/>
-              <a:t>18.11.2019</a:t>
+              <a:t>27.11.2019</a:t>
             </a:fld>
             <a:endParaRPr lang="de-DE"/>
           </a:p>
@@ -2954,7 +2956,7 @@
           <a:p>
             <a:fld id="{33C65DDB-696D-4624-8A56-11F23A4BD75D}" type="datetime1">
               <a:rPr lang="de-DE" smtClean="0"/>
-              <a:t>18.11.2019</a:t>
+              <a:t>27.11.2019</a:t>
             </a:fld>
             <a:endParaRPr lang="de-DE"/>
           </a:p>
@@ -3140,7 +3142,7 @@
           <a:p>
             <a:fld id="{3755A3D4-8D6E-4B3D-815E-622AEB78E06F}" type="datetime1">
               <a:rPr lang="de-DE" smtClean="0"/>
-              <a:t>18.11.2019</a:t>
+              <a:t>27.11.2019</a:t>
             </a:fld>
             <a:endParaRPr lang="de-DE"/>
           </a:p>
@@ -3509,7 +3511,7 @@
           <a:p>
             <a:fld id="{6B6C2961-9553-4839-AF75-01B62C904A1D}" type="datetime1">
               <a:rPr lang="de-DE" smtClean="0"/>
-              <a:t>18.11.2019</a:t>
+              <a:t>27.11.2019</a:t>
             </a:fld>
             <a:endParaRPr lang="de-DE"/>
           </a:p>
@@ -3901,7 +3903,7 @@
           <a:p>
             <a:fld id="{FA987991-0E6C-4CA2-9EA8-4339CDBF957C}" type="datetime1">
               <a:rPr lang="de-DE" smtClean="0"/>
-              <a:t>18.11.2019</a:t>
+              <a:t>27.11.2019</a:t>
             </a:fld>
             <a:endParaRPr lang="de-DE"/>
           </a:p>
@@ -4203,7 +4205,7 @@
           <a:p>
             <a:fld id="{D143D594-0D86-4019-A654-65D000944FED}" type="datetime1">
               <a:rPr lang="de-DE" smtClean="0"/>
-              <a:t>18.11.2019</a:t>
+              <a:t>27.11.2019</a:t>
             </a:fld>
             <a:endParaRPr lang="de-DE"/>
           </a:p>
@@ -5194,6 +5196,1068 @@
 </file>
 
 <file path=ppt/slides/slide10.xml><?xml version="1.0" encoding="utf-8"?>
+<p:sld xmlns:a="http://schemas.openxmlformats.org/drawingml/2006/main" xmlns:r="http://schemas.openxmlformats.org/officeDocument/2006/relationships" xmlns:p="http://schemas.openxmlformats.org/presentationml/2006/main">
+  <p:cSld>
+    <p:spTree>
+      <p:nvGrpSpPr>
+        <p:cNvPr id="1" name=""/>
+        <p:cNvGrpSpPr/>
+        <p:nvPr/>
+      </p:nvGrpSpPr>
+      <p:grpSpPr>
+        <a:xfrm>
+          <a:off x="0" y="0"/>
+          <a:ext cx="0" cy="0"/>
+          <a:chOff x="0" y="0"/>
+          <a:chExt cx="0" cy="0"/>
+        </a:xfrm>
+      </p:grpSpPr>
+      <p:sp>
+        <p:nvSpPr>
+          <p:cNvPr id="2" name="Titel 1">
+            <a:extLst>
+              <a:ext uri="{FF2B5EF4-FFF2-40B4-BE49-F238E27FC236}">
+                <a16:creationId xmlns:a16="http://schemas.microsoft.com/office/drawing/2014/main" id="{757E532A-AA56-4528-80D1-FFE571B09F00}"/>
+              </a:ext>
+            </a:extLst>
+          </p:cNvPr>
+          <p:cNvSpPr>
+            <a:spLocks noGrp="1"/>
+          </p:cNvSpPr>
+          <p:nvPr>
+            <p:ph type="title"/>
+          </p:nvPr>
+        </p:nvSpPr>
+        <p:spPr/>
+        <p:txBody>
+          <a:bodyPr anchor="t"/>
+          <a:lstStyle/>
+          <a:p>
+            <a:r>
+              <a:rPr lang="de-DE" dirty="0"/>
+              <a:t>BPMN Diagramm-Fehlerbehandlung</a:t>
+            </a:r>
+          </a:p>
+        </p:txBody>
+      </p:sp>
+      <p:sp>
+        <p:nvSpPr>
+          <p:cNvPr id="4" name="Fußzeilenplatzhalter 3">
+            <a:extLst>
+              <a:ext uri="{FF2B5EF4-FFF2-40B4-BE49-F238E27FC236}">
+                <a16:creationId xmlns:a16="http://schemas.microsoft.com/office/drawing/2014/main" id="{6C90DE98-DF22-4C9E-9A96-D9366834FB7C}"/>
+              </a:ext>
+            </a:extLst>
+          </p:cNvPr>
+          <p:cNvSpPr>
+            <a:spLocks noGrp="1"/>
+          </p:cNvSpPr>
+          <p:nvPr>
+            <p:ph type="ftr" sz="quarter" idx="11"/>
+          </p:nvPr>
+        </p:nvSpPr>
+        <p:spPr/>
+        <p:txBody>
+          <a:bodyPr/>
+          <a:lstStyle/>
+          <a:p>
+            <a:r>
+              <a:rPr lang="de-DE"/>
+              <a:t>Alb-Brau Consulting AG </a:t>
+            </a:r>
+          </a:p>
+        </p:txBody>
+      </p:sp>
+      <p:sp>
+        <p:nvSpPr>
+          <p:cNvPr id="5" name="Foliennummernplatzhalter 4">
+            <a:extLst>
+              <a:ext uri="{FF2B5EF4-FFF2-40B4-BE49-F238E27FC236}">
+                <a16:creationId xmlns:a16="http://schemas.microsoft.com/office/drawing/2014/main" id="{048D60BD-C646-410C-B2C8-E2F49A762970}"/>
+              </a:ext>
+            </a:extLst>
+          </p:cNvPr>
+          <p:cNvSpPr>
+            <a:spLocks noGrp="1"/>
+          </p:cNvSpPr>
+          <p:nvPr>
+            <p:ph type="sldNum" sz="quarter" idx="12"/>
+          </p:nvPr>
+        </p:nvSpPr>
+        <p:spPr/>
+        <p:txBody>
+          <a:bodyPr/>
+          <a:lstStyle/>
+          <a:p>
+            <a:fld id="{E2B3C6FC-26FA-4D7E-AC88-A939C9C27DF5}" type="slidenum">
+              <a:rPr lang="de-DE" smtClean="0"/>
+              <a:t>10</a:t>
+            </a:fld>
+            <a:endParaRPr lang="de-DE"/>
+          </a:p>
+        </p:txBody>
+      </p:sp>
+      <p:pic>
+        <p:nvPicPr>
+          <p:cNvPr id="7" name="Grafik 6">
+            <a:extLst>
+              <a:ext uri="{FF2B5EF4-FFF2-40B4-BE49-F238E27FC236}">
+                <a16:creationId xmlns:a16="http://schemas.microsoft.com/office/drawing/2014/main" id="{05AA298F-8DF8-4DB3-A9B4-BFF5A19F28F3}"/>
+              </a:ext>
+            </a:extLst>
+          </p:cNvPr>
+          <p:cNvPicPr>
+            <a:picLocks noChangeAspect="1"/>
+          </p:cNvPicPr>
+          <p:nvPr/>
+        </p:nvPicPr>
+        <p:blipFill>
+          <a:blip r:embed="rId2">
+            <a:extLst>
+              <a:ext uri="{28A0092B-C50C-407E-A947-70E740481C1C}">
+                <a14:useLocalDpi xmlns:a14="http://schemas.microsoft.com/office/drawing/2010/main" val="0"/>
+              </a:ext>
+            </a:extLst>
+          </a:blip>
+          <a:stretch>
+            <a:fillRect/>
+          </a:stretch>
+        </p:blipFill>
+        <p:spPr>
+          <a:xfrm>
+            <a:off x="858176" y="1093369"/>
+            <a:ext cx="10475647" cy="4671261"/>
+          </a:xfrm>
+          <a:prstGeom prst="rect">
+            <a:avLst/>
+          </a:prstGeom>
+        </p:spPr>
+      </p:pic>
+    </p:spTree>
+    <p:extLst>
+      <p:ext uri="{BB962C8B-B14F-4D97-AF65-F5344CB8AC3E}">
+        <p14:creationId xmlns:p14="http://schemas.microsoft.com/office/powerpoint/2010/main" val="3873084838"/>
+      </p:ext>
+    </p:extLst>
+  </p:cSld>
+  <p:clrMapOvr>
+    <a:masterClrMapping/>
+  </p:clrMapOvr>
+  <mc:AlternateContent xmlns:mc="http://schemas.openxmlformats.org/markup-compatibility/2006" xmlns:p14="http://schemas.microsoft.com/office/powerpoint/2010/main">
+    <mc:Choice Requires="p14">
+      <p:transition spd="med" p14:dur="700">
+        <p:fade/>
+      </p:transition>
+    </mc:Choice>
+    <mc:Fallback xmlns="">
+      <p:transition spd="med">
+        <p:fade/>
+      </p:transition>
+    </mc:Fallback>
+  </mc:AlternateContent>
+</p:sld>
+</file>
+
+<file path=ppt/slides/slide11.xml><?xml version="1.0" encoding="utf-8"?>
+<p:sld xmlns:a="http://schemas.openxmlformats.org/drawingml/2006/main" xmlns:r="http://schemas.openxmlformats.org/officeDocument/2006/relationships" xmlns:p="http://schemas.openxmlformats.org/presentationml/2006/main">
+  <p:cSld>
+    <p:spTree>
+      <p:nvGrpSpPr>
+        <p:cNvPr id="1" name=""/>
+        <p:cNvGrpSpPr/>
+        <p:nvPr/>
+      </p:nvGrpSpPr>
+      <p:grpSpPr>
+        <a:xfrm>
+          <a:off x="0" y="0"/>
+          <a:ext cx="0" cy="0"/>
+          <a:chOff x="0" y="0"/>
+          <a:chExt cx="0" cy="0"/>
+        </a:xfrm>
+      </p:grpSpPr>
+      <p:sp>
+        <p:nvSpPr>
+          <p:cNvPr id="2" name="Titel 1">
+            <a:extLst>
+              <a:ext uri="{FF2B5EF4-FFF2-40B4-BE49-F238E27FC236}">
+                <a16:creationId xmlns:a16="http://schemas.microsoft.com/office/drawing/2014/main" id="{EBA85F54-63E7-42CF-B18F-7EE29DE838DE}"/>
+              </a:ext>
+            </a:extLst>
+          </p:cNvPr>
+          <p:cNvSpPr>
+            <a:spLocks noGrp="1"/>
+          </p:cNvSpPr>
+          <p:nvPr>
+            <p:ph type="title"/>
+          </p:nvPr>
+        </p:nvSpPr>
+        <p:spPr/>
+        <p:txBody>
+          <a:bodyPr>
+            <a:normAutofit/>
+          </a:bodyPr>
+          <a:lstStyle/>
+          <a:p>
+            <a:pPr algn="ctr"/>
+            <a:r>
+              <a:rPr lang="de-DE" dirty="0"/>
+              <a:t>Work Breakdown Structure</a:t>
+            </a:r>
+          </a:p>
+        </p:txBody>
+      </p:sp>
+      <p:sp>
+        <p:nvSpPr>
+          <p:cNvPr id="5" name="Rechteck: abgerundete Ecken 4">
+            <a:extLst>
+              <a:ext uri="{FF2B5EF4-FFF2-40B4-BE49-F238E27FC236}">
+                <a16:creationId xmlns:a16="http://schemas.microsoft.com/office/drawing/2014/main" id="{D05F816A-C7C1-49BE-ADE5-3D33CBD35610}"/>
+              </a:ext>
+            </a:extLst>
+          </p:cNvPr>
+          <p:cNvSpPr/>
+          <p:nvPr/>
+        </p:nvSpPr>
+        <p:spPr>
+          <a:xfrm>
+            <a:off x="7154107" y="1849884"/>
+            <a:ext cx="1275475" cy="570381"/>
+          </a:xfrm>
+          <a:prstGeom prst="roundRect">
+            <a:avLst/>
+          </a:prstGeom>
+          <a:ln>
+            <a:noFill/>
+          </a:ln>
+        </p:spPr>
+        <p:style>
+          <a:lnRef idx="1">
+            <a:schemeClr val="accent1"/>
+          </a:lnRef>
+          <a:fillRef idx="2">
+            <a:schemeClr val="accent1"/>
+          </a:fillRef>
+          <a:effectRef idx="1">
+            <a:schemeClr val="accent1"/>
+          </a:effectRef>
+          <a:fontRef idx="minor">
+            <a:schemeClr val="dk1"/>
+          </a:fontRef>
+        </p:style>
+        <p:txBody>
+          <a:bodyPr rtlCol="0" anchor="ctr"/>
+          <a:lstStyle/>
+          <a:p>
+            <a:pPr algn="ctr"/>
+            <a:r>
+              <a:rPr lang="de-DE" b="1" dirty="0" err="1">
+                <a:solidFill>
+                  <a:schemeClr val="bg1"/>
+                </a:solidFill>
+              </a:rPr>
+              <a:t>Testing</a:t>
+            </a:r>
+            <a:endParaRPr lang="de-DE" b="1" dirty="0">
+              <a:solidFill>
+                <a:schemeClr val="bg1"/>
+              </a:solidFill>
+            </a:endParaRPr>
+          </a:p>
+        </p:txBody>
+      </p:sp>
+      <p:sp>
+        <p:nvSpPr>
+          <p:cNvPr id="6" name="Rechteck: abgerundete Ecken 5">
+            <a:extLst>
+              <a:ext uri="{FF2B5EF4-FFF2-40B4-BE49-F238E27FC236}">
+                <a16:creationId xmlns:a16="http://schemas.microsoft.com/office/drawing/2014/main" id="{2748357F-DA3C-4365-B39A-A2797DCE49EB}"/>
+              </a:ext>
+            </a:extLst>
+          </p:cNvPr>
+          <p:cNvSpPr/>
+          <p:nvPr/>
+        </p:nvSpPr>
+        <p:spPr>
+          <a:xfrm>
+            <a:off x="994281" y="1849882"/>
+            <a:ext cx="1405616" cy="614525"/>
+          </a:xfrm>
+          <a:prstGeom prst="roundRect">
+            <a:avLst/>
+          </a:prstGeom>
+          <a:ln>
+            <a:noFill/>
+          </a:ln>
+        </p:spPr>
+        <p:style>
+          <a:lnRef idx="1">
+            <a:schemeClr val="accent1"/>
+          </a:lnRef>
+          <a:fillRef idx="2">
+            <a:schemeClr val="accent1"/>
+          </a:fillRef>
+          <a:effectRef idx="1">
+            <a:schemeClr val="accent1"/>
+          </a:effectRef>
+          <a:fontRef idx="minor">
+            <a:schemeClr val="dk1"/>
+          </a:fontRef>
+        </p:style>
+        <p:txBody>
+          <a:bodyPr rtlCol="0" anchor="ctr"/>
+          <a:lstStyle/>
+          <a:p>
+            <a:pPr algn="ctr"/>
+            <a:r>
+              <a:rPr lang="de-DE" sz="1400" b="1" dirty="0" err="1">
+                <a:solidFill>
+                  <a:schemeClr val="bg1"/>
+                </a:solidFill>
+              </a:rPr>
+              <a:t>Developement</a:t>
+            </a:r>
+            <a:endParaRPr lang="de-DE" sz="1400" b="1" dirty="0">
+              <a:solidFill>
+                <a:schemeClr val="bg1"/>
+              </a:solidFill>
+            </a:endParaRPr>
+          </a:p>
+        </p:txBody>
+      </p:sp>
+      <p:sp>
+        <p:nvSpPr>
+          <p:cNvPr id="8" name="Rechteck: abgerundete Ecken 7">
+            <a:extLst>
+              <a:ext uri="{FF2B5EF4-FFF2-40B4-BE49-F238E27FC236}">
+                <a16:creationId xmlns:a16="http://schemas.microsoft.com/office/drawing/2014/main" id="{25C6A291-E902-4178-AD51-613DEEC5CEC3}"/>
+              </a:ext>
+            </a:extLst>
+          </p:cNvPr>
+          <p:cNvSpPr/>
+          <p:nvPr/>
+        </p:nvSpPr>
+        <p:spPr>
+          <a:xfrm>
+            <a:off x="9777716" y="1871954"/>
+            <a:ext cx="1155895" cy="570381"/>
+          </a:xfrm>
+          <a:prstGeom prst="roundRect">
+            <a:avLst/>
+          </a:prstGeom>
+          <a:ln>
+            <a:noFill/>
+          </a:ln>
+        </p:spPr>
+        <p:style>
+          <a:lnRef idx="1">
+            <a:schemeClr val="accent1"/>
+          </a:lnRef>
+          <a:fillRef idx="2">
+            <a:schemeClr val="accent1"/>
+          </a:fillRef>
+          <a:effectRef idx="1">
+            <a:schemeClr val="accent1"/>
+          </a:effectRef>
+          <a:fontRef idx="minor">
+            <a:schemeClr val="dk1"/>
+          </a:fontRef>
+        </p:style>
+        <p:txBody>
+          <a:bodyPr rtlCol="0" anchor="ctr"/>
+          <a:lstStyle/>
+          <a:p>
+            <a:pPr algn="ctr"/>
+            <a:r>
+              <a:rPr lang="de-DE" b="1" dirty="0">
+                <a:solidFill>
+                  <a:schemeClr val="bg1"/>
+                </a:solidFill>
+              </a:rPr>
+              <a:t>Support</a:t>
+            </a:r>
+          </a:p>
+        </p:txBody>
+      </p:sp>
+      <p:sp>
+        <p:nvSpPr>
+          <p:cNvPr id="9" name="Rechteck 8">
+            <a:extLst>
+              <a:ext uri="{FF2B5EF4-FFF2-40B4-BE49-F238E27FC236}">
+                <a16:creationId xmlns:a16="http://schemas.microsoft.com/office/drawing/2014/main" id="{6E6E176E-2C0C-4FEF-AFBC-F5E07926AEFE}"/>
+              </a:ext>
+            </a:extLst>
+          </p:cNvPr>
+          <p:cNvSpPr/>
+          <p:nvPr/>
+        </p:nvSpPr>
+        <p:spPr>
+          <a:xfrm>
+            <a:off x="410437" y="2464409"/>
+            <a:ext cx="3091126" cy="4197677"/>
+          </a:xfrm>
+          <a:prstGeom prst="rect">
+            <a:avLst/>
+          </a:prstGeom>
+          <a:noFill/>
+          <a:ln>
+            <a:noFill/>
+          </a:ln>
+        </p:spPr>
+        <p:style>
+          <a:lnRef idx="2">
+            <a:schemeClr val="accent1">
+              <a:shade val="50000"/>
+            </a:schemeClr>
+          </a:lnRef>
+          <a:fillRef idx="1">
+            <a:schemeClr val="accent1"/>
+          </a:fillRef>
+          <a:effectRef idx="0">
+            <a:schemeClr val="accent1"/>
+          </a:effectRef>
+          <a:fontRef idx="minor">
+            <a:schemeClr val="lt1"/>
+          </a:fontRef>
+        </p:style>
+        <p:txBody>
+          <a:bodyPr rtlCol="0" anchor="t"/>
+          <a:lstStyle/>
+          <a:p>
+            <a:pPr marL="285750" indent="-285750">
+              <a:buFont typeface="Arial" panose="020B0604020202020204" pitchFamily="34" charset="0"/>
+              <a:buChar char="•"/>
+            </a:pPr>
+            <a:r>
+              <a:rPr lang="de-DE" sz="1400" dirty="0">
+                <a:solidFill>
+                  <a:schemeClr val="tx1"/>
+                </a:solidFill>
+              </a:rPr>
+              <a:t>MQTT Server programmieren</a:t>
+            </a:r>
+          </a:p>
+          <a:p>
+            <a:pPr marL="285750" indent="-285750">
+              <a:buFont typeface="Arial" panose="020B0604020202020204" pitchFamily="34" charset="0"/>
+              <a:buChar char="•"/>
+            </a:pPr>
+            <a:r>
+              <a:rPr lang="de-DE" sz="1400" dirty="0">
+                <a:solidFill>
+                  <a:schemeClr val="tx1"/>
+                </a:solidFill>
+              </a:rPr>
+              <a:t>Rezepte in SAP einpflegen </a:t>
+            </a:r>
+          </a:p>
+          <a:p>
+            <a:pPr marL="285750" indent="-285750">
+              <a:buFont typeface="Arial" panose="020B0604020202020204" pitchFamily="34" charset="0"/>
+              <a:buChar char="•"/>
+            </a:pPr>
+            <a:r>
+              <a:rPr lang="de-DE" sz="1400" dirty="0">
+                <a:solidFill>
+                  <a:schemeClr val="tx1"/>
+                </a:solidFill>
+              </a:rPr>
+              <a:t>Schnittstelle für Pflanzenanbau schaffen</a:t>
+            </a:r>
+          </a:p>
+          <a:p>
+            <a:pPr marL="285750" indent="-285750">
+              <a:buFont typeface="Arial" panose="020B0604020202020204" pitchFamily="34" charset="0"/>
+              <a:buChar char="•"/>
+            </a:pPr>
+            <a:r>
+              <a:rPr lang="de-DE" sz="1400" dirty="0">
+                <a:solidFill>
+                  <a:schemeClr val="tx1"/>
+                </a:solidFill>
+              </a:rPr>
+              <a:t>Schnittstelle für </a:t>
+            </a:r>
+            <a:r>
+              <a:rPr lang="de-DE" sz="1400" dirty="0" err="1">
+                <a:solidFill>
+                  <a:schemeClr val="tx1"/>
+                </a:solidFill>
+              </a:rPr>
+              <a:t>Conditioning</a:t>
+            </a:r>
+            <a:r>
+              <a:rPr lang="de-DE" sz="1400" dirty="0">
+                <a:solidFill>
+                  <a:schemeClr val="tx1"/>
+                </a:solidFill>
+              </a:rPr>
+              <a:t> Monitoring</a:t>
+            </a:r>
+          </a:p>
+          <a:p>
+            <a:pPr marL="285750" indent="-285750">
+              <a:buFont typeface="Arial" panose="020B0604020202020204" pitchFamily="34" charset="0"/>
+              <a:buChar char="•"/>
+            </a:pPr>
+            <a:r>
+              <a:rPr lang="de-DE" sz="1400" dirty="0">
+                <a:solidFill>
+                  <a:schemeClr val="tx1"/>
+                </a:solidFill>
+              </a:rPr>
+              <a:t>SAP programmieren</a:t>
+            </a:r>
+          </a:p>
+          <a:p>
+            <a:pPr marL="285750" indent="-285750">
+              <a:buFont typeface="Arial" panose="020B0604020202020204" pitchFamily="34" charset="0"/>
+              <a:buChar char="•"/>
+            </a:pPr>
+            <a:r>
+              <a:rPr lang="de-DE" sz="1400" dirty="0">
+                <a:solidFill>
+                  <a:schemeClr val="tx1"/>
+                </a:solidFill>
+              </a:rPr>
+              <a:t>SAP Schnittstelle für die Sensoren </a:t>
+            </a:r>
+          </a:p>
+          <a:p>
+            <a:pPr marL="285750" indent="-285750">
+              <a:buFont typeface="Arial" panose="020B0604020202020204" pitchFamily="34" charset="0"/>
+              <a:buChar char="•"/>
+            </a:pPr>
+            <a:r>
+              <a:rPr lang="de-DE" sz="1400" dirty="0">
+                <a:solidFill>
+                  <a:schemeClr val="tx1"/>
+                </a:solidFill>
+              </a:rPr>
+              <a:t>RFID Kennzeichnung (pro Auftrag) erzeugen</a:t>
+            </a:r>
+          </a:p>
+          <a:p>
+            <a:pPr marL="285750" indent="-285750">
+              <a:buFont typeface="Arial" panose="020B0604020202020204" pitchFamily="34" charset="0"/>
+              <a:buChar char="•"/>
+            </a:pPr>
+            <a:r>
+              <a:rPr lang="de-DE" sz="1400" dirty="0">
+                <a:solidFill>
+                  <a:schemeClr val="tx1"/>
+                </a:solidFill>
+              </a:rPr>
+              <a:t>Sensoren anbinden und konfigurieren</a:t>
+            </a:r>
+          </a:p>
+          <a:p>
+            <a:pPr marL="285750" indent="-285750">
+              <a:buFont typeface="Arial" panose="020B0604020202020204" pitchFamily="34" charset="0"/>
+              <a:buChar char="•"/>
+            </a:pPr>
+            <a:r>
+              <a:rPr lang="de-DE" sz="1400" dirty="0">
+                <a:solidFill>
+                  <a:schemeClr val="tx1"/>
+                </a:solidFill>
+              </a:rPr>
+              <a:t>Aktoren anbinden und konfigurieren</a:t>
+            </a:r>
+          </a:p>
+          <a:p>
+            <a:pPr marL="285750" indent="-285750">
+              <a:buFont typeface="Arial" panose="020B0604020202020204" pitchFamily="34" charset="0"/>
+              <a:buChar char="•"/>
+            </a:pPr>
+            <a:r>
+              <a:rPr lang="de-DE" sz="1400" dirty="0">
+                <a:solidFill>
+                  <a:schemeClr val="tx1"/>
+                </a:solidFill>
+              </a:rPr>
+              <a:t>SPS programmieren und anbinden</a:t>
+            </a:r>
+          </a:p>
+          <a:p>
+            <a:pPr marL="285750" indent="-285750">
+              <a:buFont typeface="Arial" panose="020B0604020202020204" pitchFamily="34" charset="0"/>
+              <a:buChar char="•"/>
+            </a:pPr>
+            <a:r>
+              <a:rPr lang="de-DE" sz="1400" dirty="0">
+                <a:solidFill>
+                  <a:schemeClr val="tx1"/>
+                </a:solidFill>
+              </a:rPr>
+              <a:t>Gateway aufsetzen </a:t>
+            </a:r>
+          </a:p>
+        </p:txBody>
+      </p:sp>
+      <p:sp>
+        <p:nvSpPr>
+          <p:cNvPr id="31" name="Rechteck: abgerundete Ecken 30">
+            <a:extLst>
+              <a:ext uri="{FF2B5EF4-FFF2-40B4-BE49-F238E27FC236}">
+                <a16:creationId xmlns:a16="http://schemas.microsoft.com/office/drawing/2014/main" id="{0C03E21E-2FD8-44A6-AE66-1AFAE12DD2D5}"/>
+              </a:ext>
+            </a:extLst>
+          </p:cNvPr>
+          <p:cNvSpPr/>
+          <p:nvPr/>
+        </p:nvSpPr>
+        <p:spPr>
+          <a:xfrm>
+            <a:off x="4465455" y="1849883"/>
+            <a:ext cx="1275475" cy="570382"/>
+          </a:xfrm>
+          <a:prstGeom prst="roundRect">
+            <a:avLst/>
+          </a:prstGeom>
+          <a:ln>
+            <a:noFill/>
+          </a:ln>
+        </p:spPr>
+        <p:style>
+          <a:lnRef idx="1">
+            <a:schemeClr val="accent1"/>
+          </a:lnRef>
+          <a:fillRef idx="2">
+            <a:schemeClr val="accent1"/>
+          </a:fillRef>
+          <a:effectRef idx="1">
+            <a:schemeClr val="accent1"/>
+          </a:effectRef>
+          <a:fontRef idx="minor">
+            <a:schemeClr val="dk1"/>
+          </a:fontRef>
+        </p:style>
+        <p:txBody>
+          <a:bodyPr rtlCol="0" anchor="ctr"/>
+          <a:lstStyle/>
+          <a:p>
+            <a:pPr algn="ctr"/>
+            <a:r>
+              <a:rPr lang="de-DE" sz="1400" b="1" dirty="0">
+                <a:solidFill>
+                  <a:schemeClr val="bg1"/>
+                </a:solidFill>
+              </a:rPr>
+              <a:t>Projekt-</a:t>
+            </a:r>
+          </a:p>
+          <a:p>
+            <a:pPr algn="ctr"/>
+            <a:r>
+              <a:rPr lang="de-DE" sz="1400" b="1" dirty="0" err="1">
+                <a:solidFill>
+                  <a:schemeClr val="bg1"/>
+                </a:solidFill>
+              </a:rPr>
+              <a:t>management</a:t>
+            </a:r>
+            <a:endParaRPr lang="de-DE" sz="1400" b="1" dirty="0">
+              <a:solidFill>
+                <a:schemeClr val="bg1"/>
+              </a:solidFill>
+            </a:endParaRPr>
+          </a:p>
+        </p:txBody>
+      </p:sp>
+      <p:sp>
+        <p:nvSpPr>
+          <p:cNvPr id="26" name="Rechteck 25">
+            <a:extLst>
+              <a:ext uri="{FF2B5EF4-FFF2-40B4-BE49-F238E27FC236}">
+                <a16:creationId xmlns:a16="http://schemas.microsoft.com/office/drawing/2014/main" id="{CA1B537E-5B48-4DFB-9BEA-6D3128E34427}"/>
+              </a:ext>
+            </a:extLst>
+          </p:cNvPr>
+          <p:cNvSpPr/>
+          <p:nvPr/>
+        </p:nvSpPr>
+        <p:spPr>
+          <a:xfrm>
+            <a:off x="3813074" y="2464409"/>
+            <a:ext cx="3091126" cy="4197677"/>
+          </a:xfrm>
+          <a:prstGeom prst="rect">
+            <a:avLst/>
+          </a:prstGeom>
+          <a:noFill/>
+          <a:ln>
+            <a:noFill/>
+          </a:ln>
+        </p:spPr>
+        <p:style>
+          <a:lnRef idx="2">
+            <a:schemeClr val="accent1">
+              <a:shade val="50000"/>
+            </a:schemeClr>
+          </a:lnRef>
+          <a:fillRef idx="1">
+            <a:schemeClr val="accent1"/>
+          </a:fillRef>
+          <a:effectRef idx="0">
+            <a:schemeClr val="accent1"/>
+          </a:effectRef>
+          <a:fontRef idx="minor">
+            <a:schemeClr val="lt1"/>
+          </a:fontRef>
+        </p:style>
+        <p:txBody>
+          <a:bodyPr rtlCol="0" anchor="t"/>
+          <a:lstStyle/>
+          <a:p>
+            <a:pPr marL="285750" indent="-285750">
+              <a:buFont typeface="Arial" panose="020B0604020202020204" pitchFamily="34" charset="0"/>
+              <a:buChar char="•"/>
+            </a:pPr>
+            <a:r>
+              <a:rPr lang="de-DE" sz="1400" dirty="0">
+                <a:solidFill>
+                  <a:schemeClr val="tx1"/>
+                </a:solidFill>
+              </a:rPr>
+              <a:t>Kommunikationsplan des </a:t>
+            </a:r>
+            <a:br>
+              <a:rPr lang="de-DE" sz="1400" dirty="0">
+                <a:solidFill>
+                  <a:schemeClr val="tx1"/>
+                </a:solidFill>
+              </a:rPr>
+            </a:br>
+            <a:r>
+              <a:rPr lang="de-DE" sz="1400" dirty="0">
+                <a:solidFill>
+                  <a:schemeClr val="tx1"/>
+                </a:solidFill>
+              </a:rPr>
+              <a:t>Systems erstellen</a:t>
+            </a:r>
+          </a:p>
+          <a:p>
+            <a:pPr marL="285750" indent="-285750">
+              <a:buFont typeface="Arial" panose="020B0604020202020204" pitchFamily="34" charset="0"/>
+              <a:buChar char="•"/>
+            </a:pPr>
+            <a:r>
+              <a:rPr lang="de-DE" sz="1400" dirty="0">
+                <a:solidFill>
+                  <a:schemeClr val="tx1"/>
+                </a:solidFill>
+              </a:rPr>
+              <a:t>Aktivitätsplan und Verteilung </a:t>
+            </a:r>
+          </a:p>
+          <a:p>
+            <a:pPr marL="285750" indent="-285750">
+              <a:buFont typeface="Arial" panose="020B0604020202020204" pitchFamily="34" charset="0"/>
+              <a:buChar char="•"/>
+            </a:pPr>
+            <a:r>
+              <a:rPr lang="de-DE" sz="1400" dirty="0">
+                <a:solidFill>
+                  <a:schemeClr val="tx1"/>
+                </a:solidFill>
+              </a:rPr>
+              <a:t>Kommunikation mit Braumeister</a:t>
+            </a:r>
+          </a:p>
+          <a:p>
+            <a:pPr marL="285750" indent="-285750">
+              <a:buFont typeface="Arial" panose="020B0604020202020204" pitchFamily="34" charset="0"/>
+              <a:buChar char="•"/>
+            </a:pPr>
+            <a:r>
+              <a:rPr lang="de-DE" sz="1400" dirty="0">
+                <a:solidFill>
+                  <a:schemeClr val="tx1"/>
+                </a:solidFill>
+              </a:rPr>
+              <a:t>Kommunikation mit anderen Gruppen</a:t>
+            </a:r>
+          </a:p>
+          <a:p>
+            <a:pPr marL="285750" indent="-285750">
+              <a:buFont typeface="Arial" panose="020B0604020202020204" pitchFamily="34" charset="0"/>
+              <a:buChar char="•"/>
+            </a:pPr>
+            <a:r>
+              <a:rPr lang="de-DE" sz="1400" dirty="0">
+                <a:solidFill>
+                  <a:schemeClr val="tx1"/>
+                </a:solidFill>
+              </a:rPr>
+              <a:t>Überprüfung der Ziele und mögliche Anpassung des Projektplans</a:t>
+            </a:r>
+          </a:p>
+        </p:txBody>
+      </p:sp>
+      <p:sp>
+        <p:nvSpPr>
+          <p:cNvPr id="30" name="Rechteck 29">
+            <a:extLst>
+              <a:ext uri="{FF2B5EF4-FFF2-40B4-BE49-F238E27FC236}">
+                <a16:creationId xmlns:a16="http://schemas.microsoft.com/office/drawing/2014/main" id="{C80BE056-2216-419E-A5EA-0CCEEE7AC3B1}"/>
+              </a:ext>
+            </a:extLst>
+          </p:cNvPr>
+          <p:cNvSpPr/>
+          <p:nvPr/>
+        </p:nvSpPr>
+        <p:spPr>
+          <a:xfrm>
+            <a:off x="6686590" y="2464410"/>
+            <a:ext cx="3091126" cy="4197677"/>
+          </a:xfrm>
+          <a:prstGeom prst="rect">
+            <a:avLst/>
+          </a:prstGeom>
+          <a:noFill/>
+          <a:ln>
+            <a:noFill/>
+          </a:ln>
+        </p:spPr>
+        <p:style>
+          <a:lnRef idx="2">
+            <a:schemeClr val="accent1">
+              <a:shade val="50000"/>
+            </a:schemeClr>
+          </a:lnRef>
+          <a:fillRef idx="1">
+            <a:schemeClr val="accent1"/>
+          </a:fillRef>
+          <a:effectRef idx="0">
+            <a:schemeClr val="accent1"/>
+          </a:effectRef>
+          <a:fontRef idx="minor">
+            <a:schemeClr val="lt1"/>
+          </a:fontRef>
+        </p:style>
+        <p:txBody>
+          <a:bodyPr rtlCol="0" anchor="t"/>
+          <a:lstStyle/>
+          <a:p>
+            <a:pPr marL="285750" indent="-285750">
+              <a:buFont typeface="Arial" panose="020B0604020202020204" pitchFamily="34" charset="0"/>
+              <a:buChar char="•"/>
+            </a:pPr>
+            <a:r>
+              <a:rPr lang="de-DE" sz="1400" dirty="0">
+                <a:solidFill>
+                  <a:schemeClr val="tx1"/>
+                </a:solidFill>
+              </a:rPr>
+              <a:t>Stresstest/Integrationstest</a:t>
+            </a:r>
+          </a:p>
+          <a:p>
+            <a:pPr marL="285750" indent="-285750">
+              <a:buFont typeface="Arial" panose="020B0604020202020204" pitchFamily="34" charset="0"/>
+              <a:buChar char="•"/>
+            </a:pPr>
+            <a:r>
+              <a:rPr lang="de-DE" sz="1400" dirty="0">
+                <a:solidFill>
+                  <a:schemeClr val="tx1"/>
+                </a:solidFill>
+              </a:rPr>
+              <a:t>Produktionstest/Abnahme</a:t>
+            </a:r>
+          </a:p>
+          <a:p>
+            <a:pPr marL="285750" indent="-285750">
+              <a:buFont typeface="Arial" panose="020B0604020202020204" pitchFamily="34" charset="0"/>
+              <a:buChar char="•"/>
+            </a:pPr>
+            <a:r>
+              <a:rPr lang="de-DE" sz="1400" dirty="0">
+                <a:solidFill>
+                  <a:schemeClr val="tx1"/>
+                </a:solidFill>
+              </a:rPr>
+              <a:t>Test der Teilkomponenten</a:t>
+            </a:r>
+          </a:p>
+        </p:txBody>
+      </p:sp>
+      <p:sp>
+        <p:nvSpPr>
+          <p:cNvPr id="35" name="Rechteck 34">
+            <a:extLst>
+              <a:ext uri="{FF2B5EF4-FFF2-40B4-BE49-F238E27FC236}">
+                <a16:creationId xmlns:a16="http://schemas.microsoft.com/office/drawing/2014/main" id="{B3E8A12B-59CA-41CA-8416-C45E34EE49E2}"/>
+              </a:ext>
+            </a:extLst>
+          </p:cNvPr>
+          <p:cNvSpPr/>
+          <p:nvPr/>
+        </p:nvSpPr>
+        <p:spPr>
+          <a:xfrm>
+            <a:off x="9170498" y="2464408"/>
+            <a:ext cx="3091126" cy="4197677"/>
+          </a:xfrm>
+          <a:prstGeom prst="rect">
+            <a:avLst/>
+          </a:prstGeom>
+          <a:noFill/>
+          <a:ln>
+            <a:noFill/>
+          </a:ln>
+        </p:spPr>
+        <p:style>
+          <a:lnRef idx="2">
+            <a:schemeClr val="accent1">
+              <a:shade val="50000"/>
+            </a:schemeClr>
+          </a:lnRef>
+          <a:fillRef idx="1">
+            <a:schemeClr val="accent1"/>
+          </a:fillRef>
+          <a:effectRef idx="0">
+            <a:schemeClr val="accent1"/>
+          </a:effectRef>
+          <a:fontRef idx="minor">
+            <a:schemeClr val="lt1"/>
+          </a:fontRef>
+        </p:style>
+        <p:txBody>
+          <a:bodyPr rtlCol="0" anchor="t"/>
+          <a:lstStyle/>
+          <a:p>
+            <a:pPr marL="285750" indent="-285750">
+              <a:buFont typeface="Arial" panose="020B0604020202020204" pitchFamily="34" charset="0"/>
+              <a:buChar char="•"/>
+            </a:pPr>
+            <a:r>
+              <a:rPr lang="de-DE" sz="1400" dirty="0">
+                <a:solidFill>
+                  <a:schemeClr val="tx1"/>
+                </a:solidFill>
+              </a:rPr>
+              <a:t>Mitarbeiter Schulung </a:t>
+            </a:r>
+          </a:p>
+          <a:p>
+            <a:pPr marL="285750" indent="-285750">
+              <a:buFont typeface="Arial" panose="020B0604020202020204" pitchFamily="34" charset="0"/>
+              <a:buChar char="•"/>
+            </a:pPr>
+            <a:r>
+              <a:rPr lang="de-DE" sz="1400" dirty="0">
+                <a:solidFill>
+                  <a:schemeClr val="tx1"/>
+                </a:solidFill>
+              </a:rPr>
+              <a:t>Kommunikation mit Kunde</a:t>
+            </a:r>
+          </a:p>
+        </p:txBody>
+      </p:sp>
+      <p:sp>
+        <p:nvSpPr>
+          <p:cNvPr id="3" name="Fußzeilenplatzhalter 2">
+            <a:extLst>
+              <a:ext uri="{FF2B5EF4-FFF2-40B4-BE49-F238E27FC236}">
+                <a16:creationId xmlns:a16="http://schemas.microsoft.com/office/drawing/2014/main" id="{8CC179E7-4409-4C99-93B9-4BFA40F46995}"/>
+              </a:ext>
+            </a:extLst>
+          </p:cNvPr>
+          <p:cNvSpPr>
+            <a:spLocks noGrp="1"/>
+          </p:cNvSpPr>
+          <p:nvPr>
+            <p:ph type="ftr" sz="quarter" idx="11"/>
+          </p:nvPr>
+        </p:nvSpPr>
+        <p:spPr/>
+        <p:txBody>
+          <a:bodyPr/>
+          <a:lstStyle/>
+          <a:p>
+            <a:r>
+              <a:rPr lang="de-DE" dirty="0">
+                <a:latin typeface="Aharoni" panose="02010803020104030203" pitchFamily="2" charset="-79"/>
+                <a:cs typeface="Aharoni" panose="02010803020104030203" pitchFamily="2" charset="-79"/>
+              </a:rPr>
+              <a:t>Alb-</a:t>
+            </a:r>
+            <a:r>
+              <a:rPr lang="de-DE" dirty="0" err="1">
+                <a:latin typeface="Aharoni" panose="02010803020104030203" pitchFamily="2" charset="-79"/>
+                <a:cs typeface="Aharoni" panose="02010803020104030203" pitchFamily="2" charset="-79"/>
+              </a:rPr>
+              <a:t>Brau</a:t>
+            </a:r>
+            <a:r>
+              <a:rPr lang="de-DE" dirty="0">
+                <a:latin typeface="Aharoni" panose="02010803020104030203" pitchFamily="2" charset="-79"/>
+                <a:cs typeface="Aharoni" panose="02010803020104030203" pitchFamily="2" charset="-79"/>
+              </a:rPr>
+              <a:t> Consulting AG</a:t>
+            </a:r>
+            <a:endParaRPr lang="de-DE" dirty="0"/>
+          </a:p>
+        </p:txBody>
+      </p:sp>
+      <p:sp>
+        <p:nvSpPr>
+          <p:cNvPr id="4" name="Foliennummernplatzhalter 3">
+            <a:extLst>
+              <a:ext uri="{FF2B5EF4-FFF2-40B4-BE49-F238E27FC236}">
+                <a16:creationId xmlns:a16="http://schemas.microsoft.com/office/drawing/2014/main" id="{EE861B97-CE42-4A82-B31C-C2CA0973844B}"/>
+              </a:ext>
+            </a:extLst>
+          </p:cNvPr>
+          <p:cNvSpPr>
+            <a:spLocks noGrp="1"/>
+          </p:cNvSpPr>
+          <p:nvPr>
+            <p:ph type="sldNum" sz="quarter" idx="12"/>
+          </p:nvPr>
+        </p:nvSpPr>
+        <p:spPr/>
+        <p:txBody>
+          <a:bodyPr/>
+          <a:lstStyle/>
+          <a:p>
+            <a:fld id="{E2B3C6FC-26FA-4D7E-AC88-A939C9C27DF5}" type="slidenum">
+              <a:rPr lang="de-DE" smtClean="0"/>
+              <a:t>11</a:t>
+            </a:fld>
+            <a:endParaRPr lang="de-DE"/>
+          </a:p>
+        </p:txBody>
+      </p:sp>
+    </p:spTree>
+    <p:extLst>
+      <p:ext uri="{BB962C8B-B14F-4D97-AF65-F5344CB8AC3E}">
+        <p14:creationId xmlns:p14="http://schemas.microsoft.com/office/powerpoint/2010/main" val="128592377"/>
+      </p:ext>
+    </p:extLst>
+  </p:cSld>
+  <p:clrMapOvr>
+    <a:masterClrMapping/>
+  </p:clrMapOvr>
+  <mc:AlternateContent xmlns:mc="http://schemas.openxmlformats.org/markup-compatibility/2006" xmlns:p14="http://schemas.microsoft.com/office/powerpoint/2010/main">
+    <mc:Choice Requires="p14">
+      <p:transition spd="med" p14:dur="700">
+        <p:fade/>
+      </p:transition>
+    </mc:Choice>
+    <mc:Fallback xmlns="">
+      <p:transition spd="med">
+        <p:fade/>
+      </p:transition>
+    </mc:Fallback>
+  </mc:AlternateContent>
+</p:sld>
+</file>
+
+<file path=ppt/slides/slide12.xml><?xml version="1.0" encoding="utf-8"?>
 <p:sld xmlns:a="http://schemas.openxmlformats.org/drawingml/2006/main" xmlns:r="http://schemas.openxmlformats.org/officeDocument/2006/relationships" xmlns:p="http://schemas.openxmlformats.org/presentationml/2006/main">
   <p:cSld>
     <p:spTree>
@@ -5892,7 +6956,7 @@
           <a:p>
             <a:fld id="{E2B3C6FC-26FA-4D7E-AC88-A939C9C27DF5}" type="slidenum">
               <a:rPr lang="de-DE" smtClean="0"/>
-              <a:t>10</a:t>
+              <a:t>12</a:t>
             </a:fld>
             <a:endParaRPr lang="de-DE"/>
           </a:p>
@@ -5923,7 +6987,7 @@
 </p:sld>
 </file>
 
-<file path=ppt/slides/slide11.xml><?xml version="1.0" encoding="utf-8"?>
+<file path=ppt/slides/slide13.xml><?xml version="1.0" encoding="utf-8"?>
 <p:sld xmlns:a="http://schemas.openxmlformats.org/drawingml/2006/main" xmlns:r="http://schemas.openxmlformats.org/officeDocument/2006/relationships" xmlns:p="http://schemas.openxmlformats.org/presentationml/2006/main">
   <p:cSld>
     <p:spTree>
@@ -5991,7 +7055,7 @@
           <a:p>
             <a:fld id="{E2B3C6FC-26FA-4D7E-AC88-A939C9C27DF5}" type="slidenum">
               <a:rPr lang="de-DE" smtClean="0"/>
-              <a:t>11</a:t>
+              <a:t>13</a:t>
             </a:fld>
             <a:endParaRPr lang="de-DE"/>
           </a:p>
@@ -6116,7 +7180,7 @@
 </p:sld>
 </file>
 
-<file path=ppt/slides/slide12.xml><?xml version="1.0" encoding="utf-8"?>
+<file path=ppt/slides/slide14.xml><?xml version="1.0" encoding="utf-8"?>
 <p:sld xmlns:a="http://schemas.openxmlformats.org/drawingml/2006/main" xmlns:r="http://schemas.openxmlformats.org/officeDocument/2006/relationships" xmlns:p="http://schemas.openxmlformats.org/presentationml/2006/main">
   <p:cSld>
     <p:spTree>
@@ -6184,7 +7248,7 @@
           <a:p>
             <a:fld id="{E2B3C6FC-26FA-4D7E-AC88-A939C9C27DF5}" type="slidenum">
               <a:rPr lang="de-DE" smtClean="0"/>
-              <a:t>12</a:t>
+              <a:t>14</a:t>
             </a:fld>
             <a:endParaRPr lang="de-DE"/>
           </a:p>
@@ -6335,484 +7399,6 @@
     <p:extLst>
       <p:ext uri="{BB962C8B-B14F-4D97-AF65-F5344CB8AC3E}">
         <p14:creationId xmlns:p14="http://schemas.microsoft.com/office/powerpoint/2010/main" val="1567901086"/>
-      </p:ext>
-    </p:extLst>
-  </p:cSld>
-  <p:clrMapOvr>
-    <a:masterClrMapping/>
-  </p:clrMapOvr>
-  <mc:AlternateContent xmlns:mc="http://schemas.openxmlformats.org/markup-compatibility/2006" xmlns:p14="http://schemas.microsoft.com/office/powerpoint/2010/main">
-    <mc:Choice Requires="p14">
-      <p:transition spd="med" p14:dur="700">
-        <p:fade/>
-      </p:transition>
-    </mc:Choice>
-    <mc:Fallback xmlns="">
-      <p:transition spd="med">
-        <p:fade/>
-      </p:transition>
-    </mc:Fallback>
-  </mc:AlternateContent>
-</p:sld>
-</file>
-
-<file path=ppt/slides/slide13.xml><?xml version="1.0" encoding="utf-8"?>
-<p:sld xmlns:a="http://schemas.openxmlformats.org/drawingml/2006/main" xmlns:r="http://schemas.openxmlformats.org/officeDocument/2006/relationships" xmlns:p="http://schemas.openxmlformats.org/presentationml/2006/main">
-  <p:cSld>
-    <p:spTree>
-      <p:nvGrpSpPr>
-        <p:cNvPr id="1" name=""/>
-        <p:cNvGrpSpPr/>
-        <p:nvPr/>
-      </p:nvGrpSpPr>
-      <p:grpSpPr>
-        <a:xfrm>
-          <a:off x="0" y="0"/>
-          <a:ext cx="0" cy="0"/>
-          <a:chOff x="0" y="0"/>
-          <a:chExt cx="0" cy="0"/>
-        </a:xfrm>
-      </p:grpSpPr>
-      <p:sp>
-        <p:nvSpPr>
-          <p:cNvPr id="2" name="Fußzeilenplatzhalter 1">
-            <a:extLst>
-              <a:ext uri="{FF2B5EF4-FFF2-40B4-BE49-F238E27FC236}">
-                <a16:creationId xmlns:a16="http://schemas.microsoft.com/office/drawing/2014/main" id="{C186EC6D-54CF-4B77-B897-4413FD060446}"/>
-              </a:ext>
-            </a:extLst>
-          </p:cNvPr>
-          <p:cNvSpPr>
-            <a:spLocks noGrp="1"/>
-          </p:cNvSpPr>
-          <p:nvPr>
-            <p:ph type="ftr" sz="quarter" idx="11"/>
-          </p:nvPr>
-        </p:nvSpPr>
-        <p:spPr/>
-        <p:txBody>
-          <a:bodyPr/>
-          <a:lstStyle/>
-          <a:p>
-            <a:r>
-              <a:rPr lang="de-DE"/>
-              <a:t>Alb-Brau Consulting AG </a:t>
-            </a:r>
-          </a:p>
-        </p:txBody>
-      </p:sp>
-      <p:sp>
-        <p:nvSpPr>
-          <p:cNvPr id="3" name="Foliennummernplatzhalter 2">
-            <a:extLst>
-              <a:ext uri="{FF2B5EF4-FFF2-40B4-BE49-F238E27FC236}">
-                <a16:creationId xmlns:a16="http://schemas.microsoft.com/office/drawing/2014/main" id="{FC584970-4841-4865-8BC2-83656666AA3D}"/>
-              </a:ext>
-            </a:extLst>
-          </p:cNvPr>
-          <p:cNvSpPr>
-            <a:spLocks noGrp="1"/>
-          </p:cNvSpPr>
-          <p:nvPr>
-            <p:ph type="sldNum" sz="quarter" idx="12"/>
-          </p:nvPr>
-        </p:nvSpPr>
-        <p:spPr/>
-        <p:txBody>
-          <a:bodyPr/>
-          <a:lstStyle/>
-          <a:p>
-            <a:fld id="{E2B3C6FC-26FA-4D7E-AC88-A939C9C27DF5}" type="slidenum">
-              <a:rPr lang="de-DE" smtClean="0"/>
-              <a:t>13</a:t>
-            </a:fld>
-            <a:endParaRPr lang="de-DE"/>
-          </a:p>
-        </p:txBody>
-      </p:sp>
-      <p:sp>
-        <p:nvSpPr>
-          <p:cNvPr id="4" name="Rechteck 3">
-            <a:extLst>
-              <a:ext uri="{FF2B5EF4-FFF2-40B4-BE49-F238E27FC236}">
-                <a16:creationId xmlns:a16="http://schemas.microsoft.com/office/drawing/2014/main" id="{BF161FD7-1F86-4894-9A4E-B3797FC91DD8}"/>
-              </a:ext>
-            </a:extLst>
-          </p:cNvPr>
-          <p:cNvSpPr/>
-          <p:nvPr/>
-        </p:nvSpPr>
-        <p:spPr>
-          <a:xfrm>
-            <a:off x="621936" y="1596352"/>
-            <a:ext cx="11210120" cy="3139321"/>
-          </a:xfrm>
-          <a:prstGeom prst="rect">
-            <a:avLst/>
-          </a:prstGeom>
-        </p:spPr>
-        <p:txBody>
-          <a:bodyPr wrap="none">
-            <a:spAutoFit/>
-          </a:bodyPr>
-          <a:lstStyle/>
-          <a:p>
-            <a:r>
-              <a:rPr lang="de-DE" sz="2200" b="1" dirty="0"/>
-              <a:t>Unsere Leistungen</a:t>
-            </a:r>
-          </a:p>
-          <a:p>
-            <a:pPr marL="342900" indent="-342900">
-              <a:buFont typeface="Arial" panose="020B0604020202020204" pitchFamily="34" charset="0"/>
-              <a:buChar char="•"/>
-            </a:pPr>
-            <a:r>
-              <a:rPr lang="de-DE" sz="2200" dirty="0"/>
-              <a:t>Integration des ERP-Systems in Ihre Geschäftsprozesse</a:t>
-            </a:r>
-          </a:p>
-          <a:p>
-            <a:pPr marL="342900" indent="-342900">
-              <a:buFont typeface="Arial" panose="020B0604020202020204" pitchFamily="34" charset="0"/>
-              <a:buChar char="•"/>
-            </a:pPr>
-            <a:r>
-              <a:rPr lang="de-DE" sz="2200" dirty="0"/>
-              <a:t>Auswahl des Lizenzmodells für SAP</a:t>
-            </a:r>
-          </a:p>
-          <a:p>
-            <a:pPr marL="342900" indent="-342900">
-              <a:buFont typeface="Arial" panose="020B0604020202020204" pitchFamily="34" charset="0"/>
-              <a:buChar char="•"/>
-            </a:pPr>
-            <a:r>
-              <a:rPr lang="de-DE" sz="2200" dirty="0"/>
-              <a:t>Hardware zur Automatisierung einiger Schritte</a:t>
-            </a:r>
-          </a:p>
-          <a:p>
-            <a:pPr marL="342900" indent="-342900">
-              <a:buFont typeface="Arial" panose="020B0604020202020204" pitchFamily="34" charset="0"/>
-              <a:buChar char="•"/>
-            </a:pPr>
-            <a:r>
-              <a:rPr lang="de-DE" sz="2200" dirty="0"/>
-              <a:t>Mobile Anzeigegeräte für Produktions-Mitarbeiter</a:t>
-            </a:r>
-          </a:p>
-          <a:p>
-            <a:pPr marL="342900" indent="-342900">
-              <a:buFont typeface="Arial" panose="020B0604020202020204" pitchFamily="34" charset="0"/>
-              <a:buChar char="•"/>
-            </a:pPr>
-            <a:r>
-              <a:rPr lang="de-DE" sz="2200" dirty="0"/>
-              <a:t>APP Interface mit nächsten Aufgabenschritten und Rückmeldefunktion für erledigte Aufgaben</a:t>
-            </a:r>
-          </a:p>
-          <a:p>
-            <a:pPr marL="342900" indent="-342900">
-              <a:buFont typeface="Arial" panose="020B0604020202020204" pitchFamily="34" charset="0"/>
-              <a:buChar char="•"/>
-            </a:pPr>
-            <a:r>
-              <a:rPr lang="de-DE" sz="2200" dirty="0"/>
-              <a:t>Dashboard zur Überwachung verschiedener Sensorwerten</a:t>
-            </a:r>
-          </a:p>
-          <a:p>
-            <a:pPr marL="342900" indent="-342900">
-              <a:buFont typeface="Arial" panose="020B0604020202020204" pitchFamily="34" charset="0"/>
-              <a:buChar char="•"/>
-            </a:pPr>
-            <a:endParaRPr lang="de-DE" sz="2200" dirty="0"/>
-          </a:p>
-          <a:p>
-            <a:r>
-              <a:rPr lang="de-DE" sz="2200" dirty="0"/>
-              <a:t> </a:t>
-            </a:r>
-            <a:r>
-              <a:rPr lang="de-DE" sz="2200" b="1" dirty="0"/>
-              <a:t>∑  120 996€</a:t>
-            </a:r>
-          </a:p>
-        </p:txBody>
-      </p:sp>
-      <p:sp>
-        <p:nvSpPr>
-          <p:cNvPr id="5" name="Titel 1">
-            <a:extLst>
-              <a:ext uri="{FF2B5EF4-FFF2-40B4-BE49-F238E27FC236}">
-                <a16:creationId xmlns:a16="http://schemas.microsoft.com/office/drawing/2014/main" id="{414B73E0-5FEE-4A38-B270-91E4C144F338}"/>
-              </a:ext>
-            </a:extLst>
-          </p:cNvPr>
-          <p:cNvSpPr txBox="1">
-            <a:spLocks/>
-          </p:cNvSpPr>
-          <p:nvPr/>
-        </p:nvSpPr>
-        <p:spPr>
-          <a:xfrm>
-            <a:off x="1097280" y="0"/>
-            <a:ext cx="10058400" cy="1450757"/>
-          </a:xfrm>
-          <a:prstGeom prst="rect">
-            <a:avLst/>
-          </a:prstGeom>
-        </p:spPr>
-        <p:txBody>
-          <a:bodyPr/>
-          <a:lstStyle>
-            <a:lvl1pPr algn="l" defTabSz="914400" rtl="0" eaLnBrk="1" latinLnBrk="0" hangingPunct="1">
-              <a:lnSpc>
-                <a:spcPct val="85000"/>
-              </a:lnSpc>
-              <a:spcBef>
-                <a:spcPct val="0"/>
-              </a:spcBef>
-              <a:buNone/>
-              <a:defRPr sz="4800" kern="1200" spc="-50" baseline="0">
-                <a:solidFill>
-                  <a:schemeClr val="tx1">
-                    <a:lumMod val="75000"/>
-                    <a:lumOff val="25000"/>
-                  </a:schemeClr>
-                </a:solidFill>
-                <a:latin typeface="+mj-lt"/>
-                <a:ea typeface="+mj-ea"/>
-                <a:cs typeface="+mj-cs"/>
-              </a:defRPr>
-            </a:lvl1pPr>
-          </a:lstStyle>
-          <a:p>
-            <a:endParaRPr lang="de-DE" dirty="0"/>
-          </a:p>
-          <a:p>
-            <a:r>
-              <a:rPr lang="de-DE" dirty="0"/>
-              <a:t>Kostenplan</a:t>
-            </a:r>
-          </a:p>
-        </p:txBody>
-      </p:sp>
-    </p:spTree>
-    <p:extLst>
-      <p:ext uri="{BB962C8B-B14F-4D97-AF65-F5344CB8AC3E}">
-        <p14:creationId xmlns:p14="http://schemas.microsoft.com/office/powerpoint/2010/main" val="1297328382"/>
-      </p:ext>
-    </p:extLst>
-  </p:cSld>
-  <p:clrMapOvr>
-    <a:masterClrMapping/>
-  </p:clrMapOvr>
-  <mc:AlternateContent xmlns:mc="http://schemas.openxmlformats.org/markup-compatibility/2006" xmlns:p14="http://schemas.microsoft.com/office/powerpoint/2010/main">
-    <mc:Choice Requires="p14">
-      <p:transition spd="med" p14:dur="700">
-        <p:fade/>
-      </p:transition>
-    </mc:Choice>
-    <mc:Fallback xmlns="">
-      <p:transition spd="med">
-        <p:fade/>
-      </p:transition>
-    </mc:Fallback>
-  </mc:AlternateContent>
-</p:sld>
-</file>
-
-<file path=ppt/slides/slide14.xml><?xml version="1.0" encoding="utf-8"?>
-<p:sld xmlns:a="http://schemas.openxmlformats.org/drawingml/2006/main" xmlns:r="http://schemas.openxmlformats.org/officeDocument/2006/relationships" xmlns:p="http://schemas.openxmlformats.org/presentationml/2006/main">
-  <p:cSld>
-    <p:spTree>
-      <p:nvGrpSpPr>
-        <p:cNvPr id="1" name=""/>
-        <p:cNvGrpSpPr/>
-        <p:nvPr/>
-      </p:nvGrpSpPr>
-      <p:grpSpPr>
-        <a:xfrm>
-          <a:off x="0" y="0"/>
-          <a:ext cx="0" cy="0"/>
-          <a:chOff x="0" y="0"/>
-          <a:chExt cx="0" cy="0"/>
-        </a:xfrm>
-      </p:grpSpPr>
-      <p:sp>
-        <p:nvSpPr>
-          <p:cNvPr id="2" name="Titel 1">
-            <a:extLst>
-              <a:ext uri="{FF2B5EF4-FFF2-40B4-BE49-F238E27FC236}">
-                <a16:creationId xmlns:a16="http://schemas.microsoft.com/office/drawing/2014/main" id="{2721C069-BABD-4827-BD58-66B56371F492}"/>
-              </a:ext>
-            </a:extLst>
-          </p:cNvPr>
-          <p:cNvSpPr>
-            <a:spLocks noGrp="1"/>
-          </p:cNvSpPr>
-          <p:nvPr>
-            <p:ph type="title"/>
-          </p:nvPr>
-        </p:nvSpPr>
-        <p:spPr/>
-        <p:txBody>
-          <a:bodyPr/>
-          <a:lstStyle/>
-          <a:p>
-            <a:r>
-              <a:rPr lang="de-DE" dirty="0"/>
-              <a:t>Kosteneinsparungen/Gewinnsteigerung</a:t>
-            </a:r>
-          </a:p>
-        </p:txBody>
-      </p:sp>
-      <p:sp>
-        <p:nvSpPr>
-          <p:cNvPr id="3" name="Inhaltsplatzhalter 2">
-            <a:extLst>
-              <a:ext uri="{FF2B5EF4-FFF2-40B4-BE49-F238E27FC236}">
-                <a16:creationId xmlns:a16="http://schemas.microsoft.com/office/drawing/2014/main" id="{39500A13-64F0-48E2-920D-0DE07D2B3862}"/>
-              </a:ext>
-            </a:extLst>
-          </p:cNvPr>
-          <p:cNvSpPr>
-            <a:spLocks noGrp="1"/>
-          </p:cNvSpPr>
-          <p:nvPr>
-            <p:ph idx="1"/>
-          </p:nvPr>
-        </p:nvSpPr>
-        <p:spPr/>
-        <p:txBody>
-          <a:bodyPr>
-            <a:normAutofit/>
-          </a:bodyPr>
-          <a:lstStyle/>
-          <a:p>
-            <a:r>
-              <a:rPr lang="de-DE" sz="2200" dirty="0"/>
-              <a:t>Senkung des Fehlproduktionsrisikos um 90% , daraus resultiert eine Gewinnsteigerung von 10%</a:t>
-            </a:r>
-            <a:br>
-              <a:rPr lang="de-DE" sz="2200" dirty="0"/>
-            </a:br>
-            <a:br>
-              <a:rPr lang="de-DE" sz="2200" dirty="0"/>
-            </a:br>
-            <a:r>
-              <a:rPr lang="de-DE" sz="2200" dirty="0"/>
-              <a:t>Aufgrund der erhöhten Qualität und ist ein Wachstum Ihres Marktanteils anzunehmen</a:t>
-            </a:r>
-          </a:p>
-          <a:p>
-            <a:r>
-              <a:rPr lang="de-DE" sz="2200" dirty="0"/>
-              <a:t>Das digitale Grundgerüst eines ERP-Systems ermöglicht Ihnen weitere Investitionen in gewinnsteigende Maßnahmen wie Prozessoptimierung, </a:t>
-            </a:r>
-            <a:r>
-              <a:rPr lang="de-DE" sz="2200" dirty="0" err="1"/>
-              <a:t>Conditioning</a:t>
-            </a:r>
-            <a:r>
-              <a:rPr lang="de-DE" sz="2200" dirty="0"/>
-              <a:t> Monitoring, </a:t>
-            </a:r>
-            <a:r>
-              <a:rPr lang="de-DE" sz="2200" dirty="0" err="1"/>
-              <a:t>Predictive</a:t>
-            </a:r>
-            <a:r>
-              <a:rPr lang="de-DE" sz="2200" dirty="0"/>
-              <a:t> Maintenance oder weitere Automatisierungsschritte</a:t>
-            </a:r>
-          </a:p>
-          <a:p>
-            <a:endParaRPr lang="de-DE" sz="2200" dirty="0"/>
-          </a:p>
-        </p:txBody>
-      </p:sp>
-      <p:sp>
-        <p:nvSpPr>
-          <p:cNvPr id="4" name="Fußzeilenplatzhalter 3">
-            <a:extLst>
-              <a:ext uri="{FF2B5EF4-FFF2-40B4-BE49-F238E27FC236}">
-                <a16:creationId xmlns:a16="http://schemas.microsoft.com/office/drawing/2014/main" id="{DFE915D1-B91B-49F4-89B4-954F7FC3B5CC}"/>
-              </a:ext>
-            </a:extLst>
-          </p:cNvPr>
-          <p:cNvSpPr>
-            <a:spLocks noGrp="1"/>
-          </p:cNvSpPr>
-          <p:nvPr>
-            <p:ph type="ftr" sz="quarter" idx="11"/>
-          </p:nvPr>
-        </p:nvSpPr>
-        <p:spPr/>
-        <p:txBody>
-          <a:bodyPr/>
-          <a:lstStyle/>
-          <a:p>
-            <a:r>
-              <a:rPr lang="de-DE" dirty="0">
-                <a:latin typeface="Aharoni" panose="02010803020104030203" pitchFamily="2" charset="-79"/>
-                <a:cs typeface="Aharoni" panose="02010803020104030203" pitchFamily="2" charset="-79"/>
-              </a:rPr>
-              <a:t>Alb-</a:t>
-            </a:r>
-            <a:r>
-              <a:rPr lang="de-DE" dirty="0" err="1">
-                <a:latin typeface="Aharoni" panose="02010803020104030203" pitchFamily="2" charset="-79"/>
-                <a:cs typeface="Aharoni" panose="02010803020104030203" pitchFamily="2" charset="-79"/>
-              </a:rPr>
-              <a:t>Brau</a:t>
-            </a:r>
-            <a:r>
-              <a:rPr lang="de-DE" dirty="0">
-                <a:latin typeface="Aharoni" panose="02010803020104030203" pitchFamily="2" charset="-79"/>
-                <a:cs typeface="Aharoni" panose="02010803020104030203" pitchFamily="2" charset="-79"/>
-              </a:rPr>
-              <a:t> Consulting AG</a:t>
-            </a:r>
-            <a:endParaRPr lang="de-DE" dirty="0"/>
-          </a:p>
-        </p:txBody>
-      </p:sp>
-      <p:sp>
-        <p:nvSpPr>
-          <p:cNvPr id="5" name="Foliennummernplatzhalter 4">
-            <a:extLst>
-              <a:ext uri="{FF2B5EF4-FFF2-40B4-BE49-F238E27FC236}">
-                <a16:creationId xmlns:a16="http://schemas.microsoft.com/office/drawing/2014/main" id="{DBFAAE13-17AB-40A8-8D0C-CBAC7FA7B8C1}"/>
-              </a:ext>
-            </a:extLst>
-          </p:cNvPr>
-          <p:cNvSpPr>
-            <a:spLocks noGrp="1"/>
-          </p:cNvSpPr>
-          <p:nvPr>
-            <p:ph type="sldNum" sz="quarter" idx="12"/>
-          </p:nvPr>
-        </p:nvSpPr>
-        <p:spPr/>
-        <p:txBody>
-          <a:bodyPr/>
-          <a:lstStyle/>
-          <a:p>
-            <a:fld id="{E2B3C6FC-26FA-4D7E-AC88-A939C9C27DF5}" type="slidenum">
-              <a:rPr lang="de-DE" smtClean="0"/>
-              <a:t>14</a:t>
-            </a:fld>
-            <a:endParaRPr lang="de-DE"/>
-          </a:p>
-        </p:txBody>
-      </p:sp>
-    </p:spTree>
-    <p:extLst>
-      <p:ext uri="{BB962C8B-B14F-4D97-AF65-F5344CB8AC3E}">
-        <p14:creationId xmlns:p14="http://schemas.microsoft.com/office/powerpoint/2010/main" val="1886582988"/>
       </p:ext>
     </p:extLst>
   </p:cSld>
@@ -6853,6 +7439,484 @@
       </p:grpSpPr>
       <p:sp>
         <p:nvSpPr>
+          <p:cNvPr id="2" name="Fußzeilenplatzhalter 1">
+            <a:extLst>
+              <a:ext uri="{FF2B5EF4-FFF2-40B4-BE49-F238E27FC236}">
+                <a16:creationId xmlns:a16="http://schemas.microsoft.com/office/drawing/2014/main" id="{C186EC6D-54CF-4B77-B897-4413FD060446}"/>
+              </a:ext>
+            </a:extLst>
+          </p:cNvPr>
+          <p:cNvSpPr>
+            <a:spLocks noGrp="1"/>
+          </p:cNvSpPr>
+          <p:nvPr>
+            <p:ph type="ftr" sz="quarter" idx="11"/>
+          </p:nvPr>
+        </p:nvSpPr>
+        <p:spPr/>
+        <p:txBody>
+          <a:bodyPr/>
+          <a:lstStyle/>
+          <a:p>
+            <a:r>
+              <a:rPr lang="de-DE"/>
+              <a:t>Alb-Brau Consulting AG </a:t>
+            </a:r>
+          </a:p>
+        </p:txBody>
+      </p:sp>
+      <p:sp>
+        <p:nvSpPr>
+          <p:cNvPr id="3" name="Foliennummernplatzhalter 2">
+            <a:extLst>
+              <a:ext uri="{FF2B5EF4-FFF2-40B4-BE49-F238E27FC236}">
+                <a16:creationId xmlns:a16="http://schemas.microsoft.com/office/drawing/2014/main" id="{FC584970-4841-4865-8BC2-83656666AA3D}"/>
+              </a:ext>
+            </a:extLst>
+          </p:cNvPr>
+          <p:cNvSpPr>
+            <a:spLocks noGrp="1"/>
+          </p:cNvSpPr>
+          <p:nvPr>
+            <p:ph type="sldNum" sz="quarter" idx="12"/>
+          </p:nvPr>
+        </p:nvSpPr>
+        <p:spPr/>
+        <p:txBody>
+          <a:bodyPr/>
+          <a:lstStyle/>
+          <a:p>
+            <a:fld id="{E2B3C6FC-26FA-4D7E-AC88-A939C9C27DF5}" type="slidenum">
+              <a:rPr lang="de-DE" smtClean="0"/>
+              <a:t>15</a:t>
+            </a:fld>
+            <a:endParaRPr lang="de-DE"/>
+          </a:p>
+        </p:txBody>
+      </p:sp>
+      <p:sp>
+        <p:nvSpPr>
+          <p:cNvPr id="4" name="Rechteck 3">
+            <a:extLst>
+              <a:ext uri="{FF2B5EF4-FFF2-40B4-BE49-F238E27FC236}">
+                <a16:creationId xmlns:a16="http://schemas.microsoft.com/office/drawing/2014/main" id="{BF161FD7-1F86-4894-9A4E-B3797FC91DD8}"/>
+              </a:ext>
+            </a:extLst>
+          </p:cNvPr>
+          <p:cNvSpPr/>
+          <p:nvPr/>
+        </p:nvSpPr>
+        <p:spPr>
+          <a:xfrm>
+            <a:off x="621936" y="1596352"/>
+            <a:ext cx="11210120" cy="3139321"/>
+          </a:xfrm>
+          <a:prstGeom prst="rect">
+            <a:avLst/>
+          </a:prstGeom>
+        </p:spPr>
+        <p:txBody>
+          <a:bodyPr wrap="none">
+            <a:spAutoFit/>
+          </a:bodyPr>
+          <a:lstStyle/>
+          <a:p>
+            <a:r>
+              <a:rPr lang="de-DE" sz="2200" b="1" dirty="0"/>
+              <a:t>Unsere Leistungen</a:t>
+            </a:r>
+          </a:p>
+          <a:p>
+            <a:pPr marL="342900" indent="-342900">
+              <a:buFont typeface="Arial" panose="020B0604020202020204" pitchFamily="34" charset="0"/>
+              <a:buChar char="•"/>
+            </a:pPr>
+            <a:r>
+              <a:rPr lang="de-DE" sz="2200" dirty="0"/>
+              <a:t>Integration des ERP-Systems in Ihre Geschäftsprozesse</a:t>
+            </a:r>
+          </a:p>
+          <a:p>
+            <a:pPr marL="342900" indent="-342900">
+              <a:buFont typeface="Arial" panose="020B0604020202020204" pitchFamily="34" charset="0"/>
+              <a:buChar char="•"/>
+            </a:pPr>
+            <a:r>
+              <a:rPr lang="de-DE" sz="2200" dirty="0"/>
+              <a:t>Auswahl des Lizenzmodells für SAP</a:t>
+            </a:r>
+          </a:p>
+          <a:p>
+            <a:pPr marL="342900" indent="-342900">
+              <a:buFont typeface="Arial" panose="020B0604020202020204" pitchFamily="34" charset="0"/>
+              <a:buChar char="•"/>
+            </a:pPr>
+            <a:r>
+              <a:rPr lang="de-DE" sz="2200" dirty="0"/>
+              <a:t>Hardware zur Automatisierung einiger Schritte</a:t>
+            </a:r>
+          </a:p>
+          <a:p>
+            <a:pPr marL="342900" indent="-342900">
+              <a:buFont typeface="Arial" panose="020B0604020202020204" pitchFamily="34" charset="0"/>
+              <a:buChar char="•"/>
+            </a:pPr>
+            <a:r>
+              <a:rPr lang="de-DE" sz="2200" dirty="0"/>
+              <a:t>Mobile Anzeigegeräte für Produktions-Mitarbeiter</a:t>
+            </a:r>
+          </a:p>
+          <a:p>
+            <a:pPr marL="342900" indent="-342900">
+              <a:buFont typeface="Arial" panose="020B0604020202020204" pitchFamily="34" charset="0"/>
+              <a:buChar char="•"/>
+            </a:pPr>
+            <a:r>
+              <a:rPr lang="de-DE" sz="2200" dirty="0"/>
+              <a:t>APP Interface mit nächsten Aufgabenschritten und Rückmeldefunktion für erledigte Aufgaben</a:t>
+            </a:r>
+          </a:p>
+          <a:p>
+            <a:pPr marL="342900" indent="-342900">
+              <a:buFont typeface="Arial" panose="020B0604020202020204" pitchFamily="34" charset="0"/>
+              <a:buChar char="•"/>
+            </a:pPr>
+            <a:r>
+              <a:rPr lang="de-DE" sz="2200" dirty="0"/>
+              <a:t>Dashboard zur Überwachung verschiedener Sensorwerten</a:t>
+            </a:r>
+          </a:p>
+          <a:p>
+            <a:pPr marL="342900" indent="-342900">
+              <a:buFont typeface="Arial" panose="020B0604020202020204" pitchFamily="34" charset="0"/>
+              <a:buChar char="•"/>
+            </a:pPr>
+            <a:endParaRPr lang="de-DE" sz="2200" dirty="0"/>
+          </a:p>
+          <a:p>
+            <a:r>
+              <a:rPr lang="de-DE" sz="2200" dirty="0"/>
+              <a:t> </a:t>
+            </a:r>
+            <a:r>
+              <a:rPr lang="de-DE" sz="2200" b="1" dirty="0"/>
+              <a:t>∑  120 996€</a:t>
+            </a:r>
+          </a:p>
+        </p:txBody>
+      </p:sp>
+      <p:sp>
+        <p:nvSpPr>
+          <p:cNvPr id="5" name="Titel 1">
+            <a:extLst>
+              <a:ext uri="{FF2B5EF4-FFF2-40B4-BE49-F238E27FC236}">
+                <a16:creationId xmlns:a16="http://schemas.microsoft.com/office/drawing/2014/main" id="{414B73E0-5FEE-4A38-B270-91E4C144F338}"/>
+              </a:ext>
+            </a:extLst>
+          </p:cNvPr>
+          <p:cNvSpPr txBox="1">
+            <a:spLocks/>
+          </p:cNvSpPr>
+          <p:nvPr/>
+        </p:nvSpPr>
+        <p:spPr>
+          <a:xfrm>
+            <a:off x="1097280" y="0"/>
+            <a:ext cx="10058400" cy="1450757"/>
+          </a:xfrm>
+          <a:prstGeom prst="rect">
+            <a:avLst/>
+          </a:prstGeom>
+        </p:spPr>
+        <p:txBody>
+          <a:bodyPr/>
+          <a:lstStyle>
+            <a:lvl1pPr algn="l" defTabSz="914400" rtl="0" eaLnBrk="1" latinLnBrk="0" hangingPunct="1">
+              <a:lnSpc>
+                <a:spcPct val="85000"/>
+              </a:lnSpc>
+              <a:spcBef>
+                <a:spcPct val="0"/>
+              </a:spcBef>
+              <a:buNone/>
+              <a:defRPr sz="4800" kern="1200" spc="-50" baseline="0">
+                <a:solidFill>
+                  <a:schemeClr val="tx1">
+                    <a:lumMod val="75000"/>
+                    <a:lumOff val="25000"/>
+                  </a:schemeClr>
+                </a:solidFill>
+                <a:latin typeface="+mj-lt"/>
+                <a:ea typeface="+mj-ea"/>
+                <a:cs typeface="+mj-cs"/>
+              </a:defRPr>
+            </a:lvl1pPr>
+          </a:lstStyle>
+          <a:p>
+            <a:endParaRPr lang="de-DE" dirty="0"/>
+          </a:p>
+          <a:p>
+            <a:r>
+              <a:rPr lang="de-DE" dirty="0"/>
+              <a:t>Kostenplan</a:t>
+            </a:r>
+          </a:p>
+        </p:txBody>
+      </p:sp>
+    </p:spTree>
+    <p:extLst>
+      <p:ext uri="{BB962C8B-B14F-4D97-AF65-F5344CB8AC3E}">
+        <p14:creationId xmlns:p14="http://schemas.microsoft.com/office/powerpoint/2010/main" val="1297328382"/>
+      </p:ext>
+    </p:extLst>
+  </p:cSld>
+  <p:clrMapOvr>
+    <a:masterClrMapping/>
+  </p:clrMapOvr>
+  <mc:AlternateContent xmlns:mc="http://schemas.openxmlformats.org/markup-compatibility/2006" xmlns:p14="http://schemas.microsoft.com/office/powerpoint/2010/main">
+    <mc:Choice Requires="p14">
+      <p:transition spd="med" p14:dur="700">
+        <p:fade/>
+      </p:transition>
+    </mc:Choice>
+    <mc:Fallback xmlns="">
+      <p:transition spd="med">
+        <p:fade/>
+      </p:transition>
+    </mc:Fallback>
+  </mc:AlternateContent>
+</p:sld>
+</file>
+
+<file path=ppt/slides/slide16.xml><?xml version="1.0" encoding="utf-8"?>
+<p:sld xmlns:a="http://schemas.openxmlformats.org/drawingml/2006/main" xmlns:r="http://schemas.openxmlformats.org/officeDocument/2006/relationships" xmlns:p="http://schemas.openxmlformats.org/presentationml/2006/main">
+  <p:cSld>
+    <p:spTree>
+      <p:nvGrpSpPr>
+        <p:cNvPr id="1" name=""/>
+        <p:cNvGrpSpPr/>
+        <p:nvPr/>
+      </p:nvGrpSpPr>
+      <p:grpSpPr>
+        <a:xfrm>
+          <a:off x="0" y="0"/>
+          <a:ext cx="0" cy="0"/>
+          <a:chOff x="0" y="0"/>
+          <a:chExt cx="0" cy="0"/>
+        </a:xfrm>
+      </p:grpSpPr>
+      <p:sp>
+        <p:nvSpPr>
+          <p:cNvPr id="2" name="Titel 1">
+            <a:extLst>
+              <a:ext uri="{FF2B5EF4-FFF2-40B4-BE49-F238E27FC236}">
+                <a16:creationId xmlns:a16="http://schemas.microsoft.com/office/drawing/2014/main" id="{2721C069-BABD-4827-BD58-66B56371F492}"/>
+              </a:ext>
+            </a:extLst>
+          </p:cNvPr>
+          <p:cNvSpPr>
+            <a:spLocks noGrp="1"/>
+          </p:cNvSpPr>
+          <p:nvPr>
+            <p:ph type="title"/>
+          </p:nvPr>
+        </p:nvSpPr>
+        <p:spPr/>
+        <p:txBody>
+          <a:bodyPr/>
+          <a:lstStyle/>
+          <a:p>
+            <a:r>
+              <a:rPr lang="de-DE" dirty="0"/>
+              <a:t>Kosteneinsparungen/Gewinnsteigerung</a:t>
+            </a:r>
+          </a:p>
+        </p:txBody>
+      </p:sp>
+      <p:sp>
+        <p:nvSpPr>
+          <p:cNvPr id="3" name="Inhaltsplatzhalter 2">
+            <a:extLst>
+              <a:ext uri="{FF2B5EF4-FFF2-40B4-BE49-F238E27FC236}">
+                <a16:creationId xmlns:a16="http://schemas.microsoft.com/office/drawing/2014/main" id="{39500A13-64F0-48E2-920D-0DE07D2B3862}"/>
+              </a:ext>
+            </a:extLst>
+          </p:cNvPr>
+          <p:cNvSpPr>
+            <a:spLocks noGrp="1"/>
+          </p:cNvSpPr>
+          <p:nvPr>
+            <p:ph idx="1"/>
+          </p:nvPr>
+        </p:nvSpPr>
+        <p:spPr/>
+        <p:txBody>
+          <a:bodyPr>
+            <a:normAutofit/>
+          </a:bodyPr>
+          <a:lstStyle/>
+          <a:p>
+            <a:r>
+              <a:rPr lang="de-DE" sz="2200" dirty="0"/>
+              <a:t>Senkung des Fehlproduktionsrisikos um 90% , daraus resultiert eine Gewinnsteigerung von 10%</a:t>
+            </a:r>
+            <a:br>
+              <a:rPr lang="de-DE" sz="2200" dirty="0"/>
+            </a:br>
+            <a:br>
+              <a:rPr lang="de-DE" sz="2200" dirty="0"/>
+            </a:br>
+            <a:r>
+              <a:rPr lang="de-DE" sz="2200" dirty="0"/>
+              <a:t>Aufgrund der erhöhten Qualität und ist ein Wachstum Ihres Marktanteils anzunehmen</a:t>
+            </a:r>
+          </a:p>
+          <a:p>
+            <a:r>
+              <a:rPr lang="de-DE" sz="2200" dirty="0"/>
+              <a:t>Das ERP System ermöglicht weitere Maßnahmen, wie </a:t>
+            </a:r>
+            <a:r>
+              <a:rPr lang="de-DE" sz="2200" dirty="0" err="1"/>
+              <a:t>Conditioning</a:t>
+            </a:r>
+            <a:r>
+              <a:rPr lang="de-DE" sz="2200" dirty="0"/>
+              <a:t> Monitoring oder </a:t>
+            </a:r>
+            <a:r>
+              <a:rPr lang="de-DE" sz="2200" dirty="0" err="1"/>
+              <a:t>Predictive</a:t>
+            </a:r>
+            <a:r>
+              <a:rPr lang="de-DE" sz="2200" dirty="0"/>
+              <a:t> Maintenance</a:t>
+            </a:r>
+          </a:p>
+          <a:p>
+            <a:endParaRPr lang="de-DE" sz="2200" dirty="0"/>
+          </a:p>
+        </p:txBody>
+      </p:sp>
+      <p:sp>
+        <p:nvSpPr>
+          <p:cNvPr id="4" name="Fußzeilenplatzhalter 3">
+            <a:extLst>
+              <a:ext uri="{FF2B5EF4-FFF2-40B4-BE49-F238E27FC236}">
+                <a16:creationId xmlns:a16="http://schemas.microsoft.com/office/drawing/2014/main" id="{DFE915D1-B91B-49F4-89B4-954F7FC3B5CC}"/>
+              </a:ext>
+            </a:extLst>
+          </p:cNvPr>
+          <p:cNvSpPr>
+            <a:spLocks noGrp="1"/>
+          </p:cNvSpPr>
+          <p:nvPr>
+            <p:ph type="ftr" sz="quarter" idx="11"/>
+          </p:nvPr>
+        </p:nvSpPr>
+        <p:spPr/>
+        <p:txBody>
+          <a:bodyPr/>
+          <a:lstStyle/>
+          <a:p>
+            <a:r>
+              <a:rPr lang="de-DE" dirty="0">
+                <a:latin typeface="Aharoni" panose="02010803020104030203" pitchFamily="2" charset="-79"/>
+                <a:cs typeface="Aharoni" panose="02010803020104030203" pitchFamily="2" charset="-79"/>
+              </a:rPr>
+              <a:t>Alb-</a:t>
+            </a:r>
+            <a:r>
+              <a:rPr lang="de-DE" dirty="0" err="1">
+                <a:latin typeface="Aharoni" panose="02010803020104030203" pitchFamily="2" charset="-79"/>
+                <a:cs typeface="Aharoni" panose="02010803020104030203" pitchFamily="2" charset="-79"/>
+              </a:rPr>
+              <a:t>Brau</a:t>
+            </a:r>
+            <a:r>
+              <a:rPr lang="de-DE" dirty="0">
+                <a:latin typeface="Aharoni" panose="02010803020104030203" pitchFamily="2" charset="-79"/>
+                <a:cs typeface="Aharoni" panose="02010803020104030203" pitchFamily="2" charset="-79"/>
+              </a:rPr>
+              <a:t> Consulting AG</a:t>
+            </a:r>
+            <a:endParaRPr lang="de-DE" dirty="0"/>
+          </a:p>
+        </p:txBody>
+      </p:sp>
+      <p:sp>
+        <p:nvSpPr>
+          <p:cNvPr id="5" name="Foliennummernplatzhalter 4">
+            <a:extLst>
+              <a:ext uri="{FF2B5EF4-FFF2-40B4-BE49-F238E27FC236}">
+                <a16:creationId xmlns:a16="http://schemas.microsoft.com/office/drawing/2014/main" id="{DBFAAE13-17AB-40A8-8D0C-CBAC7FA7B8C1}"/>
+              </a:ext>
+            </a:extLst>
+          </p:cNvPr>
+          <p:cNvSpPr>
+            <a:spLocks noGrp="1"/>
+          </p:cNvSpPr>
+          <p:nvPr>
+            <p:ph type="sldNum" sz="quarter" idx="12"/>
+          </p:nvPr>
+        </p:nvSpPr>
+        <p:spPr/>
+        <p:txBody>
+          <a:bodyPr/>
+          <a:lstStyle/>
+          <a:p>
+            <a:fld id="{E2B3C6FC-26FA-4D7E-AC88-A939C9C27DF5}" type="slidenum">
+              <a:rPr lang="de-DE" smtClean="0"/>
+              <a:t>16</a:t>
+            </a:fld>
+            <a:endParaRPr lang="de-DE"/>
+          </a:p>
+        </p:txBody>
+      </p:sp>
+    </p:spTree>
+    <p:extLst>
+      <p:ext uri="{BB962C8B-B14F-4D97-AF65-F5344CB8AC3E}">
+        <p14:creationId xmlns:p14="http://schemas.microsoft.com/office/powerpoint/2010/main" val="1886582988"/>
+      </p:ext>
+    </p:extLst>
+  </p:cSld>
+  <p:clrMapOvr>
+    <a:masterClrMapping/>
+  </p:clrMapOvr>
+  <mc:AlternateContent xmlns:mc="http://schemas.openxmlformats.org/markup-compatibility/2006" xmlns:p14="http://schemas.microsoft.com/office/powerpoint/2010/main">
+    <mc:Choice Requires="p14">
+      <p:transition spd="med" p14:dur="700">
+        <p:fade/>
+      </p:transition>
+    </mc:Choice>
+    <mc:Fallback xmlns="">
+      <p:transition spd="med">
+        <p:fade/>
+      </p:transition>
+    </mc:Fallback>
+  </mc:AlternateContent>
+</p:sld>
+</file>
+
+<file path=ppt/slides/slide17.xml><?xml version="1.0" encoding="utf-8"?>
+<p:sld xmlns:a="http://schemas.openxmlformats.org/drawingml/2006/main" xmlns:r="http://schemas.openxmlformats.org/officeDocument/2006/relationships" xmlns:p="http://schemas.openxmlformats.org/presentationml/2006/main">
+  <p:cSld>
+    <p:spTree>
+      <p:nvGrpSpPr>
+        <p:cNvPr id="1" name=""/>
+        <p:cNvGrpSpPr/>
+        <p:nvPr/>
+      </p:nvGrpSpPr>
+      <p:grpSpPr>
+        <a:xfrm>
+          <a:off x="0" y="0"/>
+          <a:ext cx="0" cy="0"/>
+          <a:chOff x="0" y="0"/>
+          <a:chExt cx="0" cy="0"/>
+        </a:xfrm>
+      </p:grpSpPr>
+      <p:sp>
+        <p:nvSpPr>
           <p:cNvPr id="2" name="Titel 1">
             <a:extLst>
               <a:ext uri="{FF2B5EF4-FFF2-40B4-BE49-F238E27FC236}">
@@ -7082,7 +8146,7 @@
           <a:p>
             <a:fld id="{E2B3C6FC-26FA-4D7E-AC88-A939C9C27DF5}" type="slidenum">
               <a:rPr lang="de-DE" smtClean="0"/>
-              <a:t>15</a:t>
+              <a:t>17</a:t>
             </a:fld>
             <a:endParaRPr lang="de-DE"/>
           </a:p>
@@ -11385,7 +12449,7 @@
         <p:spPr>
           <a:xfrm>
             <a:off x="6936012" y="5132551"/>
-            <a:ext cx="2307772" cy="646331"/>
+            <a:ext cx="2307772" cy="923330"/>
           </a:xfrm>
           <a:prstGeom prst="rect">
             <a:avLst/>
@@ -11415,6 +12479,16 @@
             <a:r>
               <a:rPr lang="de-DE" dirty="0"/>
               <a:t>Rührgerät</a:t>
+            </a:r>
+          </a:p>
+          <a:p>
+            <a:pPr marL="285750" indent="-285750">
+              <a:buFont typeface="Arial" panose="020B0604020202020204" pitchFamily="34" charset="0"/>
+              <a:buChar char="•"/>
+            </a:pPr>
+            <a:r>
+              <a:rPr lang="de-DE" dirty="0"/>
+              <a:t>RFID Reader</a:t>
             </a:r>
           </a:p>
         </p:txBody>
@@ -11810,7 +12884,7 @@
           <a:p>
             <a:r>
               <a:rPr lang="de-DE" dirty="0"/>
-              <a:t>BPMN Diagramm</a:t>
+              <a:t>BPMN Diagramm-Übersicht</a:t>
             </a:r>
           </a:p>
         </p:txBody>
@@ -11944,10 +13018,10 @@
       </p:sp>
       <p:pic>
         <p:nvPicPr>
-          <p:cNvPr id="10" name="Grafik 9">
+          <p:cNvPr id="7" name="Grafik 6">
             <a:extLst>
               <a:ext uri="{FF2B5EF4-FFF2-40B4-BE49-F238E27FC236}">
-                <a16:creationId xmlns:a16="http://schemas.microsoft.com/office/drawing/2014/main" id="{35D6BBD8-B051-466B-9D1B-9C0021BE7126}"/>
+                <a16:creationId xmlns:a16="http://schemas.microsoft.com/office/drawing/2014/main" id="{938065AA-7EFD-49F5-A188-D50560D5C8FD}"/>
               </a:ext>
             </a:extLst>
           </p:cNvPr>
@@ -11970,8 +13044,8 @@
         </p:blipFill>
         <p:spPr>
           <a:xfrm>
-            <a:off x="29943" y="1429789"/>
-            <a:ext cx="12165685" cy="4172989"/>
+            <a:off x="0" y="1205405"/>
+            <a:ext cx="12192000" cy="4247744"/>
           </a:xfrm>
           <a:prstGeom prst="rect">
             <a:avLst/>
@@ -12097,10 +13171,10 @@
       </p:sp>
       <p:pic>
         <p:nvPicPr>
-          <p:cNvPr id="7" name="Grafik 6">
+          <p:cNvPr id="6" name="Grafik 5">
             <a:extLst>
               <a:ext uri="{FF2B5EF4-FFF2-40B4-BE49-F238E27FC236}">
-                <a16:creationId xmlns:a16="http://schemas.microsoft.com/office/drawing/2014/main" id="{B611E64C-3DEF-46CA-B0FE-5F32C5CE7244}"/>
+                <a16:creationId xmlns:a16="http://schemas.microsoft.com/office/drawing/2014/main" id="{8C6FBBC3-F84A-48FB-A43D-450B1BBDC083}"/>
               </a:ext>
             </a:extLst>
           </p:cNvPr>
@@ -12123,8 +13197,8 @@
         </p:blipFill>
         <p:spPr>
           <a:xfrm>
-            <a:off x="946136" y="847898"/>
-            <a:ext cx="10299727" cy="5463979"/>
+            <a:off x="249382" y="761445"/>
+            <a:ext cx="11427255" cy="5572853"/>
           </a:xfrm>
           <a:prstGeom prst="rect">
             <a:avLst/>
@@ -12203,34 +13277,6 @@
       </p:grpSpPr>
       <p:sp>
         <p:nvSpPr>
-          <p:cNvPr id="2" name="Titel 1">
-            <a:extLst>
-              <a:ext uri="{FF2B5EF4-FFF2-40B4-BE49-F238E27FC236}">
-                <a16:creationId xmlns:a16="http://schemas.microsoft.com/office/drawing/2014/main" id="{757E532A-AA56-4528-80D1-FFE571B09F00}"/>
-              </a:ext>
-            </a:extLst>
-          </p:cNvPr>
-          <p:cNvSpPr>
-            <a:spLocks noGrp="1"/>
-          </p:cNvSpPr>
-          <p:nvPr>
-            <p:ph type="title"/>
-          </p:nvPr>
-        </p:nvSpPr>
-        <p:spPr/>
-        <p:txBody>
-          <a:bodyPr anchor="t"/>
-          <a:lstStyle/>
-          <a:p>
-            <a:r>
-              <a:rPr lang="de-DE" dirty="0"/>
-              <a:t>BPMN Diagramm</a:t>
-            </a:r>
-          </a:p>
-        </p:txBody>
-      </p:sp>
-      <p:sp>
-        <p:nvSpPr>
           <p:cNvPr id="4" name="Fußzeilenplatzhalter 3">
             <a:extLst>
               <a:ext uri="{FF2B5EF4-FFF2-40B4-BE49-F238E27FC236}">
@@ -12288,10 +13334,10 @@
       </p:sp>
       <p:pic>
         <p:nvPicPr>
-          <p:cNvPr id="7" name="Grafik 6">
+          <p:cNvPr id="6" name="Grafik 5">
             <a:extLst>
               <a:ext uri="{FF2B5EF4-FFF2-40B4-BE49-F238E27FC236}">
-                <a16:creationId xmlns:a16="http://schemas.microsoft.com/office/drawing/2014/main" id="{DFE0037B-699C-4055-87CD-324DF42A71FE}"/>
+                <a16:creationId xmlns:a16="http://schemas.microsoft.com/office/drawing/2014/main" id="{8BFAFCB0-AA5A-43C8-B2BA-F0671C639E11}"/>
               </a:ext>
             </a:extLst>
           </p:cNvPr>
@@ -12314,14 +13360,42 @@
         </p:blipFill>
         <p:spPr>
           <a:xfrm>
-            <a:off x="160993" y="1163146"/>
-            <a:ext cx="12031007" cy="5137265"/>
+            <a:off x="595594" y="847876"/>
+            <a:ext cx="11146828" cy="5419920"/>
           </a:xfrm>
           <a:prstGeom prst="rect">
             <a:avLst/>
           </a:prstGeom>
         </p:spPr>
       </p:pic>
+      <p:sp>
+        <p:nvSpPr>
+          <p:cNvPr id="2" name="Titel 1">
+            <a:extLst>
+              <a:ext uri="{FF2B5EF4-FFF2-40B4-BE49-F238E27FC236}">
+                <a16:creationId xmlns:a16="http://schemas.microsoft.com/office/drawing/2014/main" id="{757E532A-AA56-4528-80D1-FFE571B09F00}"/>
+              </a:ext>
+            </a:extLst>
+          </p:cNvPr>
+          <p:cNvSpPr>
+            <a:spLocks noGrp="1"/>
+          </p:cNvSpPr>
+          <p:nvPr>
+            <p:ph type="title"/>
+          </p:nvPr>
+        </p:nvSpPr>
+        <p:spPr/>
+        <p:txBody>
+          <a:bodyPr anchor="t"/>
+          <a:lstStyle/>
+          <a:p>
+            <a:r>
+              <a:rPr lang="de-DE" dirty="0"/>
+              <a:t>BPMN Diagramm</a:t>
+            </a:r>
+          </a:p>
+        </p:txBody>
+      </p:sp>
     </p:spTree>
     <p:extLst>
       <p:ext uri="{BB962C8B-B14F-4D97-AF65-F5344CB8AC3E}">
@@ -12369,7 +13443,7 @@
           <p:cNvPr id="2" name="Titel 1">
             <a:extLst>
               <a:ext uri="{FF2B5EF4-FFF2-40B4-BE49-F238E27FC236}">
-                <a16:creationId xmlns:a16="http://schemas.microsoft.com/office/drawing/2014/main" id="{EBA85F54-63E7-42CF-B18F-7EE29DE838DE}"/>
+                <a16:creationId xmlns:a16="http://schemas.microsoft.com/office/drawing/2014/main" id="{757E532A-AA56-4528-80D1-FFE571B09F00}"/>
               </a:ext>
             </a:extLst>
           </p:cNvPr>
@@ -12382,776 +13456,22 @@
         </p:nvSpPr>
         <p:spPr/>
         <p:txBody>
-          <a:bodyPr>
-            <a:normAutofit/>
-          </a:bodyPr>
-          <a:lstStyle/>
-          <a:p>
-            <a:pPr algn="ctr"/>
+          <a:bodyPr anchor="t"/>
+          <a:lstStyle/>
+          <a:p>
             <a:r>
               <a:rPr lang="de-DE" dirty="0"/>
-              <a:t>Work Breakdown Structure</a:t>
-            </a:r>
-          </a:p>
-        </p:txBody>
-      </p:sp>
-      <p:sp>
-        <p:nvSpPr>
-          <p:cNvPr id="5" name="Rechteck: abgerundete Ecken 4">
+              <a:t>BPMN Diagramm-Maischen</a:t>
+            </a:r>
+          </a:p>
+        </p:txBody>
+      </p:sp>
+      <p:sp>
+        <p:nvSpPr>
+          <p:cNvPr id="4" name="Fußzeilenplatzhalter 3">
             <a:extLst>
               <a:ext uri="{FF2B5EF4-FFF2-40B4-BE49-F238E27FC236}">
-                <a16:creationId xmlns:a16="http://schemas.microsoft.com/office/drawing/2014/main" id="{D05F816A-C7C1-49BE-ADE5-3D33CBD35610}"/>
-              </a:ext>
-            </a:extLst>
-          </p:cNvPr>
-          <p:cNvSpPr/>
-          <p:nvPr/>
-        </p:nvSpPr>
-        <p:spPr>
-          <a:xfrm>
-            <a:off x="7154107" y="1849884"/>
-            <a:ext cx="1275475" cy="570381"/>
-          </a:xfrm>
-          <a:prstGeom prst="roundRect">
-            <a:avLst/>
-          </a:prstGeom>
-          <a:ln>
-            <a:noFill/>
-          </a:ln>
-        </p:spPr>
-        <p:style>
-          <a:lnRef idx="1">
-            <a:schemeClr val="accent1"/>
-          </a:lnRef>
-          <a:fillRef idx="2">
-            <a:schemeClr val="accent1"/>
-          </a:fillRef>
-          <a:effectRef idx="1">
-            <a:schemeClr val="accent1"/>
-          </a:effectRef>
-          <a:fontRef idx="minor">
-            <a:schemeClr val="dk1"/>
-          </a:fontRef>
-        </p:style>
-        <p:txBody>
-          <a:bodyPr rtlCol="0" anchor="ctr"/>
-          <a:lstStyle/>
-          <a:p>
-            <a:pPr algn="ctr"/>
-            <a:r>
-              <a:rPr lang="de-DE" b="1" dirty="0" err="1">
-                <a:solidFill>
-                  <a:schemeClr val="bg1"/>
-                </a:solidFill>
-              </a:rPr>
-              <a:t>Testing</a:t>
-            </a:r>
-            <a:endParaRPr lang="de-DE" b="1" dirty="0">
-              <a:solidFill>
-                <a:schemeClr val="bg1"/>
-              </a:solidFill>
-            </a:endParaRPr>
-          </a:p>
-        </p:txBody>
-      </p:sp>
-      <p:sp>
-        <p:nvSpPr>
-          <p:cNvPr id="6" name="Rechteck: abgerundete Ecken 5">
-            <a:extLst>
-              <a:ext uri="{FF2B5EF4-FFF2-40B4-BE49-F238E27FC236}">
-                <a16:creationId xmlns:a16="http://schemas.microsoft.com/office/drawing/2014/main" id="{2748357F-DA3C-4365-B39A-A2797DCE49EB}"/>
-              </a:ext>
-            </a:extLst>
-          </p:cNvPr>
-          <p:cNvSpPr/>
-          <p:nvPr/>
-        </p:nvSpPr>
-        <p:spPr>
-          <a:xfrm>
-            <a:off x="994281" y="1849882"/>
-            <a:ext cx="1405616" cy="614525"/>
-          </a:xfrm>
-          <a:prstGeom prst="roundRect">
-            <a:avLst/>
-          </a:prstGeom>
-          <a:ln>
-            <a:noFill/>
-          </a:ln>
-        </p:spPr>
-        <p:style>
-          <a:lnRef idx="1">
-            <a:schemeClr val="accent1"/>
-          </a:lnRef>
-          <a:fillRef idx="2">
-            <a:schemeClr val="accent1"/>
-          </a:fillRef>
-          <a:effectRef idx="1">
-            <a:schemeClr val="accent1"/>
-          </a:effectRef>
-          <a:fontRef idx="minor">
-            <a:schemeClr val="dk1"/>
-          </a:fontRef>
-        </p:style>
-        <p:txBody>
-          <a:bodyPr rtlCol="0" anchor="ctr"/>
-          <a:lstStyle/>
-          <a:p>
-            <a:pPr algn="ctr"/>
-            <a:r>
-              <a:rPr lang="de-DE" sz="1400" b="1" dirty="0" err="1">
-                <a:solidFill>
-                  <a:schemeClr val="bg1"/>
-                </a:solidFill>
-              </a:rPr>
-              <a:t>Developement</a:t>
-            </a:r>
-            <a:endParaRPr lang="de-DE" sz="1400" b="1" dirty="0">
-              <a:solidFill>
-                <a:schemeClr val="bg1"/>
-              </a:solidFill>
-            </a:endParaRPr>
-          </a:p>
-        </p:txBody>
-      </p:sp>
-      <p:sp>
-        <p:nvSpPr>
-          <p:cNvPr id="8" name="Rechteck: abgerundete Ecken 7">
-            <a:extLst>
-              <a:ext uri="{FF2B5EF4-FFF2-40B4-BE49-F238E27FC236}">
-                <a16:creationId xmlns:a16="http://schemas.microsoft.com/office/drawing/2014/main" id="{25C6A291-E902-4178-AD51-613DEEC5CEC3}"/>
-              </a:ext>
-            </a:extLst>
-          </p:cNvPr>
-          <p:cNvSpPr/>
-          <p:nvPr/>
-        </p:nvSpPr>
-        <p:spPr>
-          <a:xfrm>
-            <a:off x="9777716" y="1871954"/>
-            <a:ext cx="1155895" cy="570381"/>
-          </a:xfrm>
-          <a:prstGeom prst="roundRect">
-            <a:avLst/>
-          </a:prstGeom>
-          <a:ln>
-            <a:noFill/>
-          </a:ln>
-        </p:spPr>
-        <p:style>
-          <a:lnRef idx="1">
-            <a:schemeClr val="accent1"/>
-          </a:lnRef>
-          <a:fillRef idx="2">
-            <a:schemeClr val="accent1"/>
-          </a:fillRef>
-          <a:effectRef idx="1">
-            <a:schemeClr val="accent1"/>
-          </a:effectRef>
-          <a:fontRef idx="minor">
-            <a:schemeClr val="dk1"/>
-          </a:fontRef>
-        </p:style>
-        <p:txBody>
-          <a:bodyPr rtlCol="0" anchor="ctr"/>
-          <a:lstStyle/>
-          <a:p>
-            <a:pPr algn="ctr"/>
-            <a:r>
-              <a:rPr lang="de-DE" b="1" dirty="0">
-                <a:solidFill>
-                  <a:schemeClr val="bg1"/>
-                </a:solidFill>
-              </a:rPr>
-              <a:t>Support</a:t>
-            </a:r>
-          </a:p>
-        </p:txBody>
-      </p:sp>
-      <p:sp>
-        <p:nvSpPr>
-          <p:cNvPr id="9" name="Rechteck 8">
-            <a:extLst>
-              <a:ext uri="{FF2B5EF4-FFF2-40B4-BE49-F238E27FC236}">
-                <a16:creationId xmlns:a16="http://schemas.microsoft.com/office/drawing/2014/main" id="{6E6E176E-2C0C-4FEF-AFBC-F5E07926AEFE}"/>
-              </a:ext>
-            </a:extLst>
-          </p:cNvPr>
-          <p:cNvSpPr/>
-          <p:nvPr/>
-        </p:nvSpPr>
-        <p:spPr>
-          <a:xfrm>
-            <a:off x="410437" y="2464409"/>
-            <a:ext cx="3091126" cy="4197677"/>
-          </a:xfrm>
-          <a:prstGeom prst="rect">
-            <a:avLst/>
-          </a:prstGeom>
-          <a:noFill/>
-          <a:ln>
-            <a:noFill/>
-          </a:ln>
-        </p:spPr>
-        <p:style>
-          <a:lnRef idx="2">
-            <a:schemeClr val="accent1">
-              <a:shade val="50000"/>
-            </a:schemeClr>
-          </a:lnRef>
-          <a:fillRef idx="1">
-            <a:schemeClr val="accent1"/>
-          </a:fillRef>
-          <a:effectRef idx="0">
-            <a:schemeClr val="accent1"/>
-          </a:effectRef>
-          <a:fontRef idx="minor">
-            <a:schemeClr val="lt1"/>
-          </a:fontRef>
-        </p:style>
-        <p:txBody>
-          <a:bodyPr rtlCol="0" anchor="t"/>
-          <a:lstStyle/>
-          <a:p>
-            <a:pPr marL="285750" indent="-285750">
-              <a:buFont typeface="Arial" panose="020B0604020202020204" pitchFamily="34" charset="0"/>
-              <a:buChar char="•"/>
-            </a:pPr>
-            <a:r>
-              <a:rPr lang="de-DE" sz="1400" dirty="0">
-                <a:solidFill>
-                  <a:schemeClr val="tx1"/>
-                </a:solidFill>
-              </a:rPr>
-              <a:t>MQTT Server programmieren</a:t>
-            </a:r>
-          </a:p>
-          <a:p>
-            <a:pPr marL="285750" indent="-285750">
-              <a:buFont typeface="Arial" panose="020B0604020202020204" pitchFamily="34" charset="0"/>
-              <a:buChar char="•"/>
-            </a:pPr>
-            <a:r>
-              <a:rPr lang="de-DE" sz="1400" dirty="0">
-                <a:solidFill>
-                  <a:schemeClr val="tx1"/>
-                </a:solidFill>
-              </a:rPr>
-              <a:t>Rezepte in SAP einpflegen </a:t>
-            </a:r>
-          </a:p>
-          <a:p>
-            <a:pPr marL="285750" indent="-285750">
-              <a:buFont typeface="Arial" panose="020B0604020202020204" pitchFamily="34" charset="0"/>
-              <a:buChar char="•"/>
-            </a:pPr>
-            <a:r>
-              <a:rPr lang="de-DE" sz="1400" dirty="0">
-                <a:solidFill>
-                  <a:schemeClr val="tx1"/>
-                </a:solidFill>
-              </a:rPr>
-              <a:t>Schnittstelle für Pflanzenanbau schaffen</a:t>
-            </a:r>
-          </a:p>
-          <a:p>
-            <a:pPr marL="285750" indent="-285750">
-              <a:buFont typeface="Arial" panose="020B0604020202020204" pitchFamily="34" charset="0"/>
-              <a:buChar char="•"/>
-            </a:pPr>
-            <a:r>
-              <a:rPr lang="de-DE" sz="1400" dirty="0">
-                <a:solidFill>
-                  <a:schemeClr val="tx1"/>
-                </a:solidFill>
-              </a:rPr>
-              <a:t>Schnittstelle für </a:t>
-            </a:r>
-            <a:r>
-              <a:rPr lang="de-DE" sz="1400" dirty="0" err="1">
-                <a:solidFill>
-                  <a:schemeClr val="tx1"/>
-                </a:solidFill>
-              </a:rPr>
-              <a:t>Conditioning</a:t>
-            </a:r>
-            <a:r>
-              <a:rPr lang="de-DE" sz="1400" dirty="0">
-                <a:solidFill>
-                  <a:schemeClr val="tx1"/>
-                </a:solidFill>
-              </a:rPr>
-              <a:t> Monitoring</a:t>
-            </a:r>
-          </a:p>
-          <a:p>
-            <a:pPr marL="285750" indent="-285750">
-              <a:buFont typeface="Arial" panose="020B0604020202020204" pitchFamily="34" charset="0"/>
-              <a:buChar char="•"/>
-            </a:pPr>
-            <a:r>
-              <a:rPr lang="de-DE" sz="1400" dirty="0">
-                <a:solidFill>
-                  <a:schemeClr val="tx1"/>
-                </a:solidFill>
-              </a:rPr>
-              <a:t>SAP programmieren</a:t>
-            </a:r>
-          </a:p>
-          <a:p>
-            <a:pPr marL="285750" indent="-285750">
-              <a:buFont typeface="Arial" panose="020B0604020202020204" pitchFamily="34" charset="0"/>
-              <a:buChar char="•"/>
-            </a:pPr>
-            <a:r>
-              <a:rPr lang="de-DE" sz="1400" dirty="0">
-                <a:solidFill>
-                  <a:schemeClr val="tx1"/>
-                </a:solidFill>
-              </a:rPr>
-              <a:t>SAP Schnittstelle für die Sensoren </a:t>
-            </a:r>
-          </a:p>
-          <a:p>
-            <a:pPr marL="285750" indent="-285750">
-              <a:buFont typeface="Arial" panose="020B0604020202020204" pitchFamily="34" charset="0"/>
-              <a:buChar char="•"/>
-            </a:pPr>
-            <a:r>
-              <a:rPr lang="de-DE" sz="1400" dirty="0">
-                <a:solidFill>
-                  <a:schemeClr val="tx1"/>
-                </a:solidFill>
-              </a:rPr>
-              <a:t>RFID Kennzeichnung (pro Auftrag) erzeugen</a:t>
-            </a:r>
-          </a:p>
-          <a:p>
-            <a:pPr marL="285750" indent="-285750">
-              <a:buFont typeface="Arial" panose="020B0604020202020204" pitchFamily="34" charset="0"/>
-              <a:buChar char="•"/>
-            </a:pPr>
-            <a:r>
-              <a:rPr lang="de-DE" sz="1400" dirty="0">
-                <a:solidFill>
-                  <a:schemeClr val="tx1"/>
-                </a:solidFill>
-              </a:rPr>
-              <a:t>Sensoren anbinden und konfigurieren</a:t>
-            </a:r>
-          </a:p>
-          <a:p>
-            <a:pPr marL="285750" indent="-285750">
-              <a:buFont typeface="Arial" panose="020B0604020202020204" pitchFamily="34" charset="0"/>
-              <a:buChar char="•"/>
-            </a:pPr>
-            <a:r>
-              <a:rPr lang="de-DE" sz="1400" dirty="0">
-                <a:solidFill>
-                  <a:schemeClr val="tx1"/>
-                </a:solidFill>
-              </a:rPr>
-              <a:t>Aktoren anbinden und konfigurieren</a:t>
-            </a:r>
-          </a:p>
-          <a:p>
-            <a:pPr marL="285750" indent="-285750">
-              <a:buFont typeface="Arial" panose="020B0604020202020204" pitchFamily="34" charset="0"/>
-              <a:buChar char="•"/>
-            </a:pPr>
-            <a:r>
-              <a:rPr lang="de-DE" sz="1400" dirty="0">
-                <a:solidFill>
-                  <a:schemeClr val="tx1"/>
-                </a:solidFill>
-              </a:rPr>
-              <a:t>SPS programmieren und anbinden</a:t>
-            </a:r>
-          </a:p>
-          <a:p>
-            <a:pPr marL="285750" indent="-285750">
-              <a:buFont typeface="Arial" panose="020B0604020202020204" pitchFamily="34" charset="0"/>
-              <a:buChar char="•"/>
-            </a:pPr>
-            <a:r>
-              <a:rPr lang="de-DE" sz="1400" dirty="0">
-                <a:solidFill>
-                  <a:schemeClr val="tx1"/>
-                </a:solidFill>
-              </a:rPr>
-              <a:t>Gateway aufsetzen </a:t>
-            </a:r>
-          </a:p>
-        </p:txBody>
-      </p:sp>
-      <p:sp>
-        <p:nvSpPr>
-          <p:cNvPr id="31" name="Rechteck: abgerundete Ecken 30">
-            <a:extLst>
-              <a:ext uri="{FF2B5EF4-FFF2-40B4-BE49-F238E27FC236}">
-                <a16:creationId xmlns:a16="http://schemas.microsoft.com/office/drawing/2014/main" id="{0C03E21E-2FD8-44A6-AE66-1AFAE12DD2D5}"/>
-              </a:ext>
-            </a:extLst>
-          </p:cNvPr>
-          <p:cNvSpPr/>
-          <p:nvPr/>
-        </p:nvSpPr>
-        <p:spPr>
-          <a:xfrm>
-            <a:off x="4465455" y="1849883"/>
-            <a:ext cx="1275475" cy="570382"/>
-          </a:xfrm>
-          <a:prstGeom prst="roundRect">
-            <a:avLst/>
-          </a:prstGeom>
-          <a:ln>
-            <a:noFill/>
-          </a:ln>
-        </p:spPr>
-        <p:style>
-          <a:lnRef idx="1">
-            <a:schemeClr val="accent1"/>
-          </a:lnRef>
-          <a:fillRef idx="2">
-            <a:schemeClr val="accent1"/>
-          </a:fillRef>
-          <a:effectRef idx="1">
-            <a:schemeClr val="accent1"/>
-          </a:effectRef>
-          <a:fontRef idx="minor">
-            <a:schemeClr val="dk1"/>
-          </a:fontRef>
-        </p:style>
-        <p:txBody>
-          <a:bodyPr rtlCol="0" anchor="ctr"/>
-          <a:lstStyle/>
-          <a:p>
-            <a:pPr algn="ctr"/>
-            <a:r>
-              <a:rPr lang="de-DE" sz="1400" b="1" dirty="0">
-                <a:solidFill>
-                  <a:schemeClr val="bg1"/>
-                </a:solidFill>
-              </a:rPr>
-              <a:t>Projekt-</a:t>
-            </a:r>
-          </a:p>
-          <a:p>
-            <a:pPr algn="ctr"/>
-            <a:r>
-              <a:rPr lang="de-DE" sz="1400" b="1" dirty="0" err="1">
-                <a:solidFill>
-                  <a:schemeClr val="bg1"/>
-                </a:solidFill>
-              </a:rPr>
-              <a:t>management</a:t>
-            </a:r>
-            <a:endParaRPr lang="de-DE" sz="1400" b="1" dirty="0">
-              <a:solidFill>
-                <a:schemeClr val="bg1"/>
-              </a:solidFill>
-            </a:endParaRPr>
-          </a:p>
-        </p:txBody>
-      </p:sp>
-      <p:sp>
-        <p:nvSpPr>
-          <p:cNvPr id="26" name="Rechteck 25">
-            <a:extLst>
-              <a:ext uri="{FF2B5EF4-FFF2-40B4-BE49-F238E27FC236}">
-                <a16:creationId xmlns:a16="http://schemas.microsoft.com/office/drawing/2014/main" id="{CA1B537E-5B48-4DFB-9BEA-6D3128E34427}"/>
-              </a:ext>
-            </a:extLst>
-          </p:cNvPr>
-          <p:cNvSpPr/>
-          <p:nvPr/>
-        </p:nvSpPr>
-        <p:spPr>
-          <a:xfrm>
-            <a:off x="3813074" y="2464409"/>
-            <a:ext cx="3091126" cy="4197677"/>
-          </a:xfrm>
-          <a:prstGeom prst="rect">
-            <a:avLst/>
-          </a:prstGeom>
-          <a:noFill/>
-          <a:ln>
-            <a:noFill/>
-          </a:ln>
-        </p:spPr>
-        <p:style>
-          <a:lnRef idx="2">
-            <a:schemeClr val="accent1">
-              <a:shade val="50000"/>
-            </a:schemeClr>
-          </a:lnRef>
-          <a:fillRef idx="1">
-            <a:schemeClr val="accent1"/>
-          </a:fillRef>
-          <a:effectRef idx="0">
-            <a:schemeClr val="accent1"/>
-          </a:effectRef>
-          <a:fontRef idx="minor">
-            <a:schemeClr val="lt1"/>
-          </a:fontRef>
-        </p:style>
-        <p:txBody>
-          <a:bodyPr rtlCol="0" anchor="t"/>
-          <a:lstStyle/>
-          <a:p>
-            <a:pPr marL="285750" indent="-285750">
-              <a:buFont typeface="Arial" panose="020B0604020202020204" pitchFamily="34" charset="0"/>
-              <a:buChar char="•"/>
-            </a:pPr>
-            <a:r>
-              <a:rPr lang="de-DE" sz="1400" dirty="0">
-                <a:solidFill>
-                  <a:schemeClr val="tx1"/>
-                </a:solidFill>
-              </a:rPr>
-              <a:t>Kommunikationsplan des </a:t>
-            </a:r>
-            <a:br>
-              <a:rPr lang="de-DE" sz="1400" dirty="0">
-                <a:solidFill>
-                  <a:schemeClr val="tx1"/>
-                </a:solidFill>
-              </a:rPr>
-            </a:br>
-            <a:r>
-              <a:rPr lang="de-DE" sz="1400" dirty="0">
-                <a:solidFill>
-                  <a:schemeClr val="tx1"/>
-                </a:solidFill>
-              </a:rPr>
-              <a:t>Systems erstellen</a:t>
-            </a:r>
-          </a:p>
-          <a:p>
-            <a:pPr marL="285750" indent="-285750">
-              <a:buFont typeface="Arial" panose="020B0604020202020204" pitchFamily="34" charset="0"/>
-              <a:buChar char="•"/>
-            </a:pPr>
-            <a:r>
-              <a:rPr lang="de-DE" sz="1400" dirty="0">
-                <a:solidFill>
-                  <a:schemeClr val="tx1"/>
-                </a:solidFill>
-              </a:rPr>
-              <a:t>Aktivitätsplan und Verteilung </a:t>
-            </a:r>
-          </a:p>
-          <a:p>
-            <a:pPr marL="285750" indent="-285750">
-              <a:buFont typeface="Arial" panose="020B0604020202020204" pitchFamily="34" charset="0"/>
-              <a:buChar char="•"/>
-            </a:pPr>
-            <a:r>
-              <a:rPr lang="de-DE" sz="1400" dirty="0">
-                <a:solidFill>
-                  <a:schemeClr val="tx1"/>
-                </a:solidFill>
-              </a:rPr>
-              <a:t>Kommunikation mit Braumeister</a:t>
-            </a:r>
-          </a:p>
-          <a:p>
-            <a:pPr marL="285750" indent="-285750">
-              <a:buFont typeface="Arial" panose="020B0604020202020204" pitchFamily="34" charset="0"/>
-              <a:buChar char="•"/>
-            </a:pPr>
-            <a:r>
-              <a:rPr lang="de-DE" sz="1400" dirty="0">
-                <a:solidFill>
-                  <a:schemeClr val="tx1"/>
-                </a:solidFill>
-              </a:rPr>
-              <a:t>Kommunikation mit anderen Gruppen</a:t>
-            </a:r>
-          </a:p>
-          <a:p>
-            <a:pPr marL="285750" indent="-285750">
-              <a:buFont typeface="Arial" panose="020B0604020202020204" pitchFamily="34" charset="0"/>
-              <a:buChar char="•"/>
-            </a:pPr>
-            <a:r>
-              <a:rPr lang="de-DE" sz="1400" dirty="0">
-                <a:solidFill>
-                  <a:schemeClr val="tx1"/>
-                </a:solidFill>
-              </a:rPr>
-              <a:t>Überprüfung der Ziele und mögliche Anpassung des Projektplans</a:t>
-            </a:r>
-          </a:p>
-        </p:txBody>
-      </p:sp>
-      <p:sp>
-        <p:nvSpPr>
-          <p:cNvPr id="30" name="Rechteck 29">
-            <a:extLst>
-              <a:ext uri="{FF2B5EF4-FFF2-40B4-BE49-F238E27FC236}">
-                <a16:creationId xmlns:a16="http://schemas.microsoft.com/office/drawing/2014/main" id="{C80BE056-2216-419E-A5EA-0CCEEE7AC3B1}"/>
-              </a:ext>
-            </a:extLst>
-          </p:cNvPr>
-          <p:cNvSpPr/>
-          <p:nvPr/>
-        </p:nvSpPr>
-        <p:spPr>
-          <a:xfrm>
-            <a:off x="6686590" y="2464410"/>
-            <a:ext cx="3091126" cy="4197677"/>
-          </a:xfrm>
-          <a:prstGeom prst="rect">
-            <a:avLst/>
-          </a:prstGeom>
-          <a:noFill/>
-          <a:ln>
-            <a:noFill/>
-          </a:ln>
-        </p:spPr>
-        <p:style>
-          <a:lnRef idx="2">
-            <a:schemeClr val="accent1">
-              <a:shade val="50000"/>
-            </a:schemeClr>
-          </a:lnRef>
-          <a:fillRef idx="1">
-            <a:schemeClr val="accent1"/>
-          </a:fillRef>
-          <a:effectRef idx="0">
-            <a:schemeClr val="accent1"/>
-          </a:effectRef>
-          <a:fontRef idx="minor">
-            <a:schemeClr val="lt1"/>
-          </a:fontRef>
-        </p:style>
-        <p:txBody>
-          <a:bodyPr rtlCol="0" anchor="t"/>
-          <a:lstStyle/>
-          <a:p>
-            <a:pPr marL="285750" indent="-285750">
-              <a:buFont typeface="Arial" panose="020B0604020202020204" pitchFamily="34" charset="0"/>
-              <a:buChar char="•"/>
-            </a:pPr>
-            <a:r>
-              <a:rPr lang="de-DE" sz="1400" dirty="0">
-                <a:solidFill>
-                  <a:schemeClr val="tx1"/>
-                </a:solidFill>
-              </a:rPr>
-              <a:t>Stresstest/Integrationstest</a:t>
-            </a:r>
-          </a:p>
-          <a:p>
-            <a:pPr marL="285750" indent="-285750">
-              <a:buFont typeface="Arial" panose="020B0604020202020204" pitchFamily="34" charset="0"/>
-              <a:buChar char="•"/>
-            </a:pPr>
-            <a:r>
-              <a:rPr lang="de-DE" sz="1400" dirty="0">
-                <a:solidFill>
-                  <a:schemeClr val="tx1"/>
-                </a:solidFill>
-              </a:rPr>
-              <a:t>Produktionstest/Abnahme</a:t>
-            </a:r>
-          </a:p>
-          <a:p>
-            <a:pPr marL="285750" indent="-285750">
-              <a:buFont typeface="Arial" panose="020B0604020202020204" pitchFamily="34" charset="0"/>
-              <a:buChar char="•"/>
-            </a:pPr>
-            <a:r>
-              <a:rPr lang="de-DE" sz="1400" dirty="0">
-                <a:solidFill>
-                  <a:schemeClr val="tx1"/>
-                </a:solidFill>
-              </a:rPr>
-              <a:t>Test der Teilkomponenten</a:t>
-            </a:r>
-          </a:p>
-        </p:txBody>
-      </p:sp>
-      <p:sp>
-        <p:nvSpPr>
-          <p:cNvPr id="35" name="Rechteck 34">
-            <a:extLst>
-              <a:ext uri="{FF2B5EF4-FFF2-40B4-BE49-F238E27FC236}">
-                <a16:creationId xmlns:a16="http://schemas.microsoft.com/office/drawing/2014/main" id="{B3E8A12B-59CA-41CA-8416-C45E34EE49E2}"/>
-              </a:ext>
-            </a:extLst>
-          </p:cNvPr>
-          <p:cNvSpPr/>
-          <p:nvPr/>
-        </p:nvSpPr>
-        <p:spPr>
-          <a:xfrm>
-            <a:off x="9170498" y="2464408"/>
-            <a:ext cx="3091126" cy="4197677"/>
-          </a:xfrm>
-          <a:prstGeom prst="rect">
-            <a:avLst/>
-          </a:prstGeom>
-          <a:noFill/>
-          <a:ln>
-            <a:noFill/>
-          </a:ln>
-        </p:spPr>
-        <p:style>
-          <a:lnRef idx="2">
-            <a:schemeClr val="accent1">
-              <a:shade val="50000"/>
-            </a:schemeClr>
-          </a:lnRef>
-          <a:fillRef idx="1">
-            <a:schemeClr val="accent1"/>
-          </a:fillRef>
-          <a:effectRef idx="0">
-            <a:schemeClr val="accent1"/>
-          </a:effectRef>
-          <a:fontRef idx="minor">
-            <a:schemeClr val="lt1"/>
-          </a:fontRef>
-        </p:style>
-        <p:txBody>
-          <a:bodyPr rtlCol="0" anchor="t"/>
-          <a:lstStyle/>
-          <a:p>
-            <a:pPr marL="285750" indent="-285750">
-              <a:buFont typeface="Arial" panose="020B0604020202020204" pitchFamily="34" charset="0"/>
-              <a:buChar char="•"/>
-            </a:pPr>
-            <a:r>
-              <a:rPr lang="de-DE" sz="1400" dirty="0">
-                <a:solidFill>
-                  <a:schemeClr val="tx1"/>
-                </a:solidFill>
-              </a:rPr>
-              <a:t>Mitarbeiter Schulung </a:t>
-            </a:r>
-          </a:p>
-          <a:p>
-            <a:pPr marL="285750" indent="-285750">
-              <a:buFont typeface="Arial" panose="020B0604020202020204" pitchFamily="34" charset="0"/>
-              <a:buChar char="•"/>
-            </a:pPr>
-            <a:r>
-              <a:rPr lang="de-DE" sz="1400" dirty="0">
-                <a:solidFill>
-                  <a:schemeClr val="tx1"/>
-                </a:solidFill>
-              </a:rPr>
-              <a:t>Kommunikation mit Kunde</a:t>
-            </a:r>
-          </a:p>
-        </p:txBody>
-      </p:sp>
-      <p:sp>
-        <p:nvSpPr>
-          <p:cNvPr id="3" name="Fußzeilenplatzhalter 2">
-            <a:extLst>
-              <a:ext uri="{FF2B5EF4-FFF2-40B4-BE49-F238E27FC236}">
-                <a16:creationId xmlns:a16="http://schemas.microsoft.com/office/drawing/2014/main" id="{8CC179E7-4409-4C99-93B9-4BFA40F46995}"/>
+                <a16:creationId xmlns:a16="http://schemas.microsoft.com/office/drawing/2014/main" id="{6C90DE98-DF22-4C9E-9A96-D9366834FB7C}"/>
               </a:ext>
             </a:extLst>
           </p:cNvPr>
@@ -13168,36 +13488,18 @@
           <a:lstStyle/>
           <a:p>
             <a:r>
-              <a:rPr lang="de-DE" dirty="0">
-                <a:latin typeface="Aharoni" panose="02010803020104030203" pitchFamily="2" charset="-79"/>
-                <a:cs typeface="Aharoni" panose="02010803020104030203" pitchFamily="2" charset="-79"/>
-              </a:rPr>
-              <a:t>Alb-</a:t>
-            </a:r>
-            <a:r>
-              <a:rPr lang="de-DE" dirty="0" err="1">
-                <a:latin typeface="Aharoni" panose="02010803020104030203" pitchFamily="2" charset="-79"/>
-                <a:cs typeface="Aharoni" panose="02010803020104030203" pitchFamily="2" charset="-79"/>
-              </a:rPr>
-              <a:t>Brau</a:t>
-            </a:r>
-            <a:r>
-              <a:rPr lang="de-DE" dirty="0">
-                <a:latin typeface="Aharoni" panose="02010803020104030203" pitchFamily="2" charset="-79"/>
-                <a:cs typeface="Aharoni" panose="02010803020104030203" pitchFamily="2" charset="-79"/>
-              </a:rPr>
-              <a:t> Consulting AG</a:t>
-            </a:r>
-            <a:endParaRPr lang="de-DE" dirty="0"/>
-          </a:p>
-        </p:txBody>
-      </p:sp>
-      <p:sp>
-        <p:nvSpPr>
-          <p:cNvPr id="4" name="Foliennummernplatzhalter 3">
+              <a:rPr lang="de-DE"/>
+              <a:t>Alb-Brau Consulting AG </a:t>
+            </a:r>
+          </a:p>
+        </p:txBody>
+      </p:sp>
+      <p:sp>
+        <p:nvSpPr>
+          <p:cNvPr id="5" name="Foliennummernplatzhalter 4">
             <a:extLst>
               <a:ext uri="{FF2B5EF4-FFF2-40B4-BE49-F238E27FC236}">
-                <a16:creationId xmlns:a16="http://schemas.microsoft.com/office/drawing/2014/main" id="{EE861B97-CE42-4A82-B31C-C2CA0973844B}"/>
+                <a16:creationId xmlns:a16="http://schemas.microsoft.com/office/drawing/2014/main" id="{048D60BD-C646-410C-B2C8-E2F49A762970}"/>
               </a:ext>
             </a:extLst>
           </p:cNvPr>
@@ -13221,10 +13523,46 @@
           </a:p>
         </p:txBody>
       </p:sp>
+      <p:pic>
+        <p:nvPicPr>
+          <p:cNvPr id="7" name="Grafik 6">
+            <a:extLst>
+              <a:ext uri="{FF2B5EF4-FFF2-40B4-BE49-F238E27FC236}">
+                <a16:creationId xmlns:a16="http://schemas.microsoft.com/office/drawing/2014/main" id="{2D8019E4-9181-49E5-847F-8B62AC9757A2}"/>
+              </a:ext>
+            </a:extLst>
+          </p:cNvPr>
+          <p:cNvPicPr>
+            <a:picLocks noChangeAspect="1"/>
+          </p:cNvPicPr>
+          <p:nvPr/>
+        </p:nvPicPr>
+        <p:blipFill>
+          <a:blip r:embed="rId2">
+            <a:extLst>
+              <a:ext uri="{28A0092B-C50C-407E-A947-70E740481C1C}">
+                <a14:useLocalDpi xmlns:a14="http://schemas.microsoft.com/office/drawing/2010/main" val="0"/>
+              </a:ext>
+            </a:extLst>
+          </a:blip>
+          <a:stretch>
+            <a:fillRect/>
+          </a:stretch>
+        </p:blipFill>
+        <p:spPr>
+          <a:xfrm>
+            <a:off x="657953" y="1496478"/>
+            <a:ext cx="10876093" cy="3383280"/>
+          </a:xfrm>
+          <a:prstGeom prst="rect">
+            <a:avLst/>
+          </a:prstGeom>
+        </p:spPr>
+      </p:pic>
     </p:spTree>
     <p:extLst>
       <p:ext uri="{BB962C8B-B14F-4D97-AF65-F5344CB8AC3E}">
-        <p14:creationId xmlns:p14="http://schemas.microsoft.com/office/powerpoint/2010/main" val="128592377"/>
+        <p14:creationId xmlns:p14="http://schemas.microsoft.com/office/powerpoint/2010/main" val="3166005315"/>
       </p:ext>
     </p:extLst>
   </p:cSld>

--- a/Präsentation/Präsentation.pptx
+++ b/Präsentation/Präsentation.pptx
@@ -7509,7 +7509,7 @@
         <p:spPr>
           <a:xfrm>
             <a:off x="621936" y="1596352"/>
-            <a:ext cx="11210120" cy="3139321"/>
+            <a:ext cx="11210120" cy="3816429"/>
           </a:xfrm>
           <a:prstGeom prst="rect">
             <a:avLst/>
@@ -7584,6 +7584,26 @@
             <a:r>
               <a:rPr lang="de-DE" sz="2200" dirty="0"/>
               <a:t>Dashboard zur Überwachung verschiedener Sensorwerten</a:t>
+            </a:r>
+          </a:p>
+          <a:p>
+            <a:pPr marL="342900" indent="-342900">
+              <a:buFont typeface="Arial" panose="020B0604020202020204" pitchFamily="34" charset="0"/>
+              <a:buChar char="•"/>
+            </a:pPr>
+            <a:r>
+              <a:rPr lang="de-DE" sz="2200" dirty="0"/>
+              <a:t>Software Schulung für Mitarbeiter</a:t>
+            </a:r>
+          </a:p>
+          <a:p>
+            <a:pPr marL="342900" indent="-342900">
+              <a:buFont typeface="Arial" panose="020B0604020202020204" pitchFamily="34" charset="0"/>
+              <a:buChar char="•"/>
+            </a:pPr>
+            <a:r>
+              <a:rPr lang="de-DE" sz="2200" dirty="0"/>
+              <a:t>Installation für RFID</a:t>
             </a:r>
           </a:p>
           <a:p>
